--- a/fall13/slidesF13/page-rank.pptx
+++ b/fall13/slidesF13/page-rank.pptx
@@ -5,10 +5,10 @@
     <p:sldMasterId id="2147483648" r:id="rId1"/>
   </p:sldMasterIdLst>
   <p:notesMasterIdLst>
-    <p:notesMasterId r:id="rId7"/>
+    <p:notesMasterId r:id="rId8"/>
   </p:notesMasterIdLst>
   <p:handoutMasterIdLst>
-    <p:handoutMasterId r:id="rId8"/>
+    <p:handoutMasterId r:id="rId9"/>
   </p:handoutMasterIdLst>
   <p:sldIdLst>
     <p:sldId id="333" r:id="rId2"/>
@@ -16,6 +16,7 @@
     <p:sldId id="296" r:id="rId4"/>
     <p:sldId id="335" r:id="rId5"/>
     <p:sldId id="336" r:id="rId6"/>
+    <p:sldId id="337" r:id="rId7"/>
   </p:sldIdLst>
   <p:sldSz cx="9144000" cy="6858000" type="screen4x3"/>
   <p:notesSz cx="9601200" cy="7315200"/>
@@ -6192,6 +6193,175 @@
   <p:clrMapOvr>
     <a:masterClrMapping/>
   </p:clrMapOvr>
+</p:sld>
+</file>
+
+<file path=ppt/slides/slide6.xml><?xml version="1.0" encoding="utf-8"?>
+<p:sld xmlns:a="http://schemas.openxmlformats.org/drawingml/2006/main" xmlns:r="http://schemas.openxmlformats.org/officeDocument/2006/relationships" xmlns:p="http://schemas.openxmlformats.org/presentationml/2006/main" show="0">
+  <p:cSld>
+    <p:spTree>
+      <p:nvGrpSpPr>
+        <p:cNvPr id="1" name=""/>
+        <p:cNvGrpSpPr/>
+        <p:nvPr/>
+      </p:nvGrpSpPr>
+      <p:grpSpPr>
+        <a:xfrm>
+          <a:off x="0" y="0"/>
+          <a:ext cx="0" cy="0"/>
+          <a:chOff x="0" y="0"/>
+          <a:chExt cx="0" cy="0"/>
+        </a:xfrm>
+      </p:grpSpPr>
+      <p:sp>
+        <p:nvSpPr>
+          <p:cNvPr id="3" name="Content Placeholder 2"/>
+          <p:cNvSpPr>
+            <a:spLocks noGrp="1"/>
+          </p:cNvSpPr>
+          <p:nvPr>
+            <p:ph idx="1"/>
+          </p:nvPr>
+        </p:nvSpPr>
+        <p:spPr/>
+        <p:txBody>
+          <a:bodyPr/>
+          <a:lstStyle/>
+          <a:p>
+            <a:pPr marL="0" indent="0">
+              <a:buNone/>
+            </a:pPr>
+            <a:r>
+              <a:rPr lang="en-US" dirty="0" smtClean="0"/>
+              <a:t>Resistance to scamming</a:t>
+            </a:r>
+          </a:p>
+          <a:p>
+            <a:r>
+              <a:rPr lang="en-US" dirty="0" smtClean="0"/>
+              <a:t>create fake nodes pointing to self</a:t>
+            </a:r>
+          </a:p>
+          <a:p>
+            <a:r>
+              <a:rPr lang="en-US" dirty="0" smtClean="0"/>
+              <a:t>…</a:t>
+            </a:r>
+            <a:endParaRPr lang="en-US" dirty="0"/>
+          </a:p>
+        </p:txBody>
+      </p:sp>
+      <p:sp>
+        <p:nvSpPr>
+          <p:cNvPr id="4" name="Slide Number Placeholder 3"/>
+          <p:cNvSpPr>
+            <a:spLocks noGrp="1"/>
+          </p:cNvSpPr>
+          <p:nvPr>
+            <p:ph type="sldNum" sz="quarter" idx="12"/>
+          </p:nvPr>
+        </p:nvSpPr>
+        <p:spPr/>
+        <p:txBody>
+          <a:bodyPr/>
+          <a:lstStyle/>
+          <a:p>
+            <a:pPr>
+              <a:defRPr/>
+            </a:pPr>
+            <a:r>
+              <a:rPr lang="en-US" smtClean="0"/>
+              <a:t>random-walk.</a:t>
+            </a:r>
+            <a:fld id="{E877D3CB-F960-BD47-98A7-06971C504846}" type="slidenum">
+              <a:rPr lang="en-US" smtClean="0"/>
+              <a:pPr>
+                <a:defRPr/>
+              </a:pPr>
+              <a:t>6</a:t>
+            </a:fld>
+            <a:endParaRPr lang="en-US" smtClean="0"/>
+          </a:p>
+          <a:p>
+            <a:pPr>
+              <a:defRPr/>
+            </a:pPr>
+            <a:endParaRPr lang="en-US" dirty="0"/>
+          </a:p>
+        </p:txBody>
+      </p:sp>
+      <p:sp>
+        <p:nvSpPr>
+          <p:cNvPr id="5" name="Date Placeholder 4"/>
+          <p:cNvSpPr>
+            <a:spLocks noGrp="1"/>
+          </p:cNvSpPr>
+          <p:nvPr>
+            <p:ph type="dt" sz="half" idx="2"/>
+          </p:nvPr>
+        </p:nvSpPr>
+        <p:spPr/>
+        <p:txBody>
+          <a:bodyPr/>
+          <a:lstStyle/>
+          <a:p>
+            <a:pPr>
+              <a:defRPr/>
+            </a:pPr>
+            <a:r>
+              <a:rPr lang="en-US" smtClean="0"/>
+              <a:t>Albert R Meyer,           December 11, 2013</a:t>
+            </a:r>
+            <a:endParaRPr lang="en-US" dirty="0"/>
+          </a:p>
+        </p:txBody>
+      </p:sp>
+      <p:sp>
+        <p:nvSpPr>
+          <p:cNvPr id="6" name="Rectangle 2"/>
+          <p:cNvSpPr>
+            <a:spLocks noGrp="1" noChangeArrowheads="1"/>
+          </p:cNvSpPr>
+          <p:nvPr>
+            <p:ph type="title"/>
+          </p:nvPr>
+        </p:nvSpPr>
+        <p:spPr>
+          <a:xfrm>
+            <a:off x="1519238" y="301625"/>
+            <a:ext cx="5872162" cy="993775"/>
+          </a:xfrm>
+        </p:spPr>
+        <p:txBody>
+          <a:bodyPr/>
+          <a:lstStyle/>
+          <a:p>
+            <a:pPr eaLnBrk="1" hangingPunct="1"/>
+            <a:r>
+              <a:rPr lang="en-US" dirty="0"/>
+              <a:t>Google Page Rank</a:t>
+            </a:r>
+          </a:p>
+        </p:txBody>
+      </p:sp>
+    </p:spTree>
+    <p:extLst>
+      <p:ext uri="{BB962C8B-B14F-4D97-AF65-F5344CB8AC3E}">
+        <p14:creationId xmlns:p14="http://schemas.microsoft.com/office/powerpoint/2010/main" val="2872463244"/>
+      </p:ext>
+    </p:extLst>
+  </p:cSld>
+  <p:clrMapOvr>
+    <a:masterClrMapping/>
+  </p:clrMapOvr>
+  <mc:AlternateContent xmlns:mc="http://schemas.openxmlformats.org/markup-compatibility/2006">
+    <mc:Choice xmlns:p14="http://schemas.microsoft.com/office/powerpoint/2010/main" Requires="p14">
+      <p:transition spd="slow" p14:dur="2000"/>
+    </mc:Choice>
+    <mc:Fallback>
+      <p:transition xmlns:p14="http://schemas.microsoft.com/office/powerpoint/2010/main" spd="slow"/>
+    </mc:Fallback>
+  </mc:AlternateContent>
 </p:sld>
 </file>
 

--- a/fall13/slidesF13/page-rank.pptx
+++ b/fall13/slidesF13/page-rank.pptx
@@ -4208,7 +4208,11 @@
               <a:t>edge </a:t>
             </a:r>
             <a:r>
-              <a:rPr lang="en-US" sz="4000" dirty="0"/>
+              <a:rPr lang="en-US" sz="4000" dirty="0">
+                <a:solidFill>
+                  <a:srgbClr val="0000FF"/>
+                </a:solidFill>
+              </a:rPr>
               <a:t>(</a:t>
             </a:r>
             <a:r>
@@ -4220,8 +4224,16 @@
               <a:t>u,v</a:t>
             </a:r>
             <a:r>
+              <a:rPr lang="en-US" sz="4000" dirty="0">
+                <a:solidFill>
+                  <a:srgbClr val="0000FF"/>
+                </a:solidFill>
+              </a:rPr>
+              <a:t>)</a:t>
+            </a:r>
+            <a:r>
               <a:rPr lang="en-US" sz="4000" dirty="0"/>
-              <a:t>) exists if link from page </a:t>
+              <a:t> exists if link from page </a:t>
             </a:r>
             <a:r>
               <a:rPr lang="en-US" sz="4000" dirty="0" err="1">
@@ -4256,44 +4268,48 @@
               </a:lnSpc>
             </a:pPr>
             <a:r>
-              <a:rPr lang="en-US" sz="4000" dirty="0" err="1"/>
-              <a:t>Pr{go</a:t>
+              <a:rPr lang="en-US" sz="4000" dirty="0" err="1" smtClean="0"/>
+              <a:t>Pr</a:t>
             </a:r>
             <a:r>
               <a:rPr lang="en-US" sz="4000" dirty="0"/>
-              <a:t> to</a:t>
-            </a:r>
-            <a:r>
-              <a:rPr lang="en-US" sz="4000" dirty="0">
+              <a:t>[</a:t>
+            </a:r>
+            <a:r>
+              <a:rPr lang="en-US" sz="4000" dirty="0" smtClean="0">
                 <a:solidFill>
                   <a:srgbClr val="0000FF"/>
                 </a:solidFill>
               </a:rPr>
-              <a:t> </a:t>
-            </a:r>
-            <a:r>
-              <a:rPr lang="en-US" sz="4000" dirty="0" err="1">
+              <a:t>(</a:t>
+            </a:r>
+            <a:r>
+              <a:rPr lang="en-US" sz="4000" dirty="0" err="1" smtClean="0">
                 <a:solidFill>
                   <a:srgbClr val="0000FF"/>
                 </a:solidFill>
               </a:rPr>
-              <a:t>v</a:t>
-            </a:r>
-            <a:r>
-              <a:rPr lang="en-US" sz="4000" dirty="0"/>
-              <a:t> from </a:t>
-            </a:r>
-            <a:r>
-              <a:rPr lang="en-US" sz="4000" dirty="0" err="1">
+              <a:t>u,v</a:t>
+            </a:r>
+            <a:r>
+              <a:rPr lang="en-US" sz="4000" dirty="0" smtClean="0">
                 <a:solidFill>
                   <a:srgbClr val="0000FF"/>
                 </a:solidFill>
               </a:rPr>
-              <a:t>u</a:t>
+              <a:t>)</a:t>
             </a:r>
             <a:r>
               <a:rPr lang="en-US" sz="4000" dirty="0"/>
-              <a:t>} = </a:t>
+              <a:t>]</a:t>
+            </a:r>
+            <a:r>
+              <a:rPr lang="en-US" sz="4000" dirty="0" smtClean="0"/>
+              <a:t> </a:t>
+            </a:r>
+            <a:r>
+              <a:rPr lang="en-US" sz="4000" dirty="0"/>
+              <a:t>= </a:t>
             </a:r>
             <a:r>
               <a:rPr lang="en-US" sz="4000" dirty="0">
@@ -5501,7 +5517,43 @@
             </a:r>
             <a:r>
               <a:rPr lang="en-US" sz="4400" dirty="0" smtClean="0"/>
-              <a:t>-node graph, the edge-probability matrix </a:t>
+              <a:t>-node graph, the </a:t>
+            </a:r>
+            <a:r>
+              <a:rPr lang="en-US" sz="4400" dirty="0" err="1">
+                <a:solidFill>
+                  <a:srgbClr val="0000FF"/>
+                </a:solidFill>
+              </a:rPr>
+              <a:t>n</a:t>
+            </a:r>
+            <a:r>
+              <a:rPr lang="en-US" sz="4400" b="1" dirty="0" err="1">
+                <a:solidFill>
+                  <a:srgbClr val="0000FF"/>
+                </a:solidFill>
+                <a:latin typeface="Euclid Symbol" charset="2"/>
+                <a:cs typeface="Euclid Symbol" charset="2"/>
+              </a:rPr>
+              <a:t>×</a:t>
+            </a:r>
+            <a:r>
+              <a:rPr lang="en-US" sz="4400" dirty="0" err="1" smtClean="0">
+                <a:solidFill>
+                  <a:srgbClr val="0000FF"/>
+                </a:solidFill>
+              </a:rPr>
+              <a:t>n</a:t>
+            </a:r>
+            <a:endParaRPr lang="en-US" sz="4400" dirty="0" smtClean="0"/>
+          </a:p>
+          <a:p>
+            <a:pPr marL="0" indent="0">
+              <a:buNone/>
+            </a:pPr>
+            <a:r>
+              <a:rPr lang="en-US" sz="4400" dirty="0" smtClean="0"/>
+              <a:t>edge matrix </a:t>
             </a:r>
             <a:r>
               <a:rPr lang="en-US" sz="4400" dirty="0" smtClean="0">
@@ -6035,7 +6087,7 @@
         </p:nvGrpSpPr>
         <p:grpSpPr>
           <a:xfrm>
-            <a:off x="3593015" y="4504730"/>
+            <a:off x="3593015" y="4639270"/>
             <a:ext cx="521785" cy="923330"/>
             <a:chOff x="1981200" y="4572000"/>
             <a:chExt cx="521785" cy="923330"/>
@@ -6113,7 +6165,7 @@
         </p:nvGrpSpPr>
         <p:grpSpPr>
           <a:xfrm>
-            <a:off x="5117015" y="4495800"/>
+            <a:off x="5117015" y="4630340"/>
             <a:ext cx="521785" cy="923330"/>
             <a:chOff x="1981200" y="4572000"/>
             <a:chExt cx="521785" cy="923330"/>

--- a/fall13/slidesF13/page-rank.pptx
+++ b/fall13/slidesF13/page-rank.pptx
@@ -5,18 +5,17 @@
     <p:sldMasterId id="2147483648" r:id="rId1"/>
   </p:sldMasterIdLst>
   <p:notesMasterIdLst>
-    <p:notesMasterId r:id="rId8"/>
+    <p:notesMasterId r:id="rId7"/>
   </p:notesMasterIdLst>
   <p:handoutMasterIdLst>
-    <p:handoutMasterId r:id="rId9"/>
+    <p:handoutMasterId r:id="rId8"/>
   </p:handoutMasterIdLst>
   <p:sldIdLst>
     <p:sldId id="333" r:id="rId2"/>
     <p:sldId id="332" r:id="rId3"/>
     <p:sldId id="296" r:id="rId4"/>
     <p:sldId id="335" r:id="rId5"/>
-    <p:sldId id="336" r:id="rId6"/>
-    <p:sldId id="337" r:id="rId7"/>
+    <p:sldId id="337" r:id="rId6"/>
   </p:sldIdLst>
   <p:sldSz cx="9144000" cy="6858000" type="screen4x3"/>
   <p:notesSz cx="9601200" cy="7315200"/>
@@ -4342,27 +4341,7 @@
             </a:r>
             <a:r>
               <a:rPr lang="en-US" sz="4000" dirty="0"/>
-              <a:t> {</a:t>
-            </a:r>
-            <a:r>
-              <a:rPr lang="en-US" sz="4000" dirty="0" err="1">
-                <a:solidFill>
-                  <a:schemeClr val="accent2"/>
-                </a:solidFill>
-              </a:rPr>
-              <a:t>p</a:t>
-            </a:r>
-            <a:r>
-              <a:rPr lang="en-US" sz="4000" baseline="-25000" dirty="0" err="1">
-                <a:solidFill>
-                  <a:srgbClr val="0000FF"/>
-                </a:solidFill>
-              </a:rPr>
-              <a:t>u</a:t>
-            </a:r>
-            <a:r>
-              <a:rPr lang="en-US" sz="4000" dirty="0"/>
-              <a:t>}</a:t>
+              <a:t> </a:t>
             </a:r>
           </a:p>
           <a:p>
@@ -4378,7 +4357,7 @@
               <a:t>Rank </a:t>
             </a:r>
             <a:r>
-              <a:rPr lang="en-US" sz="4000" dirty="0" err="1">
+              <a:rPr lang="en-US" sz="4000" dirty="0">
                 <a:solidFill>
                   <a:srgbClr val="0000FF"/>
                 </a:solidFill>
@@ -4395,30 +4374,22 @@
                   <a:srgbClr val="0000FF"/>
                 </a:solidFill>
               </a:rPr>
-              <a:t> </a:t>
-            </a:r>
-            <a:r>
-              <a:rPr lang="en-US" sz="4000" dirty="0" err="1">
+              <a:t> v</a:t>
+            </a:r>
+            <a:r>
+              <a:rPr lang="en-US" sz="4000" dirty="0"/>
+              <a:t> if </a:t>
+            </a:r>
+            <a:r>
+              <a:rPr lang="en-US" sz="4000" dirty="0" err="1" smtClean="0">
                 <a:solidFill>
                   <a:srgbClr val="0000FF"/>
                 </a:solidFill>
               </a:rPr>
-              <a:t>v</a:t>
-            </a:r>
-            <a:r>
-              <a:rPr lang="en-US" sz="4000" dirty="0"/>
-              <a:t> if </a:t>
-            </a:r>
-            <a:r>
-              <a:rPr lang="en-US" sz="4000" dirty="0" err="1">
-                <a:solidFill>
-                  <a:srgbClr val="0000FF"/>
-                </a:solidFill>
-              </a:rPr>
-              <a:t>p</a:t>
-            </a:r>
-            <a:r>
-              <a:rPr lang="en-US" sz="4000" baseline="-25000" dirty="0" err="1">
+              <a:t>s</a:t>
+            </a:r>
+            <a:r>
+              <a:rPr lang="en-US" sz="4000" baseline="-25000" dirty="0" err="1" smtClean="0">
                 <a:solidFill>
                   <a:srgbClr val="0000FF"/>
                 </a:solidFill>
@@ -4426,7 +4397,7 @@
               <a:t>u</a:t>
             </a:r>
             <a:r>
-              <a:rPr lang="en-US" sz="4000" dirty="0">
+              <a:rPr lang="en-US" sz="4000" dirty="0" smtClean="0">
                 <a:solidFill>
                   <a:schemeClr val="accent2"/>
                 </a:solidFill>
@@ -4452,15 +4423,15 @@
               <a:t> </a:t>
             </a:r>
             <a:r>
-              <a:rPr lang="en-US" sz="4000" dirty="0" err="1">
+              <a:rPr lang="en-US" sz="4000" dirty="0" err="1" smtClean="0">
                 <a:solidFill>
                   <a:srgbClr val="0000FF"/>
                 </a:solidFill>
               </a:rPr>
-              <a:t>p</a:t>
-            </a:r>
-            <a:r>
-              <a:rPr lang="en-US" sz="4000" baseline="-25000" dirty="0" err="1">
+              <a:t>s</a:t>
+            </a:r>
+            <a:r>
+              <a:rPr lang="en-US" sz="4000" baseline="-25000" dirty="0" err="1" smtClean="0">
                 <a:solidFill>
                   <a:srgbClr val="0000FF"/>
                 </a:solidFill>
@@ -4555,6 +4526,84 @@
           </a:p>
         </p:txBody>
       </p:sp>
+      <p:grpSp>
+        <p:nvGrpSpPr>
+          <p:cNvPr id="6" name="Group 5"/>
+          <p:cNvGrpSpPr/>
+          <p:nvPr/>
+        </p:nvGrpSpPr>
+        <p:grpSpPr>
+          <a:xfrm>
+            <a:off x="7162800" y="4191000"/>
+            <a:ext cx="521785" cy="923330"/>
+            <a:chOff x="1981200" y="4572000"/>
+            <a:chExt cx="521785" cy="923330"/>
+          </a:xfrm>
+        </p:grpSpPr>
+        <p:sp>
+          <p:nvSpPr>
+            <p:cNvPr id="9" name="TextBox 8"/>
+            <p:cNvSpPr txBox="1"/>
+            <p:nvPr/>
+          </p:nvSpPr>
+          <p:spPr>
+            <a:xfrm>
+              <a:off x="1981200" y="4572000"/>
+              <a:ext cx="521785" cy="923330"/>
+            </a:xfrm>
+            <a:prstGeom prst="rect">
+              <a:avLst/>
+            </a:prstGeom>
+            <a:noFill/>
+          </p:spPr>
+          <p:txBody>
+            <a:bodyPr wrap="none" rtlCol="0">
+              <a:spAutoFit/>
+            </a:bodyPr>
+            <a:lstStyle/>
+            <a:p>
+              <a:r>
+                <a:rPr lang="en-US" sz="5400" b="1" dirty="0">
+                  <a:solidFill>
+                    <a:srgbClr val="0000FF"/>
+                  </a:solidFill>
+                </a:rPr>
+                <a:t>s</a:t>
+              </a:r>
+              <a:endParaRPr lang="en-US" sz="5400" dirty="0"/>
+            </a:p>
+          </p:txBody>
+        </p:sp>
+        <p:cxnSp>
+          <p:nvCxnSpPr>
+            <p:cNvPr id="10" name="Straight Arrow Connector 9"/>
+            <p:cNvCxnSpPr/>
+            <p:nvPr/>
+          </p:nvCxnSpPr>
+          <p:spPr bwMode="auto">
+            <a:xfrm>
+              <a:off x="2057400" y="4800600"/>
+              <a:ext cx="381000" cy="0"/>
+            </a:xfrm>
+            <a:prstGeom prst="straightConnector1">
+              <a:avLst/>
+            </a:prstGeom>
+            <a:solidFill>
+              <a:schemeClr val="accent1"/>
+            </a:solidFill>
+            <a:ln w="38100" cap="flat" cmpd="sng" algn="ctr">
+              <a:solidFill>
+                <a:srgbClr val="0000FF"/>
+              </a:solidFill>
+              <a:prstDash val="solid"/>
+              <a:round/>
+              <a:headEnd type="none" w="med" len="med"/>
+              <a:tailEnd type="arrow" w="sm" len="sm"/>
+            </a:ln>
+            <a:effectLst/>
+          </p:spPr>
+        </p:cxnSp>
+      </p:grpSp>
     </p:spTree>
   </p:cSld>
   <p:clrMapOvr>
@@ -5464,791 +5513,6 @@
 </file>
 
 <file path=ppt/slides/slide5.xml><?xml version="1.0" encoding="utf-8"?>
-<p:sld xmlns:a="http://schemas.openxmlformats.org/drawingml/2006/main" xmlns:r="http://schemas.openxmlformats.org/officeDocument/2006/relationships" xmlns:p="http://schemas.openxmlformats.org/presentationml/2006/main">
-  <p:cSld>
-    <p:spTree>
-      <p:nvGrpSpPr>
-        <p:cNvPr id="1" name=""/>
-        <p:cNvGrpSpPr/>
-        <p:nvPr/>
-      </p:nvGrpSpPr>
-      <p:grpSpPr>
-        <a:xfrm>
-          <a:off x="0" y="0"/>
-          <a:ext cx="0" cy="0"/>
-          <a:chOff x="0" y="0"/>
-          <a:chExt cx="0" cy="0"/>
-        </a:xfrm>
-      </p:grpSpPr>
-      <p:sp>
-        <p:nvSpPr>
-          <p:cNvPr id="3" name="Content Placeholder 2"/>
-          <p:cNvSpPr>
-            <a:spLocks noGrp="1"/>
-          </p:cNvSpPr>
-          <p:nvPr>
-            <p:ph idx="1"/>
-          </p:nvPr>
-        </p:nvSpPr>
-        <p:spPr>
-          <a:xfrm>
-            <a:off x="228600" y="1219200"/>
-            <a:ext cx="8763000" cy="4419600"/>
-          </a:xfrm>
-        </p:spPr>
-        <p:txBody>
-          <a:bodyPr/>
-          <a:lstStyle/>
-          <a:p>
-            <a:pPr marL="0" indent="0">
-              <a:buNone/>
-            </a:pPr>
-            <a:r>
-              <a:rPr lang="en-US" sz="4400" dirty="0" smtClean="0"/>
-              <a:t>For </a:t>
-            </a:r>
-            <a:r>
-              <a:rPr lang="en-US" sz="4400" dirty="0" smtClean="0">
-                <a:solidFill>
-                  <a:srgbClr val="0000FF"/>
-                </a:solidFill>
-              </a:rPr>
-              <a:t>n</a:t>
-            </a:r>
-            <a:r>
-              <a:rPr lang="en-US" sz="4400" dirty="0" smtClean="0"/>
-              <a:t>-node graph, the </a:t>
-            </a:r>
-            <a:r>
-              <a:rPr lang="en-US" sz="4400" dirty="0" err="1">
-                <a:solidFill>
-                  <a:srgbClr val="0000FF"/>
-                </a:solidFill>
-              </a:rPr>
-              <a:t>n</a:t>
-            </a:r>
-            <a:r>
-              <a:rPr lang="en-US" sz="4400" b="1" dirty="0" err="1">
-                <a:solidFill>
-                  <a:srgbClr val="0000FF"/>
-                </a:solidFill>
-                <a:latin typeface="Euclid Symbol" charset="2"/>
-                <a:cs typeface="Euclid Symbol" charset="2"/>
-              </a:rPr>
-              <a:t>×</a:t>
-            </a:r>
-            <a:r>
-              <a:rPr lang="en-US" sz="4400" dirty="0" err="1" smtClean="0">
-                <a:solidFill>
-                  <a:srgbClr val="0000FF"/>
-                </a:solidFill>
-              </a:rPr>
-              <a:t>n</a:t>
-            </a:r>
-            <a:endParaRPr lang="en-US" sz="4400" dirty="0" smtClean="0"/>
-          </a:p>
-          <a:p>
-            <a:pPr marL="0" indent="0">
-              <a:buNone/>
-            </a:pPr>
-            <a:r>
-              <a:rPr lang="en-US" sz="4400" dirty="0" smtClean="0"/>
-              <a:t>edge matrix </a:t>
-            </a:r>
-            <a:r>
-              <a:rPr lang="en-US" sz="4400" dirty="0" smtClean="0">
-                <a:solidFill>
-                  <a:srgbClr val="0000FF"/>
-                </a:solidFill>
-              </a:rPr>
-              <a:t>M</a:t>
-            </a:r>
-            <a:r>
-              <a:rPr lang="en-US" sz="4400" dirty="0" smtClean="0"/>
-              <a:t> has</a:t>
-            </a:r>
-          </a:p>
-          <a:p>
-            <a:pPr marL="0" indent="0">
-              <a:buNone/>
-            </a:pPr>
-            <a:r>
-              <a:rPr lang="en-US" sz="4400" dirty="0" err="1" smtClean="0">
-                <a:solidFill>
-                  <a:srgbClr val="0000FF"/>
-                </a:solidFill>
-              </a:rPr>
-              <a:t>M</a:t>
-            </a:r>
-            <a:r>
-              <a:rPr lang="en-US" sz="4400" baseline="-25000" dirty="0" err="1" smtClean="0">
-                <a:solidFill>
-                  <a:srgbClr val="0000FF"/>
-                </a:solidFill>
-              </a:rPr>
-              <a:t>ij</a:t>
-            </a:r>
-            <a:r>
-              <a:rPr lang="en-US" sz="4400" dirty="0" smtClean="0"/>
-              <a:t> ::= probability of edge</a:t>
-            </a:r>
-          </a:p>
-          <a:p>
-            <a:pPr marL="0" indent="0">
-              <a:buNone/>
-            </a:pPr>
-            <a:r>
-              <a:rPr lang="en-US" sz="4400" dirty="0" smtClean="0"/>
-              <a:t>Find stationary </a:t>
-            </a:r>
-            <a:r>
-              <a:rPr lang="en-US" sz="4400" dirty="0" err="1" smtClean="0"/>
-              <a:t>dist</a:t>
-            </a:r>
-            <a:r>
-              <a:rPr lang="en-US" sz="4400" dirty="0" smtClean="0"/>
-              <a:t> vector    :</a:t>
-            </a:r>
-          </a:p>
-          <a:p>
-            <a:pPr marL="0" indent="0">
-              <a:buNone/>
-            </a:pPr>
-            <a:r>
-              <a:rPr lang="en-US" sz="6600" dirty="0" smtClean="0">
-                <a:solidFill>
-                  <a:srgbClr val="0000FF"/>
-                </a:solidFill>
-              </a:rPr>
-              <a:t>          M   </a:t>
-            </a:r>
-            <a:r>
-              <a:rPr lang="en-US" sz="6600" b="1" dirty="0" smtClean="0">
-                <a:solidFill>
-                  <a:srgbClr val="0000FF"/>
-                </a:solidFill>
-                <a:latin typeface="Euclid Symbol" charset="2"/>
-                <a:cs typeface="Euclid Symbol" charset="2"/>
-              </a:rPr>
-              <a:t>=</a:t>
-            </a:r>
-            <a:r>
-              <a:rPr lang="en-US" sz="6600" dirty="0" smtClean="0">
-                <a:solidFill>
-                  <a:srgbClr val="0000FF"/>
-                </a:solidFill>
-              </a:rPr>
-              <a:t> </a:t>
-            </a:r>
-            <a:endParaRPr lang="en-US" sz="5400" dirty="0">
-              <a:solidFill>
-                <a:srgbClr val="0000FF"/>
-              </a:solidFill>
-            </a:endParaRPr>
-          </a:p>
-        </p:txBody>
-      </p:sp>
-      <p:sp>
-        <p:nvSpPr>
-          <p:cNvPr id="2" name="Title 1"/>
-          <p:cNvSpPr>
-            <a:spLocks noGrp="1"/>
-          </p:cNvSpPr>
-          <p:nvPr>
-            <p:ph type="title"/>
-          </p:nvPr>
-        </p:nvSpPr>
-        <p:spPr>
-          <a:xfrm>
-            <a:off x="1443038" y="301625"/>
-            <a:ext cx="6710362" cy="1069975"/>
-          </a:xfrm>
-        </p:spPr>
-        <p:txBody>
-          <a:bodyPr/>
-          <a:lstStyle/>
-          <a:p>
-            <a:r>
-              <a:rPr lang="en-US" dirty="0" smtClean="0"/>
-              <a:t>Linear Algebra</a:t>
-            </a:r>
-            <a:endParaRPr lang="en-US" dirty="0"/>
-          </a:p>
-        </p:txBody>
-      </p:sp>
-      <p:sp>
-        <p:nvSpPr>
-          <p:cNvPr id="4" name="Date Placeholder 3"/>
-          <p:cNvSpPr>
-            <a:spLocks noGrp="1"/>
-          </p:cNvSpPr>
-          <p:nvPr>
-            <p:ph type="dt" sz="half" idx="2"/>
-          </p:nvPr>
-        </p:nvSpPr>
-        <p:spPr>
-          <a:xfrm>
-            <a:off x="3124200" y="6629400"/>
-            <a:ext cx="2863850" cy="228600"/>
-          </a:xfrm>
-        </p:spPr>
-        <p:txBody>
-          <a:bodyPr/>
-          <a:lstStyle/>
-          <a:p>
-            <a:pPr>
-              <a:defRPr/>
-            </a:pPr>
-            <a:r>
-              <a:rPr lang="en-US" dirty="0" smtClean="0"/>
-              <a:t>December 6, 2013</a:t>
-            </a:r>
-            <a:endParaRPr lang="en-US" dirty="0"/>
-          </a:p>
-        </p:txBody>
-      </p:sp>
-      <p:sp>
-        <p:nvSpPr>
-          <p:cNvPr id="5" name="Slide Number Placeholder 4"/>
-          <p:cNvSpPr>
-            <a:spLocks noGrp="1"/>
-          </p:cNvSpPr>
-          <p:nvPr>
-            <p:ph type="sldNum" sz="quarter" idx="12"/>
-          </p:nvPr>
-        </p:nvSpPr>
-        <p:spPr/>
-        <p:txBody>
-          <a:bodyPr/>
-          <a:lstStyle/>
-          <a:p>
-            <a:pPr>
-              <a:defRPr/>
-            </a:pPr>
-            <a:r>
-              <a:rPr lang="en-US" smtClean="0"/>
-              <a:t>random-walk.</a:t>
-            </a:r>
-            <a:fld id="{E877D3CB-F960-BD47-98A7-06971C504846}" type="slidenum">
-              <a:rPr lang="en-US" smtClean="0"/>
-              <a:pPr>
-                <a:defRPr/>
-              </a:pPr>
-              <a:t>5</a:t>
-            </a:fld>
-            <a:endParaRPr lang="en-US" smtClean="0"/>
-          </a:p>
-          <a:p>
-            <a:pPr>
-              <a:defRPr/>
-            </a:pPr>
-            <a:endParaRPr lang="en-US" dirty="0"/>
-          </a:p>
-        </p:txBody>
-      </p:sp>
-      <p:grpSp>
-        <p:nvGrpSpPr>
-          <p:cNvPr id="13" name="Group 12"/>
-          <p:cNvGrpSpPr/>
-          <p:nvPr/>
-        </p:nvGrpSpPr>
-        <p:grpSpPr>
-          <a:xfrm>
-            <a:off x="7086600" y="2895600"/>
-            <a:ext cx="1447800" cy="660976"/>
-            <a:chOff x="6705600" y="3530024"/>
-            <a:chExt cx="1447800" cy="660976"/>
-          </a:xfrm>
-        </p:grpSpPr>
-        <p:sp>
-          <p:nvSpPr>
-            <p:cNvPr id="6" name="Oval 5"/>
-            <p:cNvSpPr/>
-            <p:nvPr/>
-          </p:nvSpPr>
-          <p:spPr bwMode="auto">
-            <a:xfrm>
-              <a:off x="6705600" y="3657600"/>
-              <a:ext cx="533400" cy="533400"/>
-            </a:xfrm>
-            <a:prstGeom prst="ellipse">
-              <a:avLst/>
-            </a:prstGeom>
-            <a:solidFill>
-              <a:schemeClr val="accent1"/>
-            </a:solidFill>
-            <a:ln w="9525" cap="flat" cmpd="sng" algn="ctr">
-              <a:solidFill>
-                <a:schemeClr val="tx1"/>
-              </a:solidFill>
-              <a:prstDash val="solid"/>
-              <a:round/>
-              <a:headEnd type="none" w="med" len="med"/>
-              <a:tailEnd type="none" w="med" len="med"/>
-            </a:ln>
-            <a:effectLst/>
-          </p:spPr>
-          <p:txBody>
-            <a:bodyPr vert="horz" wrap="square" lIns="91440" tIns="45720" rIns="91440" bIns="45720" numCol="1" rtlCol="0" anchor="t" anchorCtr="0" compatLnSpc="1">
-              <a:prstTxWarp prst="textNoShape">
-                <a:avLst/>
-              </a:prstTxWarp>
-            </a:bodyPr>
-            <a:lstStyle/>
-            <a:p>
-              <a:pPr marL="0" marR="0" indent="0" algn="l" defTabSz="914400" rtl="0" eaLnBrk="0" fontAlgn="base" latinLnBrk="0" hangingPunct="0">
-                <a:lnSpc>
-                  <a:spcPct val="100000"/>
-                </a:lnSpc>
-                <a:spcBef>
-                  <a:spcPct val="0"/>
-                </a:spcBef>
-                <a:spcAft>
-                  <a:spcPct val="0"/>
-                </a:spcAft>
-                <a:buClrTx/>
-                <a:buSzTx/>
-                <a:buFontTx/>
-                <a:buNone/>
-                <a:tabLst/>
-              </a:pPr>
-              <a:endParaRPr kumimoji="0" lang="en-US" sz="2400" b="0" i="0" u="none" strike="noStrike" cap="none" normalizeH="0" baseline="0" smtClean="0">
-                <a:ln>
-                  <a:noFill/>
-                </a:ln>
-                <a:solidFill>
-                  <a:schemeClr val="tx1"/>
-                </a:solidFill>
-                <a:effectLst/>
-                <a:latin typeface="Comic Sans MS" pitchFamily="-64" charset="0"/>
-                <a:ea typeface="ＭＳ Ｐゴシック" pitchFamily="-64" charset="-128"/>
-              </a:endParaRPr>
-            </a:p>
-          </p:txBody>
-        </p:sp>
-        <p:sp>
-          <p:nvSpPr>
-            <p:cNvPr id="7" name="Oval 6"/>
-            <p:cNvSpPr/>
-            <p:nvPr/>
-          </p:nvSpPr>
-          <p:spPr bwMode="auto">
-            <a:xfrm>
-              <a:off x="7620000" y="3657600"/>
-              <a:ext cx="533400" cy="533400"/>
-            </a:xfrm>
-            <a:prstGeom prst="ellipse">
-              <a:avLst/>
-            </a:prstGeom>
-            <a:solidFill>
-              <a:schemeClr val="accent1"/>
-            </a:solidFill>
-            <a:ln w="9525" cap="flat" cmpd="sng" algn="ctr">
-              <a:solidFill>
-                <a:schemeClr val="tx1"/>
-              </a:solidFill>
-              <a:prstDash val="solid"/>
-              <a:round/>
-              <a:headEnd type="none" w="med" len="med"/>
-              <a:tailEnd type="none" w="med" len="med"/>
-            </a:ln>
-            <a:effectLst/>
-          </p:spPr>
-          <p:txBody>
-            <a:bodyPr vert="horz" wrap="square" lIns="91440" tIns="45720" rIns="91440" bIns="45720" numCol="1" rtlCol="0" anchor="t" anchorCtr="0" compatLnSpc="1">
-              <a:prstTxWarp prst="textNoShape">
-                <a:avLst/>
-              </a:prstTxWarp>
-            </a:bodyPr>
-            <a:lstStyle/>
-            <a:p>
-              <a:pPr marL="0" marR="0" indent="0" algn="l" defTabSz="914400" rtl="0" eaLnBrk="0" fontAlgn="base" latinLnBrk="0" hangingPunct="0">
-                <a:lnSpc>
-                  <a:spcPct val="100000"/>
-                </a:lnSpc>
-                <a:spcBef>
-                  <a:spcPct val="0"/>
-                </a:spcBef>
-                <a:spcAft>
-                  <a:spcPct val="0"/>
-                </a:spcAft>
-                <a:buClrTx/>
-                <a:buSzTx/>
-                <a:buFontTx/>
-                <a:buNone/>
-                <a:tabLst/>
-              </a:pPr>
-              <a:endParaRPr kumimoji="0" lang="en-US" sz="2400" b="0" i="0" u="none" strike="noStrike" cap="none" normalizeH="0" baseline="0" smtClean="0">
-                <a:ln>
-                  <a:noFill/>
-                </a:ln>
-                <a:solidFill>
-                  <a:schemeClr val="tx1"/>
-                </a:solidFill>
-                <a:effectLst/>
-                <a:latin typeface="Comic Sans MS" pitchFamily="-64" charset="0"/>
-                <a:ea typeface="ＭＳ Ｐゴシック" pitchFamily="-64" charset="-128"/>
-              </a:endParaRPr>
-            </a:p>
-          </p:txBody>
-        </p:sp>
-        <p:sp>
-          <p:nvSpPr>
-            <p:cNvPr id="8" name="TextBox 7"/>
-            <p:cNvSpPr txBox="1"/>
-            <p:nvPr/>
-          </p:nvSpPr>
-          <p:spPr>
-            <a:xfrm>
-              <a:off x="6781800" y="3581400"/>
-              <a:ext cx="299681" cy="584776"/>
-            </a:xfrm>
-            <a:prstGeom prst="rect">
-              <a:avLst/>
-            </a:prstGeom>
-            <a:noFill/>
-          </p:spPr>
-          <p:txBody>
-            <a:bodyPr wrap="none" rtlCol="0">
-              <a:spAutoFit/>
-            </a:bodyPr>
-            <a:lstStyle/>
-            <a:p>
-              <a:r>
-                <a:rPr lang="en-US" sz="3200" dirty="0" err="1" smtClean="0">
-                  <a:solidFill>
-                    <a:srgbClr val="0000FF"/>
-                  </a:solidFill>
-                </a:rPr>
-                <a:t>i</a:t>
-              </a:r>
-              <a:endParaRPr lang="en-US" sz="3200" dirty="0">
-                <a:solidFill>
-                  <a:srgbClr val="0000FF"/>
-                </a:solidFill>
-              </a:endParaRPr>
-            </a:p>
-          </p:txBody>
-        </p:sp>
-        <p:sp>
-          <p:nvSpPr>
-            <p:cNvPr id="9" name="TextBox 8"/>
-            <p:cNvSpPr txBox="1"/>
-            <p:nvPr/>
-          </p:nvSpPr>
-          <p:spPr>
-            <a:xfrm>
-              <a:off x="7696200" y="3530024"/>
-              <a:ext cx="350176" cy="584776"/>
-            </a:xfrm>
-            <a:prstGeom prst="rect">
-              <a:avLst/>
-            </a:prstGeom>
-            <a:noFill/>
-          </p:spPr>
-          <p:txBody>
-            <a:bodyPr wrap="none" rtlCol="0">
-              <a:spAutoFit/>
-            </a:bodyPr>
-            <a:lstStyle/>
-            <a:p>
-              <a:r>
-                <a:rPr lang="en-US" sz="3200" dirty="0" smtClean="0">
-                  <a:solidFill>
-                    <a:srgbClr val="0000FF"/>
-                  </a:solidFill>
-                </a:rPr>
-                <a:t>j</a:t>
-              </a:r>
-              <a:endParaRPr lang="en-US" sz="3200" dirty="0">
-                <a:solidFill>
-                  <a:srgbClr val="0000FF"/>
-                </a:solidFill>
-              </a:endParaRPr>
-            </a:p>
-          </p:txBody>
-        </p:sp>
-        <p:cxnSp>
-          <p:nvCxnSpPr>
-            <p:cNvPr id="11" name="Straight Arrow Connector 10"/>
-            <p:cNvCxnSpPr>
-              <a:stCxn id="6" idx="6"/>
-              <a:endCxn id="7" idx="2"/>
-            </p:cNvCxnSpPr>
-            <p:nvPr/>
-          </p:nvCxnSpPr>
-          <p:spPr bwMode="auto">
-            <a:xfrm>
-              <a:off x="7239000" y="3924300"/>
-              <a:ext cx="381000" cy="0"/>
-            </a:xfrm>
-            <a:prstGeom prst="straightConnector1">
-              <a:avLst/>
-            </a:prstGeom>
-            <a:solidFill>
-              <a:schemeClr val="accent1"/>
-            </a:solidFill>
-            <a:ln w="31750" cap="flat" cmpd="sng" algn="ctr">
-              <a:solidFill>
-                <a:schemeClr val="tx1"/>
-              </a:solidFill>
-              <a:prstDash val="solid"/>
-              <a:round/>
-              <a:headEnd type="none" w="med" len="med"/>
-              <a:tailEnd type="stealth" w="lg" len="lg"/>
-            </a:ln>
-            <a:effectLst/>
-          </p:spPr>
-        </p:cxnSp>
-      </p:grpSp>
-      <p:grpSp>
-        <p:nvGrpSpPr>
-          <p:cNvPr id="21" name="Group 20"/>
-          <p:cNvGrpSpPr/>
-          <p:nvPr/>
-        </p:nvGrpSpPr>
-        <p:grpSpPr>
-          <a:xfrm>
-            <a:off x="7389244" y="3657600"/>
-            <a:ext cx="459356" cy="769441"/>
-            <a:chOff x="7389244" y="3657600"/>
-            <a:chExt cx="459356" cy="769441"/>
-          </a:xfrm>
-        </p:grpSpPr>
-        <p:sp>
-          <p:nvSpPr>
-            <p:cNvPr id="19" name="TextBox 18"/>
-            <p:cNvSpPr txBox="1"/>
-            <p:nvPr/>
-          </p:nvSpPr>
-          <p:spPr>
-            <a:xfrm>
-              <a:off x="7389244" y="3657600"/>
-              <a:ext cx="459356" cy="769441"/>
-            </a:xfrm>
-            <a:prstGeom prst="rect">
-              <a:avLst/>
-            </a:prstGeom>
-            <a:noFill/>
-          </p:spPr>
-          <p:txBody>
-            <a:bodyPr wrap="none" rtlCol="0">
-              <a:spAutoFit/>
-            </a:bodyPr>
-            <a:lstStyle/>
-            <a:p>
-              <a:r>
-                <a:rPr lang="en-US" sz="4400" b="1" dirty="0">
-                  <a:solidFill>
-                    <a:srgbClr val="0000FF"/>
-                  </a:solidFill>
-                </a:rPr>
-                <a:t>s</a:t>
-              </a:r>
-              <a:endParaRPr lang="en-US" sz="4400" dirty="0"/>
-            </a:p>
-          </p:txBody>
-        </p:sp>
-        <p:cxnSp>
-          <p:nvCxnSpPr>
-            <p:cNvPr id="17" name="Straight Arrow Connector 16"/>
-            <p:cNvCxnSpPr/>
-            <p:nvPr/>
-          </p:nvCxnSpPr>
-          <p:spPr bwMode="auto">
-            <a:xfrm>
-              <a:off x="7467600" y="3886200"/>
-              <a:ext cx="381000" cy="0"/>
-            </a:xfrm>
-            <a:prstGeom prst="straightConnector1">
-              <a:avLst/>
-            </a:prstGeom>
-            <a:solidFill>
-              <a:schemeClr val="accent1"/>
-            </a:solidFill>
-            <a:ln w="38100" cap="flat" cmpd="sng" algn="ctr">
-              <a:solidFill>
-                <a:srgbClr val="0000FF"/>
-              </a:solidFill>
-              <a:prstDash val="solid"/>
-              <a:round/>
-              <a:headEnd type="none" w="med" len="med"/>
-              <a:tailEnd type="arrow" w="sm" len="sm"/>
-            </a:ln>
-            <a:effectLst/>
-          </p:spPr>
-        </p:cxnSp>
-      </p:grpSp>
-      <p:grpSp>
-        <p:nvGrpSpPr>
-          <p:cNvPr id="26" name="Group 25"/>
-          <p:cNvGrpSpPr/>
-          <p:nvPr/>
-        </p:nvGrpSpPr>
-        <p:grpSpPr>
-          <a:xfrm>
-            <a:off x="3593015" y="4639270"/>
-            <a:ext cx="521785" cy="923330"/>
-            <a:chOff x="1981200" y="4572000"/>
-            <a:chExt cx="521785" cy="923330"/>
-          </a:xfrm>
-        </p:grpSpPr>
-        <p:sp>
-          <p:nvSpPr>
-            <p:cNvPr id="23" name="TextBox 22"/>
-            <p:cNvSpPr txBox="1"/>
-            <p:nvPr/>
-          </p:nvSpPr>
-          <p:spPr>
-            <a:xfrm>
-              <a:off x="1981200" y="4572000"/>
-              <a:ext cx="521785" cy="923330"/>
-            </a:xfrm>
-            <a:prstGeom prst="rect">
-              <a:avLst/>
-            </a:prstGeom>
-            <a:noFill/>
-          </p:spPr>
-          <p:txBody>
-            <a:bodyPr wrap="none" rtlCol="0">
-              <a:spAutoFit/>
-            </a:bodyPr>
-            <a:lstStyle/>
-            <a:p>
-              <a:r>
-                <a:rPr lang="en-US" sz="5400" b="1" dirty="0">
-                  <a:solidFill>
-                    <a:srgbClr val="0000FF"/>
-                  </a:solidFill>
-                </a:rPr>
-                <a:t>s</a:t>
-              </a:r>
-              <a:endParaRPr lang="en-US" sz="5400" dirty="0"/>
-            </a:p>
-          </p:txBody>
-        </p:sp>
-        <p:cxnSp>
-          <p:nvCxnSpPr>
-            <p:cNvPr id="24" name="Straight Arrow Connector 23"/>
-            <p:cNvCxnSpPr/>
-            <p:nvPr/>
-          </p:nvCxnSpPr>
-          <p:spPr bwMode="auto">
-            <a:xfrm>
-              <a:off x="2057400" y="4800600"/>
-              <a:ext cx="381000" cy="0"/>
-            </a:xfrm>
-            <a:prstGeom prst="straightConnector1">
-              <a:avLst/>
-            </a:prstGeom>
-            <a:solidFill>
-              <a:schemeClr val="accent1"/>
-            </a:solidFill>
-            <a:ln w="38100" cap="flat" cmpd="sng" algn="ctr">
-              <a:solidFill>
-                <a:srgbClr val="0000FF"/>
-              </a:solidFill>
-              <a:prstDash val="solid"/>
-              <a:round/>
-              <a:headEnd type="none" w="med" len="med"/>
-              <a:tailEnd type="arrow" w="sm" len="sm"/>
-            </a:ln>
-            <a:effectLst/>
-          </p:spPr>
-        </p:cxnSp>
-      </p:grpSp>
-      <p:grpSp>
-        <p:nvGrpSpPr>
-          <p:cNvPr id="28" name="Group 27"/>
-          <p:cNvGrpSpPr/>
-          <p:nvPr/>
-        </p:nvGrpSpPr>
-        <p:grpSpPr>
-          <a:xfrm>
-            <a:off x="5117015" y="4630340"/>
-            <a:ext cx="521785" cy="923330"/>
-            <a:chOff x="1981200" y="4572000"/>
-            <a:chExt cx="521785" cy="923330"/>
-          </a:xfrm>
-        </p:grpSpPr>
-        <p:sp>
-          <p:nvSpPr>
-            <p:cNvPr id="29" name="TextBox 28"/>
-            <p:cNvSpPr txBox="1"/>
-            <p:nvPr/>
-          </p:nvSpPr>
-          <p:spPr>
-            <a:xfrm>
-              <a:off x="1981200" y="4572000"/>
-              <a:ext cx="521785" cy="923330"/>
-            </a:xfrm>
-            <a:prstGeom prst="rect">
-              <a:avLst/>
-            </a:prstGeom>
-            <a:noFill/>
-          </p:spPr>
-          <p:txBody>
-            <a:bodyPr wrap="none" rtlCol="0">
-              <a:spAutoFit/>
-            </a:bodyPr>
-            <a:lstStyle/>
-            <a:p>
-              <a:r>
-                <a:rPr lang="en-US" sz="5400" b="1" dirty="0">
-                  <a:solidFill>
-                    <a:srgbClr val="0000FF"/>
-                  </a:solidFill>
-                </a:rPr>
-                <a:t>s</a:t>
-              </a:r>
-              <a:endParaRPr lang="en-US" sz="5400" dirty="0"/>
-            </a:p>
-          </p:txBody>
-        </p:sp>
-        <p:cxnSp>
-          <p:nvCxnSpPr>
-            <p:cNvPr id="30" name="Straight Arrow Connector 29"/>
-            <p:cNvCxnSpPr/>
-            <p:nvPr/>
-          </p:nvCxnSpPr>
-          <p:spPr bwMode="auto">
-            <a:xfrm>
-              <a:off x="2057400" y="4800600"/>
-              <a:ext cx="381000" cy="0"/>
-            </a:xfrm>
-            <a:prstGeom prst="straightConnector1">
-              <a:avLst/>
-            </a:prstGeom>
-            <a:solidFill>
-              <a:schemeClr val="accent1"/>
-            </a:solidFill>
-            <a:ln w="38100" cap="flat" cmpd="sng" algn="ctr">
-              <a:solidFill>
-                <a:srgbClr val="0000FF"/>
-              </a:solidFill>
-              <a:prstDash val="solid"/>
-              <a:round/>
-              <a:headEnd type="none" w="med" len="med"/>
-              <a:tailEnd type="arrow" w="sm" len="sm"/>
-            </a:ln>
-            <a:effectLst/>
-          </p:spPr>
-        </p:cxnSp>
-      </p:grpSp>
-    </p:spTree>
-    <p:extLst>
-      <p:ext uri="{BB962C8B-B14F-4D97-AF65-F5344CB8AC3E}">
-        <p14:creationId xmlns:p14="http://schemas.microsoft.com/office/powerpoint/2010/main" val="171586865"/>
-      </p:ext>
-    </p:extLst>
-  </p:cSld>
-  <p:clrMapOvr>
-    <a:masterClrMapping/>
-  </p:clrMapOvr>
-</p:sld>
-</file>
-
-<file path=ppt/slides/slide6.xml><?xml version="1.0" encoding="utf-8"?>
 <p:sld xmlns:a="http://schemas.openxmlformats.org/drawingml/2006/main" xmlns:r="http://schemas.openxmlformats.org/officeDocument/2006/relationships" xmlns:p="http://schemas.openxmlformats.org/presentationml/2006/main" show="0">
   <p:cSld>
     <p:spTree>
@@ -6330,7 +5594,7 @@
               <a:pPr>
                 <a:defRPr/>
               </a:pPr>
-              <a:t>6</a:t>
+              <a:t>5</a:t>
             </a:fld>
             <a:endParaRPr lang="en-US" smtClean="0"/>
           </a:p>

--- a/fall13/slidesF13/page-rank.pptx
+++ b/fall13/slidesF13/page-rank.pptx
@@ -5,17 +5,20 @@
     <p:sldMasterId id="2147483648" r:id="rId1"/>
   </p:sldMasterIdLst>
   <p:notesMasterIdLst>
-    <p:notesMasterId r:id="rId7"/>
+    <p:notesMasterId r:id="rId10"/>
   </p:notesMasterIdLst>
   <p:handoutMasterIdLst>
-    <p:handoutMasterId r:id="rId8"/>
+    <p:handoutMasterId r:id="rId11"/>
   </p:handoutMasterIdLst>
   <p:sldIdLst>
     <p:sldId id="333" r:id="rId2"/>
     <p:sldId id="332" r:id="rId3"/>
     <p:sldId id="296" r:id="rId4"/>
     <p:sldId id="335" r:id="rId5"/>
-    <p:sldId id="337" r:id="rId6"/>
+    <p:sldId id="340" r:id="rId6"/>
+    <p:sldId id="338" r:id="rId7"/>
+    <p:sldId id="339" r:id="rId8"/>
+    <p:sldId id="337" r:id="rId9"/>
   </p:sldIdLst>
   <p:sldSz cx="9144000" cy="6858000" type="screen4x3"/>
   <p:notesSz cx="9601200" cy="7315200"/>
@@ -1151,6 +1154,279 @@
               <a:rPr lang="en-US"/>
               <a:pPr/>
               <a:t>4</a:t>
+            </a:fld>
+            <a:endParaRPr lang="en-US"/>
+          </a:p>
+        </p:txBody>
+      </p:sp>
+      <p:sp>
+        <p:nvSpPr>
+          <p:cNvPr id="36867" name="Rectangle 2"/>
+          <p:cNvSpPr>
+            <a:spLocks noGrp="1" noRot="1" noChangeAspect="1" noChangeArrowheads="1" noTextEdit="1"/>
+          </p:cNvSpPr>
+          <p:nvPr>
+            <p:ph type="sldImg"/>
+          </p:nvPr>
+        </p:nvSpPr>
+        <p:spPr>
+          <a:ln/>
+        </p:spPr>
+      </p:sp>
+      <p:sp>
+        <p:nvSpPr>
+          <p:cNvPr id="36868" name="Rectangle 3"/>
+          <p:cNvSpPr>
+            <a:spLocks noGrp="1" noChangeArrowheads="1"/>
+          </p:cNvSpPr>
+          <p:nvPr>
+            <p:ph type="body" idx="1"/>
+          </p:nvPr>
+        </p:nvSpPr>
+        <p:spPr>
+          <a:noFill/>
+          <a:ln/>
+        </p:spPr>
+        <p:txBody>
+          <a:bodyPr/>
+          <a:lstStyle/>
+          <a:p>
+            <a:pPr eaLnBrk="1" hangingPunct="1"/>
+            <a:endParaRPr lang="en-US">
+              <a:latin typeface="Arial" pitchFamily="-111" charset="0"/>
+              <a:ea typeface="ＭＳ Ｐゴシック" pitchFamily="-111" charset="-128"/>
+            </a:endParaRPr>
+          </a:p>
+        </p:txBody>
+      </p:sp>
+    </p:spTree>
+  </p:cSld>
+  <p:clrMapOvr>
+    <a:masterClrMapping/>
+  </p:clrMapOvr>
+</p:notes>
+</file>
+
+<file path=ppt/notesSlides/notesSlide5.xml><?xml version="1.0" encoding="utf-8"?>
+<p:notes xmlns:a="http://schemas.openxmlformats.org/drawingml/2006/main" xmlns:r="http://schemas.openxmlformats.org/officeDocument/2006/relationships" xmlns:p="http://schemas.openxmlformats.org/presentationml/2006/main">
+  <p:cSld>
+    <p:spTree>
+      <p:nvGrpSpPr>
+        <p:cNvPr id="1" name=""/>
+        <p:cNvGrpSpPr/>
+        <p:nvPr/>
+      </p:nvGrpSpPr>
+      <p:grpSpPr>
+        <a:xfrm>
+          <a:off x="0" y="0"/>
+          <a:ext cx="0" cy="0"/>
+          <a:chOff x="0" y="0"/>
+          <a:chExt cx="0" cy="0"/>
+        </a:xfrm>
+      </p:grpSpPr>
+      <p:sp>
+        <p:nvSpPr>
+          <p:cNvPr id="36866" name="Rectangle 7"/>
+          <p:cNvSpPr>
+            <a:spLocks noGrp="1" noChangeArrowheads="1"/>
+          </p:cNvSpPr>
+          <p:nvPr>
+            <p:ph type="sldNum" sz="quarter" idx="5"/>
+          </p:nvPr>
+        </p:nvSpPr>
+        <p:spPr>
+          <a:noFill/>
+        </p:spPr>
+        <p:txBody>
+          <a:bodyPr/>
+          <a:lstStyle/>
+          <a:p>
+            <a:fld id="{E9048385-A0D9-4A46-8E8D-37B293B72609}" type="slidenum">
+              <a:rPr lang="en-US"/>
+              <a:pPr/>
+              <a:t>5</a:t>
+            </a:fld>
+            <a:endParaRPr lang="en-US"/>
+          </a:p>
+        </p:txBody>
+      </p:sp>
+      <p:sp>
+        <p:nvSpPr>
+          <p:cNvPr id="36867" name="Rectangle 2"/>
+          <p:cNvSpPr>
+            <a:spLocks noGrp="1" noRot="1" noChangeAspect="1" noChangeArrowheads="1" noTextEdit="1"/>
+          </p:cNvSpPr>
+          <p:nvPr>
+            <p:ph type="sldImg"/>
+          </p:nvPr>
+        </p:nvSpPr>
+        <p:spPr>
+          <a:ln/>
+        </p:spPr>
+      </p:sp>
+      <p:sp>
+        <p:nvSpPr>
+          <p:cNvPr id="36868" name="Rectangle 3"/>
+          <p:cNvSpPr>
+            <a:spLocks noGrp="1" noChangeArrowheads="1"/>
+          </p:cNvSpPr>
+          <p:nvPr>
+            <p:ph type="body" idx="1"/>
+          </p:nvPr>
+        </p:nvSpPr>
+        <p:spPr>
+          <a:noFill/>
+          <a:ln/>
+        </p:spPr>
+        <p:txBody>
+          <a:bodyPr/>
+          <a:lstStyle/>
+          <a:p>
+            <a:pPr eaLnBrk="1" hangingPunct="1"/>
+            <a:endParaRPr lang="en-US">
+              <a:latin typeface="Arial" pitchFamily="-111" charset="0"/>
+              <a:ea typeface="ＭＳ Ｐゴシック" pitchFamily="-111" charset="-128"/>
+            </a:endParaRPr>
+          </a:p>
+        </p:txBody>
+      </p:sp>
+    </p:spTree>
+  </p:cSld>
+  <p:clrMapOvr>
+    <a:masterClrMapping/>
+  </p:clrMapOvr>
+</p:notes>
+</file>
+
+<file path=ppt/notesSlides/notesSlide6.xml><?xml version="1.0" encoding="utf-8"?>
+<p:notes xmlns:a="http://schemas.openxmlformats.org/drawingml/2006/main" xmlns:r="http://schemas.openxmlformats.org/officeDocument/2006/relationships" xmlns:p="http://schemas.openxmlformats.org/presentationml/2006/main">
+  <p:cSld>
+    <p:spTree>
+      <p:nvGrpSpPr>
+        <p:cNvPr id="1" name=""/>
+        <p:cNvGrpSpPr/>
+        <p:nvPr/>
+      </p:nvGrpSpPr>
+      <p:grpSpPr>
+        <a:xfrm>
+          <a:off x="0" y="0"/>
+          <a:ext cx="0" cy="0"/>
+          <a:chOff x="0" y="0"/>
+          <a:chExt cx="0" cy="0"/>
+        </a:xfrm>
+      </p:grpSpPr>
+      <p:sp>
+        <p:nvSpPr>
+          <p:cNvPr id="55298" name="Rectangle 7"/>
+          <p:cNvSpPr>
+            <a:spLocks noGrp="1" noChangeArrowheads="1"/>
+          </p:cNvSpPr>
+          <p:nvPr>
+            <p:ph type="sldNum" sz="quarter" idx="5"/>
+          </p:nvPr>
+        </p:nvSpPr>
+        <p:spPr>
+          <a:noFill/>
+        </p:spPr>
+        <p:txBody>
+          <a:bodyPr/>
+          <a:lstStyle/>
+          <a:p>
+            <a:fld id="{1F6FFF5B-E386-1C4F-ACEA-254D00C060D6}" type="slidenum">
+              <a:rPr lang="en-US"/>
+              <a:pPr/>
+              <a:t>6</a:t>
+            </a:fld>
+            <a:endParaRPr lang="en-US"/>
+          </a:p>
+        </p:txBody>
+      </p:sp>
+      <p:sp>
+        <p:nvSpPr>
+          <p:cNvPr id="55299" name="Rectangle 2"/>
+          <p:cNvSpPr>
+            <a:spLocks noGrp="1" noRot="1" noChangeAspect="1" noChangeArrowheads="1" noTextEdit="1"/>
+          </p:cNvSpPr>
+          <p:nvPr>
+            <p:ph type="sldImg"/>
+          </p:nvPr>
+        </p:nvSpPr>
+        <p:spPr>
+          <a:ln/>
+        </p:spPr>
+      </p:sp>
+      <p:sp>
+        <p:nvSpPr>
+          <p:cNvPr id="55300" name="Rectangle 3"/>
+          <p:cNvSpPr>
+            <a:spLocks noGrp="1" noChangeArrowheads="1"/>
+          </p:cNvSpPr>
+          <p:nvPr>
+            <p:ph type="body" idx="1"/>
+          </p:nvPr>
+        </p:nvSpPr>
+        <p:spPr>
+          <a:noFill/>
+          <a:ln/>
+        </p:spPr>
+        <p:txBody>
+          <a:bodyPr/>
+          <a:lstStyle/>
+          <a:p>
+            <a:pPr eaLnBrk="1" hangingPunct="1"/>
+            <a:endParaRPr lang="en-US">
+              <a:latin typeface="Arial" pitchFamily="-111" charset="0"/>
+              <a:ea typeface="ＭＳ Ｐゴシック" pitchFamily="-111" charset="-128"/>
+            </a:endParaRPr>
+          </a:p>
+        </p:txBody>
+      </p:sp>
+    </p:spTree>
+  </p:cSld>
+  <p:clrMapOvr>
+    <a:masterClrMapping/>
+  </p:clrMapOvr>
+</p:notes>
+</file>
+
+<file path=ppt/notesSlides/notesSlide7.xml><?xml version="1.0" encoding="utf-8"?>
+<p:notes xmlns:a="http://schemas.openxmlformats.org/drawingml/2006/main" xmlns:r="http://schemas.openxmlformats.org/officeDocument/2006/relationships" xmlns:p="http://schemas.openxmlformats.org/presentationml/2006/main">
+  <p:cSld>
+    <p:spTree>
+      <p:nvGrpSpPr>
+        <p:cNvPr id="1" name=""/>
+        <p:cNvGrpSpPr/>
+        <p:nvPr/>
+      </p:nvGrpSpPr>
+      <p:grpSpPr>
+        <a:xfrm>
+          <a:off x="0" y="0"/>
+          <a:ext cx="0" cy="0"/>
+          <a:chOff x="0" y="0"/>
+          <a:chExt cx="0" cy="0"/>
+        </a:xfrm>
+      </p:grpSpPr>
+      <p:sp>
+        <p:nvSpPr>
+          <p:cNvPr id="36866" name="Rectangle 7"/>
+          <p:cNvSpPr>
+            <a:spLocks noGrp="1" noChangeArrowheads="1"/>
+          </p:cNvSpPr>
+          <p:nvPr>
+            <p:ph type="sldNum" sz="quarter" idx="5"/>
+          </p:nvPr>
+        </p:nvSpPr>
+        <p:spPr>
+          <a:noFill/>
+        </p:spPr>
+        <p:txBody>
+          <a:bodyPr/>
+          <a:lstStyle/>
+          <a:p>
+            <a:fld id="{E9048385-A0D9-4A46-8E8D-37B293B72609}" type="slidenum">
+              <a:rPr lang="en-US"/>
+              <a:pPr/>
+              <a:t>7</a:t>
             </a:fld>
             <a:endParaRPr lang="en-US"/>
           </a:p>
@@ -3197,7 +3473,7 @@
           <a:p>
             <a:pPr algn="ctr"/>
             <a:r>
-              <a:rPr lang="en-US" sz="8800" b="1" kern="0" dirty="0">
+              <a:rPr lang="en-US" sz="8800" b="1" kern="0" dirty="0" smtClean="0">
                 <a:solidFill>
                   <a:srgbClr val="0000FF"/>
                 </a:solidFill>
@@ -3205,16 +3481,6 @@
                 <a:ea typeface="ＭＳ Ｐゴシック"/>
               </a:rPr>
               <a:t>Page</a:t>
-            </a:r>
-            <a:r>
-              <a:rPr lang="en-US" sz="8800" b="1" kern="0" dirty="0">
-                <a:solidFill>
-                  <a:srgbClr val="000000"/>
-                </a:solidFill>
-                <a:latin typeface="Comic Sans MS"/>
-                <a:ea typeface="ＭＳ Ｐゴシック"/>
-              </a:rPr>
-              <a:t> </a:t>
             </a:r>
             <a:r>
               <a:rPr lang="en-US" sz="8800" b="1" kern="0" dirty="0" smtClean="0">
@@ -3639,8 +3905,13 @@
             <a:pPr eaLnBrk="1" hangingPunct="1"/>
             <a:r>
               <a:rPr lang="en-US" dirty="0"/>
-              <a:t>Google Page Rank</a:t>
-            </a:r>
+              <a:t>Google </a:t>
+            </a:r>
+            <a:r>
+              <a:rPr lang="en-US" dirty="0" smtClean="0"/>
+              <a:t>PageRank</a:t>
+            </a:r>
+            <a:endParaRPr lang="en-US" dirty="0"/>
           </a:p>
         </p:txBody>
       </p:sp>
@@ -4148,8 +4419,8 @@
         </p:nvSpPr>
         <p:spPr>
           <a:xfrm>
-            <a:off x="381000" y="1219200"/>
-            <a:ext cx="8382000" cy="4800600"/>
+            <a:off x="381000" y="1600200"/>
+            <a:ext cx="8305800" cy="3657600"/>
           </a:xfrm>
         </p:spPr>
         <p:txBody>
@@ -4164,11 +4435,11 @@
               <a:buNone/>
             </a:pPr>
             <a:r>
-              <a:rPr lang="en-US" sz="4000" dirty="0"/>
+              <a:rPr lang="en-US" sz="4400" dirty="0"/>
               <a:t>View the entire web as </a:t>
             </a:r>
             <a:r>
-              <a:rPr lang="en-US" sz="4000" dirty="0" smtClean="0"/>
+              <a:rPr lang="en-US" sz="4400" dirty="0" smtClean="0"/>
               <a:t>digraph</a:t>
             </a:r>
           </a:p>
@@ -4179,22 +4450,22 @@
               </a:lnSpc>
             </a:pPr>
             <a:r>
-              <a:rPr lang="en-US" sz="4000" dirty="0" smtClean="0"/>
+              <a:rPr lang="en-US" sz="4400" dirty="0" smtClean="0"/>
               <a:t>vertices </a:t>
             </a:r>
             <a:r>
-              <a:rPr lang="en-US" sz="4000" dirty="0"/>
+              <a:rPr lang="en-US" sz="4400" dirty="0"/>
               <a:t>are </a:t>
             </a:r>
             <a:r>
-              <a:rPr lang="en-US" sz="4000" dirty="0" err="1"/>
+              <a:rPr lang="en-US" sz="4400" dirty="0" err="1"/>
               <a:t>webpages</a:t>
             </a:r>
             <a:r>
-              <a:rPr lang="en-US" sz="4000" dirty="0"/>
+              <a:rPr lang="en-US" sz="4400" dirty="0"/>
               <a:t> </a:t>
             </a:r>
-            <a:endParaRPr lang="en-US" sz="4000" dirty="0" smtClean="0"/>
+            <a:endParaRPr lang="en-US" sz="4400" dirty="0" smtClean="0"/>
           </a:p>
           <a:p>
             <a:pPr eaLnBrk="1" hangingPunct="1">
@@ -4203,11 +4474,11 @@
               </a:lnSpc>
             </a:pPr>
             <a:r>
-              <a:rPr lang="en-US" sz="4000" dirty="0" smtClean="0"/>
+              <a:rPr lang="en-US" sz="4400" dirty="0" smtClean="0"/>
               <a:t>edge </a:t>
             </a:r>
             <a:r>
-              <a:rPr lang="en-US" sz="4000" dirty="0">
+              <a:rPr lang="en-US" sz="4400" dirty="0">
                 <a:solidFill>
                   <a:srgbClr val="0000FF"/>
                 </a:solidFill>
@@ -4215,7 +4486,7 @@
               <a:t>(</a:t>
             </a:r>
             <a:r>
-              <a:rPr lang="en-US" sz="4000" dirty="0" err="1">
+              <a:rPr lang="en-US" sz="4400" dirty="0" err="1">
                 <a:solidFill>
                   <a:srgbClr val="0000FF"/>
                 </a:solidFill>
@@ -4223,7 +4494,7 @@
               <a:t>u,v</a:t>
             </a:r>
             <a:r>
-              <a:rPr lang="en-US" sz="4000" dirty="0">
+              <a:rPr lang="en-US" sz="4400" dirty="0">
                 <a:solidFill>
                   <a:srgbClr val="0000FF"/>
                 </a:solidFill>
@@ -4231,11 +4502,11 @@
               <a:t>)</a:t>
             </a:r>
             <a:r>
-              <a:rPr lang="en-US" sz="4000" dirty="0"/>
+              <a:rPr lang="en-US" sz="4400" dirty="0"/>
               <a:t> exists if link from page </a:t>
             </a:r>
             <a:r>
-              <a:rPr lang="en-US" sz="4000" dirty="0" err="1">
+              <a:rPr lang="en-US" sz="4400" dirty="0" err="1">
                 <a:solidFill>
                   <a:srgbClr val="0000FF"/>
                 </a:solidFill>
@@ -4243,18 +4514,18 @@
               <a:t>u</a:t>
             </a:r>
             <a:r>
-              <a:rPr lang="en-US" sz="4000" dirty="0"/>
+              <a:rPr lang="en-US" sz="4400" dirty="0"/>
               <a:t> to page </a:t>
             </a:r>
             <a:r>
-              <a:rPr lang="en-US" sz="4000" dirty="0" err="1">
+              <a:rPr lang="en-US" sz="4400" dirty="0" err="1">
                 <a:solidFill>
                   <a:srgbClr val="0000FF"/>
                 </a:solidFill>
               </a:rPr>
               <a:t>v</a:t>
             </a:r>
-            <a:endParaRPr lang="en-US" sz="4000" dirty="0">
+            <a:endParaRPr lang="en-US" sz="4400" dirty="0">
               <a:solidFill>
                 <a:srgbClr val="0000FF"/>
               </a:solidFill>
@@ -4267,15 +4538,15 @@
               </a:lnSpc>
             </a:pPr>
             <a:r>
-              <a:rPr lang="en-US" sz="4000" dirty="0" err="1" smtClean="0"/>
+              <a:rPr lang="en-US" sz="4400" dirty="0" err="1" smtClean="0"/>
               <a:t>Pr</a:t>
             </a:r>
             <a:r>
-              <a:rPr lang="en-US" sz="4000" dirty="0"/>
+              <a:rPr lang="en-US" sz="4400" dirty="0"/>
               <a:t>[</a:t>
             </a:r>
             <a:r>
-              <a:rPr lang="en-US" sz="4000" dirty="0" smtClean="0">
+              <a:rPr lang="en-US" sz="4400" dirty="0" smtClean="0">
                 <a:solidFill>
                   <a:srgbClr val="0000FF"/>
                 </a:solidFill>
@@ -4283,7 +4554,7 @@
               <a:t>(</a:t>
             </a:r>
             <a:r>
-              <a:rPr lang="en-US" sz="4000" dirty="0" err="1" smtClean="0">
+              <a:rPr lang="en-US" sz="4400" dirty="0" err="1" smtClean="0">
                 <a:solidFill>
                   <a:srgbClr val="0000FF"/>
                 </a:solidFill>
@@ -4291,7 +4562,7 @@
               <a:t>u,v</a:t>
             </a:r>
             <a:r>
-              <a:rPr lang="en-US" sz="4000" dirty="0" smtClean="0">
+              <a:rPr lang="en-US" sz="4400" dirty="0" smtClean="0">
                 <a:solidFill>
                   <a:srgbClr val="0000FF"/>
                 </a:solidFill>
@@ -4299,149 +4570,38 @@
               <a:t>)</a:t>
             </a:r>
             <a:r>
-              <a:rPr lang="en-US" sz="4000" dirty="0"/>
+              <a:rPr lang="en-US" sz="4400" dirty="0"/>
               <a:t>]</a:t>
             </a:r>
             <a:r>
-              <a:rPr lang="en-US" sz="4000" dirty="0" smtClean="0"/>
+              <a:rPr lang="en-US" sz="4400" dirty="0" smtClean="0"/>
               <a:t> </a:t>
             </a:r>
             <a:r>
-              <a:rPr lang="en-US" sz="4000" dirty="0"/>
+              <a:rPr lang="en-US" sz="4400" dirty="0"/>
               <a:t>= </a:t>
             </a:r>
             <a:r>
-              <a:rPr lang="en-US" sz="4000" dirty="0">
+              <a:rPr lang="en-US" sz="4400" dirty="0">
                 <a:solidFill>
                   <a:srgbClr val="0000FF"/>
                 </a:solidFill>
               </a:rPr>
-              <a:t>1/outdeg(u)</a:t>
-            </a:r>
-          </a:p>
-          <a:p>
-            <a:pPr eaLnBrk="1" hangingPunct="1">
-              <a:lnSpc>
-                <a:spcPct val="90000"/>
-              </a:lnSpc>
-              <a:buFontTx/>
-              <a:buNone/>
-            </a:pPr>
-            <a:r>
-              <a:rPr lang="en-US" sz="4000" dirty="0"/>
-              <a:t>Find </a:t>
-            </a:r>
-            <a:r>
-              <a:rPr lang="en-US" sz="4000" dirty="0">
-                <a:solidFill>
-                  <a:srgbClr val="FF00FF"/>
-                </a:solidFill>
-              </a:rPr>
-              <a:t>stationary distribution</a:t>
-            </a:r>
-            <a:r>
-              <a:rPr lang="en-US" sz="4000" dirty="0"/>
-              <a:t> </a:t>
-            </a:r>
-          </a:p>
-          <a:p>
-            <a:pPr eaLnBrk="1" hangingPunct="1">
-              <a:lnSpc>
-                <a:spcPct val="90000"/>
-              </a:lnSpc>
-              <a:buFontTx/>
-              <a:buNone/>
-            </a:pPr>
-            <a:r>
-              <a:rPr lang="en-US" sz="4000" dirty="0"/>
-              <a:t>Rank </a:t>
-            </a:r>
-            <a:r>
-              <a:rPr lang="en-US" sz="4000" dirty="0">
+              <a:t>1/outdeg(u</a:t>
+            </a:r>
+            <a:r>
+              <a:rPr lang="en-US" sz="4400" dirty="0" smtClean="0">
                 <a:solidFill>
                   <a:srgbClr val="0000FF"/>
                 </a:solidFill>
               </a:rPr>
-              <a:t>u</a:t>
-            </a:r>
-            <a:r>
-              <a:rPr lang="en-US" sz="4000" dirty="0"/>
-              <a:t> above</a:t>
-            </a:r>
-            <a:r>
-              <a:rPr lang="en-US" sz="4000" dirty="0">
-                <a:solidFill>
-                  <a:srgbClr val="0000FF"/>
-                </a:solidFill>
-              </a:rPr>
-              <a:t> v</a:t>
-            </a:r>
-            <a:r>
-              <a:rPr lang="en-US" sz="4000" dirty="0"/>
-              <a:t> if </a:t>
-            </a:r>
-            <a:r>
-              <a:rPr lang="en-US" sz="4000" dirty="0" err="1" smtClean="0">
-                <a:solidFill>
-                  <a:srgbClr val="0000FF"/>
-                </a:solidFill>
-              </a:rPr>
-              <a:t>s</a:t>
-            </a:r>
-            <a:r>
-              <a:rPr lang="en-US" sz="4000" baseline="-25000" dirty="0" err="1" smtClean="0">
-                <a:solidFill>
-                  <a:srgbClr val="0000FF"/>
-                </a:solidFill>
-              </a:rPr>
-              <a:t>u</a:t>
-            </a:r>
-            <a:r>
-              <a:rPr lang="en-US" sz="4000" dirty="0" smtClean="0">
-                <a:solidFill>
-                  <a:schemeClr val="accent2"/>
-                </a:solidFill>
-              </a:rPr>
-              <a:t> </a:t>
-            </a:r>
-            <a:r>
-              <a:rPr lang="en-US" sz="4000" b="1" dirty="0">
-                <a:solidFill>
-                  <a:schemeClr val="accent2"/>
-                </a:solidFill>
-                <a:latin typeface="Euclid Symbol" charset="2"/>
-                <a:cs typeface="Euclid Symbol" charset="2"/>
-              </a:rPr>
-              <a:t>&gt;</a:t>
-            </a:r>
-            <a:r>
-              <a:rPr lang="en-US" sz="4000" dirty="0">
-                <a:solidFill>
-                  <a:schemeClr val="accent2"/>
-                </a:solidFill>
-              </a:rPr>
-              <a:t> </a:t>
-            </a:r>
-            <a:r>
-              <a:rPr lang="en-US" sz="4000" dirty="0" err="1" smtClean="0">
-                <a:solidFill>
-                  <a:srgbClr val="0000FF"/>
-                </a:solidFill>
-              </a:rPr>
-              <a:t>s</a:t>
-            </a:r>
-            <a:r>
-              <a:rPr lang="en-US" sz="4000" baseline="-25000" dirty="0" err="1" smtClean="0">
-                <a:solidFill>
-                  <a:srgbClr val="0000FF"/>
-                </a:solidFill>
-              </a:rPr>
-              <a:t>v</a:t>
-            </a:r>
-            <a:r>
-              <a:rPr lang="en-US" sz="4000" dirty="0"/>
-              <a:t>.</a:t>
-            </a:r>
+              <a:t>)</a:t>
+            </a:r>
+            <a:endParaRPr lang="en-US" sz="4400" dirty="0">
+              <a:solidFill>
+                <a:srgbClr val="0000FF"/>
+              </a:solidFill>
+            </a:endParaRPr>
           </a:p>
         </p:txBody>
       </p:sp>
@@ -4511,7 +4671,7 @@
         <p:spPr>
           <a:xfrm>
             <a:off x="1519238" y="301625"/>
-            <a:ext cx="5872162" cy="993775"/>
+            <a:ext cx="7015162" cy="993775"/>
           </a:xfrm>
         </p:spPr>
         <p:txBody>
@@ -4520,90 +4680,13 @@
           <a:p>
             <a:pPr eaLnBrk="1" hangingPunct="1"/>
             <a:r>
-              <a:rPr lang="en-US" dirty="0"/>
-              <a:t>Google Page Rank</a:t>
-            </a:r>
+              <a:rPr lang="en-US" dirty="0" smtClean="0"/>
+              <a:t>Random Walk on the Web</a:t>
+            </a:r>
+            <a:endParaRPr lang="en-US" dirty="0"/>
           </a:p>
         </p:txBody>
       </p:sp>
-      <p:grpSp>
-        <p:nvGrpSpPr>
-          <p:cNvPr id="6" name="Group 5"/>
-          <p:cNvGrpSpPr/>
-          <p:nvPr/>
-        </p:nvGrpSpPr>
-        <p:grpSpPr>
-          <a:xfrm>
-            <a:off x="7162800" y="4191000"/>
-            <a:ext cx="521785" cy="923330"/>
-            <a:chOff x="1981200" y="4572000"/>
-            <a:chExt cx="521785" cy="923330"/>
-          </a:xfrm>
-        </p:grpSpPr>
-        <p:sp>
-          <p:nvSpPr>
-            <p:cNvPr id="9" name="TextBox 8"/>
-            <p:cNvSpPr txBox="1"/>
-            <p:nvPr/>
-          </p:nvSpPr>
-          <p:spPr>
-            <a:xfrm>
-              <a:off x="1981200" y="4572000"/>
-              <a:ext cx="521785" cy="923330"/>
-            </a:xfrm>
-            <a:prstGeom prst="rect">
-              <a:avLst/>
-            </a:prstGeom>
-            <a:noFill/>
-          </p:spPr>
-          <p:txBody>
-            <a:bodyPr wrap="none" rtlCol="0">
-              <a:spAutoFit/>
-            </a:bodyPr>
-            <a:lstStyle/>
-            <a:p>
-              <a:r>
-                <a:rPr lang="en-US" sz="5400" b="1" dirty="0">
-                  <a:solidFill>
-                    <a:srgbClr val="0000FF"/>
-                  </a:solidFill>
-                </a:rPr>
-                <a:t>s</a:t>
-              </a:r>
-              <a:endParaRPr lang="en-US" sz="5400" dirty="0"/>
-            </a:p>
-          </p:txBody>
-        </p:sp>
-        <p:cxnSp>
-          <p:nvCxnSpPr>
-            <p:cNvPr id="10" name="Straight Arrow Connector 9"/>
-            <p:cNvCxnSpPr/>
-            <p:nvPr/>
-          </p:nvCxnSpPr>
-          <p:spPr bwMode="auto">
-            <a:xfrm>
-              <a:off x="2057400" y="4800600"/>
-              <a:ext cx="381000" cy="0"/>
-            </a:xfrm>
-            <a:prstGeom prst="straightConnector1">
-              <a:avLst/>
-            </a:prstGeom>
-            <a:solidFill>
-              <a:schemeClr val="accent1"/>
-            </a:solidFill>
-            <a:ln w="38100" cap="flat" cmpd="sng" algn="ctr">
-              <a:solidFill>
-                <a:srgbClr val="0000FF"/>
-              </a:solidFill>
-              <a:prstDash val="solid"/>
-              <a:round/>
-              <a:headEnd type="none" w="med" len="med"/>
-              <a:tailEnd type="arrow" w="sm" len="sm"/>
-            </a:ln>
-            <a:effectLst/>
-          </p:spPr>
-        </p:cxnSp>
-      </p:grpSp>
     </p:spTree>
   </p:cSld>
   <p:clrMapOvr>
@@ -4864,128 +4947,6 @@
                       </p:childTnLst>
                     </p:cTn>
                   </p:par>
-                  <p:par>
-                    <p:cTn id="23" fill="hold">
-                      <p:stCondLst>
-                        <p:cond delay="indefinite"/>
-                      </p:stCondLst>
-                      <p:childTnLst>
-                        <p:par>
-                          <p:cTn id="24" fill="hold">
-                            <p:stCondLst>
-                              <p:cond delay="0"/>
-                            </p:stCondLst>
-                            <p:childTnLst>
-                              <p:par>
-                                <p:cTn id="25" presetID="9" presetClass="entr" presetSubtype="0" fill="hold" grpId="0" nodeType="clickEffect">
-                                  <p:stCondLst>
-                                    <p:cond delay="0"/>
-                                  </p:stCondLst>
-                                  <p:childTnLst>
-                                    <p:set>
-                                      <p:cBhvr>
-                                        <p:cTn id="26" dur="1" fill="hold">
-                                          <p:stCondLst>
-                                            <p:cond delay="0"/>
-                                          </p:stCondLst>
-                                        </p:cTn>
-                                        <p:tgtEl>
-                                          <p:spTgt spid="22534">
-                                            <p:txEl>
-                                              <p:pRg st="4" end="4"/>
-                                            </p:txEl>
-                                          </p:spTgt>
-                                        </p:tgtEl>
-                                        <p:attrNameLst>
-                                          <p:attrName>style.visibility</p:attrName>
-                                        </p:attrNameLst>
-                                      </p:cBhvr>
-                                      <p:to>
-                                        <p:strVal val="visible"/>
-                                      </p:to>
-                                    </p:set>
-                                    <p:animEffect transition="in" filter="dissolve">
-                                      <p:cBhvr>
-                                        <p:cTn id="27" dur="500"/>
-                                        <p:tgtEl>
-                                          <p:spTgt spid="22534">
-                                            <p:txEl>
-                                              <p:pRg st="4" end="4"/>
-                                            </p:txEl>
-                                          </p:spTgt>
-                                        </p:tgtEl>
-                                      </p:cBhvr>
-                                    </p:animEffect>
-                                  </p:childTnLst>
-                                </p:cTn>
-                              </p:par>
-                            </p:childTnLst>
-                          </p:cTn>
-                        </p:par>
-                      </p:childTnLst>
-                    </p:cTn>
-                  </p:par>
-                  <p:par>
-                    <p:cTn id="28" fill="hold">
-                      <p:stCondLst>
-                        <p:cond delay="indefinite"/>
-                      </p:stCondLst>
-                      <p:childTnLst>
-                        <p:par>
-                          <p:cTn id="29" fill="hold">
-                            <p:stCondLst>
-                              <p:cond delay="0"/>
-                            </p:stCondLst>
-                            <p:childTnLst>
-                              <p:par>
-                                <p:cTn id="30" presetID="9" presetClass="entr" presetSubtype="0" fill="hold" grpId="0" nodeType="clickEffect">
-                                  <p:stCondLst>
-                                    <p:cond delay="0"/>
-                                  </p:stCondLst>
-                                  <p:childTnLst>
-                                    <p:set>
-                                      <p:cBhvr>
-                                        <p:cTn id="31" dur="1" fill="hold">
-                                          <p:stCondLst>
-                                            <p:cond delay="0"/>
-                                          </p:stCondLst>
-                                        </p:cTn>
-                                        <p:tgtEl>
-                                          <p:spTgt spid="22534">
-                                            <p:txEl>
-                                              <p:pRg st="5" end="5"/>
-                                            </p:txEl>
-                                          </p:spTgt>
-                                        </p:tgtEl>
-                                        <p:attrNameLst>
-                                          <p:attrName>style.visibility</p:attrName>
-                                        </p:attrNameLst>
-                                      </p:cBhvr>
-                                      <p:to>
-                                        <p:strVal val="visible"/>
-                                      </p:to>
-                                    </p:set>
-                                    <p:animEffect transition="in" filter="dissolve">
-                                      <p:cBhvr>
-                                        <p:cTn id="32" dur="500"/>
-                                        <p:tgtEl>
-                                          <p:spTgt spid="22534">
-                                            <p:txEl>
-                                              <p:pRg st="5" end="5"/>
-                                            </p:txEl>
-                                          </p:spTgt>
-                                        </p:tgtEl>
-                                      </p:cBhvr>
-                                    </p:animEffect>
-                                  </p:childTnLst>
-                                </p:cTn>
-                              </p:par>
-                            </p:childTnLst>
-                          </p:cTn>
-                        </p:par>
-                      </p:childTnLst>
-                    </p:cTn>
-                  </p:par>
                 </p:childTnLst>
               </p:cTn>
               <p:prevCondLst>
@@ -5093,8 +5054,25 @@
             </a:pPr>
             <a:r>
               <a:rPr lang="en-US" sz="4000" dirty="0" smtClean="0"/>
-              <a:t>To ensure unique stationary:</a:t>
-            </a:r>
+              <a:t>To </a:t>
+            </a:r>
+            <a:r>
+              <a:rPr lang="en-US" sz="4000" dirty="0" smtClean="0"/>
+              <a:t>model </a:t>
+            </a:r>
+            <a:r>
+              <a:rPr lang="en-US" sz="4000" dirty="0" smtClean="0">
+                <a:solidFill>
+                  <a:srgbClr val="008000"/>
+                </a:solidFill>
+              </a:rPr>
+              <a:t>starting over</a:t>
+            </a:r>
+            <a:r>
+              <a:rPr lang="en-US" sz="4000" dirty="0" smtClean="0"/>
+              <a:t>:</a:t>
+            </a:r>
+            <a:endParaRPr lang="en-US" sz="4000" dirty="0" smtClean="0"/>
           </a:p>
           <a:p>
             <a:pPr eaLnBrk="1" hangingPunct="1">
@@ -5106,7 +5084,19 @@
             </a:pPr>
             <a:r>
               <a:rPr lang="en-US" sz="4000" dirty="0" smtClean="0"/>
-              <a:t>* add a “super-node” to the graph</a:t>
+              <a:t>* add a “</a:t>
+            </a:r>
+            <a:r>
+              <a:rPr lang="en-US" sz="4000" dirty="0" smtClean="0">
+                <a:solidFill>
+                  <a:srgbClr val="008000"/>
+                </a:solidFill>
+              </a:rPr>
+              <a:t>super-node</a:t>
+            </a:r>
+            <a:r>
+              <a:rPr lang="en-US" sz="4000" dirty="0" smtClean="0"/>
+              <a:t>” to the graph</a:t>
             </a:r>
           </a:p>
           <a:p>
@@ -5223,6 +5213,443 @@
     <p:extLst>
       <p:ext uri="{BB962C8B-B14F-4D97-AF65-F5344CB8AC3E}">
         <p14:creationId xmlns:p14="http://schemas.microsoft.com/office/powerpoint/2010/main" val="3562016177"/>
+      </p:ext>
+    </p:extLst>
+  </p:cSld>
+  <p:clrMapOvr>
+    <a:masterClrMapping/>
+  </p:clrMapOvr>
+  <p:transition xmlns:p14="http://schemas.microsoft.com/office/powerpoint/2010/main" spd="slow">
+    <p:fade thruBlk="1"/>
+  </p:transition>
+  <p:timing>
+    <p:tnLst>
+      <p:par>
+        <p:cTn xmlns:p14="http://schemas.microsoft.com/office/powerpoint/2010/main" id="1" dur="indefinite" restart="never" nodeType="tmRoot">
+          <p:childTnLst>
+            <p:seq concurrent="1" nextAc="seek">
+              <p:cTn id="2" dur="indefinite" nodeType="mainSeq">
+                <p:childTnLst>
+                  <p:par>
+                    <p:cTn id="3" fill="hold">
+                      <p:stCondLst>
+                        <p:cond delay="indefinite"/>
+                      </p:stCondLst>
+                      <p:childTnLst>
+                        <p:par>
+                          <p:cTn id="4" fill="hold">
+                            <p:stCondLst>
+                              <p:cond delay="0"/>
+                            </p:stCondLst>
+                            <p:childTnLst>
+                              <p:par>
+                                <p:cTn id="5" presetID="10" presetClass="entr" presetSubtype="0" fill="hold" grpId="0" nodeType="clickEffect">
+                                  <p:stCondLst>
+                                    <p:cond delay="0"/>
+                                  </p:stCondLst>
+                                  <p:childTnLst>
+                                    <p:set>
+                                      <p:cBhvr>
+                                        <p:cTn id="6" dur="1" fill="hold">
+                                          <p:stCondLst>
+                                            <p:cond delay="0"/>
+                                          </p:stCondLst>
+                                        </p:cTn>
+                                        <p:tgtEl>
+                                          <p:spTgt spid="22534">
+                                            <p:txEl>
+                                              <p:pRg st="1" end="1"/>
+                                            </p:txEl>
+                                          </p:spTgt>
+                                        </p:tgtEl>
+                                        <p:attrNameLst>
+                                          <p:attrName>style.visibility</p:attrName>
+                                        </p:attrNameLst>
+                                      </p:cBhvr>
+                                      <p:to>
+                                        <p:strVal val="visible"/>
+                                      </p:to>
+                                    </p:set>
+                                    <p:animEffect transition="in" filter="fade">
+                                      <p:cBhvr>
+                                        <p:cTn id="7" dur="500"/>
+                                        <p:tgtEl>
+                                          <p:spTgt spid="22534">
+                                            <p:txEl>
+                                              <p:pRg st="1" end="1"/>
+                                            </p:txEl>
+                                          </p:spTgt>
+                                        </p:tgtEl>
+                                      </p:cBhvr>
+                                    </p:animEffect>
+                                  </p:childTnLst>
+                                </p:cTn>
+                              </p:par>
+                            </p:childTnLst>
+                          </p:cTn>
+                        </p:par>
+                      </p:childTnLst>
+                    </p:cTn>
+                  </p:par>
+                  <p:par>
+                    <p:cTn id="8" fill="hold">
+                      <p:stCondLst>
+                        <p:cond delay="indefinite"/>
+                      </p:stCondLst>
+                      <p:childTnLst>
+                        <p:par>
+                          <p:cTn id="9" fill="hold">
+                            <p:stCondLst>
+                              <p:cond delay="0"/>
+                            </p:stCondLst>
+                            <p:childTnLst>
+                              <p:par>
+                                <p:cTn id="10" presetID="10" presetClass="entr" presetSubtype="0" fill="hold" grpId="0" nodeType="clickEffect">
+                                  <p:stCondLst>
+                                    <p:cond delay="0"/>
+                                  </p:stCondLst>
+                                  <p:childTnLst>
+                                    <p:set>
+                                      <p:cBhvr>
+                                        <p:cTn id="11" dur="1" fill="hold">
+                                          <p:stCondLst>
+                                            <p:cond delay="0"/>
+                                          </p:stCondLst>
+                                        </p:cTn>
+                                        <p:tgtEl>
+                                          <p:spTgt spid="22534">
+                                            <p:txEl>
+                                              <p:pRg st="2" end="2"/>
+                                            </p:txEl>
+                                          </p:spTgt>
+                                        </p:tgtEl>
+                                        <p:attrNameLst>
+                                          <p:attrName>style.visibility</p:attrName>
+                                        </p:attrNameLst>
+                                      </p:cBhvr>
+                                      <p:to>
+                                        <p:strVal val="visible"/>
+                                      </p:to>
+                                    </p:set>
+                                    <p:animEffect transition="in" filter="fade">
+                                      <p:cBhvr>
+                                        <p:cTn id="12" dur="500"/>
+                                        <p:tgtEl>
+                                          <p:spTgt spid="22534">
+                                            <p:txEl>
+                                              <p:pRg st="2" end="2"/>
+                                            </p:txEl>
+                                          </p:spTgt>
+                                        </p:tgtEl>
+                                      </p:cBhvr>
+                                    </p:animEffect>
+                                  </p:childTnLst>
+                                </p:cTn>
+                              </p:par>
+                            </p:childTnLst>
+                          </p:cTn>
+                        </p:par>
+                      </p:childTnLst>
+                    </p:cTn>
+                  </p:par>
+                  <p:par>
+                    <p:cTn id="13" fill="hold">
+                      <p:stCondLst>
+                        <p:cond delay="indefinite"/>
+                      </p:stCondLst>
+                      <p:childTnLst>
+                        <p:par>
+                          <p:cTn id="14" fill="hold">
+                            <p:stCondLst>
+                              <p:cond delay="0"/>
+                            </p:stCondLst>
+                            <p:childTnLst>
+                              <p:par>
+                                <p:cTn id="15" presetID="10" presetClass="entr" presetSubtype="0" fill="hold" grpId="0" nodeType="clickEffect">
+                                  <p:stCondLst>
+                                    <p:cond delay="0"/>
+                                  </p:stCondLst>
+                                  <p:childTnLst>
+                                    <p:set>
+                                      <p:cBhvr>
+                                        <p:cTn id="16" dur="1" fill="hold">
+                                          <p:stCondLst>
+                                            <p:cond delay="0"/>
+                                          </p:stCondLst>
+                                        </p:cTn>
+                                        <p:tgtEl>
+                                          <p:spTgt spid="22534">
+                                            <p:txEl>
+                                              <p:pRg st="3" end="3"/>
+                                            </p:txEl>
+                                          </p:spTgt>
+                                        </p:tgtEl>
+                                        <p:attrNameLst>
+                                          <p:attrName>style.visibility</p:attrName>
+                                        </p:attrNameLst>
+                                      </p:cBhvr>
+                                      <p:to>
+                                        <p:strVal val="visible"/>
+                                      </p:to>
+                                    </p:set>
+                                    <p:animEffect transition="in" filter="fade">
+                                      <p:cBhvr>
+                                        <p:cTn id="17" dur="500"/>
+                                        <p:tgtEl>
+                                          <p:spTgt spid="22534">
+                                            <p:txEl>
+                                              <p:pRg st="3" end="3"/>
+                                            </p:txEl>
+                                          </p:spTgt>
+                                        </p:tgtEl>
+                                      </p:cBhvr>
+                                    </p:animEffect>
+                                  </p:childTnLst>
+                                </p:cTn>
+                              </p:par>
+                            </p:childTnLst>
+                          </p:cTn>
+                        </p:par>
+                      </p:childTnLst>
+                    </p:cTn>
+                  </p:par>
+                </p:childTnLst>
+              </p:cTn>
+              <p:prevCondLst>
+                <p:cond evt="onPrev" delay="0">
+                  <p:tgtEl>
+                    <p:sldTgt/>
+                  </p:tgtEl>
+                </p:cond>
+              </p:prevCondLst>
+              <p:nextCondLst>
+                <p:cond evt="onNext" delay="0">
+                  <p:tgtEl>
+                    <p:sldTgt/>
+                  </p:tgtEl>
+                </p:cond>
+              </p:nextCondLst>
+            </p:seq>
+          </p:childTnLst>
+        </p:cTn>
+      </p:par>
+    </p:tnLst>
+    <p:bldLst>
+      <p:bldP spid="22534" grpId="0" build="p"/>
+    </p:bldLst>
+  </p:timing>
+</p:sld>
+</file>
+
+<file path=ppt/slides/slide5.xml><?xml version="1.0" encoding="utf-8"?>
+<p:sld xmlns:a="http://schemas.openxmlformats.org/drawingml/2006/main" xmlns:r="http://schemas.openxmlformats.org/officeDocument/2006/relationships" xmlns:p="http://schemas.openxmlformats.org/presentationml/2006/main" show="0">
+  <p:cSld>
+    <p:spTree>
+      <p:nvGrpSpPr>
+        <p:cNvPr id="1" name=""/>
+        <p:cNvGrpSpPr/>
+        <p:nvPr/>
+      </p:nvGrpSpPr>
+      <p:grpSpPr>
+        <a:xfrm>
+          <a:off x="0" y="0"/>
+          <a:ext cx="0" cy="0"/>
+          <a:chOff x="0" y="0"/>
+          <a:chExt cx="0" cy="0"/>
+        </a:xfrm>
+      </p:grpSpPr>
+      <p:sp>
+        <p:nvSpPr>
+          <p:cNvPr id="35844" name="Slide Number Placeholder 5"/>
+          <p:cNvSpPr>
+            <a:spLocks noGrp="1"/>
+          </p:cNvSpPr>
+          <p:nvPr>
+            <p:ph type="sldNum" sz="quarter" idx="12"/>
+          </p:nvPr>
+        </p:nvSpPr>
+        <p:spPr>
+          <a:noFill/>
+        </p:spPr>
+        <p:txBody>
+          <a:bodyPr/>
+          <a:lstStyle/>
+          <a:p>
+            <a:r>
+              <a:rPr lang="en-US" dirty="0" smtClean="0"/>
+              <a:t>random-walk.</a:t>
+            </a:r>
+            <a:fld id="{42298CDA-044A-0949-8A0D-DDA7F6833251}" type="slidenum">
+              <a:rPr lang="en-US" smtClean="0"/>
+              <a:pPr/>
+              <a:t>5</a:t>
+            </a:fld>
+            <a:endParaRPr lang="en-US" dirty="0"/>
+          </a:p>
+          <a:p>
+            <a:endParaRPr lang="en-US" dirty="0"/>
+          </a:p>
+        </p:txBody>
+      </p:sp>
+      <p:sp>
+        <p:nvSpPr>
+          <p:cNvPr id="22534" name="Rectangle 3"/>
+          <p:cNvSpPr>
+            <a:spLocks noGrp="1" noChangeArrowheads="1"/>
+          </p:cNvSpPr>
+          <p:nvPr>
+            <p:ph type="body" idx="1"/>
+          </p:nvPr>
+        </p:nvSpPr>
+        <p:spPr>
+          <a:xfrm>
+            <a:off x="381000" y="1447800"/>
+            <a:ext cx="8382000" cy="4038600"/>
+          </a:xfrm>
+        </p:spPr>
+        <p:txBody>
+          <a:bodyPr/>
+          <a:lstStyle/>
+          <a:p>
+            <a:pPr eaLnBrk="1" hangingPunct="1">
+              <a:lnSpc>
+                <a:spcPct val="90000"/>
+              </a:lnSpc>
+              <a:buFontTx/>
+              <a:buNone/>
+            </a:pPr>
+            <a:r>
+              <a:rPr lang="en-US" sz="4000" dirty="0" smtClean="0"/>
+              <a:t>To ensure unique stationary:</a:t>
+            </a:r>
+          </a:p>
+          <a:p>
+            <a:pPr eaLnBrk="1" hangingPunct="1">
+              <a:lnSpc>
+                <a:spcPct val="90000"/>
+              </a:lnSpc>
+              <a:buFontTx/>
+              <a:buNone/>
+            </a:pPr>
+            <a:r>
+              <a:rPr lang="en-US" sz="4000" dirty="0" smtClean="0"/>
+              <a:t>* add a “super-node” to the graph</a:t>
+            </a:r>
+          </a:p>
+          <a:p>
+            <a:pPr eaLnBrk="1" hangingPunct="1">
+              <a:lnSpc>
+                <a:spcPct val="90000"/>
+              </a:lnSpc>
+              <a:buFontTx/>
+              <a:buNone/>
+            </a:pPr>
+            <a:r>
+              <a:rPr lang="en-US" sz="4000" dirty="0" smtClean="0"/>
+              <a:t>* an edge from super-node to each other node</a:t>
+            </a:r>
+          </a:p>
+          <a:p>
+            <a:pPr eaLnBrk="1" hangingPunct="1">
+              <a:lnSpc>
+                <a:spcPct val="90000"/>
+              </a:lnSpc>
+              <a:buFontTx/>
+              <a:buNone/>
+            </a:pPr>
+            <a:r>
+              <a:rPr lang="en-US" sz="4000" dirty="0" smtClean="0"/>
+              <a:t>* edges from each other node back to super-node</a:t>
+            </a:r>
+            <a:endParaRPr lang="en-US" sz="4000" dirty="0"/>
+          </a:p>
+        </p:txBody>
+      </p:sp>
+      <p:sp>
+        <p:nvSpPr>
+          <p:cNvPr id="7" name="Rectangle 4"/>
+          <p:cNvSpPr>
+            <a:spLocks noGrp="1" noChangeArrowheads="1"/>
+          </p:cNvSpPr>
+          <p:nvPr>
+            <p:ph type="dt" sz="half" idx="2"/>
+          </p:nvPr>
+        </p:nvSpPr>
+        <p:spPr bwMode="auto">
+          <a:xfrm>
+            <a:off x="3124200" y="6629400"/>
+            <a:ext cx="2863850" cy="228600"/>
+          </a:xfrm>
+          <a:prstGeom prst="rect">
+            <a:avLst/>
+          </a:prstGeom>
+          <a:noFill/>
+          <a:ln w="9525">
+            <a:noFill/>
+            <a:miter lim="800000"/>
+            <a:headEnd/>
+            <a:tailEnd/>
+          </a:ln>
+        </p:spPr>
+        <p:txBody>
+          <a:bodyPr vert="horz" wrap="square" lIns="91440" tIns="45720" rIns="91440" bIns="45720" numCol="1" anchor="t" anchorCtr="0" compatLnSpc="1">
+            <a:prstTxWarp prst="textNoShape">
+              <a:avLst/>
+            </a:prstTxWarp>
+          </a:bodyPr>
+          <a:lstStyle>
+            <a:lvl1pPr algn="ctr" eaLnBrk="1" hangingPunct="1">
+              <a:defRPr sz="1000">
+                <a:latin typeface="Comic Sans MS" pitchFamily="-64" charset="0"/>
+                <a:ea typeface="ＭＳ Ｐゴシック" pitchFamily="-64" charset="-128"/>
+                <a:cs typeface="+mn-cs"/>
+              </a:defRPr>
+            </a:lvl1pPr>
+          </a:lstStyle>
+          <a:p>
+            <a:pPr>
+              <a:defRPr/>
+            </a:pPr>
+            <a:r>
+              <a:rPr lang="en-US" dirty="0" smtClean="0"/>
+              <a:t>Albert R Meyer,               December 6, 2013</a:t>
+            </a:r>
+            <a:endParaRPr lang="en-US" dirty="0"/>
+          </a:p>
+        </p:txBody>
+      </p:sp>
+      <p:sp>
+        <p:nvSpPr>
+          <p:cNvPr id="8" name="Rectangle 2"/>
+          <p:cNvSpPr>
+            <a:spLocks noGrp="1" noChangeArrowheads="1"/>
+          </p:cNvSpPr>
+          <p:nvPr>
+            <p:ph type="title"/>
+          </p:nvPr>
+        </p:nvSpPr>
+        <p:spPr>
+          <a:xfrm>
+            <a:off x="1519238" y="301625"/>
+            <a:ext cx="5872162" cy="993775"/>
+          </a:xfrm>
+        </p:spPr>
+        <p:txBody>
+          <a:bodyPr/>
+          <a:lstStyle/>
+          <a:p>
+            <a:pPr eaLnBrk="1" hangingPunct="1"/>
+            <a:r>
+              <a:rPr lang="en-US" dirty="0"/>
+              <a:t>Google Page Rank</a:t>
+            </a:r>
+          </a:p>
+        </p:txBody>
+      </p:sp>
+    </p:spTree>
+    <p:extLst>
+      <p:ext uri="{BB962C8B-B14F-4D97-AF65-F5344CB8AC3E}">
+        <p14:creationId xmlns:p14="http://schemas.microsoft.com/office/powerpoint/2010/main" val="445150479"/>
       </p:ext>
     </p:extLst>
   </p:cSld>
@@ -5512,8 +5939,2986 @@
 </p:sld>
 </file>
 
-<file path=ppt/slides/slide5.xml><?xml version="1.0" encoding="utf-8"?>
-<p:sld xmlns:a="http://schemas.openxmlformats.org/drawingml/2006/main" xmlns:r="http://schemas.openxmlformats.org/officeDocument/2006/relationships" xmlns:p="http://schemas.openxmlformats.org/presentationml/2006/main" show="0">
+<file path=ppt/slides/slide6.xml><?xml version="1.0" encoding="utf-8"?>
+<p:sld xmlns:a="http://schemas.openxmlformats.org/drawingml/2006/main" xmlns:r="http://schemas.openxmlformats.org/officeDocument/2006/relationships" xmlns:p="http://schemas.openxmlformats.org/presentationml/2006/main">
+  <p:cSld>
+    <p:spTree>
+      <p:nvGrpSpPr>
+        <p:cNvPr id="1" name=""/>
+        <p:cNvGrpSpPr/>
+        <p:nvPr/>
+      </p:nvGrpSpPr>
+      <p:grpSpPr>
+        <a:xfrm>
+          <a:off x="0" y="0"/>
+          <a:ext cx="0" cy="0"/>
+          <a:chOff x="0" y="0"/>
+          <a:chExt cx="0" cy="0"/>
+        </a:xfrm>
+      </p:grpSpPr>
+      <p:sp>
+        <p:nvSpPr>
+          <p:cNvPr id="54276" name="Slide Number Placeholder 5"/>
+          <p:cNvSpPr>
+            <a:spLocks noGrp="1"/>
+          </p:cNvSpPr>
+          <p:nvPr>
+            <p:ph type="sldNum" sz="quarter" idx="12"/>
+          </p:nvPr>
+        </p:nvSpPr>
+        <p:spPr>
+          <a:noFill/>
+        </p:spPr>
+        <p:txBody>
+          <a:bodyPr/>
+          <a:lstStyle/>
+          <a:p>
+            <a:r>
+              <a:rPr lang="en-US" dirty="0" smtClean="0"/>
+              <a:t>random-walk.</a:t>
+            </a:r>
+            <a:fld id="{B826CD8C-0477-834C-B53A-FCC4FCE3844A}" type="slidenum">
+              <a:rPr lang="en-US" smtClean="0"/>
+              <a:pPr/>
+              <a:t>6</a:t>
+            </a:fld>
+            <a:endParaRPr lang="en-US" dirty="0"/>
+          </a:p>
+          <a:p>
+            <a:endParaRPr lang="en-US" dirty="0"/>
+          </a:p>
+        </p:txBody>
+      </p:sp>
+      <p:sp>
+        <p:nvSpPr>
+          <p:cNvPr id="45" name="Rectangle 4"/>
+          <p:cNvSpPr>
+            <a:spLocks noGrp="1" noChangeArrowheads="1"/>
+          </p:cNvSpPr>
+          <p:nvPr>
+            <p:ph type="dt" sz="half" idx="2"/>
+          </p:nvPr>
+        </p:nvSpPr>
+        <p:spPr bwMode="auto">
+          <a:xfrm>
+            <a:off x="3124200" y="6629400"/>
+            <a:ext cx="2863850" cy="228600"/>
+          </a:xfrm>
+          <a:prstGeom prst="rect">
+            <a:avLst/>
+          </a:prstGeom>
+          <a:noFill/>
+          <a:ln w="9525">
+            <a:noFill/>
+            <a:miter lim="800000"/>
+            <a:headEnd/>
+            <a:tailEnd/>
+          </a:ln>
+        </p:spPr>
+        <p:txBody>
+          <a:bodyPr vert="horz" wrap="square" lIns="91440" tIns="45720" rIns="91440" bIns="45720" numCol="1" anchor="t" anchorCtr="0" compatLnSpc="1">
+            <a:prstTxWarp prst="textNoShape">
+              <a:avLst/>
+            </a:prstTxWarp>
+          </a:bodyPr>
+          <a:lstStyle>
+            <a:lvl1pPr algn="ctr" eaLnBrk="1" hangingPunct="1">
+              <a:defRPr sz="1000">
+                <a:latin typeface="Comic Sans MS" pitchFamily="-64" charset="0"/>
+                <a:ea typeface="ＭＳ Ｐゴシック" pitchFamily="-64" charset="-128"/>
+                <a:cs typeface="+mn-cs"/>
+              </a:defRPr>
+            </a:lvl1pPr>
+          </a:lstStyle>
+          <a:p>
+            <a:pPr>
+              <a:defRPr/>
+            </a:pPr>
+            <a:r>
+              <a:rPr lang="en-US" dirty="0" smtClean="0"/>
+              <a:t>Albert R Meyer,        December 6, 2013</a:t>
+            </a:r>
+            <a:endParaRPr lang="en-US" dirty="0"/>
+          </a:p>
+        </p:txBody>
+      </p:sp>
+      <p:sp>
+        <p:nvSpPr>
+          <p:cNvPr id="24" name="Freeform 23"/>
+          <p:cNvSpPr/>
+          <p:nvPr/>
+        </p:nvSpPr>
+        <p:spPr>
+          <a:xfrm>
+            <a:off x="1983513" y="978296"/>
+            <a:ext cx="6474149" cy="4135571"/>
+          </a:xfrm>
+          <a:custGeom>
+            <a:avLst/>
+            <a:gdLst>
+              <a:gd name="connsiteX0" fmla="*/ 2546154 w 6474149"/>
+              <a:gd name="connsiteY0" fmla="*/ 892837 h 4135571"/>
+              <a:gd name="connsiteX1" fmla="*/ 2520754 w 6474149"/>
+              <a:gd name="connsiteY1" fmla="*/ 545704 h 4135571"/>
+              <a:gd name="connsiteX2" fmla="*/ 2520754 w 6474149"/>
+              <a:gd name="connsiteY2" fmla="*/ 528771 h 4135571"/>
+              <a:gd name="connsiteX3" fmla="*/ 6154 w 6474149"/>
+              <a:gd name="connsiteY3" fmla="*/ 1637904 h 4135571"/>
+              <a:gd name="connsiteX4" fmla="*/ 3350487 w 6474149"/>
+              <a:gd name="connsiteY4" fmla="*/ 2730104 h 4135571"/>
+              <a:gd name="connsiteX5" fmla="*/ 2817087 w 6474149"/>
+              <a:gd name="connsiteY5" fmla="*/ 545704 h 4135571"/>
+              <a:gd name="connsiteX6" fmla="*/ 3900820 w 6474149"/>
+              <a:gd name="connsiteY6" fmla="*/ 875904 h 4135571"/>
+              <a:gd name="connsiteX7" fmla="*/ 5001487 w 6474149"/>
+              <a:gd name="connsiteY7" fmla="*/ 782771 h 4135571"/>
+              <a:gd name="connsiteX8" fmla="*/ 6415420 w 6474149"/>
+              <a:gd name="connsiteY8" fmla="*/ 2027371 h 4135571"/>
+              <a:gd name="connsiteX9" fmla="*/ 6136020 w 6474149"/>
+              <a:gd name="connsiteY9" fmla="*/ 37704 h 4135571"/>
+              <a:gd name="connsiteX10" fmla="*/ 5492554 w 6474149"/>
+              <a:gd name="connsiteY10" fmla="*/ 4135571 h 4135571"/>
+            </a:gdLst>
+            <a:ahLst/>
+            <a:cxnLst>
+              <a:cxn ang="0">
+                <a:pos x="connsiteX0" y="connsiteY0"/>
+              </a:cxn>
+              <a:cxn ang="0">
+                <a:pos x="connsiteX1" y="connsiteY1"/>
+              </a:cxn>
+              <a:cxn ang="0">
+                <a:pos x="connsiteX2" y="connsiteY2"/>
+              </a:cxn>
+              <a:cxn ang="0">
+                <a:pos x="connsiteX3" y="connsiteY3"/>
+              </a:cxn>
+              <a:cxn ang="0">
+                <a:pos x="connsiteX4" y="connsiteY4"/>
+              </a:cxn>
+              <a:cxn ang="0">
+                <a:pos x="connsiteX5" y="connsiteY5"/>
+              </a:cxn>
+              <a:cxn ang="0">
+                <a:pos x="connsiteX6" y="connsiteY6"/>
+              </a:cxn>
+              <a:cxn ang="0">
+                <a:pos x="connsiteX7" y="connsiteY7"/>
+              </a:cxn>
+              <a:cxn ang="0">
+                <a:pos x="connsiteX8" y="connsiteY8"/>
+              </a:cxn>
+              <a:cxn ang="0">
+                <a:pos x="connsiteX9" y="connsiteY9"/>
+              </a:cxn>
+              <a:cxn ang="0">
+                <a:pos x="connsiteX10" y="connsiteY10"/>
+              </a:cxn>
+            </a:cxnLst>
+            <a:rect l="l" t="t" r="r" b="b"/>
+            <a:pathLst>
+              <a:path w="6474149" h="4135571">
+                <a:moveTo>
+                  <a:pt x="2546154" y="892837"/>
+                </a:moveTo>
+                <a:cubicBezTo>
+                  <a:pt x="2535570" y="749609"/>
+                  <a:pt x="2524987" y="606382"/>
+                  <a:pt x="2520754" y="545704"/>
+                </a:cubicBezTo>
+                <a:cubicBezTo>
+                  <a:pt x="2516521" y="485026"/>
+                  <a:pt x="2520754" y="528771"/>
+                  <a:pt x="2520754" y="528771"/>
+                </a:cubicBezTo>
+                <a:cubicBezTo>
+                  <a:pt x="2101654" y="710804"/>
+                  <a:pt x="-132135" y="1271015"/>
+                  <a:pt x="6154" y="1637904"/>
+                </a:cubicBezTo>
+                <a:cubicBezTo>
+                  <a:pt x="144443" y="2004793"/>
+                  <a:pt x="2881998" y="2912137"/>
+                  <a:pt x="3350487" y="2730104"/>
+                </a:cubicBezTo>
+                <a:cubicBezTo>
+                  <a:pt x="3818976" y="2548071"/>
+                  <a:pt x="2725365" y="854737"/>
+                  <a:pt x="2817087" y="545704"/>
+                </a:cubicBezTo>
+                <a:cubicBezTo>
+                  <a:pt x="2908809" y="236671"/>
+                  <a:pt x="3536753" y="836393"/>
+                  <a:pt x="3900820" y="875904"/>
+                </a:cubicBezTo>
+                <a:cubicBezTo>
+                  <a:pt x="4264887" y="915415"/>
+                  <a:pt x="4582387" y="590860"/>
+                  <a:pt x="5001487" y="782771"/>
+                </a:cubicBezTo>
+                <a:cubicBezTo>
+                  <a:pt x="5420587" y="974682"/>
+                  <a:pt x="6226331" y="2151549"/>
+                  <a:pt x="6415420" y="2027371"/>
+                </a:cubicBezTo>
+                <a:cubicBezTo>
+                  <a:pt x="6604509" y="1903193"/>
+                  <a:pt x="6289831" y="-313663"/>
+                  <a:pt x="6136020" y="37704"/>
+                </a:cubicBezTo>
+                <a:cubicBezTo>
+                  <a:pt x="5982209" y="389071"/>
+                  <a:pt x="5595565" y="3452593"/>
+                  <a:pt x="5492554" y="4135571"/>
+                </a:cubicBezTo>
+              </a:path>
+            </a:pathLst>
+          </a:custGeom>
+        </p:spPr>
+        <p:txBody>
+          <a:bodyPr rtlCol="0" anchor="ctr"/>
+          <a:lstStyle/>
+          <a:p>
+            <a:pPr algn="ctr"/>
+            <a:endParaRPr lang="en-US"/>
+          </a:p>
+        </p:txBody>
+      </p:sp>
+      <p:grpSp>
+        <p:nvGrpSpPr>
+          <p:cNvPr id="2" name="Group 1"/>
+          <p:cNvGrpSpPr/>
+          <p:nvPr/>
+        </p:nvGrpSpPr>
+        <p:grpSpPr>
+          <a:xfrm>
+            <a:off x="1511142" y="2514600"/>
+            <a:ext cx="6642258" cy="3433465"/>
+            <a:chOff x="1600200" y="1219200"/>
+            <a:chExt cx="6642258" cy="3433465"/>
+          </a:xfrm>
+        </p:grpSpPr>
+        <p:sp>
+          <p:nvSpPr>
+            <p:cNvPr id="47" name="Oval 35"/>
+            <p:cNvSpPr>
+              <a:spLocks noChangeArrowheads="1"/>
+            </p:cNvSpPr>
+            <p:nvPr/>
+          </p:nvSpPr>
+          <p:spPr bwMode="auto">
+            <a:xfrm>
+              <a:off x="4419600" y="1447800"/>
+              <a:ext cx="457200" cy="457200"/>
+            </a:xfrm>
+            <a:prstGeom prst="ellipse">
+              <a:avLst/>
+            </a:prstGeom>
+            <a:solidFill>
+              <a:srgbClr val="80C0FF"/>
+            </a:solidFill>
+            <a:ln w="9525">
+              <a:solidFill>
+                <a:schemeClr val="tx1"/>
+              </a:solidFill>
+              <a:round/>
+              <a:headEnd/>
+              <a:tailEnd/>
+            </a:ln>
+          </p:spPr>
+          <p:txBody>
+            <a:bodyPr wrap="none" anchor="ctr">
+              <a:prstTxWarp prst="textNoShape">
+                <a:avLst/>
+              </a:prstTxWarp>
+            </a:bodyPr>
+            <a:lstStyle/>
+            <a:p>
+              <a:pPr algn="ctr"/>
+              <a:r>
+                <a:rPr lang="en-US" dirty="0" smtClean="0"/>
+                <a:t>---</a:t>
+              </a:r>
+              <a:endParaRPr lang="en-US" dirty="0"/>
+            </a:p>
+          </p:txBody>
+        </p:sp>
+        <p:sp>
+          <p:nvSpPr>
+            <p:cNvPr id="59" name="Oval 35"/>
+            <p:cNvSpPr>
+              <a:spLocks noChangeArrowheads="1"/>
+            </p:cNvSpPr>
+            <p:nvPr/>
+          </p:nvSpPr>
+          <p:spPr bwMode="auto">
+            <a:xfrm>
+              <a:off x="5562600" y="2209800"/>
+              <a:ext cx="457200" cy="457200"/>
+            </a:xfrm>
+            <a:prstGeom prst="ellipse">
+              <a:avLst/>
+            </a:prstGeom>
+            <a:solidFill>
+              <a:srgbClr val="80C0FF"/>
+            </a:solidFill>
+            <a:ln w="9525">
+              <a:solidFill>
+                <a:schemeClr val="tx1"/>
+              </a:solidFill>
+              <a:round/>
+              <a:headEnd/>
+              <a:tailEnd/>
+            </a:ln>
+          </p:spPr>
+          <p:txBody>
+            <a:bodyPr wrap="none" anchor="ctr">
+              <a:prstTxWarp prst="textNoShape">
+                <a:avLst/>
+              </a:prstTxWarp>
+            </a:bodyPr>
+            <a:lstStyle/>
+            <a:p>
+              <a:pPr algn="ctr"/>
+              <a:r>
+                <a:rPr lang="en-US" sz="1800" dirty="0" smtClean="0"/>
+                <a:t>--</a:t>
+              </a:r>
+              <a:r>
+                <a:rPr lang="en-US" sz="1800" dirty="0" smtClean="0">
+                  <a:solidFill>
+                    <a:srgbClr val="FF0000"/>
+                  </a:solidFill>
+                </a:rPr>
+                <a:t>T</a:t>
+              </a:r>
+              <a:endParaRPr lang="en-US" sz="1800" dirty="0">
+                <a:solidFill>
+                  <a:srgbClr val="FF0000"/>
+                </a:solidFill>
+              </a:endParaRPr>
+            </a:p>
+          </p:txBody>
+        </p:sp>
+        <p:sp>
+          <p:nvSpPr>
+            <p:cNvPr id="23" name="Freeform 22"/>
+            <p:cNvSpPr/>
+            <p:nvPr/>
+          </p:nvSpPr>
+          <p:spPr>
+            <a:xfrm>
+              <a:off x="4482220" y="1506952"/>
+              <a:ext cx="233864" cy="455343"/>
+            </a:xfrm>
+            <a:custGeom>
+              <a:avLst/>
+              <a:gdLst>
+                <a:gd name="connsiteX0" fmla="*/ 13580 w 233864"/>
+                <a:gd name="connsiteY0" fmla="*/ 381115 h 455343"/>
+                <a:gd name="connsiteX1" fmla="*/ 233713 w 233864"/>
+                <a:gd name="connsiteY1" fmla="*/ 115 h 455343"/>
+                <a:gd name="connsiteX2" fmla="*/ 47447 w 233864"/>
+                <a:gd name="connsiteY2" fmla="*/ 423448 h 455343"/>
+                <a:gd name="connsiteX3" fmla="*/ 13580 w 233864"/>
+                <a:gd name="connsiteY3" fmla="*/ 381115 h 455343"/>
+              </a:gdLst>
+              <a:ahLst/>
+              <a:cxnLst>
+                <a:cxn ang="0">
+                  <a:pos x="connsiteX0" y="connsiteY0"/>
+                </a:cxn>
+                <a:cxn ang="0">
+                  <a:pos x="connsiteX1" y="connsiteY1"/>
+                </a:cxn>
+                <a:cxn ang="0">
+                  <a:pos x="connsiteX2" y="connsiteY2"/>
+                </a:cxn>
+                <a:cxn ang="0">
+                  <a:pos x="connsiteX3" y="connsiteY3"/>
+                </a:cxn>
+              </a:cxnLst>
+              <a:rect l="l" t="t" r="r" b="b"/>
+              <a:pathLst>
+                <a:path w="233864" h="455343">
+                  <a:moveTo>
+                    <a:pt x="13580" y="381115"/>
+                  </a:moveTo>
+                  <a:cubicBezTo>
+                    <a:pt x="44624" y="310559"/>
+                    <a:pt x="228069" y="-6940"/>
+                    <a:pt x="233713" y="115"/>
+                  </a:cubicBezTo>
+                  <a:cubicBezTo>
+                    <a:pt x="239357" y="7170"/>
+                    <a:pt x="85547" y="362770"/>
+                    <a:pt x="47447" y="423448"/>
+                  </a:cubicBezTo>
+                  <a:cubicBezTo>
+                    <a:pt x="9347" y="484126"/>
+                    <a:pt x="-17464" y="451671"/>
+                    <a:pt x="13580" y="381115"/>
+                  </a:cubicBezTo>
+                  <a:close/>
+                </a:path>
+              </a:pathLst>
+            </a:custGeom>
+          </p:spPr>
+          <p:txBody>
+            <a:bodyPr vert="horz" wrap="square" lIns="91440" tIns="45720" rIns="91440" bIns="45720" numCol="1" rtlCol="0" anchor="t" anchorCtr="0" compatLnSpc="1">
+              <a:prstTxWarp prst="textNoShape">
+                <a:avLst/>
+              </a:prstTxWarp>
+            </a:bodyPr>
+            <a:lstStyle/>
+            <a:p>
+              <a:pPr marL="0" marR="0" indent="0" algn="l" defTabSz="914400" rtl="0" eaLnBrk="0" fontAlgn="base" latinLnBrk="0" hangingPunct="0">
+                <a:lnSpc>
+                  <a:spcPct val="100000"/>
+                </a:lnSpc>
+                <a:spcBef>
+                  <a:spcPct val="0"/>
+                </a:spcBef>
+                <a:spcAft>
+                  <a:spcPct val="0"/>
+                </a:spcAft>
+                <a:buClrTx/>
+                <a:buSzTx/>
+                <a:buFontTx/>
+                <a:buNone/>
+                <a:tabLst/>
+              </a:pPr>
+              <a:endParaRPr kumimoji="0" lang="en-US" sz="2400" b="0" i="0" u="none" strike="noStrike" cap="none" normalizeH="0" baseline="0" smtClean="0">
+                <a:ln>
+                  <a:noFill/>
+                </a:ln>
+                <a:solidFill>
+                  <a:schemeClr val="tx1"/>
+                </a:solidFill>
+                <a:effectLst/>
+                <a:latin typeface="Comic Sans MS" pitchFamily="-64" charset="0"/>
+                <a:ea typeface="ＭＳ Ｐゴシック" pitchFamily="-64" charset="-128"/>
+              </a:endParaRPr>
+            </a:p>
+          </p:txBody>
+        </p:sp>
+        <p:sp>
+          <p:nvSpPr>
+            <p:cNvPr id="25" name="Freeform 24"/>
+            <p:cNvSpPr/>
+            <p:nvPr/>
+          </p:nvSpPr>
+          <p:spPr>
+            <a:xfrm>
+              <a:off x="4885267" y="1219200"/>
+              <a:ext cx="423333" cy="253636"/>
+            </a:xfrm>
+            <a:custGeom>
+              <a:avLst/>
+              <a:gdLst>
+                <a:gd name="connsiteX0" fmla="*/ 0 w 423333"/>
+                <a:gd name="connsiteY0" fmla="*/ 220133 h 253636"/>
+                <a:gd name="connsiteX1" fmla="*/ 423333 w 423333"/>
+                <a:gd name="connsiteY1" fmla="*/ 0 h 253636"/>
+              </a:gdLst>
+              <a:ahLst/>
+              <a:cxnLst>
+                <a:cxn ang="0">
+                  <a:pos x="connsiteX0" y="connsiteY0"/>
+                </a:cxn>
+                <a:cxn ang="0">
+                  <a:pos x="connsiteX1" y="connsiteY1"/>
+                </a:cxn>
+              </a:cxnLst>
+              <a:rect l="l" t="t" r="r" b="b"/>
+              <a:pathLst>
+                <a:path w="423333" h="253636">
+                  <a:moveTo>
+                    <a:pt x="0" y="220133"/>
+                  </a:moveTo>
+                  <a:cubicBezTo>
+                    <a:pt x="55033" y="266700"/>
+                    <a:pt x="110066" y="313267"/>
+                    <a:pt x="423333" y="0"/>
+                  </a:cubicBezTo>
+                </a:path>
+              </a:pathLst>
+            </a:custGeom>
+          </p:spPr>
+          <p:txBody>
+            <a:bodyPr rtlCol="0" anchor="ctr"/>
+            <a:lstStyle/>
+            <a:p>
+              <a:pPr algn="ctr"/>
+              <a:endParaRPr lang="en-US"/>
+            </a:p>
+          </p:txBody>
+        </p:sp>
+        <p:cxnSp>
+          <p:nvCxnSpPr>
+            <p:cNvPr id="33" name="Straight Arrow Connector 32"/>
+            <p:cNvCxnSpPr>
+              <a:endCxn id="35" idx="7"/>
+            </p:cNvCxnSpPr>
+            <p:nvPr/>
+          </p:nvCxnSpPr>
+          <p:spPr bwMode="auto">
+            <a:xfrm flipH="1">
+              <a:off x="3666845" y="1838045"/>
+              <a:ext cx="819710" cy="438710"/>
+            </a:xfrm>
+            <a:prstGeom prst="straightConnector1">
+              <a:avLst/>
+            </a:prstGeom>
+            <a:solidFill>
+              <a:schemeClr val="accent1"/>
+            </a:solidFill>
+            <a:ln w="31750" cap="flat" cmpd="sng" algn="ctr">
+              <a:solidFill>
+                <a:schemeClr val="tx1"/>
+              </a:solidFill>
+              <a:prstDash val="solid"/>
+              <a:round/>
+              <a:headEnd type="none" w="med" len="med"/>
+              <a:tailEnd type="stealth" w="lg" len="lg"/>
+            </a:ln>
+            <a:effectLst/>
+          </p:spPr>
+        </p:cxnSp>
+        <p:cxnSp>
+          <p:nvCxnSpPr>
+            <p:cNvPr id="34" name="Straight Arrow Connector 33"/>
+            <p:cNvCxnSpPr>
+              <a:endCxn id="37" idx="1"/>
+            </p:cNvCxnSpPr>
+            <p:nvPr/>
+          </p:nvCxnSpPr>
+          <p:spPr bwMode="auto">
+            <a:xfrm>
+              <a:off x="4809845" y="1838045"/>
+              <a:ext cx="819710" cy="438710"/>
+            </a:xfrm>
+            <a:prstGeom prst="straightConnector1">
+              <a:avLst/>
+            </a:prstGeom>
+            <a:solidFill>
+              <a:schemeClr val="accent1"/>
+            </a:solidFill>
+            <a:ln w="31750" cap="flat" cmpd="sng" algn="ctr">
+              <a:solidFill>
+                <a:schemeClr val="tx1"/>
+              </a:solidFill>
+              <a:prstDash val="solid"/>
+              <a:round/>
+              <a:headEnd type="none" w="med" len="med"/>
+              <a:tailEnd type="stealth" w="lg" len="lg"/>
+            </a:ln>
+            <a:effectLst/>
+          </p:spPr>
+        </p:cxnSp>
+        <p:sp>
+          <p:nvSpPr>
+            <p:cNvPr id="35" name="Oval 35"/>
+            <p:cNvSpPr>
+              <a:spLocks noChangeArrowheads="1"/>
+            </p:cNvSpPr>
+            <p:nvPr/>
+          </p:nvSpPr>
+          <p:spPr bwMode="auto">
+            <a:xfrm>
+              <a:off x="3276600" y="2209800"/>
+              <a:ext cx="457200" cy="457200"/>
+            </a:xfrm>
+            <a:prstGeom prst="ellipse">
+              <a:avLst/>
+            </a:prstGeom>
+            <a:solidFill>
+              <a:srgbClr val="80C0FF"/>
+            </a:solidFill>
+            <a:ln w="9525">
+              <a:solidFill>
+                <a:schemeClr val="tx1"/>
+              </a:solidFill>
+              <a:round/>
+              <a:headEnd/>
+              <a:tailEnd/>
+            </a:ln>
+          </p:spPr>
+          <p:txBody>
+            <a:bodyPr wrap="none" anchor="ctr">
+              <a:prstTxWarp prst="textNoShape">
+                <a:avLst/>
+              </a:prstTxWarp>
+            </a:bodyPr>
+            <a:lstStyle/>
+            <a:p>
+              <a:pPr algn="ctr"/>
+              <a:r>
+                <a:rPr lang="en-US" sz="1800" dirty="0" smtClean="0"/>
+                <a:t>--</a:t>
+              </a:r>
+              <a:r>
+                <a:rPr lang="en-US" sz="1800" dirty="0" smtClean="0">
+                  <a:solidFill>
+                    <a:srgbClr val="008000"/>
+                  </a:solidFill>
+                </a:rPr>
+                <a:t>H</a:t>
+              </a:r>
+              <a:endParaRPr lang="en-US" sz="1800" dirty="0">
+                <a:solidFill>
+                  <a:srgbClr val="008000"/>
+                </a:solidFill>
+              </a:endParaRPr>
+            </a:p>
+          </p:txBody>
+        </p:sp>
+        <p:sp>
+          <p:nvSpPr>
+            <p:cNvPr id="36" name="TextBox 35"/>
+            <p:cNvSpPr txBox="1"/>
+            <p:nvPr/>
+          </p:nvSpPr>
+          <p:spPr>
+            <a:xfrm>
+              <a:off x="3429000" y="1524000"/>
+              <a:ext cx="421059" cy="461665"/>
+            </a:xfrm>
+            <a:prstGeom prst="rect">
+              <a:avLst/>
+            </a:prstGeom>
+            <a:noFill/>
+          </p:spPr>
+          <p:txBody>
+            <a:bodyPr wrap="none" rtlCol="0">
+              <a:spAutoFit/>
+            </a:bodyPr>
+            <a:lstStyle/>
+            <a:p>
+              <a:r>
+                <a:rPr lang="en-US" dirty="0" smtClean="0">
+                  <a:solidFill>
+                    <a:srgbClr val="008000"/>
+                  </a:solidFill>
+                </a:rPr>
+                <a:t>H</a:t>
+              </a:r>
+              <a:endParaRPr lang="en-US" dirty="0">
+                <a:solidFill>
+                  <a:srgbClr val="008000"/>
+                </a:solidFill>
+              </a:endParaRPr>
+            </a:p>
+          </p:txBody>
+        </p:sp>
+        <p:sp>
+          <p:nvSpPr>
+            <p:cNvPr id="37" name="Oval 35"/>
+            <p:cNvSpPr>
+              <a:spLocks noChangeArrowheads="1"/>
+            </p:cNvSpPr>
+            <p:nvPr/>
+          </p:nvSpPr>
+          <p:spPr bwMode="auto">
+            <a:xfrm>
+              <a:off x="5562600" y="2209800"/>
+              <a:ext cx="457200" cy="457200"/>
+            </a:xfrm>
+            <a:prstGeom prst="ellipse">
+              <a:avLst/>
+            </a:prstGeom>
+            <a:solidFill>
+              <a:srgbClr val="80C0FF"/>
+            </a:solidFill>
+            <a:ln w="9525">
+              <a:solidFill>
+                <a:schemeClr val="tx1"/>
+              </a:solidFill>
+              <a:round/>
+              <a:headEnd/>
+              <a:tailEnd/>
+            </a:ln>
+          </p:spPr>
+          <p:txBody>
+            <a:bodyPr wrap="none" anchor="ctr">
+              <a:prstTxWarp prst="textNoShape">
+                <a:avLst/>
+              </a:prstTxWarp>
+            </a:bodyPr>
+            <a:lstStyle/>
+            <a:p>
+              <a:pPr algn="ctr"/>
+              <a:r>
+                <a:rPr lang="en-US" sz="1800" dirty="0" smtClean="0"/>
+                <a:t>--</a:t>
+              </a:r>
+              <a:r>
+                <a:rPr lang="en-US" sz="1800" dirty="0" smtClean="0">
+                  <a:solidFill>
+                    <a:srgbClr val="FF0000"/>
+                  </a:solidFill>
+                </a:rPr>
+                <a:t>T</a:t>
+              </a:r>
+              <a:endParaRPr lang="en-US" sz="1800" dirty="0">
+                <a:solidFill>
+                  <a:srgbClr val="FF0000"/>
+                </a:solidFill>
+              </a:endParaRPr>
+            </a:p>
+          </p:txBody>
+        </p:sp>
+        <p:sp>
+          <p:nvSpPr>
+            <p:cNvPr id="38" name="TextBox 37"/>
+            <p:cNvSpPr txBox="1"/>
+            <p:nvPr/>
+          </p:nvSpPr>
+          <p:spPr>
+            <a:xfrm>
+              <a:off x="5410200" y="1524000"/>
+              <a:ext cx="393858" cy="461665"/>
+            </a:xfrm>
+            <a:prstGeom prst="rect">
+              <a:avLst/>
+            </a:prstGeom>
+            <a:noFill/>
+          </p:spPr>
+          <p:txBody>
+            <a:bodyPr wrap="none" rtlCol="0">
+              <a:spAutoFit/>
+            </a:bodyPr>
+            <a:lstStyle/>
+            <a:p>
+              <a:r>
+                <a:rPr lang="en-US" dirty="0" smtClean="0">
+                  <a:solidFill>
+                    <a:srgbClr val="FF0000"/>
+                  </a:solidFill>
+                </a:rPr>
+                <a:t>T</a:t>
+              </a:r>
+              <a:endParaRPr lang="en-US" dirty="0">
+                <a:solidFill>
+                  <a:srgbClr val="FF0000"/>
+                </a:solidFill>
+              </a:endParaRPr>
+            </a:p>
+          </p:txBody>
+        </p:sp>
+        <p:sp>
+          <p:nvSpPr>
+            <p:cNvPr id="40" name="TextBox 39"/>
+            <p:cNvSpPr txBox="1"/>
+            <p:nvPr/>
+          </p:nvSpPr>
+          <p:spPr>
+            <a:xfrm>
+              <a:off x="3815434" y="1472624"/>
+              <a:ext cx="451766" cy="584776"/>
+            </a:xfrm>
+            <a:prstGeom prst="rect">
+              <a:avLst/>
+            </a:prstGeom>
+            <a:noFill/>
+          </p:spPr>
+          <p:txBody>
+            <a:bodyPr wrap="none" rtlCol="0">
+              <a:spAutoFit/>
+            </a:bodyPr>
+            <a:lstStyle/>
+            <a:p>
+              <a:r>
+                <a:rPr lang="en-US" sz="3200" dirty="0" smtClean="0">
+                  <a:solidFill>
+                    <a:srgbClr val="0000FF"/>
+                  </a:solidFill>
+                </a:rPr>
+                <a:t>½</a:t>
+              </a:r>
+              <a:endParaRPr lang="en-US" sz="3200" dirty="0">
+                <a:solidFill>
+                  <a:srgbClr val="0000FF"/>
+                </a:solidFill>
+              </a:endParaRPr>
+            </a:p>
+          </p:txBody>
+        </p:sp>
+        <p:sp>
+          <p:nvSpPr>
+            <p:cNvPr id="41" name="TextBox 40"/>
+            <p:cNvSpPr txBox="1"/>
+            <p:nvPr/>
+          </p:nvSpPr>
+          <p:spPr>
+            <a:xfrm>
+              <a:off x="5029200" y="1447800"/>
+              <a:ext cx="451766" cy="584776"/>
+            </a:xfrm>
+            <a:prstGeom prst="rect">
+              <a:avLst/>
+            </a:prstGeom>
+            <a:noFill/>
+          </p:spPr>
+          <p:txBody>
+            <a:bodyPr wrap="none" rtlCol="0">
+              <a:spAutoFit/>
+            </a:bodyPr>
+            <a:lstStyle/>
+            <a:p>
+              <a:r>
+                <a:rPr lang="en-US" sz="3200" dirty="0" smtClean="0">
+                  <a:solidFill>
+                    <a:srgbClr val="0000FF"/>
+                  </a:solidFill>
+                </a:rPr>
+                <a:t>½</a:t>
+              </a:r>
+              <a:endParaRPr lang="en-US" sz="3200" dirty="0">
+                <a:solidFill>
+                  <a:srgbClr val="0000FF"/>
+                </a:solidFill>
+              </a:endParaRPr>
+            </a:p>
+          </p:txBody>
+        </p:sp>
+        <p:cxnSp>
+          <p:nvCxnSpPr>
+            <p:cNvPr id="44" name="Straight Arrow Connector 43"/>
+            <p:cNvCxnSpPr>
+              <a:stCxn id="35" idx="5"/>
+              <a:endCxn id="49" idx="1"/>
+            </p:cNvCxnSpPr>
+            <p:nvPr/>
+          </p:nvCxnSpPr>
+          <p:spPr bwMode="auto">
+            <a:xfrm>
+              <a:off x="3666845" y="2600045"/>
+              <a:ext cx="886665" cy="514910"/>
+            </a:xfrm>
+            <a:prstGeom prst="straightConnector1">
+              <a:avLst/>
+            </a:prstGeom>
+            <a:solidFill>
+              <a:schemeClr val="accent1"/>
+            </a:solidFill>
+            <a:ln w="31750" cap="flat" cmpd="sng" algn="ctr">
+              <a:solidFill>
+                <a:schemeClr val="tx1"/>
+              </a:solidFill>
+              <a:prstDash val="solid"/>
+              <a:round/>
+              <a:headEnd type="none" w="med" len="med"/>
+              <a:tailEnd type="stealth" w="lg" len="lg"/>
+            </a:ln>
+            <a:effectLst/>
+          </p:spPr>
+        </p:cxnSp>
+        <p:sp>
+          <p:nvSpPr>
+            <p:cNvPr id="49" name="Oval 35"/>
+            <p:cNvSpPr>
+              <a:spLocks noChangeArrowheads="1"/>
+            </p:cNvSpPr>
+            <p:nvPr/>
+          </p:nvSpPr>
+          <p:spPr bwMode="auto">
+            <a:xfrm>
+              <a:off x="4486555" y="3048000"/>
+              <a:ext cx="457200" cy="457200"/>
+            </a:xfrm>
+            <a:prstGeom prst="ellipse">
+              <a:avLst/>
+            </a:prstGeom>
+            <a:solidFill>
+              <a:srgbClr val="80C0FF"/>
+            </a:solidFill>
+            <a:ln w="9525">
+              <a:solidFill>
+                <a:schemeClr val="tx1"/>
+              </a:solidFill>
+              <a:round/>
+              <a:headEnd/>
+              <a:tailEnd/>
+            </a:ln>
+          </p:spPr>
+          <p:txBody>
+            <a:bodyPr wrap="none" anchor="ctr">
+              <a:prstTxWarp prst="textNoShape">
+                <a:avLst/>
+              </a:prstTxWarp>
+            </a:bodyPr>
+            <a:lstStyle/>
+            <a:p>
+              <a:pPr algn="ctr"/>
+              <a:r>
+                <a:rPr lang="en-US" sz="1800" dirty="0" smtClean="0"/>
+                <a:t>-</a:t>
+              </a:r>
+              <a:r>
+                <a:rPr lang="en-US" sz="1800" dirty="0" smtClean="0">
+                  <a:solidFill>
+                    <a:srgbClr val="008000"/>
+                  </a:solidFill>
+                </a:rPr>
+                <a:t>H</a:t>
+              </a:r>
+              <a:r>
+                <a:rPr lang="en-US" sz="1800" dirty="0" smtClean="0">
+                  <a:solidFill>
+                    <a:srgbClr val="FF0000"/>
+                  </a:solidFill>
+                </a:rPr>
+                <a:t>T</a:t>
+              </a:r>
+              <a:endParaRPr lang="en-US" sz="1800" dirty="0">
+                <a:solidFill>
+                  <a:srgbClr val="FF0000"/>
+                </a:solidFill>
+              </a:endParaRPr>
+            </a:p>
+          </p:txBody>
+        </p:sp>
+        <p:sp>
+          <p:nvSpPr>
+            <p:cNvPr id="50" name="TextBox 49"/>
+            <p:cNvSpPr txBox="1"/>
+            <p:nvPr/>
+          </p:nvSpPr>
+          <p:spPr>
+            <a:xfrm>
+              <a:off x="4025742" y="2510135"/>
+              <a:ext cx="393858" cy="461665"/>
+            </a:xfrm>
+            <a:prstGeom prst="rect">
+              <a:avLst/>
+            </a:prstGeom>
+            <a:noFill/>
+          </p:spPr>
+          <p:txBody>
+            <a:bodyPr wrap="none" rtlCol="0">
+              <a:spAutoFit/>
+            </a:bodyPr>
+            <a:lstStyle/>
+            <a:p>
+              <a:r>
+                <a:rPr lang="en-US" dirty="0" smtClean="0">
+                  <a:solidFill>
+                    <a:srgbClr val="FF0000"/>
+                  </a:solidFill>
+                </a:rPr>
+                <a:t>T</a:t>
+              </a:r>
+              <a:endParaRPr lang="en-US" dirty="0">
+                <a:solidFill>
+                  <a:srgbClr val="FF0000"/>
+                </a:solidFill>
+              </a:endParaRPr>
+            </a:p>
+          </p:txBody>
+        </p:sp>
+        <p:sp>
+          <p:nvSpPr>
+            <p:cNvPr id="58" name="TextBox 57"/>
+            <p:cNvSpPr txBox="1"/>
+            <p:nvPr/>
+          </p:nvSpPr>
+          <p:spPr>
+            <a:xfrm>
+              <a:off x="2212695" y="2256711"/>
+              <a:ext cx="421059" cy="461665"/>
+            </a:xfrm>
+            <a:prstGeom prst="rect">
+              <a:avLst/>
+            </a:prstGeom>
+            <a:noFill/>
+          </p:spPr>
+          <p:txBody>
+            <a:bodyPr wrap="none" rtlCol="0">
+              <a:spAutoFit/>
+            </a:bodyPr>
+            <a:lstStyle/>
+            <a:p>
+              <a:r>
+                <a:rPr lang="en-US" dirty="0" smtClean="0">
+                  <a:solidFill>
+                    <a:srgbClr val="008000"/>
+                  </a:solidFill>
+                </a:rPr>
+                <a:t>H</a:t>
+              </a:r>
+              <a:endParaRPr lang="en-US" dirty="0">
+                <a:solidFill>
+                  <a:srgbClr val="008000"/>
+                </a:solidFill>
+              </a:endParaRPr>
+            </a:p>
+          </p:txBody>
+        </p:sp>
+        <p:cxnSp>
+          <p:nvCxnSpPr>
+            <p:cNvPr id="61" name="Curved Connector 60"/>
+            <p:cNvCxnSpPr/>
+            <p:nvPr/>
+          </p:nvCxnSpPr>
+          <p:spPr bwMode="auto">
+            <a:xfrm rot="5400000" flipH="1">
+              <a:off x="3184805" y="2413576"/>
+              <a:ext cx="323290" cy="12700"/>
+            </a:xfrm>
+            <a:prstGeom prst="curvedConnector5">
+              <a:avLst>
+                <a:gd name="adj1" fmla="val -70711"/>
+                <a:gd name="adj2" fmla="val 5472795"/>
+                <a:gd name="adj3" fmla="val 170711"/>
+              </a:avLst>
+            </a:prstGeom>
+            <a:solidFill>
+              <a:schemeClr val="accent1"/>
+            </a:solidFill>
+            <a:ln w="31750" cap="flat" cmpd="sng" algn="ctr">
+              <a:solidFill>
+                <a:schemeClr val="tx1"/>
+              </a:solidFill>
+              <a:prstDash val="solid"/>
+              <a:round/>
+              <a:headEnd type="none" w="med" len="med"/>
+              <a:tailEnd type="stealth" w="lg" len="lg"/>
+            </a:ln>
+            <a:effectLst/>
+          </p:spPr>
+        </p:cxnSp>
+        <p:sp>
+          <p:nvSpPr>
+            <p:cNvPr id="101" name="TextBox 100"/>
+            <p:cNvSpPr txBox="1"/>
+            <p:nvPr/>
+          </p:nvSpPr>
+          <p:spPr>
+            <a:xfrm>
+              <a:off x="5867400" y="3352800"/>
+              <a:ext cx="421059" cy="461665"/>
+            </a:xfrm>
+            <a:prstGeom prst="rect">
+              <a:avLst/>
+            </a:prstGeom>
+            <a:noFill/>
+          </p:spPr>
+          <p:txBody>
+            <a:bodyPr wrap="none" rtlCol="0">
+              <a:spAutoFit/>
+            </a:bodyPr>
+            <a:lstStyle/>
+            <a:p>
+              <a:r>
+                <a:rPr lang="en-US" dirty="0" smtClean="0">
+                  <a:solidFill>
+                    <a:srgbClr val="008000"/>
+                  </a:solidFill>
+                </a:rPr>
+                <a:t>H</a:t>
+              </a:r>
+              <a:endParaRPr lang="en-US" dirty="0">
+                <a:solidFill>
+                  <a:srgbClr val="008000"/>
+                </a:solidFill>
+              </a:endParaRPr>
+            </a:p>
+          </p:txBody>
+        </p:sp>
+        <p:grpSp>
+          <p:nvGrpSpPr>
+            <p:cNvPr id="5" name="Group 4"/>
+            <p:cNvGrpSpPr/>
+            <p:nvPr/>
+          </p:nvGrpSpPr>
+          <p:grpSpPr>
+            <a:xfrm>
+              <a:off x="1600200" y="2814935"/>
+              <a:ext cx="6642258" cy="1837730"/>
+              <a:chOff x="1600200" y="2814935"/>
+              <a:chExt cx="6642258" cy="1837730"/>
+            </a:xfrm>
+          </p:grpSpPr>
+          <p:grpSp>
+            <p:nvGrpSpPr>
+              <p:cNvPr id="4" name="Group 3"/>
+              <p:cNvGrpSpPr/>
+              <p:nvPr/>
+            </p:nvGrpSpPr>
+            <p:grpSpPr>
+              <a:xfrm>
+                <a:off x="2743200" y="2814935"/>
+                <a:ext cx="5499258" cy="1837730"/>
+                <a:chOff x="2743200" y="2814935"/>
+                <a:chExt cx="5499258" cy="1837730"/>
+              </a:xfrm>
+            </p:grpSpPr>
+            <p:cxnSp>
+              <p:nvCxnSpPr>
+                <p:cNvPr id="118" name="Straight Arrow Connector 117"/>
+                <p:cNvCxnSpPr>
+                  <a:stCxn id="89" idx="3"/>
+                  <a:endCxn id="120" idx="0"/>
+                </p:cNvCxnSpPr>
+                <p:nvPr/>
+              </p:nvCxnSpPr>
+              <p:spPr bwMode="auto">
+                <a:xfrm flipH="1">
+                  <a:off x="5829300" y="3362045"/>
+                  <a:ext cx="943255" cy="773113"/>
+                </a:xfrm>
+                <a:prstGeom prst="straightConnector1">
+                  <a:avLst/>
+                </a:prstGeom>
+                <a:solidFill>
+                  <a:schemeClr val="accent1"/>
+                </a:solidFill>
+                <a:ln w="31750" cap="flat" cmpd="sng" algn="ctr">
+                  <a:solidFill>
+                    <a:schemeClr val="tx1"/>
+                  </a:solidFill>
+                  <a:prstDash val="solid"/>
+                  <a:round/>
+                  <a:headEnd type="none" w="med" len="med"/>
+                  <a:tailEnd type="stealth" w="lg" len="lg"/>
+                </a:ln>
+                <a:effectLst/>
+              </p:spPr>
+            </p:cxnSp>
+            <p:cxnSp>
+              <p:nvCxnSpPr>
+                <p:cNvPr id="43" name="Straight Arrow Connector 42"/>
+                <p:cNvCxnSpPr>
+                  <a:stCxn id="49" idx="2"/>
+                  <a:endCxn id="46" idx="0"/>
+                </p:cNvCxnSpPr>
+                <p:nvPr/>
+              </p:nvCxnSpPr>
+              <p:spPr bwMode="auto">
+                <a:xfrm flipH="1">
+                  <a:off x="3009511" y="3276600"/>
+                  <a:ext cx="1477044" cy="813376"/>
+                </a:xfrm>
+                <a:prstGeom prst="straightConnector1">
+                  <a:avLst/>
+                </a:prstGeom>
+                <a:solidFill>
+                  <a:schemeClr val="accent1"/>
+                </a:solidFill>
+                <a:ln w="31750" cap="flat" cmpd="sng" algn="ctr">
+                  <a:solidFill>
+                    <a:schemeClr val="tx1"/>
+                  </a:solidFill>
+                  <a:prstDash val="solid"/>
+                  <a:round/>
+                  <a:headEnd type="none" w="med" len="med"/>
+                  <a:tailEnd type="stealth" w="lg" len="lg"/>
+                </a:ln>
+                <a:effectLst/>
+              </p:spPr>
+            </p:cxnSp>
+            <p:cxnSp>
+              <p:nvCxnSpPr>
+                <p:cNvPr id="19" name="Curved Connector 18"/>
+                <p:cNvCxnSpPr>
+                  <a:stCxn id="89" idx="5"/>
+                  <a:endCxn id="89" idx="7"/>
+                </p:cNvCxnSpPr>
+                <p:nvPr/>
+              </p:nvCxnSpPr>
+              <p:spPr bwMode="auto">
+                <a:xfrm rot="5400000" flipH="1">
+                  <a:off x="6934200" y="3200400"/>
+                  <a:ext cx="323290" cy="12700"/>
+                </a:xfrm>
+                <a:prstGeom prst="curvedConnector5">
+                  <a:avLst>
+                    <a:gd name="adj1" fmla="val -70711"/>
+                    <a:gd name="adj2" fmla="val -5672795"/>
+                    <a:gd name="adj3" fmla="val 170711"/>
+                  </a:avLst>
+                </a:prstGeom>
+                <a:solidFill>
+                  <a:schemeClr val="accent1"/>
+                </a:solidFill>
+                <a:ln w="31750" cap="flat" cmpd="sng" algn="ctr">
+                  <a:solidFill>
+                    <a:schemeClr val="tx1"/>
+                  </a:solidFill>
+                  <a:prstDash val="solid"/>
+                  <a:round/>
+                  <a:headEnd type="none" w="med" len="med"/>
+                  <a:tailEnd type="stealth" w="lg" len="lg"/>
+                </a:ln>
+                <a:effectLst/>
+              </p:spPr>
+            </p:cxnSp>
+            <p:sp>
+              <p:nvSpPr>
+                <p:cNvPr id="120" name="Oval 35"/>
+                <p:cNvSpPr>
+                  <a:spLocks noChangeArrowheads="1"/>
+                </p:cNvSpPr>
+                <p:nvPr/>
+              </p:nvSpPr>
+              <p:spPr bwMode="auto">
+                <a:xfrm>
+                  <a:off x="5562600" y="4135158"/>
+                  <a:ext cx="533400" cy="513041"/>
+                </a:xfrm>
+                <a:prstGeom prst="ellipse">
+                  <a:avLst/>
+                </a:prstGeom>
+                <a:solidFill>
+                  <a:srgbClr val="80C0FF"/>
+                </a:solidFill>
+                <a:ln w="9525">
+                  <a:solidFill>
+                    <a:schemeClr val="tx1"/>
+                  </a:solidFill>
+                  <a:round/>
+                  <a:headEnd/>
+                  <a:tailEnd/>
+                </a:ln>
+              </p:spPr>
+              <p:txBody>
+                <a:bodyPr wrap="none" anchor="ctr">
+                  <a:prstTxWarp prst="textNoShape">
+                    <a:avLst/>
+                  </a:prstTxWarp>
+                </a:bodyPr>
+                <a:lstStyle/>
+                <a:p>
+                  <a:pPr algn="ctr"/>
+                  <a:r>
+                    <a:rPr lang="en-US" sz="1600" dirty="0" smtClean="0">
+                      <a:solidFill>
+                        <a:srgbClr val="FF0000"/>
+                      </a:solidFill>
+                    </a:rPr>
+                    <a:t>TT</a:t>
+                  </a:r>
+                  <a:r>
+                    <a:rPr lang="en-US" sz="1600" dirty="0" smtClean="0">
+                      <a:solidFill>
+                        <a:srgbClr val="008000"/>
+                      </a:solidFill>
+                    </a:rPr>
+                    <a:t>H</a:t>
+                  </a:r>
+                  <a:endParaRPr lang="en-US" sz="1600" dirty="0">
+                    <a:solidFill>
+                      <a:srgbClr val="008000"/>
+                    </a:solidFill>
+                  </a:endParaRPr>
+                </a:p>
+              </p:txBody>
+            </p:sp>
+            <p:cxnSp>
+              <p:nvCxnSpPr>
+                <p:cNvPr id="84" name="Curved Connector 83"/>
+                <p:cNvCxnSpPr/>
+                <p:nvPr/>
+              </p:nvCxnSpPr>
+              <p:spPr bwMode="auto">
+                <a:xfrm rot="5400000" flipH="1">
+                  <a:off x="5434043" y="4404005"/>
+                  <a:ext cx="323290" cy="12700"/>
+                </a:xfrm>
+                <a:prstGeom prst="curvedConnector5">
+                  <a:avLst>
+                    <a:gd name="adj1" fmla="val -70711"/>
+                    <a:gd name="adj2" fmla="val 5472795"/>
+                    <a:gd name="adj3" fmla="val 170711"/>
+                  </a:avLst>
+                </a:prstGeom>
+                <a:solidFill>
+                  <a:schemeClr val="accent1"/>
+                </a:solidFill>
+                <a:ln w="31750" cap="flat" cmpd="sng" algn="ctr">
+                  <a:solidFill>
+                    <a:schemeClr val="tx1"/>
+                  </a:solidFill>
+                  <a:prstDash val="solid"/>
+                  <a:round/>
+                  <a:headEnd type="none" w="med" len="med"/>
+                  <a:tailEnd type="stealth" w="lg" len="lg"/>
+                </a:ln>
+                <a:effectLst/>
+              </p:spPr>
+            </p:cxnSp>
+            <p:cxnSp>
+              <p:nvCxnSpPr>
+                <p:cNvPr id="94" name="Curved Connector 93"/>
+                <p:cNvCxnSpPr/>
+                <p:nvPr/>
+              </p:nvCxnSpPr>
+              <p:spPr bwMode="auto">
+                <a:xfrm rot="5400000" flipH="1">
+                  <a:off x="5864505" y="4404005"/>
+                  <a:ext cx="323290" cy="12700"/>
+                </a:xfrm>
+                <a:prstGeom prst="curvedConnector5">
+                  <a:avLst>
+                    <a:gd name="adj1" fmla="val -70711"/>
+                    <a:gd name="adj2" fmla="val -5672795"/>
+                    <a:gd name="adj3" fmla="val 170711"/>
+                  </a:avLst>
+                </a:prstGeom>
+                <a:solidFill>
+                  <a:schemeClr val="accent1"/>
+                </a:solidFill>
+                <a:ln w="31750" cap="flat" cmpd="sng" algn="ctr">
+                  <a:solidFill>
+                    <a:schemeClr val="tx1"/>
+                  </a:solidFill>
+                  <a:prstDash val="solid"/>
+                  <a:round/>
+                  <a:headEnd type="none" w="med" len="med"/>
+                  <a:tailEnd type="stealth" w="lg" len="lg"/>
+                </a:ln>
+                <a:effectLst/>
+              </p:spPr>
+            </p:cxnSp>
+            <p:sp>
+              <p:nvSpPr>
+                <p:cNvPr id="95" name="TextBox 94"/>
+                <p:cNvSpPr txBox="1"/>
+                <p:nvPr/>
+              </p:nvSpPr>
+              <p:spPr>
+                <a:xfrm>
+                  <a:off x="6781800" y="4191000"/>
+                  <a:ext cx="393858" cy="461665"/>
+                </a:xfrm>
+                <a:prstGeom prst="rect">
+                  <a:avLst/>
+                </a:prstGeom>
+                <a:noFill/>
+              </p:spPr>
+              <p:txBody>
+                <a:bodyPr wrap="none" rtlCol="0">
+                  <a:spAutoFit/>
+                </a:bodyPr>
+                <a:lstStyle/>
+                <a:p>
+                  <a:r>
+                    <a:rPr lang="en-US" dirty="0" smtClean="0">
+                      <a:solidFill>
+                        <a:srgbClr val="FF0000"/>
+                      </a:solidFill>
+                    </a:rPr>
+                    <a:t>T</a:t>
+                  </a:r>
+                  <a:endParaRPr lang="en-US" dirty="0">
+                    <a:solidFill>
+                      <a:srgbClr val="FF0000"/>
+                    </a:solidFill>
+                  </a:endParaRPr>
+                </a:p>
+              </p:txBody>
+            </p:sp>
+            <p:sp>
+              <p:nvSpPr>
+                <p:cNvPr id="96" name="TextBox 95"/>
+                <p:cNvSpPr txBox="1"/>
+                <p:nvPr/>
+              </p:nvSpPr>
+              <p:spPr>
+                <a:xfrm>
+                  <a:off x="4531941" y="4191000"/>
+                  <a:ext cx="421059" cy="461665"/>
+                </a:xfrm>
+                <a:prstGeom prst="rect">
+                  <a:avLst/>
+                </a:prstGeom>
+                <a:noFill/>
+              </p:spPr>
+              <p:txBody>
+                <a:bodyPr wrap="none" rtlCol="0">
+                  <a:spAutoFit/>
+                </a:bodyPr>
+                <a:lstStyle/>
+                <a:p>
+                  <a:r>
+                    <a:rPr lang="en-US" dirty="0" smtClean="0">
+                      <a:solidFill>
+                        <a:srgbClr val="008000"/>
+                      </a:solidFill>
+                    </a:rPr>
+                    <a:t>H</a:t>
+                  </a:r>
+                  <a:endParaRPr lang="en-US" dirty="0">
+                    <a:solidFill>
+                      <a:srgbClr val="008000"/>
+                    </a:solidFill>
+                  </a:endParaRPr>
+                </a:p>
+              </p:txBody>
+            </p:sp>
+            <p:cxnSp>
+              <p:nvCxnSpPr>
+                <p:cNvPr id="97" name="Straight Arrow Connector 96"/>
+                <p:cNvCxnSpPr>
+                  <a:stCxn id="49" idx="6"/>
+                  <a:endCxn id="89" idx="2"/>
+                </p:cNvCxnSpPr>
+                <p:nvPr/>
+              </p:nvCxnSpPr>
+              <p:spPr bwMode="auto">
+                <a:xfrm flipV="1">
+                  <a:off x="4943755" y="3200400"/>
+                  <a:ext cx="1761845" cy="76200"/>
+                </a:xfrm>
+                <a:prstGeom prst="straightConnector1">
+                  <a:avLst/>
+                </a:prstGeom>
+                <a:solidFill>
+                  <a:schemeClr val="accent1"/>
+                </a:solidFill>
+                <a:ln w="31750" cap="flat" cmpd="sng" algn="ctr">
+                  <a:solidFill>
+                    <a:schemeClr val="tx1"/>
+                  </a:solidFill>
+                  <a:prstDash val="solid"/>
+                  <a:round/>
+                  <a:headEnd type="none" w="med" len="med"/>
+                  <a:tailEnd type="stealth" w="lg" len="lg"/>
+                </a:ln>
+                <a:effectLst/>
+              </p:spPr>
+            </p:cxnSp>
+            <p:sp>
+              <p:nvSpPr>
+                <p:cNvPr id="99" name="TextBox 98"/>
+                <p:cNvSpPr txBox="1"/>
+                <p:nvPr/>
+              </p:nvSpPr>
+              <p:spPr>
+                <a:xfrm>
+                  <a:off x="5549742" y="2814935"/>
+                  <a:ext cx="393858" cy="461665"/>
+                </a:xfrm>
+                <a:prstGeom prst="rect">
+                  <a:avLst/>
+                </a:prstGeom>
+                <a:noFill/>
+              </p:spPr>
+              <p:txBody>
+                <a:bodyPr wrap="none" rtlCol="0">
+                  <a:spAutoFit/>
+                </a:bodyPr>
+                <a:lstStyle/>
+                <a:p>
+                  <a:r>
+                    <a:rPr lang="en-US" dirty="0" smtClean="0">
+                      <a:solidFill>
+                        <a:srgbClr val="FF0000"/>
+                      </a:solidFill>
+                    </a:rPr>
+                    <a:t>T</a:t>
+                  </a:r>
+                  <a:endParaRPr lang="en-US" dirty="0">
+                    <a:solidFill>
+                      <a:srgbClr val="FF0000"/>
+                    </a:solidFill>
+                  </a:endParaRPr>
+                </a:p>
+              </p:txBody>
+            </p:sp>
+            <p:sp>
+              <p:nvSpPr>
+                <p:cNvPr id="100" name="TextBox 99"/>
+                <p:cNvSpPr txBox="1"/>
+                <p:nvPr/>
+              </p:nvSpPr>
+              <p:spPr>
+                <a:xfrm>
+                  <a:off x="7848600" y="2971800"/>
+                  <a:ext cx="393858" cy="461665"/>
+                </a:xfrm>
+                <a:prstGeom prst="rect">
+                  <a:avLst/>
+                </a:prstGeom>
+                <a:noFill/>
+              </p:spPr>
+              <p:txBody>
+                <a:bodyPr wrap="none" rtlCol="0">
+                  <a:spAutoFit/>
+                </a:bodyPr>
+                <a:lstStyle/>
+                <a:p>
+                  <a:r>
+                    <a:rPr lang="en-US" dirty="0" smtClean="0">
+                      <a:solidFill>
+                        <a:srgbClr val="FF0000"/>
+                      </a:solidFill>
+                    </a:rPr>
+                    <a:t>T</a:t>
+                  </a:r>
+                  <a:endParaRPr lang="en-US" dirty="0">
+                    <a:solidFill>
+                      <a:srgbClr val="FF0000"/>
+                    </a:solidFill>
+                  </a:endParaRPr>
+                </a:p>
+              </p:txBody>
+            </p:sp>
+            <p:sp>
+              <p:nvSpPr>
+                <p:cNvPr id="46" name="Oval 35"/>
+                <p:cNvSpPr>
+                  <a:spLocks noChangeArrowheads="1"/>
+                </p:cNvSpPr>
+                <p:nvPr/>
+              </p:nvSpPr>
+              <p:spPr bwMode="auto">
+                <a:xfrm>
+                  <a:off x="2743200" y="4089976"/>
+                  <a:ext cx="532622" cy="558224"/>
+                </a:xfrm>
+                <a:prstGeom prst="ellipse">
+                  <a:avLst/>
+                </a:prstGeom>
+                <a:solidFill>
+                  <a:srgbClr val="80C0FF"/>
+                </a:solidFill>
+                <a:ln w="9525">
+                  <a:solidFill>
+                    <a:schemeClr val="tx1"/>
+                  </a:solidFill>
+                  <a:round/>
+                  <a:headEnd/>
+                  <a:tailEnd/>
+                </a:ln>
+              </p:spPr>
+              <p:txBody>
+                <a:bodyPr wrap="none" anchor="ctr">
+                  <a:prstTxWarp prst="textNoShape">
+                    <a:avLst/>
+                  </a:prstTxWarp>
+                </a:bodyPr>
+                <a:lstStyle/>
+                <a:p>
+                  <a:pPr algn="ctr"/>
+                  <a:r>
+                    <a:rPr lang="en-US" sz="1600" dirty="0" smtClean="0">
+                      <a:solidFill>
+                        <a:srgbClr val="008000"/>
+                      </a:solidFill>
+                    </a:rPr>
+                    <a:t>H</a:t>
+                  </a:r>
+                  <a:r>
+                    <a:rPr lang="en-US" sz="1600" dirty="0" smtClean="0">
+                      <a:solidFill>
+                        <a:srgbClr val="FF0000"/>
+                      </a:solidFill>
+                    </a:rPr>
+                    <a:t>T</a:t>
+                  </a:r>
+                  <a:r>
+                    <a:rPr lang="en-US" sz="1600" dirty="0" smtClean="0">
+                      <a:solidFill>
+                        <a:srgbClr val="008000"/>
+                      </a:solidFill>
+                    </a:rPr>
+                    <a:t>H</a:t>
+                  </a:r>
+                  <a:endParaRPr lang="en-US" sz="1600" dirty="0">
+                    <a:solidFill>
+                      <a:srgbClr val="008000"/>
+                    </a:solidFill>
+                  </a:endParaRPr>
+                </a:p>
+              </p:txBody>
+            </p:sp>
+            <p:cxnSp>
+              <p:nvCxnSpPr>
+                <p:cNvPr id="105" name="Curved Connector 104"/>
+                <p:cNvCxnSpPr/>
+                <p:nvPr/>
+              </p:nvCxnSpPr>
+              <p:spPr bwMode="auto">
+                <a:xfrm rot="5400000" flipH="1">
+                  <a:off x="2654702" y="4374716"/>
+                  <a:ext cx="323290" cy="12700"/>
+                </a:xfrm>
+                <a:prstGeom prst="curvedConnector5">
+                  <a:avLst>
+                    <a:gd name="adj1" fmla="val -70711"/>
+                    <a:gd name="adj2" fmla="val 5472795"/>
+                    <a:gd name="adj3" fmla="val 170711"/>
+                  </a:avLst>
+                </a:prstGeom>
+                <a:solidFill>
+                  <a:schemeClr val="accent1"/>
+                </a:solidFill>
+                <a:ln w="31750" cap="flat" cmpd="sng" algn="ctr">
+                  <a:solidFill>
+                    <a:schemeClr val="tx1"/>
+                  </a:solidFill>
+                  <a:prstDash val="solid"/>
+                  <a:round/>
+                  <a:headEnd type="none" w="med" len="med"/>
+                  <a:tailEnd type="stealth" w="lg" len="lg"/>
+                </a:ln>
+                <a:effectLst/>
+              </p:spPr>
+            </p:cxnSp>
+            <p:cxnSp>
+              <p:nvCxnSpPr>
+                <p:cNvPr id="106" name="Curved Connector 105"/>
+                <p:cNvCxnSpPr/>
+                <p:nvPr/>
+              </p:nvCxnSpPr>
+              <p:spPr bwMode="auto">
+                <a:xfrm rot="5400000" flipH="1">
+                  <a:off x="3085164" y="4374716"/>
+                  <a:ext cx="323290" cy="12700"/>
+                </a:xfrm>
+                <a:prstGeom prst="curvedConnector5">
+                  <a:avLst>
+                    <a:gd name="adj1" fmla="val -70711"/>
+                    <a:gd name="adj2" fmla="val -5672795"/>
+                    <a:gd name="adj3" fmla="val 170711"/>
+                  </a:avLst>
+                </a:prstGeom>
+                <a:solidFill>
+                  <a:schemeClr val="accent1"/>
+                </a:solidFill>
+                <a:ln w="31750" cap="flat" cmpd="sng" algn="ctr">
+                  <a:solidFill>
+                    <a:schemeClr val="tx1"/>
+                  </a:solidFill>
+                  <a:prstDash val="solid"/>
+                  <a:round/>
+                  <a:headEnd type="none" w="med" len="med"/>
+                  <a:tailEnd type="stealth" w="lg" len="lg"/>
+                </a:ln>
+                <a:effectLst/>
+              </p:spPr>
+            </p:cxnSp>
+            <p:sp>
+              <p:nvSpPr>
+                <p:cNvPr id="107" name="TextBox 106"/>
+                <p:cNvSpPr txBox="1"/>
+                <p:nvPr/>
+              </p:nvSpPr>
+              <p:spPr>
+                <a:xfrm>
+                  <a:off x="3949542" y="4114800"/>
+                  <a:ext cx="393858" cy="461665"/>
+                </a:xfrm>
+                <a:prstGeom prst="rect">
+                  <a:avLst/>
+                </a:prstGeom>
+                <a:noFill/>
+              </p:spPr>
+              <p:txBody>
+                <a:bodyPr wrap="none" rtlCol="0">
+                  <a:spAutoFit/>
+                </a:bodyPr>
+                <a:lstStyle/>
+                <a:p>
+                  <a:r>
+                    <a:rPr lang="en-US" dirty="0" smtClean="0">
+                      <a:solidFill>
+                        <a:srgbClr val="FF0000"/>
+                      </a:solidFill>
+                    </a:rPr>
+                    <a:t>T</a:t>
+                  </a:r>
+                  <a:endParaRPr lang="en-US" dirty="0">
+                    <a:solidFill>
+                      <a:srgbClr val="FF0000"/>
+                    </a:solidFill>
+                  </a:endParaRPr>
+                </a:p>
+              </p:txBody>
+            </p:sp>
+          </p:grpSp>
+          <p:sp>
+            <p:nvSpPr>
+              <p:cNvPr id="108" name="TextBox 107"/>
+              <p:cNvSpPr txBox="1"/>
+              <p:nvPr/>
+            </p:nvSpPr>
+            <p:spPr>
+              <a:xfrm>
+                <a:off x="1600200" y="4161711"/>
+                <a:ext cx="421059" cy="461665"/>
+              </a:xfrm>
+              <a:prstGeom prst="rect">
+                <a:avLst/>
+              </a:prstGeom>
+              <a:noFill/>
+            </p:spPr>
+            <p:txBody>
+              <a:bodyPr wrap="none" rtlCol="0">
+                <a:spAutoFit/>
+              </a:bodyPr>
+              <a:lstStyle/>
+              <a:p>
+                <a:r>
+                  <a:rPr lang="en-US" dirty="0" smtClean="0">
+                    <a:solidFill>
+                      <a:srgbClr val="008000"/>
+                    </a:solidFill>
+                  </a:rPr>
+                  <a:t>H</a:t>
+                </a:r>
+                <a:endParaRPr lang="en-US" dirty="0">
+                  <a:solidFill>
+                    <a:srgbClr val="008000"/>
+                  </a:solidFill>
+                </a:endParaRPr>
+              </a:p>
+            </p:txBody>
+          </p:sp>
+        </p:grpSp>
+        <p:sp>
+          <p:nvSpPr>
+            <p:cNvPr id="115" name="TextBox 114"/>
+            <p:cNvSpPr txBox="1"/>
+            <p:nvPr/>
+          </p:nvSpPr>
+          <p:spPr>
+            <a:xfrm>
+              <a:off x="3581400" y="3119735"/>
+              <a:ext cx="421059" cy="461665"/>
+            </a:xfrm>
+            <a:prstGeom prst="rect">
+              <a:avLst/>
+            </a:prstGeom>
+            <a:noFill/>
+          </p:spPr>
+          <p:txBody>
+            <a:bodyPr wrap="none" rtlCol="0">
+              <a:spAutoFit/>
+            </a:bodyPr>
+            <a:lstStyle/>
+            <a:p>
+              <a:r>
+                <a:rPr lang="en-US" dirty="0" smtClean="0">
+                  <a:solidFill>
+                    <a:srgbClr val="008000"/>
+                  </a:solidFill>
+                </a:rPr>
+                <a:t>H</a:t>
+              </a:r>
+              <a:endParaRPr lang="en-US" dirty="0">
+                <a:solidFill>
+                  <a:srgbClr val="008000"/>
+                </a:solidFill>
+              </a:endParaRPr>
+            </a:p>
+          </p:txBody>
+        </p:sp>
+        <p:grpSp>
+          <p:nvGrpSpPr>
+            <p:cNvPr id="3" name="Group 2"/>
+            <p:cNvGrpSpPr/>
+            <p:nvPr/>
+          </p:nvGrpSpPr>
+          <p:grpSpPr>
+            <a:xfrm>
+              <a:off x="3733800" y="2286000"/>
+              <a:ext cx="3429000" cy="1143000"/>
+              <a:chOff x="3733800" y="2286000"/>
+              <a:chExt cx="3429000" cy="1143000"/>
+            </a:xfrm>
+          </p:grpSpPr>
+          <p:cxnSp>
+            <p:nvCxnSpPr>
+              <p:cNvPr id="86" name="Straight Arrow Connector 85"/>
+              <p:cNvCxnSpPr>
+                <a:endCxn id="89" idx="1"/>
+              </p:cNvCxnSpPr>
+              <p:nvPr/>
+            </p:nvCxnSpPr>
+            <p:spPr bwMode="auto">
+              <a:xfrm>
+                <a:off x="5952845" y="2600045"/>
+                <a:ext cx="819710" cy="438710"/>
+              </a:xfrm>
+              <a:prstGeom prst="straightConnector1">
+                <a:avLst/>
+              </a:prstGeom>
+              <a:solidFill>
+                <a:schemeClr val="accent1"/>
+              </a:solidFill>
+              <a:ln w="31750" cap="flat" cmpd="sng" algn="ctr">
+                <a:solidFill>
+                  <a:schemeClr val="tx1"/>
+                </a:solidFill>
+                <a:prstDash val="solid"/>
+                <a:round/>
+                <a:headEnd type="none" w="med" len="med"/>
+                <a:tailEnd type="stealth" w="lg" len="lg"/>
+              </a:ln>
+              <a:effectLst/>
+            </p:spPr>
+          </p:cxnSp>
+          <p:sp>
+            <p:nvSpPr>
+              <p:cNvPr id="89" name="Oval 35"/>
+              <p:cNvSpPr>
+                <a:spLocks noChangeArrowheads="1"/>
+              </p:cNvSpPr>
+              <p:nvPr/>
+            </p:nvSpPr>
+            <p:spPr bwMode="auto">
+              <a:xfrm>
+                <a:off x="6705600" y="2971800"/>
+                <a:ext cx="457200" cy="457200"/>
+              </a:xfrm>
+              <a:prstGeom prst="ellipse">
+                <a:avLst/>
+              </a:prstGeom>
+              <a:solidFill>
+                <a:srgbClr val="80C0FF"/>
+              </a:solidFill>
+              <a:ln w="9525">
+                <a:solidFill>
+                  <a:schemeClr val="tx1"/>
+                </a:solidFill>
+                <a:round/>
+                <a:headEnd/>
+                <a:tailEnd/>
+              </a:ln>
+            </p:spPr>
+            <p:txBody>
+              <a:bodyPr wrap="none" anchor="ctr">
+                <a:prstTxWarp prst="textNoShape">
+                  <a:avLst/>
+                </a:prstTxWarp>
+              </a:bodyPr>
+              <a:lstStyle/>
+              <a:p>
+                <a:pPr algn="ctr"/>
+                <a:r>
+                  <a:rPr lang="en-US" sz="1800" dirty="0" smtClean="0"/>
+                  <a:t>-</a:t>
+                </a:r>
+                <a:r>
+                  <a:rPr lang="en-US" sz="1800" dirty="0" smtClean="0">
+                    <a:solidFill>
+                      <a:srgbClr val="FF0000"/>
+                    </a:solidFill>
+                  </a:rPr>
+                  <a:t>TT</a:t>
+                </a:r>
+                <a:endParaRPr lang="en-US" sz="1800" dirty="0">
+                  <a:solidFill>
+                    <a:srgbClr val="FF0000"/>
+                  </a:solidFill>
+                </a:endParaRPr>
+              </a:p>
+            </p:txBody>
+          </p:sp>
+          <p:sp>
+            <p:nvSpPr>
+              <p:cNvPr id="90" name="TextBox 89"/>
+              <p:cNvSpPr txBox="1"/>
+              <p:nvPr/>
+            </p:nvSpPr>
+            <p:spPr>
+              <a:xfrm>
+                <a:off x="6159342" y="2357735"/>
+                <a:ext cx="393858" cy="461665"/>
+              </a:xfrm>
+              <a:prstGeom prst="rect">
+                <a:avLst/>
+              </a:prstGeom>
+              <a:noFill/>
+            </p:spPr>
+            <p:txBody>
+              <a:bodyPr wrap="none" rtlCol="0">
+                <a:spAutoFit/>
+              </a:bodyPr>
+              <a:lstStyle/>
+              <a:p>
+                <a:r>
+                  <a:rPr lang="en-US" dirty="0" smtClean="0">
+                    <a:solidFill>
+                      <a:srgbClr val="FF0000"/>
+                    </a:solidFill>
+                  </a:rPr>
+                  <a:t>T</a:t>
+                </a:r>
+                <a:endParaRPr lang="en-US" dirty="0">
+                  <a:solidFill>
+                    <a:srgbClr val="FF0000"/>
+                  </a:solidFill>
+                </a:endParaRPr>
+              </a:p>
+            </p:txBody>
+          </p:sp>
+          <p:cxnSp>
+            <p:nvCxnSpPr>
+              <p:cNvPr id="127" name="Curved Connector 126"/>
+              <p:cNvCxnSpPr>
+                <a:stCxn id="59" idx="3"/>
+                <a:endCxn id="35" idx="6"/>
+              </p:cNvCxnSpPr>
+              <p:nvPr/>
+            </p:nvCxnSpPr>
+            <p:spPr bwMode="auto">
+              <a:xfrm rot="5400000" flipH="1">
+                <a:off x="4600855" y="1571346"/>
+                <a:ext cx="161645" cy="1895755"/>
+              </a:xfrm>
+              <a:prstGeom prst="curvedConnector4">
+                <a:avLst>
+                  <a:gd name="adj1" fmla="val -141421"/>
+                  <a:gd name="adj2" fmla="val 51766"/>
+                </a:avLst>
+              </a:prstGeom>
+              <a:solidFill>
+                <a:schemeClr val="accent1"/>
+              </a:solidFill>
+              <a:ln w="31750" cap="flat" cmpd="sng" algn="ctr">
+                <a:solidFill>
+                  <a:schemeClr val="tx1"/>
+                </a:solidFill>
+                <a:prstDash val="solid"/>
+                <a:round/>
+                <a:headEnd type="none" w="med" len="med"/>
+                <a:tailEnd type="stealth" w="lg" len="lg"/>
+              </a:ln>
+              <a:effectLst/>
+            </p:spPr>
+          </p:cxnSp>
+          <p:sp>
+            <p:nvSpPr>
+              <p:cNvPr id="128" name="TextBox 127"/>
+              <p:cNvSpPr txBox="1"/>
+              <p:nvPr/>
+            </p:nvSpPr>
+            <p:spPr>
+              <a:xfrm>
+                <a:off x="4800600" y="2286000"/>
+                <a:ext cx="421059" cy="461665"/>
+              </a:xfrm>
+              <a:prstGeom prst="rect">
+                <a:avLst/>
+              </a:prstGeom>
+              <a:noFill/>
+            </p:spPr>
+            <p:txBody>
+              <a:bodyPr wrap="none" rtlCol="0">
+                <a:spAutoFit/>
+              </a:bodyPr>
+              <a:lstStyle/>
+              <a:p>
+                <a:r>
+                  <a:rPr lang="en-US" dirty="0" smtClean="0">
+                    <a:solidFill>
+                      <a:srgbClr val="008000"/>
+                    </a:solidFill>
+                  </a:rPr>
+                  <a:t>H</a:t>
+                </a:r>
+                <a:endParaRPr lang="en-US" dirty="0">
+                  <a:solidFill>
+                    <a:srgbClr val="008000"/>
+                  </a:solidFill>
+                </a:endParaRPr>
+              </a:p>
+            </p:txBody>
+          </p:sp>
+        </p:grpSp>
+      </p:grpSp>
+      <p:sp>
+        <p:nvSpPr>
+          <p:cNvPr id="48" name="Rectangle 2"/>
+          <p:cNvSpPr>
+            <a:spLocks noGrp="1" noChangeArrowheads="1"/>
+          </p:cNvSpPr>
+          <p:nvPr>
+            <p:ph type="title"/>
+          </p:nvPr>
+        </p:nvSpPr>
+        <p:spPr>
+          <a:xfrm>
+            <a:off x="1752600" y="152400"/>
+            <a:ext cx="5715000" cy="1066800"/>
+          </a:xfrm>
+        </p:spPr>
+        <p:txBody>
+          <a:bodyPr/>
+          <a:lstStyle/>
+          <a:p>
+            <a:pPr eaLnBrk="1" hangingPunct="1"/>
+            <a:r>
+              <a:rPr lang="en-US" sz="3600" dirty="0" smtClean="0">
+                <a:solidFill>
+                  <a:srgbClr val="008000"/>
+                </a:solidFill>
+              </a:rPr>
+              <a:t>Super-node</a:t>
+            </a:r>
+            <a:endParaRPr lang="en-US" dirty="0">
+              <a:solidFill>
+                <a:srgbClr val="008000"/>
+              </a:solidFill>
+            </a:endParaRPr>
+          </a:p>
+        </p:txBody>
+      </p:sp>
+      <p:sp>
+        <p:nvSpPr>
+          <p:cNvPr id="55" name="Oval 35"/>
+          <p:cNvSpPr>
+            <a:spLocks noChangeArrowheads="1"/>
+          </p:cNvSpPr>
+          <p:nvPr/>
+        </p:nvSpPr>
+        <p:spPr bwMode="auto">
+          <a:xfrm>
+            <a:off x="4152900" y="1143000"/>
+            <a:ext cx="838200" cy="838200"/>
+          </a:xfrm>
+          <a:prstGeom prst="ellipse">
+            <a:avLst/>
+          </a:prstGeom>
+          <a:solidFill>
+            <a:srgbClr val="80C0FF"/>
+          </a:solidFill>
+          <a:ln w="9525">
+            <a:solidFill>
+              <a:schemeClr val="tx1"/>
+            </a:solidFill>
+            <a:round/>
+            <a:headEnd/>
+            <a:tailEnd/>
+          </a:ln>
+        </p:spPr>
+        <p:txBody>
+          <a:bodyPr wrap="none" anchor="ctr">
+            <a:prstTxWarp prst="textNoShape">
+              <a:avLst/>
+            </a:prstTxWarp>
+          </a:bodyPr>
+          <a:lstStyle/>
+          <a:p>
+            <a:pPr algn="ctr"/>
+            <a:r>
+              <a:rPr lang="en-US" dirty="0" smtClean="0">
+                <a:solidFill>
+                  <a:srgbClr val="008000"/>
+                </a:solidFill>
+              </a:rPr>
+              <a:t>super</a:t>
+            </a:r>
+            <a:endParaRPr lang="en-US" dirty="0">
+              <a:solidFill>
+                <a:srgbClr val="008000"/>
+              </a:solidFill>
+            </a:endParaRPr>
+          </a:p>
+        </p:txBody>
+      </p:sp>
+      <p:grpSp>
+        <p:nvGrpSpPr>
+          <p:cNvPr id="54288" name="Group 54287"/>
+          <p:cNvGrpSpPr/>
+          <p:nvPr/>
+        </p:nvGrpSpPr>
+        <p:grpSpPr>
+          <a:xfrm>
+            <a:off x="2920454" y="1562100"/>
+            <a:ext cx="3924688" cy="3868458"/>
+            <a:chOff x="2920454" y="1562100"/>
+            <a:chExt cx="3924688" cy="3868458"/>
+          </a:xfrm>
+        </p:grpSpPr>
+        <p:cxnSp>
+          <p:nvCxnSpPr>
+            <p:cNvPr id="8" name="Straight Arrow Connector 7"/>
+            <p:cNvCxnSpPr>
+              <a:stCxn id="55" idx="4"/>
+              <a:endCxn id="47" idx="0"/>
+            </p:cNvCxnSpPr>
+            <p:nvPr/>
+          </p:nvCxnSpPr>
+          <p:spPr bwMode="auto">
+            <a:xfrm flipH="1">
+              <a:off x="4559142" y="1981200"/>
+              <a:ext cx="12858" cy="762000"/>
+            </a:xfrm>
+            <a:prstGeom prst="straightConnector1">
+              <a:avLst/>
+            </a:prstGeom>
+            <a:solidFill>
+              <a:schemeClr val="accent1"/>
+            </a:solidFill>
+            <a:ln w="25400" cap="flat" cmpd="sng" algn="ctr">
+              <a:solidFill>
+                <a:srgbClr val="FF00FF"/>
+              </a:solidFill>
+              <a:prstDash val="solid"/>
+              <a:round/>
+              <a:headEnd type="stealth" w="lg" len="lg"/>
+              <a:tailEnd type="stealth" w="lg" len="lg"/>
+            </a:ln>
+            <a:effectLst/>
+          </p:spPr>
+        </p:cxnSp>
+        <p:cxnSp>
+          <p:nvCxnSpPr>
+            <p:cNvPr id="60" name="Straight Arrow Connector 59"/>
+            <p:cNvCxnSpPr>
+              <a:stCxn id="55" idx="4"/>
+              <a:endCxn id="59" idx="0"/>
+            </p:cNvCxnSpPr>
+            <p:nvPr/>
+          </p:nvCxnSpPr>
+          <p:spPr bwMode="auto">
+            <a:xfrm>
+              <a:off x="4572000" y="1981200"/>
+              <a:ext cx="1130142" cy="1524000"/>
+            </a:xfrm>
+            <a:prstGeom prst="straightConnector1">
+              <a:avLst/>
+            </a:prstGeom>
+            <a:solidFill>
+              <a:schemeClr val="accent1"/>
+            </a:solidFill>
+            <a:ln w="25400" cap="flat" cmpd="sng" algn="ctr">
+              <a:solidFill>
+                <a:srgbClr val="FF00FF"/>
+              </a:solidFill>
+              <a:prstDash val="solid"/>
+              <a:round/>
+              <a:headEnd type="stealth" w="lg" len="lg"/>
+              <a:tailEnd type="stealth" w="lg" len="lg"/>
+            </a:ln>
+            <a:effectLst/>
+          </p:spPr>
+        </p:cxnSp>
+        <p:cxnSp>
+          <p:nvCxnSpPr>
+            <p:cNvPr id="62" name="Straight Arrow Connector 61"/>
+            <p:cNvCxnSpPr>
+              <a:stCxn id="55" idx="4"/>
+              <a:endCxn id="35" idx="0"/>
+            </p:cNvCxnSpPr>
+            <p:nvPr/>
+          </p:nvCxnSpPr>
+          <p:spPr bwMode="auto">
+            <a:xfrm flipH="1">
+              <a:off x="3416142" y="1981200"/>
+              <a:ext cx="1155858" cy="1524000"/>
+            </a:xfrm>
+            <a:prstGeom prst="straightConnector1">
+              <a:avLst/>
+            </a:prstGeom>
+            <a:solidFill>
+              <a:schemeClr val="accent1"/>
+            </a:solidFill>
+            <a:ln w="25400" cap="flat" cmpd="sng" algn="ctr">
+              <a:solidFill>
+                <a:srgbClr val="FF00FF"/>
+              </a:solidFill>
+              <a:prstDash val="solid"/>
+              <a:round/>
+              <a:headEnd type="stealth" w="lg" len="lg"/>
+              <a:tailEnd type="stealth" w="lg" len="lg"/>
+            </a:ln>
+            <a:effectLst/>
+          </p:spPr>
+        </p:cxnSp>
+        <p:cxnSp>
+          <p:nvCxnSpPr>
+            <p:cNvPr id="26" name="Curved Connector 25"/>
+            <p:cNvCxnSpPr>
+              <a:stCxn id="55" idx="2"/>
+              <a:endCxn id="46" idx="0"/>
+            </p:cNvCxnSpPr>
+            <p:nvPr/>
+          </p:nvCxnSpPr>
+          <p:spPr bwMode="auto">
+            <a:xfrm rot="10800000" flipV="1">
+              <a:off x="2920454" y="1562100"/>
+              <a:ext cx="1232447" cy="3823276"/>
+            </a:xfrm>
+            <a:prstGeom prst="curvedConnector2">
+              <a:avLst/>
+            </a:prstGeom>
+            <a:solidFill>
+              <a:schemeClr val="accent1"/>
+            </a:solidFill>
+            <a:ln w="25400" cap="flat" cmpd="sng" algn="ctr">
+              <a:solidFill>
+                <a:srgbClr val="FF00FF"/>
+              </a:solidFill>
+              <a:prstDash val="solid"/>
+              <a:round/>
+              <a:headEnd type="stealth" w="lg" len="lg"/>
+              <a:tailEnd type="stealth" w="lg" len="lg"/>
+            </a:ln>
+            <a:effectLst/>
+          </p:spPr>
+        </p:cxnSp>
+        <p:cxnSp>
+          <p:nvCxnSpPr>
+            <p:cNvPr id="85" name="Curved Connector 84"/>
+            <p:cNvCxnSpPr>
+              <a:stCxn id="55" idx="6"/>
+              <a:endCxn id="89" idx="0"/>
+            </p:cNvCxnSpPr>
+            <p:nvPr/>
+          </p:nvCxnSpPr>
+          <p:spPr bwMode="auto">
+            <a:xfrm>
+              <a:off x="4991100" y="1562100"/>
+              <a:ext cx="1854042" cy="2705100"/>
+            </a:xfrm>
+            <a:prstGeom prst="curvedConnector2">
+              <a:avLst/>
+            </a:prstGeom>
+            <a:solidFill>
+              <a:schemeClr val="accent1"/>
+            </a:solidFill>
+            <a:ln w="25400" cap="flat" cmpd="sng" algn="ctr">
+              <a:solidFill>
+                <a:srgbClr val="FF00FF"/>
+              </a:solidFill>
+              <a:prstDash val="solid"/>
+              <a:round/>
+              <a:headEnd type="stealth" w="lg" len="lg"/>
+              <a:tailEnd type="stealth" w="lg" len="lg"/>
+            </a:ln>
+            <a:effectLst/>
+          </p:spPr>
+        </p:cxnSp>
+        <p:cxnSp>
+          <p:nvCxnSpPr>
+            <p:cNvPr id="91" name="Curved Connector 90"/>
+            <p:cNvCxnSpPr>
+              <a:stCxn id="55" idx="5"/>
+              <a:endCxn id="120" idx="0"/>
+            </p:cNvCxnSpPr>
+            <p:nvPr/>
+          </p:nvCxnSpPr>
+          <p:spPr bwMode="auto">
+            <a:xfrm rot="16200000" flipH="1">
+              <a:off x="3518240" y="3208556"/>
+              <a:ext cx="3572110" cy="871894"/>
+            </a:xfrm>
+            <a:prstGeom prst="curvedConnector3">
+              <a:avLst>
+                <a:gd name="adj1" fmla="val 50000"/>
+              </a:avLst>
+            </a:prstGeom>
+            <a:solidFill>
+              <a:schemeClr val="accent1"/>
+            </a:solidFill>
+            <a:ln w="25400" cap="flat" cmpd="sng" algn="ctr">
+              <a:solidFill>
+                <a:srgbClr val="FF00FF"/>
+              </a:solidFill>
+              <a:prstDash val="solid"/>
+              <a:round/>
+              <a:headEnd type="stealth" w="lg" len="lg"/>
+              <a:tailEnd type="stealth" w="lg" len="lg"/>
+            </a:ln>
+            <a:effectLst/>
+          </p:spPr>
+        </p:cxnSp>
+      </p:grpSp>
+    </p:spTree>
+    <p:extLst>
+      <p:ext uri="{BB962C8B-B14F-4D97-AF65-F5344CB8AC3E}">
+        <p14:creationId xmlns:p14="http://schemas.microsoft.com/office/powerpoint/2010/main" val="1671742964"/>
+      </p:ext>
+    </p:extLst>
+  </p:cSld>
+  <p:clrMapOvr>
+    <a:masterClrMapping/>
+  </p:clrMapOvr>
+  <mc:AlternateContent xmlns:mc="http://schemas.openxmlformats.org/markup-compatibility/2006" xmlns:p14="http://schemas.microsoft.com/office/powerpoint/2010/main">
+    <mc:Choice Requires="p14">
+      <p:transition spd="med" p14:dur="700" advClick="0">
+        <p:fade/>
+      </p:transition>
+    </mc:Choice>
+    <mc:Fallback xmlns="">
+      <p:transition xmlns:p14="http://schemas.microsoft.com/office/powerpoint/2010/main" spd="med" advClick="0">
+        <p:fade/>
+      </p:transition>
+    </mc:Fallback>
+  </mc:AlternateContent>
+  <p:timing>
+    <p:tnLst>
+      <p:par>
+        <p:cTn xmlns:p14="http://schemas.microsoft.com/office/powerpoint/2010/main" id="1" dur="indefinite" restart="never" nodeType="tmRoot">
+          <p:childTnLst>
+            <p:seq concurrent="1" nextAc="seek">
+              <p:cTn id="2" dur="indefinite" nodeType="mainSeq">
+                <p:childTnLst>
+                  <p:par>
+                    <p:cTn id="3" fill="hold">
+                      <p:stCondLst>
+                        <p:cond delay="indefinite"/>
+                      </p:stCondLst>
+                      <p:childTnLst>
+                        <p:par>
+                          <p:cTn id="4" fill="hold">
+                            <p:stCondLst>
+                              <p:cond delay="0"/>
+                            </p:stCondLst>
+                            <p:childTnLst>
+                              <p:par>
+                                <p:cTn id="5" presetID="10" presetClass="entr" presetSubtype="0" fill="hold" grpId="0" nodeType="clickEffect">
+                                  <p:stCondLst>
+                                    <p:cond delay="0"/>
+                                  </p:stCondLst>
+                                  <p:childTnLst>
+                                    <p:set>
+                                      <p:cBhvr>
+                                        <p:cTn id="6" dur="1" fill="hold">
+                                          <p:stCondLst>
+                                            <p:cond delay="0"/>
+                                          </p:stCondLst>
+                                        </p:cTn>
+                                        <p:tgtEl>
+                                          <p:spTgt spid="55"/>
+                                        </p:tgtEl>
+                                        <p:attrNameLst>
+                                          <p:attrName>style.visibility</p:attrName>
+                                        </p:attrNameLst>
+                                      </p:cBhvr>
+                                      <p:to>
+                                        <p:strVal val="visible"/>
+                                      </p:to>
+                                    </p:set>
+                                    <p:animEffect transition="in" filter="fade">
+                                      <p:cBhvr>
+                                        <p:cTn id="7" dur="500"/>
+                                        <p:tgtEl>
+                                          <p:spTgt spid="55"/>
+                                        </p:tgtEl>
+                                      </p:cBhvr>
+                                    </p:animEffect>
+                                  </p:childTnLst>
+                                </p:cTn>
+                              </p:par>
+                            </p:childTnLst>
+                          </p:cTn>
+                        </p:par>
+                      </p:childTnLst>
+                    </p:cTn>
+                  </p:par>
+                  <p:par>
+                    <p:cTn id="8" fill="hold">
+                      <p:stCondLst>
+                        <p:cond delay="indefinite"/>
+                      </p:stCondLst>
+                      <p:childTnLst>
+                        <p:par>
+                          <p:cTn id="9" fill="hold">
+                            <p:stCondLst>
+                              <p:cond delay="0"/>
+                            </p:stCondLst>
+                            <p:childTnLst>
+                              <p:par>
+                                <p:cTn id="10" presetID="22" presetClass="entr" presetSubtype="1" fill="hold" nodeType="clickEffect">
+                                  <p:stCondLst>
+                                    <p:cond delay="0"/>
+                                  </p:stCondLst>
+                                  <p:childTnLst>
+                                    <p:set>
+                                      <p:cBhvr>
+                                        <p:cTn id="11" dur="1" fill="hold">
+                                          <p:stCondLst>
+                                            <p:cond delay="0"/>
+                                          </p:stCondLst>
+                                        </p:cTn>
+                                        <p:tgtEl>
+                                          <p:spTgt spid="54288"/>
+                                        </p:tgtEl>
+                                        <p:attrNameLst>
+                                          <p:attrName>style.visibility</p:attrName>
+                                        </p:attrNameLst>
+                                      </p:cBhvr>
+                                      <p:to>
+                                        <p:strVal val="visible"/>
+                                      </p:to>
+                                    </p:set>
+                                    <p:animEffect transition="in" filter="wipe(up)">
+                                      <p:cBhvr>
+                                        <p:cTn id="12" dur="1000"/>
+                                        <p:tgtEl>
+                                          <p:spTgt spid="54288"/>
+                                        </p:tgtEl>
+                                      </p:cBhvr>
+                                    </p:animEffect>
+                                  </p:childTnLst>
+                                </p:cTn>
+                              </p:par>
+                            </p:childTnLst>
+                          </p:cTn>
+                        </p:par>
+                      </p:childTnLst>
+                    </p:cTn>
+                  </p:par>
+                </p:childTnLst>
+              </p:cTn>
+              <p:prevCondLst>
+                <p:cond evt="onPrev" delay="0">
+                  <p:tgtEl>
+                    <p:sldTgt/>
+                  </p:tgtEl>
+                </p:cond>
+              </p:prevCondLst>
+              <p:nextCondLst>
+                <p:cond evt="onNext" delay="0">
+                  <p:tgtEl>
+                    <p:sldTgt/>
+                  </p:tgtEl>
+                </p:cond>
+              </p:nextCondLst>
+            </p:seq>
+          </p:childTnLst>
+        </p:cTn>
+      </p:par>
+    </p:tnLst>
+    <p:bldLst>
+      <p:bldP spid="55" grpId="0" animBg="1"/>
+    </p:bldLst>
+  </p:timing>
+</p:sld>
+</file>
+
+<file path=ppt/slides/slide7.xml><?xml version="1.0" encoding="utf-8"?>
+<p:sld xmlns:a="http://schemas.openxmlformats.org/drawingml/2006/main" xmlns:r="http://schemas.openxmlformats.org/officeDocument/2006/relationships" xmlns:p="http://schemas.openxmlformats.org/presentationml/2006/main">
+  <p:cSld>
+    <p:spTree>
+      <p:nvGrpSpPr>
+        <p:cNvPr id="1" name=""/>
+        <p:cNvGrpSpPr/>
+        <p:nvPr/>
+      </p:nvGrpSpPr>
+      <p:grpSpPr>
+        <a:xfrm>
+          <a:off x="0" y="0"/>
+          <a:ext cx="0" cy="0"/>
+          <a:chOff x="0" y="0"/>
+          <a:chExt cx="0" cy="0"/>
+        </a:xfrm>
+      </p:grpSpPr>
+      <p:sp>
+        <p:nvSpPr>
+          <p:cNvPr id="35844" name="Slide Number Placeholder 5"/>
+          <p:cNvSpPr>
+            <a:spLocks noGrp="1"/>
+          </p:cNvSpPr>
+          <p:nvPr>
+            <p:ph type="sldNum" sz="quarter" idx="12"/>
+          </p:nvPr>
+        </p:nvSpPr>
+        <p:spPr>
+          <a:noFill/>
+        </p:spPr>
+        <p:txBody>
+          <a:bodyPr/>
+          <a:lstStyle/>
+          <a:p>
+            <a:r>
+              <a:rPr lang="en-US" dirty="0" smtClean="0"/>
+              <a:t>random-walk.</a:t>
+            </a:r>
+            <a:fld id="{42298CDA-044A-0949-8A0D-DDA7F6833251}" type="slidenum">
+              <a:rPr lang="en-US" smtClean="0"/>
+              <a:pPr/>
+              <a:t>7</a:t>
+            </a:fld>
+            <a:endParaRPr lang="en-US" dirty="0"/>
+          </a:p>
+          <a:p>
+            <a:endParaRPr lang="en-US" dirty="0"/>
+          </a:p>
+        </p:txBody>
+      </p:sp>
+      <p:sp>
+        <p:nvSpPr>
+          <p:cNvPr id="22534" name="Rectangle 3"/>
+          <p:cNvSpPr>
+            <a:spLocks noGrp="1" noChangeArrowheads="1"/>
+          </p:cNvSpPr>
+          <p:nvPr>
+            <p:ph type="body" idx="1"/>
+          </p:nvPr>
+        </p:nvSpPr>
+        <p:spPr>
+          <a:xfrm>
+            <a:off x="76200" y="1219200"/>
+            <a:ext cx="8991600" cy="4572000"/>
+          </a:xfrm>
+        </p:spPr>
+        <p:txBody>
+          <a:bodyPr/>
+          <a:lstStyle/>
+          <a:p>
+            <a:pPr eaLnBrk="1" hangingPunct="1">
+              <a:lnSpc>
+                <a:spcPct val="90000"/>
+              </a:lnSpc>
+              <a:buFontTx/>
+              <a:buNone/>
+            </a:pPr>
+            <a:r>
+              <a:rPr lang="en-US" sz="5400" dirty="0" smtClean="0"/>
+              <a:t>Compute</a:t>
+            </a:r>
+          </a:p>
+          <a:p>
+            <a:pPr eaLnBrk="1" hangingPunct="1">
+              <a:lnSpc>
+                <a:spcPct val="90000"/>
+              </a:lnSpc>
+              <a:buFontTx/>
+              <a:buNone/>
+            </a:pPr>
+            <a:r>
+              <a:rPr lang="en-US" sz="5400" dirty="0" smtClean="0"/>
+              <a:t> </a:t>
+            </a:r>
+            <a:r>
+              <a:rPr lang="en-US" sz="5400" dirty="0" smtClean="0">
+                <a:solidFill>
+                  <a:srgbClr val="FF00FF"/>
+                </a:solidFill>
+              </a:rPr>
+              <a:t>stationary distribution</a:t>
+            </a:r>
+            <a:r>
+              <a:rPr lang="en-US" sz="5400" dirty="0" smtClean="0"/>
+              <a:t> </a:t>
+            </a:r>
+            <a:endParaRPr lang="en-US" sz="5400" dirty="0"/>
+          </a:p>
+          <a:p>
+            <a:pPr eaLnBrk="1" hangingPunct="1">
+              <a:lnSpc>
+                <a:spcPct val="90000"/>
+              </a:lnSpc>
+              <a:buFontTx/>
+              <a:buNone/>
+            </a:pPr>
+            <a:r>
+              <a:rPr lang="en-US" sz="5400" dirty="0"/>
+              <a:t>Rank </a:t>
+            </a:r>
+            <a:r>
+              <a:rPr lang="en-US" sz="5400" dirty="0">
+                <a:solidFill>
+                  <a:srgbClr val="0000FF"/>
+                </a:solidFill>
+              </a:rPr>
+              <a:t>u</a:t>
+            </a:r>
+            <a:r>
+              <a:rPr lang="en-US" sz="5400" dirty="0"/>
+              <a:t> above</a:t>
+            </a:r>
+            <a:r>
+              <a:rPr lang="en-US" sz="5400" dirty="0">
+                <a:solidFill>
+                  <a:srgbClr val="0000FF"/>
+                </a:solidFill>
+              </a:rPr>
+              <a:t> v</a:t>
+            </a:r>
+            <a:r>
+              <a:rPr lang="en-US" sz="5400" dirty="0"/>
+              <a:t> if </a:t>
+            </a:r>
+            <a:r>
+              <a:rPr lang="en-US" sz="5400" dirty="0" err="1" smtClean="0">
+                <a:solidFill>
+                  <a:srgbClr val="0000FF"/>
+                </a:solidFill>
+              </a:rPr>
+              <a:t>s</a:t>
+            </a:r>
+            <a:r>
+              <a:rPr lang="en-US" sz="5400" baseline="-25000" dirty="0" err="1" smtClean="0">
+                <a:solidFill>
+                  <a:srgbClr val="0000FF"/>
+                </a:solidFill>
+              </a:rPr>
+              <a:t>u</a:t>
+            </a:r>
+            <a:r>
+              <a:rPr lang="en-US" sz="5400" dirty="0" smtClean="0">
+                <a:solidFill>
+                  <a:schemeClr val="accent2"/>
+                </a:solidFill>
+              </a:rPr>
+              <a:t> </a:t>
+            </a:r>
+            <a:r>
+              <a:rPr lang="en-US" sz="5400" b="1" dirty="0">
+                <a:solidFill>
+                  <a:schemeClr val="accent2"/>
+                </a:solidFill>
+                <a:latin typeface="Euclid Symbol" charset="2"/>
+                <a:cs typeface="Euclid Symbol" charset="2"/>
+              </a:rPr>
+              <a:t>&gt;</a:t>
+            </a:r>
+            <a:r>
+              <a:rPr lang="en-US" sz="5400" dirty="0">
+                <a:solidFill>
+                  <a:schemeClr val="accent2"/>
+                </a:solidFill>
+              </a:rPr>
+              <a:t> </a:t>
+            </a:r>
+            <a:r>
+              <a:rPr lang="en-US" sz="5400" dirty="0" err="1" smtClean="0">
+                <a:solidFill>
+                  <a:srgbClr val="0000FF"/>
+                </a:solidFill>
+              </a:rPr>
+              <a:t>s</a:t>
+            </a:r>
+            <a:r>
+              <a:rPr lang="en-US" sz="5400" baseline="-25000" dirty="0" err="1" smtClean="0">
+                <a:solidFill>
+                  <a:srgbClr val="0000FF"/>
+                </a:solidFill>
+              </a:rPr>
+              <a:t>v</a:t>
+            </a:r>
+            <a:r>
+              <a:rPr lang="en-US" sz="5400" dirty="0"/>
+              <a:t>.</a:t>
+            </a:r>
+          </a:p>
+        </p:txBody>
+      </p:sp>
+      <p:sp>
+        <p:nvSpPr>
+          <p:cNvPr id="7" name="Rectangle 4"/>
+          <p:cNvSpPr>
+            <a:spLocks noGrp="1" noChangeArrowheads="1"/>
+          </p:cNvSpPr>
+          <p:nvPr>
+            <p:ph type="dt" sz="half" idx="2"/>
+          </p:nvPr>
+        </p:nvSpPr>
+        <p:spPr bwMode="auto">
+          <a:xfrm>
+            <a:off x="3124200" y="6629400"/>
+            <a:ext cx="2863850" cy="228600"/>
+          </a:xfrm>
+          <a:prstGeom prst="rect">
+            <a:avLst/>
+          </a:prstGeom>
+          <a:noFill/>
+          <a:ln w="9525">
+            <a:noFill/>
+            <a:miter lim="800000"/>
+            <a:headEnd/>
+            <a:tailEnd/>
+          </a:ln>
+        </p:spPr>
+        <p:txBody>
+          <a:bodyPr vert="horz" wrap="square" lIns="91440" tIns="45720" rIns="91440" bIns="45720" numCol="1" anchor="t" anchorCtr="0" compatLnSpc="1">
+            <a:prstTxWarp prst="textNoShape">
+              <a:avLst/>
+            </a:prstTxWarp>
+          </a:bodyPr>
+          <a:lstStyle>
+            <a:lvl1pPr algn="ctr" eaLnBrk="1" hangingPunct="1">
+              <a:defRPr sz="1000">
+                <a:latin typeface="Comic Sans MS" pitchFamily="-64" charset="0"/>
+                <a:ea typeface="ＭＳ Ｐゴシック" pitchFamily="-64" charset="-128"/>
+                <a:cs typeface="+mn-cs"/>
+              </a:defRPr>
+            </a:lvl1pPr>
+          </a:lstStyle>
+          <a:p>
+            <a:pPr>
+              <a:defRPr/>
+            </a:pPr>
+            <a:r>
+              <a:rPr lang="en-US" dirty="0" smtClean="0"/>
+              <a:t>Albert R Meyer,               December 6, 2013</a:t>
+            </a:r>
+            <a:endParaRPr lang="en-US" dirty="0"/>
+          </a:p>
+        </p:txBody>
+      </p:sp>
+      <p:sp>
+        <p:nvSpPr>
+          <p:cNvPr id="8" name="Rectangle 2"/>
+          <p:cNvSpPr>
+            <a:spLocks noGrp="1" noChangeArrowheads="1"/>
+          </p:cNvSpPr>
+          <p:nvPr>
+            <p:ph type="title"/>
+          </p:nvPr>
+        </p:nvSpPr>
+        <p:spPr>
+          <a:xfrm>
+            <a:off x="1519238" y="301625"/>
+            <a:ext cx="7015162" cy="993775"/>
+          </a:xfrm>
+        </p:spPr>
+        <p:txBody>
+          <a:bodyPr/>
+          <a:lstStyle/>
+          <a:p>
+            <a:pPr eaLnBrk="1" hangingPunct="1"/>
+            <a:r>
+              <a:rPr lang="en-US" dirty="0" smtClean="0"/>
+              <a:t>PageRank</a:t>
+            </a:r>
+            <a:endParaRPr lang="en-US" dirty="0"/>
+          </a:p>
+        </p:txBody>
+      </p:sp>
+    </p:spTree>
+    <p:extLst>
+      <p:ext uri="{BB962C8B-B14F-4D97-AF65-F5344CB8AC3E}">
+        <p14:creationId xmlns:p14="http://schemas.microsoft.com/office/powerpoint/2010/main" val="3062271367"/>
+      </p:ext>
+    </p:extLst>
+  </p:cSld>
+  <p:clrMapOvr>
+    <a:masterClrMapping/>
+  </p:clrMapOvr>
+  <p:transition xmlns:p14="http://schemas.microsoft.com/office/powerpoint/2010/main" spd="slow">
+    <p:fade thruBlk="1"/>
+  </p:transition>
+  <p:timing>
+    <p:tnLst>
+      <p:par>
+        <p:cTn xmlns:p14="http://schemas.microsoft.com/office/powerpoint/2010/main" id="1" dur="indefinite" restart="never" nodeType="tmRoot">
+          <p:childTnLst>
+            <p:seq concurrent="1" nextAc="seek">
+              <p:cTn id="2" dur="indefinite" nodeType="mainSeq">
+                <p:childTnLst>
+                  <p:par>
+                    <p:cTn id="3" fill="hold">
+                      <p:stCondLst>
+                        <p:cond delay="indefinite"/>
+                      </p:stCondLst>
+                      <p:childTnLst>
+                        <p:par>
+                          <p:cTn id="4" fill="hold">
+                            <p:stCondLst>
+                              <p:cond delay="0"/>
+                            </p:stCondLst>
+                            <p:childTnLst>
+                              <p:par>
+                                <p:cTn id="5" presetID="9" presetClass="entr" presetSubtype="0" fill="hold" grpId="0" nodeType="clickEffect">
+                                  <p:stCondLst>
+                                    <p:cond delay="0"/>
+                                  </p:stCondLst>
+                                  <p:childTnLst>
+                                    <p:set>
+                                      <p:cBhvr>
+                                        <p:cTn id="6" dur="1" fill="hold">
+                                          <p:stCondLst>
+                                            <p:cond delay="0"/>
+                                          </p:stCondLst>
+                                        </p:cTn>
+                                        <p:tgtEl>
+                                          <p:spTgt spid="22534">
+                                            <p:txEl>
+                                              <p:pRg st="0" end="0"/>
+                                            </p:txEl>
+                                          </p:spTgt>
+                                        </p:tgtEl>
+                                        <p:attrNameLst>
+                                          <p:attrName>style.visibility</p:attrName>
+                                        </p:attrNameLst>
+                                      </p:cBhvr>
+                                      <p:to>
+                                        <p:strVal val="visible"/>
+                                      </p:to>
+                                    </p:set>
+                                    <p:animEffect transition="in" filter="dissolve">
+                                      <p:cBhvr>
+                                        <p:cTn id="7" dur="500"/>
+                                        <p:tgtEl>
+                                          <p:spTgt spid="22534">
+                                            <p:txEl>
+                                              <p:pRg st="0" end="0"/>
+                                            </p:txEl>
+                                          </p:spTgt>
+                                        </p:tgtEl>
+                                      </p:cBhvr>
+                                    </p:animEffect>
+                                  </p:childTnLst>
+                                </p:cTn>
+                              </p:par>
+                            </p:childTnLst>
+                          </p:cTn>
+                        </p:par>
+                      </p:childTnLst>
+                    </p:cTn>
+                  </p:par>
+                  <p:par>
+                    <p:cTn id="8" fill="hold">
+                      <p:stCondLst>
+                        <p:cond delay="indefinite"/>
+                      </p:stCondLst>
+                      <p:childTnLst>
+                        <p:par>
+                          <p:cTn id="9" fill="hold">
+                            <p:stCondLst>
+                              <p:cond delay="0"/>
+                            </p:stCondLst>
+                            <p:childTnLst>
+                              <p:par>
+                                <p:cTn id="10" presetID="9" presetClass="entr" presetSubtype="0" fill="hold" grpId="0" nodeType="clickEffect">
+                                  <p:stCondLst>
+                                    <p:cond delay="0"/>
+                                  </p:stCondLst>
+                                  <p:childTnLst>
+                                    <p:set>
+                                      <p:cBhvr>
+                                        <p:cTn id="11" dur="1" fill="hold">
+                                          <p:stCondLst>
+                                            <p:cond delay="0"/>
+                                          </p:stCondLst>
+                                        </p:cTn>
+                                        <p:tgtEl>
+                                          <p:spTgt spid="22534">
+                                            <p:txEl>
+                                              <p:pRg st="1" end="1"/>
+                                            </p:txEl>
+                                          </p:spTgt>
+                                        </p:tgtEl>
+                                        <p:attrNameLst>
+                                          <p:attrName>style.visibility</p:attrName>
+                                        </p:attrNameLst>
+                                      </p:cBhvr>
+                                      <p:to>
+                                        <p:strVal val="visible"/>
+                                      </p:to>
+                                    </p:set>
+                                    <p:animEffect transition="in" filter="dissolve">
+                                      <p:cBhvr>
+                                        <p:cTn id="12" dur="500"/>
+                                        <p:tgtEl>
+                                          <p:spTgt spid="22534">
+                                            <p:txEl>
+                                              <p:pRg st="1" end="1"/>
+                                            </p:txEl>
+                                          </p:spTgt>
+                                        </p:tgtEl>
+                                      </p:cBhvr>
+                                    </p:animEffect>
+                                  </p:childTnLst>
+                                </p:cTn>
+                              </p:par>
+                            </p:childTnLst>
+                          </p:cTn>
+                        </p:par>
+                      </p:childTnLst>
+                    </p:cTn>
+                  </p:par>
+                  <p:par>
+                    <p:cTn id="13" fill="hold">
+                      <p:stCondLst>
+                        <p:cond delay="indefinite"/>
+                      </p:stCondLst>
+                      <p:childTnLst>
+                        <p:par>
+                          <p:cTn id="14" fill="hold">
+                            <p:stCondLst>
+                              <p:cond delay="0"/>
+                            </p:stCondLst>
+                            <p:childTnLst>
+                              <p:par>
+                                <p:cTn id="15" presetID="9" presetClass="entr" presetSubtype="0" fill="hold" grpId="0" nodeType="clickEffect">
+                                  <p:stCondLst>
+                                    <p:cond delay="0"/>
+                                  </p:stCondLst>
+                                  <p:childTnLst>
+                                    <p:set>
+                                      <p:cBhvr>
+                                        <p:cTn id="16" dur="1" fill="hold">
+                                          <p:stCondLst>
+                                            <p:cond delay="0"/>
+                                          </p:stCondLst>
+                                        </p:cTn>
+                                        <p:tgtEl>
+                                          <p:spTgt spid="22534">
+                                            <p:txEl>
+                                              <p:pRg st="2" end="2"/>
+                                            </p:txEl>
+                                          </p:spTgt>
+                                        </p:tgtEl>
+                                        <p:attrNameLst>
+                                          <p:attrName>style.visibility</p:attrName>
+                                        </p:attrNameLst>
+                                      </p:cBhvr>
+                                      <p:to>
+                                        <p:strVal val="visible"/>
+                                      </p:to>
+                                    </p:set>
+                                    <p:animEffect transition="in" filter="dissolve">
+                                      <p:cBhvr>
+                                        <p:cTn id="17" dur="500"/>
+                                        <p:tgtEl>
+                                          <p:spTgt spid="22534">
+                                            <p:txEl>
+                                              <p:pRg st="2" end="2"/>
+                                            </p:txEl>
+                                          </p:spTgt>
+                                        </p:tgtEl>
+                                      </p:cBhvr>
+                                    </p:animEffect>
+                                  </p:childTnLst>
+                                </p:cTn>
+                              </p:par>
+                            </p:childTnLst>
+                          </p:cTn>
+                        </p:par>
+                      </p:childTnLst>
+                    </p:cTn>
+                  </p:par>
+                </p:childTnLst>
+              </p:cTn>
+              <p:prevCondLst>
+                <p:cond evt="onPrev" delay="0">
+                  <p:tgtEl>
+                    <p:sldTgt/>
+                  </p:tgtEl>
+                </p:cond>
+              </p:prevCondLst>
+              <p:nextCondLst>
+                <p:cond evt="onNext" delay="0">
+                  <p:tgtEl>
+                    <p:sldTgt/>
+                  </p:tgtEl>
+                </p:cond>
+              </p:nextCondLst>
+            </p:seq>
+          </p:childTnLst>
+        </p:cTn>
+      </p:par>
+    </p:tnLst>
+    <p:bldLst>
+      <p:bldP spid="22534" grpId="0" build="p"/>
+    </p:bldLst>
+  </p:timing>
+</p:sld>
+</file>
+
+<file path=ppt/slides/slide8.xml><?xml version="1.0" encoding="utf-8"?>
+<p:sld xmlns:a="http://schemas.openxmlformats.org/drawingml/2006/main" xmlns:r="http://schemas.openxmlformats.org/officeDocument/2006/relationships" xmlns:p="http://schemas.openxmlformats.org/presentationml/2006/main">
   <p:cSld>
     <p:spTree>
       <p:nvGrpSpPr>
@@ -5539,7 +8944,12 @@
             <p:ph idx="1"/>
           </p:nvPr>
         </p:nvSpPr>
-        <p:spPr/>
+        <p:spPr>
+          <a:xfrm>
+            <a:off x="685800" y="1295400"/>
+            <a:ext cx="7696200" cy="4267200"/>
+          </a:xfrm>
+        </p:spPr>
         <p:txBody>
           <a:bodyPr/>
           <a:lstStyle/>
@@ -5548,22 +8958,82 @@
               <a:buNone/>
             </a:pPr>
             <a:r>
-              <a:rPr lang="en-US" dirty="0" smtClean="0"/>
-              <a:t>Resistance to scamming</a:t>
-            </a:r>
-          </a:p>
-          <a:p>
-            <a:r>
-              <a:rPr lang="en-US" dirty="0" smtClean="0"/>
-              <a:t>create fake nodes pointing to self</a:t>
-            </a:r>
-          </a:p>
-          <a:p>
-            <a:r>
-              <a:rPr lang="en-US" dirty="0" smtClean="0"/>
-              <a:t>…</a:t>
-            </a:r>
-            <a:endParaRPr lang="en-US" dirty="0"/>
+              <a:rPr lang="en-US" sz="4400" dirty="0" smtClean="0"/>
+              <a:t>* Creating </a:t>
+            </a:r>
+            <a:r>
+              <a:rPr lang="en-US" sz="4400" dirty="0" smtClean="0"/>
+              <a:t>fake nodes </a:t>
+            </a:r>
+            <a:r>
+              <a:rPr lang="en-US" sz="4400" dirty="0" smtClean="0"/>
+              <a:t>   </a:t>
+            </a:r>
+          </a:p>
+          <a:p>
+            <a:pPr marL="0" indent="0">
+              <a:buNone/>
+            </a:pPr>
+            <a:r>
+              <a:rPr lang="en-US" sz="4400" dirty="0"/>
+              <a:t> </a:t>
+            </a:r>
+            <a:r>
+              <a:rPr lang="en-US" sz="4400" dirty="0" smtClean="0"/>
+              <a:t>   </a:t>
+            </a:r>
+            <a:r>
+              <a:rPr lang="en-US" sz="4400" dirty="0" smtClean="0"/>
+              <a:t>pointing </a:t>
+            </a:r>
+            <a:r>
+              <a:rPr lang="en-US" sz="4400" dirty="0" smtClean="0"/>
+              <a:t>to self</a:t>
+            </a:r>
+          </a:p>
+          <a:p>
+            <a:pPr marL="0" indent="0">
+              <a:buNone/>
+            </a:pPr>
+            <a:r>
+              <a:rPr lang="en-US" sz="4400" dirty="0" smtClean="0"/>
+              <a:t>* A</a:t>
+            </a:r>
+            <a:r>
+              <a:rPr lang="en-US" sz="4400" dirty="0" smtClean="0"/>
+              <a:t>dding links to important  </a:t>
+            </a:r>
+          </a:p>
+          <a:p>
+            <a:pPr marL="0" indent="0">
+              <a:buNone/>
+            </a:pPr>
+            <a:r>
+              <a:rPr lang="en-US" sz="4400" dirty="0"/>
+              <a:t> </a:t>
+            </a:r>
+            <a:r>
+              <a:rPr lang="en-US" sz="4400" dirty="0" smtClean="0"/>
+              <a:t>   </a:t>
+            </a:r>
+            <a:r>
+              <a:rPr lang="en-US" sz="4400" dirty="0" smtClean="0"/>
+              <a:t>nodes</a:t>
+            </a:r>
+          </a:p>
+          <a:p>
+            <a:pPr marL="0" indent="0">
+              <a:buNone/>
+            </a:pPr>
+            <a:r>
+              <a:rPr lang="en-US" sz="4400" dirty="0" smtClean="0"/>
+              <a:t>won’t help improve </a:t>
+            </a:r>
+            <a:r>
+              <a:rPr lang="en-US" sz="4400" dirty="0" err="1" smtClean="0"/>
+              <a:t>Pagerank</a:t>
+            </a:r>
+            <a:endParaRPr lang="en-US" sz="4400" dirty="0"/>
           </a:p>
         </p:txBody>
       </p:sp>
@@ -5594,7 +9064,7 @@
               <a:pPr>
                 <a:defRPr/>
               </a:pPr>
-              <a:t>5</a:t>
+              <a:t>8</a:t>
             </a:fld>
             <a:endParaRPr lang="en-US" smtClean="0"/>
           </a:p>
@@ -5644,8 +9114,8 @@
         </p:nvSpPr>
         <p:spPr>
           <a:xfrm>
-            <a:off x="1519238" y="301625"/>
-            <a:ext cx="5872162" cy="993775"/>
+            <a:off x="1143000" y="301625"/>
+            <a:ext cx="7091362" cy="993775"/>
           </a:xfrm>
         </p:spPr>
         <p:txBody>
@@ -5655,8 +9125,9 @@
             <a:pPr eaLnBrk="1" hangingPunct="1"/>
             <a:r>
               <a:rPr lang="en-US" dirty="0"/>
-              <a:t>Google Page Rank</a:t>
-            </a:r>
+              <a:t>Resistance to scamming</a:t>
+            </a:r>
+            <a:endParaRPr lang="en-US" dirty="0"/>
           </a:p>
         </p:txBody>
       </p:sp>
@@ -5678,6 +9149,13 @@
       <p:transition xmlns:p14="http://schemas.microsoft.com/office/powerpoint/2010/main" spd="slow"/>
     </mc:Fallback>
   </mc:AlternateContent>
+  <p:timing>
+    <p:tnLst>
+      <p:par>
+        <p:cTn xmlns:p14="http://schemas.microsoft.com/office/powerpoint/2010/main" id="1" dur="indefinite" restart="never" nodeType="tmRoot"/>
+      </p:par>
+    </p:tnLst>
+  </p:timing>
 </p:sld>
 </file>
 
@@ -5970,9 +9448,9 @@
         <a:solidFill>
           <a:schemeClr val="accent1"/>
         </a:solidFill>
-        <a:ln w="31750" cap="flat" cmpd="sng" algn="ctr">
+        <a:ln w="25400" cap="flat" cmpd="sng" algn="ctr">
           <a:solidFill>
-            <a:schemeClr val="tx1"/>
+            <a:srgbClr val="FF00FF"/>
           </a:solidFill>
           <a:prstDash val="solid"/>
           <a:round/>

--- a/fall13/slidesF13/page-rank.pptx
+++ b/fall13/slidesF13/page-rank.pptx
@@ -5,10 +5,10 @@
     <p:sldMasterId id="2147483648" r:id="rId1"/>
   </p:sldMasterIdLst>
   <p:notesMasterIdLst>
-    <p:notesMasterId r:id="rId10"/>
+    <p:notesMasterId r:id="rId12"/>
   </p:notesMasterIdLst>
   <p:handoutMasterIdLst>
-    <p:handoutMasterId r:id="rId11"/>
+    <p:handoutMasterId r:id="rId13"/>
   </p:handoutMasterIdLst>
   <p:sldIdLst>
     <p:sldId id="333" r:id="rId2"/>
@@ -19,6 +19,8 @@
     <p:sldId id="338" r:id="rId7"/>
     <p:sldId id="339" r:id="rId8"/>
     <p:sldId id="337" r:id="rId9"/>
+    <p:sldId id="341" r:id="rId10"/>
+    <p:sldId id="342" r:id="rId11"/>
   </p:sldIdLst>
   <p:sldSz cx="9144000" cy="6858000" type="screen4x3"/>
   <p:notesSz cx="9601200" cy="7315200"/>
@@ -1614,7 +1616,7 @@
             </a:pPr>
             <a:r>
               <a:rPr lang="en-US" dirty="0" smtClean="0"/>
-              <a:t>random-walk.</a:t>
+              <a:t>page-rank.</a:t>
             </a:r>
             <a:fld id="{52DC2636-7C60-9B40-89EE-9F4C3E34F60C}" type="slidenum">
               <a:rPr lang="en-US" smtClean="0"/>
@@ -1691,6 +1693,13 @@
   <p:clrMapOvr>
     <a:masterClrMapping/>
   </p:clrMapOvr>
+  <p:timing>
+    <p:tnLst>
+      <p:par>
+        <p:cTn xmlns:p14="http://schemas.microsoft.com/office/powerpoint/2010/main" id="1" dur="indefinite" restart="never" nodeType="tmRoot"/>
+      </p:par>
+    </p:tnLst>
+  </p:timing>
 </p:sldLayout>
 </file>
 
@@ -1810,7 +1819,7 @@
             </a:pPr>
             <a:r>
               <a:rPr lang="en-US" dirty="0" smtClean="0"/>
-              <a:t>random-walk.</a:t>
+              <a:t>page-rank.</a:t>
             </a:r>
             <a:fld id="{E877D3CB-F960-BD47-98A7-06971C504846}" type="slidenum">
               <a:rPr lang="en-US" smtClean="0"/>
@@ -1887,6 +1896,13 @@
   <p:clrMapOvr>
     <a:masterClrMapping/>
   </p:clrMapOvr>
+  <p:timing>
+    <p:tnLst>
+      <p:par>
+        <p:cTn xmlns:p14="http://schemas.microsoft.com/office/powerpoint/2010/main" id="1" dur="indefinite" restart="never" nodeType="tmRoot"/>
+      </p:par>
+    </p:tnLst>
+  </p:timing>
 </p:sldLayout>
 </file>
 
@@ -2028,7 +2044,7 @@
             </a:pPr>
             <a:r>
               <a:rPr lang="en-US" dirty="0" smtClean="0"/>
-              <a:t>random-walk.</a:t>
+              <a:t>page-rank.</a:t>
             </a:r>
             <a:fld id="{7F643A20-AA31-5341-AD6A-0A2807DB3AE7}" type="slidenum">
               <a:rPr lang="en-US" smtClean="0"/>
@@ -2105,6 +2121,13 @@
   <p:clrMapOvr>
     <a:masterClrMapping/>
   </p:clrMapOvr>
+  <p:timing>
+    <p:tnLst>
+      <p:par>
+        <p:cTn xmlns:p14="http://schemas.microsoft.com/office/powerpoint/2010/main" id="1" dur="indefinite" restart="never" nodeType="tmRoot"/>
+      </p:par>
+    </p:tnLst>
+  </p:timing>
 </p:sldLayout>
 </file>
 
@@ -2172,7 +2195,7 @@
             </a:pPr>
             <a:r>
               <a:rPr lang="en-US" dirty="0" smtClean="0"/>
-              <a:t>random-walk.</a:t>
+              <a:t>page-rank.</a:t>
             </a:r>
             <a:fld id="{33406DE3-95F7-424A-AC10-91858B7908A3}" type="slidenum">
               <a:rPr lang="en-US" smtClean="0"/>
@@ -2249,6 +2272,13 @@
   <p:clrMapOvr>
     <a:masterClrMapping/>
   </p:clrMapOvr>
+  <p:timing>
+    <p:tnLst>
+      <p:par>
+        <p:cTn xmlns:p14="http://schemas.microsoft.com/office/powerpoint/2010/main" id="1" dur="indefinite" restart="never" nodeType="tmRoot"/>
+      </p:par>
+    </p:tnLst>
+  </p:timing>
 </p:sldLayout>
 </file>
 
@@ -2293,7 +2323,7 @@
             </a:pPr>
             <a:r>
               <a:rPr lang="en-US" dirty="0" smtClean="0"/>
-              <a:t>random-walk.</a:t>
+              <a:t>page-rank.</a:t>
             </a:r>
             <a:fld id="{C316881D-9589-DF4F-A336-A08976BD8D3F}" type="slidenum">
               <a:rPr lang="en-US" smtClean="0"/>
@@ -2370,6 +2400,13 @@
   <p:clrMapOvr>
     <a:masterClrMapping/>
   </p:clrMapOvr>
+  <p:timing>
+    <p:tnLst>
+      <p:par>
+        <p:cTn xmlns:p14="http://schemas.microsoft.com/office/powerpoint/2010/main" id="1" dur="indefinite" restart="never" nodeType="tmRoot"/>
+      </p:par>
+    </p:tnLst>
+  </p:timing>
 </p:sldLayout>
 </file>
 
@@ -2573,7 +2610,7 @@
             </a:pPr>
             <a:r>
               <a:rPr lang="en-US" dirty="0" smtClean="0"/>
-              <a:t>random-walk.</a:t>
+              <a:t>page-rank.</a:t>
             </a:r>
             <a:fld id="{A8E63D04-532A-9B48-95DF-D3C7BF4C2159}" type="slidenum">
               <a:rPr lang="en-US" smtClean="0"/>
@@ -2650,6 +2687,13 @@
   <p:clrMapOvr>
     <a:masterClrMapping/>
   </p:clrMapOvr>
+  <p:timing>
+    <p:tnLst>
+      <p:par>
+        <p:cTn xmlns:p14="http://schemas.microsoft.com/office/powerpoint/2010/main" id="1" dur="indefinite" restart="never" nodeType="tmRoot"/>
+      </p:par>
+    </p:tnLst>
+  </p:timing>
 </p:sldLayout>
 </file>
 
@@ -3435,7 +3479,7 @@
           <a:p>
             <a:r>
               <a:rPr lang="en-US" dirty="0" smtClean="0"/>
-              <a:t>random-walk.</a:t>
+              <a:t>page-rank.</a:t>
             </a:r>
             <a:fld id="{2D031A48-BBCF-B248-9771-B601B0D38C0B}" type="slidenum">
               <a:rPr lang="en-US" smtClean="0"/>
@@ -3627,7 +3671,11 @@
             </a:pPr>
             <a:r>
               <a:rPr lang="en-US" dirty="0" smtClean="0"/>
-              <a:t>Albert R Meyer,               December 6, 2013</a:t>
+              <a:t>Albert R Meyer,               December </a:t>
+            </a:r>
+            <a:r>
+              <a:rPr lang="en-US" dirty="0" smtClean="0"/>
+              <a:t>11, 2013</a:t>
             </a:r>
             <a:endParaRPr lang="en-US" dirty="0"/>
           </a:p>
@@ -3735,9 +3783,14 @@
   <p:clrMapOvr>
     <a:masterClrMapping/>
   </p:clrMapOvr>
-  <p:transition xmlns:p14="http://schemas.microsoft.com/office/powerpoint/2010/main" advClick="0">
-    <p:fade/>
-  </p:transition>
+  <mc:AlternateContent xmlns:mc="http://schemas.openxmlformats.org/markup-compatibility/2006" xmlns:p14="http://schemas.microsoft.com/office/powerpoint/2010/main">
+    <mc:Choice Requires="p14">
+      <p:transition p14:dur="0" advClick="0"/>
+    </mc:Choice>
+    <mc:Fallback xmlns="">
+      <p:transition xmlns:p14="http://schemas.microsoft.com/office/powerpoint/2010/main" advClick="0"/>
+    </mc:Fallback>
+  </mc:AlternateContent>
   <p:timing>
     <p:tnLst>
       <p:par>
@@ -3832,6 +3885,336 @@
 </p:sld>
 </file>
 
+<file path=ppt/slides/slide10.xml><?xml version="1.0" encoding="utf-8"?>
+<p:sld xmlns:a="http://schemas.openxmlformats.org/drawingml/2006/main" xmlns:r="http://schemas.openxmlformats.org/officeDocument/2006/relationships" xmlns:p="http://schemas.openxmlformats.org/presentationml/2006/main">
+  <p:cSld>
+    <p:spTree>
+      <p:nvGrpSpPr>
+        <p:cNvPr id="1" name=""/>
+        <p:cNvGrpSpPr/>
+        <p:nvPr/>
+      </p:nvGrpSpPr>
+      <p:grpSpPr>
+        <a:xfrm>
+          <a:off x="0" y="0"/>
+          <a:ext cx="0" cy="0"/>
+          <a:chOff x="0" y="0"/>
+          <a:chExt cx="0" cy="0"/>
+        </a:xfrm>
+      </p:grpSpPr>
+      <p:sp>
+        <p:nvSpPr>
+          <p:cNvPr id="2" name="Title 1"/>
+          <p:cNvSpPr>
+            <a:spLocks noGrp="1"/>
+          </p:cNvSpPr>
+          <p:nvPr>
+            <p:ph type="title"/>
+          </p:nvPr>
+        </p:nvSpPr>
+        <p:spPr>
+          <a:xfrm>
+            <a:off x="1443038" y="301625"/>
+            <a:ext cx="6329362" cy="917575"/>
+          </a:xfrm>
+        </p:spPr>
+        <p:txBody>
+          <a:bodyPr/>
+          <a:lstStyle/>
+          <a:p>
+            <a:r>
+              <a:rPr lang="en-US" dirty="0" smtClean="0"/>
+              <a:t>Actual Google Rank</a:t>
+            </a:r>
+            <a:endParaRPr lang="en-US" dirty="0"/>
+          </a:p>
+        </p:txBody>
+      </p:sp>
+      <p:sp>
+        <p:nvSpPr>
+          <p:cNvPr id="3" name="Content Placeholder 2"/>
+          <p:cNvSpPr>
+            <a:spLocks noGrp="1"/>
+          </p:cNvSpPr>
+          <p:nvPr>
+            <p:ph idx="1"/>
+          </p:nvPr>
+        </p:nvSpPr>
+        <p:spPr>
+          <a:xfrm>
+            <a:off x="228600" y="1371600"/>
+            <a:ext cx="8763000" cy="4191000"/>
+          </a:xfrm>
+        </p:spPr>
+        <p:txBody>
+          <a:bodyPr/>
+          <a:lstStyle/>
+          <a:p>
+            <a:pPr marL="0" indent="0">
+              <a:buNone/>
+            </a:pPr>
+            <a:r>
+              <a:rPr lang="en-US" sz="4000" dirty="0" smtClean="0"/>
+              <a:t>Google rank rules are a closely held trade secret using text, location, payment, and other criteria that have evolved for 15 years.</a:t>
+            </a:r>
+          </a:p>
+          <a:p>
+            <a:pPr marL="0" indent="0">
+              <a:buNone/>
+            </a:pPr>
+            <a:r>
+              <a:rPr lang="en-US" sz="4000" dirty="0" smtClean="0"/>
+              <a:t>But </a:t>
+            </a:r>
+            <a:r>
+              <a:rPr lang="en-US" sz="4000" dirty="0" smtClean="0">
+                <a:solidFill>
+                  <a:srgbClr val="0000FF"/>
+                </a:solidFill>
+              </a:rPr>
+              <a:t>PageRank </a:t>
+            </a:r>
+            <a:r>
+              <a:rPr lang="en-US" sz="4000" dirty="0" smtClean="0"/>
+              <a:t>continues to play a key role.</a:t>
+            </a:r>
+            <a:endParaRPr lang="en-US" sz="4000" dirty="0"/>
+          </a:p>
+        </p:txBody>
+      </p:sp>
+      <p:sp>
+        <p:nvSpPr>
+          <p:cNvPr id="4" name="Slide Number Placeholder 3"/>
+          <p:cNvSpPr>
+            <a:spLocks noGrp="1"/>
+          </p:cNvSpPr>
+          <p:nvPr>
+            <p:ph type="sldNum" sz="quarter" idx="12"/>
+          </p:nvPr>
+        </p:nvSpPr>
+        <p:spPr/>
+        <p:txBody>
+          <a:bodyPr/>
+          <a:lstStyle/>
+          <a:p>
+            <a:pPr>
+              <a:defRPr/>
+            </a:pPr>
+            <a:r>
+              <a:rPr lang="en-US" dirty="0" smtClean="0"/>
+              <a:t>page-rank.</a:t>
+            </a:r>
+            <a:fld id="{E877D3CB-F960-BD47-98A7-06971C504846}" type="slidenum">
+              <a:rPr lang="en-US" smtClean="0"/>
+              <a:pPr>
+                <a:defRPr/>
+              </a:pPr>
+              <a:t>10</a:t>
+            </a:fld>
+            <a:endParaRPr lang="en-US" dirty="0" smtClean="0"/>
+          </a:p>
+          <a:p>
+            <a:pPr>
+              <a:defRPr/>
+            </a:pPr>
+            <a:endParaRPr lang="en-US" dirty="0"/>
+          </a:p>
+        </p:txBody>
+      </p:sp>
+      <p:sp>
+        <p:nvSpPr>
+          <p:cNvPr id="5" name="Date Placeholder 4"/>
+          <p:cNvSpPr>
+            <a:spLocks noGrp="1"/>
+          </p:cNvSpPr>
+          <p:nvPr>
+            <p:ph type="dt" sz="half" idx="2"/>
+          </p:nvPr>
+        </p:nvSpPr>
+        <p:spPr/>
+        <p:txBody>
+          <a:bodyPr/>
+          <a:lstStyle/>
+          <a:p>
+            <a:pPr>
+              <a:defRPr/>
+            </a:pPr>
+            <a:r>
+              <a:rPr lang="en-US" smtClean="0"/>
+              <a:t>Albert R Meyer,           December 11, 2013</a:t>
+            </a:r>
+            <a:endParaRPr lang="en-US" dirty="0"/>
+          </a:p>
+        </p:txBody>
+      </p:sp>
+    </p:spTree>
+    <p:extLst>
+      <p:ext uri="{BB962C8B-B14F-4D97-AF65-F5344CB8AC3E}">
+        <p14:creationId xmlns:p14="http://schemas.microsoft.com/office/powerpoint/2010/main" val="2371703612"/>
+      </p:ext>
+    </p:extLst>
+  </p:cSld>
+  <p:clrMapOvr>
+    <a:masterClrMapping/>
+  </p:clrMapOvr>
+  <p:transition xmlns:p14="http://schemas.microsoft.com/office/powerpoint/2010/main" spd="slow">
+    <p:fade thruBlk="1"/>
+  </p:transition>
+  <p:timing>
+    <p:tnLst>
+      <p:par>
+        <p:cTn xmlns:p14="http://schemas.microsoft.com/office/powerpoint/2010/main" id="1" dur="indefinite" restart="never" nodeType="tmRoot">
+          <p:childTnLst>
+            <p:seq concurrent="1" nextAc="seek">
+              <p:cTn id="2" dur="indefinite" nodeType="mainSeq">
+                <p:childTnLst>
+                  <p:par>
+                    <p:cTn id="3" fill="hold">
+                      <p:stCondLst>
+                        <p:cond delay="indefinite"/>
+                      </p:stCondLst>
+                      <p:childTnLst>
+                        <p:par>
+                          <p:cTn id="4" fill="hold">
+                            <p:stCondLst>
+                              <p:cond delay="0"/>
+                            </p:stCondLst>
+                            <p:childTnLst>
+                              <p:par>
+                                <p:cTn id="5" presetID="10" presetClass="entr" presetSubtype="0" fill="hold" nodeType="clickEffect">
+                                  <p:stCondLst>
+                                    <p:cond delay="0"/>
+                                  </p:stCondLst>
+                                  <p:childTnLst>
+                                    <p:set>
+                                      <p:cBhvr>
+                                        <p:cTn id="6" dur="1" fill="hold">
+                                          <p:stCondLst>
+                                            <p:cond delay="0"/>
+                                          </p:stCondLst>
+                                        </p:cTn>
+                                        <p:tgtEl>
+                                          <p:spTgt spid="3">
+                                            <p:txEl>
+                                              <p:pRg st="0" end="0"/>
+                                            </p:txEl>
+                                          </p:spTgt>
+                                        </p:tgtEl>
+                                        <p:attrNameLst>
+                                          <p:attrName>style.visibility</p:attrName>
+                                        </p:attrNameLst>
+                                      </p:cBhvr>
+                                      <p:to>
+                                        <p:strVal val="visible"/>
+                                      </p:to>
+                                    </p:set>
+                                    <p:animEffect transition="in" filter="fade">
+                                      <p:cBhvr>
+                                        <p:cTn id="7" dur="500"/>
+                                        <p:tgtEl>
+                                          <p:spTgt spid="3">
+                                            <p:txEl>
+                                              <p:pRg st="0" end="0"/>
+                                            </p:txEl>
+                                          </p:spTgt>
+                                        </p:tgtEl>
+                                      </p:cBhvr>
+                                    </p:animEffect>
+                                  </p:childTnLst>
+                                </p:cTn>
+                              </p:par>
+                            </p:childTnLst>
+                          </p:cTn>
+                        </p:par>
+                      </p:childTnLst>
+                    </p:cTn>
+                  </p:par>
+                  <p:par>
+                    <p:cTn id="8" fill="hold">
+                      <p:stCondLst>
+                        <p:cond delay="indefinite"/>
+                      </p:stCondLst>
+                      <p:childTnLst>
+                        <p:par>
+                          <p:cTn id="9" fill="hold">
+                            <p:stCondLst>
+                              <p:cond delay="0"/>
+                            </p:stCondLst>
+                            <p:childTnLst>
+                              <p:par>
+                                <p:cTn id="10" presetID="10" presetClass="entr" presetSubtype="0" fill="hold" nodeType="clickEffect">
+                                  <p:stCondLst>
+                                    <p:cond delay="0"/>
+                                  </p:stCondLst>
+                                  <p:childTnLst>
+                                    <p:set>
+                                      <p:cBhvr>
+                                        <p:cTn id="11" dur="1" fill="hold">
+                                          <p:stCondLst>
+                                            <p:cond delay="0"/>
+                                          </p:stCondLst>
+                                        </p:cTn>
+                                        <p:tgtEl>
+                                          <p:spTgt spid="3">
+                                            <p:txEl>
+                                              <p:pRg st="1" end="1"/>
+                                            </p:txEl>
+                                          </p:spTgt>
+                                        </p:tgtEl>
+                                        <p:attrNameLst>
+                                          <p:attrName>style.visibility</p:attrName>
+                                        </p:attrNameLst>
+                                      </p:cBhvr>
+                                      <p:to>
+                                        <p:strVal val="visible"/>
+                                      </p:to>
+                                    </p:set>
+                                    <p:animEffect transition="in" filter="fade">
+                                      <p:cBhvr>
+                                        <p:cTn id="12" dur="500"/>
+                                        <p:tgtEl>
+                                          <p:spTgt spid="3">
+                                            <p:txEl>
+                                              <p:pRg st="1" end="1"/>
+                                            </p:txEl>
+                                          </p:spTgt>
+                                        </p:tgtEl>
+                                      </p:cBhvr>
+                                    </p:animEffect>
+                                  </p:childTnLst>
+                                </p:cTn>
+                              </p:par>
+                            </p:childTnLst>
+                          </p:cTn>
+                        </p:par>
+                      </p:childTnLst>
+                    </p:cTn>
+                  </p:par>
+                </p:childTnLst>
+              </p:cTn>
+              <p:prevCondLst>
+                <p:cond evt="onPrev" delay="0">
+                  <p:tgtEl>
+                    <p:sldTgt/>
+                  </p:tgtEl>
+                </p:cond>
+              </p:prevCondLst>
+              <p:nextCondLst>
+                <p:cond evt="onNext" delay="0">
+                  <p:tgtEl>
+                    <p:sldTgt/>
+                  </p:tgtEl>
+                </p:cond>
+              </p:nextCondLst>
+            </p:seq>
+          </p:childTnLst>
+        </p:cTn>
+      </p:par>
+    </p:tnLst>
+  </p:timing>
+</p:sld>
+</file>
+
 <file path=ppt/slides/slide2.xml><?xml version="1.0" encoding="utf-8"?>
 <p:sld xmlns:a="http://schemas.openxmlformats.org/drawingml/2006/main" xmlns:r="http://schemas.openxmlformats.org/officeDocument/2006/relationships" xmlns:p="http://schemas.openxmlformats.org/presentationml/2006/main">
   <p:cSld>
@@ -3868,7 +4251,7 @@
           <a:p>
             <a:r>
               <a:rPr lang="en-US" dirty="0" smtClean="0"/>
-              <a:t>random-walk.</a:t>
+              <a:t>page-rank.</a:t>
             </a:r>
             <a:fld id="{D73E32CF-FE78-5945-942C-324A7986BBD0}" type="slidenum">
               <a:rPr lang="en-US" smtClean="0"/>
@@ -3909,7 +4292,7 @@
             </a:r>
             <a:r>
               <a:rPr lang="en-US" dirty="0" smtClean="0"/>
-              <a:t>PageRank</a:t>
+              <a:t>Rankings</a:t>
             </a:r>
             <a:endParaRPr lang="en-US" dirty="0"/>
           </a:p>
@@ -4058,7 +4441,11 @@
             </a:pPr>
             <a:r>
               <a:rPr lang="en-US" dirty="0" smtClean="0"/>
-              <a:t>Albert R Meyer,               December 6, 2013</a:t>
+              <a:t>Albert R Meyer,               December </a:t>
+            </a:r>
+            <a:r>
+              <a:rPr lang="en-US" dirty="0" smtClean="0"/>
+              <a:t>11, 2013</a:t>
             </a:r>
             <a:endParaRPr lang="en-US" dirty="0"/>
           </a:p>
@@ -4393,7 +4780,7 @@
           <a:p>
             <a:r>
               <a:rPr lang="en-US" dirty="0" smtClean="0"/>
-              <a:t>random-walk.</a:t>
+              <a:t>page-rank.</a:t>
             </a:r>
             <a:fld id="{42298CDA-044A-0949-8A0D-DDA7F6833251}" type="slidenum">
               <a:rPr lang="en-US" smtClean="0"/>
@@ -4420,7 +4807,7 @@
         <p:spPr>
           <a:xfrm>
             <a:off x="381000" y="1600200"/>
-            <a:ext cx="8305800" cy="3657600"/>
+            <a:ext cx="8686800" cy="4648200"/>
           </a:xfrm>
         </p:spPr>
         <p:txBody>
@@ -4478,12 +4865,128 @@
               <a:t>edge </a:t>
             </a:r>
             <a:r>
+              <a:rPr lang="en-US" sz="4400" dirty="0" smtClean="0">
+                <a:solidFill>
+                  <a:srgbClr val="0000FF"/>
+                </a:solidFill>
+              </a:rPr>
+              <a:t>(V,W)</a:t>
+            </a:r>
+            <a:r>
+              <a:rPr lang="en-US" sz="4400" dirty="0" smtClean="0"/>
+              <a:t> </a:t>
+            </a:r>
+            <a:r>
+              <a:rPr lang="en-US" sz="4400" dirty="0"/>
+              <a:t>exists if link from page </a:t>
+            </a:r>
+            <a:r>
+              <a:rPr lang="en-US" sz="4400" dirty="0" smtClean="0">
+                <a:solidFill>
+                  <a:srgbClr val="0000FF"/>
+                </a:solidFill>
+              </a:rPr>
+              <a:t>V</a:t>
+            </a:r>
+            <a:r>
+              <a:rPr lang="en-US" sz="4400" dirty="0" smtClean="0"/>
+              <a:t> </a:t>
+            </a:r>
+            <a:r>
+              <a:rPr lang="en-US" sz="4400" dirty="0"/>
+              <a:t>to page </a:t>
+            </a:r>
+            <a:r>
+              <a:rPr lang="en-US" sz="4400" dirty="0" smtClean="0">
+                <a:solidFill>
+                  <a:srgbClr val="0000FF"/>
+                </a:solidFill>
+              </a:rPr>
+              <a:t>W</a:t>
+            </a:r>
+          </a:p>
+          <a:p>
+            <a:pPr eaLnBrk="1" hangingPunct="1">
+              <a:lnSpc>
+                <a:spcPct val="90000"/>
+              </a:lnSpc>
+            </a:pPr>
+            <a:r>
+              <a:rPr lang="en-US" sz="4400" dirty="0" smtClean="0"/>
+              <a:t>edges </a:t>
+            </a:r>
+            <a:r>
+              <a:rPr lang="en-US" sz="4400" dirty="0"/>
+              <a:t>out of </a:t>
+            </a:r>
+            <a:r>
+              <a:rPr lang="en-US" sz="4400" dirty="0" smtClean="0">
+                <a:solidFill>
+                  <a:srgbClr val="0000FF"/>
+                </a:solidFill>
+              </a:rPr>
+              <a:t>V</a:t>
+            </a:r>
+            <a:r>
+              <a:rPr lang="en-US" sz="4400" dirty="0" smtClean="0"/>
+              <a:t> </a:t>
+            </a:r>
+            <a:r>
+              <a:rPr lang="en-US" sz="4400" dirty="0"/>
+              <a:t>equally </a:t>
+            </a:r>
+            <a:r>
+              <a:rPr lang="en-US" sz="4400" dirty="0" smtClean="0"/>
+              <a:t>likely</a:t>
+            </a:r>
+            <a:endParaRPr lang="en-US" sz="4400" dirty="0">
+              <a:solidFill>
+                <a:srgbClr val="0000FF"/>
+              </a:solidFill>
+            </a:endParaRPr>
+          </a:p>
+          <a:p>
+            <a:pPr marL="0" indent="0" algn="ctr" eaLnBrk="1" hangingPunct="1">
+              <a:lnSpc>
+                <a:spcPct val="90000"/>
+              </a:lnSpc>
+              <a:buNone/>
+            </a:pPr>
+            <a:r>
+              <a:rPr lang="en-US" sz="4400" dirty="0" err="1" smtClean="0"/>
+              <a:t>Pr</a:t>
+            </a:r>
+            <a:r>
+              <a:rPr lang="en-US" sz="4400" dirty="0"/>
+              <a:t>[</a:t>
+            </a:r>
+            <a:r>
+              <a:rPr lang="en-US" sz="4400" dirty="0" smtClean="0">
+                <a:solidFill>
+                  <a:srgbClr val="0000FF"/>
+                </a:solidFill>
+              </a:rPr>
+              <a:t>(V,W)</a:t>
+            </a:r>
+            <a:r>
+              <a:rPr lang="en-US" sz="4400" dirty="0"/>
+              <a:t>]</a:t>
+            </a:r>
+            <a:r>
+              <a:rPr lang="en-US" sz="4400" dirty="0" smtClean="0"/>
+              <a:t> </a:t>
+            </a:r>
+            <a:r>
+              <a:rPr lang="en-US" sz="4400" dirty="0"/>
+              <a:t>= </a:t>
+            </a:r>
+            <a:r>
               <a:rPr lang="en-US" sz="4400" dirty="0">
                 <a:solidFill>
                   <a:srgbClr val="0000FF"/>
                 </a:solidFill>
               </a:rPr>
-              <a:t>(</a:t>
+              <a:t>1/</a:t>
             </a:r>
             <a:r>
               <a:rPr lang="en-US" sz="4400" dirty="0" err="1">
@@ -4491,59 +4994,7 @@
                   <a:srgbClr val="0000FF"/>
                 </a:solidFill>
               </a:rPr>
-              <a:t>u,v</a:t>
-            </a:r>
-            <a:r>
-              <a:rPr lang="en-US" sz="4400" dirty="0">
-                <a:solidFill>
-                  <a:srgbClr val="0000FF"/>
-                </a:solidFill>
-              </a:rPr>
-              <a:t>)</a:t>
-            </a:r>
-            <a:r>
-              <a:rPr lang="en-US" sz="4400" dirty="0"/>
-              <a:t> exists if link from page </a:t>
-            </a:r>
-            <a:r>
-              <a:rPr lang="en-US" sz="4400" dirty="0" err="1">
-                <a:solidFill>
-                  <a:srgbClr val="0000FF"/>
-                </a:solidFill>
-              </a:rPr>
-              <a:t>u</a:t>
-            </a:r>
-            <a:r>
-              <a:rPr lang="en-US" sz="4400" dirty="0"/>
-              <a:t> to page </a:t>
-            </a:r>
-            <a:r>
-              <a:rPr lang="en-US" sz="4400" dirty="0" err="1">
-                <a:solidFill>
-                  <a:srgbClr val="0000FF"/>
-                </a:solidFill>
-              </a:rPr>
-              <a:t>v</a:t>
-            </a:r>
-            <a:endParaRPr lang="en-US" sz="4400" dirty="0">
-              <a:solidFill>
-                <a:srgbClr val="0000FF"/>
-              </a:solidFill>
-            </a:endParaRPr>
-          </a:p>
-          <a:p>
-            <a:pPr eaLnBrk="1" hangingPunct="1">
-              <a:lnSpc>
-                <a:spcPct val="90000"/>
-              </a:lnSpc>
-            </a:pPr>
-            <a:r>
-              <a:rPr lang="en-US" sz="4400" dirty="0" err="1" smtClean="0"/>
-              <a:t>Pr</a:t>
-            </a:r>
-            <a:r>
-              <a:rPr lang="en-US" sz="4400" dirty="0"/>
-              <a:t>[</a:t>
+              <a:t>outdeg</a:t>
             </a:r>
             <a:r>
               <a:rPr lang="en-US" sz="4400" dirty="0" smtClean="0">
@@ -4551,51 +5002,7 @@
                   <a:srgbClr val="0000FF"/>
                 </a:solidFill>
               </a:rPr>
-              <a:t>(</a:t>
-            </a:r>
-            <a:r>
-              <a:rPr lang="en-US" sz="4400" dirty="0" err="1" smtClean="0">
-                <a:solidFill>
-                  <a:srgbClr val="0000FF"/>
-                </a:solidFill>
-              </a:rPr>
-              <a:t>u,v</a:t>
-            </a:r>
-            <a:r>
-              <a:rPr lang="en-US" sz="4400" dirty="0" smtClean="0">
-                <a:solidFill>
-                  <a:srgbClr val="0000FF"/>
-                </a:solidFill>
-              </a:rPr>
-              <a:t>)</a:t>
-            </a:r>
-            <a:r>
-              <a:rPr lang="en-US" sz="4400" dirty="0"/>
-              <a:t>]</a:t>
-            </a:r>
-            <a:r>
-              <a:rPr lang="en-US" sz="4400" dirty="0" smtClean="0"/>
-              <a:t> </a:t>
-            </a:r>
-            <a:r>
-              <a:rPr lang="en-US" sz="4400" dirty="0"/>
-              <a:t>= </a:t>
-            </a:r>
-            <a:r>
-              <a:rPr lang="en-US" sz="4400" dirty="0">
-                <a:solidFill>
-                  <a:srgbClr val="0000FF"/>
-                </a:solidFill>
-              </a:rPr>
-              <a:t>1/outdeg(u</a:t>
-            </a:r>
-            <a:r>
-              <a:rPr lang="en-US" sz="4400" dirty="0" smtClean="0">
-                <a:solidFill>
-                  <a:srgbClr val="0000FF"/>
-                </a:solidFill>
-              </a:rPr>
-              <a:t>)</a:t>
+              <a:t>(V)</a:t>
             </a:r>
             <a:endParaRPr lang="en-US" sz="4400" dirty="0">
               <a:solidFill>
@@ -4652,7 +5059,11 @@
             </a:pPr>
             <a:r>
               <a:rPr lang="en-US" dirty="0" smtClean="0"/>
-              <a:t>Albert R Meyer,               December 6, 2013</a:t>
+              <a:t>Albert R Meyer,               December </a:t>
+            </a:r>
+            <a:r>
+              <a:rPr lang="en-US" dirty="0" smtClean="0"/>
+              <a:t>11, 2013</a:t>
             </a:r>
             <a:endParaRPr lang="en-US" dirty="0"/>
           </a:p>
@@ -4692,7 +5103,7 @@
   <p:clrMapOvr>
     <a:masterClrMapping/>
   </p:clrMapOvr>
-  <p:transition xmlns:p14="http://schemas.microsoft.com/office/powerpoint/2010/main" spd="slow">
+  <p:transition xmlns:p14="http://schemas.microsoft.com/office/powerpoint/2010/main" spd="slow" advClick="0">
     <p:fade thruBlk="1"/>
   </p:transition>
   <p:timing>
@@ -4716,7 +5127,7 @@
                             </p:stCondLst>
                             <p:childTnLst>
                               <p:par>
-                                <p:cTn id="5" presetID="9" presetClass="entr" presetSubtype="0" fill="hold" grpId="0" nodeType="clickEffect">
+                                <p:cTn id="5" presetID="10" presetClass="entr" presetSubtype="0" fill="hold" grpId="0" nodeType="clickEffect">
                                   <p:stCondLst>
                                     <p:cond delay="0"/>
                                   </p:stCondLst>
@@ -4731,7 +5142,7 @@
                                         <p:tgtEl>
                                           <p:spTgt spid="22534">
                                             <p:txEl>
-                                              <p:pRg st="0" end="0"/>
+                                              <p:pRg st="1" end="1"/>
                                             </p:txEl>
                                           </p:spTgt>
                                         </p:tgtEl>
@@ -4743,13 +5154,13 @@
                                         <p:strVal val="visible"/>
                                       </p:to>
                                     </p:set>
-                                    <p:animEffect transition="in" filter="dissolve">
+                                    <p:animEffect transition="in" filter="fade">
                                       <p:cBhvr>
                                         <p:cTn id="7" dur="500"/>
                                         <p:tgtEl>
                                           <p:spTgt spid="22534">
                                             <p:txEl>
-                                              <p:pRg st="0" end="0"/>
+                                              <p:pRg st="1" end="1"/>
                                             </p:txEl>
                                           </p:spTgt>
                                         </p:tgtEl>
@@ -4777,7 +5188,7 @@
                             </p:stCondLst>
                             <p:childTnLst>
                               <p:par>
-                                <p:cTn id="10" presetID="9" presetClass="entr" presetSubtype="0" fill="hold" grpId="0" nodeType="clickEffect">
+                                <p:cTn id="10" presetID="10" presetClass="entr" presetSubtype="0" fill="hold" grpId="0" nodeType="clickEffect">
                                   <p:stCondLst>
                                     <p:cond delay="0"/>
                                   </p:stCondLst>
@@ -4792,7 +5203,7 @@
                                         <p:tgtEl>
                                           <p:spTgt spid="22534">
                                             <p:txEl>
-                                              <p:pRg st="1" end="1"/>
+                                              <p:pRg st="2" end="2"/>
                                             </p:txEl>
                                           </p:spTgt>
                                         </p:tgtEl>
@@ -4804,13 +5215,13 @@
                                         <p:strVal val="visible"/>
                                       </p:to>
                                     </p:set>
-                                    <p:animEffect transition="in" filter="dissolve">
+                                    <p:animEffect transition="in" filter="fade">
                                       <p:cBhvr>
                                         <p:cTn id="12" dur="500"/>
                                         <p:tgtEl>
                                           <p:spTgt spid="22534">
                                             <p:txEl>
-                                              <p:pRg st="1" end="1"/>
+                                              <p:pRg st="2" end="2"/>
                                             </p:txEl>
                                           </p:spTgt>
                                         </p:tgtEl>
@@ -4838,7 +5249,7 @@
                             </p:stCondLst>
                             <p:childTnLst>
                               <p:par>
-                                <p:cTn id="15" presetID="9" presetClass="entr" presetSubtype="0" fill="hold" grpId="0" nodeType="clickEffect">
+                                <p:cTn id="15" presetID="10" presetClass="entr" presetSubtype="0" fill="hold" grpId="0" nodeType="clickEffect">
                                   <p:stCondLst>
                                     <p:cond delay="0"/>
                                   </p:stCondLst>
@@ -4853,7 +5264,7 @@
                                         <p:tgtEl>
                                           <p:spTgt spid="22534">
                                             <p:txEl>
-                                              <p:pRg st="2" end="2"/>
+                                              <p:pRg st="3" end="3"/>
                                             </p:txEl>
                                           </p:spTgt>
                                         </p:tgtEl>
@@ -4865,13 +5276,13 @@
                                         <p:strVal val="visible"/>
                                       </p:to>
                                     </p:set>
-                                    <p:animEffect transition="in" filter="dissolve">
+                                    <p:animEffect transition="in" filter="fade">
                                       <p:cBhvr>
                                         <p:cTn id="17" dur="500"/>
                                         <p:tgtEl>
                                           <p:spTgt spid="22534">
                                             <p:txEl>
-                                              <p:pRg st="2" end="2"/>
+                                              <p:pRg st="3" end="3"/>
                                             </p:txEl>
                                           </p:spTgt>
                                         </p:tgtEl>
@@ -4899,7 +5310,7 @@
                             </p:stCondLst>
                             <p:childTnLst>
                               <p:par>
-                                <p:cTn id="20" presetID="9" presetClass="entr" presetSubtype="0" fill="hold" grpId="0" nodeType="clickEffect">
+                                <p:cTn id="20" presetID="22" presetClass="entr" presetSubtype="8" fill="hold" grpId="0" nodeType="clickEffect">
                                   <p:stCondLst>
                                     <p:cond delay="0"/>
                                   </p:stCondLst>
@@ -4914,7 +5325,7 @@
                                         <p:tgtEl>
                                           <p:spTgt spid="22534">
                                             <p:txEl>
-                                              <p:pRg st="3" end="3"/>
+                                              <p:pRg st="4" end="4"/>
                                             </p:txEl>
                                           </p:spTgt>
                                         </p:tgtEl>
@@ -4926,13 +5337,13 @@
                                         <p:strVal val="visible"/>
                                       </p:to>
                                     </p:set>
-                                    <p:animEffect transition="in" filter="dissolve">
+                                    <p:animEffect transition="in" filter="wipe(left)">
                                       <p:cBhvr>
-                                        <p:cTn id="22" dur="500"/>
+                                        <p:cTn id="22" dur="1000"/>
                                         <p:tgtEl>
                                           <p:spTgt spid="22534">
                                             <p:txEl>
-                                              <p:pRg st="3" end="3"/>
+                                              <p:pRg st="4" end="4"/>
                                             </p:txEl>
                                           </p:spTgt>
                                         </p:tgtEl>
@@ -5011,7 +5422,7 @@
           <a:p>
             <a:r>
               <a:rPr lang="en-US" dirty="0" smtClean="0"/>
-              <a:t>random-walk.</a:t>
+              <a:t>page-rank.</a:t>
             </a:r>
             <a:fld id="{42298CDA-044A-0949-8A0D-DDA7F6833251}" type="slidenum">
               <a:rPr lang="en-US" smtClean="0"/>
@@ -5054,11 +5465,7 @@
             </a:pPr>
             <a:r>
               <a:rPr lang="en-US" sz="4000" dirty="0" smtClean="0"/>
-              <a:t>To </a:t>
-            </a:r>
-            <a:r>
-              <a:rPr lang="en-US" sz="4000" dirty="0" smtClean="0"/>
-              <a:t>model </a:t>
+              <a:t>To model </a:t>
             </a:r>
             <a:r>
               <a:rPr lang="en-US" sz="4000" dirty="0" smtClean="0">
@@ -5072,7 +5479,6 @@
               <a:rPr lang="en-US" sz="4000" dirty="0" smtClean="0"/>
               <a:t>:</a:t>
             </a:r>
-            <a:endParaRPr lang="en-US" sz="4000" dirty="0" smtClean="0"/>
           </a:p>
           <a:p>
             <a:pPr eaLnBrk="1" hangingPunct="1">
@@ -5175,7 +5581,11 @@
             </a:pPr>
             <a:r>
               <a:rPr lang="en-US" dirty="0" smtClean="0"/>
-              <a:t>Albert R Meyer,               December 6, 2013</a:t>
+              <a:t>Albert R Meyer,               December </a:t>
+            </a:r>
+            <a:r>
+              <a:rPr lang="en-US" dirty="0" smtClean="0"/>
+              <a:t>11, 2013</a:t>
             </a:r>
             <a:endParaRPr lang="en-US" dirty="0"/>
           </a:p>
@@ -5183,7 +5593,7 @@
       </p:sp>
       <p:sp>
         <p:nvSpPr>
-          <p:cNvPr id="8" name="Rectangle 2"/>
+          <p:cNvPr id="9" name="Rectangle 2"/>
           <p:cNvSpPr>
             <a:spLocks noGrp="1" noChangeArrowheads="1"/>
           </p:cNvSpPr>
@@ -5194,7 +5604,7 @@
         <p:spPr>
           <a:xfrm>
             <a:off x="1519238" y="301625"/>
-            <a:ext cx="5872162" cy="993775"/>
+            <a:ext cx="7015162" cy="993775"/>
           </a:xfrm>
         </p:spPr>
         <p:txBody>
@@ -5203,9 +5613,10 @@
           <a:p>
             <a:pPr eaLnBrk="1" hangingPunct="1"/>
             <a:r>
-              <a:rPr lang="en-US" dirty="0"/>
-              <a:t>Google Page Rank</a:t>
-            </a:r>
+              <a:rPr lang="en-US" dirty="0" smtClean="0"/>
+              <a:t>Random Walk on the Web</a:t>
+            </a:r>
+            <a:endParaRPr lang="en-US" dirty="0"/>
           </a:p>
         </p:txBody>
       </p:sp>
@@ -5219,7 +5630,7 @@
   <p:clrMapOvr>
     <a:masterClrMapping/>
   </p:clrMapOvr>
-  <p:transition xmlns:p14="http://schemas.microsoft.com/office/powerpoint/2010/main" spd="slow">
+  <p:transition xmlns:p14="http://schemas.microsoft.com/office/powerpoint/2010/main" spd="slow" advClick="0">
     <p:fade thruBlk="1"/>
   </p:transition>
   <p:timing>
@@ -5477,7 +5888,7 @@
           <a:p>
             <a:r>
               <a:rPr lang="en-US" dirty="0" smtClean="0"/>
-              <a:t>random-walk.</a:t>
+              <a:t>page-rank.</a:t>
             </a:r>
             <a:fld id="{42298CDA-044A-0949-8A0D-DDA7F6833251}" type="slidenum">
               <a:rPr lang="en-US" smtClean="0"/>
@@ -5612,7 +6023,11 @@
             </a:pPr>
             <a:r>
               <a:rPr lang="en-US" dirty="0" smtClean="0"/>
-              <a:t>Albert R Meyer,               December 6, 2013</a:t>
+              <a:t>Albert R Meyer,               December </a:t>
+            </a:r>
+            <a:r>
+              <a:rPr lang="en-US" dirty="0" smtClean="0"/>
+              <a:t>11, 2013</a:t>
             </a:r>
             <a:endParaRPr lang="en-US" dirty="0"/>
           </a:p>
@@ -5975,7 +6390,7 @@
           <a:p>
             <a:r>
               <a:rPr lang="en-US" dirty="0" smtClean="0"/>
-              <a:t>random-walk.</a:t>
+              <a:t>page-rank.</a:t>
             </a:r>
             <a:fld id="{B826CD8C-0477-834C-B53A-FCC4FCE3844A}" type="slidenum">
               <a:rPr lang="en-US" smtClean="0"/>
@@ -6036,7 +6451,11 @@
             </a:pPr>
             <a:r>
               <a:rPr lang="en-US" dirty="0" smtClean="0"/>
-              <a:t>Albert R Meyer,        December 6, 2013</a:t>
+              <a:t>Albert R Meyer,        December </a:t>
+            </a:r>
+            <a:r>
+              <a:rPr lang="en-US" dirty="0" smtClean="0"/>
+              <a:t>11, 2013</a:t>
             </a:r>
             <a:endParaRPr lang="en-US" dirty="0"/>
           </a:p>
@@ -8430,7 +8849,7 @@
           <a:p>
             <a:r>
               <a:rPr lang="en-US" dirty="0" smtClean="0"/>
-              <a:t>random-walk.</a:t>
+              <a:t>page-rank.</a:t>
             </a:r>
             <a:fld id="{42298CDA-044A-0949-8A0D-DDA7F6833251}" type="slidenum">
               <a:rPr lang="en-US" smtClean="0"/>
@@ -8503,6 +8922,62 @@
             <a:endParaRPr lang="en-US" sz="5400" dirty="0"/>
           </a:p>
           <a:p>
+            <a:pPr algn="ctr" eaLnBrk="1" hangingPunct="1">
+              <a:lnSpc>
+                <a:spcPct val="90000"/>
+              </a:lnSpc>
+              <a:buFontTx/>
+              <a:buNone/>
+            </a:pPr>
+            <a:r>
+              <a:rPr lang="en-US" sz="5400" dirty="0" smtClean="0">
+                <a:solidFill>
+                  <a:srgbClr val="0000FF"/>
+                </a:solidFill>
+              </a:rPr>
+              <a:t>PageRank(V) ::</a:t>
+            </a:r>
+            <a:r>
+              <a:rPr lang="en-US" sz="5400" b="1" dirty="0" smtClean="0">
+                <a:solidFill>
+                  <a:srgbClr val="0000FF"/>
+                </a:solidFill>
+                <a:latin typeface="Euclid Symbol" charset="2"/>
+                <a:cs typeface="Euclid Symbol" charset="2"/>
+              </a:rPr>
+              <a:t>=</a:t>
+            </a:r>
+            <a:r>
+              <a:rPr lang="en-US" sz="5400" dirty="0" smtClean="0">
+                <a:solidFill>
+                  <a:srgbClr val="0000FF"/>
+                </a:solidFill>
+              </a:rPr>
+              <a:t> </a:t>
+            </a:r>
+            <a:r>
+              <a:rPr lang="en-US" sz="5400" dirty="0" err="1" smtClean="0">
+                <a:solidFill>
+                  <a:srgbClr val="0000FF"/>
+                </a:solidFill>
+              </a:rPr>
+              <a:t>s</a:t>
+            </a:r>
+            <a:r>
+              <a:rPr lang="en-US" sz="5400" baseline="-25000" dirty="0" err="1" smtClean="0">
+                <a:solidFill>
+                  <a:srgbClr val="0000FF"/>
+                </a:solidFill>
+              </a:rPr>
+              <a:t>V</a:t>
+            </a:r>
+            <a:endParaRPr lang="en-US" sz="5400" baseline="-25000" dirty="0" smtClean="0">
+              <a:solidFill>
+                <a:srgbClr val="0000FF"/>
+              </a:solidFill>
+            </a:endParaRPr>
+          </a:p>
+          <a:p>
             <a:pPr eaLnBrk="1" hangingPunct="1">
               <a:lnSpc>
                 <a:spcPct val="90000"/>
@@ -8511,8 +8986,24 @@
               <a:buNone/>
             </a:pPr>
             <a:r>
+              <a:rPr lang="en-US" sz="5400" dirty="0" smtClean="0"/>
+              <a:t>Rank </a:t>
+            </a:r>
+            <a:r>
+              <a:rPr lang="en-US" sz="5400" dirty="0" smtClean="0">
+                <a:solidFill>
+                  <a:srgbClr val="0000FF"/>
+                </a:solidFill>
+              </a:rPr>
+              <a:t>V</a:t>
+            </a:r>
+            <a:r>
+              <a:rPr lang="en-US" sz="5400" dirty="0" smtClean="0"/>
+              <a:t> </a:t>
+            </a:r>
+            <a:r>
               <a:rPr lang="en-US" sz="5400" dirty="0"/>
-              <a:t>Rank </a:t>
+              <a:t>above</a:t>
             </a:r>
             <a:r>
               <a:rPr lang="en-US" sz="5400" dirty="0">
@@ -8520,24 +9011,30 @@
                   <a:srgbClr val="0000FF"/>
                 </a:solidFill>
               </a:rPr>
-              <a:t>u</a:t>
-            </a:r>
-            <a:r>
-              <a:rPr lang="en-US" sz="5400" dirty="0"/>
-              <a:t> above</a:t>
-            </a:r>
-            <a:r>
-              <a:rPr lang="en-US" sz="5400" dirty="0">
+              <a:t> </a:t>
+            </a:r>
+            <a:r>
+              <a:rPr lang="en-US" sz="5400" dirty="0" smtClean="0">
                 <a:solidFill>
                   <a:srgbClr val="0000FF"/>
                 </a:solidFill>
               </a:rPr>
-              <a:t> v</a:t>
-            </a:r>
-            <a:r>
-              <a:rPr lang="en-US" sz="5400" dirty="0"/>
-              <a:t> if </a:t>
-            </a:r>
+              <a:t>W</a:t>
+            </a:r>
+            <a:r>
+              <a:rPr lang="en-US" sz="5400" dirty="0" smtClean="0"/>
+              <a:t> when</a:t>
+            </a:r>
+            <a:endParaRPr lang="en-US" sz="5400" dirty="0"/>
+          </a:p>
+          <a:p>
+            <a:pPr algn="ctr" eaLnBrk="1" hangingPunct="1">
+              <a:lnSpc>
+                <a:spcPct val="90000"/>
+              </a:lnSpc>
+              <a:buFontTx/>
+              <a:buNone/>
+            </a:pPr>
             <a:r>
               <a:rPr lang="en-US" sz="5400" dirty="0" err="1" smtClean="0">
                 <a:solidFill>
@@ -8552,7 +9049,7 @@
                   <a:srgbClr val="0000FF"/>
                 </a:solidFill>
               </a:rPr>
-              <a:t>u</a:t>
+              <a:t>V</a:t>
             </a:r>
             <a:r>
               <a:rPr lang="en-US" sz="5400" dirty="0" smtClean="0">
@@ -8565,7 +9062,7 @@
             <a:r>
               <a:rPr lang="en-US" sz="5400" b="1" dirty="0">
                 <a:solidFill>
-                  <a:schemeClr val="accent2"/>
+                  <a:srgbClr val="0000FF"/>
                 </a:solidFill>
                 <a:latin typeface="Euclid Symbol" charset="2"/>
                 <a:cs typeface="Euclid Symbol" charset="2"/>
@@ -8594,12 +9091,9 @@
                   <a:srgbClr val="0000FF"/>
                 </a:solidFill>
               </a:rPr>
-              <a:t>v</a:t>
-            </a:r>
-            <a:r>
-              <a:rPr lang="en-US" sz="5400" dirty="0"/>
-              <a:t>.</a:t>
-            </a:r>
+              <a:t>W</a:t>
+            </a:r>
+            <a:endParaRPr lang="en-US" sz="5400" dirty="0"/>
           </a:p>
         </p:txBody>
       </p:sp>
@@ -8650,15 +9144,97 @@
             </a:pPr>
             <a:r>
               <a:rPr lang="en-US" dirty="0" smtClean="0"/>
-              <a:t>Albert R Meyer,               December 6, 2013</a:t>
+              <a:t>Albert R Meyer,               December </a:t>
+            </a:r>
+            <a:r>
+              <a:rPr lang="en-US" dirty="0" smtClean="0"/>
+              <a:t>11, 2013</a:t>
             </a:r>
             <a:endParaRPr lang="en-US" dirty="0"/>
           </a:p>
         </p:txBody>
       </p:sp>
+      <p:grpSp>
+        <p:nvGrpSpPr>
+          <p:cNvPr id="6" name="Group 5"/>
+          <p:cNvGrpSpPr/>
+          <p:nvPr/>
+        </p:nvGrpSpPr>
+        <p:grpSpPr>
+          <a:xfrm>
+            <a:off x="7772400" y="1981200"/>
+            <a:ext cx="559243" cy="1015663"/>
+            <a:chOff x="7236844" y="3657600"/>
+            <a:chExt cx="559243" cy="1015663"/>
+          </a:xfrm>
+        </p:grpSpPr>
+        <p:sp>
+          <p:nvSpPr>
+            <p:cNvPr id="9" name="TextBox 8"/>
+            <p:cNvSpPr txBox="1"/>
+            <p:nvPr/>
+          </p:nvSpPr>
+          <p:spPr>
+            <a:xfrm>
+              <a:off x="7236844" y="3657600"/>
+              <a:ext cx="559243" cy="1015663"/>
+            </a:xfrm>
+            <a:prstGeom prst="rect">
+              <a:avLst/>
+            </a:prstGeom>
+            <a:noFill/>
+          </p:spPr>
+          <p:txBody>
+            <a:bodyPr wrap="none" rtlCol="0">
+              <a:spAutoFit/>
+            </a:bodyPr>
+            <a:lstStyle/>
+            <a:p>
+              <a:r>
+                <a:rPr lang="en-US" sz="6000" dirty="0">
+                  <a:solidFill>
+                    <a:srgbClr val="0000FF"/>
+                  </a:solidFill>
+                </a:rPr>
+                <a:t>s</a:t>
+              </a:r>
+              <a:endParaRPr lang="en-US" sz="6000" dirty="0"/>
+            </a:p>
+          </p:txBody>
+        </p:sp>
+        <p:cxnSp>
+          <p:nvCxnSpPr>
+            <p:cNvPr id="10" name="Straight Arrow Connector 9"/>
+            <p:cNvCxnSpPr/>
+            <p:nvPr/>
+          </p:nvCxnSpPr>
+          <p:spPr bwMode="auto">
+            <a:xfrm>
+              <a:off x="7389244" y="3886200"/>
+              <a:ext cx="381000" cy="0"/>
+            </a:xfrm>
+            <a:prstGeom prst="straightConnector1">
+              <a:avLst/>
+            </a:prstGeom>
+            <a:solidFill>
+              <a:schemeClr val="accent1"/>
+            </a:solidFill>
+            <a:ln w="38100" cap="flat" cmpd="sng" algn="ctr">
+              <a:solidFill>
+                <a:srgbClr val="0000FF"/>
+              </a:solidFill>
+              <a:prstDash val="solid"/>
+              <a:round/>
+              <a:headEnd type="none" w="med" len="med"/>
+              <a:tailEnd type="arrow" w="sm" len="sm"/>
+            </a:ln>
+            <a:effectLst/>
+          </p:spPr>
+        </p:cxnSp>
+      </p:grpSp>
       <p:sp>
         <p:nvSpPr>
-          <p:cNvPr id="8" name="Rectangle 2"/>
+          <p:cNvPr id="11" name="Rectangle 2"/>
           <p:cNvSpPr>
             <a:spLocks noGrp="1" noChangeArrowheads="1"/>
           </p:cNvSpPr>
@@ -8669,7 +9245,7 @@
         <p:spPr>
           <a:xfrm>
             <a:off x="1519238" y="301625"/>
-            <a:ext cx="7015162" cy="993775"/>
+            <a:ext cx="5872162" cy="993775"/>
           </a:xfrm>
         </p:spPr>
         <p:txBody>
@@ -8678,10 +9254,18 @@
           <a:p>
             <a:pPr eaLnBrk="1" hangingPunct="1"/>
             <a:r>
-              <a:rPr lang="en-US" dirty="0" smtClean="0"/>
+              <a:rPr lang="en-US" sz="5400" b="0" dirty="0" smtClean="0">
+                <a:solidFill>
+                  <a:srgbClr val="0000FF"/>
+                </a:solidFill>
+              </a:rPr>
               <a:t>PageRank</a:t>
             </a:r>
-            <a:endParaRPr lang="en-US" dirty="0"/>
+            <a:endParaRPr lang="en-US" sz="5400" b="0" dirty="0">
+              <a:solidFill>
+                <a:srgbClr val="0000FF"/>
+              </a:solidFill>
+            </a:endParaRPr>
           </a:p>
         </p:txBody>
       </p:sp>
@@ -8695,7 +9279,7 @@
   <p:clrMapOvr>
     <a:masterClrMapping/>
   </p:clrMapOvr>
-  <p:transition xmlns:p14="http://schemas.microsoft.com/office/powerpoint/2010/main" spd="slow">
+  <p:transition xmlns:p14="http://schemas.microsoft.com/office/powerpoint/2010/main" spd="slow" advClick="0">
     <p:fade thruBlk="1"/>
   </p:transition>
   <p:timing>
@@ -8719,7 +9303,7 @@
                             </p:stCondLst>
                             <p:childTnLst>
                               <p:par>
-                                <p:cTn id="5" presetID="9" presetClass="entr" presetSubtype="0" fill="hold" grpId="0" nodeType="clickEffect">
+                                <p:cTn id="5" presetID="10" presetClass="entr" presetSubtype="0" fill="hold" grpId="0" nodeType="clickEffect">
                                   <p:stCondLst>
                                     <p:cond delay="0"/>
                                   </p:stCondLst>
@@ -8727,67 +9311,6 @@
                                     <p:set>
                                       <p:cBhvr>
                                         <p:cTn id="6" dur="1" fill="hold">
-                                          <p:stCondLst>
-                                            <p:cond delay="0"/>
-                                          </p:stCondLst>
-                                        </p:cTn>
-                                        <p:tgtEl>
-                                          <p:spTgt spid="22534">
-                                            <p:txEl>
-                                              <p:pRg st="0" end="0"/>
-                                            </p:txEl>
-                                          </p:spTgt>
-                                        </p:tgtEl>
-                                        <p:attrNameLst>
-                                          <p:attrName>style.visibility</p:attrName>
-                                        </p:attrNameLst>
-                                      </p:cBhvr>
-                                      <p:to>
-                                        <p:strVal val="visible"/>
-                                      </p:to>
-                                    </p:set>
-                                    <p:animEffect transition="in" filter="dissolve">
-                                      <p:cBhvr>
-                                        <p:cTn id="7" dur="500"/>
-                                        <p:tgtEl>
-                                          <p:spTgt spid="22534">
-                                            <p:txEl>
-                                              <p:pRg st="0" end="0"/>
-                                            </p:txEl>
-                                          </p:spTgt>
-                                        </p:tgtEl>
-                                      </p:cBhvr>
-                                    </p:animEffect>
-                                  </p:childTnLst>
-                                </p:cTn>
-                              </p:par>
-                            </p:childTnLst>
-                          </p:cTn>
-                        </p:par>
-                      </p:childTnLst>
-                    </p:cTn>
-                  </p:par>
-                  <p:par>
-                    <p:cTn id="8" fill="hold">
-                      <p:stCondLst>
-                        <p:cond delay="indefinite"/>
-                      </p:stCondLst>
-                      <p:childTnLst>
-                        <p:par>
-                          <p:cTn id="9" fill="hold">
-                            <p:stCondLst>
-                              <p:cond delay="0"/>
-                            </p:stCondLst>
-                            <p:childTnLst>
-                              <p:par>
-                                <p:cTn id="10" presetID="9" presetClass="entr" presetSubtype="0" fill="hold" grpId="0" nodeType="clickEffect">
-                                  <p:stCondLst>
-                                    <p:cond delay="0"/>
-                                  </p:stCondLst>
-                                  <p:childTnLst>
-                                    <p:set>
-                                      <p:cBhvr>
-                                        <p:cTn id="11" dur="1" fill="hold">
                                           <p:stCondLst>
                                             <p:cond delay="0"/>
                                           </p:stCondLst>
@@ -8807,15 +9330,50 @@
                                         <p:strVal val="visible"/>
                                       </p:to>
                                     </p:set>
-                                    <p:animEffect transition="in" filter="dissolve">
+                                    <p:animEffect transition="in" filter="fade">
                                       <p:cBhvr>
-                                        <p:cTn id="12" dur="500"/>
+                                        <p:cTn id="7" dur="500"/>
                                         <p:tgtEl>
                                           <p:spTgt spid="22534">
                                             <p:txEl>
                                               <p:pRg st="1" end="1"/>
                                             </p:txEl>
                                           </p:spTgt>
+                                        </p:tgtEl>
+                                      </p:cBhvr>
+                                    </p:animEffect>
+                                  </p:childTnLst>
+                                </p:cTn>
+                              </p:par>
+                              <p:par>
+                                <p:cTn id="8" presetID="10" presetClass="entr" presetSubtype="0" fill="hold" nodeType="withEffect">
+                                  <p:stCondLst>
+                                    <p:cond delay="0"/>
+                                  </p:stCondLst>
+                                  <p:childTnLst>
+                                    <p:set>
+                                      <p:cBhvr>
+                                        <p:cTn id="9" dur="1" fill="hold">
+                                          <p:stCondLst>
+                                            <p:cond delay="0"/>
+                                          </p:stCondLst>
+                                        </p:cTn>
+                                        <p:tgtEl>
+                                          <p:spTgt spid="6"/>
+                                        </p:tgtEl>
+                                        <p:attrNameLst>
+                                          <p:attrName>style.visibility</p:attrName>
+                                        </p:attrNameLst>
+                                      </p:cBhvr>
+                                      <p:to>
+                                        <p:strVal val="visible"/>
+                                      </p:to>
+                                    </p:set>
+                                    <p:animEffect transition="in" filter="fade">
+                                      <p:cBhvr>
+                                        <p:cTn id="10" dur="1000"/>
+                                        <p:tgtEl>
+                                          <p:spTgt spid="6"/>
                                         </p:tgtEl>
                                       </p:cBhvr>
                                     </p:animEffect>
@@ -8829,26 +9387,26 @@
                     </p:cTn>
                   </p:par>
                   <p:par>
-                    <p:cTn id="13" fill="hold">
+                    <p:cTn id="11" fill="hold">
                       <p:stCondLst>
                         <p:cond delay="indefinite"/>
                       </p:stCondLst>
                       <p:childTnLst>
                         <p:par>
-                          <p:cTn id="14" fill="hold">
+                          <p:cTn id="12" fill="hold">
                             <p:stCondLst>
                               <p:cond delay="0"/>
                             </p:stCondLst>
                             <p:childTnLst>
                               <p:par>
-                                <p:cTn id="15" presetID="9" presetClass="entr" presetSubtype="0" fill="hold" grpId="0" nodeType="clickEffect">
+                                <p:cTn id="13" presetID="10" presetClass="entr" presetSubtype="0" fill="hold" grpId="0" nodeType="clickEffect">
                                   <p:stCondLst>
                                     <p:cond delay="0"/>
                                   </p:stCondLst>
                                   <p:childTnLst>
                                     <p:set>
                                       <p:cBhvr>
-                                        <p:cTn id="16" dur="1" fill="hold">
+                                        <p:cTn id="14" dur="1" fill="hold">
                                           <p:stCondLst>
                                             <p:cond delay="0"/>
                                           </p:stCondLst>
@@ -8868,13 +9426,135 @@
                                         <p:strVal val="visible"/>
                                       </p:to>
                                     </p:set>
-                                    <p:animEffect transition="in" filter="dissolve">
+                                    <p:animEffect transition="in" filter="fade">
                                       <p:cBhvr>
-                                        <p:cTn id="17" dur="500"/>
+                                        <p:cTn id="15" dur="500"/>
                                         <p:tgtEl>
                                           <p:spTgt spid="22534">
                                             <p:txEl>
                                               <p:pRg st="2" end="2"/>
+                                            </p:txEl>
+                                          </p:spTgt>
+                                        </p:tgtEl>
+                                      </p:cBhvr>
+                                    </p:animEffect>
+                                  </p:childTnLst>
+                                </p:cTn>
+                              </p:par>
+                            </p:childTnLst>
+                          </p:cTn>
+                        </p:par>
+                      </p:childTnLst>
+                    </p:cTn>
+                  </p:par>
+                  <p:par>
+                    <p:cTn id="16" fill="hold">
+                      <p:stCondLst>
+                        <p:cond delay="indefinite"/>
+                      </p:stCondLst>
+                      <p:childTnLst>
+                        <p:par>
+                          <p:cTn id="17" fill="hold">
+                            <p:stCondLst>
+                              <p:cond delay="0"/>
+                            </p:stCondLst>
+                            <p:childTnLst>
+                              <p:par>
+                                <p:cTn id="18" presetID="10" presetClass="entr" presetSubtype="0" fill="hold" grpId="0" nodeType="clickEffect">
+                                  <p:stCondLst>
+                                    <p:cond delay="0"/>
+                                  </p:stCondLst>
+                                  <p:childTnLst>
+                                    <p:set>
+                                      <p:cBhvr>
+                                        <p:cTn id="19" dur="1" fill="hold">
+                                          <p:stCondLst>
+                                            <p:cond delay="0"/>
+                                          </p:stCondLst>
+                                        </p:cTn>
+                                        <p:tgtEl>
+                                          <p:spTgt spid="22534">
+                                            <p:txEl>
+                                              <p:pRg st="3" end="3"/>
+                                            </p:txEl>
+                                          </p:spTgt>
+                                        </p:tgtEl>
+                                        <p:attrNameLst>
+                                          <p:attrName>style.visibility</p:attrName>
+                                        </p:attrNameLst>
+                                      </p:cBhvr>
+                                      <p:to>
+                                        <p:strVal val="visible"/>
+                                      </p:to>
+                                    </p:set>
+                                    <p:animEffect transition="in" filter="fade">
+                                      <p:cBhvr>
+                                        <p:cTn id="20" dur="500"/>
+                                        <p:tgtEl>
+                                          <p:spTgt spid="22534">
+                                            <p:txEl>
+                                              <p:pRg st="3" end="3"/>
+                                            </p:txEl>
+                                          </p:spTgt>
+                                        </p:tgtEl>
+                                      </p:cBhvr>
+                                    </p:animEffect>
+                                  </p:childTnLst>
+                                </p:cTn>
+                              </p:par>
+                            </p:childTnLst>
+                          </p:cTn>
+                        </p:par>
+                      </p:childTnLst>
+                    </p:cTn>
+                  </p:par>
+                  <p:par>
+                    <p:cTn id="21" fill="hold">
+                      <p:stCondLst>
+                        <p:cond delay="indefinite"/>
+                      </p:stCondLst>
+                      <p:childTnLst>
+                        <p:par>
+                          <p:cTn id="22" fill="hold">
+                            <p:stCondLst>
+                              <p:cond delay="0"/>
+                            </p:stCondLst>
+                            <p:childTnLst>
+                              <p:par>
+                                <p:cTn id="23" presetID="10" presetClass="entr" presetSubtype="0" fill="hold" grpId="0" nodeType="clickEffect">
+                                  <p:stCondLst>
+                                    <p:cond delay="0"/>
+                                  </p:stCondLst>
+                                  <p:childTnLst>
+                                    <p:set>
+                                      <p:cBhvr>
+                                        <p:cTn id="24" dur="1" fill="hold">
+                                          <p:stCondLst>
+                                            <p:cond delay="0"/>
+                                          </p:stCondLst>
+                                        </p:cTn>
+                                        <p:tgtEl>
+                                          <p:spTgt spid="22534">
+                                            <p:txEl>
+                                              <p:pRg st="4" end="4"/>
+                                            </p:txEl>
+                                          </p:spTgt>
+                                        </p:tgtEl>
+                                        <p:attrNameLst>
+                                          <p:attrName>style.visibility</p:attrName>
+                                        </p:attrNameLst>
+                                      </p:cBhvr>
+                                      <p:to>
+                                        <p:strVal val="visible"/>
+                                      </p:to>
+                                    </p:set>
+                                    <p:animEffect transition="in" filter="fade">
+                                      <p:cBhvr>
+                                        <p:cTn id="25" dur="500"/>
+                                        <p:tgtEl>
+                                          <p:spTgt spid="22534">
+                                            <p:txEl>
+                                              <p:pRg st="4" end="4"/>
                                             </p:txEl>
                                           </p:spTgt>
                                         </p:tgtEl>
@@ -8959,15 +9639,7 @@
             </a:pPr>
             <a:r>
               <a:rPr lang="en-US" sz="4400" dirty="0" smtClean="0"/>
-              <a:t>* Creating </a:t>
-            </a:r>
-            <a:r>
-              <a:rPr lang="en-US" sz="4400" dirty="0" smtClean="0"/>
-              <a:t>fake nodes </a:t>
-            </a:r>
-            <a:r>
-              <a:rPr lang="en-US" sz="4400" dirty="0" smtClean="0"/>
-              <a:t>   </a:t>
+              <a:t>* Creating fake nodes    </a:t>
             </a:r>
           </a:p>
           <a:p>
@@ -8980,15 +9652,7 @@
             </a:r>
             <a:r>
               <a:rPr lang="en-US" sz="4400" dirty="0" smtClean="0"/>
-              <a:t>   </a:t>
-            </a:r>
-            <a:r>
-              <a:rPr lang="en-US" sz="4400" dirty="0" smtClean="0"/>
-              <a:t>pointing </a:t>
-            </a:r>
-            <a:r>
-              <a:rPr lang="en-US" sz="4400" dirty="0" smtClean="0"/>
-              <a:t>to self</a:t>
+              <a:t>   pointing to self</a:t>
             </a:r>
           </a:p>
           <a:p>
@@ -8997,11 +9661,7 @@
             </a:pPr>
             <a:r>
               <a:rPr lang="en-US" sz="4400" dirty="0" smtClean="0"/>
-              <a:t>* A</a:t>
-            </a:r>
-            <a:r>
-              <a:rPr lang="en-US" sz="4400" dirty="0" smtClean="0"/>
-              <a:t>dding links to important  </a:t>
+              <a:t>* Adding links to important  </a:t>
             </a:r>
           </a:p>
           <a:p>
@@ -9014,11 +9674,7 @@
             </a:r>
             <a:r>
               <a:rPr lang="en-US" sz="4400" dirty="0" smtClean="0"/>
-              <a:t>   </a:t>
-            </a:r>
-            <a:r>
-              <a:rPr lang="en-US" sz="4400" dirty="0" smtClean="0"/>
-              <a:t>nodes</a:t>
+              <a:t>   nodes</a:t>
             </a:r>
           </a:p>
           <a:p>
@@ -9030,10 +9686,18 @@
               <a:t>won’t help improve </a:t>
             </a:r>
             <a:r>
-              <a:rPr lang="en-US" sz="4400" dirty="0" err="1" smtClean="0"/>
-              <a:t>Pagerank</a:t>
-            </a:r>
-            <a:endParaRPr lang="en-US" sz="4400" dirty="0"/>
+              <a:rPr lang="en-US" sz="4400" dirty="0" smtClean="0">
+                <a:solidFill>
+                  <a:srgbClr val="0000FF"/>
+                </a:solidFill>
+              </a:rPr>
+              <a:t>PageRank</a:t>
+            </a:r>
+            <a:endParaRPr lang="en-US" sz="4400" dirty="0">
+              <a:solidFill>
+                <a:srgbClr val="0000FF"/>
+              </a:solidFill>
+            </a:endParaRPr>
           </a:p>
         </p:txBody>
       </p:sp>
@@ -9056,8 +9720,8 @@
               <a:defRPr/>
             </a:pPr>
             <a:r>
-              <a:rPr lang="en-US" smtClean="0"/>
-              <a:t>random-walk.</a:t>
+              <a:rPr lang="en-US" dirty="0" smtClean="0"/>
+              <a:t>page-rank.</a:t>
             </a:r>
             <a:fld id="{E877D3CB-F960-BD47-98A7-06971C504846}" type="slidenum">
               <a:rPr lang="en-US" smtClean="0"/>
@@ -9066,7 +9730,7 @@
               </a:pPr>
               <a:t>8</a:t>
             </a:fld>
-            <a:endParaRPr lang="en-US" smtClean="0"/>
+            <a:endParaRPr lang="en-US" dirty="0" smtClean="0"/>
           </a:p>
           <a:p>
             <a:pPr>
@@ -9127,7 +9791,6 @@
               <a:rPr lang="en-US" dirty="0"/>
               <a:t>Resistance to scamming</a:t>
             </a:r>
-            <a:endParaRPr lang="en-US" dirty="0"/>
           </a:p>
         </p:txBody>
       </p:sp>
@@ -9141,18 +9804,1541 @@
   <p:clrMapOvr>
     <a:masterClrMapping/>
   </p:clrMapOvr>
-  <mc:AlternateContent xmlns:mc="http://schemas.openxmlformats.org/markup-compatibility/2006">
-    <mc:Choice xmlns:p14="http://schemas.microsoft.com/office/powerpoint/2010/main" Requires="p14">
-      <p:transition spd="slow" p14:dur="2000"/>
+  <mc:AlternateContent xmlns:mc="http://schemas.openxmlformats.org/markup-compatibility/2006" xmlns:p14="http://schemas.microsoft.com/office/powerpoint/2010/main">
+    <mc:Choice Requires="p14">
+      <p:transition spd="med" p14:dur="700" advClick="0">
+        <p:fade/>
+      </p:transition>
     </mc:Choice>
-    <mc:Fallback>
-      <p:transition xmlns:p14="http://schemas.microsoft.com/office/powerpoint/2010/main" spd="slow"/>
+    <mc:Fallback xmlns="">
+      <p:transition xmlns:p14="http://schemas.microsoft.com/office/powerpoint/2010/main" spd="med" advClick="0">
+        <p:fade/>
+      </p:transition>
     </mc:Fallback>
   </mc:AlternateContent>
   <p:timing>
     <p:tnLst>
       <p:par>
-        <p:cTn xmlns:p14="http://schemas.microsoft.com/office/powerpoint/2010/main" id="1" dur="indefinite" restart="never" nodeType="tmRoot"/>
+        <p:cTn xmlns:p14="http://schemas.microsoft.com/office/powerpoint/2010/main" id="1" dur="indefinite" restart="never" nodeType="tmRoot">
+          <p:childTnLst>
+            <p:seq concurrent="1" nextAc="seek">
+              <p:cTn id="2" dur="indefinite" nodeType="mainSeq">
+                <p:childTnLst>
+                  <p:par>
+                    <p:cTn id="3" fill="hold">
+                      <p:stCondLst>
+                        <p:cond delay="indefinite"/>
+                      </p:stCondLst>
+                      <p:childTnLst>
+                        <p:par>
+                          <p:cTn id="4" fill="hold">
+                            <p:stCondLst>
+                              <p:cond delay="0"/>
+                            </p:stCondLst>
+                            <p:childTnLst>
+                              <p:par>
+                                <p:cTn id="5" presetID="10" presetClass="entr" presetSubtype="0" fill="hold" grpId="0" nodeType="clickEffect">
+                                  <p:stCondLst>
+                                    <p:cond delay="0"/>
+                                  </p:stCondLst>
+                                  <p:childTnLst>
+                                    <p:set>
+                                      <p:cBhvr>
+                                        <p:cTn id="6" dur="1" fill="hold">
+                                          <p:stCondLst>
+                                            <p:cond delay="0"/>
+                                          </p:stCondLst>
+                                        </p:cTn>
+                                        <p:tgtEl>
+                                          <p:spTgt spid="3">
+                                            <p:txEl>
+                                              <p:pRg st="0" end="0"/>
+                                            </p:txEl>
+                                          </p:spTgt>
+                                        </p:tgtEl>
+                                        <p:attrNameLst>
+                                          <p:attrName>style.visibility</p:attrName>
+                                        </p:attrNameLst>
+                                      </p:cBhvr>
+                                      <p:to>
+                                        <p:strVal val="visible"/>
+                                      </p:to>
+                                    </p:set>
+                                    <p:animEffect transition="in" filter="fade">
+                                      <p:cBhvr>
+                                        <p:cTn id="7" dur="500"/>
+                                        <p:tgtEl>
+                                          <p:spTgt spid="3">
+                                            <p:txEl>
+                                              <p:pRg st="0" end="0"/>
+                                            </p:txEl>
+                                          </p:spTgt>
+                                        </p:tgtEl>
+                                      </p:cBhvr>
+                                    </p:animEffect>
+                                  </p:childTnLst>
+                                </p:cTn>
+                              </p:par>
+                              <p:par>
+                                <p:cTn id="8" presetID="10" presetClass="entr" presetSubtype="0" fill="hold" grpId="0" nodeType="withEffect">
+                                  <p:stCondLst>
+                                    <p:cond delay="0"/>
+                                  </p:stCondLst>
+                                  <p:childTnLst>
+                                    <p:set>
+                                      <p:cBhvr>
+                                        <p:cTn id="9" dur="1" fill="hold">
+                                          <p:stCondLst>
+                                            <p:cond delay="0"/>
+                                          </p:stCondLst>
+                                        </p:cTn>
+                                        <p:tgtEl>
+                                          <p:spTgt spid="3">
+                                            <p:txEl>
+                                              <p:pRg st="1" end="1"/>
+                                            </p:txEl>
+                                          </p:spTgt>
+                                        </p:tgtEl>
+                                        <p:attrNameLst>
+                                          <p:attrName>style.visibility</p:attrName>
+                                        </p:attrNameLst>
+                                      </p:cBhvr>
+                                      <p:to>
+                                        <p:strVal val="visible"/>
+                                      </p:to>
+                                    </p:set>
+                                    <p:animEffect transition="in" filter="fade">
+                                      <p:cBhvr>
+                                        <p:cTn id="10" dur="500"/>
+                                        <p:tgtEl>
+                                          <p:spTgt spid="3">
+                                            <p:txEl>
+                                              <p:pRg st="1" end="1"/>
+                                            </p:txEl>
+                                          </p:spTgt>
+                                        </p:tgtEl>
+                                      </p:cBhvr>
+                                    </p:animEffect>
+                                  </p:childTnLst>
+                                </p:cTn>
+                              </p:par>
+                            </p:childTnLst>
+                          </p:cTn>
+                        </p:par>
+                      </p:childTnLst>
+                    </p:cTn>
+                  </p:par>
+                  <p:par>
+                    <p:cTn id="11" fill="hold">
+                      <p:stCondLst>
+                        <p:cond delay="indefinite"/>
+                      </p:stCondLst>
+                      <p:childTnLst>
+                        <p:par>
+                          <p:cTn id="12" fill="hold">
+                            <p:stCondLst>
+                              <p:cond delay="0"/>
+                            </p:stCondLst>
+                            <p:childTnLst>
+                              <p:par>
+                                <p:cTn id="13" presetID="10" presetClass="entr" presetSubtype="0" fill="hold" grpId="0" nodeType="clickEffect">
+                                  <p:stCondLst>
+                                    <p:cond delay="0"/>
+                                  </p:stCondLst>
+                                  <p:childTnLst>
+                                    <p:set>
+                                      <p:cBhvr>
+                                        <p:cTn id="14" dur="1" fill="hold">
+                                          <p:stCondLst>
+                                            <p:cond delay="0"/>
+                                          </p:stCondLst>
+                                        </p:cTn>
+                                        <p:tgtEl>
+                                          <p:spTgt spid="3">
+                                            <p:txEl>
+                                              <p:pRg st="2" end="2"/>
+                                            </p:txEl>
+                                          </p:spTgt>
+                                        </p:tgtEl>
+                                        <p:attrNameLst>
+                                          <p:attrName>style.visibility</p:attrName>
+                                        </p:attrNameLst>
+                                      </p:cBhvr>
+                                      <p:to>
+                                        <p:strVal val="visible"/>
+                                      </p:to>
+                                    </p:set>
+                                    <p:animEffect transition="in" filter="fade">
+                                      <p:cBhvr>
+                                        <p:cTn id="15" dur="500"/>
+                                        <p:tgtEl>
+                                          <p:spTgt spid="3">
+                                            <p:txEl>
+                                              <p:pRg st="2" end="2"/>
+                                            </p:txEl>
+                                          </p:spTgt>
+                                        </p:tgtEl>
+                                      </p:cBhvr>
+                                    </p:animEffect>
+                                  </p:childTnLst>
+                                </p:cTn>
+                              </p:par>
+                              <p:par>
+                                <p:cTn id="16" presetID="10" presetClass="entr" presetSubtype="0" fill="hold" grpId="0" nodeType="withEffect">
+                                  <p:stCondLst>
+                                    <p:cond delay="0"/>
+                                  </p:stCondLst>
+                                  <p:childTnLst>
+                                    <p:set>
+                                      <p:cBhvr>
+                                        <p:cTn id="17" dur="1" fill="hold">
+                                          <p:stCondLst>
+                                            <p:cond delay="0"/>
+                                          </p:stCondLst>
+                                        </p:cTn>
+                                        <p:tgtEl>
+                                          <p:spTgt spid="3">
+                                            <p:txEl>
+                                              <p:pRg st="3" end="3"/>
+                                            </p:txEl>
+                                          </p:spTgt>
+                                        </p:tgtEl>
+                                        <p:attrNameLst>
+                                          <p:attrName>style.visibility</p:attrName>
+                                        </p:attrNameLst>
+                                      </p:cBhvr>
+                                      <p:to>
+                                        <p:strVal val="visible"/>
+                                      </p:to>
+                                    </p:set>
+                                    <p:animEffect transition="in" filter="fade">
+                                      <p:cBhvr>
+                                        <p:cTn id="18" dur="500"/>
+                                        <p:tgtEl>
+                                          <p:spTgt spid="3">
+                                            <p:txEl>
+                                              <p:pRg st="3" end="3"/>
+                                            </p:txEl>
+                                          </p:spTgt>
+                                        </p:tgtEl>
+                                      </p:cBhvr>
+                                    </p:animEffect>
+                                  </p:childTnLst>
+                                </p:cTn>
+                              </p:par>
+                            </p:childTnLst>
+                          </p:cTn>
+                        </p:par>
+                      </p:childTnLst>
+                    </p:cTn>
+                  </p:par>
+                  <p:par>
+                    <p:cTn id="19" fill="hold">
+                      <p:stCondLst>
+                        <p:cond delay="indefinite"/>
+                      </p:stCondLst>
+                      <p:childTnLst>
+                        <p:par>
+                          <p:cTn id="20" fill="hold">
+                            <p:stCondLst>
+                              <p:cond delay="0"/>
+                            </p:stCondLst>
+                            <p:childTnLst>
+                              <p:par>
+                                <p:cTn id="21" presetID="10" presetClass="entr" presetSubtype="0" fill="hold" grpId="0" nodeType="clickEffect">
+                                  <p:stCondLst>
+                                    <p:cond delay="0"/>
+                                  </p:stCondLst>
+                                  <p:childTnLst>
+                                    <p:set>
+                                      <p:cBhvr>
+                                        <p:cTn id="22" dur="1" fill="hold">
+                                          <p:stCondLst>
+                                            <p:cond delay="0"/>
+                                          </p:stCondLst>
+                                        </p:cTn>
+                                        <p:tgtEl>
+                                          <p:spTgt spid="3">
+                                            <p:txEl>
+                                              <p:pRg st="4" end="4"/>
+                                            </p:txEl>
+                                          </p:spTgt>
+                                        </p:tgtEl>
+                                        <p:attrNameLst>
+                                          <p:attrName>style.visibility</p:attrName>
+                                        </p:attrNameLst>
+                                      </p:cBhvr>
+                                      <p:to>
+                                        <p:strVal val="visible"/>
+                                      </p:to>
+                                    </p:set>
+                                    <p:animEffect transition="in" filter="fade">
+                                      <p:cBhvr>
+                                        <p:cTn id="23" dur="500"/>
+                                        <p:tgtEl>
+                                          <p:spTgt spid="3">
+                                            <p:txEl>
+                                              <p:pRg st="4" end="4"/>
+                                            </p:txEl>
+                                          </p:spTgt>
+                                        </p:tgtEl>
+                                      </p:cBhvr>
+                                    </p:animEffect>
+                                  </p:childTnLst>
+                                </p:cTn>
+                              </p:par>
+                            </p:childTnLst>
+                          </p:cTn>
+                        </p:par>
+                      </p:childTnLst>
+                    </p:cTn>
+                  </p:par>
+                </p:childTnLst>
+              </p:cTn>
+              <p:prevCondLst>
+                <p:cond evt="onPrev" delay="0">
+                  <p:tgtEl>
+                    <p:sldTgt/>
+                  </p:tgtEl>
+                </p:cond>
+              </p:prevCondLst>
+              <p:nextCondLst>
+                <p:cond evt="onNext" delay="0">
+                  <p:tgtEl>
+                    <p:sldTgt/>
+                  </p:tgtEl>
+                </p:cond>
+              </p:nextCondLst>
+            </p:seq>
+          </p:childTnLst>
+        </p:cTn>
+      </p:par>
+    </p:tnLst>
+    <p:bldLst>
+      <p:bldP spid="3" grpId="0" build="p"/>
+    </p:bldLst>
+  </p:timing>
+</p:sld>
+</file>
+
+<file path=ppt/slides/slide9.xml><?xml version="1.0" encoding="utf-8"?>
+<p:sld xmlns:a="http://schemas.openxmlformats.org/drawingml/2006/main" xmlns:r="http://schemas.openxmlformats.org/officeDocument/2006/relationships" xmlns:p="http://schemas.openxmlformats.org/presentationml/2006/main">
+  <p:cSld>
+    <p:spTree>
+      <p:nvGrpSpPr>
+        <p:cNvPr id="1" name=""/>
+        <p:cNvGrpSpPr/>
+        <p:nvPr/>
+      </p:nvGrpSpPr>
+      <p:grpSpPr>
+        <a:xfrm>
+          <a:off x="0" y="0"/>
+          <a:ext cx="0" cy="0"/>
+          <a:chOff x="0" y="0"/>
+          <a:chExt cx="0" cy="0"/>
+        </a:xfrm>
+      </p:grpSpPr>
+      <p:sp>
+        <p:nvSpPr>
+          <p:cNvPr id="6" name="TextBox 5"/>
+          <p:cNvSpPr txBox="1"/>
+          <p:nvPr/>
+        </p:nvSpPr>
+        <p:spPr>
+          <a:xfrm>
+            <a:off x="228600" y="990600"/>
+            <a:ext cx="8534400" cy="4967513"/>
+          </a:xfrm>
+          <a:prstGeom prst="rect">
+            <a:avLst/>
+          </a:prstGeom>
+          <a:noFill/>
+        </p:spPr>
+        <p:txBody>
+          <a:bodyPr wrap="square" rtlCol="0">
+            <a:spAutoFit/>
+          </a:bodyPr>
+          <a:lstStyle/>
+          <a:p>
+            <a:r>
+              <a:rPr lang="en-US" sz="4400" dirty="0" smtClean="0"/>
+              <a:t>ensures</a:t>
+            </a:r>
+            <a:endParaRPr lang="en-US" sz="4400" dirty="0"/>
+          </a:p>
+          <a:p>
+            <a:r>
+              <a:rPr lang="en-US" sz="4400" dirty="0" smtClean="0"/>
+              <a:t> * </a:t>
+            </a:r>
+            <a:r>
+              <a:rPr lang="en-US" sz="4400" dirty="0" smtClean="0">
+                <a:solidFill>
+                  <a:srgbClr val="008000"/>
+                </a:solidFill>
+              </a:rPr>
+              <a:t>unique</a:t>
+            </a:r>
+            <a:r>
+              <a:rPr lang="en-US" sz="4400" dirty="0" smtClean="0"/>
+              <a:t> stable distribution</a:t>
+            </a:r>
+          </a:p>
+          <a:p>
+            <a:r>
+              <a:rPr lang="en-US" sz="4400" dirty="0"/>
+              <a:t> </a:t>
+            </a:r>
+            <a:r>
+              <a:rPr lang="en-US" sz="4400" dirty="0" smtClean="0"/>
+              <a:t>* </a:t>
+            </a:r>
+            <a:r>
+              <a:rPr lang="en-US" sz="4400" dirty="0" smtClean="0">
+                <a:solidFill>
+                  <a:srgbClr val="008000"/>
+                </a:solidFill>
+              </a:rPr>
+              <a:t>every</a:t>
+            </a:r>
+            <a:r>
+              <a:rPr lang="en-US" sz="4400" dirty="0" smtClean="0"/>
+              <a:t> initial distribution</a:t>
+            </a:r>
+          </a:p>
+          <a:p>
+            <a:pPr>
+              <a:lnSpc>
+                <a:spcPct val="80000"/>
+              </a:lnSpc>
+            </a:pPr>
+            <a:r>
+              <a:rPr lang="en-US" sz="4400" dirty="0" smtClean="0"/>
+              <a:t>     </a:t>
+            </a:r>
+            <a:r>
+              <a:rPr lang="en-US" sz="4400" dirty="0" smtClean="0">
+                <a:solidFill>
+                  <a:srgbClr val="008000"/>
+                </a:solidFill>
+              </a:rPr>
+              <a:t>converges</a:t>
+            </a:r>
+            <a:r>
+              <a:rPr lang="en-US" sz="4400" dirty="0" smtClean="0"/>
+              <a:t> to</a:t>
+            </a:r>
+          </a:p>
+          <a:p>
+            <a:pPr>
+              <a:lnSpc>
+                <a:spcPct val="80000"/>
+              </a:lnSpc>
+            </a:pPr>
+            <a:endParaRPr lang="en-US" sz="4400" dirty="0"/>
+          </a:p>
+          <a:p>
+            <a:pPr>
+              <a:lnSpc>
+                <a:spcPct val="80000"/>
+              </a:lnSpc>
+            </a:pPr>
+            <a:endParaRPr lang="en-US" sz="4400" dirty="0" smtClean="0"/>
+          </a:p>
+          <a:p>
+            <a:pPr>
+              <a:lnSpc>
+                <a:spcPct val="80000"/>
+              </a:lnSpc>
+            </a:pPr>
+            <a:r>
+              <a:rPr lang="en-US" sz="4400" dirty="0"/>
+              <a:t> </a:t>
+            </a:r>
+            <a:r>
+              <a:rPr lang="en-US" sz="4400" dirty="0" smtClean="0"/>
+              <a:t>* convergence is rapid:</a:t>
+            </a:r>
+          </a:p>
+          <a:p>
+            <a:r>
+              <a:rPr lang="en-US" sz="4400" dirty="0" smtClean="0"/>
+              <a:t>  </a:t>
+            </a:r>
+            <a:r>
+              <a:rPr lang="en-US" sz="4400" dirty="0" smtClean="0">
+                <a:solidFill>
+                  <a:srgbClr val="FF00FF"/>
+                </a:solidFill>
+              </a:rPr>
+              <a:t>t</a:t>
+            </a:r>
+            <a:r>
+              <a:rPr lang="en-US" sz="4400" dirty="0" smtClean="0"/>
+              <a:t> is small so    easy </a:t>
+            </a:r>
+            <a:r>
+              <a:rPr lang="en-US" sz="4400" dirty="0"/>
+              <a:t>to compute </a:t>
+            </a:r>
+          </a:p>
+        </p:txBody>
+      </p:sp>
+      <p:sp>
+        <p:nvSpPr>
+          <p:cNvPr id="2" name="Title 1"/>
+          <p:cNvSpPr>
+            <a:spLocks noGrp="1"/>
+          </p:cNvSpPr>
+          <p:nvPr>
+            <p:ph type="title"/>
+          </p:nvPr>
+        </p:nvSpPr>
+        <p:spPr>
+          <a:xfrm>
+            <a:off x="1219200" y="152400"/>
+            <a:ext cx="7472362" cy="1143000"/>
+          </a:xfrm>
+        </p:spPr>
+        <p:txBody>
+          <a:bodyPr/>
+          <a:lstStyle/>
+          <a:p>
+            <a:r>
+              <a:rPr lang="en-US" dirty="0" smtClean="0"/>
+              <a:t>Importance of Super-node</a:t>
+            </a:r>
+            <a:endParaRPr lang="en-US" dirty="0"/>
+          </a:p>
+        </p:txBody>
+      </p:sp>
+      <p:sp>
+        <p:nvSpPr>
+          <p:cNvPr id="4" name="Slide Number Placeholder 3"/>
+          <p:cNvSpPr>
+            <a:spLocks noGrp="1"/>
+          </p:cNvSpPr>
+          <p:nvPr>
+            <p:ph type="sldNum" sz="quarter" idx="12"/>
+          </p:nvPr>
+        </p:nvSpPr>
+        <p:spPr/>
+        <p:txBody>
+          <a:bodyPr/>
+          <a:lstStyle/>
+          <a:p>
+            <a:pPr>
+              <a:defRPr/>
+            </a:pPr>
+            <a:r>
+              <a:rPr lang="en-US" dirty="0" smtClean="0"/>
+              <a:t>page-rank.</a:t>
+            </a:r>
+            <a:fld id="{E877D3CB-F960-BD47-98A7-06971C504846}" type="slidenum">
+              <a:rPr lang="en-US" smtClean="0"/>
+              <a:pPr>
+                <a:defRPr/>
+              </a:pPr>
+              <a:t>9</a:t>
+            </a:fld>
+            <a:endParaRPr lang="en-US" dirty="0" smtClean="0"/>
+          </a:p>
+          <a:p>
+            <a:pPr>
+              <a:defRPr/>
+            </a:pPr>
+            <a:endParaRPr lang="en-US" dirty="0"/>
+          </a:p>
+        </p:txBody>
+      </p:sp>
+      <p:sp>
+        <p:nvSpPr>
+          <p:cNvPr id="5" name="Date Placeholder 4"/>
+          <p:cNvSpPr>
+            <a:spLocks noGrp="1"/>
+          </p:cNvSpPr>
+          <p:nvPr>
+            <p:ph type="dt" sz="half" idx="2"/>
+          </p:nvPr>
+        </p:nvSpPr>
+        <p:spPr/>
+        <p:txBody>
+          <a:bodyPr/>
+          <a:lstStyle/>
+          <a:p>
+            <a:pPr>
+              <a:defRPr/>
+            </a:pPr>
+            <a:r>
+              <a:rPr lang="en-US" smtClean="0"/>
+              <a:t>Albert R Meyer,           December 11, 2013</a:t>
+            </a:r>
+            <a:endParaRPr lang="en-US" dirty="0"/>
+          </a:p>
+        </p:txBody>
+      </p:sp>
+      <p:grpSp>
+        <p:nvGrpSpPr>
+          <p:cNvPr id="7" name="Group 6"/>
+          <p:cNvGrpSpPr/>
+          <p:nvPr/>
+        </p:nvGrpSpPr>
+        <p:grpSpPr>
+          <a:xfrm>
+            <a:off x="7696200" y="1524000"/>
+            <a:ext cx="533400" cy="923330"/>
+            <a:chOff x="7236844" y="3657600"/>
+            <a:chExt cx="533400" cy="923330"/>
+          </a:xfrm>
+        </p:grpSpPr>
+        <p:sp>
+          <p:nvSpPr>
+            <p:cNvPr id="8" name="TextBox 7"/>
+            <p:cNvSpPr txBox="1"/>
+            <p:nvPr/>
+          </p:nvSpPr>
+          <p:spPr>
+            <a:xfrm>
+              <a:off x="7236844" y="3657600"/>
+              <a:ext cx="521785" cy="923330"/>
+            </a:xfrm>
+            <a:prstGeom prst="rect">
+              <a:avLst/>
+            </a:prstGeom>
+            <a:noFill/>
+          </p:spPr>
+          <p:txBody>
+            <a:bodyPr wrap="none" rtlCol="0">
+              <a:spAutoFit/>
+            </a:bodyPr>
+            <a:lstStyle/>
+            <a:p>
+              <a:r>
+                <a:rPr lang="en-US" sz="5400" dirty="0">
+                  <a:solidFill>
+                    <a:srgbClr val="0000FF"/>
+                  </a:solidFill>
+                </a:rPr>
+                <a:t>s</a:t>
+              </a:r>
+              <a:endParaRPr lang="en-US" sz="5400" dirty="0"/>
+            </a:p>
+          </p:txBody>
+        </p:sp>
+        <p:cxnSp>
+          <p:nvCxnSpPr>
+            <p:cNvPr id="9" name="Straight Arrow Connector 8"/>
+            <p:cNvCxnSpPr/>
+            <p:nvPr/>
+          </p:nvCxnSpPr>
+          <p:spPr bwMode="auto">
+            <a:xfrm>
+              <a:off x="7389244" y="3886200"/>
+              <a:ext cx="381000" cy="0"/>
+            </a:xfrm>
+            <a:prstGeom prst="straightConnector1">
+              <a:avLst/>
+            </a:prstGeom>
+            <a:solidFill>
+              <a:schemeClr val="accent1"/>
+            </a:solidFill>
+            <a:ln w="38100" cap="flat" cmpd="sng" algn="ctr">
+              <a:solidFill>
+                <a:srgbClr val="0000FF"/>
+              </a:solidFill>
+              <a:prstDash val="solid"/>
+              <a:round/>
+              <a:headEnd type="none" w="med" len="med"/>
+              <a:tailEnd type="arrow" w="sm" len="sm"/>
+            </a:ln>
+            <a:effectLst/>
+          </p:spPr>
+        </p:cxnSp>
+      </p:grpSp>
+      <p:grpSp>
+        <p:nvGrpSpPr>
+          <p:cNvPr id="10" name="Group 9"/>
+          <p:cNvGrpSpPr/>
+          <p:nvPr/>
+        </p:nvGrpSpPr>
+        <p:grpSpPr>
+          <a:xfrm>
+            <a:off x="7391400" y="2302133"/>
+            <a:ext cx="513782" cy="830997"/>
+            <a:chOff x="7236844" y="3657600"/>
+            <a:chExt cx="513782" cy="830997"/>
+          </a:xfrm>
+        </p:grpSpPr>
+        <p:sp>
+          <p:nvSpPr>
+            <p:cNvPr id="11" name="TextBox 10"/>
+            <p:cNvSpPr txBox="1"/>
+            <p:nvPr/>
+          </p:nvSpPr>
+          <p:spPr>
+            <a:xfrm>
+              <a:off x="7236844" y="3657600"/>
+              <a:ext cx="513782" cy="830997"/>
+            </a:xfrm>
+            <a:prstGeom prst="rect">
+              <a:avLst/>
+            </a:prstGeom>
+            <a:noFill/>
+          </p:spPr>
+          <p:txBody>
+            <a:bodyPr wrap="none" rtlCol="0">
+              <a:spAutoFit/>
+            </a:bodyPr>
+            <a:lstStyle/>
+            <a:p>
+              <a:r>
+                <a:rPr lang="en-US" sz="4800" dirty="0" smtClean="0">
+                  <a:solidFill>
+                    <a:srgbClr val="0000FF"/>
+                  </a:solidFill>
+                </a:rPr>
+                <a:t>p</a:t>
+              </a:r>
+              <a:endParaRPr lang="en-US" sz="4800" dirty="0"/>
+            </a:p>
+          </p:txBody>
+        </p:sp>
+        <p:cxnSp>
+          <p:nvCxnSpPr>
+            <p:cNvPr id="12" name="Straight Arrow Connector 11"/>
+            <p:cNvCxnSpPr/>
+            <p:nvPr/>
+          </p:nvCxnSpPr>
+          <p:spPr bwMode="auto">
+            <a:xfrm>
+              <a:off x="7313044" y="3886200"/>
+              <a:ext cx="381000" cy="0"/>
+            </a:xfrm>
+            <a:prstGeom prst="straightConnector1">
+              <a:avLst/>
+            </a:prstGeom>
+            <a:solidFill>
+              <a:schemeClr val="accent1"/>
+            </a:solidFill>
+            <a:ln w="38100" cap="flat" cmpd="sng" algn="ctr">
+              <a:solidFill>
+                <a:srgbClr val="0000FF"/>
+              </a:solidFill>
+              <a:prstDash val="solid"/>
+              <a:round/>
+              <a:headEnd type="none" w="med" len="med"/>
+              <a:tailEnd type="arrow" w="sm" len="sm"/>
+            </a:ln>
+            <a:effectLst/>
+          </p:spPr>
+        </p:cxnSp>
+      </p:grpSp>
+      <p:grpSp>
+        <p:nvGrpSpPr>
+          <p:cNvPr id="13" name="Group 12"/>
+          <p:cNvGrpSpPr/>
+          <p:nvPr/>
+        </p:nvGrpSpPr>
+        <p:grpSpPr>
+          <a:xfrm>
+            <a:off x="4572000" y="2810470"/>
+            <a:ext cx="533400" cy="923330"/>
+            <a:chOff x="7236844" y="3657600"/>
+            <a:chExt cx="533400" cy="923330"/>
+          </a:xfrm>
+        </p:grpSpPr>
+        <p:sp>
+          <p:nvSpPr>
+            <p:cNvPr id="14" name="TextBox 13"/>
+            <p:cNvSpPr txBox="1"/>
+            <p:nvPr/>
+          </p:nvSpPr>
+          <p:spPr>
+            <a:xfrm>
+              <a:off x="7236844" y="3657600"/>
+              <a:ext cx="521785" cy="923330"/>
+            </a:xfrm>
+            <a:prstGeom prst="rect">
+              <a:avLst/>
+            </a:prstGeom>
+            <a:noFill/>
+          </p:spPr>
+          <p:txBody>
+            <a:bodyPr wrap="none" rtlCol="0">
+              <a:spAutoFit/>
+            </a:bodyPr>
+            <a:lstStyle/>
+            <a:p>
+              <a:r>
+                <a:rPr lang="en-US" sz="5400" dirty="0">
+                  <a:solidFill>
+                    <a:srgbClr val="0000FF"/>
+                  </a:solidFill>
+                </a:rPr>
+                <a:t>s</a:t>
+              </a:r>
+              <a:endParaRPr lang="en-US" sz="5400" dirty="0"/>
+            </a:p>
+          </p:txBody>
+        </p:sp>
+        <p:cxnSp>
+          <p:nvCxnSpPr>
+            <p:cNvPr id="15" name="Straight Arrow Connector 14"/>
+            <p:cNvCxnSpPr/>
+            <p:nvPr/>
+          </p:nvCxnSpPr>
+          <p:spPr bwMode="auto">
+            <a:xfrm>
+              <a:off x="7389244" y="3886200"/>
+              <a:ext cx="381000" cy="0"/>
+            </a:xfrm>
+            <a:prstGeom prst="straightConnector1">
+              <a:avLst/>
+            </a:prstGeom>
+            <a:solidFill>
+              <a:schemeClr val="accent1"/>
+            </a:solidFill>
+            <a:ln w="38100" cap="flat" cmpd="sng" algn="ctr">
+              <a:solidFill>
+                <a:srgbClr val="0000FF"/>
+              </a:solidFill>
+              <a:prstDash val="solid"/>
+              <a:round/>
+              <a:headEnd type="none" w="med" len="med"/>
+              <a:tailEnd type="arrow" w="sm" len="sm"/>
+            </a:ln>
+            <a:effectLst/>
+          </p:spPr>
+        </p:cxnSp>
+      </p:grpSp>
+      <p:grpSp>
+        <p:nvGrpSpPr>
+          <p:cNvPr id="23" name="Group 22"/>
+          <p:cNvGrpSpPr/>
+          <p:nvPr/>
+        </p:nvGrpSpPr>
+        <p:grpSpPr>
+          <a:xfrm>
+            <a:off x="3303588" y="3124200"/>
+            <a:ext cx="3751262" cy="1600200"/>
+            <a:chOff x="2541588" y="3352800"/>
+            <a:chExt cx="3751262" cy="1600200"/>
+          </a:xfrm>
+        </p:grpSpPr>
+        <p:graphicFrame>
+          <p:nvGraphicFramePr>
+            <p:cNvPr id="17" name="Object 16"/>
+            <p:cNvGraphicFramePr>
+              <a:graphicFrameLocks noChangeAspect="1"/>
+            </p:cNvGraphicFramePr>
+            <p:nvPr>
+              <p:extLst>
+                <p:ext uri="{D42A27DB-BD31-4B8C-83A1-F6EECF244321}">
+                  <p14:modId xmlns:p14="http://schemas.microsoft.com/office/powerpoint/2010/main" val="175687491"/>
+                </p:ext>
+              </p:extLst>
+            </p:nvPr>
+          </p:nvGraphicFramePr>
+          <p:xfrm>
+            <a:off x="2541588" y="3352800"/>
+            <a:ext cx="3751262" cy="1600200"/>
+          </p:xfrm>
+          <a:graphic>
+            <a:graphicData uri="http://schemas.openxmlformats.org/presentationml/2006/ole">
+              <mc:AlternateContent xmlns:mc="http://schemas.openxmlformats.org/markup-compatibility/2006">
+                <mc:Choice xmlns:v="urn:schemas-microsoft-com:vml" Requires="v">
+                  <p:oleObj spid="_x0000_s1038" name="Equation" r:id="rId3" imgW="952500" imgH="406400" progId="Equation.DSMT4">
+                    <p:embed/>
+                  </p:oleObj>
+                </mc:Choice>
+                <mc:Fallback>
+                  <p:oleObj name="Equation" r:id="rId3" imgW="952500" imgH="406400" progId="Equation.DSMT4">
+                    <p:embed/>
+                    <p:pic>
+                      <p:nvPicPr>
+                        <p:cNvPr id="0" name=""/>
+                        <p:cNvPicPr/>
+                        <p:nvPr/>
+                      </p:nvPicPr>
+                      <p:blipFill>
+                        <a:blip r:embed="rId4"/>
+                        <a:stretch>
+                          <a:fillRect/>
+                        </a:stretch>
+                      </p:blipFill>
+                      <p:spPr>
+                        <a:xfrm>
+                          <a:off x="2541588" y="3352800"/>
+                          <a:ext cx="3751262" cy="1600200"/>
+                        </a:xfrm>
+                        <a:prstGeom prst="rect">
+                          <a:avLst/>
+                        </a:prstGeom>
+                      </p:spPr>
+                    </p:pic>
+                  </p:oleObj>
+                </mc:Fallback>
+              </mc:AlternateContent>
+            </a:graphicData>
+          </a:graphic>
+        </p:graphicFrame>
+        <p:cxnSp>
+          <p:nvCxnSpPr>
+            <p:cNvPr id="18" name="Straight Arrow Connector 17"/>
+            <p:cNvCxnSpPr/>
+            <p:nvPr/>
+          </p:nvCxnSpPr>
+          <p:spPr bwMode="auto">
+            <a:xfrm>
+              <a:off x="3657600" y="3962400"/>
+              <a:ext cx="381000" cy="0"/>
+            </a:xfrm>
+            <a:prstGeom prst="straightConnector1">
+              <a:avLst/>
+            </a:prstGeom>
+            <a:solidFill>
+              <a:schemeClr val="accent1"/>
+            </a:solidFill>
+            <a:ln w="38100" cap="flat" cmpd="sng" algn="ctr">
+              <a:solidFill>
+                <a:srgbClr val="0000FF"/>
+              </a:solidFill>
+              <a:prstDash val="solid"/>
+              <a:round/>
+              <a:headEnd type="none" w="med" len="med"/>
+              <a:tailEnd type="arrow" w="sm" len="sm"/>
+            </a:ln>
+            <a:effectLst/>
+          </p:spPr>
+        </p:cxnSp>
+        <p:cxnSp>
+          <p:nvCxnSpPr>
+            <p:cNvPr id="19" name="Straight Arrow Connector 18"/>
+            <p:cNvCxnSpPr/>
+            <p:nvPr/>
+          </p:nvCxnSpPr>
+          <p:spPr bwMode="auto">
+            <a:xfrm>
+              <a:off x="5867400" y="3962400"/>
+              <a:ext cx="381000" cy="0"/>
+            </a:xfrm>
+            <a:prstGeom prst="straightConnector1">
+              <a:avLst/>
+            </a:prstGeom>
+            <a:solidFill>
+              <a:schemeClr val="accent1"/>
+            </a:solidFill>
+            <a:ln w="38100" cap="flat" cmpd="sng" algn="ctr">
+              <a:solidFill>
+                <a:srgbClr val="0000FF"/>
+              </a:solidFill>
+              <a:prstDash val="solid"/>
+              <a:round/>
+              <a:headEnd type="none" w="med" len="med"/>
+              <a:tailEnd type="arrow" w="sm" len="sm"/>
+            </a:ln>
+            <a:effectLst/>
+          </p:spPr>
+        </p:cxnSp>
+      </p:grpSp>
+      <p:grpSp>
+        <p:nvGrpSpPr>
+          <p:cNvPr id="20" name="Group 19"/>
+          <p:cNvGrpSpPr/>
+          <p:nvPr/>
+        </p:nvGrpSpPr>
+        <p:grpSpPr>
+          <a:xfrm>
+            <a:off x="3733800" y="5029200"/>
+            <a:ext cx="533400" cy="923330"/>
+            <a:chOff x="7236844" y="3657600"/>
+            <a:chExt cx="533400" cy="923330"/>
+          </a:xfrm>
+        </p:grpSpPr>
+        <p:sp>
+          <p:nvSpPr>
+            <p:cNvPr id="21" name="TextBox 20"/>
+            <p:cNvSpPr txBox="1"/>
+            <p:nvPr/>
+          </p:nvSpPr>
+          <p:spPr>
+            <a:xfrm>
+              <a:off x="7236844" y="3657600"/>
+              <a:ext cx="521785" cy="923330"/>
+            </a:xfrm>
+            <a:prstGeom prst="rect">
+              <a:avLst/>
+            </a:prstGeom>
+            <a:noFill/>
+          </p:spPr>
+          <p:txBody>
+            <a:bodyPr wrap="none" rtlCol="0">
+              <a:spAutoFit/>
+            </a:bodyPr>
+            <a:lstStyle/>
+            <a:p>
+              <a:r>
+                <a:rPr lang="en-US" sz="5400" dirty="0">
+                  <a:solidFill>
+                    <a:srgbClr val="0000FF"/>
+                  </a:solidFill>
+                </a:rPr>
+                <a:t>s</a:t>
+              </a:r>
+              <a:endParaRPr lang="en-US" sz="5400" dirty="0"/>
+            </a:p>
+          </p:txBody>
+        </p:sp>
+        <p:cxnSp>
+          <p:nvCxnSpPr>
+            <p:cNvPr id="22" name="Straight Arrow Connector 21"/>
+            <p:cNvCxnSpPr/>
+            <p:nvPr/>
+          </p:nvCxnSpPr>
+          <p:spPr bwMode="auto">
+            <a:xfrm>
+              <a:off x="7389244" y="3886200"/>
+              <a:ext cx="381000" cy="0"/>
+            </a:xfrm>
+            <a:prstGeom prst="straightConnector1">
+              <a:avLst/>
+            </a:prstGeom>
+            <a:solidFill>
+              <a:schemeClr val="accent1"/>
+            </a:solidFill>
+            <a:ln w="38100" cap="flat" cmpd="sng" algn="ctr">
+              <a:solidFill>
+                <a:srgbClr val="0000FF"/>
+              </a:solidFill>
+              <a:prstDash val="solid"/>
+              <a:round/>
+              <a:headEnd type="none" w="med" len="med"/>
+              <a:tailEnd type="arrow" w="sm" len="sm"/>
+            </a:ln>
+            <a:effectLst/>
+          </p:spPr>
+        </p:cxnSp>
+      </p:grpSp>
+    </p:spTree>
+    <p:extLst>
+      <p:ext uri="{BB962C8B-B14F-4D97-AF65-F5344CB8AC3E}">
+        <p14:creationId xmlns:p14="http://schemas.microsoft.com/office/powerpoint/2010/main" val="4034444194"/>
+      </p:ext>
+    </p:extLst>
+  </p:cSld>
+  <p:clrMapOvr>
+    <a:masterClrMapping/>
+  </p:clrMapOvr>
+  <p:transition xmlns:p14="http://schemas.microsoft.com/office/powerpoint/2010/main" spd="slow" advClick="0">
+    <p:fade thruBlk="1"/>
+  </p:transition>
+  <p:timing>
+    <p:tnLst>
+      <p:par>
+        <p:cTn xmlns:p14="http://schemas.microsoft.com/office/powerpoint/2010/main" id="1" dur="indefinite" restart="never" nodeType="tmRoot">
+          <p:childTnLst>
+            <p:seq concurrent="1" nextAc="seek">
+              <p:cTn id="2" dur="indefinite" nodeType="mainSeq">
+                <p:childTnLst>
+                  <p:par>
+                    <p:cTn id="3" fill="hold">
+                      <p:stCondLst>
+                        <p:cond delay="indefinite"/>
+                      </p:stCondLst>
+                      <p:childTnLst>
+                        <p:par>
+                          <p:cTn id="4" fill="hold">
+                            <p:stCondLst>
+                              <p:cond delay="0"/>
+                            </p:stCondLst>
+                            <p:childTnLst>
+                              <p:par>
+                                <p:cTn id="5" presetID="10" presetClass="entr" presetSubtype="0" fill="hold" nodeType="clickEffect">
+                                  <p:stCondLst>
+                                    <p:cond delay="0"/>
+                                  </p:stCondLst>
+                                  <p:childTnLst>
+                                    <p:set>
+                                      <p:cBhvr>
+                                        <p:cTn id="6" dur="1" fill="hold">
+                                          <p:stCondLst>
+                                            <p:cond delay="0"/>
+                                          </p:stCondLst>
+                                        </p:cTn>
+                                        <p:tgtEl>
+                                          <p:spTgt spid="6">
+                                            <p:txEl>
+                                              <p:pRg st="1" end="1"/>
+                                            </p:txEl>
+                                          </p:spTgt>
+                                        </p:tgtEl>
+                                        <p:attrNameLst>
+                                          <p:attrName>style.visibility</p:attrName>
+                                        </p:attrNameLst>
+                                      </p:cBhvr>
+                                      <p:to>
+                                        <p:strVal val="visible"/>
+                                      </p:to>
+                                    </p:set>
+                                    <p:animEffect transition="in" filter="fade">
+                                      <p:cBhvr>
+                                        <p:cTn id="7" dur="500"/>
+                                        <p:tgtEl>
+                                          <p:spTgt spid="6">
+                                            <p:txEl>
+                                              <p:pRg st="1" end="1"/>
+                                            </p:txEl>
+                                          </p:spTgt>
+                                        </p:tgtEl>
+                                      </p:cBhvr>
+                                    </p:animEffect>
+                                  </p:childTnLst>
+                                </p:cTn>
+                              </p:par>
+                              <p:par>
+                                <p:cTn id="8" presetID="10" presetClass="entr" presetSubtype="0" fill="hold" nodeType="withEffect">
+                                  <p:stCondLst>
+                                    <p:cond delay="0"/>
+                                  </p:stCondLst>
+                                  <p:childTnLst>
+                                    <p:set>
+                                      <p:cBhvr>
+                                        <p:cTn id="9" dur="1" fill="hold">
+                                          <p:stCondLst>
+                                            <p:cond delay="0"/>
+                                          </p:stCondLst>
+                                        </p:cTn>
+                                        <p:tgtEl>
+                                          <p:spTgt spid="7"/>
+                                        </p:tgtEl>
+                                        <p:attrNameLst>
+                                          <p:attrName>style.visibility</p:attrName>
+                                        </p:attrNameLst>
+                                      </p:cBhvr>
+                                      <p:to>
+                                        <p:strVal val="visible"/>
+                                      </p:to>
+                                    </p:set>
+                                    <p:animEffect transition="in" filter="fade">
+                                      <p:cBhvr>
+                                        <p:cTn id="10" dur="1000"/>
+                                        <p:tgtEl>
+                                          <p:spTgt spid="7"/>
+                                        </p:tgtEl>
+                                      </p:cBhvr>
+                                    </p:animEffect>
+                                  </p:childTnLst>
+                                </p:cTn>
+                              </p:par>
+                            </p:childTnLst>
+                          </p:cTn>
+                        </p:par>
+                      </p:childTnLst>
+                    </p:cTn>
+                  </p:par>
+                  <p:par>
+                    <p:cTn id="11" fill="hold">
+                      <p:stCondLst>
+                        <p:cond delay="indefinite"/>
+                      </p:stCondLst>
+                      <p:childTnLst>
+                        <p:par>
+                          <p:cTn id="12" fill="hold">
+                            <p:stCondLst>
+                              <p:cond delay="0"/>
+                            </p:stCondLst>
+                            <p:childTnLst>
+                              <p:par>
+                                <p:cTn id="13" presetID="10" presetClass="entr" presetSubtype="0" fill="hold" nodeType="clickEffect">
+                                  <p:stCondLst>
+                                    <p:cond delay="0"/>
+                                  </p:stCondLst>
+                                  <p:childTnLst>
+                                    <p:set>
+                                      <p:cBhvr>
+                                        <p:cTn id="14" dur="1" fill="hold">
+                                          <p:stCondLst>
+                                            <p:cond delay="0"/>
+                                          </p:stCondLst>
+                                        </p:cTn>
+                                        <p:tgtEl>
+                                          <p:spTgt spid="6">
+                                            <p:txEl>
+                                              <p:pRg st="2" end="2"/>
+                                            </p:txEl>
+                                          </p:spTgt>
+                                        </p:tgtEl>
+                                        <p:attrNameLst>
+                                          <p:attrName>style.visibility</p:attrName>
+                                        </p:attrNameLst>
+                                      </p:cBhvr>
+                                      <p:to>
+                                        <p:strVal val="visible"/>
+                                      </p:to>
+                                    </p:set>
+                                    <p:animEffect transition="in" filter="fade">
+                                      <p:cBhvr>
+                                        <p:cTn id="15" dur="500"/>
+                                        <p:tgtEl>
+                                          <p:spTgt spid="6">
+                                            <p:txEl>
+                                              <p:pRg st="2" end="2"/>
+                                            </p:txEl>
+                                          </p:spTgt>
+                                        </p:tgtEl>
+                                      </p:cBhvr>
+                                    </p:animEffect>
+                                  </p:childTnLst>
+                                </p:cTn>
+                              </p:par>
+                              <p:par>
+                                <p:cTn id="16" presetID="10" presetClass="entr" presetSubtype="0" fill="hold" nodeType="withEffect">
+                                  <p:stCondLst>
+                                    <p:cond delay="0"/>
+                                  </p:stCondLst>
+                                  <p:childTnLst>
+                                    <p:set>
+                                      <p:cBhvr>
+                                        <p:cTn id="17" dur="1" fill="hold">
+                                          <p:stCondLst>
+                                            <p:cond delay="0"/>
+                                          </p:stCondLst>
+                                        </p:cTn>
+                                        <p:tgtEl>
+                                          <p:spTgt spid="10"/>
+                                        </p:tgtEl>
+                                        <p:attrNameLst>
+                                          <p:attrName>style.visibility</p:attrName>
+                                        </p:attrNameLst>
+                                      </p:cBhvr>
+                                      <p:to>
+                                        <p:strVal val="visible"/>
+                                      </p:to>
+                                    </p:set>
+                                    <p:animEffect transition="in" filter="fade">
+                                      <p:cBhvr>
+                                        <p:cTn id="18" dur="1000"/>
+                                        <p:tgtEl>
+                                          <p:spTgt spid="10"/>
+                                        </p:tgtEl>
+                                      </p:cBhvr>
+                                    </p:animEffect>
+                                  </p:childTnLst>
+                                </p:cTn>
+                              </p:par>
+                            </p:childTnLst>
+                          </p:cTn>
+                        </p:par>
+                        <p:par>
+                          <p:cTn id="19" fill="hold">
+                            <p:stCondLst>
+                              <p:cond delay="1000"/>
+                            </p:stCondLst>
+                            <p:childTnLst>
+                              <p:par>
+                                <p:cTn id="20" presetID="10" presetClass="entr" presetSubtype="0" fill="hold" nodeType="afterEffect">
+                                  <p:stCondLst>
+                                    <p:cond delay="0"/>
+                                  </p:stCondLst>
+                                  <p:childTnLst>
+                                    <p:set>
+                                      <p:cBhvr>
+                                        <p:cTn id="21" dur="1" fill="hold">
+                                          <p:stCondLst>
+                                            <p:cond delay="0"/>
+                                          </p:stCondLst>
+                                        </p:cTn>
+                                        <p:tgtEl>
+                                          <p:spTgt spid="6">
+                                            <p:txEl>
+                                              <p:pRg st="3" end="3"/>
+                                            </p:txEl>
+                                          </p:spTgt>
+                                        </p:tgtEl>
+                                        <p:attrNameLst>
+                                          <p:attrName>style.visibility</p:attrName>
+                                        </p:attrNameLst>
+                                      </p:cBhvr>
+                                      <p:to>
+                                        <p:strVal val="visible"/>
+                                      </p:to>
+                                    </p:set>
+                                    <p:animEffect transition="in" filter="fade">
+                                      <p:cBhvr>
+                                        <p:cTn id="22" dur="500"/>
+                                        <p:tgtEl>
+                                          <p:spTgt spid="6">
+                                            <p:txEl>
+                                              <p:pRg st="3" end="3"/>
+                                            </p:txEl>
+                                          </p:spTgt>
+                                        </p:tgtEl>
+                                      </p:cBhvr>
+                                    </p:animEffect>
+                                  </p:childTnLst>
+                                </p:cTn>
+                              </p:par>
+                              <p:par>
+                                <p:cTn id="23" presetID="10" presetClass="entr" presetSubtype="0" fill="hold" nodeType="withEffect">
+                                  <p:stCondLst>
+                                    <p:cond delay="0"/>
+                                  </p:stCondLst>
+                                  <p:childTnLst>
+                                    <p:set>
+                                      <p:cBhvr>
+                                        <p:cTn id="24" dur="1" fill="hold">
+                                          <p:stCondLst>
+                                            <p:cond delay="0"/>
+                                          </p:stCondLst>
+                                        </p:cTn>
+                                        <p:tgtEl>
+                                          <p:spTgt spid="13"/>
+                                        </p:tgtEl>
+                                        <p:attrNameLst>
+                                          <p:attrName>style.visibility</p:attrName>
+                                        </p:attrNameLst>
+                                      </p:cBhvr>
+                                      <p:to>
+                                        <p:strVal val="visible"/>
+                                      </p:to>
+                                    </p:set>
+                                    <p:animEffect transition="in" filter="fade">
+                                      <p:cBhvr>
+                                        <p:cTn id="25" dur="500"/>
+                                        <p:tgtEl>
+                                          <p:spTgt spid="13"/>
+                                        </p:tgtEl>
+                                      </p:cBhvr>
+                                    </p:animEffect>
+                                  </p:childTnLst>
+                                </p:cTn>
+                              </p:par>
+                            </p:childTnLst>
+                          </p:cTn>
+                        </p:par>
+                      </p:childTnLst>
+                    </p:cTn>
+                  </p:par>
+                  <p:par>
+                    <p:cTn id="26" fill="hold">
+                      <p:stCondLst>
+                        <p:cond delay="indefinite"/>
+                      </p:stCondLst>
+                      <p:childTnLst>
+                        <p:par>
+                          <p:cTn id="27" fill="hold">
+                            <p:stCondLst>
+                              <p:cond delay="0"/>
+                            </p:stCondLst>
+                            <p:childTnLst>
+                              <p:par>
+                                <p:cTn id="28" presetID="22" presetClass="entr" presetSubtype="8" fill="hold" nodeType="clickEffect">
+                                  <p:stCondLst>
+                                    <p:cond delay="0"/>
+                                  </p:stCondLst>
+                                  <p:childTnLst>
+                                    <p:set>
+                                      <p:cBhvr>
+                                        <p:cTn id="29" dur="1" fill="hold">
+                                          <p:stCondLst>
+                                            <p:cond delay="0"/>
+                                          </p:stCondLst>
+                                        </p:cTn>
+                                        <p:tgtEl>
+                                          <p:spTgt spid="23"/>
+                                        </p:tgtEl>
+                                        <p:attrNameLst>
+                                          <p:attrName>style.visibility</p:attrName>
+                                        </p:attrNameLst>
+                                      </p:cBhvr>
+                                      <p:to>
+                                        <p:strVal val="visible"/>
+                                      </p:to>
+                                    </p:set>
+                                    <p:animEffect transition="in" filter="wipe(left)">
+                                      <p:cBhvr>
+                                        <p:cTn id="30" dur="1000"/>
+                                        <p:tgtEl>
+                                          <p:spTgt spid="23"/>
+                                        </p:tgtEl>
+                                      </p:cBhvr>
+                                    </p:animEffect>
+                                  </p:childTnLst>
+                                </p:cTn>
+                              </p:par>
+                            </p:childTnLst>
+                          </p:cTn>
+                        </p:par>
+                      </p:childTnLst>
+                    </p:cTn>
+                  </p:par>
+                  <p:par>
+                    <p:cTn id="31" fill="hold">
+                      <p:stCondLst>
+                        <p:cond delay="indefinite"/>
+                      </p:stCondLst>
+                      <p:childTnLst>
+                        <p:par>
+                          <p:cTn id="32" fill="hold">
+                            <p:stCondLst>
+                              <p:cond delay="0"/>
+                            </p:stCondLst>
+                            <p:childTnLst>
+                              <p:par>
+                                <p:cTn id="33" presetID="10" presetClass="entr" presetSubtype="0" fill="hold" nodeType="clickEffect">
+                                  <p:stCondLst>
+                                    <p:cond delay="0"/>
+                                  </p:stCondLst>
+                                  <p:childTnLst>
+                                    <p:set>
+                                      <p:cBhvr>
+                                        <p:cTn id="34" dur="1" fill="hold">
+                                          <p:stCondLst>
+                                            <p:cond delay="0"/>
+                                          </p:stCondLst>
+                                        </p:cTn>
+                                        <p:tgtEl>
+                                          <p:spTgt spid="6">
+                                            <p:txEl>
+                                              <p:pRg st="6" end="6"/>
+                                            </p:txEl>
+                                          </p:spTgt>
+                                        </p:tgtEl>
+                                        <p:attrNameLst>
+                                          <p:attrName>style.visibility</p:attrName>
+                                        </p:attrNameLst>
+                                      </p:cBhvr>
+                                      <p:to>
+                                        <p:strVal val="visible"/>
+                                      </p:to>
+                                    </p:set>
+                                    <p:animEffect transition="in" filter="fade">
+                                      <p:cBhvr>
+                                        <p:cTn id="35" dur="500"/>
+                                        <p:tgtEl>
+                                          <p:spTgt spid="6">
+                                            <p:txEl>
+                                              <p:pRg st="6" end="6"/>
+                                            </p:txEl>
+                                          </p:spTgt>
+                                        </p:tgtEl>
+                                      </p:cBhvr>
+                                    </p:animEffect>
+                                  </p:childTnLst>
+                                </p:cTn>
+                              </p:par>
+                            </p:childTnLst>
+                          </p:cTn>
+                        </p:par>
+                        <p:par>
+                          <p:cTn id="36" fill="hold">
+                            <p:stCondLst>
+                              <p:cond delay="500"/>
+                            </p:stCondLst>
+                            <p:childTnLst>
+                              <p:par>
+                                <p:cTn id="37" presetID="10" presetClass="entr" presetSubtype="0" fill="hold" nodeType="afterEffect">
+                                  <p:stCondLst>
+                                    <p:cond delay="0"/>
+                                  </p:stCondLst>
+                                  <p:childTnLst>
+                                    <p:set>
+                                      <p:cBhvr>
+                                        <p:cTn id="38" dur="1" fill="hold">
+                                          <p:stCondLst>
+                                            <p:cond delay="0"/>
+                                          </p:stCondLst>
+                                        </p:cTn>
+                                        <p:tgtEl>
+                                          <p:spTgt spid="6">
+                                            <p:txEl>
+                                              <p:pRg st="7" end="7"/>
+                                            </p:txEl>
+                                          </p:spTgt>
+                                        </p:tgtEl>
+                                        <p:attrNameLst>
+                                          <p:attrName>style.visibility</p:attrName>
+                                        </p:attrNameLst>
+                                      </p:cBhvr>
+                                      <p:to>
+                                        <p:strVal val="visible"/>
+                                      </p:to>
+                                    </p:set>
+                                    <p:animEffect transition="in" filter="fade">
+                                      <p:cBhvr>
+                                        <p:cTn id="39" dur="500"/>
+                                        <p:tgtEl>
+                                          <p:spTgt spid="6">
+                                            <p:txEl>
+                                              <p:pRg st="7" end="7"/>
+                                            </p:txEl>
+                                          </p:spTgt>
+                                        </p:tgtEl>
+                                      </p:cBhvr>
+                                    </p:animEffect>
+                                  </p:childTnLst>
+                                </p:cTn>
+                              </p:par>
+                              <p:par>
+                                <p:cTn id="40" presetID="10" presetClass="entr" presetSubtype="0" fill="hold" nodeType="withEffect">
+                                  <p:stCondLst>
+                                    <p:cond delay="0"/>
+                                  </p:stCondLst>
+                                  <p:childTnLst>
+                                    <p:set>
+                                      <p:cBhvr>
+                                        <p:cTn id="41" dur="1" fill="hold">
+                                          <p:stCondLst>
+                                            <p:cond delay="0"/>
+                                          </p:stCondLst>
+                                        </p:cTn>
+                                        <p:tgtEl>
+                                          <p:spTgt spid="20"/>
+                                        </p:tgtEl>
+                                        <p:attrNameLst>
+                                          <p:attrName>style.visibility</p:attrName>
+                                        </p:attrNameLst>
+                                      </p:cBhvr>
+                                      <p:to>
+                                        <p:strVal val="visible"/>
+                                      </p:to>
+                                    </p:set>
+                                    <p:animEffect transition="in" filter="fade">
+                                      <p:cBhvr>
+                                        <p:cTn id="42" dur="1000"/>
+                                        <p:tgtEl>
+                                          <p:spTgt spid="20"/>
+                                        </p:tgtEl>
+                                      </p:cBhvr>
+                                    </p:animEffect>
+                                  </p:childTnLst>
+                                </p:cTn>
+                              </p:par>
+                            </p:childTnLst>
+                          </p:cTn>
+                        </p:par>
+                      </p:childTnLst>
+                    </p:cTn>
+                  </p:par>
+                </p:childTnLst>
+              </p:cTn>
+              <p:prevCondLst>
+                <p:cond evt="onPrev" delay="0">
+                  <p:tgtEl>
+                    <p:sldTgt/>
+                  </p:tgtEl>
+                </p:cond>
+              </p:prevCondLst>
+              <p:nextCondLst>
+                <p:cond evt="onNext" delay="0">
+                  <p:tgtEl>
+                    <p:sldTgt/>
+                  </p:tgtEl>
+                </p:cond>
+              </p:nextCondLst>
+            </p:seq>
+          </p:childTnLst>
+        </p:cTn>
       </p:par>
     </p:tnLst>
   </p:timing>

--- a/fall13/slidesF13/page-rank.pptx
+++ b/fall13/slidesF13/page-rank.pptx
@@ -5,10 +5,10 @@
     <p:sldMasterId id="2147483648" r:id="rId1"/>
   </p:sldMasterIdLst>
   <p:notesMasterIdLst>
-    <p:notesMasterId r:id="rId12"/>
+    <p:notesMasterId r:id="rId13"/>
   </p:notesMasterIdLst>
   <p:handoutMasterIdLst>
-    <p:handoutMasterId r:id="rId13"/>
+    <p:handoutMasterId r:id="rId14"/>
   </p:handoutMasterIdLst>
   <p:sldIdLst>
     <p:sldId id="333" r:id="rId2"/>
@@ -17,10 +17,11 @@
     <p:sldId id="335" r:id="rId5"/>
     <p:sldId id="340" r:id="rId6"/>
     <p:sldId id="338" r:id="rId7"/>
-    <p:sldId id="339" r:id="rId8"/>
-    <p:sldId id="337" r:id="rId9"/>
-    <p:sldId id="341" r:id="rId10"/>
-    <p:sldId id="342" r:id="rId11"/>
+    <p:sldId id="343" r:id="rId8"/>
+    <p:sldId id="339" r:id="rId9"/>
+    <p:sldId id="337" r:id="rId10"/>
+    <p:sldId id="341" r:id="rId11"/>
+    <p:sldId id="342" r:id="rId12"/>
   </p:sldIdLst>
   <p:sldSz cx="9144000" cy="6858000" type="screen4x3"/>
   <p:notesSz cx="9601200" cy="7315200"/>
@@ -1410,6 +1411,97 @@
       </p:grpSpPr>
       <p:sp>
         <p:nvSpPr>
+          <p:cNvPr id="55298" name="Rectangle 7"/>
+          <p:cNvSpPr>
+            <a:spLocks noGrp="1" noChangeArrowheads="1"/>
+          </p:cNvSpPr>
+          <p:nvPr>
+            <p:ph type="sldNum" sz="quarter" idx="5"/>
+          </p:nvPr>
+        </p:nvSpPr>
+        <p:spPr>
+          <a:noFill/>
+        </p:spPr>
+        <p:txBody>
+          <a:bodyPr/>
+          <a:lstStyle/>
+          <a:p>
+            <a:fld id="{1F6FFF5B-E386-1C4F-ACEA-254D00C060D6}" type="slidenum">
+              <a:rPr lang="en-US"/>
+              <a:pPr/>
+              <a:t>7</a:t>
+            </a:fld>
+            <a:endParaRPr lang="en-US"/>
+          </a:p>
+        </p:txBody>
+      </p:sp>
+      <p:sp>
+        <p:nvSpPr>
+          <p:cNvPr id="55299" name="Rectangle 2"/>
+          <p:cNvSpPr>
+            <a:spLocks noGrp="1" noRot="1" noChangeAspect="1" noChangeArrowheads="1" noTextEdit="1"/>
+          </p:cNvSpPr>
+          <p:nvPr>
+            <p:ph type="sldImg"/>
+          </p:nvPr>
+        </p:nvSpPr>
+        <p:spPr>
+          <a:ln/>
+        </p:spPr>
+      </p:sp>
+      <p:sp>
+        <p:nvSpPr>
+          <p:cNvPr id="55300" name="Rectangle 3"/>
+          <p:cNvSpPr>
+            <a:spLocks noGrp="1" noChangeArrowheads="1"/>
+          </p:cNvSpPr>
+          <p:nvPr>
+            <p:ph type="body" idx="1"/>
+          </p:nvPr>
+        </p:nvSpPr>
+        <p:spPr>
+          <a:noFill/>
+          <a:ln/>
+        </p:spPr>
+        <p:txBody>
+          <a:bodyPr/>
+          <a:lstStyle/>
+          <a:p>
+            <a:pPr eaLnBrk="1" hangingPunct="1"/>
+            <a:endParaRPr lang="en-US">
+              <a:latin typeface="Arial" pitchFamily="-111" charset="0"/>
+              <a:ea typeface="ＭＳ Ｐゴシック" pitchFamily="-111" charset="-128"/>
+            </a:endParaRPr>
+          </a:p>
+        </p:txBody>
+      </p:sp>
+    </p:spTree>
+  </p:cSld>
+  <p:clrMapOvr>
+    <a:masterClrMapping/>
+  </p:clrMapOvr>
+</p:notes>
+</file>
+
+<file path=ppt/notesSlides/notesSlide8.xml><?xml version="1.0" encoding="utf-8"?>
+<p:notes xmlns:a="http://schemas.openxmlformats.org/drawingml/2006/main" xmlns:r="http://schemas.openxmlformats.org/officeDocument/2006/relationships" xmlns:p="http://schemas.openxmlformats.org/presentationml/2006/main">
+  <p:cSld>
+    <p:spTree>
+      <p:nvGrpSpPr>
+        <p:cNvPr id="1" name=""/>
+        <p:cNvGrpSpPr/>
+        <p:nvPr/>
+      </p:nvGrpSpPr>
+      <p:grpSpPr>
+        <a:xfrm>
+          <a:off x="0" y="0"/>
+          <a:ext cx="0" cy="0"/>
+          <a:chOff x="0" y="0"/>
+          <a:chExt cx="0" cy="0"/>
+        </a:xfrm>
+      </p:grpSpPr>
+      <p:sp>
+        <p:nvSpPr>
           <p:cNvPr id="36866" name="Rectangle 7"/>
           <p:cNvSpPr>
             <a:spLocks noGrp="1" noChangeArrowheads="1"/>
@@ -1428,7 +1520,7 @@
             <a:fld id="{E9048385-A0D9-4A46-8E8D-37B293B72609}" type="slidenum">
               <a:rPr lang="en-US"/>
               <a:pPr/>
-              <a:t>7</a:t>
+              <a:t>8</a:t>
             </a:fld>
             <a:endParaRPr lang="en-US"/>
           </a:p>
@@ -3671,11 +3763,7 @@
             </a:pPr>
             <a:r>
               <a:rPr lang="en-US" dirty="0" smtClean="0"/>
-              <a:t>Albert R Meyer,               December </a:t>
-            </a:r>
-            <a:r>
-              <a:rPr lang="en-US" dirty="0" smtClean="0"/>
-              <a:t>11, 2013</a:t>
+              <a:t>Albert R Meyer,               December 11, 2013</a:t>
             </a:r>
             <a:endParaRPr lang="en-US" dirty="0"/>
           </a:p>
@@ -3904,6 +3992,1282 @@
       </p:grpSpPr>
       <p:sp>
         <p:nvSpPr>
+          <p:cNvPr id="6" name="TextBox 5"/>
+          <p:cNvSpPr txBox="1"/>
+          <p:nvPr/>
+        </p:nvSpPr>
+        <p:spPr>
+          <a:xfrm>
+            <a:off x="228600" y="990600"/>
+            <a:ext cx="8534400" cy="4967513"/>
+          </a:xfrm>
+          <a:prstGeom prst="rect">
+            <a:avLst/>
+          </a:prstGeom>
+          <a:noFill/>
+        </p:spPr>
+        <p:txBody>
+          <a:bodyPr wrap="square" rtlCol="0">
+            <a:spAutoFit/>
+          </a:bodyPr>
+          <a:lstStyle/>
+          <a:p>
+            <a:r>
+              <a:rPr lang="en-US" sz="4400" dirty="0" smtClean="0"/>
+              <a:t>ensures</a:t>
+            </a:r>
+            <a:endParaRPr lang="en-US" sz="4400" dirty="0"/>
+          </a:p>
+          <a:p>
+            <a:r>
+              <a:rPr lang="en-US" sz="4400" dirty="0" smtClean="0"/>
+              <a:t> * </a:t>
+            </a:r>
+            <a:r>
+              <a:rPr lang="en-US" sz="4400" dirty="0" smtClean="0">
+                <a:solidFill>
+                  <a:srgbClr val="008000"/>
+                </a:solidFill>
+              </a:rPr>
+              <a:t>unique</a:t>
+            </a:r>
+            <a:r>
+              <a:rPr lang="en-US" sz="4400" dirty="0" smtClean="0"/>
+              <a:t> stable distribution</a:t>
+            </a:r>
+          </a:p>
+          <a:p>
+            <a:r>
+              <a:rPr lang="en-US" sz="4400" dirty="0"/>
+              <a:t> </a:t>
+            </a:r>
+            <a:r>
+              <a:rPr lang="en-US" sz="4400" dirty="0" smtClean="0"/>
+              <a:t>* </a:t>
+            </a:r>
+            <a:r>
+              <a:rPr lang="en-US" sz="4400" dirty="0" smtClean="0">
+                <a:solidFill>
+                  <a:srgbClr val="008000"/>
+                </a:solidFill>
+              </a:rPr>
+              <a:t>every</a:t>
+            </a:r>
+            <a:r>
+              <a:rPr lang="en-US" sz="4400" dirty="0" smtClean="0"/>
+              <a:t> initial distribution</a:t>
+            </a:r>
+          </a:p>
+          <a:p>
+            <a:pPr>
+              <a:lnSpc>
+                <a:spcPct val="80000"/>
+              </a:lnSpc>
+            </a:pPr>
+            <a:r>
+              <a:rPr lang="en-US" sz="4400" dirty="0" smtClean="0"/>
+              <a:t>     </a:t>
+            </a:r>
+            <a:r>
+              <a:rPr lang="en-US" sz="4400" dirty="0" smtClean="0">
+                <a:solidFill>
+                  <a:srgbClr val="008000"/>
+                </a:solidFill>
+              </a:rPr>
+              <a:t>converges</a:t>
+            </a:r>
+            <a:r>
+              <a:rPr lang="en-US" sz="4400" dirty="0" smtClean="0"/>
+              <a:t> to</a:t>
+            </a:r>
+          </a:p>
+          <a:p>
+            <a:pPr>
+              <a:lnSpc>
+                <a:spcPct val="80000"/>
+              </a:lnSpc>
+            </a:pPr>
+            <a:endParaRPr lang="en-US" sz="4400" dirty="0"/>
+          </a:p>
+          <a:p>
+            <a:pPr>
+              <a:lnSpc>
+                <a:spcPct val="80000"/>
+              </a:lnSpc>
+            </a:pPr>
+            <a:endParaRPr lang="en-US" sz="4400" dirty="0" smtClean="0"/>
+          </a:p>
+          <a:p>
+            <a:pPr>
+              <a:lnSpc>
+                <a:spcPct val="80000"/>
+              </a:lnSpc>
+            </a:pPr>
+            <a:r>
+              <a:rPr lang="en-US" sz="4400" dirty="0"/>
+              <a:t> </a:t>
+            </a:r>
+            <a:r>
+              <a:rPr lang="en-US" sz="4400" dirty="0" smtClean="0"/>
+              <a:t>* convergence is rapid:</a:t>
+            </a:r>
+          </a:p>
+          <a:p>
+            <a:r>
+              <a:rPr lang="en-US" sz="4400" dirty="0" smtClean="0"/>
+              <a:t>  </a:t>
+            </a:r>
+            <a:r>
+              <a:rPr lang="en-US" sz="4400" dirty="0" smtClean="0">
+                <a:solidFill>
+                  <a:srgbClr val="FF00FF"/>
+                </a:solidFill>
+              </a:rPr>
+              <a:t>t</a:t>
+            </a:r>
+            <a:r>
+              <a:rPr lang="en-US" sz="4400" dirty="0" smtClean="0"/>
+              <a:t> is small so    easy </a:t>
+            </a:r>
+            <a:r>
+              <a:rPr lang="en-US" sz="4400" dirty="0"/>
+              <a:t>to compute </a:t>
+            </a:r>
+          </a:p>
+        </p:txBody>
+      </p:sp>
+      <p:sp>
+        <p:nvSpPr>
+          <p:cNvPr id="2" name="Title 1"/>
+          <p:cNvSpPr>
+            <a:spLocks noGrp="1"/>
+          </p:cNvSpPr>
+          <p:nvPr>
+            <p:ph type="title"/>
+          </p:nvPr>
+        </p:nvSpPr>
+        <p:spPr>
+          <a:xfrm>
+            <a:off x="1219200" y="152400"/>
+            <a:ext cx="7472362" cy="1143000"/>
+          </a:xfrm>
+        </p:spPr>
+        <p:txBody>
+          <a:bodyPr/>
+          <a:lstStyle/>
+          <a:p>
+            <a:r>
+              <a:rPr lang="en-US" dirty="0" smtClean="0"/>
+              <a:t>Importance of Super-node</a:t>
+            </a:r>
+            <a:endParaRPr lang="en-US" dirty="0"/>
+          </a:p>
+        </p:txBody>
+      </p:sp>
+      <p:sp>
+        <p:nvSpPr>
+          <p:cNvPr id="4" name="Slide Number Placeholder 3"/>
+          <p:cNvSpPr>
+            <a:spLocks noGrp="1"/>
+          </p:cNvSpPr>
+          <p:nvPr>
+            <p:ph type="sldNum" sz="quarter" idx="12"/>
+          </p:nvPr>
+        </p:nvSpPr>
+        <p:spPr/>
+        <p:txBody>
+          <a:bodyPr/>
+          <a:lstStyle/>
+          <a:p>
+            <a:pPr>
+              <a:defRPr/>
+            </a:pPr>
+            <a:r>
+              <a:rPr lang="en-US" dirty="0" smtClean="0"/>
+              <a:t>page-rank.</a:t>
+            </a:r>
+            <a:fld id="{E877D3CB-F960-BD47-98A7-06971C504846}" type="slidenum">
+              <a:rPr lang="en-US" smtClean="0"/>
+              <a:pPr>
+                <a:defRPr/>
+              </a:pPr>
+              <a:t>10</a:t>
+            </a:fld>
+            <a:endParaRPr lang="en-US" dirty="0" smtClean="0"/>
+          </a:p>
+          <a:p>
+            <a:pPr>
+              <a:defRPr/>
+            </a:pPr>
+            <a:endParaRPr lang="en-US" dirty="0"/>
+          </a:p>
+        </p:txBody>
+      </p:sp>
+      <p:sp>
+        <p:nvSpPr>
+          <p:cNvPr id="5" name="Date Placeholder 4"/>
+          <p:cNvSpPr>
+            <a:spLocks noGrp="1"/>
+          </p:cNvSpPr>
+          <p:nvPr>
+            <p:ph type="dt" sz="half" idx="2"/>
+          </p:nvPr>
+        </p:nvSpPr>
+        <p:spPr/>
+        <p:txBody>
+          <a:bodyPr/>
+          <a:lstStyle/>
+          <a:p>
+            <a:pPr>
+              <a:defRPr/>
+            </a:pPr>
+            <a:r>
+              <a:rPr lang="en-US" smtClean="0"/>
+              <a:t>Albert R Meyer,           December 11, 2013</a:t>
+            </a:r>
+            <a:endParaRPr lang="en-US" dirty="0"/>
+          </a:p>
+        </p:txBody>
+      </p:sp>
+      <p:grpSp>
+        <p:nvGrpSpPr>
+          <p:cNvPr id="7" name="Group 6"/>
+          <p:cNvGrpSpPr/>
+          <p:nvPr/>
+        </p:nvGrpSpPr>
+        <p:grpSpPr>
+          <a:xfrm>
+            <a:off x="7696200" y="1524000"/>
+            <a:ext cx="533400" cy="923330"/>
+            <a:chOff x="7236844" y="3657600"/>
+            <a:chExt cx="533400" cy="923330"/>
+          </a:xfrm>
+        </p:grpSpPr>
+        <p:sp>
+          <p:nvSpPr>
+            <p:cNvPr id="8" name="TextBox 7"/>
+            <p:cNvSpPr txBox="1"/>
+            <p:nvPr/>
+          </p:nvSpPr>
+          <p:spPr>
+            <a:xfrm>
+              <a:off x="7236844" y="3657600"/>
+              <a:ext cx="521785" cy="923330"/>
+            </a:xfrm>
+            <a:prstGeom prst="rect">
+              <a:avLst/>
+            </a:prstGeom>
+            <a:noFill/>
+          </p:spPr>
+          <p:txBody>
+            <a:bodyPr wrap="none" rtlCol="0">
+              <a:spAutoFit/>
+            </a:bodyPr>
+            <a:lstStyle/>
+            <a:p>
+              <a:r>
+                <a:rPr lang="en-US" sz="5400" dirty="0">
+                  <a:solidFill>
+                    <a:srgbClr val="0000FF"/>
+                  </a:solidFill>
+                </a:rPr>
+                <a:t>s</a:t>
+              </a:r>
+              <a:endParaRPr lang="en-US" sz="5400" dirty="0"/>
+            </a:p>
+          </p:txBody>
+        </p:sp>
+        <p:cxnSp>
+          <p:nvCxnSpPr>
+            <p:cNvPr id="9" name="Straight Arrow Connector 8"/>
+            <p:cNvCxnSpPr/>
+            <p:nvPr/>
+          </p:nvCxnSpPr>
+          <p:spPr bwMode="auto">
+            <a:xfrm>
+              <a:off x="7389244" y="3886200"/>
+              <a:ext cx="381000" cy="0"/>
+            </a:xfrm>
+            <a:prstGeom prst="straightConnector1">
+              <a:avLst/>
+            </a:prstGeom>
+            <a:solidFill>
+              <a:schemeClr val="accent1"/>
+            </a:solidFill>
+            <a:ln w="38100" cap="flat" cmpd="sng" algn="ctr">
+              <a:solidFill>
+                <a:srgbClr val="0000FF"/>
+              </a:solidFill>
+              <a:prstDash val="solid"/>
+              <a:round/>
+              <a:headEnd type="none" w="med" len="med"/>
+              <a:tailEnd type="arrow" w="sm" len="sm"/>
+            </a:ln>
+            <a:effectLst/>
+          </p:spPr>
+        </p:cxnSp>
+      </p:grpSp>
+      <p:grpSp>
+        <p:nvGrpSpPr>
+          <p:cNvPr id="10" name="Group 9"/>
+          <p:cNvGrpSpPr/>
+          <p:nvPr/>
+        </p:nvGrpSpPr>
+        <p:grpSpPr>
+          <a:xfrm>
+            <a:off x="7391400" y="2302133"/>
+            <a:ext cx="513782" cy="830997"/>
+            <a:chOff x="7236844" y="3657600"/>
+            <a:chExt cx="513782" cy="830997"/>
+          </a:xfrm>
+        </p:grpSpPr>
+        <p:sp>
+          <p:nvSpPr>
+            <p:cNvPr id="11" name="TextBox 10"/>
+            <p:cNvSpPr txBox="1"/>
+            <p:nvPr/>
+          </p:nvSpPr>
+          <p:spPr>
+            <a:xfrm>
+              <a:off x="7236844" y="3657600"/>
+              <a:ext cx="513782" cy="830997"/>
+            </a:xfrm>
+            <a:prstGeom prst="rect">
+              <a:avLst/>
+            </a:prstGeom>
+            <a:noFill/>
+          </p:spPr>
+          <p:txBody>
+            <a:bodyPr wrap="none" rtlCol="0">
+              <a:spAutoFit/>
+            </a:bodyPr>
+            <a:lstStyle/>
+            <a:p>
+              <a:r>
+                <a:rPr lang="en-US" sz="4800" dirty="0" smtClean="0">
+                  <a:solidFill>
+                    <a:srgbClr val="0000FF"/>
+                  </a:solidFill>
+                </a:rPr>
+                <a:t>p</a:t>
+              </a:r>
+              <a:endParaRPr lang="en-US" sz="4800" dirty="0"/>
+            </a:p>
+          </p:txBody>
+        </p:sp>
+        <p:cxnSp>
+          <p:nvCxnSpPr>
+            <p:cNvPr id="12" name="Straight Arrow Connector 11"/>
+            <p:cNvCxnSpPr/>
+            <p:nvPr/>
+          </p:nvCxnSpPr>
+          <p:spPr bwMode="auto">
+            <a:xfrm>
+              <a:off x="7313044" y="3886200"/>
+              <a:ext cx="381000" cy="0"/>
+            </a:xfrm>
+            <a:prstGeom prst="straightConnector1">
+              <a:avLst/>
+            </a:prstGeom>
+            <a:solidFill>
+              <a:schemeClr val="accent1"/>
+            </a:solidFill>
+            <a:ln w="38100" cap="flat" cmpd="sng" algn="ctr">
+              <a:solidFill>
+                <a:srgbClr val="0000FF"/>
+              </a:solidFill>
+              <a:prstDash val="solid"/>
+              <a:round/>
+              <a:headEnd type="none" w="med" len="med"/>
+              <a:tailEnd type="arrow" w="sm" len="sm"/>
+            </a:ln>
+            <a:effectLst/>
+          </p:spPr>
+        </p:cxnSp>
+      </p:grpSp>
+      <p:grpSp>
+        <p:nvGrpSpPr>
+          <p:cNvPr id="13" name="Group 12"/>
+          <p:cNvGrpSpPr/>
+          <p:nvPr/>
+        </p:nvGrpSpPr>
+        <p:grpSpPr>
+          <a:xfrm>
+            <a:off x="4572000" y="2810470"/>
+            <a:ext cx="533400" cy="923330"/>
+            <a:chOff x="7236844" y="3657600"/>
+            <a:chExt cx="533400" cy="923330"/>
+          </a:xfrm>
+        </p:grpSpPr>
+        <p:sp>
+          <p:nvSpPr>
+            <p:cNvPr id="14" name="TextBox 13"/>
+            <p:cNvSpPr txBox="1"/>
+            <p:nvPr/>
+          </p:nvSpPr>
+          <p:spPr>
+            <a:xfrm>
+              <a:off x="7236844" y="3657600"/>
+              <a:ext cx="521785" cy="923330"/>
+            </a:xfrm>
+            <a:prstGeom prst="rect">
+              <a:avLst/>
+            </a:prstGeom>
+            <a:noFill/>
+          </p:spPr>
+          <p:txBody>
+            <a:bodyPr wrap="none" rtlCol="0">
+              <a:spAutoFit/>
+            </a:bodyPr>
+            <a:lstStyle/>
+            <a:p>
+              <a:r>
+                <a:rPr lang="en-US" sz="5400" dirty="0">
+                  <a:solidFill>
+                    <a:srgbClr val="0000FF"/>
+                  </a:solidFill>
+                </a:rPr>
+                <a:t>s</a:t>
+              </a:r>
+              <a:endParaRPr lang="en-US" sz="5400" dirty="0"/>
+            </a:p>
+          </p:txBody>
+        </p:sp>
+        <p:cxnSp>
+          <p:nvCxnSpPr>
+            <p:cNvPr id="15" name="Straight Arrow Connector 14"/>
+            <p:cNvCxnSpPr/>
+            <p:nvPr/>
+          </p:nvCxnSpPr>
+          <p:spPr bwMode="auto">
+            <a:xfrm>
+              <a:off x="7389244" y="3886200"/>
+              <a:ext cx="381000" cy="0"/>
+            </a:xfrm>
+            <a:prstGeom prst="straightConnector1">
+              <a:avLst/>
+            </a:prstGeom>
+            <a:solidFill>
+              <a:schemeClr val="accent1"/>
+            </a:solidFill>
+            <a:ln w="38100" cap="flat" cmpd="sng" algn="ctr">
+              <a:solidFill>
+                <a:srgbClr val="0000FF"/>
+              </a:solidFill>
+              <a:prstDash val="solid"/>
+              <a:round/>
+              <a:headEnd type="none" w="med" len="med"/>
+              <a:tailEnd type="arrow" w="sm" len="sm"/>
+            </a:ln>
+            <a:effectLst/>
+          </p:spPr>
+        </p:cxnSp>
+      </p:grpSp>
+      <p:grpSp>
+        <p:nvGrpSpPr>
+          <p:cNvPr id="23" name="Group 22"/>
+          <p:cNvGrpSpPr/>
+          <p:nvPr/>
+        </p:nvGrpSpPr>
+        <p:grpSpPr>
+          <a:xfrm>
+            <a:off x="3303588" y="3124200"/>
+            <a:ext cx="3751262" cy="1600200"/>
+            <a:chOff x="2541588" y="3352800"/>
+            <a:chExt cx="3751262" cy="1600200"/>
+          </a:xfrm>
+        </p:grpSpPr>
+        <p:graphicFrame>
+          <p:nvGraphicFramePr>
+            <p:cNvPr id="17" name="Object 16"/>
+            <p:cNvGraphicFramePr>
+              <a:graphicFrameLocks noChangeAspect="1"/>
+            </p:cNvGraphicFramePr>
+            <p:nvPr>
+              <p:extLst>
+                <p:ext uri="{D42A27DB-BD31-4B8C-83A1-F6EECF244321}">
+                  <p14:modId xmlns:p14="http://schemas.microsoft.com/office/powerpoint/2010/main" val="175687491"/>
+                </p:ext>
+              </p:extLst>
+            </p:nvPr>
+          </p:nvGraphicFramePr>
+          <p:xfrm>
+            <a:off x="2541588" y="3352800"/>
+            <a:ext cx="3751262" cy="1600200"/>
+          </p:xfrm>
+          <a:graphic>
+            <a:graphicData uri="http://schemas.openxmlformats.org/presentationml/2006/ole">
+              <mc:AlternateContent xmlns:mc="http://schemas.openxmlformats.org/markup-compatibility/2006">
+                <mc:Choice xmlns:v="urn:schemas-microsoft-com:vml" Requires="v">
+                  <p:oleObj spid="_x0000_s1044" name="Equation" r:id="rId3" imgW="952500" imgH="406400" progId="Equation.DSMT4">
+                    <p:embed/>
+                  </p:oleObj>
+                </mc:Choice>
+                <mc:Fallback>
+                  <p:oleObj name="Equation" r:id="rId3" imgW="952500" imgH="406400" progId="Equation.DSMT4">
+                    <p:embed/>
+                    <p:pic>
+                      <p:nvPicPr>
+                        <p:cNvPr id="0" name=""/>
+                        <p:cNvPicPr/>
+                        <p:nvPr/>
+                      </p:nvPicPr>
+                      <p:blipFill>
+                        <a:blip r:embed="rId4"/>
+                        <a:stretch>
+                          <a:fillRect/>
+                        </a:stretch>
+                      </p:blipFill>
+                      <p:spPr>
+                        <a:xfrm>
+                          <a:off x="2541588" y="3352800"/>
+                          <a:ext cx="3751262" cy="1600200"/>
+                        </a:xfrm>
+                        <a:prstGeom prst="rect">
+                          <a:avLst/>
+                        </a:prstGeom>
+                      </p:spPr>
+                    </p:pic>
+                  </p:oleObj>
+                </mc:Fallback>
+              </mc:AlternateContent>
+            </a:graphicData>
+          </a:graphic>
+        </p:graphicFrame>
+        <p:cxnSp>
+          <p:nvCxnSpPr>
+            <p:cNvPr id="18" name="Straight Arrow Connector 17"/>
+            <p:cNvCxnSpPr/>
+            <p:nvPr/>
+          </p:nvCxnSpPr>
+          <p:spPr bwMode="auto">
+            <a:xfrm>
+              <a:off x="3657600" y="3962400"/>
+              <a:ext cx="381000" cy="0"/>
+            </a:xfrm>
+            <a:prstGeom prst="straightConnector1">
+              <a:avLst/>
+            </a:prstGeom>
+            <a:solidFill>
+              <a:schemeClr val="accent1"/>
+            </a:solidFill>
+            <a:ln w="38100" cap="flat" cmpd="sng" algn="ctr">
+              <a:solidFill>
+                <a:srgbClr val="0000FF"/>
+              </a:solidFill>
+              <a:prstDash val="solid"/>
+              <a:round/>
+              <a:headEnd type="none" w="med" len="med"/>
+              <a:tailEnd type="arrow" w="sm" len="sm"/>
+            </a:ln>
+            <a:effectLst/>
+          </p:spPr>
+        </p:cxnSp>
+        <p:cxnSp>
+          <p:nvCxnSpPr>
+            <p:cNvPr id="19" name="Straight Arrow Connector 18"/>
+            <p:cNvCxnSpPr/>
+            <p:nvPr/>
+          </p:nvCxnSpPr>
+          <p:spPr bwMode="auto">
+            <a:xfrm>
+              <a:off x="5867400" y="3962400"/>
+              <a:ext cx="381000" cy="0"/>
+            </a:xfrm>
+            <a:prstGeom prst="straightConnector1">
+              <a:avLst/>
+            </a:prstGeom>
+            <a:solidFill>
+              <a:schemeClr val="accent1"/>
+            </a:solidFill>
+            <a:ln w="38100" cap="flat" cmpd="sng" algn="ctr">
+              <a:solidFill>
+                <a:srgbClr val="0000FF"/>
+              </a:solidFill>
+              <a:prstDash val="solid"/>
+              <a:round/>
+              <a:headEnd type="none" w="med" len="med"/>
+              <a:tailEnd type="arrow" w="sm" len="sm"/>
+            </a:ln>
+            <a:effectLst/>
+          </p:spPr>
+        </p:cxnSp>
+      </p:grpSp>
+      <p:grpSp>
+        <p:nvGrpSpPr>
+          <p:cNvPr id="20" name="Group 19"/>
+          <p:cNvGrpSpPr/>
+          <p:nvPr/>
+        </p:nvGrpSpPr>
+        <p:grpSpPr>
+          <a:xfrm>
+            <a:off x="3733800" y="5029200"/>
+            <a:ext cx="533400" cy="923330"/>
+            <a:chOff x="7236844" y="3657600"/>
+            <a:chExt cx="533400" cy="923330"/>
+          </a:xfrm>
+        </p:grpSpPr>
+        <p:sp>
+          <p:nvSpPr>
+            <p:cNvPr id="21" name="TextBox 20"/>
+            <p:cNvSpPr txBox="1"/>
+            <p:nvPr/>
+          </p:nvSpPr>
+          <p:spPr>
+            <a:xfrm>
+              <a:off x="7236844" y="3657600"/>
+              <a:ext cx="521785" cy="923330"/>
+            </a:xfrm>
+            <a:prstGeom prst="rect">
+              <a:avLst/>
+            </a:prstGeom>
+            <a:noFill/>
+          </p:spPr>
+          <p:txBody>
+            <a:bodyPr wrap="none" rtlCol="0">
+              <a:spAutoFit/>
+            </a:bodyPr>
+            <a:lstStyle/>
+            <a:p>
+              <a:r>
+                <a:rPr lang="en-US" sz="5400" dirty="0">
+                  <a:solidFill>
+                    <a:srgbClr val="0000FF"/>
+                  </a:solidFill>
+                </a:rPr>
+                <a:t>s</a:t>
+              </a:r>
+              <a:endParaRPr lang="en-US" sz="5400" dirty="0"/>
+            </a:p>
+          </p:txBody>
+        </p:sp>
+        <p:cxnSp>
+          <p:nvCxnSpPr>
+            <p:cNvPr id="22" name="Straight Arrow Connector 21"/>
+            <p:cNvCxnSpPr/>
+            <p:nvPr/>
+          </p:nvCxnSpPr>
+          <p:spPr bwMode="auto">
+            <a:xfrm>
+              <a:off x="7389244" y="3886200"/>
+              <a:ext cx="381000" cy="0"/>
+            </a:xfrm>
+            <a:prstGeom prst="straightConnector1">
+              <a:avLst/>
+            </a:prstGeom>
+            <a:solidFill>
+              <a:schemeClr val="accent1"/>
+            </a:solidFill>
+            <a:ln w="38100" cap="flat" cmpd="sng" algn="ctr">
+              <a:solidFill>
+                <a:srgbClr val="0000FF"/>
+              </a:solidFill>
+              <a:prstDash val="solid"/>
+              <a:round/>
+              <a:headEnd type="none" w="med" len="med"/>
+              <a:tailEnd type="arrow" w="sm" len="sm"/>
+            </a:ln>
+            <a:effectLst/>
+          </p:spPr>
+        </p:cxnSp>
+      </p:grpSp>
+    </p:spTree>
+    <p:extLst>
+      <p:ext uri="{BB962C8B-B14F-4D97-AF65-F5344CB8AC3E}">
+        <p14:creationId xmlns:p14="http://schemas.microsoft.com/office/powerpoint/2010/main" val="4034444194"/>
+      </p:ext>
+    </p:extLst>
+  </p:cSld>
+  <p:clrMapOvr>
+    <a:masterClrMapping/>
+  </p:clrMapOvr>
+  <p:transition xmlns:p14="http://schemas.microsoft.com/office/powerpoint/2010/main" spd="slow" advClick="0">
+    <p:fade thruBlk="1"/>
+  </p:transition>
+  <p:timing>
+    <p:tnLst>
+      <p:par>
+        <p:cTn xmlns:p14="http://schemas.microsoft.com/office/powerpoint/2010/main" id="1" dur="indefinite" restart="never" nodeType="tmRoot">
+          <p:childTnLst>
+            <p:seq concurrent="1" nextAc="seek">
+              <p:cTn id="2" dur="indefinite" nodeType="mainSeq">
+                <p:childTnLst>
+                  <p:par>
+                    <p:cTn id="3" fill="hold">
+                      <p:stCondLst>
+                        <p:cond delay="indefinite"/>
+                      </p:stCondLst>
+                      <p:childTnLst>
+                        <p:par>
+                          <p:cTn id="4" fill="hold">
+                            <p:stCondLst>
+                              <p:cond delay="0"/>
+                            </p:stCondLst>
+                            <p:childTnLst>
+                              <p:par>
+                                <p:cTn id="5" presetID="10" presetClass="entr" presetSubtype="0" fill="hold" nodeType="clickEffect">
+                                  <p:stCondLst>
+                                    <p:cond delay="0"/>
+                                  </p:stCondLst>
+                                  <p:childTnLst>
+                                    <p:set>
+                                      <p:cBhvr>
+                                        <p:cTn id="6" dur="1" fill="hold">
+                                          <p:stCondLst>
+                                            <p:cond delay="0"/>
+                                          </p:stCondLst>
+                                        </p:cTn>
+                                        <p:tgtEl>
+                                          <p:spTgt spid="6">
+                                            <p:txEl>
+                                              <p:pRg st="0" end="0"/>
+                                            </p:txEl>
+                                          </p:spTgt>
+                                        </p:tgtEl>
+                                        <p:attrNameLst>
+                                          <p:attrName>style.visibility</p:attrName>
+                                        </p:attrNameLst>
+                                      </p:cBhvr>
+                                      <p:to>
+                                        <p:strVal val="visible"/>
+                                      </p:to>
+                                    </p:set>
+                                    <p:animEffect transition="in" filter="fade">
+                                      <p:cBhvr>
+                                        <p:cTn id="7" dur="500"/>
+                                        <p:tgtEl>
+                                          <p:spTgt spid="6">
+                                            <p:txEl>
+                                              <p:pRg st="0" end="0"/>
+                                            </p:txEl>
+                                          </p:spTgt>
+                                        </p:tgtEl>
+                                      </p:cBhvr>
+                                    </p:animEffect>
+                                  </p:childTnLst>
+                                </p:cTn>
+                              </p:par>
+                            </p:childTnLst>
+                          </p:cTn>
+                        </p:par>
+                        <p:par>
+                          <p:cTn id="8" fill="hold">
+                            <p:stCondLst>
+                              <p:cond delay="500"/>
+                            </p:stCondLst>
+                            <p:childTnLst>
+                              <p:par>
+                                <p:cTn id="9" presetID="10" presetClass="entr" presetSubtype="0" fill="hold" nodeType="afterEffect">
+                                  <p:stCondLst>
+                                    <p:cond delay="0"/>
+                                  </p:stCondLst>
+                                  <p:childTnLst>
+                                    <p:set>
+                                      <p:cBhvr>
+                                        <p:cTn id="10" dur="1" fill="hold">
+                                          <p:stCondLst>
+                                            <p:cond delay="0"/>
+                                          </p:stCondLst>
+                                        </p:cTn>
+                                        <p:tgtEl>
+                                          <p:spTgt spid="6">
+                                            <p:txEl>
+                                              <p:pRg st="1" end="1"/>
+                                            </p:txEl>
+                                          </p:spTgt>
+                                        </p:tgtEl>
+                                        <p:attrNameLst>
+                                          <p:attrName>style.visibility</p:attrName>
+                                        </p:attrNameLst>
+                                      </p:cBhvr>
+                                      <p:to>
+                                        <p:strVal val="visible"/>
+                                      </p:to>
+                                    </p:set>
+                                    <p:animEffect transition="in" filter="fade">
+                                      <p:cBhvr>
+                                        <p:cTn id="11" dur="500"/>
+                                        <p:tgtEl>
+                                          <p:spTgt spid="6">
+                                            <p:txEl>
+                                              <p:pRg st="1" end="1"/>
+                                            </p:txEl>
+                                          </p:spTgt>
+                                        </p:tgtEl>
+                                      </p:cBhvr>
+                                    </p:animEffect>
+                                  </p:childTnLst>
+                                </p:cTn>
+                              </p:par>
+                              <p:par>
+                                <p:cTn id="12" presetID="10" presetClass="entr" presetSubtype="0" fill="hold" nodeType="withEffect">
+                                  <p:stCondLst>
+                                    <p:cond delay="0"/>
+                                  </p:stCondLst>
+                                  <p:childTnLst>
+                                    <p:set>
+                                      <p:cBhvr>
+                                        <p:cTn id="13" dur="1" fill="hold">
+                                          <p:stCondLst>
+                                            <p:cond delay="0"/>
+                                          </p:stCondLst>
+                                        </p:cTn>
+                                        <p:tgtEl>
+                                          <p:spTgt spid="7"/>
+                                        </p:tgtEl>
+                                        <p:attrNameLst>
+                                          <p:attrName>style.visibility</p:attrName>
+                                        </p:attrNameLst>
+                                      </p:cBhvr>
+                                      <p:to>
+                                        <p:strVal val="visible"/>
+                                      </p:to>
+                                    </p:set>
+                                    <p:animEffect transition="in" filter="fade">
+                                      <p:cBhvr>
+                                        <p:cTn id="14" dur="1000"/>
+                                        <p:tgtEl>
+                                          <p:spTgt spid="7"/>
+                                        </p:tgtEl>
+                                      </p:cBhvr>
+                                    </p:animEffect>
+                                  </p:childTnLst>
+                                </p:cTn>
+                              </p:par>
+                            </p:childTnLst>
+                          </p:cTn>
+                        </p:par>
+                      </p:childTnLst>
+                    </p:cTn>
+                  </p:par>
+                  <p:par>
+                    <p:cTn id="15" fill="hold">
+                      <p:stCondLst>
+                        <p:cond delay="indefinite"/>
+                      </p:stCondLst>
+                      <p:childTnLst>
+                        <p:par>
+                          <p:cTn id="16" fill="hold">
+                            <p:stCondLst>
+                              <p:cond delay="0"/>
+                            </p:stCondLst>
+                            <p:childTnLst>
+                              <p:par>
+                                <p:cTn id="17" presetID="10" presetClass="entr" presetSubtype="0" fill="hold" nodeType="clickEffect">
+                                  <p:stCondLst>
+                                    <p:cond delay="0"/>
+                                  </p:stCondLst>
+                                  <p:childTnLst>
+                                    <p:set>
+                                      <p:cBhvr>
+                                        <p:cTn id="18" dur="1" fill="hold">
+                                          <p:stCondLst>
+                                            <p:cond delay="0"/>
+                                          </p:stCondLst>
+                                        </p:cTn>
+                                        <p:tgtEl>
+                                          <p:spTgt spid="6">
+                                            <p:txEl>
+                                              <p:pRg st="2" end="2"/>
+                                            </p:txEl>
+                                          </p:spTgt>
+                                        </p:tgtEl>
+                                        <p:attrNameLst>
+                                          <p:attrName>style.visibility</p:attrName>
+                                        </p:attrNameLst>
+                                      </p:cBhvr>
+                                      <p:to>
+                                        <p:strVal val="visible"/>
+                                      </p:to>
+                                    </p:set>
+                                    <p:animEffect transition="in" filter="fade">
+                                      <p:cBhvr>
+                                        <p:cTn id="19" dur="500"/>
+                                        <p:tgtEl>
+                                          <p:spTgt spid="6">
+                                            <p:txEl>
+                                              <p:pRg st="2" end="2"/>
+                                            </p:txEl>
+                                          </p:spTgt>
+                                        </p:tgtEl>
+                                      </p:cBhvr>
+                                    </p:animEffect>
+                                  </p:childTnLst>
+                                </p:cTn>
+                              </p:par>
+                              <p:par>
+                                <p:cTn id="20" presetID="10" presetClass="entr" presetSubtype="0" fill="hold" nodeType="withEffect">
+                                  <p:stCondLst>
+                                    <p:cond delay="0"/>
+                                  </p:stCondLst>
+                                  <p:childTnLst>
+                                    <p:set>
+                                      <p:cBhvr>
+                                        <p:cTn id="21" dur="1" fill="hold">
+                                          <p:stCondLst>
+                                            <p:cond delay="0"/>
+                                          </p:stCondLst>
+                                        </p:cTn>
+                                        <p:tgtEl>
+                                          <p:spTgt spid="10"/>
+                                        </p:tgtEl>
+                                        <p:attrNameLst>
+                                          <p:attrName>style.visibility</p:attrName>
+                                        </p:attrNameLst>
+                                      </p:cBhvr>
+                                      <p:to>
+                                        <p:strVal val="visible"/>
+                                      </p:to>
+                                    </p:set>
+                                    <p:animEffect transition="in" filter="fade">
+                                      <p:cBhvr>
+                                        <p:cTn id="22" dur="1000"/>
+                                        <p:tgtEl>
+                                          <p:spTgt spid="10"/>
+                                        </p:tgtEl>
+                                      </p:cBhvr>
+                                    </p:animEffect>
+                                  </p:childTnLst>
+                                </p:cTn>
+                              </p:par>
+                            </p:childTnLst>
+                          </p:cTn>
+                        </p:par>
+                        <p:par>
+                          <p:cTn id="23" fill="hold">
+                            <p:stCondLst>
+                              <p:cond delay="1000"/>
+                            </p:stCondLst>
+                            <p:childTnLst>
+                              <p:par>
+                                <p:cTn id="24" presetID="10" presetClass="entr" presetSubtype="0" fill="hold" nodeType="afterEffect">
+                                  <p:stCondLst>
+                                    <p:cond delay="0"/>
+                                  </p:stCondLst>
+                                  <p:childTnLst>
+                                    <p:set>
+                                      <p:cBhvr>
+                                        <p:cTn id="25" dur="1" fill="hold">
+                                          <p:stCondLst>
+                                            <p:cond delay="0"/>
+                                          </p:stCondLst>
+                                        </p:cTn>
+                                        <p:tgtEl>
+                                          <p:spTgt spid="6">
+                                            <p:txEl>
+                                              <p:pRg st="3" end="3"/>
+                                            </p:txEl>
+                                          </p:spTgt>
+                                        </p:tgtEl>
+                                        <p:attrNameLst>
+                                          <p:attrName>style.visibility</p:attrName>
+                                        </p:attrNameLst>
+                                      </p:cBhvr>
+                                      <p:to>
+                                        <p:strVal val="visible"/>
+                                      </p:to>
+                                    </p:set>
+                                    <p:animEffect transition="in" filter="fade">
+                                      <p:cBhvr>
+                                        <p:cTn id="26" dur="500"/>
+                                        <p:tgtEl>
+                                          <p:spTgt spid="6">
+                                            <p:txEl>
+                                              <p:pRg st="3" end="3"/>
+                                            </p:txEl>
+                                          </p:spTgt>
+                                        </p:tgtEl>
+                                      </p:cBhvr>
+                                    </p:animEffect>
+                                  </p:childTnLst>
+                                </p:cTn>
+                              </p:par>
+                              <p:par>
+                                <p:cTn id="27" presetID="10" presetClass="entr" presetSubtype="0" fill="hold" nodeType="withEffect">
+                                  <p:stCondLst>
+                                    <p:cond delay="0"/>
+                                  </p:stCondLst>
+                                  <p:childTnLst>
+                                    <p:set>
+                                      <p:cBhvr>
+                                        <p:cTn id="28" dur="1" fill="hold">
+                                          <p:stCondLst>
+                                            <p:cond delay="0"/>
+                                          </p:stCondLst>
+                                        </p:cTn>
+                                        <p:tgtEl>
+                                          <p:spTgt spid="13"/>
+                                        </p:tgtEl>
+                                        <p:attrNameLst>
+                                          <p:attrName>style.visibility</p:attrName>
+                                        </p:attrNameLst>
+                                      </p:cBhvr>
+                                      <p:to>
+                                        <p:strVal val="visible"/>
+                                      </p:to>
+                                    </p:set>
+                                    <p:animEffect transition="in" filter="fade">
+                                      <p:cBhvr>
+                                        <p:cTn id="29" dur="500"/>
+                                        <p:tgtEl>
+                                          <p:spTgt spid="13"/>
+                                        </p:tgtEl>
+                                      </p:cBhvr>
+                                    </p:animEffect>
+                                  </p:childTnLst>
+                                </p:cTn>
+                              </p:par>
+                            </p:childTnLst>
+                          </p:cTn>
+                        </p:par>
+                      </p:childTnLst>
+                    </p:cTn>
+                  </p:par>
+                  <p:par>
+                    <p:cTn id="30" fill="hold">
+                      <p:stCondLst>
+                        <p:cond delay="indefinite"/>
+                      </p:stCondLst>
+                      <p:childTnLst>
+                        <p:par>
+                          <p:cTn id="31" fill="hold">
+                            <p:stCondLst>
+                              <p:cond delay="0"/>
+                            </p:stCondLst>
+                            <p:childTnLst>
+                              <p:par>
+                                <p:cTn id="32" presetID="22" presetClass="entr" presetSubtype="8" fill="hold" nodeType="clickEffect">
+                                  <p:stCondLst>
+                                    <p:cond delay="0"/>
+                                  </p:stCondLst>
+                                  <p:childTnLst>
+                                    <p:set>
+                                      <p:cBhvr>
+                                        <p:cTn id="33" dur="1" fill="hold">
+                                          <p:stCondLst>
+                                            <p:cond delay="0"/>
+                                          </p:stCondLst>
+                                        </p:cTn>
+                                        <p:tgtEl>
+                                          <p:spTgt spid="23"/>
+                                        </p:tgtEl>
+                                        <p:attrNameLst>
+                                          <p:attrName>style.visibility</p:attrName>
+                                        </p:attrNameLst>
+                                      </p:cBhvr>
+                                      <p:to>
+                                        <p:strVal val="visible"/>
+                                      </p:to>
+                                    </p:set>
+                                    <p:animEffect transition="in" filter="wipe(left)">
+                                      <p:cBhvr>
+                                        <p:cTn id="34" dur="1000"/>
+                                        <p:tgtEl>
+                                          <p:spTgt spid="23"/>
+                                        </p:tgtEl>
+                                      </p:cBhvr>
+                                    </p:animEffect>
+                                  </p:childTnLst>
+                                </p:cTn>
+                              </p:par>
+                            </p:childTnLst>
+                          </p:cTn>
+                        </p:par>
+                      </p:childTnLst>
+                    </p:cTn>
+                  </p:par>
+                  <p:par>
+                    <p:cTn id="35" fill="hold">
+                      <p:stCondLst>
+                        <p:cond delay="indefinite"/>
+                      </p:stCondLst>
+                      <p:childTnLst>
+                        <p:par>
+                          <p:cTn id="36" fill="hold">
+                            <p:stCondLst>
+                              <p:cond delay="0"/>
+                            </p:stCondLst>
+                            <p:childTnLst>
+                              <p:par>
+                                <p:cTn id="37" presetID="10" presetClass="entr" presetSubtype="0" fill="hold" nodeType="clickEffect">
+                                  <p:stCondLst>
+                                    <p:cond delay="0"/>
+                                  </p:stCondLst>
+                                  <p:childTnLst>
+                                    <p:set>
+                                      <p:cBhvr>
+                                        <p:cTn id="38" dur="1" fill="hold">
+                                          <p:stCondLst>
+                                            <p:cond delay="0"/>
+                                          </p:stCondLst>
+                                        </p:cTn>
+                                        <p:tgtEl>
+                                          <p:spTgt spid="6">
+                                            <p:txEl>
+                                              <p:pRg st="6" end="6"/>
+                                            </p:txEl>
+                                          </p:spTgt>
+                                        </p:tgtEl>
+                                        <p:attrNameLst>
+                                          <p:attrName>style.visibility</p:attrName>
+                                        </p:attrNameLst>
+                                      </p:cBhvr>
+                                      <p:to>
+                                        <p:strVal val="visible"/>
+                                      </p:to>
+                                    </p:set>
+                                    <p:animEffect transition="in" filter="fade">
+                                      <p:cBhvr>
+                                        <p:cTn id="39" dur="500"/>
+                                        <p:tgtEl>
+                                          <p:spTgt spid="6">
+                                            <p:txEl>
+                                              <p:pRg st="6" end="6"/>
+                                            </p:txEl>
+                                          </p:spTgt>
+                                        </p:tgtEl>
+                                      </p:cBhvr>
+                                    </p:animEffect>
+                                  </p:childTnLst>
+                                </p:cTn>
+                              </p:par>
+                            </p:childTnLst>
+                          </p:cTn>
+                        </p:par>
+                        <p:par>
+                          <p:cTn id="40" fill="hold">
+                            <p:stCondLst>
+                              <p:cond delay="500"/>
+                            </p:stCondLst>
+                            <p:childTnLst>
+                              <p:par>
+                                <p:cTn id="41" presetID="10" presetClass="entr" presetSubtype="0" fill="hold" nodeType="afterEffect">
+                                  <p:stCondLst>
+                                    <p:cond delay="0"/>
+                                  </p:stCondLst>
+                                  <p:childTnLst>
+                                    <p:set>
+                                      <p:cBhvr>
+                                        <p:cTn id="42" dur="1" fill="hold">
+                                          <p:stCondLst>
+                                            <p:cond delay="0"/>
+                                          </p:stCondLst>
+                                        </p:cTn>
+                                        <p:tgtEl>
+                                          <p:spTgt spid="6">
+                                            <p:txEl>
+                                              <p:pRg st="7" end="7"/>
+                                            </p:txEl>
+                                          </p:spTgt>
+                                        </p:tgtEl>
+                                        <p:attrNameLst>
+                                          <p:attrName>style.visibility</p:attrName>
+                                        </p:attrNameLst>
+                                      </p:cBhvr>
+                                      <p:to>
+                                        <p:strVal val="visible"/>
+                                      </p:to>
+                                    </p:set>
+                                    <p:animEffect transition="in" filter="fade">
+                                      <p:cBhvr>
+                                        <p:cTn id="43" dur="500"/>
+                                        <p:tgtEl>
+                                          <p:spTgt spid="6">
+                                            <p:txEl>
+                                              <p:pRg st="7" end="7"/>
+                                            </p:txEl>
+                                          </p:spTgt>
+                                        </p:tgtEl>
+                                      </p:cBhvr>
+                                    </p:animEffect>
+                                  </p:childTnLst>
+                                </p:cTn>
+                              </p:par>
+                              <p:par>
+                                <p:cTn id="44" presetID="10" presetClass="entr" presetSubtype="0" fill="hold" nodeType="withEffect">
+                                  <p:stCondLst>
+                                    <p:cond delay="0"/>
+                                  </p:stCondLst>
+                                  <p:childTnLst>
+                                    <p:set>
+                                      <p:cBhvr>
+                                        <p:cTn id="45" dur="1" fill="hold">
+                                          <p:stCondLst>
+                                            <p:cond delay="0"/>
+                                          </p:stCondLst>
+                                        </p:cTn>
+                                        <p:tgtEl>
+                                          <p:spTgt spid="20"/>
+                                        </p:tgtEl>
+                                        <p:attrNameLst>
+                                          <p:attrName>style.visibility</p:attrName>
+                                        </p:attrNameLst>
+                                      </p:cBhvr>
+                                      <p:to>
+                                        <p:strVal val="visible"/>
+                                      </p:to>
+                                    </p:set>
+                                    <p:animEffect transition="in" filter="fade">
+                                      <p:cBhvr>
+                                        <p:cTn id="46" dur="1000"/>
+                                        <p:tgtEl>
+                                          <p:spTgt spid="20"/>
+                                        </p:tgtEl>
+                                      </p:cBhvr>
+                                    </p:animEffect>
+                                  </p:childTnLst>
+                                </p:cTn>
+                              </p:par>
+                            </p:childTnLst>
+                          </p:cTn>
+                        </p:par>
+                      </p:childTnLst>
+                    </p:cTn>
+                  </p:par>
+                </p:childTnLst>
+              </p:cTn>
+              <p:prevCondLst>
+                <p:cond evt="onPrev" delay="0">
+                  <p:tgtEl>
+                    <p:sldTgt/>
+                  </p:tgtEl>
+                </p:cond>
+              </p:prevCondLst>
+              <p:nextCondLst>
+                <p:cond evt="onNext" delay="0">
+                  <p:tgtEl>
+                    <p:sldTgt/>
+                  </p:tgtEl>
+                </p:cond>
+              </p:nextCondLst>
+            </p:seq>
+          </p:childTnLst>
+        </p:cTn>
+      </p:par>
+    </p:tnLst>
+  </p:timing>
+</p:sld>
+</file>
+
+<file path=ppt/slides/slide11.xml><?xml version="1.0" encoding="utf-8"?>
+<p:sld xmlns:a="http://schemas.openxmlformats.org/drawingml/2006/main" xmlns:r="http://schemas.openxmlformats.org/officeDocument/2006/relationships" xmlns:p="http://schemas.openxmlformats.org/presentationml/2006/main">
+  <p:cSld>
+    <p:spTree>
+      <p:nvGrpSpPr>
+        <p:cNvPr id="1" name=""/>
+        <p:cNvGrpSpPr/>
+        <p:nvPr/>
+      </p:nvGrpSpPr>
+      <p:grpSpPr>
+        <a:xfrm>
+          <a:off x="0" y="0"/>
+          <a:ext cx="0" cy="0"/>
+          <a:chOff x="0" y="0"/>
+          <a:chExt cx="0" cy="0"/>
+        </a:xfrm>
+      </p:grpSpPr>
+      <p:sp>
+        <p:nvSpPr>
           <p:cNvPr id="2" name="Title 1"/>
           <p:cNvSpPr>
             <a:spLocks noGrp="1"/>
@@ -4009,7 +5373,7 @@
               <a:pPr>
                 <a:defRPr/>
               </a:pPr>
-              <a:t>10</a:t>
+              <a:t>11</a:t>
             </a:fld>
             <a:endParaRPr lang="en-US" dirty="0" smtClean="0"/>
           </a:p>
@@ -4441,11 +5805,7 @@
             </a:pPr>
             <a:r>
               <a:rPr lang="en-US" dirty="0" smtClean="0"/>
-              <a:t>Albert R Meyer,               December </a:t>
-            </a:r>
-            <a:r>
-              <a:rPr lang="en-US" dirty="0" smtClean="0"/>
-              <a:t>11, 2013</a:t>
+              <a:t>Albert R Meyer,               December 11, 2013</a:t>
             </a:r>
             <a:endParaRPr lang="en-US" dirty="0"/>
           </a:p>
@@ -5059,11 +6419,7 @@
             </a:pPr>
             <a:r>
               <a:rPr lang="en-US" dirty="0" smtClean="0"/>
-              <a:t>Albert R Meyer,               December </a:t>
-            </a:r>
-            <a:r>
-              <a:rPr lang="en-US" dirty="0" smtClean="0"/>
-              <a:t>11, 2013</a:t>
+              <a:t>Albert R Meyer,               December 11, 2013</a:t>
             </a:r>
             <a:endParaRPr lang="en-US" dirty="0"/>
           </a:p>
@@ -5581,11 +6937,7 @@
             </a:pPr>
             <a:r>
               <a:rPr lang="en-US" dirty="0" smtClean="0"/>
-              <a:t>Albert R Meyer,               December </a:t>
-            </a:r>
-            <a:r>
-              <a:rPr lang="en-US" dirty="0" smtClean="0"/>
-              <a:t>11, 2013</a:t>
+              <a:t>Albert R Meyer,               December 11, 2013</a:t>
             </a:r>
             <a:endParaRPr lang="en-US" dirty="0"/>
           </a:p>
@@ -5630,9 +6982,18 @@
   <p:clrMapOvr>
     <a:masterClrMapping/>
   </p:clrMapOvr>
-  <p:transition xmlns:p14="http://schemas.microsoft.com/office/powerpoint/2010/main" spd="slow" advClick="0">
-    <p:fade thruBlk="1"/>
-  </p:transition>
+  <mc:AlternateContent xmlns:mc="http://schemas.openxmlformats.org/markup-compatibility/2006">
+    <mc:Choice xmlns:p14="http://schemas.microsoft.com/office/powerpoint/2010/main" Requires="p14">
+      <p:transition spd="med" p14:dur="700" advClick="0">
+        <p:fade/>
+      </p:transition>
+    </mc:Choice>
+    <mc:Fallback>
+      <p:transition xmlns:p14="http://schemas.microsoft.com/office/powerpoint/2010/main" spd="med" advClick="0">
+        <p:fade/>
+      </p:transition>
+    </mc:Fallback>
+  </mc:AlternateContent>
   <p:timing>
     <p:tnLst>
       <p:par>
@@ -5970,7 +7331,15 @@
             </a:pPr>
             <a:r>
               <a:rPr lang="en-US" sz="4000" dirty="0" smtClean="0"/>
-              <a:t>* edges from each other node back to super-node</a:t>
+              <a:t>* edges from </a:t>
+            </a:r>
+            <a:r>
+              <a:rPr lang="en-US" sz="4000" dirty="0" smtClean="0"/>
+              <a:t>each </a:t>
+            </a:r>
+            <a:r>
+              <a:rPr lang="en-US" sz="4000" dirty="0" smtClean="0"/>
+              <a:t>node back to super-node</a:t>
             </a:r>
             <a:endParaRPr lang="en-US" sz="4000" dirty="0"/>
           </a:p>
@@ -6023,11 +7392,7 @@
             </a:pPr>
             <a:r>
               <a:rPr lang="en-US" dirty="0" smtClean="0"/>
-              <a:t>Albert R Meyer,               December </a:t>
-            </a:r>
-            <a:r>
-              <a:rPr lang="en-US" dirty="0" smtClean="0"/>
-              <a:t>11, 2013</a:t>
+              <a:t>Albert R Meyer,               December 11, 2013</a:t>
             </a:r>
             <a:endParaRPr lang="en-US" dirty="0"/>
           </a:p>
@@ -6355,7 +7720,7 @@
 </file>
 
 <file path=ppt/slides/slide6.xml><?xml version="1.0" encoding="utf-8"?>
-<p:sld xmlns:a="http://schemas.openxmlformats.org/drawingml/2006/main" xmlns:r="http://schemas.openxmlformats.org/officeDocument/2006/relationships" xmlns:p="http://schemas.openxmlformats.org/presentationml/2006/main">
+<p:sld xmlns:a="http://schemas.openxmlformats.org/drawingml/2006/main" xmlns:r="http://schemas.openxmlformats.org/officeDocument/2006/relationships" xmlns:p="http://schemas.openxmlformats.org/presentationml/2006/main" show="0">
   <p:cSld>
     <p:spTree>
       <p:nvGrpSpPr>
@@ -6451,11 +7816,7 @@
             </a:pPr>
             <a:r>
               <a:rPr lang="en-US" dirty="0" smtClean="0"/>
-              <a:t>Albert R Meyer,        December </a:t>
-            </a:r>
-            <a:r>
-              <a:rPr lang="en-US" dirty="0" smtClean="0"/>
-              <a:t>11, 2013</a:t>
+              <a:t>Albert R Meyer,        December 11, 2013</a:t>
             </a:r>
             <a:endParaRPr lang="en-US" dirty="0"/>
           </a:p>
@@ -6469,7 +7830,7 @@
         </p:nvSpPr>
         <p:spPr>
           <a:xfrm>
-            <a:off x="1983513" y="978296"/>
+            <a:off x="1371600" y="978296"/>
             <a:ext cx="6474149" cy="4135571"/>
           </a:xfrm>
           <a:custGeom>
@@ -8440,215 +9801,200 @@
           </a:p>
         </p:txBody>
       </p:sp>
-      <p:grpSp>
-        <p:nvGrpSpPr>
-          <p:cNvPr id="54288" name="Group 54287"/>
-          <p:cNvGrpSpPr/>
+      <p:cxnSp>
+        <p:nvCxnSpPr>
+          <p:cNvPr id="8" name="Straight Arrow Connector 7"/>
+          <p:cNvCxnSpPr>
+            <a:stCxn id="55" idx="4"/>
+            <a:endCxn id="47" idx="0"/>
+          </p:cNvCxnSpPr>
           <p:nvPr/>
-        </p:nvGrpSpPr>
-        <p:grpSpPr>
+        </p:nvCxnSpPr>
+        <p:spPr bwMode="auto">
+          <a:xfrm flipH="1">
+            <a:off x="4559142" y="1981200"/>
+            <a:ext cx="12858" cy="762000"/>
+          </a:xfrm>
+          <a:prstGeom prst="straightConnector1">
+            <a:avLst/>
+          </a:prstGeom>
+          <a:solidFill>
+            <a:schemeClr val="accent1"/>
+          </a:solidFill>
+          <a:ln w="31750" cap="flat" cmpd="sng" algn="ctr">
+            <a:solidFill>
+              <a:srgbClr val="FF00FF"/>
+            </a:solidFill>
+            <a:prstDash val="solid"/>
+            <a:round/>
+            <a:headEnd type="stealth" w="lg" len="lg"/>
+            <a:tailEnd type="stealth" w="lg" len="lg"/>
+          </a:ln>
+          <a:effectLst/>
+        </p:spPr>
+      </p:cxnSp>
+      <p:cxnSp>
+        <p:nvCxnSpPr>
+          <p:cNvPr id="60" name="Straight Arrow Connector 59"/>
+          <p:cNvCxnSpPr>
+            <a:stCxn id="55" idx="4"/>
+            <a:endCxn id="59" idx="0"/>
+          </p:cNvCxnSpPr>
+          <p:nvPr/>
+        </p:nvCxnSpPr>
+        <p:spPr bwMode="auto">
           <a:xfrm>
+            <a:off x="4572000" y="1981200"/>
+            <a:ext cx="1130142" cy="1524000"/>
+          </a:xfrm>
+          <a:prstGeom prst="straightConnector1">
+            <a:avLst/>
+          </a:prstGeom>
+          <a:solidFill>
+            <a:schemeClr val="accent1"/>
+          </a:solidFill>
+          <a:ln w="25400" cap="flat" cmpd="sng" algn="ctr">
+            <a:solidFill>
+              <a:srgbClr val="FF00FF"/>
+            </a:solidFill>
+            <a:prstDash val="solid"/>
+            <a:round/>
+            <a:headEnd type="stealth" w="lg" len="lg"/>
+            <a:tailEnd type="stealth" w="lg" len="lg"/>
+          </a:ln>
+          <a:effectLst/>
+        </p:spPr>
+      </p:cxnSp>
+      <p:cxnSp>
+        <p:nvCxnSpPr>
+          <p:cNvPr id="62" name="Straight Arrow Connector 61"/>
+          <p:cNvCxnSpPr>
+            <a:stCxn id="55" idx="4"/>
+            <a:endCxn id="35" idx="0"/>
+          </p:cNvCxnSpPr>
+          <p:nvPr/>
+        </p:nvCxnSpPr>
+        <p:spPr bwMode="auto">
+          <a:xfrm flipH="1">
+            <a:off x="3416142" y="1981200"/>
+            <a:ext cx="1155858" cy="1524000"/>
+          </a:xfrm>
+          <a:prstGeom prst="straightConnector1">
+            <a:avLst/>
+          </a:prstGeom>
+          <a:solidFill>
+            <a:schemeClr val="accent1"/>
+          </a:solidFill>
+          <a:ln w="25400" cap="flat" cmpd="sng" algn="ctr">
+            <a:solidFill>
+              <a:srgbClr val="FF00FF"/>
+            </a:solidFill>
+            <a:prstDash val="solid"/>
+            <a:round/>
+            <a:headEnd type="stealth" w="lg" len="lg"/>
+            <a:tailEnd type="stealth" w="lg" len="lg"/>
+          </a:ln>
+          <a:effectLst/>
+        </p:spPr>
+      </p:cxnSp>
+      <p:cxnSp>
+        <p:nvCxnSpPr>
+          <p:cNvPr id="26" name="Curved Connector 25"/>
+          <p:cNvCxnSpPr>
+            <a:stCxn id="55" idx="2"/>
+            <a:endCxn id="46" idx="0"/>
+          </p:cNvCxnSpPr>
+          <p:nvPr/>
+        </p:nvCxnSpPr>
+        <p:spPr bwMode="auto">
+          <a:xfrm rot="10800000" flipV="1">
             <a:off x="2920454" y="1562100"/>
-            <a:ext cx="3924688" cy="3868458"/>
-            <a:chOff x="2920454" y="1562100"/>
-            <a:chExt cx="3924688" cy="3868458"/>
+            <a:ext cx="1232447" cy="3823276"/>
           </a:xfrm>
-        </p:grpSpPr>
-        <p:cxnSp>
-          <p:nvCxnSpPr>
-            <p:cNvPr id="8" name="Straight Arrow Connector 7"/>
-            <p:cNvCxnSpPr>
-              <a:stCxn id="55" idx="4"/>
-              <a:endCxn id="47" idx="0"/>
-            </p:cNvCxnSpPr>
-            <p:nvPr/>
-          </p:nvCxnSpPr>
-          <p:spPr bwMode="auto">
-            <a:xfrm flipH="1">
-              <a:off x="4559142" y="1981200"/>
-              <a:ext cx="12858" cy="762000"/>
-            </a:xfrm>
-            <a:prstGeom prst="straightConnector1">
-              <a:avLst/>
-            </a:prstGeom>
+          <a:prstGeom prst="curvedConnector2">
+            <a:avLst/>
+          </a:prstGeom>
+          <a:solidFill>
+            <a:schemeClr val="accent1"/>
+          </a:solidFill>
+          <a:ln w="25400" cap="flat" cmpd="sng" algn="ctr">
             <a:solidFill>
-              <a:schemeClr val="accent1"/>
+              <a:srgbClr val="FF00FF"/>
             </a:solidFill>
-            <a:ln w="25400" cap="flat" cmpd="sng" algn="ctr">
-              <a:solidFill>
-                <a:srgbClr val="FF00FF"/>
-              </a:solidFill>
-              <a:prstDash val="solid"/>
-              <a:round/>
-              <a:headEnd type="stealth" w="lg" len="lg"/>
-              <a:tailEnd type="stealth" w="lg" len="lg"/>
-            </a:ln>
-            <a:effectLst/>
-          </p:spPr>
-        </p:cxnSp>
-        <p:cxnSp>
-          <p:nvCxnSpPr>
-            <p:cNvPr id="60" name="Straight Arrow Connector 59"/>
-            <p:cNvCxnSpPr>
-              <a:stCxn id="55" idx="4"/>
-              <a:endCxn id="59" idx="0"/>
-            </p:cNvCxnSpPr>
-            <p:nvPr/>
-          </p:nvCxnSpPr>
-          <p:spPr bwMode="auto">
-            <a:xfrm>
-              <a:off x="4572000" y="1981200"/>
-              <a:ext cx="1130142" cy="1524000"/>
-            </a:xfrm>
-            <a:prstGeom prst="straightConnector1">
-              <a:avLst/>
-            </a:prstGeom>
+            <a:prstDash val="solid"/>
+            <a:round/>
+            <a:headEnd type="stealth" w="lg" len="lg"/>
+            <a:tailEnd type="stealth" w="lg" len="lg"/>
+          </a:ln>
+          <a:effectLst/>
+        </p:spPr>
+      </p:cxnSp>
+      <p:cxnSp>
+        <p:nvCxnSpPr>
+          <p:cNvPr id="85" name="Curved Connector 84"/>
+          <p:cNvCxnSpPr>
+            <a:stCxn id="55" idx="6"/>
+            <a:endCxn id="89" idx="0"/>
+          </p:cNvCxnSpPr>
+          <p:nvPr/>
+        </p:nvCxnSpPr>
+        <p:spPr bwMode="auto">
+          <a:xfrm>
+            <a:off x="4991100" y="1562100"/>
+            <a:ext cx="1854042" cy="2705100"/>
+          </a:xfrm>
+          <a:prstGeom prst="curvedConnector2">
+            <a:avLst/>
+          </a:prstGeom>
+          <a:solidFill>
+            <a:schemeClr val="accent1"/>
+          </a:solidFill>
+          <a:ln w="25400" cap="flat" cmpd="sng" algn="ctr">
             <a:solidFill>
-              <a:schemeClr val="accent1"/>
+              <a:srgbClr val="FF00FF"/>
             </a:solidFill>
-            <a:ln w="25400" cap="flat" cmpd="sng" algn="ctr">
-              <a:solidFill>
-                <a:srgbClr val="FF00FF"/>
-              </a:solidFill>
-              <a:prstDash val="solid"/>
-              <a:round/>
-              <a:headEnd type="stealth" w="lg" len="lg"/>
-              <a:tailEnd type="stealth" w="lg" len="lg"/>
-            </a:ln>
-            <a:effectLst/>
-          </p:spPr>
-        </p:cxnSp>
-        <p:cxnSp>
-          <p:nvCxnSpPr>
-            <p:cNvPr id="62" name="Straight Arrow Connector 61"/>
-            <p:cNvCxnSpPr>
-              <a:stCxn id="55" idx="4"/>
-              <a:endCxn id="35" idx="0"/>
-            </p:cNvCxnSpPr>
-            <p:nvPr/>
-          </p:nvCxnSpPr>
-          <p:spPr bwMode="auto">
-            <a:xfrm flipH="1">
-              <a:off x="3416142" y="1981200"/>
-              <a:ext cx="1155858" cy="1524000"/>
-            </a:xfrm>
-            <a:prstGeom prst="straightConnector1">
-              <a:avLst/>
-            </a:prstGeom>
+            <a:prstDash val="solid"/>
+            <a:round/>
+            <a:headEnd type="stealth" w="lg" len="lg"/>
+            <a:tailEnd type="stealth" w="lg" len="lg"/>
+          </a:ln>
+          <a:effectLst/>
+        </p:spPr>
+      </p:cxnSp>
+      <p:cxnSp>
+        <p:nvCxnSpPr>
+          <p:cNvPr id="91" name="Curved Connector 90"/>
+          <p:cNvCxnSpPr>
+            <a:stCxn id="55" idx="5"/>
+            <a:endCxn id="120" idx="0"/>
+          </p:cNvCxnSpPr>
+          <p:nvPr/>
+        </p:nvCxnSpPr>
+        <p:spPr bwMode="auto">
+          <a:xfrm rot="16200000" flipH="1">
+            <a:off x="3518240" y="3208556"/>
+            <a:ext cx="3572110" cy="871894"/>
+          </a:xfrm>
+          <a:prstGeom prst="curvedConnector3">
+            <a:avLst>
+              <a:gd name="adj1" fmla="val 50000"/>
+            </a:avLst>
+          </a:prstGeom>
+          <a:solidFill>
+            <a:schemeClr val="accent1"/>
+          </a:solidFill>
+          <a:ln w="25400" cap="flat" cmpd="sng" algn="ctr">
             <a:solidFill>
-              <a:schemeClr val="accent1"/>
+              <a:srgbClr val="FF00FF"/>
             </a:solidFill>
-            <a:ln w="25400" cap="flat" cmpd="sng" algn="ctr">
-              <a:solidFill>
-                <a:srgbClr val="FF00FF"/>
-              </a:solidFill>
-              <a:prstDash val="solid"/>
-              <a:round/>
-              <a:headEnd type="stealth" w="lg" len="lg"/>
-              <a:tailEnd type="stealth" w="lg" len="lg"/>
-            </a:ln>
-            <a:effectLst/>
-          </p:spPr>
-        </p:cxnSp>
-        <p:cxnSp>
-          <p:nvCxnSpPr>
-            <p:cNvPr id="26" name="Curved Connector 25"/>
-            <p:cNvCxnSpPr>
-              <a:stCxn id="55" idx="2"/>
-              <a:endCxn id="46" idx="0"/>
-            </p:cNvCxnSpPr>
-            <p:nvPr/>
-          </p:nvCxnSpPr>
-          <p:spPr bwMode="auto">
-            <a:xfrm rot="10800000" flipV="1">
-              <a:off x="2920454" y="1562100"/>
-              <a:ext cx="1232447" cy="3823276"/>
-            </a:xfrm>
-            <a:prstGeom prst="curvedConnector2">
-              <a:avLst/>
-            </a:prstGeom>
-            <a:solidFill>
-              <a:schemeClr val="accent1"/>
-            </a:solidFill>
-            <a:ln w="25400" cap="flat" cmpd="sng" algn="ctr">
-              <a:solidFill>
-                <a:srgbClr val="FF00FF"/>
-              </a:solidFill>
-              <a:prstDash val="solid"/>
-              <a:round/>
-              <a:headEnd type="stealth" w="lg" len="lg"/>
-              <a:tailEnd type="stealth" w="lg" len="lg"/>
-            </a:ln>
-            <a:effectLst/>
-          </p:spPr>
-        </p:cxnSp>
-        <p:cxnSp>
-          <p:nvCxnSpPr>
-            <p:cNvPr id="85" name="Curved Connector 84"/>
-            <p:cNvCxnSpPr>
-              <a:stCxn id="55" idx="6"/>
-              <a:endCxn id="89" idx="0"/>
-            </p:cNvCxnSpPr>
-            <p:nvPr/>
-          </p:nvCxnSpPr>
-          <p:spPr bwMode="auto">
-            <a:xfrm>
-              <a:off x="4991100" y="1562100"/>
-              <a:ext cx="1854042" cy="2705100"/>
-            </a:xfrm>
-            <a:prstGeom prst="curvedConnector2">
-              <a:avLst/>
-            </a:prstGeom>
-            <a:solidFill>
-              <a:schemeClr val="accent1"/>
-            </a:solidFill>
-            <a:ln w="25400" cap="flat" cmpd="sng" algn="ctr">
-              <a:solidFill>
-                <a:srgbClr val="FF00FF"/>
-              </a:solidFill>
-              <a:prstDash val="solid"/>
-              <a:round/>
-              <a:headEnd type="stealth" w="lg" len="lg"/>
-              <a:tailEnd type="stealth" w="lg" len="lg"/>
-            </a:ln>
-            <a:effectLst/>
-          </p:spPr>
-        </p:cxnSp>
-        <p:cxnSp>
-          <p:nvCxnSpPr>
-            <p:cNvPr id="91" name="Curved Connector 90"/>
-            <p:cNvCxnSpPr>
-              <a:stCxn id="55" idx="5"/>
-              <a:endCxn id="120" idx="0"/>
-            </p:cNvCxnSpPr>
-            <p:nvPr/>
-          </p:nvCxnSpPr>
-          <p:spPr bwMode="auto">
-            <a:xfrm rot="16200000" flipH="1">
-              <a:off x="3518240" y="3208556"/>
-              <a:ext cx="3572110" cy="871894"/>
-            </a:xfrm>
-            <a:prstGeom prst="curvedConnector3">
-              <a:avLst>
-                <a:gd name="adj1" fmla="val 50000"/>
-              </a:avLst>
-            </a:prstGeom>
-            <a:solidFill>
-              <a:schemeClr val="accent1"/>
-            </a:solidFill>
-            <a:ln w="25400" cap="flat" cmpd="sng" algn="ctr">
-              <a:solidFill>
-                <a:srgbClr val="FF00FF"/>
-              </a:solidFill>
-              <a:prstDash val="solid"/>
-              <a:round/>
-              <a:headEnd type="stealth" w="lg" len="lg"/>
-              <a:tailEnd type="stealth" w="lg" len="lg"/>
-            </a:ln>
-            <a:effectLst/>
-          </p:spPr>
-        </p:cxnSp>
-      </p:grpSp>
+            <a:prstDash val="solid"/>
+            <a:round/>
+            <a:headEnd type="stealth" w="lg" len="lg"/>
+            <a:tailEnd type="stealth" w="lg" len="lg"/>
+          </a:ln>
+          <a:effectLst/>
+        </p:spPr>
+      </p:cxnSp>
     </p:spTree>
     <p:extLst>
       <p:ext uri="{BB962C8B-B14F-4D97-AF65-F5344CB8AC3E}">
@@ -8659,13 +10005,13 @@
   <p:clrMapOvr>
     <a:masterClrMapping/>
   </p:clrMapOvr>
-  <mc:AlternateContent xmlns:mc="http://schemas.openxmlformats.org/markup-compatibility/2006" xmlns:p14="http://schemas.microsoft.com/office/powerpoint/2010/main">
-    <mc:Choice Requires="p14">
+  <mc:AlternateContent xmlns:mc="http://schemas.openxmlformats.org/markup-compatibility/2006">
+    <mc:Choice xmlns:p14="http://schemas.microsoft.com/office/powerpoint/2010/main" Requires="p14">
       <p:transition spd="med" p14:dur="700" advClick="0">
         <p:fade/>
       </p:transition>
     </mc:Choice>
-    <mc:Fallback xmlns="">
+    <mc:Fallback>
       <p:transition xmlns:p14="http://schemas.microsoft.com/office/powerpoint/2010/main" spd="med" advClick="0">
         <p:fade/>
       </p:transition>
@@ -8732,59 +10078,6 @@
                       </p:childTnLst>
                     </p:cTn>
                   </p:par>
-                  <p:par>
-                    <p:cTn id="8" fill="hold">
-                      <p:stCondLst>
-                        <p:cond delay="indefinite"/>
-                      </p:stCondLst>
-                      <p:childTnLst>
-                        <p:par>
-                          <p:cTn id="9" fill="hold">
-                            <p:stCondLst>
-                              <p:cond delay="0"/>
-                            </p:stCondLst>
-                            <p:childTnLst>
-                              <p:par>
-                                <p:cTn id="10" presetID="22" presetClass="entr" presetSubtype="1" fill="hold" nodeType="clickEffect">
-                                  <p:stCondLst>
-                                    <p:cond delay="0"/>
-                                  </p:stCondLst>
-                                  <p:childTnLst>
-                                    <p:set>
-                                      <p:cBhvr>
-                                        <p:cTn id="11" dur="1" fill="hold">
-                                          <p:stCondLst>
-                                            <p:cond delay="0"/>
-                                          </p:stCondLst>
-                                        </p:cTn>
-                                        <p:tgtEl>
-                                          <p:spTgt spid="54288"/>
-                                        </p:tgtEl>
-                                        <p:attrNameLst>
-                                          <p:attrName>style.visibility</p:attrName>
-                                        </p:attrNameLst>
-                                      </p:cBhvr>
-                                      <p:to>
-                                        <p:strVal val="visible"/>
-                                      </p:to>
-                                    </p:set>
-                                    <p:animEffect transition="in" filter="wipe(up)">
-                                      <p:cBhvr>
-                                        <p:cTn id="12" dur="1000"/>
-                                        <p:tgtEl>
-                                          <p:spTgt spid="54288"/>
-                                        </p:tgtEl>
-                                      </p:cBhvr>
-                                    </p:animEffect>
-                                  </p:childTnLst>
-                                </p:cTn>
-                              </p:par>
-                            </p:childTnLst>
-                          </p:cTn>
-                        </p:par>
-                      </p:childTnLst>
-                    </p:cTn>
-                  </p:par>
                 </p:childTnLst>
               </p:cTn>
               <p:prevCondLst>
@@ -8832,6 +10125,3345 @@
       </p:grpSpPr>
       <p:sp>
         <p:nvSpPr>
+          <p:cNvPr id="54276" name="Slide Number Placeholder 5"/>
+          <p:cNvSpPr>
+            <a:spLocks noGrp="1"/>
+          </p:cNvSpPr>
+          <p:nvPr>
+            <p:ph type="sldNum" sz="quarter" idx="12"/>
+          </p:nvPr>
+        </p:nvSpPr>
+        <p:spPr>
+          <a:noFill/>
+        </p:spPr>
+        <p:txBody>
+          <a:bodyPr/>
+          <a:lstStyle/>
+          <a:p>
+            <a:r>
+              <a:rPr lang="en-US" dirty="0" smtClean="0"/>
+              <a:t>page-rank.</a:t>
+            </a:r>
+            <a:fld id="{B826CD8C-0477-834C-B53A-FCC4FCE3844A}" type="slidenum">
+              <a:rPr lang="en-US" smtClean="0"/>
+              <a:pPr/>
+              <a:t>7</a:t>
+            </a:fld>
+            <a:endParaRPr lang="en-US" dirty="0"/>
+          </a:p>
+          <a:p>
+            <a:endParaRPr lang="en-US" dirty="0"/>
+          </a:p>
+        </p:txBody>
+      </p:sp>
+      <p:sp>
+        <p:nvSpPr>
+          <p:cNvPr id="45" name="Rectangle 4"/>
+          <p:cNvSpPr>
+            <a:spLocks noGrp="1" noChangeArrowheads="1"/>
+          </p:cNvSpPr>
+          <p:nvPr>
+            <p:ph type="dt" sz="half" idx="2"/>
+          </p:nvPr>
+        </p:nvSpPr>
+        <p:spPr bwMode="auto">
+          <a:xfrm>
+            <a:off x="3124200" y="6629400"/>
+            <a:ext cx="2863850" cy="228600"/>
+          </a:xfrm>
+          <a:prstGeom prst="rect">
+            <a:avLst/>
+          </a:prstGeom>
+          <a:noFill/>
+          <a:ln w="9525">
+            <a:noFill/>
+            <a:miter lim="800000"/>
+            <a:headEnd/>
+            <a:tailEnd/>
+          </a:ln>
+        </p:spPr>
+        <p:txBody>
+          <a:bodyPr vert="horz" wrap="square" lIns="91440" tIns="45720" rIns="91440" bIns="45720" numCol="1" anchor="t" anchorCtr="0" compatLnSpc="1">
+            <a:prstTxWarp prst="textNoShape">
+              <a:avLst/>
+            </a:prstTxWarp>
+          </a:bodyPr>
+          <a:lstStyle>
+            <a:lvl1pPr algn="ctr" eaLnBrk="1" hangingPunct="1">
+              <a:defRPr sz="1000">
+                <a:latin typeface="Comic Sans MS" pitchFamily="-64" charset="0"/>
+                <a:ea typeface="ＭＳ Ｐゴシック" pitchFamily="-64" charset="-128"/>
+                <a:cs typeface="+mn-cs"/>
+              </a:defRPr>
+            </a:lvl1pPr>
+          </a:lstStyle>
+          <a:p>
+            <a:pPr>
+              <a:defRPr/>
+            </a:pPr>
+            <a:r>
+              <a:rPr lang="en-US" dirty="0" smtClean="0"/>
+              <a:t>Albert R Meyer,        December 11, 2013</a:t>
+            </a:r>
+            <a:endParaRPr lang="en-US" dirty="0"/>
+          </a:p>
+        </p:txBody>
+      </p:sp>
+      <p:sp>
+        <p:nvSpPr>
+          <p:cNvPr id="24" name="Freeform 23"/>
+          <p:cNvSpPr/>
+          <p:nvPr/>
+        </p:nvSpPr>
+        <p:spPr>
+          <a:xfrm>
+            <a:off x="1983513" y="978296"/>
+            <a:ext cx="6474149" cy="4135571"/>
+          </a:xfrm>
+          <a:custGeom>
+            <a:avLst/>
+            <a:gdLst>
+              <a:gd name="connsiteX0" fmla="*/ 2546154 w 6474149"/>
+              <a:gd name="connsiteY0" fmla="*/ 892837 h 4135571"/>
+              <a:gd name="connsiteX1" fmla="*/ 2520754 w 6474149"/>
+              <a:gd name="connsiteY1" fmla="*/ 545704 h 4135571"/>
+              <a:gd name="connsiteX2" fmla="*/ 2520754 w 6474149"/>
+              <a:gd name="connsiteY2" fmla="*/ 528771 h 4135571"/>
+              <a:gd name="connsiteX3" fmla="*/ 6154 w 6474149"/>
+              <a:gd name="connsiteY3" fmla="*/ 1637904 h 4135571"/>
+              <a:gd name="connsiteX4" fmla="*/ 3350487 w 6474149"/>
+              <a:gd name="connsiteY4" fmla="*/ 2730104 h 4135571"/>
+              <a:gd name="connsiteX5" fmla="*/ 2817087 w 6474149"/>
+              <a:gd name="connsiteY5" fmla="*/ 545704 h 4135571"/>
+              <a:gd name="connsiteX6" fmla="*/ 3900820 w 6474149"/>
+              <a:gd name="connsiteY6" fmla="*/ 875904 h 4135571"/>
+              <a:gd name="connsiteX7" fmla="*/ 5001487 w 6474149"/>
+              <a:gd name="connsiteY7" fmla="*/ 782771 h 4135571"/>
+              <a:gd name="connsiteX8" fmla="*/ 6415420 w 6474149"/>
+              <a:gd name="connsiteY8" fmla="*/ 2027371 h 4135571"/>
+              <a:gd name="connsiteX9" fmla="*/ 6136020 w 6474149"/>
+              <a:gd name="connsiteY9" fmla="*/ 37704 h 4135571"/>
+              <a:gd name="connsiteX10" fmla="*/ 5492554 w 6474149"/>
+              <a:gd name="connsiteY10" fmla="*/ 4135571 h 4135571"/>
+            </a:gdLst>
+            <a:ahLst/>
+            <a:cxnLst>
+              <a:cxn ang="0">
+                <a:pos x="connsiteX0" y="connsiteY0"/>
+              </a:cxn>
+              <a:cxn ang="0">
+                <a:pos x="connsiteX1" y="connsiteY1"/>
+              </a:cxn>
+              <a:cxn ang="0">
+                <a:pos x="connsiteX2" y="connsiteY2"/>
+              </a:cxn>
+              <a:cxn ang="0">
+                <a:pos x="connsiteX3" y="connsiteY3"/>
+              </a:cxn>
+              <a:cxn ang="0">
+                <a:pos x="connsiteX4" y="connsiteY4"/>
+              </a:cxn>
+              <a:cxn ang="0">
+                <a:pos x="connsiteX5" y="connsiteY5"/>
+              </a:cxn>
+              <a:cxn ang="0">
+                <a:pos x="connsiteX6" y="connsiteY6"/>
+              </a:cxn>
+              <a:cxn ang="0">
+                <a:pos x="connsiteX7" y="connsiteY7"/>
+              </a:cxn>
+              <a:cxn ang="0">
+                <a:pos x="connsiteX8" y="connsiteY8"/>
+              </a:cxn>
+              <a:cxn ang="0">
+                <a:pos x="connsiteX9" y="connsiteY9"/>
+              </a:cxn>
+              <a:cxn ang="0">
+                <a:pos x="connsiteX10" y="connsiteY10"/>
+              </a:cxn>
+            </a:cxnLst>
+            <a:rect l="l" t="t" r="r" b="b"/>
+            <a:pathLst>
+              <a:path w="6474149" h="4135571">
+                <a:moveTo>
+                  <a:pt x="2546154" y="892837"/>
+                </a:moveTo>
+                <a:cubicBezTo>
+                  <a:pt x="2535570" y="749609"/>
+                  <a:pt x="2524987" y="606382"/>
+                  <a:pt x="2520754" y="545704"/>
+                </a:cubicBezTo>
+                <a:cubicBezTo>
+                  <a:pt x="2516521" y="485026"/>
+                  <a:pt x="2520754" y="528771"/>
+                  <a:pt x="2520754" y="528771"/>
+                </a:cubicBezTo>
+                <a:cubicBezTo>
+                  <a:pt x="2101654" y="710804"/>
+                  <a:pt x="-132135" y="1271015"/>
+                  <a:pt x="6154" y="1637904"/>
+                </a:cubicBezTo>
+                <a:cubicBezTo>
+                  <a:pt x="144443" y="2004793"/>
+                  <a:pt x="2881998" y="2912137"/>
+                  <a:pt x="3350487" y="2730104"/>
+                </a:cubicBezTo>
+                <a:cubicBezTo>
+                  <a:pt x="3818976" y="2548071"/>
+                  <a:pt x="2725365" y="854737"/>
+                  <a:pt x="2817087" y="545704"/>
+                </a:cubicBezTo>
+                <a:cubicBezTo>
+                  <a:pt x="2908809" y="236671"/>
+                  <a:pt x="3536753" y="836393"/>
+                  <a:pt x="3900820" y="875904"/>
+                </a:cubicBezTo>
+                <a:cubicBezTo>
+                  <a:pt x="4264887" y="915415"/>
+                  <a:pt x="4582387" y="590860"/>
+                  <a:pt x="5001487" y="782771"/>
+                </a:cubicBezTo>
+                <a:cubicBezTo>
+                  <a:pt x="5420587" y="974682"/>
+                  <a:pt x="6226331" y="2151549"/>
+                  <a:pt x="6415420" y="2027371"/>
+                </a:cubicBezTo>
+                <a:cubicBezTo>
+                  <a:pt x="6604509" y="1903193"/>
+                  <a:pt x="6289831" y="-313663"/>
+                  <a:pt x="6136020" y="37704"/>
+                </a:cubicBezTo>
+                <a:cubicBezTo>
+                  <a:pt x="5982209" y="389071"/>
+                  <a:pt x="5595565" y="3452593"/>
+                  <a:pt x="5492554" y="4135571"/>
+                </a:cubicBezTo>
+              </a:path>
+            </a:pathLst>
+          </a:custGeom>
+        </p:spPr>
+        <p:txBody>
+          <a:bodyPr rtlCol="0" anchor="ctr"/>
+          <a:lstStyle/>
+          <a:p>
+            <a:pPr algn="ctr"/>
+            <a:endParaRPr lang="en-US"/>
+          </a:p>
+        </p:txBody>
+      </p:sp>
+      <p:sp>
+        <p:nvSpPr>
+          <p:cNvPr id="48" name="Rectangle 2"/>
+          <p:cNvSpPr>
+            <a:spLocks noGrp="1" noChangeArrowheads="1"/>
+          </p:cNvSpPr>
+          <p:nvPr>
+            <p:ph type="title"/>
+          </p:nvPr>
+        </p:nvSpPr>
+        <p:spPr>
+          <a:xfrm>
+            <a:off x="1676400" y="152400"/>
+            <a:ext cx="5715000" cy="1066800"/>
+          </a:xfrm>
+        </p:spPr>
+        <p:txBody>
+          <a:bodyPr/>
+          <a:lstStyle/>
+          <a:p>
+            <a:pPr eaLnBrk="1" hangingPunct="1"/>
+            <a:r>
+              <a:rPr lang="en-US" sz="3600" dirty="0" smtClean="0">
+                <a:solidFill>
+                  <a:srgbClr val="008000"/>
+                </a:solidFill>
+              </a:rPr>
+              <a:t>Super-node</a:t>
+            </a:r>
+            <a:endParaRPr lang="en-US" dirty="0">
+              <a:solidFill>
+                <a:srgbClr val="008000"/>
+              </a:solidFill>
+            </a:endParaRPr>
+          </a:p>
+        </p:txBody>
+      </p:sp>
+      <p:grpSp>
+        <p:nvGrpSpPr>
+          <p:cNvPr id="63" name="Group 62"/>
+          <p:cNvGrpSpPr/>
+          <p:nvPr/>
+        </p:nvGrpSpPr>
+        <p:grpSpPr>
+          <a:xfrm>
+            <a:off x="1295400" y="2514600"/>
+            <a:ext cx="7444317" cy="3733800"/>
+            <a:chOff x="1371600" y="1066800"/>
+            <a:chExt cx="7444317" cy="3733800"/>
+          </a:xfrm>
+        </p:grpSpPr>
+        <p:sp>
+          <p:nvSpPr>
+            <p:cNvPr id="64" name="Freeform 63"/>
+            <p:cNvSpPr/>
+            <p:nvPr/>
+          </p:nvSpPr>
+          <p:spPr>
+            <a:xfrm>
+              <a:off x="4885267" y="1219200"/>
+              <a:ext cx="423333" cy="253636"/>
+            </a:xfrm>
+            <a:custGeom>
+              <a:avLst/>
+              <a:gdLst>
+                <a:gd name="connsiteX0" fmla="*/ 0 w 423333"/>
+                <a:gd name="connsiteY0" fmla="*/ 220133 h 253636"/>
+                <a:gd name="connsiteX1" fmla="*/ 423333 w 423333"/>
+                <a:gd name="connsiteY1" fmla="*/ 0 h 253636"/>
+              </a:gdLst>
+              <a:ahLst/>
+              <a:cxnLst>
+                <a:cxn ang="0">
+                  <a:pos x="connsiteX0" y="connsiteY0"/>
+                </a:cxn>
+                <a:cxn ang="0">
+                  <a:pos x="connsiteX1" y="connsiteY1"/>
+                </a:cxn>
+              </a:cxnLst>
+              <a:rect l="l" t="t" r="r" b="b"/>
+              <a:pathLst>
+                <a:path w="423333" h="253636">
+                  <a:moveTo>
+                    <a:pt x="0" y="220133"/>
+                  </a:moveTo>
+                  <a:cubicBezTo>
+                    <a:pt x="55033" y="266700"/>
+                    <a:pt x="110066" y="313267"/>
+                    <a:pt x="423333" y="0"/>
+                  </a:cubicBezTo>
+                </a:path>
+              </a:pathLst>
+            </a:custGeom>
+          </p:spPr>
+          <p:txBody>
+            <a:bodyPr rtlCol="0" anchor="ctr"/>
+            <a:lstStyle/>
+            <a:p>
+              <a:pPr algn="ctr"/>
+              <a:endParaRPr lang="en-US"/>
+            </a:p>
+          </p:txBody>
+        </p:sp>
+        <p:grpSp>
+          <p:nvGrpSpPr>
+            <p:cNvPr id="65" name="Group 64"/>
+            <p:cNvGrpSpPr/>
+            <p:nvPr/>
+          </p:nvGrpSpPr>
+          <p:grpSpPr>
+            <a:xfrm>
+              <a:off x="3200400" y="1066800"/>
+              <a:ext cx="2743200" cy="1219200"/>
+              <a:chOff x="3276600" y="1447800"/>
+              <a:chExt cx="2743200" cy="1219200"/>
+            </a:xfrm>
+          </p:grpSpPr>
+          <p:sp>
+            <p:nvSpPr>
+              <p:cNvPr id="135" name="Oval 35"/>
+              <p:cNvSpPr>
+                <a:spLocks noChangeArrowheads="1"/>
+              </p:cNvSpPr>
+              <p:nvPr/>
+            </p:nvSpPr>
+            <p:spPr bwMode="auto">
+              <a:xfrm>
+                <a:off x="4419600" y="1447800"/>
+                <a:ext cx="457200" cy="457200"/>
+              </a:xfrm>
+              <a:prstGeom prst="ellipse">
+                <a:avLst/>
+              </a:prstGeom>
+              <a:solidFill>
+                <a:srgbClr val="80C0FF"/>
+              </a:solidFill>
+              <a:ln w="9525">
+                <a:solidFill>
+                  <a:schemeClr val="tx1"/>
+                </a:solidFill>
+                <a:round/>
+                <a:headEnd/>
+                <a:tailEnd/>
+              </a:ln>
+            </p:spPr>
+            <p:txBody>
+              <a:bodyPr wrap="none" anchor="ctr">
+                <a:prstTxWarp prst="textNoShape">
+                  <a:avLst/>
+                </a:prstTxWarp>
+              </a:bodyPr>
+              <a:lstStyle/>
+              <a:p>
+                <a:pPr algn="ctr"/>
+                <a:r>
+                  <a:rPr lang="en-US" dirty="0" smtClean="0"/>
+                  <a:t>--</a:t>
+                </a:r>
+                <a:endParaRPr lang="en-US" dirty="0"/>
+              </a:p>
+            </p:txBody>
+          </p:sp>
+          <p:sp>
+            <p:nvSpPr>
+              <p:cNvPr id="136" name="Oval 35"/>
+              <p:cNvSpPr>
+                <a:spLocks noChangeArrowheads="1"/>
+              </p:cNvSpPr>
+              <p:nvPr/>
+            </p:nvSpPr>
+            <p:spPr bwMode="auto">
+              <a:xfrm>
+                <a:off x="5562600" y="2209800"/>
+                <a:ext cx="457200" cy="457200"/>
+              </a:xfrm>
+              <a:prstGeom prst="ellipse">
+                <a:avLst/>
+              </a:prstGeom>
+              <a:solidFill>
+                <a:srgbClr val="80C0FF"/>
+              </a:solidFill>
+              <a:ln w="9525">
+                <a:solidFill>
+                  <a:schemeClr val="tx1"/>
+                </a:solidFill>
+                <a:round/>
+                <a:headEnd/>
+                <a:tailEnd/>
+              </a:ln>
+            </p:spPr>
+            <p:txBody>
+              <a:bodyPr wrap="none" anchor="ctr">
+                <a:prstTxWarp prst="textNoShape">
+                  <a:avLst/>
+                </a:prstTxWarp>
+              </a:bodyPr>
+              <a:lstStyle/>
+              <a:p>
+                <a:pPr algn="ctr"/>
+                <a:r>
+                  <a:rPr lang="en-US" sz="1800" dirty="0" smtClean="0"/>
+                  <a:t>--</a:t>
+                </a:r>
+                <a:r>
+                  <a:rPr lang="en-US" sz="1800" dirty="0" smtClean="0">
+                    <a:solidFill>
+                      <a:srgbClr val="FF0000"/>
+                    </a:solidFill>
+                  </a:rPr>
+                  <a:t>T</a:t>
+                </a:r>
+                <a:endParaRPr lang="en-US" sz="1800" dirty="0">
+                  <a:solidFill>
+                    <a:srgbClr val="FF0000"/>
+                  </a:solidFill>
+                </a:endParaRPr>
+              </a:p>
+            </p:txBody>
+          </p:sp>
+          <p:sp>
+            <p:nvSpPr>
+              <p:cNvPr id="137" name="Freeform 136"/>
+              <p:cNvSpPr/>
+              <p:nvPr/>
+            </p:nvSpPr>
+            <p:spPr>
+              <a:xfrm>
+                <a:off x="4482220" y="1506952"/>
+                <a:ext cx="233864" cy="455343"/>
+              </a:xfrm>
+              <a:custGeom>
+                <a:avLst/>
+                <a:gdLst>
+                  <a:gd name="connsiteX0" fmla="*/ 13580 w 233864"/>
+                  <a:gd name="connsiteY0" fmla="*/ 381115 h 455343"/>
+                  <a:gd name="connsiteX1" fmla="*/ 233713 w 233864"/>
+                  <a:gd name="connsiteY1" fmla="*/ 115 h 455343"/>
+                  <a:gd name="connsiteX2" fmla="*/ 47447 w 233864"/>
+                  <a:gd name="connsiteY2" fmla="*/ 423448 h 455343"/>
+                  <a:gd name="connsiteX3" fmla="*/ 13580 w 233864"/>
+                  <a:gd name="connsiteY3" fmla="*/ 381115 h 455343"/>
+                </a:gdLst>
+                <a:ahLst/>
+                <a:cxnLst>
+                  <a:cxn ang="0">
+                    <a:pos x="connsiteX0" y="connsiteY0"/>
+                  </a:cxn>
+                  <a:cxn ang="0">
+                    <a:pos x="connsiteX1" y="connsiteY1"/>
+                  </a:cxn>
+                  <a:cxn ang="0">
+                    <a:pos x="connsiteX2" y="connsiteY2"/>
+                  </a:cxn>
+                  <a:cxn ang="0">
+                    <a:pos x="connsiteX3" y="connsiteY3"/>
+                  </a:cxn>
+                </a:cxnLst>
+                <a:rect l="l" t="t" r="r" b="b"/>
+                <a:pathLst>
+                  <a:path w="233864" h="455343">
+                    <a:moveTo>
+                      <a:pt x="13580" y="381115"/>
+                    </a:moveTo>
+                    <a:cubicBezTo>
+                      <a:pt x="44624" y="310559"/>
+                      <a:pt x="228069" y="-6940"/>
+                      <a:pt x="233713" y="115"/>
+                    </a:cubicBezTo>
+                    <a:cubicBezTo>
+                      <a:pt x="239357" y="7170"/>
+                      <a:pt x="85547" y="362770"/>
+                      <a:pt x="47447" y="423448"/>
+                    </a:cubicBezTo>
+                    <a:cubicBezTo>
+                      <a:pt x="9347" y="484126"/>
+                      <a:pt x="-17464" y="451671"/>
+                      <a:pt x="13580" y="381115"/>
+                    </a:cubicBezTo>
+                    <a:close/>
+                  </a:path>
+                </a:pathLst>
+              </a:custGeom>
+            </p:spPr>
+            <p:txBody>
+              <a:bodyPr vert="horz" wrap="square" lIns="91440" tIns="45720" rIns="91440" bIns="45720" numCol="1" rtlCol="0" anchor="t" anchorCtr="0" compatLnSpc="1">
+                <a:prstTxWarp prst="textNoShape">
+                  <a:avLst/>
+                </a:prstTxWarp>
+              </a:bodyPr>
+              <a:lstStyle/>
+              <a:p>
+                <a:pPr marL="0" marR="0" indent="0" algn="l" defTabSz="914400" rtl="0" eaLnBrk="0" fontAlgn="base" latinLnBrk="0" hangingPunct="0">
+                  <a:lnSpc>
+                    <a:spcPct val="100000"/>
+                  </a:lnSpc>
+                  <a:spcBef>
+                    <a:spcPct val="0"/>
+                  </a:spcBef>
+                  <a:spcAft>
+                    <a:spcPct val="0"/>
+                  </a:spcAft>
+                  <a:buClrTx/>
+                  <a:buSzTx/>
+                  <a:buFontTx/>
+                  <a:buNone/>
+                  <a:tabLst/>
+                </a:pPr>
+                <a:endParaRPr kumimoji="0" lang="en-US" sz="2400" b="0" i="0" u="none" strike="noStrike" cap="none" normalizeH="0" baseline="0" smtClean="0">
+                  <a:ln>
+                    <a:noFill/>
+                  </a:ln>
+                  <a:solidFill>
+                    <a:schemeClr val="tx1"/>
+                  </a:solidFill>
+                  <a:effectLst/>
+                  <a:latin typeface="Comic Sans MS" pitchFamily="-64" charset="0"/>
+                  <a:ea typeface="ＭＳ Ｐゴシック" pitchFamily="-64" charset="-128"/>
+                </a:endParaRPr>
+              </a:p>
+            </p:txBody>
+          </p:sp>
+          <p:cxnSp>
+            <p:nvCxnSpPr>
+              <p:cNvPr id="138" name="Straight Arrow Connector 137"/>
+              <p:cNvCxnSpPr>
+                <a:endCxn id="140" idx="7"/>
+              </p:cNvCxnSpPr>
+              <p:nvPr/>
+            </p:nvCxnSpPr>
+            <p:spPr bwMode="auto">
+              <a:xfrm flipH="1">
+                <a:off x="3666845" y="1838045"/>
+                <a:ext cx="819710" cy="438710"/>
+              </a:xfrm>
+              <a:prstGeom prst="straightConnector1">
+                <a:avLst/>
+              </a:prstGeom>
+              <a:solidFill>
+                <a:schemeClr val="accent1"/>
+              </a:solidFill>
+              <a:ln w="31750" cap="flat" cmpd="sng" algn="ctr">
+                <a:solidFill>
+                  <a:schemeClr val="tx1"/>
+                </a:solidFill>
+                <a:prstDash val="solid"/>
+                <a:round/>
+                <a:headEnd type="none" w="med" len="med"/>
+                <a:tailEnd type="stealth" w="lg" len="lg"/>
+              </a:ln>
+              <a:effectLst/>
+            </p:spPr>
+          </p:cxnSp>
+          <p:cxnSp>
+            <p:nvCxnSpPr>
+              <p:cNvPr id="139" name="Straight Arrow Connector 138"/>
+              <p:cNvCxnSpPr>
+                <a:endCxn id="142" idx="1"/>
+              </p:cNvCxnSpPr>
+              <p:nvPr/>
+            </p:nvCxnSpPr>
+            <p:spPr bwMode="auto">
+              <a:xfrm>
+                <a:off x="4809845" y="1838045"/>
+                <a:ext cx="819710" cy="438710"/>
+              </a:xfrm>
+              <a:prstGeom prst="straightConnector1">
+                <a:avLst/>
+              </a:prstGeom>
+              <a:solidFill>
+                <a:schemeClr val="accent1"/>
+              </a:solidFill>
+              <a:ln w="31750" cap="flat" cmpd="sng" algn="ctr">
+                <a:solidFill>
+                  <a:schemeClr val="tx1"/>
+                </a:solidFill>
+                <a:prstDash val="solid"/>
+                <a:round/>
+                <a:headEnd type="none" w="med" len="med"/>
+                <a:tailEnd type="stealth" w="lg" len="lg"/>
+              </a:ln>
+              <a:effectLst/>
+            </p:spPr>
+          </p:cxnSp>
+          <p:sp>
+            <p:nvSpPr>
+              <p:cNvPr id="140" name="Oval 35"/>
+              <p:cNvSpPr>
+                <a:spLocks noChangeArrowheads="1"/>
+              </p:cNvSpPr>
+              <p:nvPr/>
+            </p:nvSpPr>
+            <p:spPr bwMode="auto">
+              <a:xfrm>
+                <a:off x="3276600" y="2209800"/>
+                <a:ext cx="457200" cy="457200"/>
+              </a:xfrm>
+              <a:prstGeom prst="ellipse">
+                <a:avLst/>
+              </a:prstGeom>
+              <a:solidFill>
+                <a:srgbClr val="80C0FF"/>
+              </a:solidFill>
+              <a:ln w="9525">
+                <a:solidFill>
+                  <a:schemeClr val="tx1"/>
+                </a:solidFill>
+                <a:round/>
+                <a:headEnd/>
+                <a:tailEnd/>
+              </a:ln>
+            </p:spPr>
+            <p:txBody>
+              <a:bodyPr wrap="none" anchor="ctr">
+                <a:prstTxWarp prst="textNoShape">
+                  <a:avLst/>
+                </a:prstTxWarp>
+              </a:bodyPr>
+              <a:lstStyle/>
+              <a:p>
+                <a:pPr algn="ctr"/>
+                <a:r>
+                  <a:rPr lang="en-US" sz="1800" dirty="0" smtClean="0"/>
+                  <a:t>-</a:t>
+                </a:r>
+                <a:r>
+                  <a:rPr lang="en-US" sz="1800" dirty="0" smtClean="0">
+                    <a:solidFill>
+                      <a:srgbClr val="008000"/>
+                    </a:solidFill>
+                  </a:rPr>
+                  <a:t>H</a:t>
+                </a:r>
+                <a:endParaRPr lang="en-US" sz="1800" dirty="0">
+                  <a:solidFill>
+                    <a:srgbClr val="008000"/>
+                  </a:solidFill>
+                </a:endParaRPr>
+              </a:p>
+            </p:txBody>
+          </p:sp>
+          <p:sp>
+            <p:nvSpPr>
+              <p:cNvPr id="141" name="TextBox 140"/>
+              <p:cNvSpPr txBox="1"/>
+              <p:nvPr/>
+            </p:nvSpPr>
+            <p:spPr>
+              <a:xfrm>
+                <a:off x="3429000" y="1524000"/>
+                <a:ext cx="421059" cy="461665"/>
+              </a:xfrm>
+              <a:prstGeom prst="rect">
+                <a:avLst/>
+              </a:prstGeom>
+              <a:noFill/>
+            </p:spPr>
+            <p:txBody>
+              <a:bodyPr wrap="none" rtlCol="0">
+                <a:spAutoFit/>
+              </a:bodyPr>
+              <a:lstStyle/>
+              <a:p>
+                <a:r>
+                  <a:rPr lang="en-US" dirty="0" smtClean="0">
+                    <a:solidFill>
+                      <a:srgbClr val="008000"/>
+                    </a:solidFill>
+                  </a:rPr>
+                  <a:t>H</a:t>
+                </a:r>
+                <a:endParaRPr lang="en-US" dirty="0">
+                  <a:solidFill>
+                    <a:srgbClr val="008000"/>
+                  </a:solidFill>
+                </a:endParaRPr>
+              </a:p>
+            </p:txBody>
+          </p:sp>
+          <p:sp>
+            <p:nvSpPr>
+              <p:cNvPr id="142" name="Oval 35"/>
+              <p:cNvSpPr>
+                <a:spLocks noChangeArrowheads="1"/>
+              </p:cNvSpPr>
+              <p:nvPr/>
+            </p:nvSpPr>
+            <p:spPr bwMode="auto">
+              <a:xfrm>
+                <a:off x="5562600" y="2209800"/>
+                <a:ext cx="457200" cy="457200"/>
+              </a:xfrm>
+              <a:prstGeom prst="ellipse">
+                <a:avLst/>
+              </a:prstGeom>
+              <a:solidFill>
+                <a:srgbClr val="80C0FF"/>
+              </a:solidFill>
+              <a:ln w="9525">
+                <a:solidFill>
+                  <a:schemeClr val="tx1"/>
+                </a:solidFill>
+                <a:round/>
+                <a:headEnd/>
+                <a:tailEnd/>
+              </a:ln>
+            </p:spPr>
+            <p:txBody>
+              <a:bodyPr wrap="none" anchor="ctr">
+                <a:prstTxWarp prst="textNoShape">
+                  <a:avLst/>
+                </a:prstTxWarp>
+              </a:bodyPr>
+              <a:lstStyle/>
+              <a:p>
+                <a:pPr algn="ctr"/>
+                <a:r>
+                  <a:rPr lang="en-US" sz="1800" dirty="0" smtClean="0"/>
+                  <a:t>-</a:t>
+                </a:r>
+                <a:r>
+                  <a:rPr lang="en-US" sz="1800" dirty="0" smtClean="0">
+                    <a:solidFill>
+                      <a:srgbClr val="FF0000"/>
+                    </a:solidFill>
+                  </a:rPr>
+                  <a:t>T</a:t>
+                </a:r>
+                <a:endParaRPr lang="en-US" sz="1800" dirty="0">
+                  <a:solidFill>
+                    <a:srgbClr val="FF0000"/>
+                  </a:solidFill>
+                </a:endParaRPr>
+              </a:p>
+            </p:txBody>
+          </p:sp>
+          <p:sp>
+            <p:nvSpPr>
+              <p:cNvPr id="143" name="TextBox 142"/>
+              <p:cNvSpPr txBox="1"/>
+              <p:nvPr/>
+            </p:nvSpPr>
+            <p:spPr>
+              <a:xfrm>
+                <a:off x="5410200" y="1524000"/>
+                <a:ext cx="393858" cy="461665"/>
+              </a:xfrm>
+              <a:prstGeom prst="rect">
+                <a:avLst/>
+              </a:prstGeom>
+              <a:noFill/>
+            </p:spPr>
+            <p:txBody>
+              <a:bodyPr wrap="none" rtlCol="0">
+                <a:spAutoFit/>
+              </a:bodyPr>
+              <a:lstStyle/>
+              <a:p>
+                <a:r>
+                  <a:rPr lang="en-US" dirty="0" smtClean="0">
+                    <a:solidFill>
+                      <a:srgbClr val="FF0000"/>
+                    </a:solidFill>
+                  </a:rPr>
+                  <a:t>T</a:t>
+                </a:r>
+                <a:endParaRPr lang="en-US" dirty="0">
+                  <a:solidFill>
+                    <a:srgbClr val="FF0000"/>
+                  </a:solidFill>
+                </a:endParaRPr>
+              </a:p>
+            </p:txBody>
+          </p:sp>
+          <p:sp>
+            <p:nvSpPr>
+              <p:cNvPr id="144" name="TextBox 143"/>
+              <p:cNvSpPr txBox="1"/>
+              <p:nvPr/>
+            </p:nvSpPr>
+            <p:spPr>
+              <a:xfrm>
+                <a:off x="3815434" y="1472624"/>
+                <a:ext cx="451766" cy="584776"/>
+              </a:xfrm>
+              <a:prstGeom prst="rect">
+                <a:avLst/>
+              </a:prstGeom>
+              <a:noFill/>
+            </p:spPr>
+            <p:txBody>
+              <a:bodyPr wrap="none" rtlCol="0">
+                <a:spAutoFit/>
+              </a:bodyPr>
+              <a:lstStyle/>
+              <a:p>
+                <a:r>
+                  <a:rPr lang="en-US" sz="3200" dirty="0" smtClean="0">
+                    <a:solidFill>
+                      <a:srgbClr val="0000FF"/>
+                    </a:solidFill>
+                  </a:rPr>
+                  <a:t>½</a:t>
+                </a:r>
+                <a:endParaRPr lang="en-US" sz="3200" dirty="0">
+                  <a:solidFill>
+                    <a:srgbClr val="0000FF"/>
+                  </a:solidFill>
+                </a:endParaRPr>
+              </a:p>
+            </p:txBody>
+          </p:sp>
+          <p:sp>
+            <p:nvSpPr>
+              <p:cNvPr id="145" name="TextBox 144"/>
+              <p:cNvSpPr txBox="1"/>
+              <p:nvPr/>
+            </p:nvSpPr>
+            <p:spPr>
+              <a:xfrm>
+                <a:off x="5029200" y="1447800"/>
+                <a:ext cx="451766" cy="584776"/>
+              </a:xfrm>
+              <a:prstGeom prst="rect">
+                <a:avLst/>
+              </a:prstGeom>
+              <a:noFill/>
+            </p:spPr>
+            <p:txBody>
+              <a:bodyPr wrap="none" rtlCol="0">
+                <a:spAutoFit/>
+              </a:bodyPr>
+              <a:lstStyle/>
+              <a:p>
+                <a:r>
+                  <a:rPr lang="en-US" sz="3200" dirty="0" smtClean="0">
+                    <a:solidFill>
+                      <a:srgbClr val="0000FF"/>
+                    </a:solidFill>
+                  </a:rPr>
+                  <a:t>½</a:t>
+                </a:r>
+                <a:endParaRPr lang="en-US" sz="3200" dirty="0">
+                  <a:solidFill>
+                    <a:srgbClr val="0000FF"/>
+                  </a:solidFill>
+                </a:endParaRPr>
+              </a:p>
+            </p:txBody>
+          </p:sp>
+        </p:grpSp>
+        <p:grpSp>
+          <p:nvGrpSpPr>
+            <p:cNvPr id="66" name="Group 65"/>
+            <p:cNvGrpSpPr/>
+            <p:nvPr/>
+          </p:nvGrpSpPr>
+          <p:grpSpPr>
+            <a:xfrm>
+              <a:off x="2057400" y="1828800"/>
+              <a:ext cx="2743200" cy="1219200"/>
+              <a:chOff x="1981200" y="2133600"/>
+              <a:chExt cx="2743200" cy="1219200"/>
+            </a:xfrm>
+          </p:grpSpPr>
+          <p:sp>
+            <p:nvSpPr>
+              <p:cNvPr id="123" name="Oval 35"/>
+              <p:cNvSpPr>
+                <a:spLocks noChangeArrowheads="1"/>
+              </p:cNvSpPr>
+              <p:nvPr/>
+            </p:nvSpPr>
+            <p:spPr bwMode="auto">
+              <a:xfrm>
+                <a:off x="4267200" y="2895600"/>
+                <a:ext cx="457200" cy="457200"/>
+              </a:xfrm>
+              <a:prstGeom prst="ellipse">
+                <a:avLst/>
+              </a:prstGeom>
+              <a:solidFill>
+                <a:srgbClr val="80C0FF"/>
+              </a:solidFill>
+              <a:ln w="9525">
+                <a:solidFill>
+                  <a:schemeClr val="tx1"/>
+                </a:solidFill>
+                <a:round/>
+                <a:headEnd/>
+                <a:tailEnd/>
+              </a:ln>
+            </p:spPr>
+            <p:txBody>
+              <a:bodyPr wrap="none" anchor="ctr">
+                <a:prstTxWarp prst="textNoShape">
+                  <a:avLst/>
+                </a:prstTxWarp>
+              </a:bodyPr>
+              <a:lstStyle/>
+              <a:p>
+                <a:pPr algn="ctr"/>
+                <a:r>
+                  <a:rPr lang="en-US" sz="1800" dirty="0" smtClean="0"/>
+                  <a:t>--</a:t>
+                </a:r>
+                <a:r>
+                  <a:rPr lang="en-US" sz="1800" dirty="0" smtClean="0">
+                    <a:solidFill>
+                      <a:srgbClr val="FF0000"/>
+                    </a:solidFill>
+                  </a:rPr>
+                  <a:t>T</a:t>
+                </a:r>
+                <a:endParaRPr lang="en-US" sz="1800" dirty="0">
+                  <a:solidFill>
+                    <a:srgbClr val="FF0000"/>
+                  </a:solidFill>
+                </a:endParaRPr>
+              </a:p>
+            </p:txBody>
+          </p:sp>
+          <p:sp>
+            <p:nvSpPr>
+              <p:cNvPr id="124" name="Freeform 123"/>
+              <p:cNvSpPr/>
+              <p:nvPr/>
+            </p:nvSpPr>
+            <p:spPr>
+              <a:xfrm>
+                <a:off x="3186820" y="2192752"/>
+                <a:ext cx="233864" cy="455343"/>
+              </a:xfrm>
+              <a:custGeom>
+                <a:avLst/>
+                <a:gdLst>
+                  <a:gd name="connsiteX0" fmla="*/ 13580 w 233864"/>
+                  <a:gd name="connsiteY0" fmla="*/ 381115 h 455343"/>
+                  <a:gd name="connsiteX1" fmla="*/ 233713 w 233864"/>
+                  <a:gd name="connsiteY1" fmla="*/ 115 h 455343"/>
+                  <a:gd name="connsiteX2" fmla="*/ 47447 w 233864"/>
+                  <a:gd name="connsiteY2" fmla="*/ 423448 h 455343"/>
+                  <a:gd name="connsiteX3" fmla="*/ 13580 w 233864"/>
+                  <a:gd name="connsiteY3" fmla="*/ 381115 h 455343"/>
+                </a:gdLst>
+                <a:ahLst/>
+                <a:cxnLst>
+                  <a:cxn ang="0">
+                    <a:pos x="connsiteX0" y="connsiteY0"/>
+                  </a:cxn>
+                  <a:cxn ang="0">
+                    <a:pos x="connsiteX1" y="connsiteY1"/>
+                  </a:cxn>
+                  <a:cxn ang="0">
+                    <a:pos x="connsiteX2" y="connsiteY2"/>
+                  </a:cxn>
+                  <a:cxn ang="0">
+                    <a:pos x="connsiteX3" y="connsiteY3"/>
+                  </a:cxn>
+                </a:cxnLst>
+                <a:rect l="l" t="t" r="r" b="b"/>
+                <a:pathLst>
+                  <a:path w="233864" h="455343">
+                    <a:moveTo>
+                      <a:pt x="13580" y="381115"/>
+                    </a:moveTo>
+                    <a:cubicBezTo>
+                      <a:pt x="44624" y="310559"/>
+                      <a:pt x="228069" y="-6940"/>
+                      <a:pt x="233713" y="115"/>
+                    </a:cubicBezTo>
+                    <a:cubicBezTo>
+                      <a:pt x="239357" y="7170"/>
+                      <a:pt x="85547" y="362770"/>
+                      <a:pt x="47447" y="423448"/>
+                    </a:cubicBezTo>
+                    <a:cubicBezTo>
+                      <a:pt x="9347" y="484126"/>
+                      <a:pt x="-17464" y="451671"/>
+                      <a:pt x="13580" y="381115"/>
+                    </a:cubicBezTo>
+                    <a:close/>
+                  </a:path>
+                </a:pathLst>
+              </a:custGeom>
+            </p:spPr>
+            <p:txBody>
+              <a:bodyPr vert="horz" wrap="square" lIns="91440" tIns="45720" rIns="91440" bIns="45720" numCol="1" rtlCol="0" anchor="t" anchorCtr="0" compatLnSpc="1">
+                <a:prstTxWarp prst="textNoShape">
+                  <a:avLst/>
+                </a:prstTxWarp>
+              </a:bodyPr>
+              <a:lstStyle/>
+              <a:p>
+                <a:pPr marL="0" marR="0" indent="0" algn="l" defTabSz="914400" rtl="0" eaLnBrk="0" fontAlgn="base" latinLnBrk="0" hangingPunct="0">
+                  <a:lnSpc>
+                    <a:spcPct val="100000"/>
+                  </a:lnSpc>
+                  <a:spcBef>
+                    <a:spcPct val="0"/>
+                  </a:spcBef>
+                  <a:spcAft>
+                    <a:spcPct val="0"/>
+                  </a:spcAft>
+                  <a:buClrTx/>
+                  <a:buSzTx/>
+                  <a:buFontTx/>
+                  <a:buNone/>
+                  <a:tabLst/>
+                </a:pPr>
+                <a:endParaRPr kumimoji="0" lang="en-US" sz="2400" b="0" i="0" u="none" strike="noStrike" cap="none" normalizeH="0" baseline="0" smtClean="0">
+                  <a:ln>
+                    <a:noFill/>
+                  </a:ln>
+                  <a:solidFill>
+                    <a:schemeClr val="tx1"/>
+                  </a:solidFill>
+                  <a:effectLst/>
+                  <a:latin typeface="Comic Sans MS" pitchFamily="-64" charset="0"/>
+                  <a:ea typeface="ＭＳ Ｐゴシック" pitchFamily="-64" charset="-128"/>
+                </a:endParaRPr>
+              </a:p>
+            </p:txBody>
+          </p:sp>
+          <p:cxnSp>
+            <p:nvCxnSpPr>
+              <p:cNvPr id="125" name="Straight Arrow Connector 124"/>
+              <p:cNvCxnSpPr>
+                <a:endCxn id="129" idx="7"/>
+              </p:cNvCxnSpPr>
+              <p:nvPr/>
+            </p:nvCxnSpPr>
+            <p:spPr bwMode="auto">
+              <a:xfrm flipH="1">
+                <a:off x="2371445" y="2523845"/>
+                <a:ext cx="819710" cy="438710"/>
+              </a:xfrm>
+              <a:prstGeom prst="straightConnector1">
+                <a:avLst/>
+              </a:prstGeom>
+              <a:solidFill>
+                <a:schemeClr val="accent1"/>
+              </a:solidFill>
+              <a:ln w="31750" cap="flat" cmpd="sng" algn="ctr">
+                <a:solidFill>
+                  <a:schemeClr val="tx1"/>
+                </a:solidFill>
+                <a:prstDash val="solid"/>
+                <a:round/>
+                <a:headEnd type="none" w="med" len="med"/>
+                <a:tailEnd type="stealth" w="lg" len="lg"/>
+              </a:ln>
+              <a:effectLst/>
+            </p:spPr>
+          </p:cxnSp>
+          <p:cxnSp>
+            <p:nvCxnSpPr>
+              <p:cNvPr id="126" name="Straight Arrow Connector 125"/>
+              <p:cNvCxnSpPr>
+                <a:endCxn id="131" idx="1"/>
+              </p:cNvCxnSpPr>
+              <p:nvPr/>
+            </p:nvCxnSpPr>
+            <p:spPr bwMode="auto">
+              <a:xfrm>
+                <a:off x="3514445" y="2523845"/>
+                <a:ext cx="819710" cy="438710"/>
+              </a:xfrm>
+              <a:prstGeom prst="straightConnector1">
+                <a:avLst/>
+              </a:prstGeom>
+              <a:solidFill>
+                <a:schemeClr val="accent1"/>
+              </a:solidFill>
+              <a:ln w="31750" cap="flat" cmpd="sng" algn="ctr">
+                <a:solidFill>
+                  <a:schemeClr val="tx1"/>
+                </a:solidFill>
+                <a:prstDash val="solid"/>
+                <a:round/>
+                <a:headEnd type="none" w="med" len="med"/>
+                <a:tailEnd type="stealth" w="lg" len="lg"/>
+              </a:ln>
+              <a:effectLst/>
+            </p:spPr>
+          </p:cxnSp>
+          <p:sp>
+            <p:nvSpPr>
+              <p:cNvPr id="129" name="Oval 35"/>
+              <p:cNvSpPr>
+                <a:spLocks noChangeArrowheads="1"/>
+              </p:cNvSpPr>
+              <p:nvPr/>
+            </p:nvSpPr>
+            <p:spPr bwMode="auto">
+              <a:xfrm>
+                <a:off x="1981200" y="2895600"/>
+                <a:ext cx="457200" cy="457200"/>
+              </a:xfrm>
+              <a:prstGeom prst="ellipse">
+                <a:avLst/>
+              </a:prstGeom>
+              <a:solidFill>
+                <a:srgbClr val="80C0FF">
+                  <a:alpha val="48000"/>
+                </a:srgbClr>
+              </a:solidFill>
+              <a:ln w="9525">
+                <a:solidFill>
+                  <a:schemeClr val="tx1"/>
+                </a:solidFill>
+                <a:round/>
+                <a:headEnd/>
+                <a:tailEnd/>
+              </a:ln>
+            </p:spPr>
+            <p:txBody>
+              <a:bodyPr wrap="none" anchor="ctr">
+                <a:prstTxWarp prst="textNoShape">
+                  <a:avLst/>
+                </a:prstTxWarp>
+              </a:bodyPr>
+              <a:lstStyle/>
+              <a:p>
+                <a:pPr algn="ctr"/>
+                <a:r>
+                  <a:rPr lang="en-US" sz="1800" dirty="0" smtClean="0">
+                    <a:solidFill>
+                      <a:srgbClr val="008000"/>
+                    </a:solidFill>
+                  </a:rPr>
+                  <a:t>HH</a:t>
+                </a:r>
+                <a:endParaRPr lang="en-US" sz="1800" dirty="0">
+                  <a:solidFill>
+                    <a:srgbClr val="008000"/>
+                  </a:solidFill>
+                </a:endParaRPr>
+              </a:p>
+            </p:txBody>
+          </p:sp>
+          <p:sp>
+            <p:nvSpPr>
+              <p:cNvPr id="130" name="TextBox 129"/>
+              <p:cNvSpPr txBox="1"/>
+              <p:nvPr/>
+            </p:nvSpPr>
+            <p:spPr>
+              <a:xfrm>
+                <a:off x="2133600" y="2209800"/>
+                <a:ext cx="421059" cy="461665"/>
+              </a:xfrm>
+              <a:prstGeom prst="rect">
+                <a:avLst/>
+              </a:prstGeom>
+              <a:noFill/>
+            </p:spPr>
+            <p:txBody>
+              <a:bodyPr wrap="none" rtlCol="0">
+                <a:spAutoFit/>
+              </a:bodyPr>
+              <a:lstStyle/>
+              <a:p>
+                <a:r>
+                  <a:rPr lang="en-US" dirty="0" smtClean="0">
+                    <a:solidFill>
+                      <a:srgbClr val="008000"/>
+                    </a:solidFill>
+                  </a:rPr>
+                  <a:t>H</a:t>
+                </a:r>
+                <a:endParaRPr lang="en-US" dirty="0">
+                  <a:solidFill>
+                    <a:srgbClr val="008000"/>
+                  </a:solidFill>
+                </a:endParaRPr>
+              </a:p>
+            </p:txBody>
+          </p:sp>
+          <p:sp>
+            <p:nvSpPr>
+              <p:cNvPr id="131" name="Oval 35"/>
+              <p:cNvSpPr>
+                <a:spLocks noChangeArrowheads="1"/>
+              </p:cNvSpPr>
+              <p:nvPr/>
+            </p:nvSpPr>
+            <p:spPr bwMode="auto">
+              <a:xfrm>
+                <a:off x="4267200" y="2895600"/>
+                <a:ext cx="457200" cy="457200"/>
+              </a:xfrm>
+              <a:prstGeom prst="ellipse">
+                <a:avLst/>
+              </a:prstGeom>
+              <a:solidFill>
+                <a:srgbClr val="80C0FF"/>
+              </a:solidFill>
+              <a:ln w="9525">
+                <a:solidFill>
+                  <a:schemeClr val="tx1"/>
+                </a:solidFill>
+                <a:round/>
+                <a:headEnd/>
+                <a:tailEnd/>
+              </a:ln>
+            </p:spPr>
+            <p:txBody>
+              <a:bodyPr wrap="none" anchor="ctr">
+                <a:prstTxWarp prst="textNoShape">
+                  <a:avLst/>
+                </a:prstTxWarp>
+              </a:bodyPr>
+              <a:lstStyle/>
+              <a:p>
+                <a:pPr algn="ctr"/>
+                <a:r>
+                  <a:rPr lang="en-US" sz="1800" dirty="0" smtClean="0">
+                    <a:solidFill>
+                      <a:srgbClr val="008000"/>
+                    </a:solidFill>
+                  </a:rPr>
+                  <a:t>H</a:t>
+                </a:r>
+                <a:r>
+                  <a:rPr lang="en-US" sz="1800" dirty="0" smtClean="0">
+                    <a:solidFill>
+                      <a:srgbClr val="FF0000"/>
+                    </a:solidFill>
+                  </a:rPr>
+                  <a:t>T</a:t>
+                </a:r>
+                <a:endParaRPr lang="en-US" sz="1800" dirty="0">
+                  <a:solidFill>
+                    <a:srgbClr val="FF0000"/>
+                  </a:solidFill>
+                </a:endParaRPr>
+              </a:p>
+            </p:txBody>
+          </p:sp>
+          <p:sp>
+            <p:nvSpPr>
+              <p:cNvPr id="132" name="TextBox 131"/>
+              <p:cNvSpPr txBox="1"/>
+              <p:nvPr/>
+            </p:nvSpPr>
+            <p:spPr>
+              <a:xfrm>
+                <a:off x="4114800" y="2209800"/>
+                <a:ext cx="393858" cy="461665"/>
+              </a:xfrm>
+              <a:prstGeom prst="rect">
+                <a:avLst/>
+              </a:prstGeom>
+              <a:noFill/>
+            </p:spPr>
+            <p:txBody>
+              <a:bodyPr wrap="none" rtlCol="0">
+                <a:spAutoFit/>
+              </a:bodyPr>
+              <a:lstStyle/>
+              <a:p>
+                <a:r>
+                  <a:rPr lang="en-US" dirty="0" smtClean="0">
+                    <a:solidFill>
+                      <a:srgbClr val="FF0000"/>
+                    </a:solidFill>
+                  </a:rPr>
+                  <a:t>T</a:t>
+                </a:r>
+                <a:endParaRPr lang="en-US" dirty="0">
+                  <a:solidFill>
+                    <a:srgbClr val="FF0000"/>
+                  </a:solidFill>
+                </a:endParaRPr>
+              </a:p>
+            </p:txBody>
+          </p:sp>
+          <p:sp>
+            <p:nvSpPr>
+              <p:cNvPr id="133" name="TextBox 132"/>
+              <p:cNvSpPr txBox="1"/>
+              <p:nvPr/>
+            </p:nvSpPr>
+            <p:spPr>
+              <a:xfrm>
+                <a:off x="2520034" y="2158424"/>
+                <a:ext cx="451766" cy="584776"/>
+              </a:xfrm>
+              <a:prstGeom prst="rect">
+                <a:avLst/>
+              </a:prstGeom>
+              <a:noFill/>
+            </p:spPr>
+            <p:txBody>
+              <a:bodyPr wrap="none" rtlCol="0">
+                <a:spAutoFit/>
+              </a:bodyPr>
+              <a:lstStyle/>
+              <a:p>
+                <a:r>
+                  <a:rPr lang="en-US" sz="3200" dirty="0" smtClean="0">
+                    <a:solidFill>
+                      <a:srgbClr val="0000FF"/>
+                    </a:solidFill>
+                  </a:rPr>
+                  <a:t>½</a:t>
+                </a:r>
+                <a:endParaRPr lang="en-US" sz="3200" dirty="0">
+                  <a:solidFill>
+                    <a:srgbClr val="0000FF"/>
+                  </a:solidFill>
+                </a:endParaRPr>
+              </a:p>
+            </p:txBody>
+          </p:sp>
+          <p:sp>
+            <p:nvSpPr>
+              <p:cNvPr id="134" name="TextBox 133"/>
+              <p:cNvSpPr txBox="1"/>
+              <p:nvPr/>
+            </p:nvSpPr>
+            <p:spPr>
+              <a:xfrm>
+                <a:off x="3733800" y="2133600"/>
+                <a:ext cx="451766" cy="584776"/>
+              </a:xfrm>
+              <a:prstGeom prst="rect">
+                <a:avLst/>
+              </a:prstGeom>
+              <a:noFill/>
+            </p:spPr>
+            <p:txBody>
+              <a:bodyPr wrap="none" rtlCol="0">
+                <a:spAutoFit/>
+              </a:bodyPr>
+              <a:lstStyle/>
+              <a:p>
+                <a:r>
+                  <a:rPr lang="en-US" sz="3200" dirty="0" smtClean="0">
+                    <a:solidFill>
+                      <a:srgbClr val="0000FF"/>
+                    </a:solidFill>
+                  </a:rPr>
+                  <a:t>½</a:t>
+                </a:r>
+                <a:endParaRPr lang="en-US" sz="3200" dirty="0">
+                  <a:solidFill>
+                    <a:srgbClr val="0000FF"/>
+                  </a:solidFill>
+                </a:endParaRPr>
+              </a:p>
+            </p:txBody>
+          </p:sp>
+        </p:grpSp>
+        <p:grpSp>
+          <p:nvGrpSpPr>
+            <p:cNvPr id="67" name="Group 66"/>
+            <p:cNvGrpSpPr/>
+            <p:nvPr/>
+          </p:nvGrpSpPr>
+          <p:grpSpPr>
+            <a:xfrm>
+              <a:off x="4876800" y="1887952"/>
+              <a:ext cx="2209800" cy="1160048"/>
+              <a:chOff x="2514600" y="2192752"/>
+              <a:chExt cx="2209800" cy="1160048"/>
+            </a:xfrm>
+          </p:grpSpPr>
+          <p:sp>
+            <p:nvSpPr>
+              <p:cNvPr id="112" name="Oval 35"/>
+              <p:cNvSpPr>
+                <a:spLocks noChangeArrowheads="1"/>
+              </p:cNvSpPr>
+              <p:nvPr/>
+            </p:nvSpPr>
+            <p:spPr bwMode="auto">
+              <a:xfrm>
+                <a:off x="4267200" y="2895600"/>
+                <a:ext cx="457200" cy="457200"/>
+              </a:xfrm>
+              <a:prstGeom prst="ellipse">
+                <a:avLst/>
+              </a:prstGeom>
+              <a:solidFill>
+                <a:srgbClr val="80C0FF"/>
+              </a:solidFill>
+              <a:ln w="9525">
+                <a:solidFill>
+                  <a:schemeClr val="tx1"/>
+                </a:solidFill>
+                <a:round/>
+                <a:headEnd/>
+                <a:tailEnd/>
+              </a:ln>
+            </p:spPr>
+            <p:txBody>
+              <a:bodyPr wrap="none" anchor="ctr">
+                <a:prstTxWarp prst="textNoShape">
+                  <a:avLst/>
+                </a:prstTxWarp>
+              </a:bodyPr>
+              <a:lstStyle/>
+              <a:p>
+                <a:pPr algn="ctr"/>
+                <a:r>
+                  <a:rPr lang="en-US" sz="1800" dirty="0" smtClean="0"/>
+                  <a:t>--</a:t>
+                </a:r>
+                <a:r>
+                  <a:rPr lang="en-US" sz="1800" dirty="0" smtClean="0">
+                    <a:solidFill>
+                      <a:srgbClr val="FF0000"/>
+                    </a:solidFill>
+                  </a:rPr>
+                  <a:t>T</a:t>
+                </a:r>
+                <a:endParaRPr lang="en-US" sz="1800" dirty="0">
+                  <a:solidFill>
+                    <a:srgbClr val="FF0000"/>
+                  </a:solidFill>
+                </a:endParaRPr>
+              </a:p>
+            </p:txBody>
+          </p:sp>
+          <p:sp>
+            <p:nvSpPr>
+              <p:cNvPr id="113" name="Freeform 112"/>
+              <p:cNvSpPr/>
+              <p:nvPr/>
+            </p:nvSpPr>
+            <p:spPr>
+              <a:xfrm>
+                <a:off x="3186820" y="2192752"/>
+                <a:ext cx="233864" cy="455343"/>
+              </a:xfrm>
+              <a:custGeom>
+                <a:avLst/>
+                <a:gdLst>
+                  <a:gd name="connsiteX0" fmla="*/ 13580 w 233864"/>
+                  <a:gd name="connsiteY0" fmla="*/ 381115 h 455343"/>
+                  <a:gd name="connsiteX1" fmla="*/ 233713 w 233864"/>
+                  <a:gd name="connsiteY1" fmla="*/ 115 h 455343"/>
+                  <a:gd name="connsiteX2" fmla="*/ 47447 w 233864"/>
+                  <a:gd name="connsiteY2" fmla="*/ 423448 h 455343"/>
+                  <a:gd name="connsiteX3" fmla="*/ 13580 w 233864"/>
+                  <a:gd name="connsiteY3" fmla="*/ 381115 h 455343"/>
+                </a:gdLst>
+                <a:ahLst/>
+                <a:cxnLst>
+                  <a:cxn ang="0">
+                    <a:pos x="connsiteX0" y="connsiteY0"/>
+                  </a:cxn>
+                  <a:cxn ang="0">
+                    <a:pos x="connsiteX1" y="connsiteY1"/>
+                  </a:cxn>
+                  <a:cxn ang="0">
+                    <a:pos x="connsiteX2" y="connsiteY2"/>
+                  </a:cxn>
+                  <a:cxn ang="0">
+                    <a:pos x="connsiteX3" y="connsiteY3"/>
+                  </a:cxn>
+                </a:cxnLst>
+                <a:rect l="l" t="t" r="r" b="b"/>
+                <a:pathLst>
+                  <a:path w="233864" h="455343">
+                    <a:moveTo>
+                      <a:pt x="13580" y="381115"/>
+                    </a:moveTo>
+                    <a:cubicBezTo>
+                      <a:pt x="44624" y="310559"/>
+                      <a:pt x="228069" y="-6940"/>
+                      <a:pt x="233713" y="115"/>
+                    </a:cubicBezTo>
+                    <a:cubicBezTo>
+                      <a:pt x="239357" y="7170"/>
+                      <a:pt x="85547" y="362770"/>
+                      <a:pt x="47447" y="423448"/>
+                    </a:cubicBezTo>
+                    <a:cubicBezTo>
+                      <a:pt x="9347" y="484126"/>
+                      <a:pt x="-17464" y="451671"/>
+                      <a:pt x="13580" y="381115"/>
+                    </a:cubicBezTo>
+                    <a:close/>
+                  </a:path>
+                </a:pathLst>
+              </a:custGeom>
+            </p:spPr>
+            <p:txBody>
+              <a:bodyPr vert="horz" wrap="square" lIns="91440" tIns="45720" rIns="91440" bIns="45720" numCol="1" rtlCol="0" anchor="t" anchorCtr="0" compatLnSpc="1">
+                <a:prstTxWarp prst="textNoShape">
+                  <a:avLst/>
+                </a:prstTxWarp>
+              </a:bodyPr>
+              <a:lstStyle/>
+              <a:p>
+                <a:pPr marL="0" marR="0" indent="0" algn="l" defTabSz="914400" rtl="0" eaLnBrk="0" fontAlgn="base" latinLnBrk="0" hangingPunct="0">
+                  <a:lnSpc>
+                    <a:spcPct val="100000"/>
+                  </a:lnSpc>
+                  <a:spcBef>
+                    <a:spcPct val="0"/>
+                  </a:spcBef>
+                  <a:spcAft>
+                    <a:spcPct val="0"/>
+                  </a:spcAft>
+                  <a:buClrTx/>
+                  <a:buSzTx/>
+                  <a:buFontTx/>
+                  <a:buNone/>
+                  <a:tabLst/>
+                </a:pPr>
+                <a:endParaRPr kumimoji="0" lang="en-US" sz="2400" b="0" i="0" u="none" strike="noStrike" cap="none" normalizeH="0" baseline="0" smtClean="0">
+                  <a:ln>
+                    <a:noFill/>
+                  </a:ln>
+                  <a:solidFill>
+                    <a:schemeClr val="tx1"/>
+                  </a:solidFill>
+                  <a:effectLst/>
+                  <a:latin typeface="Comic Sans MS" pitchFamily="-64" charset="0"/>
+                  <a:ea typeface="ＭＳ Ｐゴシック" pitchFamily="-64" charset="-128"/>
+                </a:endParaRPr>
+              </a:p>
+            </p:txBody>
+          </p:sp>
+          <p:cxnSp>
+            <p:nvCxnSpPr>
+              <p:cNvPr id="114" name="Straight Arrow Connector 113"/>
+              <p:cNvCxnSpPr>
+                <a:stCxn id="136" idx="3"/>
+                <a:endCxn id="117" idx="7"/>
+              </p:cNvCxnSpPr>
+              <p:nvPr/>
+            </p:nvCxnSpPr>
+            <p:spPr bwMode="auto">
+              <a:xfrm flipH="1">
+                <a:off x="2904845" y="2523845"/>
+                <a:ext cx="286310" cy="438710"/>
+              </a:xfrm>
+              <a:prstGeom prst="straightConnector1">
+                <a:avLst/>
+              </a:prstGeom>
+              <a:solidFill>
+                <a:schemeClr val="accent1"/>
+              </a:solidFill>
+              <a:ln w="31750" cap="flat" cmpd="sng" algn="ctr">
+                <a:solidFill>
+                  <a:schemeClr val="tx1"/>
+                </a:solidFill>
+                <a:prstDash val="solid"/>
+                <a:round/>
+                <a:headEnd type="none" w="med" len="med"/>
+                <a:tailEnd type="stealth" w="lg" len="lg"/>
+              </a:ln>
+              <a:effectLst/>
+            </p:spPr>
+          </p:cxnSp>
+          <p:cxnSp>
+            <p:nvCxnSpPr>
+              <p:cNvPr id="116" name="Straight Arrow Connector 115"/>
+              <p:cNvCxnSpPr>
+                <a:endCxn id="121" idx="1"/>
+              </p:cNvCxnSpPr>
+              <p:nvPr/>
+            </p:nvCxnSpPr>
+            <p:spPr bwMode="auto">
+              <a:xfrm>
+                <a:off x="3514445" y="2523845"/>
+                <a:ext cx="819710" cy="438710"/>
+              </a:xfrm>
+              <a:prstGeom prst="straightConnector1">
+                <a:avLst/>
+              </a:prstGeom>
+              <a:solidFill>
+                <a:schemeClr val="accent1"/>
+              </a:solidFill>
+              <a:ln w="31750" cap="flat" cmpd="sng" algn="ctr">
+                <a:solidFill>
+                  <a:schemeClr val="tx1"/>
+                </a:solidFill>
+                <a:prstDash val="solid"/>
+                <a:round/>
+                <a:headEnd type="none" w="med" len="med"/>
+                <a:tailEnd type="stealth" w="lg" len="lg"/>
+              </a:ln>
+              <a:effectLst/>
+            </p:spPr>
+          </p:cxnSp>
+          <p:sp>
+            <p:nvSpPr>
+              <p:cNvPr id="117" name="Oval 35"/>
+              <p:cNvSpPr>
+                <a:spLocks noChangeArrowheads="1"/>
+              </p:cNvSpPr>
+              <p:nvPr/>
+            </p:nvSpPr>
+            <p:spPr bwMode="auto">
+              <a:xfrm>
+                <a:off x="2514600" y="2895600"/>
+                <a:ext cx="457200" cy="457200"/>
+              </a:xfrm>
+              <a:prstGeom prst="ellipse">
+                <a:avLst/>
+              </a:prstGeom>
+              <a:solidFill>
+                <a:srgbClr val="80C0FF"/>
+              </a:solidFill>
+              <a:ln w="9525">
+                <a:solidFill>
+                  <a:schemeClr val="tx1"/>
+                </a:solidFill>
+                <a:round/>
+                <a:headEnd/>
+                <a:tailEnd/>
+              </a:ln>
+            </p:spPr>
+            <p:txBody>
+              <a:bodyPr wrap="none" anchor="ctr">
+                <a:prstTxWarp prst="textNoShape">
+                  <a:avLst/>
+                </a:prstTxWarp>
+              </a:bodyPr>
+              <a:lstStyle/>
+              <a:p>
+                <a:pPr algn="ctr"/>
+                <a:r>
+                  <a:rPr lang="en-US" sz="1800" dirty="0">
+                    <a:solidFill>
+                      <a:srgbClr val="FF0000"/>
+                    </a:solidFill>
+                  </a:rPr>
+                  <a:t>T</a:t>
+                </a:r>
+                <a:r>
+                  <a:rPr lang="en-US" sz="1800" dirty="0" smtClean="0">
+                    <a:solidFill>
+                      <a:srgbClr val="008000"/>
+                    </a:solidFill>
+                  </a:rPr>
+                  <a:t>H</a:t>
+                </a:r>
+                <a:endParaRPr lang="en-US" sz="1800" dirty="0">
+                  <a:solidFill>
+                    <a:srgbClr val="008000"/>
+                  </a:solidFill>
+                </a:endParaRPr>
+              </a:p>
+            </p:txBody>
+          </p:sp>
+          <p:sp>
+            <p:nvSpPr>
+              <p:cNvPr id="119" name="TextBox 118"/>
+              <p:cNvSpPr txBox="1"/>
+              <p:nvPr/>
+            </p:nvSpPr>
+            <p:spPr>
+              <a:xfrm>
+                <a:off x="2703141" y="2357735"/>
+                <a:ext cx="421059" cy="461665"/>
+              </a:xfrm>
+              <a:prstGeom prst="rect">
+                <a:avLst/>
+              </a:prstGeom>
+              <a:noFill/>
+            </p:spPr>
+            <p:txBody>
+              <a:bodyPr wrap="none" rtlCol="0">
+                <a:spAutoFit/>
+              </a:bodyPr>
+              <a:lstStyle/>
+              <a:p>
+                <a:r>
+                  <a:rPr lang="en-US" dirty="0" smtClean="0">
+                    <a:solidFill>
+                      <a:srgbClr val="008000"/>
+                    </a:solidFill>
+                  </a:rPr>
+                  <a:t>H</a:t>
+                </a:r>
+                <a:endParaRPr lang="en-US" dirty="0">
+                  <a:solidFill>
+                    <a:srgbClr val="008000"/>
+                  </a:solidFill>
+                </a:endParaRPr>
+              </a:p>
+            </p:txBody>
+          </p:sp>
+          <p:sp>
+            <p:nvSpPr>
+              <p:cNvPr id="121" name="Oval 35"/>
+              <p:cNvSpPr>
+                <a:spLocks noChangeArrowheads="1"/>
+              </p:cNvSpPr>
+              <p:nvPr/>
+            </p:nvSpPr>
+            <p:spPr bwMode="auto">
+              <a:xfrm>
+                <a:off x="4267200" y="2895600"/>
+                <a:ext cx="457200" cy="457200"/>
+              </a:xfrm>
+              <a:prstGeom prst="ellipse">
+                <a:avLst/>
+              </a:prstGeom>
+              <a:solidFill>
+                <a:srgbClr val="80C0FF"/>
+              </a:solidFill>
+              <a:ln w="9525">
+                <a:solidFill>
+                  <a:schemeClr val="tx1"/>
+                </a:solidFill>
+                <a:round/>
+                <a:headEnd/>
+                <a:tailEnd/>
+              </a:ln>
+            </p:spPr>
+            <p:txBody>
+              <a:bodyPr wrap="none" anchor="ctr">
+                <a:prstTxWarp prst="textNoShape">
+                  <a:avLst/>
+                </a:prstTxWarp>
+              </a:bodyPr>
+              <a:lstStyle/>
+              <a:p>
+                <a:pPr algn="ctr"/>
+                <a:r>
+                  <a:rPr lang="en-US" sz="1800" dirty="0" smtClean="0">
+                    <a:solidFill>
+                      <a:srgbClr val="FF0000"/>
+                    </a:solidFill>
+                  </a:rPr>
+                  <a:t>TT</a:t>
+                </a:r>
+                <a:endParaRPr lang="en-US" sz="1800" dirty="0">
+                  <a:solidFill>
+                    <a:srgbClr val="FF0000"/>
+                  </a:solidFill>
+                </a:endParaRPr>
+              </a:p>
+            </p:txBody>
+          </p:sp>
+          <p:sp>
+            <p:nvSpPr>
+              <p:cNvPr id="122" name="TextBox 121"/>
+              <p:cNvSpPr txBox="1"/>
+              <p:nvPr/>
+            </p:nvSpPr>
+            <p:spPr>
+              <a:xfrm>
+                <a:off x="3733800" y="2281535"/>
+                <a:ext cx="393858" cy="461665"/>
+              </a:xfrm>
+              <a:prstGeom prst="rect">
+                <a:avLst/>
+              </a:prstGeom>
+              <a:noFill/>
+            </p:spPr>
+            <p:txBody>
+              <a:bodyPr wrap="none" rtlCol="0">
+                <a:spAutoFit/>
+              </a:bodyPr>
+              <a:lstStyle/>
+              <a:p>
+                <a:r>
+                  <a:rPr lang="en-US" dirty="0" smtClean="0">
+                    <a:solidFill>
+                      <a:srgbClr val="FF0000"/>
+                    </a:solidFill>
+                  </a:rPr>
+                  <a:t>T</a:t>
+                </a:r>
+                <a:endParaRPr lang="en-US" dirty="0">
+                  <a:solidFill>
+                    <a:srgbClr val="FF0000"/>
+                  </a:solidFill>
+                </a:endParaRPr>
+              </a:p>
+            </p:txBody>
+          </p:sp>
+        </p:grpSp>
+        <p:cxnSp>
+          <p:nvCxnSpPr>
+            <p:cNvPr id="68" name="Curved Connector 67"/>
+            <p:cNvCxnSpPr/>
+            <p:nvPr/>
+          </p:nvCxnSpPr>
+          <p:spPr bwMode="auto">
+            <a:xfrm flipH="1">
+              <a:off x="2057400" y="2895600"/>
+              <a:ext cx="457200" cy="12700"/>
+            </a:xfrm>
+            <a:prstGeom prst="curvedConnector5">
+              <a:avLst>
+                <a:gd name="adj1" fmla="val -50000"/>
+                <a:gd name="adj2" fmla="val 7292307"/>
+                <a:gd name="adj3" fmla="val 150000"/>
+              </a:avLst>
+            </a:prstGeom>
+            <a:solidFill>
+              <a:schemeClr val="accent1"/>
+            </a:solidFill>
+            <a:ln w="31750" cap="flat" cmpd="sng" algn="ctr">
+              <a:solidFill>
+                <a:schemeClr val="tx1"/>
+              </a:solidFill>
+              <a:prstDash val="solid"/>
+              <a:round/>
+              <a:headEnd type="none" w="med" len="med"/>
+              <a:tailEnd type="stealth" w="lg" len="lg"/>
+            </a:ln>
+            <a:effectLst/>
+          </p:spPr>
+        </p:cxnSp>
+        <p:sp>
+          <p:nvSpPr>
+            <p:cNvPr id="69" name="TextBox 68"/>
+            <p:cNvSpPr txBox="1"/>
+            <p:nvPr/>
+          </p:nvSpPr>
+          <p:spPr>
+            <a:xfrm>
+              <a:off x="1371600" y="3124200"/>
+              <a:ext cx="421059" cy="461665"/>
+            </a:xfrm>
+            <a:prstGeom prst="rect">
+              <a:avLst/>
+            </a:prstGeom>
+            <a:noFill/>
+          </p:spPr>
+          <p:txBody>
+            <a:bodyPr wrap="none" rtlCol="0">
+              <a:spAutoFit/>
+            </a:bodyPr>
+            <a:lstStyle/>
+            <a:p>
+              <a:r>
+                <a:rPr lang="en-US" dirty="0" smtClean="0">
+                  <a:solidFill>
+                    <a:srgbClr val="008000"/>
+                  </a:solidFill>
+                </a:rPr>
+                <a:t>H</a:t>
+              </a:r>
+              <a:endParaRPr lang="en-US" dirty="0">
+                <a:solidFill>
+                  <a:srgbClr val="008000"/>
+                </a:solidFill>
+              </a:endParaRPr>
+            </a:p>
+          </p:txBody>
+        </p:sp>
+        <p:cxnSp>
+          <p:nvCxnSpPr>
+            <p:cNvPr id="70" name="Straight Arrow Connector 69"/>
+            <p:cNvCxnSpPr>
+              <a:stCxn id="129" idx="6"/>
+              <a:endCxn id="123" idx="2"/>
+            </p:cNvCxnSpPr>
+            <p:nvPr/>
+          </p:nvCxnSpPr>
+          <p:spPr bwMode="auto">
+            <a:xfrm>
+              <a:off x="2514600" y="2819400"/>
+              <a:ext cx="1828800" cy="0"/>
+            </a:xfrm>
+            <a:prstGeom prst="straightConnector1">
+              <a:avLst/>
+            </a:prstGeom>
+            <a:solidFill>
+              <a:schemeClr val="accent1"/>
+            </a:solidFill>
+            <a:ln w="31750" cap="flat" cmpd="sng" algn="ctr">
+              <a:solidFill>
+                <a:schemeClr val="tx1"/>
+              </a:solidFill>
+              <a:prstDash val="solid"/>
+              <a:round/>
+              <a:headEnd type="none" w="med" len="med"/>
+              <a:tailEnd type="stealth" w="lg" len="lg"/>
+            </a:ln>
+            <a:effectLst/>
+          </p:spPr>
+        </p:cxnSp>
+        <p:sp>
+          <p:nvSpPr>
+            <p:cNvPr id="71" name="TextBox 70"/>
+            <p:cNvSpPr txBox="1"/>
+            <p:nvPr/>
+          </p:nvSpPr>
+          <p:spPr>
+            <a:xfrm>
+              <a:off x="2958942" y="2814935"/>
+              <a:ext cx="393858" cy="461665"/>
+            </a:xfrm>
+            <a:prstGeom prst="rect">
+              <a:avLst/>
+            </a:prstGeom>
+            <a:noFill/>
+          </p:spPr>
+          <p:txBody>
+            <a:bodyPr wrap="none" rtlCol="0">
+              <a:spAutoFit/>
+            </a:bodyPr>
+            <a:lstStyle/>
+            <a:p>
+              <a:r>
+                <a:rPr lang="en-US" dirty="0" smtClean="0">
+                  <a:solidFill>
+                    <a:srgbClr val="FF0000"/>
+                  </a:solidFill>
+                </a:rPr>
+                <a:t>T</a:t>
+              </a:r>
+              <a:endParaRPr lang="en-US" dirty="0">
+                <a:solidFill>
+                  <a:srgbClr val="FF0000"/>
+                </a:solidFill>
+              </a:endParaRPr>
+            </a:p>
+          </p:txBody>
+        </p:sp>
+        <p:cxnSp>
+          <p:nvCxnSpPr>
+            <p:cNvPr id="72" name="Curved Connector 71"/>
+            <p:cNvCxnSpPr/>
+            <p:nvPr/>
+          </p:nvCxnSpPr>
+          <p:spPr bwMode="auto">
+            <a:xfrm flipH="1">
+              <a:off x="6629400" y="2895600"/>
+              <a:ext cx="457200" cy="12700"/>
+            </a:xfrm>
+            <a:prstGeom prst="curvedConnector5">
+              <a:avLst>
+                <a:gd name="adj1" fmla="val -50000"/>
+                <a:gd name="adj2" fmla="val 7292307"/>
+                <a:gd name="adj3" fmla="val 150000"/>
+              </a:avLst>
+            </a:prstGeom>
+            <a:solidFill>
+              <a:schemeClr val="accent1"/>
+            </a:solidFill>
+            <a:ln w="31750" cap="flat" cmpd="sng" algn="ctr">
+              <a:solidFill>
+                <a:schemeClr val="tx1"/>
+              </a:solidFill>
+              <a:prstDash val="solid"/>
+              <a:round/>
+              <a:headEnd type="none" w="med" len="med"/>
+              <a:tailEnd type="stealth" w="lg" len="lg"/>
+            </a:ln>
+            <a:effectLst/>
+          </p:spPr>
+        </p:cxnSp>
+        <p:sp>
+          <p:nvSpPr>
+            <p:cNvPr id="73" name="TextBox 72"/>
+            <p:cNvSpPr txBox="1"/>
+            <p:nvPr/>
+          </p:nvSpPr>
+          <p:spPr>
+            <a:xfrm>
+              <a:off x="6019800" y="3198167"/>
+              <a:ext cx="393858" cy="461665"/>
+            </a:xfrm>
+            <a:prstGeom prst="rect">
+              <a:avLst/>
+            </a:prstGeom>
+            <a:noFill/>
+          </p:spPr>
+          <p:txBody>
+            <a:bodyPr wrap="none" rtlCol="0">
+              <a:spAutoFit/>
+            </a:bodyPr>
+            <a:lstStyle/>
+            <a:p>
+              <a:r>
+                <a:rPr lang="en-US" dirty="0" smtClean="0">
+                  <a:solidFill>
+                    <a:srgbClr val="FF0000"/>
+                  </a:solidFill>
+                </a:rPr>
+                <a:t>T</a:t>
+              </a:r>
+              <a:endParaRPr lang="en-US" dirty="0">
+                <a:solidFill>
+                  <a:srgbClr val="FF0000"/>
+                </a:solidFill>
+              </a:endParaRPr>
+            </a:p>
+          </p:txBody>
+        </p:sp>
+        <p:grpSp>
+          <p:nvGrpSpPr>
+            <p:cNvPr id="74" name="Group 73"/>
+            <p:cNvGrpSpPr/>
+            <p:nvPr/>
+          </p:nvGrpSpPr>
+          <p:grpSpPr>
+            <a:xfrm>
+              <a:off x="1600200" y="2981045"/>
+              <a:ext cx="2810155" cy="1667155"/>
+              <a:chOff x="1600200" y="2981045"/>
+              <a:chExt cx="2810155" cy="1667155"/>
+            </a:xfrm>
+          </p:grpSpPr>
+          <p:cxnSp>
+            <p:nvCxnSpPr>
+              <p:cNvPr id="102" name="Straight Arrow Connector 101"/>
+              <p:cNvCxnSpPr>
+                <a:stCxn id="123" idx="3"/>
+                <a:endCxn id="103" idx="0"/>
+              </p:cNvCxnSpPr>
+              <p:nvPr/>
+            </p:nvCxnSpPr>
+            <p:spPr bwMode="auto">
+              <a:xfrm flipH="1">
+                <a:off x="3009511" y="2981045"/>
+                <a:ext cx="1400844" cy="1108931"/>
+              </a:xfrm>
+              <a:prstGeom prst="straightConnector1">
+                <a:avLst/>
+              </a:prstGeom>
+              <a:solidFill>
+                <a:schemeClr val="accent1"/>
+              </a:solidFill>
+              <a:ln w="31750" cap="flat" cmpd="sng" algn="ctr">
+                <a:solidFill>
+                  <a:schemeClr val="tx1"/>
+                </a:solidFill>
+                <a:prstDash val="solid"/>
+                <a:round/>
+                <a:headEnd type="none" w="med" len="med"/>
+                <a:tailEnd type="stealth" w="lg" len="lg"/>
+              </a:ln>
+              <a:effectLst/>
+            </p:spPr>
+          </p:cxnSp>
+          <p:sp>
+            <p:nvSpPr>
+              <p:cNvPr id="103" name="Oval 35"/>
+              <p:cNvSpPr>
+                <a:spLocks noChangeArrowheads="1"/>
+              </p:cNvSpPr>
+              <p:nvPr/>
+            </p:nvSpPr>
+            <p:spPr bwMode="auto">
+              <a:xfrm>
+                <a:off x="2743200" y="4089976"/>
+                <a:ext cx="532622" cy="558224"/>
+              </a:xfrm>
+              <a:prstGeom prst="ellipse">
+                <a:avLst/>
+              </a:prstGeom>
+              <a:solidFill>
+                <a:srgbClr val="80C0FF"/>
+              </a:solidFill>
+              <a:ln w="9525">
+                <a:solidFill>
+                  <a:schemeClr val="tx1"/>
+                </a:solidFill>
+                <a:round/>
+                <a:headEnd/>
+                <a:tailEnd/>
+              </a:ln>
+            </p:spPr>
+            <p:txBody>
+              <a:bodyPr wrap="none" anchor="ctr">
+                <a:prstTxWarp prst="textNoShape">
+                  <a:avLst/>
+                </a:prstTxWarp>
+              </a:bodyPr>
+              <a:lstStyle/>
+              <a:p>
+                <a:pPr algn="ctr"/>
+                <a:r>
+                  <a:rPr lang="en-US" sz="1600" dirty="0" smtClean="0">
+                    <a:solidFill>
+                      <a:srgbClr val="008000"/>
+                    </a:solidFill>
+                  </a:rPr>
+                  <a:t>win</a:t>
+                </a:r>
+                <a:endParaRPr lang="en-US" sz="1600" dirty="0">
+                  <a:solidFill>
+                    <a:srgbClr val="008000"/>
+                  </a:solidFill>
+                </a:endParaRPr>
+              </a:p>
+            </p:txBody>
+          </p:sp>
+          <p:cxnSp>
+            <p:nvCxnSpPr>
+              <p:cNvPr id="104" name="Curved Connector 103"/>
+              <p:cNvCxnSpPr/>
+              <p:nvPr/>
+            </p:nvCxnSpPr>
+            <p:spPr bwMode="auto">
+              <a:xfrm rot="5400000" flipH="1">
+                <a:off x="2654702" y="4374716"/>
+                <a:ext cx="323290" cy="12700"/>
+              </a:xfrm>
+              <a:prstGeom prst="curvedConnector5">
+                <a:avLst>
+                  <a:gd name="adj1" fmla="val -70711"/>
+                  <a:gd name="adj2" fmla="val 5472795"/>
+                  <a:gd name="adj3" fmla="val 170711"/>
+                </a:avLst>
+              </a:prstGeom>
+              <a:solidFill>
+                <a:schemeClr val="accent1"/>
+              </a:solidFill>
+              <a:ln w="31750" cap="flat" cmpd="sng" algn="ctr">
+                <a:solidFill>
+                  <a:schemeClr val="tx1"/>
+                </a:solidFill>
+                <a:prstDash val="solid"/>
+                <a:round/>
+                <a:headEnd type="none" w="med" len="med"/>
+                <a:tailEnd type="stealth" w="lg" len="lg"/>
+              </a:ln>
+              <a:effectLst/>
+            </p:spPr>
+          </p:cxnSp>
+          <p:cxnSp>
+            <p:nvCxnSpPr>
+              <p:cNvPr id="109" name="Curved Connector 108"/>
+              <p:cNvCxnSpPr/>
+              <p:nvPr/>
+            </p:nvCxnSpPr>
+            <p:spPr bwMode="auto">
+              <a:xfrm rot="5400000" flipH="1">
+                <a:off x="3085164" y="4374716"/>
+                <a:ext cx="323290" cy="12700"/>
+              </a:xfrm>
+              <a:prstGeom prst="curvedConnector5">
+                <a:avLst>
+                  <a:gd name="adj1" fmla="val -70711"/>
+                  <a:gd name="adj2" fmla="val -5672795"/>
+                  <a:gd name="adj3" fmla="val 170711"/>
+                </a:avLst>
+              </a:prstGeom>
+              <a:solidFill>
+                <a:schemeClr val="accent1"/>
+              </a:solidFill>
+              <a:ln w="31750" cap="flat" cmpd="sng" algn="ctr">
+                <a:solidFill>
+                  <a:schemeClr val="tx1"/>
+                </a:solidFill>
+                <a:prstDash val="solid"/>
+                <a:round/>
+                <a:headEnd type="none" w="med" len="med"/>
+                <a:tailEnd type="stealth" w="lg" len="lg"/>
+              </a:ln>
+              <a:effectLst/>
+            </p:spPr>
+          </p:cxnSp>
+          <p:sp>
+            <p:nvSpPr>
+              <p:cNvPr id="110" name="TextBox 109"/>
+              <p:cNvSpPr txBox="1"/>
+              <p:nvPr/>
+            </p:nvSpPr>
+            <p:spPr>
+              <a:xfrm>
+                <a:off x="3949542" y="4114800"/>
+                <a:ext cx="393858" cy="461665"/>
+              </a:xfrm>
+              <a:prstGeom prst="rect">
+                <a:avLst/>
+              </a:prstGeom>
+              <a:noFill/>
+            </p:spPr>
+            <p:txBody>
+              <a:bodyPr wrap="none" rtlCol="0">
+                <a:spAutoFit/>
+              </a:bodyPr>
+              <a:lstStyle/>
+              <a:p>
+                <a:r>
+                  <a:rPr lang="en-US" dirty="0" smtClean="0">
+                    <a:solidFill>
+                      <a:srgbClr val="FF0000"/>
+                    </a:solidFill>
+                  </a:rPr>
+                  <a:t>T</a:t>
+                </a:r>
+                <a:endParaRPr lang="en-US" dirty="0">
+                  <a:solidFill>
+                    <a:srgbClr val="FF0000"/>
+                  </a:solidFill>
+                </a:endParaRPr>
+              </a:p>
+            </p:txBody>
+          </p:sp>
+          <p:sp>
+            <p:nvSpPr>
+              <p:cNvPr id="111" name="TextBox 110"/>
+              <p:cNvSpPr txBox="1"/>
+              <p:nvPr/>
+            </p:nvSpPr>
+            <p:spPr>
+              <a:xfrm>
+                <a:off x="1600200" y="4161711"/>
+                <a:ext cx="421059" cy="461665"/>
+              </a:xfrm>
+              <a:prstGeom prst="rect">
+                <a:avLst/>
+              </a:prstGeom>
+              <a:noFill/>
+            </p:spPr>
+            <p:txBody>
+              <a:bodyPr wrap="none" rtlCol="0">
+                <a:spAutoFit/>
+              </a:bodyPr>
+              <a:lstStyle/>
+              <a:p>
+                <a:r>
+                  <a:rPr lang="en-US" dirty="0" smtClean="0">
+                    <a:solidFill>
+                      <a:srgbClr val="008000"/>
+                    </a:solidFill>
+                  </a:rPr>
+                  <a:t>H</a:t>
+                </a:r>
+                <a:endParaRPr lang="en-US" dirty="0">
+                  <a:solidFill>
+                    <a:srgbClr val="008000"/>
+                  </a:solidFill>
+                </a:endParaRPr>
+              </a:p>
+            </p:txBody>
+          </p:sp>
+        </p:grpSp>
+        <p:sp>
+          <p:nvSpPr>
+            <p:cNvPr id="75" name="TextBox 74"/>
+            <p:cNvSpPr txBox="1"/>
+            <p:nvPr/>
+          </p:nvSpPr>
+          <p:spPr>
+            <a:xfrm>
+              <a:off x="2895600" y="3505200"/>
+              <a:ext cx="421059" cy="461665"/>
+            </a:xfrm>
+            <a:prstGeom prst="rect">
+              <a:avLst/>
+            </a:prstGeom>
+            <a:noFill/>
+          </p:spPr>
+          <p:txBody>
+            <a:bodyPr wrap="none" rtlCol="0">
+              <a:spAutoFit/>
+            </a:bodyPr>
+            <a:lstStyle/>
+            <a:p>
+              <a:r>
+                <a:rPr lang="en-US" dirty="0" smtClean="0">
+                  <a:solidFill>
+                    <a:srgbClr val="008000"/>
+                  </a:solidFill>
+                </a:rPr>
+                <a:t>H</a:t>
+              </a:r>
+              <a:endParaRPr lang="en-US" dirty="0">
+                <a:solidFill>
+                  <a:srgbClr val="008000"/>
+                </a:solidFill>
+              </a:endParaRPr>
+            </a:p>
+          </p:txBody>
+        </p:sp>
+        <p:cxnSp>
+          <p:nvCxnSpPr>
+            <p:cNvPr id="76" name="Curved Connector 75"/>
+            <p:cNvCxnSpPr>
+              <a:stCxn id="117" idx="0"/>
+              <a:endCxn id="131" idx="0"/>
+            </p:cNvCxnSpPr>
+            <p:nvPr/>
+          </p:nvCxnSpPr>
+          <p:spPr bwMode="auto">
+            <a:xfrm rot="16200000" flipV="1">
+              <a:off x="4838700" y="2324100"/>
+              <a:ext cx="12700" cy="533400"/>
+            </a:xfrm>
+            <a:prstGeom prst="curvedConnector3">
+              <a:avLst>
+                <a:gd name="adj1" fmla="val 1800000"/>
+              </a:avLst>
+            </a:prstGeom>
+            <a:solidFill>
+              <a:schemeClr val="accent1"/>
+            </a:solidFill>
+            <a:ln w="31750" cap="flat" cmpd="sng" algn="ctr">
+              <a:solidFill>
+                <a:schemeClr val="tx1"/>
+              </a:solidFill>
+              <a:prstDash val="solid"/>
+              <a:round/>
+              <a:headEnd type="none" w="med" len="med"/>
+              <a:tailEnd type="stealth" w="lg" len="lg"/>
+            </a:ln>
+            <a:effectLst/>
+          </p:spPr>
+        </p:cxnSp>
+        <p:sp>
+          <p:nvSpPr>
+            <p:cNvPr id="77" name="TextBox 76"/>
+            <p:cNvSpPr txBox="1"/>
+            <p:nvPr/>
+          </p:nvSpPr>
+          <p:spPr>
+            <a:xfrm>
+              <a:off x="4635342" y="1981200"/>
+              <a:ext cx="393858" cy="461665"/>
+            </a:xfrm>
+            <a:prstGeom prst="rect">
+              <a:avLst/>
+            </a:prstGeom>
+            <a:noFill/>
+          </p:spPr>
+          <p:txBody>
+            <a:bodyPr wrap="none" rtlCol="0">
+              <a:spAutoFit/>
+            </a:bodyPr>
+            <a:lstStyle/>
+            <a:p>
+              <a:r>
+                <a:rPr lang="en-US" dirty="0" smtClean="0">
+                  <a:solidFill>
+                    <a:srgbClr val="FF0000"/>
+                  </a:solidFill>
+                </a:rPr>
+                <a:t>T</a:t>
+              </a:r>
+              <a:endParaRPr lang="en-US" dirty="0">
+                <a:solidFill>
+                  <a:srgbClr val="FF0000"/>
+                </a:solidFill>
+              </a:endParaRPr>
+            </a:p>
+          </p:txBody>
+        </p:sp>
+        <p:sp>
+          <p:nvSpPr>
+            <p:cNvPr id="78" name="TextBox 77"/>
+            <p:cNvSpPr txBox="1"/>
+            <p:nvPr/>
+          </p:nvSpPr>
+          <p:spPr>
+            <a:xfrm>
+              <a:off x="7467600" y="3421185"/>
+              <a:ext cx="421059" cy="461665"/>
+            </a:xfrm>
+            <a:prstGeom prst="rect">
+              <a:avLst/>
+            </a:prstGeom>
+            <a:noFill/>
+          </p:spPr>
+          <p:txBody>
+            <a:bodyPr wrap="none" rtlCol="0">
+              <a:spAutoFit/>
+            </a:bodyPr>
+            <a:lstStyle/>
+            <a:p>
+              <a:r>
+                <a:rPr lang="en-US" dirty="0" smtClean="0">
+                  <a:solidFill>
+                    <a:srgbClr val="008000"/>
+                  </a:solidFill>
+                </a:rPr>
+                <a:t>H</a:t>
+              </a:r>
+              <a:endParaRPr lang="en-US" dirty="0">
+                <a:solidFill>
+                  <a:srgbClr val="008000"/>
+                </a:solidFill>
+              </a:endParaRPr>
+            </a:p>
+          </p:txBody>
+        </p:sp>
+        <p:sp>
+          <p:nvSpPr>
+            <p:cNvPr id="79" name="Oval 35"/>
+            <p:cNvSpPr>
+              <a:spLocks noChangeArrowheads="1"/>
+            </p:cNvSpPr>
+            <p:nvPr/>
+          </p:nvSpPr>
+          <p:spPr bwMode="auto">
+            <a:xfrm>
+              <a:off x="7202859" y="4283093"/>
+              <a:ext cx="533400" cy="513041"/>
+            </a:xfrm>
+            <a:prstGeom prst="ellipse">
+              <a:avLst/>
+            </a:prstGeom>
+            <a:solidFill>
+              <a:srgbClr val="80C0FF"/>
+            </a:solidFill>
+            <a:ln w="9525">
+              <a:solidFill>
+                <a:schemeClr val="tx1"/>
+              </a:solidFill>
+              <a:round/>
+              <a:headEnd/>
+              <a:tailEnd/>
+            </a:ln>
+          </p:spPr>
+          <p:txBody>
+            <a:bodyPr wrap="none" anchor="ctr">
+              <a:prstTxWarp prst="textNoShape">
+                <a:avLst/>
+              </a:prstTxWarp>
+            </a:bodyPr>
+            <a:lstStyle/>
+            <a:p>
+              <a:pPr algn="ctr"/>
+              <a:r>
+                <a:rPr lang="en-US" sz="1600" dirty="0" smtClean="0">
+                  <a:solidFill>
+                    <a:srgbClr val="FF0000"/>
+                  </a:solidFill>
+                </a:rPr>
+                <a:t>lose</a:t>
+              </a:r>
+              <a:endParaRPr lang="en-US" sz="1600" dirty="0">
+                <a:solidFill>
+                  <a:srgbClr val="008000"/>
+                </a:solidFill>
+              </a:endParaRPr>
+            </a:p>
+          </p:txBody>
+        </p:sp>
+        <p:cxnSp>
+          <p:nvCxnSpPr>
+            <p:cNvPr id="80" name="Curved Connector 79"/>
+            <p:cNvCxnSpPr/>
+            <p:nvPr/>
+          </p:nvCxnSpPr>
+          <p:spPr bwMode="auto">
+            <a:xfrm rot="5400000" flipH="1">
+              <a:off x="7074302" y="4551940"/>
+              <a:ext cx="323290" cy="12700"/>
+            </a:xfrm>
+            <a:prstGeom prst="curvedConnector5">
+              <a:avLst>
+                <a:gd name="adj1" fmla="val -70711"/>
+                <a:gd name="adj2" fmla="val 5472795"/>
+                <a:gd name="adj3" fmla="val 170711"/>
+              </a:avLst>
+            </a:prstGeom>
+            <a:solidFill>
+              <a:schemeClr val="accent1"/>
+            </a:solidFill>
+            <a:ln w="31750" cap="flat" cmpd="sng" algn="ctr">
+              <a:solidFill>
+                <a:schemeClr val="tx1"/>
+              </a:solidFill>
+              <a:prstDash val="solid"/>
+              <a:round/>
+              <a:headEnd type="none" w="med" len="med"/>
+              <a:tailEnd type="stealth" w="lg" len="lg"/>
+            </a:ln>
+            <a:effectLst/>
+          </p:spPr>
+        </p:cxnSp>
+        <p:cxnSp>
+          <p:nvCxnSpPr>
+            <p:cNvPr id="81" name="Curved Connector 80"/>
+            <p:cNvCxnSpPr/>
+            <p:nvPr/>
+          </p:nvCxnSpPr>
+          <p:spPr bwMode="auto">
+            <a:xfrm rot="5400000" flipH="1">
+              <a:off x="7504764" y="4551940"/>
+              <a:ext cx="323290" cy="12700"/>
+            </a:xfrm>
+            <a:prstGeom prst="curvedConnector5">
+              <a:avLst>
+                <a:gd name="adj1" fmla="val -70711"/>
+                <a:gd name="adj2" fmla="val -5672795"/>
+                <a:gd name="adj3" fmla="val 170711"/>
+              </a:avLst>
+            </a:prstGeom>
+            <a:solidFill>
+              <a:schemeClr val="accent1"/>
+            </a:solidFill>
+            <a:ln w="31750" cap="flat" cmpd="sng" algn="ctr">
+              <a:solidFill>
+                <a:schemeClr val="tx1"/>
+              </a:solidFill>
+              <a:prstDash val="solid"/>
+              <a:round/>
+              <a:headEnd type="none" w="med" len="med"/>
+              <a:tailEnd type="stealth" w="lg" len="lg"/>
+            </a:ln>
+            <a:effectLst/>
+          </p:spPr>
+        </p:cxnSp>
+        <p:sp>
+          <p:nvSpPr>
+            <p:cNvPr id="82" name="TextBox 81"/>
+            <p:cNvSpPr txBox="1"/>
+            <p:nvPr/>
+          </p:nvSpPr>
+          <p:spPr>
+            <a:xfrm>
+              <a:off x="8422059" y="4338935"/>
+              <a:ext cx="393858" cy="461665"/>
+            </a:xfrm>
+            <a:prstGeom prst="rect">
+              <a:avLst/>
+            </a:prstGeom>
+            <a:noFill/>
+          </p:spPr>
+          <p:txBody>
+            <a:bodyPr wrap="none" rtlCol="0">
+              <a:spAutoFit/>
+            </a:bodyPr>
+            <a:lstStyle/>
+            <a:p>
+              <a:r>
+                <a:rPr lang="en-US" dirty="0" smtClean="0">
+                  <a:solidFill>
+                    <a:srgbClr val="FF0000"/>
+                  </a:solidFill>
+                </a:rPr>
+                <a:t>T</a:t>
+              </a:r>
+              <a:endParaRPr lang="en-US" dirty="0">
+                <a:solidFill>
+                  <a:srgbClr val="FF0000"/>
+                </a:solidFill>
+              </a:endParaRPr>
+            </a:p>
+          </p:txBody>
+        </p:sp>
+        <p:sp>
+          <p:nvSpPr>
+            <p:cNvPr id="83" name="TextBox 82"/>
+            <p:cNvSpPr txBox="1"/>
+            <p:nvPr/>
+          </p:nvSpPr>
+          <p:spPr>
+            <a:xfrm>
+              <a:off x="6172200" y="4338935"/>
+              <a:ext cx="421059" cy="461665"/>
+            </a:xfrm>
+            <a:prstGeom prst="rect">
+              <a:avLst/>
+            </a:prstGeom>
+            <a:noFill/>
+          </p:spPr>
+          <p:txBody>
+            <a:bodyPr wrap="none" rtlCol="0">
+              <a:spAutoFit/>
+            </a:bodyPr>
+            <a:lstStyle/>
+            <a:p>
+              <a:r>
+                <a:rPr lang="en-US" dirty="0" smtClean="0">
+                  <a:solidFill>
+                    <a:srgbClr val="008000"/>
+                  </a:solidFill>
+                </a:rPr>
+                <a:t>H</a:t>
+              </a:r>
+              <a:endParaRPr lang="en-US" dirty="0">
+                <a:solidFill>
+                  <a:srgbClr val="008000"/>
+                </a:solidFill>
+              </a:endParaRPr>
+            </a:p>
+          </p:txBody>
+        </p:sp>
+        <p:cxnSp>
+          <p:nvCxnSpPr>
+            <p:cNvPr id="87" name="Curved Connector 86"/>
+            <p:cNvCxnSpPr>
+              <a:stCxn id="121" idx="6"/>
+              <a:endCxn id="79" idx="0"/>
+            </p:cNvCxnSpPr>
+            <p:nvPr/>
+          </p:nvCxnSpPr>
+          <p:spPr bwMode="auto">
+            <a:xfrm>
+              <a:off x="7086600" y="2819400"/>
+              <a:ext cx="382959" cy="1463693"/>
+            </a:xfrm>
+            <a:prstGeom prst="curvedConnector2">
+              <a:avLst/>
+            </a:prstGeom>
+            <a:solidFill>
+              <a:schemeClr val="accent1"/>
+            </a:solidFill>
+            <a:ln w="31750" cap="flat" cmpd="sng" algn="ctr">
+              <a:solidFill>
+                <a:schemeClr val="tx1"/>
+              </a:solidFill>
+              <a:prstDash val="solid"/>
+              <a:round/>
+              <a:headEnd type="none" w="med" len="med"/>
+              <a:tailEnd type="stealth" w="lg" len="lg"/>
+            </a:ln>
+            <a:effectLst/>
+          </p:spPr>
+        </p:cxnSp>
+        <p:cxnSp>
+          <p:nvCxnSpPr>
+            <p:cNvPr id="88" name="Curved Connector 87"/>
+            <p:cNvCxnSpPr>
+              <a:stCxn id="117" idx="4"/>
+              <a:endCxn id="129" idx="4"/>
+            </p:cNvCxnSpPr>
+            <p:nvPr/>
+          </p:nvCxnSpPr>
+          <p:spPr bwMode="auto">
+            <a:xfrm rot="5400000">
+              <a:off x="3695700" y="1638300"/>
+              <a:ext cx="12700" cy="2819400"/>
+            </a:xfrm>
+            <a:prstGeom prst="curvedConnector3">
+              <a:avLst>
+                <a:gd name="adj1" fmla="val 2876929"/>
+              </a:avLst>
+            </a:prstGeom>
+            <a:solidFill>
+              <a:schemeClr val="accent1"/>
+            </a:solidFill>
+            <a:ln w="31750" cap="flat" cmpd="sng" algn="ctr">
+              <a:solidFill>
+                <a:schemeClr val="tx1"/>
+              </a:solidFill>
+              <a:prstDash val="solid"/>
+              <a:round/>
+              <a:headEnd type="none" w="med" len="med"/>
+              <a:tailEnd type="stealth" w="lg" len="lg"/>
+            </a:ln>
+            <a:effectLst/>
+          </p:spPr>
+        </p:cxnSp>
+        <p:sp>
+          <p:nvSpPr>
+            <p:cNvPr id="92" name="TextBox 91"/>
+            <p:cNvSpPr txBox="1"/>
+            <p:nvPr/>
+          </p:nvSpPr>
+          <p:spPr>
+            <a:xfrm>
+              <a:off x="4267200" y="3276600"/>
+              <a:ext cx="421059" cy="461665"/>
+            </a:xfrm>
+            <a:prstGeom prst="rect">
+              <a:avLst/>
+            </a:prstGeom>
+            <a:noFill/>
+          </p:spPr>
+          <p:txBody>
+            <a:bodyPr wrap="none" rtlCol="0">
+              <a:spAutoFit/>
+            </a:bodyPr>
+            <a:lstStyle/>
+            <a:p>
+              <a:r>
+                <a:rPr lang="en-US" dirty="0" smtClean="0">
+                  <a:solidFill>
+                    <a:srgbClr val="008000"/>
+                  </a:solidFill>
+                </a:rPr>
+                <a:t>H</a:t>
+              </a:r>
+              <a:endParaRPr lang="en-US" dirty="0">
+                <a:solidFill>
+                  <a:srgbClr val="008000"/>
+                </a:solidFill>
+              </a:endParaRPr>
+            </a:p>
+          </p:txBody>
+        </p:sp>
+        <p:cxnSp>
+          <p:nvCxnSpPr>
+            <p:cNvPr id="93" name="Curved Connector 92"/>
+            <p:cNvCxnSpPr>
+              <a:stCxn id="123" idx="4"/>
+            </p:cNvCxnSpPr>
+            <p:nvPr/>
+          </p:nvCxnSpPr>
+          <p:spPr bwMode="auto">
+            <a:xfrm rot="5400000" flipH="1" flipV="1">
+              <a:off x="5448300" y="2019300"/>
+              <a:ext cx="152400" cy="1905000"/>
+            </a:xfrm>
+            <a:prstGeom prst="curvedConnector4">
+              <a:avLst>
+                <a:gd name="adj1" fmla="val -150000"/>
+                <a:gd name="adj2" fmla="val 56000"/>
+              </a:avLst>
+            </a:prstGeom>
+            <a:solidFill>
+              <a:schemeClr val="accent1"/>
+            </a:solidFill>
+            <a:ln w="31750" cap="flat" cmpd="sng" algn="ctr">
+              <a:solidFill>
+                <a:schemeClr val="tx1"/>
+              </a:solidFill>
+              <a:prstDash val="solid"/>
+              <a:round/>
+              <a:headEnd type="none" w="med" len="med"/>
+              <a:tailEnd type="stealth" w="lg" len="lg"/>
+            </a:ln>
+            <a:effectLst/>
+          </p:spPr>
+        </p:cxnSp>
+        <p:sp>
+          <p:nvSpPr>
+            <p:cNvPr id="98" name="TextBox 97"/>
+            <p:cNvSpPr txBox="1"/>
+            <p:nvPr/>
+          </p:nvSpPr>
+          <p:spPr>
+            <a:xfrm>
+              <a:off x="5334000" y="3276600"/>
+              <a:ext cx="393858" cy="461665"/>
+            </a:xfrm>
+            <a:prstGeom prst="rect">
+              <a:avLst/>
+            </a:prstGeom>
+            <a:noFill/>
+          </p:spPr>
+          <p:txBody>
+            <a:bodyPr wrap="none" rtlCol="0">
+              <a:spAutoFit/>
+            </a:bodyPr>
+            <a:lstStyle/>
+            <a:p>
+              <a:r>
+                <a:rPr lang="en-US" dirty="0" smtClean="0">
+                  <a:solidFill>
+                    <a:srgbClr val="FF0000"/>
+                  </a:solidFill>
+                </a:rPr>
+                <a:t>T</a:t>
+              </a:r>
+              <a:endParaRPr lang="en-US" dirty="0">
+                <a:solidFill>
+                  <a:srgbClr val="FF0000"/>
+                </a:solidFill>
+              </a:endParaRPr>
+            </a:p>
+          </p:txBody>
+        </p:sp>
+      </p:grpSp>
+      <p:sp>
+        <p:nvSpPr>
+          <p:cNvPr id="147" name="Oval 35"/>
+          <p:cNvSpPr>
+            <a:spLocks noChangeArrowheads="1"/>
+          </p:cNvSpPr>
+          <p:nvPr/>
+        </p:nvSpPr>
+        <p:spPr bwMode="auto">
+          <a:xfrm>
+            <a:off x="4114800" y="1143000"/>
+            <a:ext cx="838200" cy="838200"/>
+          </a:xfrm>
+          <a:prstGeom prst="ellipse">
+            <a:avLst/>
+          </a:prstGeom>
+          <a:solidFill>
+            <a:srgbClr val="80C0FF"/>
+          </a:solidFill>
+          <a:ln w="9525">
+            <a:solidFill>
+              <a:schemeClr val="tx1"/>
+            </a:solidFill>
+            <a:round/>
+            <a:headEnd/>
+            <a:tailEnd/>
+          </a:ln>
+        </p:spPr>
+        <p:txBody>
+          <a:bodyPr wrap="none" anchor="ctr">
+            <a:prstTxWarp prst="textNoShape">
+              <a:avLst/>
+            </a:prstTxWarp>
+          </a:bodyPr>
+          <a:lstStyle/>
+          <a:p>
+            <a:pPr algn="ctr"/>
+            <a:r>
+              <a:rPr lang="en-US" dirty="0" smtClean="0">
+                <a:solidFill>
+                  <a:srgbClr val="008000"/>
+                </a:solidFill>
+              </a:rPr>
+              <a:t>super</a:t>
+            </a:r>
+            <a:endParaRPr lang="en-US" dirty="0">
+              <a:solidFill>
+                <a:srgbClr val="008000"/>
+              </a:solidFill>
+            </a:endParaRPr>
+          </a:p>
+        </p:txBody>
+      </p:sp>
+      <p:grpSp>
+        <p:nvGrpSpPr>
+          <p:cNvPr id="54287" name="Group 54286"/>
+          <p:cNvGrpSpPr/>
+          <p:nvPr/>
+        </p:nvGrpSpPr>
+        <p:grpSpPr>
+          <a:xfrm>
+            <a:off x="2048155" y="1562100"/>
+            <a:ext cx="5345204" cy="4254788"/>
+            <a:chOff x="2048155" y="1562100"/>
+            <a:chExt cx="5345204" cy="4254788"/>
+          </a:xfrm>
+        </p:grpSpPr>
+        <p:cxnSp>
+          <p:nvCxnSpPr>
+            <p:cNvPr id="150" name="Straight Arrow Connector 149"/>
+            <p:cNvCxnSpPr>
+              <a:stCxn id="147" idx="3"/>
+              <a:endCxn id="129" idx="1"/>
+            </p:cNvCxnSpPr>
+            <p:nvPr/>
+          </p:nvCxnSpPr>
+          <p:spPr bwMode="auto">
+            <a:xfrm flipH="1">
+              <a:off x="2048155" y="1858448"/>
+              <a:ext cx="2189397" cy="2247107"/>
+            </a:xfrm>
+            <a:prstGeom prst="straightConnector1">
+              <a:avLst/>
+            </a:prstGeom>
+            <a:solidFill>
+              <a:schemeClr val="accent1"/>
+            </a:solidFill>
+            <a:ln w="31750" cap="flat" cmpd="sng" algn="ctr">
+              <a:solidFill>
+                <a:srgbClr val="FF00FF"/>
+              </a:solidFill>
+              <a:prstDash val="solid"/>
+              <a:round/>
+              <a:headEnd type="stealth" w="lg" len="lg"/>
+              <a:tailEnd type="stealth" w="lg" len="lg"/>
+            </a:ln>
+            <a:effectLst/>
+          </p:spPr>
+        </p:cxnSp>
+        <p:cxnSp>
+          <p:nvCxnSpPr>
+            <p:cNvPr id="30" name="Curved Connector 29"/>
+            <p:cNvCxnSpPr>
+              <a:stCxn id="147" idx="3"/>
+              <a:endCxn id="131" idx="7"/>
+            </p:cNvCxnSpPr>
+            <p:nvPr/>
+          </p:nvCxnSpPr>
+          <p:spPr bwMode="auto">
+            <a:xfrm rot="16200000" flipH="1">
+              <a:off x="3323945" y="2772054"/>
+              <a:ext cx="2247107" cy="419893"/>
+            </a:xfrm>
+            <a:prstGeom prst="curvedConnector3">
+              <a:avLst/>
+            </a:prstGeom>
+            <a:solidFill>
+              <a:schemeClr val="accent1"/>
+            </a:solidFill>
+            <a:ln w="31750" cap="flat" cmpd="sng" algn="ctr">
+              <a:solidFill>
+                <a:srgbClr val="FF00FF"/>
+              </a:solidFill>
+              <a:prstDash val="solid"/>
+              <a:round/>
+              <a:headEnd type="stealth" w="lg" len="lg"/>
+              <a:tailEnd type="arrow"/>
+            </a:ln>
+            <a:effectLst/>
+          </p:spPr>
+        </p:cxnSp>
+        <p:cxnSp>
+          <p:nvCxnSpPr>
+            <p:cNvPr id="152" name="Curved Connector 151"/>
+            <p:cNvCxnSpPr>
+              <a:stCxn id="147" idx="5"/>
+              <a:endCxn id="117" idx="1"/>
+            </p:cNvCxnSpPr>
+            <p:nvPr/>
+          </p:nvCxnSpPr>
+          <p:spPr bwMode="auto">
+            <a:xfrm rot="16200000" flipH="1">
+              <a:off x="3725348" y="2963347"/>
+              <a:ext cx="2247107" cy="37307"/>
+            </a:xfrm>
+            <a:prstGeom prst="curvedConnector3">
+              <a:avLst>
+                <a:gd name="adj1" fmla="val 44819"/>
+              </a:avLst>
+            </a:prstGeom>
+            <a:solidFill>
+              <a:schemeClr val="accent1"/>
+            </a:solidFill>
+            <a:ln w="31750" cap="flat" cmpd="sng" algn="ctr">
+              <a:solidFill>
+                <a:srgbClr val="FF00FF"/>
+              </a:solidFill>
+              <a:prstDash val="solid"/>
+              <a:round/>
+              <a:headEnd type="stealth" w="lg" len="lg"/>
+              <a:tailEnd type="stealth" w="lg" len="lg"/>
+            </a:ln>
+            <a:effectLst/>
+          </p:spPr>
+        </p:cxnSp>
+        <p:grpSp>
+          <p:nvGrpSpPr>
+            <p:cNvPr id="54286" name="Group 54285"/>
+            <p:cNvGrpSpPr/>
+            <p:nvPr/>
+          </p:nvGrpSpPr>
+          <p:grpSpPr>
+            <a:xfrm>
+              <a:off x="2667000" y="1562100"/>
+              <a:ext cx="4726359" cy="4254788"/>
+              <a:chOff x="2667000" y="1562100"/>
+              <a:chExt cx="4726359" cy="4254788"/>
+            </a:xfrm>
+          </p:grpSpPr>
+          <p:cxnSp>
+            <p:nvCxnSpPr>
+              <p:cNvPr id="146" name="Straight Arrow Connector 145"/>
+              <p:cNvCxnSpPr>
+                <a:stCxn id="147" idx="4"/>
+                <a:endCxn id="135" idx="0"/>
+              </p:cNvCxnSpPr>
+              <p:nvPr/>
+            </p:nvCxnSpPr>
+            <p:spPr bwMode="auto">
+              <a:xfrm flipH="1">
+                <a:off x="4495800" y="1981200"/>
+                <a:ext cx="38100" cy="533400"/>
+              </a:xfrm>
+              <a:prstGeom prst="straightConnector1">
+                <a:avLst/>
+              </a:prstGeom>
+              <a:solidFill>
+                <a:schemeClr val="accent1"/>
+              </a:solidFill>
+              <a:ln w="31750" cap="flat" cmpd="sng" algn="ctr">
+                <a:solidFill>
+                  <a:srgbClr val="FF00FF"/>
+                </a:solidFill>
+                <a:prstDash val="solid"/>
+                <a:round/>
+                <a:headEnd type="stealth" w="lg" len="lg"/>
+                <a:tailEnd type="stealth" w="lg" len="lg"/>
+              </a:ln>
+              <a:effectLst/>
+            </p:spPr>
+          </p:cxnSp>
+          <p:cxnSp>
+            <p:nvCxnSpPr>
+              <p:cNvPr id="148" name="Straight Arrow Connector 147"/>
+              <p:cNvCxnSpPr>
+                <a:stCxn id="147" idx="4"/>
+                <a:endCxn id="136" idx="7"/>
+              </p:cNvCxnSpPr>
+              <p:nvPr/>
+            </p:nvCxnSpPr>
+            <p:spPr bwMode="auto">
+              <a:xfrm>
+                <a:off x="4533900" y="1981200"/>
+                <a:ext cx="1266545" cy="1362355"/>
+              </a:xfrm>
+              <a:prstGeom prst="straightConnector1">
+                <a:avLst/>
+              </a:prstGeom>
+              <a:solidFill>
+                <a:schemeClr val="accent1"/>
+              </a:solidFill>
+              <a:ln w="31750" cap="flat" cmpd="sng" algn="ctr">
+                <a:solidFill>
+                  <a:srgbClr val="FF00FF"/>
+                </a:solidFill>
+                <a:prstDash val="solid"/>
+                <a:round/>
+                <a:headEnd type="stealth" w="lg" len="lg"/>
+                <a:tailEnd type="stealth" w="lg" len="lg"/>
+              </a:ln>
+              <a:effectLst/>
+            </p:spPr>
+          </p:cxnSp>
+          <p:cxnSp>
+            <p:nvCxnSpPr>
+              <p:cNvPr id="149" name="Straight Arrow Connector 148"/>
+              <p:cNvCxnSpPr>
+                <a:stCxn id="147" idx="4"/>
+                <a:endCxn id="140" idx="1"/>
+              </p:cNvCxnSpPr>
+              <p:nvPr/>
+            </p:nvCxnSpPr>
+            <p:spPr bwMode="auto">
+              <a:xfrm flipH="1">
+                <a:off x="3191155" y="1981200"/>
+                <a:ext cx="1342745" cy="1362355"/>
+              </a:xfrm>
+              <a:prstGeom prst="straightConnector1">
+                <a:avLst/>
+              </a:prstGeom>
+              <a:solidFill>
+                <a:schemeClr val="accent1"/>
+              </a:solidFill>
+              <a:ln w="31750" cap="flat" cmpd="sng" algn="ctr">
+                <a:solidFill>
+                  <a:srgbClr val="FF00FF"/>
+                </a:solidFill>
+                <a:prstDash val="solid"/>
+                <a:round/>
+                <a:headEnd type="stealth" w="lg" len="lg"/>
+                <a:tailEnd type="stealth" w="lg" len="lg"/>
+              </a:ln>
+              <a:effectLst/>
+            </p:spPr>
+          </p:cxnSp>
+          <p:cxnSp>
+            <p:nvCxnSpPr>
+              <p:cNvPr id="151" name="Straight Arrow Connector 150"/>
+              <p:cNvCxnSpPr>
+                <a:stCxn id="147" idx="5"/>
+                <a:endCxn id="112" idx="0"/>
+              </p:cNvCxnSpPr>
+              <p:nvPr/>
+            </p:nvCxnSpPr>
+            <p:spPr bwMode="auto">
+              <a:xfrm>
+                <a:off x="4830248" y="1858448"/>
+                <a:ext cx="1951552" cy="2180152"/>
+              </a:xfrm>
+              <a:prstGeom prst="straightConnector1">
+                <a:avLst/>
+              </a:prstGeom>
+              <a:solidFill>
+                <a:schemeClr val="accent1"/>
+              </a:solidFill>
+              <a:ln w="31750" cap="flat" cmpd="sng" algn="ctr">
+                <a:solidFill>
+                  <a:srgbClr val="FF00FF"/>
+                </a:solidFill>
+                <a:prstDash val="solid"/>
+                <a:round/>
+                <a:headEnd type="stealth" w="lg" len="lg"/>
+                <a:tailEnd type="stealth" w="lg" len="lg"/>
+              </a:ln>
+              <a:effectLst/>
+            </p:spPr>
+          </p:cxnSp>
+          <p:cxnSp>
+            <p:nvCxnSpPr>
+              <p:cNvPr id="156" name="Curved Connector 155"/>
+              <p:cNvCxnSpPr>
+                <a:stCxn id="147" idx="2"/>
+                <a:endCxn id="103" idx="2"/>
+              </p:cNvCxnSpPr>
+              <p:nvPr/>
+            </p:nvCxnSpPr>
+            <p:spPr bwMode="auto">
+              <a:xfrm rot="10800000" flipV="1">
+                <a:off x="2667000" y="1562100"/>
+                <a:ext cx="1447800" cy="4254788"/>
+              </a:xfrm>
+              <a:prstGeom prst="curvedConnector3">
+                <a:avLst>
+                  <a:gd name="adj1" fmla="val 115789"/>
+                </a:avLst>
+              </a:prstGeom>
+              <a:solidFill>
+                <a:schemeClr val="accent1"/>
+              </a:solidFill>
+              <a:ln w="31750" cap="flat" cmpd="sng" algn="ctr">
+                <a:solidFill>
+                  <a:srgbClr val="FF00FF"/>
+                </a:solidFill>
+                <a:prstDash val="solid"/>
+                <a:round/>
+                <a:headEnd type="stealth" w="lg" len="lg"/>
+                <a:tailEnd type="stealth" w="lg" len="lg"/>
+              </a:ln>
+              <a:effectLst/>
+            </p:spPr>
+          </p:cxnSp>
+          <p:cxnSp>
+            <p:nvCxnSpPr>
+              <p:cNvPr id="159" name="Curved Connector 158"/>
+              <p:cNvCxnSpPr>
+                <a:stCxn id="147" idx="6"/>
+                <a:endCxn id="79" idx="0"/>
+              </p:cNvCxnSpPr>
+              <p:nvPr/>
+            </p:nvCxnSpPr>
+            <p:spPr bwMode="auto">
+              <a:xfrm>
+                <a:off x="4953000" y="1562100"/>
+                <a:ext cx="2440359" cy="4168793"/>
+              </a:xfrm>
+              <a:prstGeom prst="curvedConnector2">
+                <a:avLst/>
+              </a:prstGeom>
+              <a:solidFill>
+                <a:schemeClr val="accent1"/>
+              </a:solidFill>
+              <a:ln w="31750" cap="flat" cmpd="sng" algn="ctr">
+                <a:solidFill>
+                  <a:srgbClr val="FF00FF"/>
+                </a:solidFill>
+                <a:prstDash val="solid"/>
+                <a:round/>
+                <a:headEnd type="stealth" w="lg" len="lg"/>
+                <a:tailEnd type="arrow"/>
+              </a:ln>
+              <a:effectLst/>
+            </p:spPr>
+          </p:cxnSp>
+        </p:grpSp>
+      </p:grpSp>
+    </p:spTree>
+    <p:extLst>
+      <p:ext uri="{BB962C8B-B14F-4D97-AF65-F5344CB8AC3E}">
+        <p14:creationId xmlns:p14="http://schemas.microsoft.com/office/powerpoint/2010/main" val="3720289249"/>
+      </p:ext>
+    </p:extLst>
+  </p:cSld>
+  <p:clrMapOvr>
+    <a:masterClrMapping/>
+  </p:clrMapOvr>
+  <mc:AlternateContent xmlns:mc="http://schemas.openxmlformats.org/markup-compatibility/2006">
+    <mc:Choice xmlns:p14="http://schemas.microsoft.com/office/powerpoint/2010/main" Requires="p14">
+      <p:transition spd="med" p14:dur="700" advClick="0">
+        <p:fade/>
+      </p:transition>
+    </mc:Choice>
+    <mc:Fallback>
+      <p:transition xmlns:p14="http://schemas.microsoft.com/office/powerpoint/2010/main" spd="med" advClick="0">
+        <p:fade/>
+      </p:transition>
+    </mc:Fallback>
+  </mc:AlternateContent>
+  <p:timing>
+    <p:tnLst>
+      <p:par>
+        <p:cTn xmlns:p14="http://schemas.microsoft.com/office/powerpoint/2010/main" id="1" dur="indefinite" restart="never" nodeType="tmRoot">
+          <p:childTnLst>
+            <p:seq concurrent="1" nextAc="seek">
+              <p:cTn id="2" dur="indefinite" nodeType="mainSeq">
+                <p:childTnLst>
+                  <p:par>
+                    <p:cTn id="3" fill="hold">
+                      <p:stCondLst>
+                        <p:cond delay="indefinite"/>
+                      </p:stCondLst>
+                      <p:childTnLst>
+                        <p:par>
+                          <p:cTn id="4" fill="hold">
+                            <p:stCondLst>
+                              <p:cond delay="0"/>
+                            </p:stCondLst>
+                            <p:childTnLst>
+                              <p:par>
+                                <p:cTn id="5" presetID="10" presetClass="entr" presetSubtype="0" fill="hold" grpId="0" nodeType="clickEffect">
+                                  <p:stCondLst>
+                                    <p:cond delay="0"/>
+                                  </p:stCondLst>
+                                  <p:childTnLst>
+                                    <p:set>
+                                      <p:cBhvr>
+                                        <p:cTn id="6" dur="1" fill="hold">
+                                          <p:stCondLst>
+                                            <p:cond delay="0"/>
+                                          </p:stCondLst>
+                                        </p:cTn>
+                                        <p:tgtEl>
+                                          <p:spTgt spid="147"/>
+                                        </p:tgtEl>
+                                        <p:attrNameLst>
+                                          <p:attrName>style.visibility</p:attrName>
+                                        </p:attrNameLst>
+                                      </p:cBhvr>
+                                      <p:to>
+                                        <p:strVal val="visible"/>
+                                      </p:to>
+                                    </p:set>
+                                    <p:animEffect transition="in" filter="fade">
+                                      <p:cBhvr>
+                                        <p:cTn id="7" dur="500"/>
+                                        <p:tgtEl>
+                                          <p:spTgt spid="147"/>
+                                        </p:tgtEl>
+                                      </p:cBhvr>
+                                    </p:animEffect>
+                                  </p:childTnLst>
+                                </p:cTn>
+                              </p:par>
+                            </p:childTnLst>
+                          </p:cTn>
+                        </p:par>
+                      </p:childTnLst>
+                    </p:cTn>
+                  </p:par>
+                  <p:par>
+                    <p:cTn id="8" fill="hold">
+                      <p:stCondLst>
+                        <p:cond delay="indefinite"/>
+                      </p:stCondLst>
+                      <p:childTnLst>
+                        <p:par>
+                          <p:cTn id="9" fill="hold">
+                            <p:stCondLst>
+                              <p:cond delay="0"/>
+                            </p:stCondLst>
+                            <p:childTnLst>
+                              <p:par>
+                                <p:cTn id="10" presetID="22" presetClass="entr" presetSubtype="1" fill="hold" nodeType="clickEffect">
+                                  <p:stCondLst>
+                                    <p:cond delay="0"/>
+                                  </p:stCondLst>
+                                  <p:childTnLst>
+                                    <p:set>
+                                      <p:cBhvr>
+                                        <p:cTn id="11" dur="1" fill="hold">
+                                          <p:stCondLst>
+                                            <p:cond delay="0"/>
+                                          </p:stCondLst>
+                                        </p:cTn>
+                                        <p:tgtEl>
+                                          <p:spTgt spid="54287"/>
+                                        </p:tgtEl>
+                                        <p:attrNameLst>
+                                          <p:attrName>style.visibility</p:attrName>
+                                        </p:attrNameLst>
+                                      </p:cBhvr>
+                                      <p:to>
+                                        <p:strVal val="visible"/>
+                                      </p:to>
+                                    </p:set>
+                                    <p:animEffect transition="in" filter="wipe(up)">
+                                      <p:cBhvr>
+                                        <p:cTn id="12" dur="1000"/>
+                                        <p:tgtEl>
+                                          <p:spTgt spid="54287"/>
+                                        </p:tgtEl>
+                                      </p:cBhvr>
+                                    </p:animEffect>
+                                  </p:childTnLst>
+                                </p:cTn>
+                              </p:par>
+                            </p:childTnLst>
+                          </p:cTn>
+                        </p:par>
+                      </p:childTnLst>
+                    </p:cTn>
+                  </p:par>
+                </p:childTnLst>
+              </p:cTn>
+              <p:prevCondLst>
+                <p:cond evt="onPrev" delay="0">
+                  <p:tgtEl>
+                    <p:sldTgt/>
+                  </p:tgtEl>
+                </p:cond>
+              </p:prevCondLst>
+              <p:nextCondLst>
+                <p:cond evt="onNext" delay="0">
+                  <p:tgtEl>
+                    <p:sldTgt/>
+                  </p:tgtEl>
+                </p:cond>
+              </p:nextCondLst>
+            </p:seq>
+          </p:childTnLst>
+        </p:cTn>
+      </p:par>
+    </p:tnLst>
+    <p:bldLst>
+      <p:bldP spid="147" grpId="0" animBg="1"/>
+    </p:bldLst>
+  </p:timing>
+</p:sld>
+</file>
+
+<file path=ppt/slides/slide8.xml><?xml version="1.0" encoding="utf-8"?>
+<p:sld xmlns:a="http://schemas.openxmlformats.org/drawingml/2006/main" xmlns:r="http://schemas.openxmlformats.org/officeDocument/2006/relationships" xmlns:p="http://schemas.openxmlformats.org/presentationml/2006/main">
+  <p:cSld>
+    <p:spTree>
+      <p:nvGrpSpPr>
+        <p:cNvPr id="1" name=""/>
+        <p:cNvGrpSpPr/>
+        <p:nvPr/>
+      </p:nvGrpSpPr>
+      <p:grpSpPr>
+        <a:xfrm>
+          <a:off x="0" y="0"/>
+          <a:ext cx="0" cy="0"/>
+          <a:chOff x="0" y="0"/>
+          <a:chExt cx="0" cy="0"/>
+        </a:xfrm>
+      </p:grpSpPr>
+      <p:sp>
+        <p:nvSpPr>
           <p:cNvPr id="35844" name="Slide Number Placeholder 5"/>
           <p:cNvSpPr>
             <a:spLocks noGrp="1"/>
@@ -8854,7 +13486,7 @@
             <a:fld id="{42298CDA-044A-0949-8A0D-DDA7F6833251}" type="slidenum">
               <a:rPr lang="en-US" smtClean="0"/>
               <a:pPr/>
-              <a:t>7</a:t>
+              <a:t>8</a:t>
             </a:fld>
             <a:endParaRPr lang="en-US" dirty="0"/>
           </a:p>
@@ -9144,11 +13776,7 @@
             </a:pPr>
             <a:r>
               <a:rPr lang="en-US" dirty="0" smtClean="0"/>
-              <a:t>Albert R Meyer,               December </a:t>
-            </a:r>
-            <a:r>
-              <a:rPr lang="en-US" dirty="0" smtClean="0"/>
-              <a:t>11, 2013</a:t>
+              <a:t>Albert R Meyer,               December 11, 2013</a:t>
             </a:r>
             <a:endParaRPr lang="en-US" dirty="0"/>
           </a:p>
@@ -9597,7 +14225,7 @@
 </p:sld>
 </file>
 
-<file path=ppt/slides/slide8.xml><?xml version="1.0" encoding="utf-8"?>
+<file path=ppt/slides/slide9.xml><?xml version="1.0" encoding="utf-8"?>
 <p:sld xmlns:a="http://schemas.openxmlformats.org/drawingml/2006/main" xmlns:r="http://schemas.openxmlformats.org/officeDocument/2006/relationships" xmlns:p="http://schemas.openxmlformats.org/presentationml/2006/main">
   <p:cSld>
     <p:spTree>
@@ -9728,7 +14356,7 @@
               <a:pPr>
                 <a:defRPr/>
               </a:pPr>
-              <a:t>8</a:t>
+              <a:t>9</a:t>
             </a:fld>
             <a:endParaRPr lang="en-US" dirty="0" smtClean="0"/>
           </a:p>
@@ -10121,1230 +14749,6 @@
 </p:sld>
 </file>
 
-<file path=ppt/slides/slide9.xml><?xml version="1.0" encoding="utf-8"?>
-<p:sld xmlns:a="http://schemas.openxmlformats.org/drawingml/2006/main" xmlns:r="http://schemas.openxmlformats.org/officeDocument/2006/relationships" xmlns:p="http://schemas.openxmlformats.org/presentationml/2006/main">
-  <p:cSld>
-    <p:spTree>
-      <p:nvGrpSpPr>
-        <p:cNvPr id="1" name=""/>
-        <p:cNvGrpSpPr/>
-        <p:nvPr/>
-      </p:nvGrpSpPr>
-      <p:grpSpPr>
-        <a:xfrm>
-          <a:off x="0" y="0"/>
-          <a:ext cx="0" cy="0"/>
-          <a:chOff x="0" y="0"/>
-          <a:chExt cx="0" cy="0"/>
-        </a:xfrm>
-      </p:grpSpPr>
-      <p:sp>
-        <p:nvSpPr>
-          <p:cNvPr id="6" name="TextBox 5"/>
-          <p:cNvSpPr txBox="1"/>
-          <p:nvPr/>
-        </p:nvSpPr>
-        <p:spPr>
-          <a:xfrm>
-            <a:off x="228600" y="990600"/>
-            <a:ext cx="8534400" cy="4967513"/>
-          </a:xfrm>
-          <a:prstGeom prst="rect">
-            <a:avLst/>
-          </a:prstGeom>
-          <a:noFill/>
-        </p:spPr>
-        <p:txBody>
-          <a:bodyPr wrap="square" rtlCol="0">
-            <a:spAutoFit/>
-          </a:bodyPr>
-          <a:lstStyle/>
-          <a:p>
-            <a:r>
-              <a:rPr lang="en-US" sz="4400" dirty="0" smtClean="0"/>
-              <a:t>ensures</a:t>
-            </a:r>
-            <a:endParaRPr lang="en-US" sz="4400" dirty="0"/>
-          </a:p>
-          <a:p>
-            <a:r>
-              <a:rPr lang="en-US" sz="4400" dirty="0" smtClean="0"/>
-              <a:t> * </a:t>
-            </a:r>
-            <a:r>
-              <a:rPr lang="en-US" sz="4400" dirty="0" smtClean="0">
-                <a:solidFill>
-                  <a:srgbClr val="008000"/>
-                </a:solidFill>
-              </a:rPr>
-              <a:t>unique</a:t>
-            </a:r>
-            <a:r>
-              <a:rPr lang="en-US" sz="4400" dirty="0" smtClean="0"/>
-              <a:t> stable distribution</a:t>
-            </a:r>
-          </a:p>
-          <a:p>
-            <a:r>
-              <a:rPr lang="en-US" sz="4400" dirty="0"/>
-              <a:t> </a:t>
-            </a:r>
-            <a:r>
-              <a:rPr lang="en-US" sz="4400" dirty="0" smtClean="0"/>
-              <a:t>* </a:t>
-            </a:r>
-            <a:r>
-              <a:rPr lang="en-US" sz="4400" dirty="0" smtClean="0">
-                <a:solidFill>
-                  <a:srgbClr val="008000"/>
-                </a:solidFill>
-              </a:rPr>
-              <a:t>every</a:t>
-            </a:r>
-            <a:r>
-              <a:rPr lang="en-US" sz="4400" dirty="0" smtClean="0"/>
-              <a:t> initial distribution</a:t>
-            </a:r>
-          </a:p>
-          <a:p>
-            <a:pPr>
-              <a:lnSpc>
-                <a:spcPct val="80000"/>
-              </a:lnSpc>
-            </a:pPr>
-            <a:r>
-              <a:rPr lang="en-US" sz="4400" dirty="0" smtClean="0"/>
-              <a:t>     </a:t>
-            </a:r>
-            <a:r>
-              <a:rPr lang="en-US" sz="4400" dirty="0" smtClean="0">
-                <a:solidFill>
-                  <a:srgbClr val="008000"/>
-                </a:solidFill>
-              </a:rPr>
-              <a:t>converges</a:t>
-            </a:r>
-            <a:r>
-              <a:rPr lang="en-US" sz="4400" dirty="0" smtClean="0"/>
-              <a:t> to</a:t>
-            </a:r>
-          </a:p>
-          <a:p>
-            <a:pPr>
-              <a:lnSpc>
-                <a:spcPct val="80000"/>
-              </a:lnSpc>
-            </a:pPr>
-            <a:endParaRPr lang="en-US" sz="4400" dirty="0"/>
-          </a:p>
-          <a:p>
-            <a:pPr>
-              <a:lnSpc>
-                <a:spcPct val="80000"/>
-              </a:lnSpc>
-            </a:pPr>
-            <a:endParaRPr lang="en-US" sz="4400" dirty="0" smtClean="0"/>
-          </a:p>
-          <a:p>
-            <a:pPr>
-              <a:lnSpc>
-                <a:spcPct val="80000"/>
-              </a:lnSpc>
-            </a:pPr>
-            <a:r>
-              <a:rPr lang="en-US" sz="4400" dirty="0"/>
-              <a:t> </a:t>
-            </a:r>
-            <a:r>
-              <a:rPr lang="en-US" sz="4400" dirty="0" smtClean="0"/>
-              <a:t>* convergence is rapid:</a:t>
-            </a:r>
-          </a:p>
-          <a:p>
-            <a:r>
-              <a:rPr lang="en-US" sz="4400" dirty="0" smtClean="0"/>
-              <a:t>  </a:t>
-            </a:r>
-            <a:r>
-              <a:rPr lang="en-US" sz="4400" dirty="0" smtClean="0">
-                <a:solidFill>
-                  <a:srgbClr val="FF00FF"/>
-                </a:solidFill>
-              </a:rPr>
-              <a:t>t</a:t>
-            </a:r>
-            <a:r>
-              <a:rPr lang="en-US" sz="4400" dirty="0" smtClean="0"/>
-              <a:t> is small so    easy </a:t>
-            </a:r>
-            <a:r>
-              <a:rPr lang="en-US" sz="4400" dirty="0"/>
-              <a:t>to compute </a:t>
-            </a:r>
-          </a:p>
-        </p:txBody>
-      </p:sp>
-      <p:sp>
-        <p:nvSpPr>
-          <p:cNvPr id="2" name="Title 1"/>
-          <p:cNvSpPr>
-            <a:spLocks noGrp="1"/>
-          </p:cNvSpPr>
-          <p:nvPr>
-            <p:ph type="title"/>
-          </p:nvPr>
-        </p:nvSpPr>
-        <p:spPr>
-          <a:xfrm>
-            <a:off x="1219200" y="152400"/>
-            <a:ext cx="7472362" cy="1143000"/>
-          </a:xfrm>
-        </p:spPr>
-        <p:txBody>
-          <a:bodyPr/>
-          <a:lstStyle/>
-          <a:p>
-            <a:r>
-              <a:rPr lang="en-US" dirty="0" smtClean="0"/>
-              <a:t>Importance of Super-node</a:t>
-            </a:r>
-            <a:endParaRPr lang="en-US" dirty="0"/>
-          </a:p>
-        </p:txBody>
-      </p:sp>
-      <p:sp>
-        <p:nvSpPr>
-          <p:cNvPr id="4" name="Slide Number Placeholder 3"/>
-          <p:cNvSpPr>
-            <a:spLocks noGrp="1"/>
-          </p:cNvSpPr>
-          <p:nvPr>
-            <p:ph type="sldNum" sz="quarter" idx="12"/>
-          </p:nvPr>
-        </p:nvSpPr>
-        <p:spPr/>
-        <p:txBody>
-          <a:bodyPr/>
-          <a:lstStyle/>
-          <a:p>
-            <a:pPr>
-              <a:defRPr/>
-            </a:pPr>
-            <a:r>
-              <a:rPr lang="en-US" dirty="0" smtClean="0"/>
-              <a:t>page-rank.</a:t>
-            </a:r>
-            <a:fld id="{E877D3CB-F960-BD47-98A7-06971C504846}" type="slidenum">
-              <a:rPr lang="en-US" smtClean="0"/>
-              <a:pPr>
-                <a:defRPr/>
-              </a:pPr>
-              <a:t>9</a:t>
-            </a:fld>
-            <a:endParaRPr lang="en-US" dirty="0" smtClean="0"/>
-          </a:p>
-          <a:p>
-            <a:pPr>
-              <a:defRPr/>
-            </a:pPr>
-            <a:endParaRPr lang="en-US" dirty="0"/>
-          </a:p>
-        </p:txBody>
-      </p:sp>
-      <p:sp>
-        <p:nvSpPr>
-          <p:cNvPr id="5" name="Date Placeholder 4"/>
-          <p:cNvSpPr>
-            <a:spLocks noGrp="1"/>
-          </p:cNvSpPr>
-          <p:nvPr>
-            <p:ph type="dt" sz="half" idx="2"/>
-          </p:nvPr>
-        </p:nvSpPr>
-        <p:spPr/>
-        <p:txBody>
-          <a:bodyPr/>
-          <a:lstStyle/>
-          <a:p>
-            <a:pPr>
-              <a:defRPr/>
-            </a:pPr>
-            <a:r>
-              <a:rPr lang="en-US" smtClean="0"/>
-              <a:t>Albert R Meyer,           December 11, 2013</a:t>
-            </a:r>
-            <a:endParaRPr lang="en-US" dirty="0"/>
-          </a:p>
-        </p:txBody>
-      </p:sp>
-      <p:grpSp>
-        <p:nvGrpSpPr>
-          <p:cNvPr id="7" name="Group 6"/>
-          <p:cNvGrpSpPr/>
-          <p:nvPr/>
-        </p:nvGrpSpPr>
-        <p:grpSpPr>
-          <a:xfrm>
-            <a:off x="7696200" y="1524000"/>
-            <a:ext cx="533400" cy="923330"/>
-            <a:chOff x="7236844" y="3657600"/>
-            <a:chExt cx="533400" cy="923330"/>
-          </a:xfrm>
-        </p:grpSpPr>
-        <p:sp>
-          <p:nvSpPr>
-            <p:cNvPr id="8" name="TextBox 7"/>
-            <p:cNvSpPr txBox="1"/>
-            <p:nvPr/>
-          </p:nvSpPr>
-          <p:spPr>
-            <a:xfrm>
-              <a:off x="7236844" y="3657600"/>
-              <a:ext cx="521785" cy="923330"/>
-            </a:xfrm>
-            <a:prstGeom prst="rect">
-              <a:avLst/>
-            </a:prstGeom>
-            <a:noFill/>
-          </p:spPr>
-          <p:txBody>
-            <a:bodyPr wrap="none" rtlCol="0">
-              <a:spAutoFit/>
-            </a:bodyPr>
-            <a:lstStyle/>
-            <a:p>
-              <a:r>
-                <a:rPr lang="en-US" sz="5400" dirty="0">
-                  <a:solidFill>
-                    <a:srgbClr val="0000FF"/>
-                  </a:solidFill>
-                </a:rPr>
-                <a:t>s</a:t>
-              </a:r>
-              <a:endParaRPr lang="en-US" sz="5400" dirty="0"/>
-            </a:p>
-          </p:txBody>
-        </p:sp>
-        <p:cxnSp>
-          <p:nvCxnSpPr>
-            <p:cNvPr id="9" name="Straight Arrow Connector 8"/>
-            <p:cNvCxnSpPr/>
-            <p:nvPr/>
-          </p:nvCxnSpPr>
-          <p:spPr bwMode="auto">
-            <a:xfrm>
-              <a:off x="7389244" y="3886200"/>
-              <a:ext cx="381000" cy="0"/>
-            </a:xfrm>
-            <a:prstGeom prst="straightConnector1">
-              <a:avLst/>
-            </a:prstGeom>
-            <a:solidFill>
-              <a:schemeClr val="accent1"/>
-            </a:solidFill>
-            <a:ln w="38100" cap="flat" cmpd="sng" algn="ctr">
-              <a:solidFill>
-                <a:srgbClr val="0000FF"/>
-              </a:solidFill>
-              <a:prstDash val="solid"/>
-              <a:round/>
-              <a:headEnd type="none" w="med" len="med"/>
-              <a:tailEnd type="arrow" w="sm" len="sm"/>
-            </a:ln>
-            <a:effectLst/>
-          </p:spPr>
-        </p:cxnSp>
-      </p:grpSp>
-      <p:grpSp>
-        <p:nvGrpSpPr>
-          <p:cNvPr id="10" name="Group 9"/>
-          <p:cNvGrpSpPr/>
-          <p:nvPr/>
-        </p:nvGrpSpPr>
-        <p:grpSpPr>
-          <a:xfrm>
-            <a:off x="7391400" y="2302133"/>
-            <a:ext cx="513782" cy="830997"/>
-            <a:chOff x="7236844" y="3657600"/>
-            <a:chExt cx="513782" cy="830997"/>
-          </a:xfrm>
-        </p:grpSpPr>
-        <p:sp>
-          <p:nvSpPr>
-            <p:cNvPr id="11" name="TextBox 10"/>
-            <p:cNvSpPr txBox="1"/>
-            <p:nvPr/>
-          </p:nvSpPr>
-          <p:spPr>
-            <a:xfrm>
-              <a:off x="7236844" y="3657600"/>
-              <a:ext cx="513782" cy="830997"/>
-            </a:xfrm>
-            <a:prstGeom prst="rect">
-              <a:avLst/>
-            </a:prstGeom>
-            <a:noFill/>
-          </p:spPr>
-          <p:txBody>
-            <a:bodyPr wrap="none" rtlCol="0">
-              <a:spAutoFit/>
-            </a:bodyPr>
-            <a:lstStyle/>
-            <a:p>
-              <a:r>
-                <a:rPr lang="en-US" sz="4800" dirty="0" smtClean="0">
-                  <a:solidFill>
-                    <a:srgbClr val="0000FF"/>
-                  </a:solidFill>
-                </a:rPr>
-                <a:t>p</a:t>
-              </a:r>
-              <a:endParaRPr lang="en-US" sz="4800" dirty="0"/>
-            </a:p>
-          </p:txBody>
-        </p:sp>
-        <p:cxnSp>
-          <p:nvCxnSpPr>
-            <p:cNvPr id="12" name="Straight Arrow Connector 11"/>
-            <p:cNvCxnSpPr/>
-            <p:nvPr/>
-          </p:nvCxnSpPr>
-          <p:spPr bwMode="auto">
-            <a:xfrm>
-              <a:off x="7313044" y="3886200"/>
-              <a:ext cx="381000" cy="0"/>
-            </a:xfrm>
-            <a:prstGeom prst="straightConnector1">
-              <a:avLst/>
-            </a:prstGeom>
-            <a:solidFill>
-              <a:schemeClr val="accent1"/>
-            </a:solidFill>
-            <a:ln w="38100" cap="flat" cmpd="sng" algn="ctr">
-              <a:solidFill>
-                <a:srgbClr val="0000FF"/>
-              </a:solidFill>
-              <a:prstDash val="solid"/>
-              <a:round/>
-              <a:headEnd type="none" w="med" len="med"/>
-              <a:tailEnd type="arrow" w="sm" len="sm"/>
-            </a:ln>
-            <a:effectLst/>
-          </p:spPr>
-        </p:cxnSp>
-      </p:grpSp>
-      <p:grpSp>
-        <p:nvGrpSpPr>
-          <p:cNvPr id="13" name="Group 12"/>
-          <p:cNvGrpSpPr/>
-          <p:nvPr/>
-        </p:nvGrpSpPr>
-        <p:grpSpPr>
-          <a:xfrm>
-            <a:off x="4572000" y="2810470"/>
-            <a:ext cx="533400" cy="923330"/>
-            <a:chOff x="7236844" y="3657600"/>
-            <a:chExt cx="533400" cy="923330"/>
-          </a:xfrm>
-        </p:grpSpPr>
-        <p:sp>
-          <p:nvSpPr>
-            <p:cNvPr id="14" name="TextBox 13"/>
-            <p:cNvSpPr txBox="1"/>
-            <p:nvPr/>
-          </p:nvSpPr>
-          <p:spPr>
-            <a:xfrm>
-              <a:off x="7236844" y="3657600"/>
-              <a:ext cx="521785" cy="923330"/>
-            </a:xfrm>
-            <a:prstGeom prst="rect">
-              <a:avLst/>
-            </a:prstGeom>
-            <a:noFill/>
-          </p:spPr>
-          <p:txBody>
-            <a:bodyPr wrap="none" rtlCol="0">
-              <a:spAutoFit/>
-            </a:bodyPr>
-            <a:lstStyle/>
-            <a:p>
-              <a:r>
-                <a:rPr lang="en-US" sz="5400" dirty="0">
-                  <a:solidFill>
-                    <a:srgbClr val="0000FF"/>
-                  </a:solidFill>
-                </a:rPr>
-                <a:t>s</a:t>
-              </a:r>
-              <a:endParaRPr lang="en-US" sz="5400" dirty="0"/>
-            </a:p>
-          </p:txBody>
-        </p:sp>
-        <p:cxnSp>
-          <p:nvCxnSpPr>
-            <p:cNvPr id="15" name="Straight Arrow Connector 14"/>
-            <p:cNvCxnSpPr/>
-            <p:nvPr/>
-          </p:nvCxnSpPr>
-          <p:spPr bwMode="auto">
-            <a:xfrm>
-              <a:off x="7389244" y="3886200"/>
-              <a:ext cx="381000" cy="0"/>
-            </a:xfrm>
-            <a:prstGeom prst="straightConnector1">
-              <a:avLst/>
-            </a:prstGeom>
-            <a:solidFill>
-              <a:schemeClr val="accent1"/>
-            </a:solidFill>
-            <a:ln w="38100" cap="flat" cmpd="sng" algn="ctr">
-              <a:solidFill>
-                <a:srgbClr val="0000FF"/>
-              </a:solidFill>
-              <a:prstDash val="solid"/>
-              <a:round/>
-              <a:headEnd type="none" w="med" len="med"/>
-              <a:tailEnd type="arrow" w="sm" len="sm"/>
-            </a:ln>
-            <a:effectLst/>
-          </p:spPr>
-        </p:cxnSp>
-      </p:grpSp>
-      <p:grpSp>
-        <p:nvGrpSpPr>
-          <p:cNvPr id="23" name="Group 22"/>
-          <p:cNvGrpSpPr/>
-          <p:nvPr/>
-        </p:nvGrpSpPr>
-        <p:grpSpPr>
-          <a:xfrm>
-            <a:off x="3303588" y="3124200"/>
-            <a:ext cx="3751262" cy="1600200"/>
-            <a:chOff x="2541588" y="3352800"/>
-            <a:chExt cx="3751262" cy="1600200"/>
-          </a:xfrm>
-        </p:grpSpPr>
-        <p:graphicFrame>
-          <p:nvGraphicFramePr>
-            <p:cNvPr id="17" name="Object 16"/>
-            <p:cNvGraphicFramePr>
-              <a:graphicFrameLocks noChangeAspect="1"/>
-            </p:cNvGraphicFramePr>
-            <p:nvPr>
-              <p:extLst>
-                <p:ext uri="{D42A27DB-BD31-4B8C-83A1-F6EECF244321}">
-                  <p14:modId xmlns:p14="http://schemas.microsoft.com/office/powerpoint/2010/main" val="175687491"/>
-                </p:ext>
-              </p:extLst>
-            </p:nvPr>
-          </p:nvGraphicFramePr>
-          <p:xfrm>
-            <a:off x="2541588" y="3352800"/>
-            <a:ext cx="3751262" cy="1600200"/>
-          </p:xfrm>
-          <a:graphic>
-            <a:graphicData uri="http://schemas.openxmlformats.org/presentationml/2006/ole">
-              <mc:AlternateContent xmlns:mc="http://schemas.openxmlformats.org/markup-compatibility/2006">
-                <mc:Choice xmlns:v="urn:schemas-microsoft-com:vml" Requires="v">
-                  <p:oleObj spid="_x0000_s1038" name="Equation" r:id="rId3" imgW="952500" imgH="406400" progId="Equation.DSMT4">
-                    <p:embed/>
-                  </p:oleObj>
-                </mc:Choice>
-                <mc:Fallback>
-                  <p:oleObj name="Equation" r:id="rId3" imgW="952500" imgH="406400" progId="Equation.DSMT4">
-                    <p:embed/>
-                    <p:pic>
-                      <p:nvPicPr>
-                        <p:cNvPr id="0" name=""/>
-                        <p:cNvPicPr/>
-                        <p:nvPr/>
-                      </p:nvPicPr>
-                      <p:blipFill>
-                        <a:blip r:embed="rId4"/>
-                        <a:stretch>
-                          <a:fillRect/>
-                        </a:stretch>
-                      </p:blipFill>
-                      <p:spPr>
-                        <a:xfrm>
-                          <a:off x="2541588" y="3352800"/>
-                          <a:ext cx="3751262" cy="1600200"/>
-                        </a:xfrm>
-                        <a:prstGeom prst="rect">
-                          <a:avLst/>
-                        </a:prstGeom>
-                      </p:spPr>
-                    </p:pic>
-                  </p:oleObj>
-                </mc:Fallback>
-              </mc:AlternateContent>
-            </a:graphicData>
-          </a:graphic>
-        </p:graphicFrame>
-        <p:cxnSp>
-          <p:nvCxnSpPr>
-            <p:cNvPr id="18" name="Straight Arrow Connector 17"/>
-            <p:cNvCxnSpPr/>
-            <p:nvPr/>
-          </p:nvCxnSpPr>
-          <p:spPr bwMode="auto">
-            <a:xfrm>
-              <a:off x="3657600" y="3962400"/>
-              <a:ext cx="381000" cy="0"/>
-            </a:xfrm>
-            <a:prstGeom prst="straightConnector1">
-              <a:avLst/>
-            </a:prstGeom>
-            <a:solidFill>
-              <a:schemeClr val="accent1"/>
-            </a:solidFill>
-            <a:ln w="38100" cap="flat" cmpd="sng" algn="ctr">
-              <a:solidFill>
-                <a:srgbClr val="0000FF"/>
-              </a:solidFill>
-              <a:prstDash val="solid"/>
-              <a:round/>
-              <a:headEnd type="none" w="med" len="med"/>
-              <a:tailEnd type="arrow" w="sm" len="sm"/>
-            </a:ln>
-            <a:effectLst/>
-          </p:spPr>
-        </p:cxnSp>
-        <p:cxnSp>
-          <p:nvCxnSpPr>
-            <p:cNvPr id="19" name="Straight Arrow Connector 18"/>
-            <p:cNvCxnSpPr/>
-            <p:nvPr/>
-          </p:nvCxnSpPr>
-          <p:spPr bwMode="auto">
-            <a:xfrm>
-              <a:off x="5867400" y="3962400"/>
-              <a:ext cx="381000" cy="0"/>
-            </a:xfrm>
-            <a:prstGeom prst="straightConnector1">
-              <a:avLst/>
-            </a:prstGeom>
-            <a:solidFill>
-              <a:schemeClr val="accent1"/>
-            </a:solidFill>
-            <a:ln w="38100" cap="flat" cmpd="sng" algn="ctr">
-              <a:solidFill>
-                <a:srgbClr val="0000FF"/>
-              </a:solidFill>
-              <a:prstDash val="solid"/>
-              <a:round/>
-              <a:headEnd type="none" w="med" len="med"/>
-              <a:tailEnd type="arrow" w="sm" len="sm"/>
-            </a:ln>
-            <a:effectLst/>
-          </p:spPr>
-        </p:cxnSp>
-      </p:grpSp>
-      <p:grpSp>
-        <p:nvGrpSpPr>
-          <p:cNvPr id="20" name="Group 19"/>
-          <p:cNvGrpSpPr/>
-          <p:nvPr/>
-        </p:nvGrpSpPr>
-        <p:grpSpPr>
-          <a:xfrm>
-            <a:off x="3733800" y="5029200"/>
-            <a:ext cx="533400" cy="923330"/>
-            <a:chOff x="7236844" y="3657600"/>
-            <a:chExt cx="533400" cy="923330"/>
-          </a:xfrm>
-        </p:grpSpPr>
-        <p:sp>
-          <p:nvSpPr>
-            <p:cNvPr id="21" name="TextBox 20"/>
-            <p:cNvSpPr txBox="1"/>
-            <p:nvPr/>
-          </p:nvSpPr>
-          <p:spPr>
-            <a:xfrm>
-              <a:off x="7236844" y="3657600"/>
-              <a:ext cx="521785" cy="923330"/>
-            </a:xfrm>
-            <a:prstGeom prst="rect">
-              <a:avLst/>
-            </a:prstGeom>
-            <a:noFill/>
-          </p:spPr>
-          <p:txBody>
-            <a:bodyPr wrap="none" rtlCol="0">
-              <a:spAutoFit/>
-            </a:bodyPr>
-            <a:lstStyle/>
-            <a:p>
-              <a:r>
-                <a:rPr lang="en-US" sz="5400" dirty="0">
-                  <a:solidFill>
-                    <a:srgbClr val="0000FF"/>
-                  </a:solidFill>
-                </a:rPr>
-                <a:t>s</a:t>
-              </a:r>
-              <a:endParaRPr lang="en-US" sz="5400" dirty="0"/>
-            </a:p>
-          </p:txBody>
-        </p:sp>
-        <p:cxnSp>
-          <p:nvCxnSpPr>
-            <p:cNvPr id="22" name="Straight Arrow Connector 21"/>
-            <p:cNvCxnSpPr/>
-            <p:nvPr/>
-          </p:nvCxnSpPr>
-          <p:spPr bwMode="auto">
-            <a:xfrm>
-              <a:off x="7389244" y="3886200"/>
-              <a:ext cx="381000" cy="0"/>
-            </a:xfrm>
-            <a:prstGeom prst="straightConnector1">
-              <a:avLst/>
-            </a:prstGeom>
-            <a:solidFill>
-              <a:schemeClr val="accent1"/>
-            </a:solidFill>
-            <a:ln w="38100" cap="flat" cmpd="sng" algn="ctr">
-              <a:solidFill>
-                <a:srgbClr val="0000FF"/>
-              </a:solidFill>
-              <a:prstDash val="solid"/>
-              <a:round/>
-              <a:headEnd type="none" w="med" len="med"/>
-              <a:tailEnd type="arrow" w="sm" len="sm"/>
-            </a:ln>
-            <a:effectLst/>
-          </p:spPr>
-        </p:cxnSp>
-      </p:grpSp>
-    </p:spTree>
-    <p:extLst>
-      <p:ext uri="{BB962C8B-B14F-4D97-AF65-F5344CB8AC3E}">
-        <p14:creationId xmlns:p14="http://schemas.microsoft.com/office/powerpoint/2010/main" val="4034444194"/>
-      </p:ext>
-    </p:extLst>
-  </p:cSld>
-  <p:clrMapOvr>
-    <a:masterClrMapping/>
-  </p:clrMapOvr>
-  <p:transition xmlns:p14="http://schemas.microsoft.com/office/powerpoint/2010/main" spd="slow" advClick="0">
-    <p:fade thruBlk="1"/>
-  </p:transition>
-  <p:timing>
-    <p:tnLst>
-      <p:par>
-        <p:cTn xmlns:p14="http://schemas.microsoft.com/office/powerpoint/2010/main" id="1" dur="indefinite" restart="never" nodeType="tmRoot">
-          <p:childTnLst>
-            <p:seq concurrent="1" nextAc="seek">
-              <p:cTn id="2" dur="indefinite" nodeType="mainSeq">
-                <p:childTnLst>
-                  <p:par>
-                    <p:cTn id="3" fill="hold">
-                      <p:stCondLst>
-                        <p:cond delay="indefinite"/>
-                      </p:stCondLst>
-                      <p:childTnLst>
-                        <p:par>
-                          <p:cTn id="4" fill="hold">
-                            <p:stCondLst>
-                              <p:cond delay="0"/>
-                            </p:stCondLst>
-                            <p:childTnLst>
-                              <p:par>
-                                <p:cTn id="5" presetID="10" presetClass="entr" presetSubtype="0" fill="hold" nodeType="clickEffect">
-                                  <p:stCondLst>
-                                    <p:cond delay="0"/>
-                                  </p:stCondLst>
-                                  <p:childTnLst>
-                                    <p:set>
-                                      <p:cBhvr>
-                                        <p:cTn id="6" dur="1" fill="hold">
-                                          <p:stCondLst>
-                                            <p:cond delay="0"/>
-                                          </p:stCondLst>
-                                        </p:cTn>
-                                        <p:tgtEl>
-                                          <p:spTgt spid="6">
-                                            <p:txEl>
-                                              <p:pRg st="1" end="1"/>
-                                            </p:txEl>
-                                          </p:spTgt>
-                                        </p:tgtEl>
-                                        <p:attrNameLst>
-                                          <p:attrName>style.visibility</p:attrName>
-                                        </p:attrNameLst>
-                                      </p:cBhvr>
-                                      <p:to>
-                                        <p:strVal val="visible"/>
-                                      </p:to>
-                                    </p:set>
-                                    <p:animEffect transition="in" filter="fade">
-                                      <p:cBhvr>
-                                        <p:cTn id="7" dur="500"/>
-                                        <p:tgtEl>
-                                          <p:spTgt spid="6">
-                                            <p:txEl>
-                                              <p:pRg st="1" end="1"/>
-                                            </p:txEl>
-                                          </p:spTgt>
-                                        </p:tgtEl>
-                                      </p:cBhvr>
-                                    </p:animEffect>
-                                  </p:childTnLst>
-                                </p:cTn>
-                              </p:par>
-                              <p:par>
-                                <p:cTn id="8" presetID="10" presetClass="entr" presetSubtype="0" fill="hold" nodeType="withEffect">
-                                  <p:stCondLst>
-                                    <p:cond delay="0"/>
-                                  </p:stCondLst>
-                                  <p:childTnLst>
-                                    <p:set>
-                                      <p:cBhvr>
-                                        <p:cTn id="9" dur="1" fill="hold">
-                                          <p:stCondLst>
-                                            <p:cond delay="0"/>
-                                          </p:stCondLst>
-                                        </p:cTn>
-                                        <p:tgtEl>
-                                          <p:spTgt spid="7"/>
-                                        </p:tgtEl>
-                                        <p:attrNameLst>
-                                          <p:attrName>style.visibility</p:attrName>
-                                        </p:attrNameLst>
-                                      </p:cBhvr>
-                                      <p:to>
-                                        <p:strVal val="visible"/>
-                                      </p:to>
-                                    </p:set>
-                                    <p:animEffect transition="in" filter="fade">
-                                      <p:cBhvr>
-                                        <p:cTn id="10" dur="1000"/>
-                                        <p:tgtEl>
-                                          <p:spTgt spid="7"/>
-                                        </p:tgtEl>
-                                      </p:cBhvr>
-                                    </p:animEffect>
-                                  </p:childTnLst>
-                                </p:cTn>
-                              </p:par>
-                            </p:childTnLst>
-                          </p:cTn>
-                        </p:par>
-                      </p:childTnLst>
-                    </p:cTn>
-                  </p:par>
-                  <p:par>
-                    <p:cTn id="11" fill="hold">
-                      <p:stCondLst>
-                        <p:cond delay="indefinite"/>
-                      </p:stCondLst>
-                      <p:childTnLst>
-                        <p:par>
-                          <p:cTn id="12" fill="hold">
-                            <p:stCondLst>
-                              <p:cond delay="0"/>
-                            </p:stCondLst>
-                            <p:childTnLst>
-                              <p:par>
-                                <p:cTn id="13" presetID="10" presetClass="entr" presetSubtype="0" fill="hold" nodeType="clickEffect">
-                                  <p:stCondLst>
-                                    <p:cond delay="0"/>
-                                  </p:stCondLst>
-                                  <p:childTnLst>
-                                    <p:set>
-                                      <p:cBhvr>
-                                        <p:cTn id="14" dur="1" fill="hold">
-                                          <p:stCondLst>
-                                            <p:cond delay="0"/>
-                                          </p:stCondLst>
-                                        </p:cTn>
-                                        <p:tgtEl>
-                                          <p:spTgt spid="6">
-                                            <p:txEl>
-                                              <p:pRg st="2" end="2"/>
-                                            </p:txEl>
-                                          </p:spTgt>
-                                        </p:tgtEl>
-                                        <p:attrNameLst>
-                                          <p:attrName>style.visibility</p:attrName>
-                                        </p:attrNameLst>
-                                      </p:cBhvr>
-                                      <p:to>
-                                        <p:strVal val="visible"/>
-                                      </p:to>
-                                    </p:set>
-                                    <p:animEffect transition="in" filter="fade">
-                                      <p:cBhvr>
-                                        <p:cTn id="15" dur="500"/>
-                                        <p:tgtEl>
-                                          <p:spTgt spid="6">
-                                            <p:txEl>
-                                              <p:pRg st="2" end="2"/>
-                                            </p:txEl>
-                                          </p:spTgt>
-                                        </p:tgtEl>
-                                      </p:cBhvr>
-                                    </p:animEffect>
-                                  </p:childTnLst>
-                                </p:cTn>
-                              </p:par>
-                              <p:par>
-                                <p:cTn id="16" presetID="10" presetClass="entr" presetSubtype="0" fill="hold" nodeType="withEffect">
-                                  <p:stCondLst>
-                                    <p:cond delay="0"/>
-                                  </p:stCondLst>
-                                  <p:childTnLst>
-                                    <p:set>
-                                      <p:cBhvr>
-                                        <p:cTn id="17" dur="1" fill="hold">
-                                          <p:stCondLst>
-                                            <p:cond delay="0"/>
-                                          </p:stCondLst>
-                                        </p:cTn>
-                                        <p:tgtEl>
-                                          <p:spTgt spid="10"/>
-                                        </p:tgtEl>
-                                        <p:attrNameLst>
-                                          <p:attrName>style.visibility</p:attrName>
-                                        </p:attrNameLst>
-                                      </p:cBhvr>
-                                      <p:to>
-                                        <p:strVal val="visible"/>
-                                      </p:to>
-                                    </p:set>
-                                    <p:animEffect transition="in" filter="fade">
-                                      <p:cBhvr>
-                                        <p:cTn id="18" dur="1000"/>
-                                        <p:tgtEl>
-                                          <p:spTgt spid="10"/>
-                                        </p:tgtEl>
-                                      </p:cBhvr>
-                                    </p:animEffect>
-                                  </p:childTnLst>
-                                </p:cTn>
-                              </p:par>
-                            </p:childTnLst>
-                          </p:cTn>
-                        </p:par>
-                        <p:par>
-                          <p:cTn id="19" fill="hold">
-                            <p:stCondLst>
-                              <p:cond delay="1000"/>
-                            </p:stCondLst>
-                            <p:childTnLst>
-                              <p:par>
-                                <p:cTn id="20" presetID="10" presetClass="entr" presetSubtype="0" fill="hold" nodeType="afterEffect">
-                                  <p:stCondLst>
-                                    <p:cond delay="0"/>
-                                  </p:stCondLst>
-                                  <p:childTnLst>
-                                    <p:set>
-                                      <p:cBhvr>
-                                        <p:cTn id="21" dur="1" fill="hold">
-                                          <p:stCondLst>
-                                            <p:cond delay="0"/>
-                                          </p:stCondLst>
-                                        </p:cTn>
-                                        <p:tgtEl>
-                                          <p:spTgt spid="6">
-                                            <p:txEl>
-                                              <p:pRg st="3" end="3"/>
-                                            </p:txEl>
-                                          </p:spTgt>
-                                        </p:tgtEl>
-                                        <p:attrNameLst>
-                                          <p:attrName>style.visibility</p:attrName>
-                                        </p:attrNameLst>
-                                      </p:cBhvr>
-                                      <p:to>
-                                        <p:strVal val="visible"/>
-                                      </p:to>
-                                    </p:set>
-                                    <p:animEffect transition="in" filter="fade">
-                                      <p:cBhvr>
-                                        <p:cTn id="22" dur="500"/>
-                                        <p:tgtEl>
-                                          <p:spTgt spid="6">
-                                            <p:txEl>
-                                              <p:pRg st="3" end="3"/>
-                                            </p:txEl>
-                                          </p:spTgt>
-                                        </p:tgtEl>
-                                      </p:cBhvr>
-                                    </p:animEffect>
-                                  </p:childTnLst>
-                                </p:cTn>
-                              </p:par>
-                              <p:par>
-                                <p:cTn id="23" presetID="10" presetClass="entr" presetSubtype="0" fill="hold" nodeType="withEffect">
-                                  <p:stCondLst>
-                                    <p:cond delay="0"/>
-                                  </p:stCondLst>
-                                  <p:childTnLst>
-                                    <p:set>
-                                      <p:cBhvr>
-                                        <p:cTn id="24" dur="1" fill="hold">
-                                          <p:stCondLst>
-                                            <p:cond delay="0"/>
-                                          </p:stCondLst>
-                                        </p:cTn>
-                                        <p:tgtEl>
-                                          <p:spTgt spid="13"/>
-                                        </p:tgtEl>
-                                        <p:attrNameLst>
-                                          <p:attrName>style.visibility</p:attrName>
-                                        </p:attrNameLst>
-                                      </p:cBhvr>
-                                      <p:to>
-                                        <p:strVal val="visible"/>
-                                      </p:to>
-                                    </p:set>
-                                    <p:animEffect transition="in" filter="fade">
-                                      <p:cBhvr>
-                                        <p:cTn id="25" dur="500"/>
-                                        <p:tgtEl>
-                                          <p:spTgt spid="13"/>
-                                        </p:tgtEl>
-                                      </p:cBhvr>
-                                    </p:animEffect>
-                                  </p:childTnLst>
-                                </p:cTn>
-                              </p:par>
-                            </p:childTnLst>
-                          </p:cTn>
-                        </p:par>
-                      </p:childTnLst>
-                    </p:cTn>
-                  </p:par>
-                  <p:par>
-                    <p:cTn id="26" fill="hold">
-                      <p:stCondLst>
-                        <p:cond delay="indefinite"/>
-                      </p:stCondLst>
-                      <p:childTnLst>
-                        <p:par>
-                          <p:cTn id="27" fill="hold">
-                            <p:stCondLst>
-                              <p:cond delay="0"/>
-                            </p:stCondLst>
-                            <p:childTnLst>
-                              <p:par>
-                                <p:cTn id="28" presetID="22" presetClass="entr" presetSubtype="8" fill="hold" nodeType="clickEffect">
-                                  <p:stCondLst>
-                                    <p:cond delay="0"/>
-                                  </p:stCondLst>
-                                  <p:childTnLst>
-                                    <p:set>
-                                      <p:cBhvr>
-                                        <p:cTn id="29" dur="1" fill="hold">
-                                          <p:stCondLst>
-                                            <p:cond delay="0"/>
-                                          </p:stCondLst>
-                                        </p:cTn>
-                                        <p:tgtEl>
-                                          <p:spTgt spid="23"/>
-                                        </p:tgtEl>
-                                        <p:attrNameLst>
-                                          <p:attrName>style.visibility</p:attrName>
-                                        </p:attrNameLst>
-                                      </p:cBhvr>
-                                      <p:to>
-                                        <p:strVal val="visible"/>
-                                      </p:to>
-                                    </p:set>
-                                    <p:animEffect transition="in" filter="wipe(left)">
-                                      <p:cBhvr>
-                                        <p:cTn id="30" dur="1000"/>
-                                        <p:tgtEl>
-                                          <p:spTgt spid="23"/>
-                                        </p:tgtEl>
-                                      </p:cBhvr>
-                                    </p:animEffect>
-                                  </p:childTnLst>
-                                </p:cTn>
-                              </p:par>
-                            </p:childTnLst>
-                          </p:cTn>
-                        </p:par>
-                      </p:childTnLst>
-                    </p:cTn>
-                  </p:par>
-                  <p:par>
-                    <p:cTn id="31" fill="hold">
-                      <p:stCondLst>
-                        <p:cond delay="indefinite"/>
-                      </p:stCondLst>
-                      <p:childTnLst>
-                        <p:par>
-                          <p:cTn id="32" fill="hold">
-                            <p:stCondLst>
-                              <p:cond delay="0"/>
-                            </p:stCondLst>
-                            <p:childTnLst>
-                              <p:par>
-                                <p:cTn id="33" presetID="10" presetClass="entr" presetSubtype="0" fill="hold" nodeType="clickEffect">
-                                  <p:stCondLst>
-                                    <p:cond delay="0"/>
-                                  </p:stCondLst>
-                                  <p:childTnLst>
-                                    <p:set>
-                                      <p:cBhvr>
-                                        <p:cTn id="34" dur="1" fill="hold">
-                                          <p:stCondLst>
-                                            <p:cond delay="0"/>
-                                          </p:stCondLst>
-                                        </p:cTn>
-                                        <p:tgtEl>
-                                          <p:spTgt spid="6">
-                                            <p:txEl>
-                                              <p:pRg st="6" end="6"/>
-                                            </p:txEl>
-                                          </p:spTgt>
-                                        </p:tgtEl>
-                                        <p:attrNameLst>
-                                          <p:attrName>style.visibility</p:attrName>
-                                        </p:attrNameLst>
-                                      </p:cBhvr>
-                                      <p:to>
-                                        <p:strVal val="visible"/>
-                                      </p:to>
-                                    </p:set>
-                                    <p:animEffect transition="in" filter="fade">
-                                      <p:cBhvr>
-                                        <p:cTn id="35" dur="500"/>
-                                        <p:tgtEl>
-                                          <p:spTgt spid="6">
-                                            <p:txEl>
-                                              <p:pRg st="6" end="6"/>
-                                            </p:txEl>
-                                          </p:spTgt>
-                                        </p:tgtEl>
-                                      </p:cBhvr>
-                                    </p:animEffect>
-                                  </p:childTnLst>
-                                </p:cTn>
-                              </p:par>
-                            </p:childTnLst>
-                          </p:cTn>
-                        </p:par>
-                        <p:par>
-                          <p:cTn id="36" fill="hold">
-                            <p:stCondLst>
-                              <p:cond delay="500"/>
-                            </p:stCondLst>
-                            <p:childTnLst>
-                              <p:par>
-                                <p:cTn id="37" presetID="10" presetClass="entr" presetSubtype="0" fill="hold" nodeType="afterEffect">
-                                  <p:stCondLst>
-                                    <p:cond delay="0"/>
-                                  </p:stCondLst>
-                                  <p:childTnLst>
-                                    <p:set>
-                                      <p:cBhvr>
-                                        <p:cTn id="38" dur="1" fill="hold">
-                                          <p:stCondLst>
-                                            <p:cond delay="0"/>
-                                          </p:stCondLst>
-                                        </p:cTn>
-                                        <p:tgtEl>
-                                          <p:spTgt spid="6">
-                                            <p:txEl>
-                                              <p:pRg st="7" end="7"/>
-                                            </p:txEl>
-                                          </p:spTgt>
-                                        </p:tgtEl>
-                                        <p:attrNameLst>
-                                          <p:attrName>style.visibility</p:attrName>
-                                        </p:attrNameLst>
-                                      </p:cBhvr>
-                                      <p:to>
-                                        <p:strVal val="visible"/>
-                                      </p:to>
-                                    </p:set>
-                                    <p:animEffect transition="in" filter="fade">
-                                      <p:cBhvr>
-                                        <p:cTn id="39" dur="500"/>
-                                        <p:tgtEl>
-                                          <p:spTgt spid="6">
-                                            <p:txEl>
-                                              <p:pRg st="7" end="7"/>
-                                            </p:txEl>
-                                          </p:spTgt>
-                                        </p:tgtEl>
-                                      </p:cBhvr>
-                                    </p:animEffect>
-                                  </p:childTnLst>
-                                </p:cTn>
-                              </p:par>
-                              <p:par>
-                                <p:cTn id="40" presetID="10" presetClass="entr" presetSubtype="0" fill="hold" nodeType="withEffect">
-                                  <p:stCondLst>
-                                    <p:cond delay="0"/>
-                                  </p:stCondLst>
-                                  <p:childTnLst>
-                                    <p:set>
-                                      <p:cBhvr>
-                                        <p:cTn id="41" dur="1" fill="hold">
-                                          <p:stCondLst>
-                                            <p:cond delay="0"/>
-                                          </p:stCondLst>
-                                        </p:cTn>
-                                        <p:tgtEl>
-                                          <p:spTgt spid="20"/>
-                                        </p:tgtEl>
-                                        <p:attrNameLst>
-                                          <p:attrName>style.visibility</p:attrName>
-                                        </p:attrNameLst>
-                                      </p:cBhvr>
-                                      <p:to>
-                                        <p:strVal val="visible"/>
-                                      </p:to>
-                                    </p:set>
-                                    <p:animEffect transition="in" filter="fade">
-                                      <p:cBhvr>
-                                        <p:cTn id="42" dur="1000"/>
-                                        <p:tgtEl>
-                                          <p:spTgt spid="20"/>
-                                        </p:tgtEl>
-                                      </p:cBhvr>
-                                    </p:animEffect>
-                                  </p:childTnLst>
-                                </p:cTn>
-                              </p:par>
-                            </p:childTnLst>
-                          </p:cTn>
-                        </p:par>
-                      </p:childTnLst>
-                    </p:cTn>
-                  </p:par>
-                </p:childTnLst>
-              </p:cTn>
-              <p:prevCondLst>
-                <p:cond evt="onPrev" delay="0">
-                  <p:tgtEl>
-                    <p:sldTgt/>
-                  </p:tgtEl>
-                </p:cond>
-              </p:prevCondLst>
-              <p:nextCondLst>
-                <p:cond evt="onNext" delay="0">
-                  <p:tgtEl>
-                    <p:sldTgt/>
-                  </p:tgtEl>
-                </p:cond>
-              </p:nextCondLst>
-            </p:seq>
-          </p:childTnLst>
-        </p:cTn>
-      </p:par>
-    </p:tnLst>
-  </p:timing>
-</p:sld>
-</file>
-
 <file path=ppt/theme/theme1.xml><?xml version="1.0" encoding="utf-8"?>
 <a:theme xmlns:a="http://schemas.openxmlformats.org/drawingml/2006/main" name="Blank Presentation">
   <a:themeElements>
@@ -11634,13 +15038,13 @@
         <a:solidFill>
           <a:schemeClr val="accent1"/>
         </a:solidFill>
-        <a:ln w="25400" cap="flat" cmpd="sng" algn="ctr">
+        <a:ln w="31750" cap="flat" cmpd="sng" algn="ctr">
           <a:solidFill>
             <a:srgbClr val="FF00FF"/>
           </a:solidFill>
           <a:prstDash val="solid"/>
           <a:round/>
-          <a:headEnd type="none" w="med" len="med"/>
+          <a:headEnd type="stealth" w="lg" len="lg"/>
           <a:tailEnd type="stealth" w="lg" len="lg"/>
         </a:ln>
         <a:effectLst/>

--- a/fall13/slidesF13/page-rank.pptx
+++ b/fall13/slidesF13/page-rank.pptx
@@ -5,23 +5,21 @@
     <p:sldMasterId id="2147483648" r:id="rId1"/>
   </p:sldMasterIdLst>
   <p:notesMasterIdLst>
-    <p:notesMasterId r:id="rId13"/>
+    <p:notesMasterId r:id="rId11"/>
   </p:notesMasterIdLst>
   <p:handoutMasterIdLst>
-    <p:handoutMasterId r:id="rId14"/>
+    <p:handoutMasterId r:id="rId12"/>
   </p:handoutMasterIdLst>
   <p:sldIdLst>
     <p:sldId id="333" r:id="rId2"/>
     <p:sldId id="332" r:id="rId3"/>
     <p:sldId id="296" r:id="rId4"/>
     <p:sldId id="335" r:id="rId5"/>
-    <p:sldId id="340" r:id="rId6"/>
-    <p:sldId id="338" r:id="rId7"/>
-    <p:sldId id="343" r:id="rId8"/>
-    <p:sldId id="339" r:id="rId9"/>
-    <p:sldId id="337" r:id="rId10"/>
-    <p:sldId id="341" r:id="rId11"/>
-    <p:sldId id="342" r:id="rId12"/>
+    <p:sldId id="343" r:id="rId6"/>
+    <p:sldId id="339" r:id="rId7"/>
+    <p:sldId id="337" r:id="rId8"/>
+    <p:sldId id="341" r:id="rId9"/>
+    <p:sldId id="342" r:id="rId10"/>
   </p:sldIdLst>
   <p:sldSz cx="9144000" cy="6858000" type="screen4x3"/>
   <p:notesSz cx="9601200" cy="7315200"/>
@@ -1229,6 +1227,97 @@
       </p:grpSpPr>
       <p:sp>
         <p:nvSpPr>
+          <p:cNvPr id="55298" name="Rectangle 7"/>
+          <p:cNvSpPr>
+            <a:spLocks noGrp="1" noChangeArrowheads="1"/>
+          </p:cNvSpPr>
+          <p:nvPr>
+            <p:ph type="sldNum" sz="quarter" idx="5"/>
+          </p:nvPr>
+        </p:nvSpPr>
+        <p:spPr>
+          <a:noFill/>
+        </p:spPr>
+        <p:txBody>
+          <a:bodyPr/>
+          <a:lstStyle/>
+          <a:p>
+            <a:fld id="{1F6FFF5B-E386-1C4F-ACEA-254D00C060D6}" type="slidenum">
+              <a:rPr lang="en-US"/>
+              <a:pPr/>
+              <a:t>5</a:t>
+            </a:fld>
+            <a:endParaRPr lang="en-US"/>
+          </a:p>
+        </p:txBody>
+      </p:sp>
+      <p:sp>
+        <p:nvSpPr>
+          <p:cNvPr id="55299" name="Rectangle 2"/>
+          <p:cNvSpPr>
+            <a:spLocks noGrp="1" noRot="1" noChangeAspect="1" noChangeArrowheads="1" noTextEdit="1"/>
+          </p:cNvSpPr>
+          <p:nvPr>
+            <p:ph type="sldImg"/>
+          </p:nvPr>
+        </p:nvSpPr>
+        <p:spPr>
+          <a:ln/>
+        </p:spPr>
+      </p:sp>
+      <p:sp>
+        <p:nvSpPr>
+          <p:cNvPr id="55300" name="Rectangle 3"/>
+          <p:cNvSpPr>
+            <a:spLocks noGrp="1" noChangeArrowheads="1"/>
+          </p:cNvSpPr>
+          <p:nvPr>
+            <p:ph type="body" idx="1"/>
+          </p:nvPr>
+        </p:nvSpPr>
+        <p:spPr>
+          <a:noFill/>
+          <a:ln/>
+        </p:spPr>
+        <p:txBody>
+          <a:bodyPr/>
+          <a:lstStyle/>
+          <a:p>
+            <a:pPr eaLnBrk="1" hangingPunct="1"/>
+            <a:endParaRPr lang="en-US">
+              <a:latin typeface="Arial" pitchFamily="-111" charset="0"/>
+              <a:ea typeface="ＭＳ Ｐゴシック" pitchFamily="-111" charset="-128"/>
+            </a:endParaRPr>
+          </a:p>
+        </p:txBody>
+      </p:sp>
+    </p:spTree>
+  </p:cSld>
+  <p:clrMapOvr>
+    <a:masterClrMapping/>
+  </p:clrMapOvr>
+</p:notes>
+</file>
+
+<file path=ppt/notesSlides/notesSlide6.xml><?xml version="1.0" encoding="utf-8"?>
+<p:notes xmlns:a="http://schemas.openxmlformats.org/drawingml/2006/main" xmlns:r="http://schemas.openxmlformats.org/officeDocument/2006/relationships" xmlns:p="http://schemas.openxmlformats.org/presentationml/2006/main">
+  <p:cSld>
+    <p:spTree>
+      <p:nvGrpSpPr>
+        <p:cNvPr id="1" name=""/>
+        <p:cNvGrpSpPr/>
+        <p:nvPr/>
+      </p:nvGrpSpPr>
+      <p:grpSpPr>
+        <a:xfrm>
+          <a:off x="0" y="0"/>
+          <a:ext cx="0" cy="0"/>
+          <a:chOff x="0" y="0"/>
+          <a:chExt cx="0" cy="0"/>
+        </a:xfrm>
+      </p:grpSpPr>
+      <p:sp>
+        <p:nvSpPr>
           <p:cNvPr id="36866" name="Rectangle 7"/>
           <p:cNvSpPr>
             <a:spLocks noGrp="1" noChangeArrowheads="1"/>
@@ -1247,7 +1336,7 @@
             <a:fld id="{E9048385-A0D9-4A46-8E8D-37B293B72609}" type="slidenum">
               <a:rPr lang="en-US"/>
               <a:pPr/>
-              <a:t>5</a:t>
+              <a:t>6</a:t>
             </a:fld>
             <a:endParaRPr lang="en-US"/>
           </a:p>
@@ -1301,97 +1390,6 @@
 </p:notes>
 </file>
 
-<file path=ppt/notesSlides/notesSlide6.xml><?xml version="1.0" encoding="utf-8"?>
-<p:notes xmlns:a="http://schemas.openxmlformats.org/drawingml/2006/main" xmlns:r="http://schemas.openxmlformats.org/officeDocument/2006/relationships" xmlns:p="http://schemas.openxmlformats.org/presentationml/2006/main">
-  <p:cSld>
-    <p:spTree>
-      <p:nvGrpSpPr>
-        <p:cNvPr id="1" name=""/>
-        <p:cNvGrpSpPr/>
-        <p:nvPr/>
-      </p:nvGrpSpPr>
-      <p:grpSpPr>
-        <a:xfrm>
-          <a:off x="0" y="0"/>
-          <a:ext cx="0" cy="0"/>
-          <a:chOff x="0" y="0"/>
-          <a:chExt cx="0" cy="0"/>
-        </a:xfrm>
-      </p:grpSpPr>
-      <p:sp>
-        <p:nvSpPr>
-          <p:cNvPr id="55298" name="Rectangle 7"/>
-          <p:cNvSpPr>
-            <a:spLocks noGrp="1" noChangeArrowheads="1"/>
-          </p:cNvSpPr>
-          <p:nvPr>
-            <p:ph type="sldNum" sz="quarter" idx="5"/>
-          </p:nvPr>
-        </p:nvSpPr>
-        <p:spPr>
-          <a:noFill/>
-        </p:spPr>
-        <p:txBody>
-          <a:bodyPr/>
-          <a:lstStyle/>
-          <a:p>
-            <a:fld id="{1F6FFF5B-E386-1C4F-ACEA-254D00C060D6}" type="slidenum">
-              <a:rPr lang="en-US"/>
-              <a:pPr/>
-              <a:t>6</a:t>
-            </a:fld>
-            <a:endParaRPr lang="en-US"/>
-          </a:p>
-        </p:txBody>
-      </p:sp>
-      <p:sp>
-        <p:nvSpPr>
-          <p:cNvPr id="55299" name="Rectangle 2"/>
-          <p:cNvSpPr>
-            <a:spLocks noGrp="1" noRot="1" noChangeAspect="1" noChangeArrowheads="1" noTextEdit="1"/>
-          </p:cNvSpPr>
-          <p:nvPr>
-            <p:ph type="sldImg"/>
-          </p:nvPr>
-        </p:nvSpPr>
-        <p:spPr>
-          <a:ln/>
-        </p:spPr>
-      </p:sp>
-      <p:sp>
-        <p:nvSpPr>
-          <p:cNvPr id="55300" name="Rectangle 3"/>
-          <p:cNvSpPr>
-            <a:spLocks noGrp="1" noChangeArrowheads="1"/>
-          </p:cNvSpPr>
-          <p:nvPr>
-            <p:ph type="body" idx="1"/>
-          </p:nvPr>
-        </p:nvSpPr>
-        <p:spPr>
-          <a:noFill/>
-          <a:ln/>
-        </p:spPr>
-        <p:txBody>
-          <a:bodyPr/>
-          <a:lstStyle/>
-          <a:p>
-            <a:pPr eaLnBrk="1" hangingPunct="1"/>
-            <a:endParaRPr lang="en-US">
-              <a:latin typeface="Arial" pitchFamily="-111" charset="0"/>
-              <a:ea typeface="ＭＳ Ｐゴシック" pitchFamily="-111" charset="-128"/>
-            </a:endParaRPr>
-          </a:p>
-        </p:txBody>
-      </p:sp>
-    </p:spTree>
-  </p:cSld>
-  <p:clrMapOvr>
-    <a:masterClrMapping/>
-  </p:clrMapOvr>
-</p:notes>
-</file>
-
 <file path=ppt/notesSlides/notesSlide7.xml><?xml version="1.0" encoding="utf-8"?>
 <p:notes xmlns:a="http://schemas.openxmlformats.org/drawingml/2006/main" xmlns:r="http://schemas.openxmlformats.org/officeDocument/2006/relationships" xmlns:p="http://schemas.openxmlformats.org/presentationml/2006/main">
   <p:cSld>
@@ -1411,71 +1409,70 @@
       </p:grpSpPr>
       <p:sp>
         <p:nvSpPr>
-          <p:cNvPr id="55298" name="Rectangle 7"/>
+          <p:cNvPr id="2" name="Slide Image Placeholder 1"/>
           <p:cNvSpPr>
-            <a:spLocks noGrp="1" noChangeArrowheads="1"/>
-          </p:cNvSpPr>
-          <p:nvPr>
-            <p:ph type="sldNum" sz="quarter" idx="5"/>
-          </p:nvPr>
-        </p:nvSpPr>
-        <p:spPr>
-          <a:noFill/>
-        </p:spPr>
-        <p:txBody>
-          <a:bodyPr/>
-          <a:lstStyle/>
-          <a:p>
-            <a:fld id="{1F6FFF5B-E386-1C4F-ACEA-254D00C060D6}" type="slidenum">
-              <a:rPr lang="en-US"/>
-              <a:pPr/>
-              <a:t>7</a:t>
-            </a:fld>
-            <a:endParaRPr lang="en-US"/>
-          </a:p>
-        </p:txBody>
-      </p:sp>
-      <p:sp>
-        <p:nvSpPr>
-          <p:cNvPr id="55299" name="Rectangle 2"/>
-          <p:cNvSpPr>
-            <a:spLocks noGrp="1" noRot="1" noChangeAspect="1" noChangeArrowheads="1" noTextEdit="1"/>
+            <a:spLocks noGrp="1" noRot="1" noChangeAspect="1"/>
           </p:cNvSpPr>
           <p:nvPr>
             <p:ph type="sldImg"/>
           </p:nvPr>
         </p:nvSpPr>
-        <p:spPr>
-          <a:ln/>
-        </p:spPr>
+        <p:spPr/>
       </p:sp>
       <p:sp>
         <p:nvSpPr>
-          <p:cNvPr id="55300" name="Rectangle 3"/>
+          <p:cNvPr id="3" name="Notes Placeholder 2"/>
           <p:cNvSpPr>
-            <a:spLocks noGrp="1" noChangeArrowheads="1"/>
+            <a:spLocks noGrp="1"/>
           </p:cNvSpPr>
           <p:nvPr>
             <p:ph type="body" idx="1"/>
           </p:nvPr>
         </p:nvSpPr>
-        <p:spPr>
-          <a:noFill/>
-          <a:ln/>
-        </p:spPr>
+        <p:spPr/>
         <p:txBody>
           <a:bodyPr/>
           <a:lstStyle/>
           <a:p>
-            <a:pPr eaLnBrk="1" hangingPunct="1"/>
-            <a:endParaRPr lang="en-US">
-              <a:latin typeface="Arial" pitchFamily="-111" charset="0"/>
-              <a:ea typeface="ＭＳ Ｐゴシック" pitchFamily="-111" charset="-128"/>
-            </a:endParaRPr>
+            <a:endParaRPr lang="en-US"/>
+          </a:p>
+        </p:txBody>
+      </p:sp>
+      <p:sp>
+        <p:nvSpPr>
+          <p:cNvPr id="4" name="Slide Number Placeholder 3"/>
+          <p:cNvSpPr>
+            <a:spLocks noGrp="1"/>
+          </p:cNvSpPr>
+          <p:nvPr>
+            <p:ph type="sldNum" sz="quarter" idx="10"/>
+          </p:nvPr>
+        </p:nvSpPr>
+        <p:spPr/>
+        <p:txBody>
+          <a:bodyPr/>
+          <a:lstStyle/>
+          <a:p>
+            <a:pPr>
+              <a:defRPr/>
+            </a:pPr>
+            <a:fld id="{DC552C11-A6B4-BC49-B9DF-E9E99EC5DABC}" type="slidenum">
+              <a:rPr lang="en-US" smtClean="0"/>
+              <a:pPr>
+                <a:defRPr/>
+              </a:pPr>
+              <a:t>7</a:t>
+            </a:fld>
+            <a:endParaRPr lang="en-US"/>
           </a:p>
         </p:txBody>
       </p:sp>
     </p:spTree>
+    <p:extLst>
+      <p:ext uri="{BB962C8B-B14F-4D97-AF65-F5344CB8AC3E}">
+        <p14:creationId xmlns:p14="http://schemas.microsoft.com/office/powerpoint/2010/main" val="2219893479"/>
+      </p:ext>
+    </p:extLst>
   </p:cSld>
   <p:clrMapOvr>
     <a:masterClrMapping/>
@@ -1502,71 +1499,160 @@
       </p:grpSpPr>
       <p:sp>
         <p:nvSpPr>
-          <p:cNvPr id="36866" name="Rectangle 7"/>
+          <p:cNvPr id="2" name="Slide Image Placeholder 1"/>
           <p:cNvSpPr>
-            <a:spLocks noGrp="1" noChangeArrowheads="1"/>
-          </p:cNvSpPr>
-          <p:nvPr>
-            <p:ph type="sldNum" sz="quarter" idx="5"/>
-          </p:nvPr>
-        </p:nvSpPr>
-        <p:spPr>
-          <a:noFill/>
-        </p:spPr>
-        <p:txBody>
-          <a:bodyPr/>
-          <a:lstStyle/>
-          <a:p>
-            <a:fld id="{E9048385-A0D9-4A46-8E8D-37B293B72609}" type="slidenum">
-              <a:rPr lang="en-US"/>
-              <a:pPr/>
-              <a:t>8</a:t>
-            </a:fld>
-            <a:endParaRPr lang="en-US"/>
-          </a:p>
-        </p:txBody>
-      </p:sp>
-      <p:sp>
-        <p:nvSpPr>
-          <p:cNvPr id="36867" name="Rectangle 2"/>
-          <p:cNvSpPr>
-            <a:spLocks noGrp="1" noRot="1" noChangeAspect="1" noChangeArrowheads="1" noTextEdit="1"/>
+            <a:spLocks noGrp="1" noRot="1" noChangeAspect="1"/>
           </p:cNvSpPr>
           <p:nvPr>
             <p:ph type="sldImg"/>
           </p:nvPr>
         </p:nvSpPr>
-        <p:spPr>
-          <a:ln/>
-        </p:spPr>
+        <p:spPr/>
       </p:sp>
       <p:sp>
         <p:nvSpPr>
-          <p:cNvPr id="36868" name="Rectangle 3"/>
+          <p:cNvPr id="3" name="Notes Placeholder 2"/>
           <p:cNvSpPr>
-            <a:spLocks noGrp="1" noChangeArrowheads="1"/>
+            <a:spLocks noGrp="1"/>
           </p:cNvSpPr>
           <p:nvPr>
             <p:ph type="body" idx="1"/>
           </p:nvPr>
         </p:nvSpPr>
-        <p:spPr>
-          <a:noFill/>
-          <a:ln/>
-        </p:spPr>
+        <p:spPr/>
         <p:txBody>
           <a:bodyPr/>
           <a:lstStyle/>
           <a:p>
-            <a:pPr eaLnBrk="1" hangingPunct="1"/>
-            <a:endParaRPr lang="en-US">
-              <a:latin typeface="Arial" pitchFamily="-111" charset="0"/>
-              <a:ea typeface="ＭＳ Ｐゴシック" pitchFamily="-111" charset="-128"/>
-            </a:endParaRPr>
+            <a:endParaRPr lang="en-US"/>
+          </a:p>
+        </p:txBody>
+      </p:sp>
+      <p:sp>
+        <p:nvSpPr>
+          <p:cNvPr id="4" name="Slide Number Placeholder 3"/>
+          <p:cNvSpPr>
+            <a:spLocks noGrp="1"/>
+          </p:cNvSpPr>
+          <p:nvPr>
+            <p:ph type="sldNum" sz="quarter" idx="10"/>
+          </p:nvPr>
+        </p:nvSpPr>
+        <p:spPr/>
+        <p:txBody>
+          <a:bodyPr/>
+          <a:lstStyle/>
+          <a:p>
+            <a:pPr>
+              <a:defRPr/>
+            </a:pPr>
+            <a:fld id="{DC552C11-A6B4-BC49-B9DF-E9E99EC5DABC}" type="slidenum">
+              <a:rPr lang="en-US" smtClean="0"/>
+              <a:pPr>
+                <a:defRPr/>
+              </a:pPr>
+              <a:t>8</a:t>
+            </a:fld>
+            <a:endParaRPr lang="en-US"/>
           </a:p>
         </p:txBody>
       </p:sp>
     </p:spTree>
+    <p:extLst>
+      <p:ext uri="{BB962C8B-B14F-4D97-AF65-F5344CB8AC3E}">
+        <p14:creationId xmlns:p14="http://schemas.microsoft.com/office/powerpoint/2010/main" val="3482240116"/>
+      </p:ext>
+    </p:extLst>
+  </p:cSld>
+  <p:clrMapOvr>
+    <a:masterClrMapping/>
+  </p:clrMapOvr>
+</p:notes>
+</file>
+
+<file path=ppt/notesSlides/notesSlide9.xml><?xml version="1.0" encoding="utf-8"?>
+<p:notes xmlns:a="http://schemas.openxmlformats.org/drawingml/2006/main" xmlns:r="http://schemas.openxmlformats.org/officeDocument/2006/relationships" xmlns:p="http://schemas.openxmlformats.org/presentationml/2006/main">
+  <p:cSld>
+    <p:spTree>
+      <p:nvGrpSpPr>
+        <p:cNvPr id="1" name=""/>
+        <p:cNvGrpSpPr/>
+        <p:nvPr/>
+      </p:nvGrpSpPr>
+      <p:grpSpPr>
+        <a:xfrm>
+          <a:off x="0" y="0"/>
+          <a:ext cx="0" cy="0"/>
+          <a:chOff x="0" y="0"/>
+          <a:chExt cx="0" cy="0"/>
+        </a:xfrm>
+      </p:grpSpPr>
+      <p:sp>
+        <p:nvSpPr>
+          <p:cNvPr id="2" name="Slide Image Placeholder 1"/>
+          <p:cNvSpPr>
+            <a:spLocks noGrp="1" noRot="1" noChangeAspect="1"/>
+          </p:cNvSpPr>
+          <p:nvPr>
+            <p:ph type="sldImg"/>
+          </p:nvPr>
+        </p:nvSpPr>
+        <p:spPr/>
+      </p:sp>
+      <p:sp>
+        <p:nvSpPr>
+          <p:cNvPr id="3" name="Notes Placeholder 2"/>
+          <p:cNvSpPr>
+            <a:spLocks noGrp="1"/>
+          </p:cNvSpPr>
+          <p:nvPr>
+            <p:ph type="body" idx="1"/>
+          </p:nvPr>
+        </p:nvSpPr>
+        <p:spPr/>
+        <p:txBody>
+          <a:bodyPr/>
+          <a:lstStyle/>
+          <a:p>
+            <a:endParaRPr lang="en-US"/>
+          </a:p>
+        </p:txBody>
+      </p:sp>
+      <p:sp>
+        <p:nvSpPr>
+          <p:cNvPr id="4" name="Slide Number Placeholder 3"/>
+          <p:cNvSpPr>
+            <a:spLocks noGrp="1"/>
+          </p:cNvSpPr>
+          <p:nvPr>
+            <p:ph type="sldNum" sz="quarter" idx="10"/>
+          </p:nvPr>
+        </p:nvSpPr>
+        <p:spPr/>
+        <p:txBody>
+          <a:bodyPr/>
+          <a:lstStyle/>
+          <a:p>
+            <a:pPr>
+              <a:defRPr/>
+            </a:pPr>
+            <a:fld id="{DC552C11-A6B4-BC49-B9DF-E9E99EC5DABC}" type="slidenum">
+              <a:rPr lang="en-US" smtClean="0"/>
+              <a:pPr>
+                <a:defRPr/>
+              </a:pPr>
+              <a:t>9</a:t>
+            </a:fld>
+            <a:endParaRPr lang="en-US"/>
+          </a:p>
+        </p:txBody>
+      </p:sp>
+    </p:spTree>
+    <p:extLst>
+      <p:ext uri="{BB962C8B-B14F-4D97-AF65-F5344CB8AC3E}">
+        <p14:creationId xmlns:p14="http://schemas.microsoft.com/office/powerpoint/2010/main" val="763925422"/>
+      </p:ext>
+    </p:extLst>
   </p:cSld>
   <p:clrMapOvr>
     <a:masterClrMapping/>
@@ -3973,1612 +4059,6 @@
 </p:sld>
 </file>
 
-<file path=ppt/slides/slide10.xml><?xml version="1.0" encoding="utf-8"?>
-<p:sld xmlns:a="http://schemas.openxmlformats.org/drawingml/2006/main" xmlns:r="http://schemas.openxmlformats.org/officeDocument/2006/relationships" xmlns:p="http://schemas.openxmlformats.org/presentationml/2006/main">
-  <p:cSld>
-    <p:spTree>
-      <p:nvGrpSpPr>
-        <p:cNvPr id="1" name=""/>
-        <p:cNvGrpSpPr/>
-        <p:nvPr/>
-      </p:nvGrpSpPr>
-      <p:grpSpPr>
-        <a:xfrm>
-          <a:off x="0" y="0"/>
-          <a:ext cx="0" cy="0"/>
-          <a:chOff x="0" y="0"/>
-          <a:chExt cx="0" cy="0"/>
-        </a:xfrm>
-      </p:grpSpPr>
-      <p:sp>
-        <p:nvSpPr>
-          <p:cNvPr id="6" name="TextBox 5"/>
-          <p:cNvSpPr txBox="1"/>
-          <p:nvPr/>
-        </p:nvSpPr>
-        <p:spPr>
-          <a:xfrm>
-            <a:off x="228600" y="990600"/>
-            <a:ext cx="8534400" cy="4967513"/>
-          </a:xfrm>
-          <a:prstGeom prst="rect">
-            <a:avLst/>
-          </a:prstGeom>
-          <a:noFill/>
-        </p:spPr>
-        <p:txBody>
-          <a:bodyPr wrap="square" rtlCol="0">
-            <a:spAutoFit/>
-          </a:bodyPr>
-          <a:lstStyle/>
-          <a:p>
-            <a:r>
-              <a:rPr lang="en-US" sz="4400" dirty="0" smtClean="0"/>
-              <a:t>ensures</a:t>
-            </a:r>
-            <a:endParaRPr lang="en-US" sz="4400" dirty="0"/>
-          </a:p>
-          <a:p>
-            <a:r>
-              <a:rPr lang="en-US" sz="4400" dirty="0" smtClean="0"/>
-              <a:t> * </a:t>
-            </a:r>
-            <a:r>
-              <a:rPr lang="en-US" sz="4400" dirty="0" smtClean="0">
-                <a:solidFill>
-                  <a:srgbClr val="008000"/>
-                </a:solidFill>
-              </a:rPr>
-              <a:t>unique</a:t>
-            </a:r>
-            <a:r>
-              <a:rPr lang="en-US" sz="4400" dirty="0" smtClean="0"/>
-              <a:t> stable distribution</a:t>
-            </a:r>
-          </a:p>
-          <a:p>
-            <a:r>
-              <a:rPr lang="en-US" sz="4400" dirty="0"/>
-              <a:t> </a:t>
-            </a:r>
-            <a:r>
-              <a:rPr lang="en-US" sz="4400" dirty="0" smtClean="0"/>
-              <a:t>* </a:t>
-            </a:r>
-            <a:r>
-              <a:rPr lang="en-US" sz="4400" dirty="0" smtClean="0">
-                <a:solidFill>
-                  <a:srgbClr val="008000"/>
-                </a:solidFill>
-              </a:rPr>
-              <a:t>every</a:t>
-            </a:r>
-            <a:r>
-              <a:rPr lang="en-US" sz="4400" dirty="0" smtClean="0"/>
-              <a:t> initial distribution</a:t>
-            </a:r>
-          </a:p>
-          <a:p>
-            <a:pPr>
-              <a:lnSpc>
-                <a:spcPct val="80000"/>
-              </a:lnSpc>
-            </a:pPr>
-            <a:r>
-              <a:rPr lang="en-US" sz="4400" dirty="0" smtClean="0"/>
-              <a:t>     </a:t>
-            </a:r>
-            <a:r>
-              <a:rPr lang="en-US" sz="4400" dirty="0" smtClean="0">
-                <a:solidFill>
-                  <a:srgbClr val="008000"/>
-                </a:solidFill>
-              </a:rPr>
-              <a:t>converges</a:t>
-            </a:r>
-            <a:r>
-              <a:rPr lang="en-US" sz="4400" dirty="0" smtClean="0"/>
-              <a:t> to</a:t>
-            </a:r>
-          </a:p>
-          <a:p>
-            <a:pPr>
-              <a:lnSpc>
-                <a:spcPct val="80000"/>
-              </a:lnSpc>
-            </a:pPr>
-            <a:endParaRPr lang="en-US" sz="4400" dirty="0"/>
-          </a:p>
-          <a:p>
-            <a:pPr>
-              <a:lnSpc>
-                <a:spcPct val="80000"/>
-              </a:lnSpc>
-            </a:pPr>
-            <a:endParaRPr lang="en-US" sz="4400" dirty="0" smtClean="0"/>
-          </a:p>
-          <a:p>
-            <a:pPr>
-              <a:lnSpc>
-                <a:spcPct val="80000"/>
-              </a:lnSpc>
-            </a:pPr>
-            <a:r>
-              <a:rPr lang="en-US" sz="4400" dirty="0"/>
-              <a:t> </a:t>
-            </a:r>
-            <a:r>
-              <a:rPr lang="en-US" sz="4400" dirty="0" smtClean="0"/>
-              <a:t>* convergence is rapid:</a:t>
-            </a:r>
-          </a:p>
-          <a:p>
-            <a:r>
-              <a:rPr lang="en-US" sz="4400" dirty="0" smtClean="0"/>
-              <a:t>  </a:t>
-            </a:r>
-            <a:r>
-              <a:rPr lang="en-US" sz="4400" dirty="0" smtClean="0">
-                <a:solidFill>
-                  <a:srgbClr val="FF00FF"/>
-                </a:solidFill>
-              </a:rPr>
-              <a:t>t</a:t>
-            </a:r>
-            <a:r>
-              <a:rPr lang="en-US" sz="4400" dirty="0" smtClean="0"/>
-              <a:t> is small so    easy </a:t>
-            </a:r>
-            <a:r>
-              <a:rPr lang="en-US" sz="4400" dirty="0"/>
-              <a:t>to compute </a:t>
-            </a:r>
-          </a:p>
-        </p:txBody>
-      </p:sp>
-      <p:sp>
-        <p:nvSpPr>
-          <p:cNvPr id="2" name="Title 1"/>
-          <p:cNvSpPr>
-            <a:spLocks noGrp="1"/>
-          </p:cNvSpPr>
-          <p:nvPr>
-            <p:ph type="title"/>
-          </p:nvPr>
-        </p:nvSpPr>
-        <p:spPr>
-          <a:xfrm>
-            <a:off x="1219200" y="152400"/>
-            <a:ext cx="7472362" cy="1143000"/>
-          </a:xfrm>
-        </p:spPr>
-        <p:txBody>
-          <a:bodyPr/>
-          <a:lstStyle/>
-          <a:p>
-            <a:r>
-              <a:rPr lang="en-US" dirty="0" smtClean="0"/>
-              <a:t>Importance of Super-node</a:t>
-            </a:r>
-            <a:endParaRPr lang="en-US" dirty="0"/>
-          </a:p>
-        </p:txBody>
-      </p:sp>
-      <p:sp>
-        <p:nvSpPr>
-          <p:cNvPr id="4" name="Slide Number Placeholder 3"/>
-          <p:cNvSpPr>
-            <a:spLocks noGrp="1"/>
-          </p:cNvSpPr>
-          <p:nvPr>
-            <p:ph type="sldNum" sz="quarter" idx="12"/>
-          </p:nvPr>
-        </p:nvSpPr>
-        <p:spPr/>
-        <p:txBody>
-          <a:bodyPr/>
-          <a:lstStyle/>
-          <a:p>
-            <a:pPr>
-              <a:defRPr/>
-            </a:pPr>
-            <a:r>
-              <a:rPr lang="en-US" dirty="0" smtClean="0"/>
-              <a:t>page-rank.</a:t>
-            </a:r>
-            <a:fld id="{E877D3CB-F960-BD47-98A7-06971C504846}" type="slidenum">
-              <a:rPr lang="en-US" smtClean="0"/>
-              <a:pPr>
-                <a:defRPr/>
-              </a:pPr>
-              <a:t>10</a:t>
-            </a:fld>
-            <a:endParaRPr lang="en-US" dirty="0" smtClean="0"/>
-          </a:p>
-          <a:p>
-            <a:pPr>
-              <a:defRPr/>
-            </a:pPr>
-            <a:endParaRPr lang="en-US" dirty="0"/>
-          </a:p>
-        </p:txBody>
-      </p:sp>
-      <p:sp>
-        <p:nvSpPr>
-          <p:cNvPr id="5" name="Date Placeholder 4"/>
-          <p:cNvSpPr>
-            <a:spLocks noGrp="1"/>
-          </p:cNvSpPr>
-          <p:nvPr>
-            <p:ph type="dt" sz="half" idx="2"/>
-          </p:nvPr>
-        </p:nvSpPr>
-        <p:spPr/>
-        <p:txBody>
-          <a:bodyPr/>
-          <a:lstStyle/>
-          <a:p>
-            <a:pPr>
-              <a:defRPr/>
-            </a:pPr>
-            <a:r>
-              <a:rPr lang="en-US" smtClean="0"/>
-              <a:t>Albert R Meyer,           December 11, 2013</a:t>
-            </a:r>
-            <a:endParaRPr lang="en-US" dirty="0"/>
-          </a:p>
-        </p:txBody>
-      </p:sp>
-      <p:grpSp>
-        <p:nvGrpSpPr>
-          <p:cNvPr id="7" name="Group 6"/>
-          <p:cNvGrpSpPr/>
-          <p:nvPr/>
-        </p:nvGrpSpPr>
-        <p:grpSpPr>
-          <a:xfrm>
-            <a:off x="7696200" y="1524000"/>
-            <a:ext cx="533400" cy="923330"/>
-            <a:chOff x="7236844" y="3657600"/>
-            <a:chExt cx="533400" cy="923330"/>
-          </a:xfrm>
-        </p:grpSpPr>
-        <p:sp>
-          <p:nvSpPr>
-            <p:cNvPr id="8" name="TextBox 7"/>
-            <p:cNvSpPr txBox="1"/>
-            <p:nvPr/>
-          </p:nvSpPr>
-          <p:spPr>
-            <a:xfrm>
-              <a:off x="7236844" y="3657600"/>
-              <a:ext cx="521785" cy="923330"/>
-            </a:xfrm>
-            <a:prstGeom prst="rect">
-              <a:avLst/>
-            </a:prstGeom>
-            <a:noFill/>
-          </p:spPr>
-          <p:txBody>
-            <a:bodyPr wrap="none" rtlCol="0">
-              <a:spAutoFit/>
-            </a:bodyPr>
-            <a:lstStyle/>
-            <a:p>
-              <a:r>
-                <a:rPr lang="en-US" sz="5400" dirty="0">
-                  <a:solidFill>
-                    <a:srgbClr val="0000FF"/>
-                  </a:solidFill>
-                </a:rPr>
-                <a:t>s</a:t>
-              </a:r>
-              <a:endParaRPr lang="en-US" sz="5400" dirty="0"/>
-            </a:p>
-          </p:txBody>
-        </p:sp>
-        <p:cxnSp>
-          <p:nvCxnSpPr>
-            <p:cNvPr id="9" name="Straight Arrow Connector 8"/>
-            <p:cNvCxnSpPr/>
-            <p:nvPr/>
-          </p:nvCxnSpPr>
-          <p:spPr bwMode="auto">
-            <a:xfrm>
-              <a:off x="7389244" y="3886200"/>
-              <a:ext cx="381000" cy="0"/>
-            </a:xfrm>
-            <a:prstGeom prst="straightConnector1">
-              <a:avLst/>
-            </a:prstGeom>
-            <a:solidFill>
-              <a:schemeClr val="accent1"/>
-            </a:solidFill>
-            <a:ln w="38100" cap="flat" cmpd="sng" algn="ctr">
-              <a:solidFill>
-                <a:srgbClr val="0000FF"/>
-              </a:solidFill>
-              <a:prstDash val="solid"/>
-              <a:round/>
-              <a:headEnd type="none" w="med" len="med"/>
-              <a:tailEnd type="arrow" w="sm" len="sm"/>
-            </a:ln>
-            <a:effectLst/>
-          </p:spPr>
-        </p:cxnSp>
-      </p:grpSp>
-      <p:grpSp>
-        <p:nvGrpSpPr>
-          <p:cNvPr id="10" name="Group 9"/>
-          <p:cNvGrpSpPr/>
-          <p:nvPr/>
-        </p:nvGrpSpPr>
-        <p:grpSpPr>
-          <a:xfrm>
-            <a:off x="7391400" y="2302133"/>
-            <a:ext cx="513782" cy="830997"/>
-            <a:chOff x="7236844" y="3657600"/>
-            <a:chExt cx="513782" cy="830997"/>
-          </a:xfrm>
-        </p:grpSpPr>
-        <p:sp>
-          <p:nvSpPr>
-            <p:cNvPr id="11" name="TextBox 10"/>
-            <p:cNvSpPr txBox="1"/>
-            <p:nvPr/>
-          </p:nvSpPr>
-          <p:spPr>
-            <a:xfrm>
-              <a:off x="7236844" y="3657600"/>
-              <a:ext cx="513782" cy="830997"/>
-            </a:xfrm>
-            <a:prstGeom prst="rect">
-              <a:avLst/>
-            </a:prstGeom>
-            <a:noFill/>
-          </p:spPr>
-          <p:txBody>
-            <a:bodyPr wrap="none" rtlCol="0">
-              <a:spAutoFit/>
-            </a:bodyPr>
-            <a:lstStyle/>
-            <a:p>
-              <a:r>
-                <a:rPr lang="en-US" sz="4800" dirty="0" smtClean="0">
-                  <a:solidFill>
-                    <a:srgbClr val="0000FF"/>
-                  </a:solidFill>
-                </a:rPr>
-                <a:t>p</a:t>
-              </a:r>
-              <a:endParaRPr lang="en-US" sz="4800" dirty="0"/>
-            </a:p>
-          </p:txBody>
-        </p:sp>
-        <p:cxnSp>
-          <p:nvCxnSpPr>
-            <p:cNvPr id="12" name="Straight Arrow Connector 11"/>
-            <p:cNvCxnSpPr/>
-            <p:nvPr/>
-          </p:nvCxnSpPr>
-          <p:spPr bwMode="auto">
-            <a:xfrm>
-              <a:off x="7313044" y="3886200"/>
-              <a:ext cx="381000" cy="0"/>
-            </a:xfrm>
-            <a:prstGeom prst="straightConnector1">
-              <a:avLst/>
-            </a:prstGeom>
-            <a:solidFill>
-              <a:schemeClr val="accent1"/>
-            </a:solidFill>
-            <a:ln w="38100" cap="flat" cmpd="sng" algn="ctr">
-              <a:solidFill>
-                <a:srgbClr val="0000FF"/>
-              </a:solidFill>
-              <a:prstDash val="solid"/>
-              <a:round/>
-              <a:headEnd type="none" w="med" len="med"/>
-              <a:tailEnd type="arrow" w="sm" len="sm"/>
-            </a:ln>
-            <a:effectLst/>
-          </p:spPr>
-        </p:cxnSp>
-      </p:grpSp>
-      <p:grpSp>
-        <p:nvGrpSpPr>
-          <p:cNvPr id="13" name="Group 12"/>
-          <p:cNvGrpSpPr/>
-          <p:nvPr/>
-        </p:nvGrpSpPr>
-        <p:grpSpPr>
-          <a:xfrm>
-            <a:off x="4572000" y="2810470"/>
-            <a:ext cx="533400" cy="923330"/>
-            <a:chOff x="7236844" y="3657600"/>
-            <a:chExt cx="533400" cy="923330"/>
-          </a:xfrm>
-        </p:grpSpPr>
-        <p:sp>
-          <p:nvSpPr>
-            <p:cNvPr id="14" name="TextBox 13"/>
-            <p:cNvSpPr txBox="1"/>
-            <p:nvPr/>
-          </p:nvSpPr>
-          <p:spPr>
-            <a:xfrm>
-              <a:off x="7236844" y="3657600"/>
-              <a:ext cx="521785" cy="923330"/>
-            </a:xfrm>
-            <a:prstGeom prst="rect">
-              <a:avLst/>
-            </a:prstGeom>
-            <a:noFill/>
-          </p:spPr>
-          <p:txBody>
-            <a:bodyPr wrap="none" rtlCol="0">
-              <a:spAutoFit/>
-            </a:bodyPr>
-            <a:lstStyle/>
-            <a:p>
-              <a:r>
-                <a:rPr lang="en-US" sz="5400" dirty="0">
-                  <a:solidFill>
-                    <a:srgbClr val="0000FF"/>
-                  </a:solidFill>
-                </a:rPr>
-                <a:t>s</a:t>
-              </a:r>
-              <a:endParaRPr lang="en-US" sz="5400" dirty="0"/>
-            </a:p>
-          </p:txBody>
-        </p:sp>
-        <p:cxnSp>
-          <p:nvCxnSpPr>
-            <p:cNvPr id="15" name="Straight Arrow Connector 14"/>
-            <p:cNvCxnSpPr/>
-            <p:nvPr/>
-          </p:nvCxnSpPr>
-          <p:spPr bwMode="auto">
-            <a:xfrm>
-              <a:off x="7389244" y="3886200"/>
-              <a:ext cx="381000" cy="0"/>
-            </a:xfrm>
-            <a:prstGeom prst="straightConnector1">
-              <a:avLst/>
-            </a:prstGeom>
-            <a:solidFill>
-              <a:schemeClr val="accent1"/>
-            </a:solidFill>
-            <a:ln w="38100" cap="flat" cmpd="sng" algn="ctr">
-              <a:solidFill>
-                <a:srgbClr val="0000FF"/>
-              </a:solidFill>
-              <a:prstDash val="solid"/>
-              <a:round/>
-              <a:headEnd type="none" w="med" len="med"/>
-              <a:tailEnd type="arrow" w="sm" len="sm"/>
-            </a:ln>
-            <a:effectLst/>
-          </p:spPr>
-        </p:cxnSp>
-      </p:grpSp>
-      <p:grpSp>
-        <p:nvGrpSpPr>
-          <p:cNvPr id="23" name="Group 22"/>
-          <p:cNvGrpSpPr/>
-          <p:nvPr/>
-        </p:nvGrpSpPr>
-        <p:grpSpPr>
-          <a:xfrm>
-            <a:off x="3303588" y="3124200"/>
-            <a:ext cx="3751262" cy="1600200"/>
-            <a:chOff x="2541588" y="3352800"/>
-            <a:chExt cx="3751262" cy="1600200"/>
-          </a:xfrm>
-        </p:grpSpPr>
-        <p:graphicFrame>
-          <p:nvGraphicFramePr>
-            <p:cNvPr id="17" name="Object 16"/>
-            <p:cNvGraphicFramePr>
-              <a:graphicFrameLocks noChangeAspect="1"/>
-            </p:cNvGraphicFramePr>
-            <p:nvPr>
-              <p:extLst>
-                <p:ext uri="{D42A27DB-BD31-4B8C-83A1-F6EECF244321}">
-                  <p14:modId xmlns:p14="http://schemas.microsoft.com/office/powerpoint/2010/main" val="175687491"/>
-                </p:ext>
-              </p:extLst>
-            </p:nvPr>
-          </p:nvGraphicFramePr>
-          <p:xfrm>
-            <a:off x="2541588" y="3352800"/>
-            <a:ext cx="3751262" cy="1600200"/>
-          </p:xfrm>
-          <a:graphic>
-            <a:graphicData uri="http://schemas.openxmlformats.org/presentationml/2006/ole">
-              <mc:AlternateContent xmlns:mc="http://schemas.openxmlformats.org/markup-compatibility/2006">
-                <mc:Choice xmlns:v="urn:schemas-microsoft-com:vml" Requires="v">
-                  <p:oleObj spid="_x0000_s1044" name="Equation" r:id="rId3" imgW="952500" imgH="406400" progId="Equation.DSMT4">
-                    <p:embed/>
-                  </p:oleObj>
-                </mc:Choice>
-                <mc:Fallback>
-                  <p:oleObj name="Equation" r:id="rId3" imgW="952500" imgH="406400" progId="Equation.DSMT4">
-                    <p:embed/>
-                    <p:pic>
-                      <p:nvPicPr>
-                        <p:cNvPr id="0" name=""/>
-                        <p:cNvPicPr/>
-                        <p:nvPr/>
-                      </p:nvPicPr>
-                      <p:blipFill>
-                        <a:blip r:embed="rId4"/>
-                        <a:stretch>
-                          <a:fillRect/>
-                        </a:stretch>
-                      </p:blipFill>
-                      <p:spPr>
-                        <a:xfrm>
-                          <a:off x="2541588" y="3352800"/>
-                          <a:ext cx="3751262" cy="1600200"/>
-                        </a:xfrm>
-                        <a:prstGeom prst="rect">
-                          <a:avLst/>
-                        </a:prstGeom>
-                      </p:spPr>
-                    </p:pic>
-                  </p:oleObj>
-                </mc:Fallback>
-              </mc:AlternateContent>
-            </a:graphicData>
-          </a:graphic>
-        </p:graphicFrame>
-        <p:cxnSp>
-          <p:nvCxnSpPr>
-            <p:cNvPr id="18" name="Straight Arrow Connector 17"/>
-            <p:cNvCxnSpPr/>
-            <p:nvPr/>
-          </p:nvCxnSpPr>
-          <p:spPr bwMode="auto">
-            <a:xfrm>
-              <a:off x="3657600" y="3962400"/>
-              <a:ext cx="381000" cy="0"/>
-            </a:xfrm>
-            <a:prstGeom prst="straightConnector1">
-              <a:avLst/>
-            </a:prstGeom>
-            <a:solidFill>
-              <a:schemeClr val="accent1"/>
-            </a:solidFill>
-            <a:ln w="38100" cap="flat" cmpd="sng" algn="ctr">
-              <a:solidFill>
-                <a:srgbClr val="0000FF"/>
-              </a:solidFill>
-              <a:prstDash val="solid"/>
-              <a:round/>
-              <a:headEnd type="none" w="med" len="med"/>
-              <a:tailEnd type="arrow" w="sm" len="sm"/>
-            </a:ln>
-            <a:effectLst/>
-          </p:spPr>
-        </p:cxnSp>
-        <p:cxnSp>
-          <p:nvCxnSpPr>
-            <p:cNvPr id="19" name="Straight Arrow Connector 18"/>
-            <p:cNvCxnSpPr/>
-            <p:nvPr/>
-          </p:nvCxnSpPr>
-          <p:spPr bwMode="auto">
-            <a:xfrm>
-              <a:off x="5867400" y="3962400"/>
-              <a:ext cx="381000" cy="0"/>
-            </a:xfrm>
-            <a:prstGeom prst="straightConnector1">
-              <a:avLst/>
-            </a:prstGeom>
-            <a:solidFill>
-              <a:schemeClr val="accent1"/>
-            </a:solidFill>
-            <a:ln w="38100" cap="flat" cmpd="sng" algn="ctr">
-              <a:solidFill>
-                <a:srgbClr val="0000FF"/>
-              </a:solidFill>
-              <a:prstDash val="solid"/>
-              <a:round/>
-              <a:headEnd type="none" w="med" len="med"/>
-              <a:tailEnd type="arrow" w="sm" len="sm"/>
-            </a:ln>
-            <a:effectLst/>
-          </p:spPr>
-        </p:cxnSp>
-      </p:grpSp>
-      <p:grpSp>
-        <p:nvGrpSpPr>
-          <p:cNvPr id="20" name="Group 19"/>
-          <p:cNvGrpSpPr/>
-          <p:nvPr/>
-        </p:nvGrpSpPr>
-        <p:grpSpPr>
-          <a:xfrm>
-            <a:off x="3733800" y="5029200"/>
-            <a:ext cx="533400" cy="923330"/>
-            <a:chOff x="7236844" y="3657600"/>
-            <a:chExt cx="533400" cy="923330"/>
-          </a:xfrm>
-        </p:grpSpPr>
-        <p:sp>
-          <p:nvSpPr>
-            <p:cNvPr id="21" name="TextBox 20"/>
-            <p:cNvSpPr txBox="1"/>
-            <p:nvPr/>
-          </p:nvSpPr>
-          <p:spPr>
-            <a:xfrm>
-              <a:off x="7236844" y="3657600"/>
-              <a:ext cx="521785" cy="923330"/>
-            </a:xfrm>
-            <a:prstGeom prst="rect">
-              <a:avLst/>
-            </a:prstGeom>
-            <a:noFill/>
-          </p:spPr>
-          <p:txBody>
-            <a:bodyPr wrap="none" rtlCol="0">
-              <a:spAutoFit/>
-            </a:bodyPr>
-            <a:lstStyle/>
-            <a:p>
-              <a:r>
-                <a:rPr lang="en-US" sz="5400" dirty="0">
-                  <a:solidFill>
-                    <a:srgbClr val="0000FF"/>
-                  </a:solidFill>
-                </a:rPr>
-                <a:t>s</a:t>
-              </a:r>
-              <a:endParaRPr lang="en-US" sz="5400" dirty="0"/>
-            </a:p>
-          </p:txBody>
-        </p:sp>
-        <p:cxnSp>
-          <p:nvCxnSpPr>
-            <p:cNvPr id="22" name="Straight Arrow Connector 21"/>
-            <p:cNvCxnSpPr/>
-            <p:nvPr/>
-          </p:nvCxnSpPr>
-          <p:spPr bwMode="auto">
-            <a:xfrm>
-              <a:off x="7389244" y="3886200"/>
-              <a:ext cx="381000" cy="0"/>
-            </a:xfrm>
-            <a:prstGeom prst="straightConnector1">
-              <a:avLst/>
-            </a:prstGeom>
-            <a:solidFill>
-              <a:schemeClr val="accent1"/>
-            </a:solidFill>
-            <a:ln w="38100" cap="flat" cmpd="sng" algn="ctr">
-              <a:solidFill>
-                <a:srgbClr val="0000FF"/>
-              </a:solidFill>
-              <a:prstDash val="solid"/>
-              <a:round/>
-              <a:headEnd type="none" w="med" len="med"/>
-              <a:tailEnd type="arrow" w="sm" len="sm"/>
-            </a:ln>
-            <a:effectLst/>
-          </p:spPr>
-        </p:cxnSp>
-      </p:grpSp>
-    </p:spTree>
-    <p:extLst>
-      <p:ext uri="{BB962C8B-B14F-4D97-AF65-F5344CB8AC3E}">
-        <p14:creationId xmlns:p14="http://schemas.microsoft.com/office/powerpoint/2010/main" val="4034444194"/>
-      </p:ext>
-    </p:extLst>
-  </p:cSld>
-  <p:clrMapOvr>
-    <a:masterClrMapping/>
-  </p:clrMapOvr>
-  <p:transition xmlns:p14="http://schemas.microsoft.com/office/powerpoint/2010/main" spd="slow" advClick="0">
-    <p:fade thruBlk="1"/>
-  </p:transition>
-  <p:timing>
-    <p:tnLst>
-      <p:par>
-        <p:cTn xmlns:p14="http://schemas.microsoft.com/office/powerpoint/2010/main" id="1" dur="indefinite" restart="never" nodeType="tmRoot">
-          <p:childTnLst>
-            <p:seq concurrent="1" nextAc="seek">
-              <p:cTn id="2" dur="indefinite" nodeType="mainSeq">
-                <p:childTnLst>
-                  <p:par>
-                    <p:cTn id="3" fill="hold">
-                      <p:stCondLst>
-                        <p:cond delay="indefinite"/>
-                      </p:stCondLst>
-                      <p:childTnLst>
-                        <p:par>
-                          <p:cTn id="4" fill="hold">
-                            <p:stCondLst>
-                              <p:cond delay="0"/>
-                            </p:stCondLst>
-                            <p:childTnLst>
-                              <p:par>
-                                <p:cTn id="5" presetID="10" presetClass="entr" presetSubtype="0" fill="hold" nodeType="clickEffect">
-                                  <p:stCondLst>
-                                    <p:cond delay="0"/>
-                                  </p:stCondLst>
-                                  <p:childTnLst>
-                                    <p:set>
-                                      <p:cBhvr>
-                                        <p:cTn id="6" dur="1" fill="hold">
-                                          <p:stCondLst>
-                                            <p:cond delay="0"/>
-                                          </p:stCondLst>
-                                        </p:cTn>
-                                        <p:tgtEl>
-                                          <p:spTgt spid="6">
-                                            <p:txEl>
-                                              <p:pRg st="0" end="0"/>
-                                            </p:txEl>
-                                          </p:spTgt>
-                                        </p:tgtEl>
-                                        <p:attrNameLst>
-                                          <p:attrName>style.visibility</p:attrName>
-                                        </p:attrNameLst>
-                                      </p:cBhvr>
-                                      <p:to>
-                                        <p:strVal val="visible"/>
-                                      </p:to>
-                                    </p:set>
-                                    <p:animEffect transition="in" filter="fade">
-                                      <p:cBhvr>
-                                        <p:cTn id="7" dur="500"/>
-                                        <p:tgtEl>
-                                          <p:spTgt spid="6">
-                                            <p:txEl>
-                                              <p:pRg st="0" end="0"/>
-                                            </p:txEl>
-                                          </p:spTgt>
-                                        </p:tgtEl>
-                                      </p:cBhvr>
-                                    </p:animEffect>
-                                  </p:childTnLst>
-                                </p:cTn>
-                              </p:par>
-                            </p:childTnLst>
-                          </p:cTn>
-                        </p:par>
-                        <p:par>
-                          <p:cTn id="8" fill="hold">
-                            <p:stCondLst>
-                              <p:cond delay="500"/>
-                            </p:stCondLst>
-                            <p:childTnLst>
-                              <p:par>
-                                <p:cTn id="9" presetID="10" presetClass="entr" presetSubtype="0" fill="hold" nodeType="afterEffect">
-                                  <p:stCondLst>
-                                    <p:cond delay="0"/>
-                                  </p:stCondLst>
-                                  <p:childTnLst>
-                                    <p:set>
-                                      <p:cBhvr>
-                                        <p:cTn id="10" dur="1" fill="hold">
-                                          <p:stCondLst>
-                                            <p:cond delay="0"/>
-                                          </p:stCondLst>
-                                        </p:cTn>
-                                        <p:tgtEl>
-                                          <p:spTgt spid="6">
-                                            <p:txEl>
-                                              <p:pRg st="1" end="1"/>
-                                            </p:txEl>
-                                          </p:spTgt>
-                                        </p:tgtEl>
-                                        <p:attrNameLst>
-                                          <p:attrName>style.visibility</p:attrName>
-                                        </p:attrNameLst>
-                                      </p:cBhvr>
-                                      <p:to>
-                                        <p:strVal val="visible"/>
-                                      </p:to>
-                                    </p:set>
-                                    <p:animEffect transition="in" filter="fade">
-                                      <p:cBhvr>
-                                        <p:cTn id="11" dur="500"/>
-                                        <p:tgtEl>
-                                          <p:spTgt spid="6">
-                                            <p:txEl>
-                                              <p:pRg st="1" end="1"/>
-                                            </p:txEl>
-                                          </p:spTgt>
-                                        </p:tgtEl>
-                                      </p:cBhvr>
-                                    </p:animEffect>
-                                  </p:childTnLst>
-                                </p:cTn>
-                              </p:par>
-                              <p:par>
-                                <p:cTn id="12" presetID="10" presetClass="entr" presetSubtype="0" fill="hold" nodeType="withEffect">
-                                  <p:stCondLst>
-                                    <p:cond delay="0"/>
-                                  </p:stCondLst>
-                                  <p:childTnLst>
-                                    <p:set>
-                                      <p:cBhvr>
-                                        <p:cTn id="13" dur="1" fill="hold">
-                                          <p:stCondLst>
-                                            <p:cond delay="0"/>
-                                          </p:stCondLst>
-                                        </p:cTn>
-                                        <p:tgtEl>
-                                          <p:spTgt spid="7"/>
-                                        </p:tgtEl>
-                                        <p:attrNameLst>
-                                          <p:attrName>style.visibility</p:attrName>
-                                        </p:attrNameLst>
-                                      </p:cBhvr>
-                                      <p:to>
-                                        <p:strVal val="visible"/>
-                                      </p:to>
-                                    </p:set>
-                                    <p:animEffect transition="in" filter="fade">
-                                      <p:cBhvr>
-                                        <p:cTn id="14" dur="1000"/>
-                                        <p:tgtEl>
-                                          <p:spTgt spid="7"/>
-                                        </p:tgtEl>
-                                      </p:cBhvr>
-                                    </p:animEffect>
-                                  </p:childTnLst>
-                                </p:cTn>
-                              </p:par>
-                            </p:childTnLst>
-                          </p:cTn>
-                        </p:par>
-                      </p:childTnLst>
-                    </p:cTn>
-                  </p:par>
-                  <p:par>
-                    <p:cTn id="15" fill="hold">
-                      <p:stCondLst>
-                        <p:cond delay="indefinite"/>
-                      </p:stCondLst>
-                      <p:childTnLst>
-                        <p:par>
-                          <p:cTn id="16" fill="hold">
-                            <p:stCondLst>
-                              <p:cond delay="0"/>
-                            </p:stCondLst>
-                            <p:childTnLst>
-                              <p:par>
-                                <p:cTn id="17" presetID="10" presetClass="entr" presetSubtype="0" fill="hold" nodeType="clickEffect">
-                                  <p:stCondLst>
-                                    <p:cond delay="0"/>
-                                  </p:stCondLst>
-                                  <p:childTnLst>
-                                    <p:set>
-                                      <p:cBhvr>
-                                        <p:cTn id="18" dur="1" fill="hold">
-                                          <p:stCondLst>
-                                            <p:cond delay="0"/>
-                                          </p:stCondLst>
-                                        </p:cTn>
-                                        <p:tgtEl>
-                                          <p:spTgt spid="6">
-                                            <p:txEl>
-                                              <p:pRg st="2" end="2"/>
-                                            </p:txEl>
-                                          </p:spTgt>
-                                        </p:tgtEl>
-                                        <p:attrNameLst>
-                                          <p:attrName>style.visibility</p:attrName>
-                                        </p:attrNameLst>
-                                      </p:cBhvr>
-                                      <p:to>
-                                        <p:strVal val="visible"/>
-                                      </p:to>
-                                    </p:set>
-                                    <p:animEffect transition="in" filter="fade">
-                                      <p:cBhvr>
-                                        <p:cTn id="19" dur="500"/>
-                                        <p:tgtEl>
-                                          <p:spTgt spid="6">
-                                            <p:txEl>
-                                              <p:pRg st="2" end="2"/>
-                                            </p:txEl>
-                                          </p:spTgt>
-                                        </p:tgtEl>
-                                      </p:cBhvr>
-                                    </p:animEffect>
-                                  </p:childTnLst>
-                                </p:cTn>
-                              </p:par>
-                              <p:par>
-                                <p:cTn id="20" presetID="10" presetClass="entr" presetSubtype="0" fill="hold" nodeType="withEffect">
-                                  <p:stCondLst>
-                                    <p:cond delay="0"/>
-                                  </p:stCondLst>
-                                  <p:childTnLst>
-                                    <p:set>
-                                      <p:cBhvr>
-                                        <p:cTn id="21" dur="1" fill="hold">
-                                          <p:stCondLst>
-                                            <p:cond delay="0"/>
-                                          </p:stCondLst>
-                                        </p:cTn>
-                                        <p:tgtEl>
-                                          <p:spTgt spid="10"/>
-                                        </p:tgtEl>
-                                        <p:attrNameLst>
-                                          <p:attrName>style.visibility</p:attrName>
-                                        </p:attrNameLst>
-                                      </p:cBhvr>
-                                      <p:to>
-                                        <p:strVal val="visible"/>
-                                      </p:to>
-                                    </p:set>
-                                    <p:animEffect transition="in" filter="fade">
-                                      <p:cBhvr>
-                                        <p:cTn id="22" dur="1000"/>
-                                        <p:tgtEl>
-                                          <p:spTgt spid="10"/>
-                                        </p:tgtEl>
-                                      </p:cBhvr>
-                                    </p:animEffect>
-                                  </p:childTnLst>
-                                </p:cTn>
-                              </p:par>
-                            </p:childTnLst>
-                          </p:cTn>
-                        </p:par>
-                        <p:par>
-                          <p:cTn id="23" fill="hold">
-                            <p:stCondLst>
-                              <p:cond delay="1000"/>
-                            </p:stCondLst>
-                            <p:childTnLst>
-                              <p:par>
-                                <p:cTn id="24" presetID="10" presetClass="entr" presetSubtype="0" fill="hold" nodeType="afterEffect">
-                                  <p:stCondLst>
-                                    <p:cond delay="0"/>
-                                  </p:stCondLst>
-                                  <p:childTnLst>
-                                    <p:set>
-                                      <p:cBhvr>
-                                        <p:cTn id="25" dur="1" fill="hold">
-                                          <p:stCondLst>
-                                            <p:cond delay="0"/>
-                                          </p:stCondLst>
-                                        </p:cTn>
-                                        <p:tgtEl>
-                                          <p:spTgt spid="6">
-                                            <p:txEl>
-                                              <p:pRg st="3" end="3"/>
-                                            </p:txEl>
-                                          </p:spTgt>
-                                        </p:tgtEl>
-                                        <p:attrNameLst>
-                                          <p:attrName>style.visibility</p:attrName>
-                                        </p:attrNameLst>
-                                      </p:cBhvr>
-                                      <p:to>
-                                        <p:strVal val="visible"/>
-                                      </p:to>
-                                    </p:set>
-                                    <p:animEffect transition="in" filter="fade">
-                                      <p:cBhvr>
-                                        <p:cTn id="26" dur="500"/>
-                                        <p:tgtEl>
-                                          <p:spTgt spid="6">
-                                            <p:txEl>
-                                              <p:pRg st="3" end="3"/>
-                                            </p:txEl>
-                                          </p:spTgt>
-                                        </p:tgtEl>
-                                      </p:cBhvr>
-                                    </p:animEffect>
-                                  </p:childTnLst>
-                                </p:cTn>
-                              </p:par>
-                              <p:par>
-                                <p:cTn id="27" presetID="10" presetClass="entr" presetSubtype="0" fill="hold" nodeType="withEffect">
-                                  <p:stCondLst>
-                                    <p:cond delay="0"/>
-                                  </p:stCondLst>
-                                  <p:childTnLst>
-                                    <p:set>
-                                      <p:cBhvr>
-                                        <p:cTn id="28" dur="1" fill="hold">
-                                          <p:stCondLst>
-                                            <p:cond delay="0"/>
-                                          </p:stCondLst>
-                                        </p:cTn>
-                                        <p:tgtEl>
-                                          <p:spTgt spid="13"/>
-                                        </p:tgtEl>
-                                        <p:attrNameLst>
-                                          <p:attrName>style.visibility</p:attrName>
-                                        </p:attrNameLst>
-                                      </p:cBhvr>
-                                      <p:to>
-                                        <p:strVal val="visible"/>
-                                      </p:to>
-                                    </p:set>
-                                    <p:animEffect transition="in" filter="fade">
-                                      <p:cBhvr>
-                                        <p:cTn id="29" dur="500"/>
-                                        <p:tgtEl>
-                                          <p:spTgt spid="13"/>
-                                        </p:tgtEl>
-                                      </p:cBhvr>
-                                    </p:animEffect>
-                                  </p:childTnLst>
-                                </p:cTn>
-                              </p:par>
-                            </p:childTnLst>
-                          </p:cTn>
-                        </p:par>
-                      </p:childTnLst>
-                    </p:cTn>
-                  </p:par>
-                  <p:par>
-                    <p:cTn id="30" fill="hold">
-                      <p:stCondLst>
-                        <p:cond delay="indefinite"/>
-                      </p:stCondLst>
-                      <p:childTnLst>
-                        <p:par>
-                          <p:cTn id="31" fill="hold">
-                            <p:stCondLst>
-                              <p:cond delay="0"/>
-                            </p:stCondLst>
-                            <p:childTnLst>
-                              <p:par>
-                                <p:cTn id="32" presetID="22" presetClass="entr" presetSubtype="8" fill="hold" nodeType="clickEffect">
-                                  <p:stCondLst>
-                                    <p:cond delay="0"/>
-                                  </p:stCondLst>
-                                  <p:childTnLst>
-                                    <p:set>
-                                      <p:cBhvr>
-                                        <p:cTn id="33" dur="1" fill="hold">
-                                          <p:stCondLst>
-                                            <p:cond delay="0"/>
-                                          </p:stCondLst>
-                                        </p:cTn>
-                                        <p:tgtEl>
-                                          <p:spTgt spid="23"/>
-                                        </p:tgtEl>
-                                        <p:attrNameLst>
-                                          <p:attrName>style.visibility</p:attrName>
-                                        </p:attrNameLst>
-                                      </p:cBhvr>
-                                      <p:to>
-                                        <p:strVal val="visible"/>
-                                      </p:to>
-                                    </p:set>
-                                    <p:animEffect transition="in" filter="wipe(left)">
-                                      <p:cBhvr>
-                                        <p:cTn id="34" dur="1000"/>
-                                        <p:tgtEl>
-                                          <p:spTgt spid="23"/>
-                                        </p:tgtEl>
-                                      </p:cBhvr>
-                                    </p:animEffect>
-                                  </p:childTnLst>
-                                </p:cTn>
-                              </p:par>
-                            </p:childTnLst>
-                          </p:cTn>
-                        </p:par>
-                      </p:childTnLst>
-                    </p:cTn>
-                  </p:par>
-                  <p:par>
-                    <p:cTn id="35" fill="hold">
-                      <p:stCondLst>
-                        <p:cond delay="indefinite"/>
-                      </p:stCondLst>
-                      <p:childTnLst>
-                        <p:par>
-                          <p:cTn id="36" fill="hold">
-                            <p:stCondLst>
-                              <p:cond delay="0"/>
-                            </p:stCondLst>
-                            <p:childTnLst>
-                              <p:par>
-                                <p:cTn id="37" presetID="10" presetClass="entr" presetSubtype="0" fill="hold" nodeType="clickEffect">
-                                  <p:stCondLst>
-                                    <p:cond delay="0"/>
-                                  </p:stCondLst>
-                                  <p:childTnLst>
-                                    <p:set>
-                                      <p:cBhvr>
-                                        <p:cTn id="38" dur="1" fill="hold">
-                                          <p:stCondLst>
-                                            <p:cond delay="0"/>
-                                          </p:stCondLst>
-                                        </p:cTn>
-                                        <p:tgtEl>
-                                          <p:spTgt spid="6">
-                                            <p:txEl>
-                                              <p:pRg st="6" end="6"/>
-                                            </p:txEl>
-                                          </p:spTgt>
-                                        </p:tgtEl>
-                                        <p:attrNameLst>
-                                          <p:attrName>style.visibility</p:attrName>
-                                        </p:attrNameLst>
-                                      </p:cBhvr>
-                                      <p:to>
-                                        <p:strVal val="visible"/>
-                                      </p:to>
-                                    </p:set>
-                                    <p:animEffect transition="in" filter="fade">
-                                      <p:cBhvr>
-                                        <p:cTn id="39" dur="500"/>
-                                        <p:tgtEl>
-                                          <p:spTgt spid="6">
-                                            <p:txEl>
-                                              <p:pRg st="6" end="6"/>
-                                            </p:txEl>
-                                          </p:spTgt>
-                                        </p:tgtEl>
-                                      </p:cBhvr>
-                                    </p:animEffect>
-                                  </p:childTnLst>
-                                </p:cTn>
-                              </p:par>
-                            </p:childTnLst>
-                          </p:cTn>
-                        </p:par>
-                        <p:par>
-                          <p:cTn id="40" fill="hold">
-                            <p:stCondLst>
-                              <p:cond delay="500"/>
-                            </p:stCondLst>
-                            <p:childTnLst>
-                              <p:par>
-                                <p:cTn id="41" presetID="10" presetClass="entr" presetSubtype="0" fill="hold" nodeType="afterEffect">
-                                  <p:stCondLst>
-                                    <p:cond delay="0"/>
-                                  </p:stCondLst>
-                                  <p:childTnLst>
-                                    <p:set>
-                                      <p:cBhvr>
-                                        <p:cTn id="42" dur="1" fill="hold">
-                                          <p:stCondLst>
-                                            <p:cond delay="0"/>
-                                          </p:stCondLst>
-                                        </p:cTn>
-                                        <p:tgtEl>
-                                          <p:spTgt spid="6">
-                                            <p:txEl>
-                                              <p:pRg st="7" end="7"/>
-                                            </p:txEl>
-                                          </p:spTgt>
-                                        </p:tgtEl>
-                                        <p:attrNameLst>
-                                          <p:attrName>style.visibility</p:attrName>
-                                        </p:attrNameLst>
-                                      </p:cBhvr>
-                                      <p:to>
-                                        <p:strVal val="visible"/>
-                                      </p:to>
-                                    </p:set>
-                                    <p:animEffect transition="in" filter="fade">
-                                      <p:cBhvr>
-                                        <p:cTn id="43" dur="500"/>
-                                        <p:tgtEl>
-                                          <p:spTgt spid="6">
-                                            <p:txEl>
-                                              <p:pRg st="7" end="7"/>
-                                            </p:txEl>
-                                          </p:spTgt>
-                                        </p:tgtEl>
-                                      </p:cBhvr>
-                                    </p:animEffect>
-                                  </p:childTnLst>
-                                </p:cTn>
-                              </p:par>
-                              <p:par>
-                                <p:cTn id="44" presetID="10" presetClass="entr" presetSubtype="0" fill="hold" nodeType="withEffect">
-                                  <p:stCondLst>
-                                    <p:cond delay="0"/>
-                                  </p:stCondLst>
-                                  <p:childTnLst>
-                                    <p:set>
-                                      <p:cBhvr>
-                                        <p:cTn id="45" dur="1" fill="hold">
-                                          <p:stCondLst>
-                                            <p:cond delay="0"/>
-                                          </p:stCondLst>
-                                        </p:cTn>
-                                        <p:tgtEl>
-                                          <p:spTgt spid="20"/>
-                                        </p:tgtEl>
-                                        <p:attrNameLst>
-                                          <p:attrName>style.visibility</p:attrName>
-                                        </p:attrNameLst>
-                                      </p:cBhvr>
-                                      <p:to>
-                                        <p:strVal val="visible"/>
-                                      </p:to>
-                                    </p:set>
-                                    <p:animEffect transition="in" filter="fade">
-                                      <p:cBhvr>
-                                        <p:cTn id="46" dur="1000"/>
-                                        <p:tgtEl>
-                                          <p:spTgt spid="20"/>
-                                        </p:tgtEl>
-                                      </p:cBhvr>
-                                    </p:animEffect>
-                                  </p:childTnLst>
-                                </p:cTn>
-                              </p:par>
-                            </p:childTnLst>
-                          </p:cTn>
-                        </p:par>
-                      </p:childTnLst>
-                    </p:cTn>
-                  </p:par>
-                </p:childTnLst>
-              </p:cTn>
-              <p:prevCondLst>
-                <p:cond evt="onPrev" delay="0">
-                  <p:tgtEl>
-                    <p:sldTgt/>
-                  </p:tgtEl>
-                </p:cond>
-              </p:prevCondLst>
-              <p:nextCondLst>
-                <p:cond evt="onNext" delay="0">
-                  <p:tgtEl>
-                    <p:sldTgt/>
-                  </p:tgtEl>
-                </p:cond>
-              </p:nextCondLst>
-            </p:seq>
-          </p:childTnLst>
-        </p:cTn>
-      </p:par>
-    </p:tnLst>
-  </p:timing>
-</p:sld>
-</file>
-
-<file path=ppt/slides/slide11.xml><?xml version="1.0" encoding="utf-8"?>
-<p:sld xmlns:a="http://schemas.openxmlformats.org/drawingml/2006/main" xmlns:r="http://schemas.openxmlformats.org/officeDocument/2006/relationships" xmlns:p="http://schemas.openxmlformats.org/presentationml/2006/main">
-  <p:cSld>
-    <p:spTree>
-      <p:nvGrpSpPr>
-        <p:cNvPr id="1" name=""/>
-        <p:cNvGrpSpPr/>
-        <p:nvPr/>
-      </p:nvGrpSpPr>
-      <p:grpSpPr>
-        <a:xfrm>
-          <a:off x="0" y="0"/>
-          <a:ext cx="0" cy="0"/>
-          <a:chOff x="0" y="0"/>
-          <a:chExt cx="0" cy="0"/>
-        </a:xfrm>
-      </p:grpSpPr>
-      <p:sp>
-        <p:nvSpPr>
-          <p:cNvPr id="2" name="Title 1"/>
-          <p:cNvSpPr>
-            <a:spLocks noGrp="1"/>
-          </p:cNvSpPr>
-          <p:nvPr>
-            <p:ph type="title"/>
-          </p:nvPr>
-        </p:nvSpPr>
-        <p:spPr>
-          <a:xfrm>
-            <a:off x="1443038" y="301625"/>
-            <a:ext cx="6329362" cy="917575"/>
-          </a:xfrm>
-        </p:spPr>
-        <p:txBody>
-          <a:bodyPr/>
-          <a:lstStyle/>
-          <a:p>
-            <a:r>
-              <a:rPr lang="en-US" dirty="0" smtClean="0"/>
-              <a:t>Actual Google Rank</a:t>
-            </a:r>
-            <a:endParaRPr lang="en-US" dirty="0"/>
-          </a:p>
-        </p:txBody>
-      </p:sp>
-      <p:sp>
-        <p:nvSpPr>
-          <p:cNvPr id="3" name="Content Placeholder 2"/>
-          <p:cNvSpPr>
-            <a:spLocks noGrp="1"/>
-          </p:cNvSpPr>
-          <p:nvPr>
-            <p:ph idx="1"/>
-          </p:nvPr>
-        </p:nvSpPr>
-        <p:spPr>
-          <a:xfrm>
-            <a:off x="228600" y="1371600"/>
-            <a:ext cx="8763000" cy="4191000"/>
-          </a:xfrm>
-        </p:spPr>
-        <p:txBody>
-          <a:bodyPr/>
-          <a:lstStyle/>
-          <a:p>
-            <a:pPr marL="0" indent="0">
-              <a:buNone/>
-            </a:pPr>
-            <a:r>
-              <a:rPr lang="en-US" sz="4000" dirty="0" smtClean="0"/>
-              <a:t>Google rank rules are a closely held trade secret using text, location, payment, and other criteria that have evolved for 15 years.</a:t>
-            </a:r>
-          </a:p>
-          <a:p>
-            <a:pPr marL="0" indent="0">
-              <a:buNone/>
-            </a:pPr>
-            <a:r>
-              <a:rPr lang="en-US" sz="4000" dirty="0" smtClean="0"/>
-              <a:t>But </a:t>
-            </a:r>
-            <a:r>
-              <a:rPr lang="en-US" sz="4000" dirty="0" smtClean="0">
-                <a:solidFill>
-                  <a:srgbClr val="0000FF"/>
-                </a:solidFill>
-              </a:rPr>
-              <a:t>PageRank </a:t>
-            </a:r>
-            <a:r>
-              <a:rPr lang="en-US" sz="4000" dirty="0" smtClean="0"/>
-              <a:t>continues to play a key role.</a:t>
-            </a:r>
-            <a:endParaRPr lang="en-US" sz="4000" dirty="0"/>
-          </a:p>
-        </p:txBody>
-      </p:sp>
-      <p:sp>
-        <p:nvSpPr>
-          <p:cNvPr id="4" name="Slide Number Placeholder 3"/>
-          <p:cNvSpPr>
-            <a:spLocks noGrp="1"/>
-          </p:cNvSpPr>
-          <p:nvPr>
-            <p:ph type="sldNum" sz="quarter" idx="12"/>
-          </p:nvPr>
-        </p:nvSpPr>
-        <p:spPr/>
-        <p:txBody>
-          <a:bodyPr/>
-          <a:lstStyle/>
-          <a:p>
-            <a:pPr>
-              <a:defRPr/>
-            </a:pPr>
-            <a:r>
-              <a:rPr lang="en-US" dirty="0" smtClean="0"/>
-              <a:t>page-rank.</a:t>
-            </a:r>
-            <a:fld id="{E877D3CB-F960-BD47-98A7-06971C504846}" type="slidenum">
-              <a:rPr lang="en-US" smtClean="0"/>
-              <a:pPr>
-                <a:defRPr/>
-              </a:pPr>
-              <a:t>11</a:t>
-            </a:fld>
-            <a:endParaRPr lang="en-US" dirty="0" smtClean="0"/>
-          </a:p>
-          <a:p>
-            <a:pPr>
-              <a:defRPr/>
-            </a:pPr>
-            <a:endParaRPr lang="en-US" dirty="0"/>
-          </a:p>
-        </p:txBody>
-      </p:sp>
-      <p:sp>
-        <p:nvSpPr>
-          <p:cNvPr id="5" name="Date Placeholder 4"/>
-          <p:cNvSpPr>
-            <a:spLocks noGrp="1"/>
-          </p:cNvSpPr>
-          <p:nvPr>
-            <p:ph type="dt" sz="half" idx="2"/>
-          </p:nvPr>
-        </p:nvSpPr>
-        <p:spPr/>
-        <p:txBody>
-          <a:bodyPr/>
-          <a:lstStyle/>
-          <a:p>
-            <a:pPr>
-              <a:defRPr/>
-            </a:pPr>
-            <a:r>
-              <a:rPr lang="en-US" smtClean="0"/>
-              <a:t>Albert R Meyer,           December 11, 2013</a:t>
-            </a:r>
-            <a:endParaRPr lang="en-US" dirty="0"/>
-          </a:p>
-        </p:txBody>
-      </p:sp>
-    </p:spTree>
-    <p:extLst>
-      <p:ext uri="{BB962C8B-B14F-4D97-AF65-F5344CB8AC3E}">
-        <p14:creationId xmlns:p14="http://schemas.microsoft.com/office/powerpoint/2010/main" val="2371703612"/>
-      </p:ext>
-    </p:extLst>
-  </p:cSld>
-  <p:clrMapOvr>
-    <a:masterClrMapping/>
-  </p:clrMapOvr>
-  <p:transition xmlns:p14="http://schemas.microsoft.com/office/powerpoint/2010/main" spd="slow">
-    <p:fade thruBlk="1"/>
-  </p:transition>
-  <p:timing>
-    <p:tnLst>
-      <p:par>
-        <p:cTn xmlns:p14="http://schemas.microsoft.com/office/powerpoint/2010/main" id="1" dur="indefinite" restart="never" nodeType="tmRoot">
-          <p:childTnLst>
-            <p:seq concurrent="1" nextAc="seek">
-              <p:cTn id="2" dur="indefinite" nodeType="mainSeq">
-                <p:childTnLst>
-                  <p:par>
-                    <p:cTn id="3" fill="hold">
-                      <p:stCondLst>
-                        <p:cond delay="indefinite"/>
-                      </p:stCondLst>
-                      <p:childTnLst>
-                        <p:par>
-                          <p:cTn id="4" fill="hold">
-                            <p:stCondLst>
-                              <p:cond delay="0"/>
-                            </p:stCondLst>
-                            <p:childTnLst>
-                              <p:par>
-                                <p:cTn id="5" presetID="10" presetClass="entr" presetSubtype="0" fill="hold" nodeType="clickEffect">
-                                  <p:stCondLst>
-                                    <p:cond delay="0"/>
-                                  </p:stCondLst>
-                                  <p:childTnLst>
-                                    <p:set>
-                                      <p:cBhvr>
-                                        <p:cTn id="6" dur="1" fill="hold">
-                                          <p:stCondLst>
-                                            <p:cond delay="0"/>
-                                          </p:stCondLst>
-                                        </p:cTn>
-                                        <p:tgtEl>
-                                          <p:spTgt spid="3">
-                                            <p:txEl>
-                                              <p:pRg st="0" end="0"/>
-                                            </p:txEl>
-                                          </p:spTgt>
-                                        </p:tgtEl>
-                                        <p:attrNameLst>
-                                          <p:attrName>style.visibility</p:attrName>
-                                        </p:attrNameLst>
-                                      </p:cBhvr>
-                                      <p:to>
-                                        <p:strVal val="visible"/>
-                                      </p:to>
-                                    </p:set>
-                                    <p:animEffect transition="in" filter="fade">
-                                      <p:cBhvr>
-                                        <p:cTn id="7" dur="500"/>
-                                        <p:tgtEl>
-                                          <p:spTgt spid="3">
-                                            <p:txEl>
-                                              <p:pRg st="0" end="0"/>
-                                            </p:txEl>
-                                          </p:spTgt>
-                                        </p:tgtEl>
-                                      </p:cBhvr>
-                                    </p:animEffect>
-                                  </p:childTnLst>
-                                </p:cTn>
-                              </p:par>
-                            </p:childTnLst>
-                          </p:cTn>
-                        </p:par>
-                      </p:childTnLst>
-                    </p:cTn>
-                  </p:par>
-                  <p:par>
-                    <p:cTn id="8" fill="hold">
-                      <p:stCondLst>
-                        <p:cond delay="indefinite"/>
-                      </p:stCondLst>
-                      <p:childTnLst>
-                        <p:par>
-                          <p:cTn id="9" fill="hold">
-                            <p:stCondLst>
-                              <p:cond delay="0"/>
-                            </p:stCondLst>
-                            <p:childTnLst>
-                              <p:par>
-                                <p:cTn id="10" presetID="10" presetClass="entr" presetSubtype="0" fill="hold" nodeType="clickEffect">
-                                  <p:stCondLst>
-                                    <p:cond delay="0"/>
-                                  </p:stCondLst>
-                                  <p:childTnLst>
-                                    <p:set>
-                                      <p:cBhvr>
-                                        <p:cTn id="11" dur="1" fill="hold">
-                                          <p:stCondLst>
-                                            <p:cond delay="0"/>
-                                          </p:stCondLst>
-                                        </p:cTn>
-                                        <p:tgtEl>
-                                          <p:spTgt spid="3">
-                                            <p:txEl>
-                                              <p:pRg st="1" end="1"/>
-                                            </p:txEl>
-                                          </p:spTgt>
-                                        </p:tgtEl>
-                                        <p:attrNameLst>
-                                          <p:attrName>style.visibility</p:attrName>
-                                        </p:attrNameLst>
-                                      </p:cBhvr>
-                                      <p:to>
-                                        <p:strVal val="visible"/>
-                                      </p:to>
-                                    </p:set>
-                                    <p:animEffect transition="in" filter="fade">
-                                      <p:cBhvr>
-                                        <p:cTn id="12" dur="500"/>
-                                        <p:tgtEl>
-                                          <p:spTgt spid="3">
-                                            <p:txEl>
-                                              <p:pRg st="1" end="1"/>
-                                            </p:txEl>
-                                          </p:spTgt>
-                                        </p:tgtEl>
-                                      </p:cBhvr>
-                                    </p:animEffect>
-                                  </p:childTnLst>
-                                </p:cTn>
-                              </p:par>
-                            </p:childTnLst>
-                          </p:cTn>
-                        </p:par>
-                      </p:childTnLst>
-                    </p:cTn>
-                  </p:par>
-                </p:childTnLst>
-              </p:cTn>
-              <p:prevCondLst>
-                <p:cond evt="onPrev" delay="0">
-                  <p:tgtEl>
-                    <p:sldTgt/>
-                  </p:tgtEl>
-                </p:cond>
-              </p:prevCondLst>
-              <p:nextCondLst>
-                <p:cond evt="onNext" delay="0">
-                  <p:tgtEl>
-                    <p:sldTgt/>
-                  </p:tgtEl>
-                </p:cond>
-              </p:nextCondLst>
-            </p:seq>
-          </p:childTnLst>
-        </p:cTn>
-      </p:par>
-    </p:tnLst>
-  </p:timing>
-</p:sld>
-</file>
-
 <file path=ppt/slides/slide2.xml><?xml version="1.0" encoding="utf-8"?>
 <p:sld xmlns:a="http://schemas.openxmlformats.org/drawingml/2006/main" xmlns:r="http://schemas.openxmlformats.org/officeDocument/2006/relationships" xmlns:p="http://schemas.openxmlformats.org/presentationml/2006/main">
   <p:cSld>
@@ -6804,8 +5284,8 @@
         </p:nvSpPr>
         <p:spPr>
           <a:xfrm>
-            <a:off x="381000" y="1447800"/>
-            <a:ext cx="8382000" cy="4038600"/>
+            <a:off x="76200" y="1447800"/>
+            <a:ext cx="9067800" cy="5105400"/>
           </a:xfrm>
         </p:spPr>
         <p:txBody>
@@ -6871,8 +5351,13 @@
             </a:pPr>
             <a:r>
               <a:rPr lang="en-US" sz="4000" dirty="0" smtClean="0"/>
-              <a:t>* an edge from super-node to each other node</a:t>
-            </a:r>
+              <a:t>* an edge from super-node to each other </a:t>
+            </a:r>
+            <a:r>
+              <a:rPr lang="en-US" sz="4000" dirty="0" smtClean="0"/>
+              <a:t>node</a:t>
+            </a:r>
+            <a:endParaRPr lang="en-US" sz="4000" dirty="0" smtClean="0"/>
           </a:p>
           <a:p>
             <a:pPr eaLnBrk="1" hangingPunct="1">
@@ -6884,7 +5369,40 @@
             </a:pPr>
             <a:r>
               <a:rPr lang="en-US" sz="4000" dirty="0" smtClean="0"/>
-              <a:t>* edges from each other node back to super-node</a:t>
+              <a:t>* edges from each other node back to super-</a:t>
+            </a:r>
+            <a:r>
+              <a:rPr lang="en-US" sz="4000" dirty="0" smtClean="0"/>
+              <a:t>node</a:t>
+            </a:r>
+          </a:p>
+          <a:p>
+            <a:pPr eaLnBrk="1" hangingPunct="1">
+              <a:lnSpc>
+                <a:spcPct val="90000"/>
+              </a:lnSpc>
+              <a:buFontTx/>
+              <a:buNone/>
+            </a:pPr>
+            <a:r>
+              <a:rPr lang="en-US" sz="4000" dirty="0"/>
+              <a:t> </a:t>
+            </a:r>
+            <a:r>
+              <a:rPr lang="en-US" sz="4000" dirty="0" smtClean="0"/>
+              <a:t> </a:t>
+            </a:r>
+            <a:r>
+              <a:rPr lang="en-US" sz="4000" dirty="0"/>
+              <a:t> </a:t>
+            </a:r>
+            <a:r>
+              <a:rPr lang="en-US" sz="4000" dirty="0" smtClean="0"/>
+              <a:t> -</a:t>
+            </a:r>
+            <a:r>
+              <a:rPr lang="en-US" sz="4000" dirty="0" smtClean="0"/>
+              <a:t>may get customized probabilities</a:t>
             </a:r>
             <a:endParaRPr lang="en-US" sz="4000" dirty="0"/>
           </a:p>
@@ -6982,13 +5500,13 @@
   <p:clrMapOvr>
     <a:masterClrMapping/>
   </p:clrMapOvr>
-  <mc:AlternateContent xmlns:mc="http://schemas.openxmlformats.org/markup-compatibility/2006">
-    <mc:Choice xmlns:p14="http://schemas.microsoft.com/office/powerpoint/2010/main" Requires="p14">
+  <mc:AlternateContent xmlns:mc="http://schemas.openxmlformats.org/markup-compatibility/2006" xmlns:p14="http://schemas.microsoft.com/office/powerpoint/2010/main">
+    <mc:Choice Requires="p14">
       <p:transition spd="med" p14:dur="700" advClick="0">
         <p:fade/>
       </p:transition>
     </mc:Choice>
-    <mc:Fallback>
+    <mc:Fallback xmlns="">
       <p:transition xmlns:p14="http://schemas.microsoft.com/office/powerpoint/2010/main" spd="med" advClick="0">
         <p:fade/>
       </p:transition>
@@ -7185,451 +5703,6 @@
                       </p:childTnLst>
                     </p:cTn>
                   </p:par>
-                </p:childTnLst>
-              </p:cTn>
-              <p:prevCondLst>
-                <p:cond evt="onPrev" delay="0">
-                  <p:tgtEl>
-                    <p:sldTgt/>
-                  </p:tgtEl>
-                </p:cond>
-              </p:prevCondLst>
-              <p:nextCondLst>
-                <p:cond evt="onNext" delay="0">
-                  <p:tgtEl>
-                    <p:sldTgt/>
-                  </p:tgtEl>
-                </p:cond>
-              </p:nextCondLst>
-            </p:seq>
-          </p:childTnLst>
-        </p:cTn>
-      </p:par>
-    </p:tnLst>
-    <p:bldLst>
-      <p:bldP spid="22534" grpId="0" build="p"/>
-    </p:bldLst>
-  </p:timing>
-</p:sld>
-</file>
-
-<file path=ppt/slides/slide5.xml><?xml version="1.0" encoding="utf-8"?>
-<p:sld xmlns:a="http://schemas.openxmlformats.org/drawingml/2006/main" xmlns:r="http://schemas.openxmlformats.org/officeDocument/2006/relationships" xmlns:p="http://schemas.openxmlformats.org/presentationml/2006/main" show="0">
-  <p:cSld>
-    <p:spTree>
-      <p:nvGrpSpPr>
-        <p:cNvPr id="1" name=""/>
-        <p:cNvGrpSpPr/>
-        <p:nvPr/>
-      </p:nvGrpSpPr>
-      <p:grpSpPr>
-        <a:xfrm>
-          <a:off x="0" y="0"/>
-          <a:ext cx="0" cy="0"/>
-          <a:chOff x="0" y="0"/>
-          <a:chExt cx="0" cy="0"/>
-        </a:xfrm>
-      </p:grpSpPr>
-      <p:sp>
-        <p:nvSpPr>
-          <p:cNvPr id="35844" name="Slide Number Placeholder 5"/>
-          <p:cNvSpPr>
-            <a:spLocks noGrp="1"/>
-          </p:cNvSpPr>
-          <p:nvPr>
-            <p:ph type="sldNum" sz="quarter" idx="12"/>
-          </p:nvPr>
-        </p:nvSpPr>
-        <p:spPr>
-          <a:noFill/>
-        </p:spPr>
-        <p:txBody>
-          <a:bodyPr/>
-          <a:lstStyle/>
-          <a:p>
-            <a:r>
-              <a:rPr lang="en-US" dirty="0" smtClean="0"/>
-              <a:t>page-rank.</a:t>
-            </a:r>
-            <a:fld id="{42298CDA-044A-0949-8A0D-DDA7F6833251}" type="slidenum">
-              <a:rPr lang="en-US" smtClean="0"/>
-              <a:pPr/>
-              <a:t>5</a:t>
-            </a:fld>
-            <a:endParaRPr lang="en-US" dirty="0"/>
-          </a:p>
-          <a:p>
-            <a:endParaRPr lang="en-US" dirty="0"/>
-          </a:p>
-        </p:txBody>
-      </p:sp>
-      <p:sp>
-        <p:nvSpPr>
-          <p:cNvPr id="22534" name="Rectangle 3"/>
-          <p:cNvSpPr>
-            <a:spLocks noGrp="1" noChangeArrowheads="1"/>
-          </p:cNvSpPr>
-          <p:nvPr>
-            <p:ph type="body" idx="1"/>
-          </p:nvPr>
-        </p:nvSpPr>
-        <p:spPr>
-          <a:xfrm>
-            <a:off x="381000" y="1447800"/>
-            <a:ext cx="8382000" cy="4038600"/>
-          </a:xfrm>
-        </p:spPr>
-        <p:txBody>
-          <a:bodyPr/>
-          <a:lstStyle/>
-          <a:p>
-            <a:pPr eaLnBrk="1" hangingPunct="1">
-              <a:lnSpc>
-                <a:spcPct val="90000"/>
-              </a:lnSpc>
-              <a:buFontTx/>
-              <a:buNone/>
-            </a:pPr>
-            <a:r>
-              <a:rPr lang="en-US" sz="4000" dirty="0" smtClean="0"/>
-              <a:t>To ensure unique stationary:</a:t>
-            </a:r>
-          </a:p>
-          <a:p>
-            <a:pPr eaLnBrk="1" hangingPunct="1">
-              <a:lnSpc>
-                <a:spcPct val="90000"/>
-              </a:lnSpc>
-              <a:buFontTx/>
-              <a:buNone/>
-            </a:pPr>
-            <a:r>
-              <a:rPr lang="en-US" sz="4000" dirty="0" smtClean="0"/>
-              <a:t>* add a “super-node” to the graph</a:t>
-            </a:r>
-          </a:p>
-          <a:p>
-            <a:pPr eaLnBrk="1" hangingPunct="1">
-              <a:lnSpc>
-                <a:spcPct val="90000"/>
-              </a:lnSpc>
-              <a:buFontTx/>
-              <a:buNone/>
-            </a:pPr>
-            <a:r>
-              <a:rPr lang="en-US" sz="4000" dirty="0" smtClean="0"/>
-              <a:t>* an edge from super-node to each other node</a:t>
-            </a:r>
-          </a:p>
-          <a:p>
-            <a:pPr eaLnBrk="1" hangingPunct="1">
-              <a:lnSpc>
-                <a:spcPct val="90000"/>
-              </a:lnSpc>
-              <a:buFontTx/>
-              <a:buNone/>
-            </a:pPr>
-            <a:r>
-              <a:rPr lang="en-US" sz="4000" dirty="0" smtClean="0"/>
-              <a:t>* edges from </a:t>
-            </a:r>
-            <a:r>
-              <a:rPr lang="en-US" sz="4000" dirty="0" smtClean="0"/>
-              <a:t>each </a:t>
-            </a:r>
-            <a:r>
-              <a:rPr lang="en-US" sz="4000" dirty="0" smtClean="0"/>
-              <a:t>node back to super-node</a:t>
-            </a:r>
-            <a:endParaRPr lang="en-US" sz="4000" dirty="0"/>
-          </a:p>
-        </p:txBody>
-      </p:sp>
-      <p:sp>
-        <p:nvSpPr>
-          <p:cNvPr id="7" name="Rectangle 4"/>
-          <p:cNvSpPr>
-            <a:spLocks noGrp="1" noChangeArrowheads="1"/>
-          </p:cNvSpPr>
-          <p:nvPr>
-            <p:ph type="dt" sz="half" idx="2"/>
-          </p:nvPr>
-        </p:nvSpPr>
-        <p:spPr bwMode="auto">
-          <a:xfrm>
-            <a:off x="3124200" y="6629400"/>
-            <a:ext cx="2863850" cy="228600"/>
-          </a:xfrm>
-          <a:prstGeom prst="rect">
-            <a:avLst/>
-          </a:prstGeom>
-          <a:noFill/>
-          <a:ln w="9525">
-            <a:noFill/>
-            <a:miter lim="800000"/>
-            <a:headEnd/>
-            <a:tailEnd/>
-          </a:ln>
-        </p:spPr>
-        <p:txBody>
-          <a:bodyPr vert="horz" wrap="square" lIns="91440" tIns="45720" rIns="91440" bIns="45720" numCol="1" anchor="t" anchorCtr="0" compatLnSpc="1">
-            <a:prstTxWarp prst="textNoShape">
-              <a:avLst/>
-            </a:prstTxWarp>
-          </a:bodyPr>
-          <a:lstStyle>
-            <a:lvl1pPr algn="ctr" eaLnBrk="1" hangingPunct="1">
-              <a:defRPr sz="1000">
-                <a:latin typeface="Comic Sans MS" pitchFamily="-64" charset="0"/>
-                <a:ea typeface="ＭＳ Ｐゴシック" pitchFamily="-64" charset="-128"/>
-                <a:cs typeface="+mn-cs"/>
-              </a:defRPr>
-            </a:lvl1pPr>
-          </a:lstStyle>
-          <a:p>
-            <a:pPr>
-              <a:defRPr/>
-            </a:pPr>
-            <a:r>
-              <a:rPr lang="en-US" dirty="0" smtClean="0"/>
-              <a:t>Albert R Meyer,               December 11, 2013</a:t>
-            </a:r>
-            <a:endParaRPr lang="en-US" dirty="0"/>
-          </a:p>
-        </p:txBody>
-      </p:sp>
-      <p:sp>
-        <p:nvSpPr>
-          <p:cNvPr id="8" name="Rectangle 2"/>
-          <p:cNvSpPr>
-            <a:spLocks noGrp="1" noChangeArrowheads="1"/>
-          </p:cNvSpPr>
-          <p:nvPr>
-            <p:ph type="title"/>
-          </p:nvPr>
-        </p:nvSpPr>
-        <p:spPr>
-          <a:xfrm>
-            <a:off x="1519238" y="301625"/>
-            <a:ext cx="5872162" cy="993775"/>
-          </a:xfrm>
-        </p:spPr>
-        <p:txBody>
-          <a:bodyPr/>
-          <a:lstStyle/>
-          <a:p>
-            <a:pPr eaLnBrk="1" hangingPunct="1"/>
-            <a:r>
-              <a:rPr lang="en-US" dirty="0"/>
-              <a:t>Google Page Rank</a:t>
-            </a:r>
-          </a:p>
-        </p:txBody>
-      </p:sp>
-    </p:spTree>
-    <p:extLst>
-      <p:ext uri="{BB962C8B-B14F-4D97-AF65-F5344CB8AC3E}">
-        <p14:creationId xmlns:p14="http://schemas.microsoft.com/office/powerpoint/2010/main" val="445150479"/>
-      </p:ext>
-    </p:extLst>
-  </p:cSld>
-  <p:clrMapOvr>
-    <a:masterClrMapping/>
-  </p:clrMapOvr>
-  <p:transition xmlns:p14="http://schemas.microsoft.com/office/powerpoint/2010/main" spd="slow">
-    <p:fade thruBlk="1"/>
-  </p:transition>
-  <p:timing>
-    <p:tnLst>
-      <p:par>
-        <p:cTn xmlns:p14="http://schemas.microsoft.com/office/powerpoint/2010/main" id="1" dur="indefinite" restart="never" nodeType="tmRoot">
-          <p:childTnLst>
-            <p:seq concurrent="1" nextAc="seek">
-              <p:cTn id="2" dur="indefinite" nodeType="mainSeq">
-                <p:childTnLst>
-                  <p:par>
-                    <p:cTn id="3" fill="hold">
-                      <p:stCondLst>
-                        <p:cond delay="indefinite"/>
-                      </p:stCondLst>
-                      <p:childTnLst>
-                        <p:par>
-                          <p:cTn id="4" fill="hold">
-                            <p:stCondLst>
-                              <p:cond delay="0"/>
-                            </p:stCondLst>
-                            <p:childTnLst>
-                              <p:par>
-                                <p:cTn id="5" presetID="9" presetClass="entr" presetSubtype="0" fill="hold" grpId="0" nodeType="clickEffect">
-                                  <p:stCondLst>
-                                    <p:cond delay="0"/>
-                                  </p:stCondLst>
-                                  <p:childTnLst>
-                                    <p:set>
-                                      <p:cBhvr>
-                                        <p:cTn id="6" dur="1" fill="hold">
-                                          <p:stCondLst>
-                                            <p:cond delay="0"/>
-                                          </p:stCondLst>
-                                        </p:cTn>
-                                        <p:tgtEl>
-                                          <p:spTgt spid="22534">
-                                            <p:txEl>
-                                              <p:pRg st="0" end="0"/>
-                                            </p:txEl>
-                                          </p:spTgt>
-                                        </p:tgtEl>
-                                        <p:attrNameLst>
-                                          <p:attrName>style.visibility</p:attrName>
-                                        </p:attrNameLst>
-                                      </p:cBhvr>
-                                      <p:to>
-                                        <p:strVal val="visible"/>
-                                      </p:to>
-                                    </p:set>
-                                    <p:animEffect transition="in" filter="dissolve">
-                                      <p:cBhvr>
-                                        <p:cTn id="7" dur="500"/>
-                                        <p:tgtEl>
-                                          <p:spTgt spid="22534">
-                                            <p:txEl>
-                                              <p:pRg st="0" end="0"/>
-                                            </p:txEl>
-                                          </p:spTgt>
-                                        </p:tgtEl>
-                                      </p:cBhvr>
-                                    </p:animEffect>
-                                  </p:childTnLst>
-                                </p:cTn>
-                              </p:par>
-                            </p:childTnLst>
-                          </p:cTn>
-                        </p:par>
-                      </p:childTnLst>
-                    </p:cTn>
-                  </p:par>
-                  <p:par>
-                    <p:cTn id="8" fill="hold">
-                      <p:stCondLst>
-                        <p:cond delay="indefinite"/>
-                      </p:stCondLst>
-                      <p:childTnLst>
-                        <p:par>
-                          <p:cTn id="9" fill="hold">
-                            <p:stCondLst>
-                              <p:cond delay="0"/>
-                            </p:stCondLst>
-                            <p:childTnLst>
-                              <p:par>
-                                <p:cTn id="10" presetID="9" presetClass="entr" presetSubtype="0" fill="hold" grpId="0" nodeType="clickEffect">
-                                  <p:stCondLst>
-                                    <p:cond delay="0"/>
-                                  </p:stCondLst>
-                                  <p:childTnLst>
-                                    <p:set>
-                                      <p:cBhvr>
-                                        <p:cTn id="11" dur="1" fill="hold">
-                                          <p:stCondLst>
-                                            <p:cond delay="0"/>
-                                          </p:stCondLst>
-                                        </p:cTn>
-                                        <p:tgtEl>
-                                          <p:spTgt spid="22534">
-                                            <p:txEl>
-                                              <p:pRg st="1" end="1"/>
-                                            </p:txEl>
-                                          </p:spTgt>
-                                        </p:tgtEl>
-                                        <p:attrNameLst>
-                                          <p:attrName>style.visibility</p:attrName>
-                                        </p:attrNameLst>
-                                      </p:cBhvr>
-                                      <p:to>
-                                        <p:strVal val="visible"/>
-                                      </p:to>
-                                    </p:set>
-                                    <p:animEffect transition="in" filter="dissolve">
-                                      <p:cBhvr>
-                                        <p:cTn id="12" dur="500"/>
-                                        <p:tgtEl>
-                                          <p:spTgt spid="22534">
-                                            <p:txEl>
-                                              <p:pRg st="1" end="1"/>
-                                            </p:txEl>
-                                          </p:spTgt>
-                                        </p:tgtEl>
-                                      </p:cBhvr>
-                                    </p:animEffect>
-                                  </p:childTnLst>
-                                </p:cTn>
-                              </p:par>
-                            </p:childTnLst>
-                          </p:cTn>
-                        </p:par>
-                      </p:childTnLst>
-                    </p:cTn>
-                  </p:par>
-                  <p:par>
-                    <p:cTn id="13" fill="hold">
-                      <p:stCondLst>
-                        <p:cond delay="indefinite"/>
-                      </p:stCondLst>
-                      <p:childTnLst>
-                        <p:par>
-                          <p:cTn id="14" fill="hold">
-                            <p:stCondLst>
-                              <p:cond delay="0"/>
-                            </p:stCondLst>
-                            <p:childTnLst>
-                              <p:par>
-                                <p:cTn id="15" presetID="9" presetClass="entr" presetSubtype="0" fill="hold" grpId="0" nodeType="clickEffect">
-                                  <p:stCondLst>
-                                    <p:cond delay="0"/>
-                                  </p:stCondLst>
-                                  <p:childTnLst>
-                                    <p:set>
-                                      <p:cBhvr>
-                                        <p:cTn id="16" dur="1" fill="hold">
-                                          <p:stCondLst>
-                                            <p:cond delay="0"/>
-                                          </p:stCondLst>
-                                        </p:cTn>
-                                        <p:tgtEl>
-                                          <p:spTgt spid="22534">
-                                            <p:txEl>
-                                              <p:pRg st="2" end="2"/>
-                                            </p:txEl>
-                                          </p:spTgt>
-                                        </p:tgtEl>
-                                        <p:attrNameLst>
-                                          <p:attrName>style.visibility</p:attrName>
-                                        </p:attrNameLst>
-                                      </p:cBhvr>
-                                      <p:to>
-                                        <p:strVal val="visible"/>
-                                      </p:to>
-                                    </p:set>
-                                    <p:animEffect transition="in" filter="dissolve">
-                                      <p:cBhvr>
-                                        <p:cTn id="17" dur="500"/>
-                                        <p:tgtEl>
-                                          <p:spTgt spid="22534">
-                                            <p:txEl>
-                                              <p:pRg st="2" end="2"/>
-                                            </p:txEl>
-                                          </p:spTgt>
-                                        </p:tgtEl>
-                                      </p:cBhvr>
-                                    </p:animEffect>
-                                  </p:childTnLst>
-                                </p:cTn>
-                              </p:par>
-                            </p:childTnLst>
-                          </p:cTn>
-                        </p:par>
-                      </p:childTnLst>
-                    </p:cTn>
-                  </p:par>
                   <p:par>
                     <p:cTn id="18" fill="hold">
                       <p:stCondLst>
@@ -7643,7 +5716,7 @@
                             </p:stCondLst>
                             <p:childTnLst>
                               <p:par>
-                                <p:cTn id="20" presetID="9" presetClass="entr" presetSubtype="0" fill="hold" grpId="0" nodeType="clickEffect">
+                                <p:cTn id="20" presetID="10" presetClass="entr" presetSubtype="0" fill="hold" grpId="0" nodeType="clickEffect">
                                   <p:stCondLst>
                                     <p:cond delay="0"/>
                                   </p:stCondLst>
@@ -7658,7 +5731,7 @@
                                         <p:tgtEl>
                                           <p:spTgt spid="22534">
                                             <p:txEl>
-                                              <p:pRg st="3" end="3"/>
+                                              <p:pRg st="4" end="4"/>
                                             </p:txEl>
                                           </p:spTgt>
                                         </p:tgtEl>
@@ -7670,13 +5743,13 @@
                                         <p:strVal val="visible"/>
                                       </p:to>
                                     </p:set>
-                                    <p:animEffect transition="in" filter="dissolve">
+                                    <p:animEffect transition="in" filter="fade">
                                       <p:cBhvr>
                                         <p:cTn id="22" dur="500"/>
                                         <p:tgtEl>
                                           <p:spTgt spid="22534">
                                             <p:txEl>
-                                              <p:pRg st="3" end="3"/>
+                                              <p:pRg st="4" end="4"/>
                                             </p:txEl>
                                           </p:spTgt>
                                         </p:tgtEl>
@@ -7719,2394 +5792,7 @@
 </p:sld>
 </file>
 
-<file path=ppt/slides/slide6.xml><?xml version="1.0" encoding="utf-8"?>
-<p:sld xmlns:a="http://schemas.openxmlformats.org/drawingml/2006/main" xmlns:r="http://schemas.openxmlformats.org/officeDocument/2006/relationships" xmlns:p="http://schemas.openxmlformats.org/presentationml/2006/main" show="0">
-  <p:cSld>
-    <p:spTree>
-      <p:nvGrpSpPr>
-        <p:cNvPr id="1" name=""/>
-        <p:cNvGrpSpPr/>
-        <p:nvPr/>
-      </p:nvGrpSpPr>
-      <p:grpSpPr>
-        <a:xfrm>
-          <a:off x="0" y="0"/>
-          <a:ext cx="0" cy="0"/>
-          <a:chOff x="0" y="0"/>
-          <a:chExt cx="0" cy="0"/>
-        </a:xfrm>
-      </p:grpSpPr>
-      <p:sp>
-        <p:nvSpPr>
-          <p:cNvPr id="54276" name="Slide Number Placeholder 5"/>
-          <p:cNvSpPr>
-            <a:spLocks noGrp="1"/>
-          </p:cNvSpPr>
-          <p:nvPr>
-            <p:ph type="sldNum" sz="quarter" idx="12"/>
-          </p:nvPr>
-        </p:nvSpPr>
-        <p:spPr>
-          <a:noFill/>
-        </p:spPr>
-        <p:txBody>
-          <a:bodyPr/>
-          <a:lstStyle/>
-          <a:p>
-            <a:r>
-              <a:rPr lang="en-US" dirty="0" smtClean="0"/>
-              <a:t>page-rank.</a:t>
-            </a:r>
-            <a:fld id="{B826CD8C-0477-834C-B53A-FCC4FCE3844A}" type="slidenum">
-              <a:rPr lang="en-US" smtClean="0"/>
-              <a:pPr/>
-              <a:t>6</a:t>
-            </a:fld>
-            <a:endParaRPr lang="en-US" dirty="0"/>
-          </a:p>
-          <a:p>
-            <a:endParaRPr lang="en-US" dirty="0"/>
-          </a:p>
-        </p:txBody>
-      </p:sp>
-      <p:sp>
-        <p:nvSpPr>
-          <p:cNvPr id="45" name="Rectangle 4"/>
-          <p:cNvSpPr>
-            <a:spLocks noGrp="1" noChangeArrowheads="1"/>
-          </p:cNvSpPr>
-          <p:nvPr>
-            <p:ph type="dt" sz="half" idx="2"/>
-          </p:nvPr>
-        </p:nvSpPr>
-        <p:spPr bwMode="auto">
-          <a:xfrm>
-            <a:off x="3124200" y="6629400"/>
-            <a:ext cx="2863850" cy="228600"/>
-          </a:xfrm>
-          <a:prstGeom prst="rect">
-            <a:avLst/>
-          </a:prstGeom>
-          <a:noFill/>
-          <a:ln w="9525">
-            <a:noFill/>
-            <a:miter lim="800000"/>
-            <a:headEnd/>
-            <a:tailEnd/>
-          </a:ln>
-        </p:spPr>
-        <p:txBody>
-          <a:bodyPr vert="horz" wrap="square" lIns="91440" tIns="45720" rIns="91440" bIns="45720" numCol="1" anchor="t" anchorCtr="0" compatLnSpc="1">
-            <a:prstTxWarp prst="textNoShape">
-              <a:avLst/>
-            </a:prstTxWarp>
-          </a:bodyPr>
-          <a:lstStyle>
-            <a:lvl1pPr algn="ctr" eaLnBrk="1" hangingPunct="1">
-              <a:defRPr sz="1000">
-                <a:latin typeface="Comic Sans MS" pitchFamily="-64" charset="0"/>
-                <a:ea typeface="ＭＳ Ｐゴシック" pitchFamily="-64" charset="-128"/>
-                <a:cs typeface="+mn-cs"/>
-              </a:defRPr>
-            </a:lvl1pPr>
-          </a:lstStyle>
-          <a:p>
-            <a:pPr>
-              <a:defRPr/>
-            </a:pPr>
-            <a:r>
-              <a:rPr lang="en-US" dirty="0" smtClean="0"/>
-              <a:t>Albert R Meyer,        December 11, 2013</a:t>
-            </a:r>
-            <a:endParaRPr lang="en-US" dirty="0"/>
-          </a:p>
-        </p:txBody>
-      </p:sp>
-      <p:sp>
-        <p:nvSpPr>
-          <p:cNvPr id="24" name="Freeform 23"/>
-          <p:cNvSpPr/>
-          <p:nvPr/>
-        </p:nvSpPr>
-        <p:spPr>
-          <a:xfrm>
-            <a:off x="1371600" y="978296"/>
-            <a:ext cx="6474149" cy="4135571"/>
-          </a:xfrm>
-          <a:custGeom>
-            <a:avLst/>
-            <a:gdLst>
-              <a:gd name="connsiteX0" fmla="*/ 2546154 w 6474149"/>
-              <a:gd name="connsiteY0" fmla="*/ 892837 h 4135571"/>
-              <a:gd name="connsiteX1" fmla="*/ 2520754 w 6474149"/>
-              <a:gd name="connsiteY1" fmla="*/ 545704 h 4135571"/>
-              <a:gd name="connsiteX2" fmla="*/ 2520754 w 6474149"/>
-              <a:gd name="connsiteY2" fmla="*/ 528771 h 4135571"/>
-              <a:gd name="connsiteX3" fmla="*/ 6154 w 6474149"/>
-              <a:gd name="connsiteY3" fmla="*/ 1637904 h 4135571"/>
-              <a:gd name="connsiteX4" fmla="*/ 3350487 w 6474149"/>
-              <a:gd name="connsiteY4" fmla="*/ 2730104 h 4135571"/>
-              <a:gd name="connsiteX5" fmla="*/ 2817087 w 6474149"/>
-              <a:gd name="connsiteY5" fmla="*/ 545704 h 4135571"/>
-              <a:gd name="connsiteX6" fmla="*/ 3900820 w 6474149"/>
-              <a:gd name="connsiteY6" fmla="*/ 875904 h 4135571"/>
-              <a:gd name="connsiteX7" fmla="*/ 5001487 w 6474149"/>
-              <a:gd name="connsiteY7" fmla="*/ 782771 h 4135571"/>
-              <a:gd name="connsiteX8" fmla="*/ 6415420 w 6474149"/>
-              <a:gd name="connsiteY8" fmla="*/ 2027371 h 4135571"/>
-              <a:gd name="connsiteX9" fmla="*/ 6136020 w 6474149"/>
-              <a:gd name="connsiteY9" fmla="*/ 37704 h 4135571"/>
-              <a:gd name="connsiteX10" fmla="*/ 5492554 w 6474149"/>
-              <a:gd name="connsiteY10" fmla="*/ 4135571 h 4135571"/>
-            </a:gdLst>
-            <a:ahLst/>
-            <a:cxnLst>
-              <a:cxn ang="0">
-                <a:pos x="connsiteX0" y="connsiteY0"/>
-              </a:cxn>
-              <a:cxn ang="0">
-                <a:pos x="connsiteX1" y="connsiteY1"/>
-              </a:cxn>
-              <a:cxn ang="0">
-                <a:pos x="connsiteX2" y="connsiteY2"/>
-              </a:cxn>
-              <a:cxn ang="0">
-                <a:pos x="connsiteX3" y="connsiteY3"/>
-              </a:cxn>
-              <a:cxn ang="0">
-                <a:pos x="connsiteX4" y="connsiteY4"/>
-              </a:cxn>
-              <a:cxn ang="0">
-                <a:pos x="connsiteX5" y="connsiteY5"/>
-              </a:cxn>
-              <a:cxn ang="0">
-                <a:pos x="connsiteX6" y="connsiteY6"/>
-              </a:cxn>
-              <a:cxn ang="0">
-                <a:pos x="connsiteX7" y="connsiteY7"/>
-              </a:cxn>
-              <a:cxn ang="0">
-                <a:pos x="connsiteX8" y="connsiteY8"/>
-              </a:cxn>
-              <a:cxn ang="0">
-                <a:pos x="connsiteX9" y="connsiteY9"/>
-              </a:cxn>
-              <a:cxn ang="0">
-                <a:pos x="connsiteX10" y="connsiteY10"/>
-              </a:cxn>
-            </a:cxnLst>
-            <a:rect l="l" t="t" r="r" b="b"/>
-            <a:pathLst>
-              <a:path w="6474149" h="4135571">
-                <a:moveTo>
-                  <a:pt x="2546154" y="892837"/>
-                </a:moveTo>
-                <a:cubicBezTo>
-                  <a:pt x="2535570" y="749609"/>
-                  <a:pt x="2524987" y="606382"/>
-                  <a:pt x="2520754" y="545704"/>
-                </a:cubicBezTo>
-                <a:cubicBezTo>
-                  <a:pt x="2516521" y="485026"/>
-                  <a:pt x="2520754" y="528771"/>
-                  <a:pt x="2520754" y="528771"/>
-                </a:cubicBezTo>
-                <a:cubicBezTo>
-                  <a:pt x="2101654" y="710804"/>
-                  <a:pt x="-132135" y="1271015"/>
-                  <a:pt x="6154" y="1637904"/>
-                </a:cubicBezTo>
-                <a:cubicBezTo>
-                  <a:pt x="144443" y="2004793"/>
-                  <a:pt x="2881998" y="2912137"/>
-                  <a:pt x="3350487" y="2730104"/>
-                </a:cubicBezTo>
-                <a:cubicBezTo>
-                  <a:pt x="3818976" y="2548071"/>
-                  <a:pt x="2725365" y="854737"/>
-                  <a:pt x="2817087" y="545704"/>
-                </a:cubicBezTo>
-                <a:cubicBezTo>
-                  <a:pt x="2908809" y="236671"/>
-                  <a:pt x="3536753" y="836393"/>
-                  <a:pt x="3900820" y="875904"/>
-                </a:cubicBezTo>
-                <a:cubicBezTo>
-                  <a:pt x="4264887" y="915415"/>
-                  <a:pt x="4582387" y="590860"/>
-                  <a:pt x="5001487" y="782771"/>
-                </a:cubicBezTo>
-                <a:cubicBezTo>
-                  <a:pt x="5420587" y="974682"/>
-                  <a:pt x="6226331" y="2151549"/>
-                  <a:pt x="6415420" y="2027371"/>
-                </a:cubicBezTo>
-                <a:cubicBezTo>
-                  <a:pt x="6604509" y="1903193"/>
-                  <a:pt x="6289831" y="-313663"/>
-                  <a:pt x="6136020" y="37704"/>
-                </a:cubicBezTo>
-                <a:cubicBezTo>
-                  <a:pt x="5982209" y="389071"/>
-                  <a:pt x="5595565" y="3452593"/>
-                  <a:pt x="5492554" y="4135571"/>
-                </a:cubicBezTo>
-              </a:path>
-            </a:pathLst>
-          </a:custGeom>
-        </p:spPr>
-        <p:txBody>
-          <a:bodyPr rtlCol="0" anchor="ctr"/>
-          <a:lstStyle/>
-          <a:p>
-            <a:pPr algn="ctr"/>
-            <a:endParaRPr lang="en-US"/>
-          </a:p>
-        </p:txBody>
-      </p:sp>
-      <p:grpSp>
-        <p:nvGrpSpPr>
-          <p:cNvPr id="2" name="Group 1"/>
-          <p:cNvGrpSpPr/>
-          <p:nvPr/>
-        </p:nvGrpSpPr>
-        <p:grpSpPr>
-          <a:xfrm>
-            <a:off x="1511142" y="2514600"/>
-            <a:ext cx="6642258" cy="3433465"/>
-            <a:chOff x="1600200" y="1219200"/>
-            <a:chExt cx="6642258" cy="3433465"/>
-          </a:xfrm>
-        </p:grpSpPr>
-        <p:sp>
-          <p:nvSpPr>
-            <p:cNvPr id="47" name="Oval 35"/>
-            <p:cNvSpPr>
-              <a:spLocks noChangeArrowheads="1"/>
-            </p:cNvSpPr>
-            <p:nvPr/>
-          </p:nvSpPr>
-          <p:spPr bwMode="auto">
-            <a:xfrm>
-              <a:off x="4419600" y="1447800"/>
-              <a:ext cx="457200" cy="457200"/>
-            </a:xfrm>
-            <a:prstGeom prst="ellipse">
-              <a:avLst/>
-            </a:prstGeom>
-            <a:solidFill>
-              <a:srgbClr val="80C0FF"/>
-            </a:solidFill>
-            <a:ln w="9525">
-              <a:solidFill>
-                <a:schemeClr val="tx1"/>
-              </a:solidFill>
-              <a:round/>
-              <a:headEnd/>
-              <a:tailEnd/>
-            </a:ln>
-          </p:spPr>
-          <p:txBody>
-            <a:bodyPr wrap="none" anchor="ctr">
-              <a:prstTxWarp prst="textNoShape">
-                <a:avLst/>
-              </a:prstTxWarp>
-            </a:bodyPr>
-            <a:lstStyle/>
-            <a:p>
-              <a:pPr algn="ctr"/>
-              <a:r>
-                <a:rPr lang="en-US" dirty="0" smtClean="0"/>
-                <a:t>---</a:t>
-              </a:r>
-              <a:endParaRPr lang="en-US" dirty="0"/>
-            </a:p>
-          </p:txBody>
-        </p:sp>
-        <p:sp>
-          <p:nvSpPr>
-            <p:cNvPr id="59" name="Oval 35"/>
-            <p:cNvSpPr>
-              <a:spLocks noChangeArrowheads="1"/>
-            </p:cNvSpPr>
-            <p:nvPr/>
-          </p:nvSpPr>
-          <p:spPr bwMode="auto">
-            <a:xfrm>
-              <a:off x="5562600" y="2209800"/>
-              <a:ext cx="457200" cy="457200"/>
-            </a:xfrm>
-            <a:prstGeom prst="ellipse">
-              <a:avLst/>
-            </a:prstGeom>
-            <a:solidFill>
-              <a:srgbClr val="80C0FF"/>
-            </a:solidFill>
-            <a:ln w="9525">
-              <a:solidFill>
-                <a:schemeClr val="tx1"/>
-              </a:solidFill>
-              <a:round/>
-              <a:headEnd/>
-              <a:tailEnd/>
-            </a:ln>
-          </p:spPr>
-          <p:txBody>
-            <a:bodyPr wrap="none" anchor="ctr">
-              <a:prstTxWarp prst="textNoShape">
-                <a:avLst/>
-              </a:prstTxWarp>
-            </a:bodyPr>
-            <a:lstStyle/>
-            <a:p>
-              <a:pPr algn="ctr"/>
-              <a:r>
-                <a:rPr lang="en-US" sz="1800" dirty="0" smtClean="0"/>
-                <a:t>--</a:t>
-              </a:r>
-              <a:r>
-                <a:rPr lang="en-US" sz="1800" dirty="0" smtClean="0">
-                  <a:solidFill>
-                    <a:srgbClr val="FF0000"/>
-                  </a:solidFill>
-                </a:rPr>
-                <a:t>T</a:t>
-              </a:r>
-              <a:endParaRPr lang="en-US" sz="1800" dirty="0">
-                <a:solidFill>
-                  <a:srgbClr val="FF0000"/>
-                </a:solidFill>
-              </a:endParaRPr>
-            </a:p>
-          </p:txBody>
-        </p:sp>
-        <p:sp>
-          <p:nvSpPr>
-            <p:cNvPr id="23" name="Freeform 22"/>
-            <p:cNvSpPr/>
-            <p:nvPr/>
-          </p:nvSpPr>
-          <p:spPr>
-            <a:xfrm>
-              <a:off x="4482220" y="1506952"/>
-              <a:ext cx="233864" cy="455343"/>
-            </a:xfrm>
-            <a:custGeom>
-              <a:avLst/>
-              <a:gdLst>
-                <a:gd name="connsiteX0" fmla="*/ 13580 w 233864"/>
-                <a:gd name="connsiteY0" fmla="*/ 381115 h 455343"/>
-                <a:gd name="connsiteX1" fmla="*/ 233713 w 233864"/>
-                <a:gd name="connsiteY1" fmla="*/ 115 h 455343"/>
-                <a:gd name="connsiteX2" fmla="*/ 47447 w 233864"/>
-                <a:gd name="connsiteY2" fmla="*/ 423448 h 455343"/>
-                <a:gd name="connsiteX3" fmla="*/ 13580 w 233864"/>
-                <a:gd name="connsiteY3" fmla="*/ 381115 h 455343"/>
-              </a:gdLst>
-              <a:ahLst/>
-              <a:cxnLst>
-                <a:cxn ang="0">
-                  <a:pos x="connsiteX0" y="connsiteY0"/>
-                </a:cxn>
-                <a:cxn ang="0">
-                  <a:pos x="connsiteX1" y="connsiteY1"/>
-                </a:cxn>
-                <a:cxn ang="0">
-                  <a:pos x="connsiteX2" y="connsiteY2"/>
-                </a:cxn>
-                <a:cxn ang="0">
-                  <a:pos x="connsiteX3" y="connsiteY3"/>
-                </a:cxn>
-              </a:cxnLst>
-              <a:rect l="l" t="t" r="r" b="b"/>
-              <a:pathLst>
-                <a:path w="233864" h="455343">
-                  <a:moveTo>
-                    <a:pt x="13580" y="381115"/>
-                  </a:moveTo>
-                  <a:cubicBezTo>
-                    <a:pt x="44624" y="310559"/>
-                    <a:pt x="228069" y="-6940"/>
-                    <a:pt x="233713" y="115"/>
-                  </a:cubicBezTo>
-                  <a:cubicBezTo>
-                    <a:pt x="239357" y="7170"/>
-                    <a:pt x="85547" y="362770"/>
-                    <a:pt x="47447" y="423448"/>
-                  </a:cubicBezTo>
-                  <a:cubicBezTo>
-                    <a:pt x="9347" y="484126"/>
-                    <a:pt x="-17464" y="451671"/>
-                    <a:pt x="13580" y="381115"/>
-                  </a:cubicBezTo>
-                  <a:close/>
-                </a:path>
-              </a:pathLst>
-            </a:custGeom>
-          </p:spPr>
-          <p:txBody>
-            <a:bodyPr vert="horz" wrap="square" lIns="91440" tIns="45720" rIns="91440" bIns="45720" numCol="1" rtlCol="0" anchor="t" anchorCtr="0" compatLnSpc="1">
-              <a:prstTxWarp prst="textNoShape">
-                <a:avLst/>
-              </a:prstTxWarp>
-            </a:bodyPr>
-            <a:lstStyle/>
-            <a:p>
-              <a:pPr marL="0" marR="0" indent="0" algn="l" defTabSz="914400" rtl="0" eaLnBrk="0" fontAlgn="base" latinLnBrk="0" hangingPunct="0">
-                <a:lnSpc>
-                  <a:spcPct val="100000"/>
-                </a:lnSpc>
-                <a:spcBef>
-                  <a:spcPct val="0"/>
-                </a:spcBef>
-                <a:spcAft>
-                  <a:spcPct val="0"/>
-                </a:spcAft>
-                <a:buClrTx/>
-                <a:buSzTx/>
-                <a:buFontTx/>
-                <a:buNone/>
-                <a:tabLst/>
-              </a:pPr>
-              <a:endParaRPr kumimoji="0" lang="en-US" sz="2400" b="0" i="0" u="none" strike="noStrike" cap="none" normalizeH="0" baseline="0" smtClean="0">
-                <a:ln>
-                  <a:noFill/>
-                </a:ln>
-                <a:solidFill>
-                  <a:schemeClr val="tx1"/>
-                </a:solidFill>
-                <a:effectLst/>
-                <a:latin typeface="Comic Sans MS" pitchFamily="-64" charset="0"/>
-                <a:ea typeface="ＭＳ Ｐゴシック" pitchFamily="-64" charset="-128"/>
-              </a:endParaRPr>
-            </a:p>
-          </p:txBody>
-        </p:sp>
-        <p:sp>
-          <p:nvSpPr>
-            <p:cNvPr id="25" name="Freeform 24"/>
-            <p:cNvSpPr/>
-            <p:nvPr/>
-          </p:nvSpPr>
-          <p:spPr>
-            <a:xfrm>
-              <a:off x="4885267" y="1219200"/>
-              <a:ext cx="423333" cy="253636"/>
-            </a:xfrm>
-            <a:custGeom>
-              <a:avLst/>
-              <a:gdLst>
-                <a:gd name="connsiteX0" fmla="*/ 0 w 423333"/>
-                <a:gd name="connsiteY0" fmla="*/ 220133 h 253636"/>
-                <a:gd name="connsiteX1" fmla="*/ 423333 w 423333"/>
-                <a:gd name="connsiteY1" fmla="*/ 0 h 253636"/>
-              </a:gdLst>
-              <a:ahLst/>
-              <a:cxnLst>
-                <a:cxn ang="0">
-                  <a:pos x="connsiteX0" y="connsiteY0"/>
-                </a:cxn>
-                <a:cxn ang="0">
-                  <a:pos x="connsiteX1" y="connsiteY1"/>
-                </a:cxn>
-              </a:cxnLst>
-              <a:rect l="l" t="t" r="r" b="b"/>
-              <a:pathLst>
-                <a:path w="423333" h="253636">
-                  <a:moveTo>
-                    <a:pt x="0" y="220133"/>
-                  </a:moveTo>
-                  <a:cubicBezTo>
-                    <a:pt x="55033" y="266700"/>
-                    <a:pt x="110066" y="313267"/>
-                    <a:pt x="423333" y="0"/>
-                  </a:cubicBezTo>
-                </a:path>
-              </a:pathLst>
-            </a:custGeom>
-          </p:spPr>
-          <p:txBody>
-            <a:bodyPr rtlCol="0" anchor="ctr"/>
-            <a:lstStyle/>
-            <a:p>
-              <a:pPr algn="ctr"/>
-              <a:endParaRPr lang="en-US"/>
-            </a:p>
-          </p:txBody>
-        </p:sp>
-        <p:cxnSp>
-          <p:nvCxnSpPr>
-            <p:cNvPr id="33" name="Straight Arrow Connector 32"/>
-            <p:cNvCxnSpPr>
-              <a:endCxn id="35" idx="7"/>
-            </p:cNvCxnSpPr>
-            <p:nvPr/>
-          </p:nvCxnSpPr>
-          <p:spPr bwMode="auto">
-            <a:xfrm flipH="1">
-              <a:off x="3666845" y="1838045"/>
-              <a:ext cx="819710" cy="438710"/>
-            </a:xfrm>
-            <a:prstGeom prst="straightConnector1">
-              <a:avLst/>
-            </a:prstGeom>
-            <a:solidFill>
-              <a:schemeClr val="accent1"/>
-            </a:solidFill>
-            <a:ln w="31750" cap="flat" cmpd="sng" algn="ctr">
-              <a:solidFill>
-                <a:schemeClr val="tx1"/>
-              </a:solidFill>
-              <a:prstDash val="solid"/>
-              <a:round/>
-              <a:headEnd type="none" w="med" len="med"/>
-              <a:tailEnd type="stealth" w="lg" len="lg"/>
-            </a:ln>
-            <a:effectLst/>
-          </p:spPr>
-        </p:cxnSp>
-        <p:cxnSp>
-          <p:nvCxnSpPr>
-            <p:cNvPr id="34" name="Straight Arrow Connector 33"/>
-            <p:cNvCxnSpPr>
-              <a:endCxn id="37" idx="1"/>
-            </p:cNvCxnSpPr>
-            <p:nvPr/>
-          </p:nvCxnSpPr>
-          <p:spPr bwMode="auto">
-            <a:xfrm>
-              <a:off x="4809845" y="1838045"/>
-              <a:ext cx="819710" cy="438710"/>
-            </a:xfrm>
-            <a:prstGeom prst="straightConnector1">
-              <a:avLst/>
-            </a:prstGeom>
-            <a:solidFill>
-              <a:schemeClr val="accent1"/>
-            </a:solidFill>
-            <a:ln w="31750" cap="flat" cmpd="sng" algn="ctr">
-              <a:solidFill>
-                <a:schemeClr val="tx1"/>
-              </a:solidFill>
-              <a:prstDash val="solid"/>
-              <a:round/>
-              <a:headEnd type="none" w="med" len="med"/>
-              <a:tailEnd type="stealth" w="lg" len="lg"/>
-            </a:ln>
-            <a:effectLst/>
-          </p:spPr>
-        </p:cxnSp>
-        <p:sp>
-          <p:nvSpPr>
-            <p:cNvPr id="35" name="Oval 35"/>
-            <p:cNvSpPr>
-              <a:spLocks noChangeArrowheads="1"/>
-            </p:cNvSpPr>
-            <p:nvPr/>
-          </p:nvSpPr>
-          <p:spPr bwMode="auto">
-            <a:xfrm>
-              <a:off x="3276600" y="2209800"/>
-              <a:ext cx="457200" cy="457200"/>
-            </a:xfrm>
-            <a:prstGeom prst="ellipse">
-              <a:avLst/>
-            </a:prstGeom>
-            <a:solidFill>
-              <a:srgbClr val="80C0FF"/>
-            </a:solidFill>
-            <a:ln w="9525">
-              <a:solidFill>
-                <a:schemeClr val="tx1"/>
-              </a:solidFill>
-              <a:round/>
-              <a:headEnd/>
-              <a:tailEnd/>
-            </a:ln>
-          </p:spPr>
-          <p:txBody>
-            <a:bodyPr wrap="none" anchor="ctr">
-              <a:prstTxWarp prst="textNoShape">
-                <a:avLst/>
-              </a:prstTxWarp>
-            </a:bodyPr>
-            <a:lstStyle/>
-            <a:p>
-              <a:pPr algn="ctr"/>
-              <a:r>
-                <a:rPr lang="en-US" sz="1800" dirty="0" smtClean="0"/>
-                <a:t>--</a:t>
-              </a:r>
-              <a:r>
-                <a:rPr lang="en-US" sz="1800" dirty="0" smtClean="0">
-                  <a:solidFill>
-                    <a:srgbClr val="008000"/>
-                  </a:solidFill>
-                </a:rPr>
-                <a:t>H</a:t>
-              </a:r>
-              <a:endParaRPr lang="en-US" sz="1800" dirty="0">
-                <a:solidFill>
-                  <a:srgbClr val="008000"/>
-                </a:solidFill>
-              </a:endParaRPr>
-            </a:p>
-          </p:txBody>
-        </p:sp>
-        <p:sp>
-          <p:nvSpPr>
-            <p:cNvPr id="36" name="TextBox 35"/>
-            <p:cNvSpPr txBox="1"/>
-            <p:nvPr/>
-          </p:nvSpPr>
-          <p:spPr>
-            <a:xfrm>
-              <a:off x="3429000" y="1524000"/>
-              <a:ext cx="421059" cy="461665"/>
-            </a:xfrm>
-            <a:prstGeom prst="rect">
-              <a:avLst/>
-            </a:prstGeom>
-            <a:noFill/>
-          </p:spPr>
-          <p:txBody>
-            <a:bodyPr wrap="none" rtlCol="0">
-              <a:spAutoFit/>
-            </a:bodyPr>
-            <a:lstStyle/>
-            <a:p>
-              <a:r>
-                <a:rPr lang="en-US" dirty="0" smtClean="0">
-                  <a:solidFill>
-                    <a:srgbClr val="008000"/>
-                  </a:solidFill>
-                </a:rPr>
-                <a:t>H</a:t>
-              </a:r>
-              <a:endParaRPr lang="en-US" dirty="0">
-                <a:solidFill>
-                  <a:srgbClr val="008000"/>
-                </a:solidFill>
-              </a:endParaRPr>
-            </a:p>
-          </p:txBody>
-        </p:sp>
-        <p:sp>
-          <p:nvSpPr>
-            <p:cNvPr id="37" name="Oval 35"/>
-            <p:cNvSpPr>
-              <a:spLocks noChangeArrowheads="1"/>
-            </p:cNvSpPr>
-            <p:nvPr/>
-          </p:nvSpPr>
-          <p:spPr bwMode="auto">
-            <a:xfrm>
-              <a:off x="5562600" y="2209800"/>
-              <a:ext cx="457200" cy="457200"/>
-            </a:xfrm>
-            <a:prstGeom prst="ellipse">
-              <a:avLst/>
-            </a:prstGeom>
-            <a:solidFill>
-              <a:srgbClr val="80C0FF"/>
-            </a:solidFill>
-            <a:ln w="9525">
-              <a:solidFill>
-                <a:schemeClr val="tx1"/>
-              </a:solidFill>
-              <a:round/>
-              <a:headEnd/>
-              <a:tailEnd/>
-            </a:ln>
-          </p:spPr>
-          <p:txBody>
-            <a:bodyPr wrap="none" anchor="ctr">
-              <a:prstTxWarp prst="textNoShape">
-                <a:avLst/>
-              </a:prstTxWarp>
-            </a:bodyPr>
-            <a:lstStyle/>
-            <a:p>
-              <a:pPr algn="ctr"/>
-              <a:r>
-                <a:rPr lang="en-US" sz="1800" dirty="0" smtClean="0"/>
-                <a:t>--</a:t>
-              </a:r>
-              <a:r>
-                <a:rPr lang="en-US" sz="1800" dirty="0" smtClean="0">
-                  <a:solidFill>
-                    <a:srgbClr val="FF0000"/>
-                  </a:solidFill>
-                </a:rPr>
-                <a:t>T</a:t>
-              </a:r>
-              <a:endParaRPr lang="en-US" sz="1800" dirty="0">
-                <a:solidFill>
-                  <a:srgbClr val="FF0000"/>
-                </a:solidFill>
-              </a:endParaRPr>
-            </a:p>
-          </p:txBody>
-        </p:sp>
-        <p:sp>
-          <p:nvSpPr>
-            <p:cNvPr id="38" name="TextBox 37"/>
-            <p:cNvSpPr txBox="1"/>
-            <p:nvPr/>
-          </p:nvSpPr>
-          <p:spPr>
-            <a:xfrm>
-              <a:off x="5410200" y="1524000"/>
-              <a:ext cx="393858" cy="461665"/>
-            </a:xfrm>
-            <a:prstGeom prst="rect">
-              <a:avLst/>
-            </a:prstGeom>
-            <a:noFill/>
-          </p:spPr>
-          <p:txBody>
-            <a:bodyPr wrap="none" rtlCol="0">
-              <a:spAutoFit/>
-            </a:bodyPr>
-            <a:lstStyle/>
-            <a:p>
-              <a:r>
-                <a:rPr lang="en-US" dirty="0" smtClean="0">
-                  <a:solidFill>
-                    <a:srgbClr val="FF0000"/>
-                  </a:solidFill>
-                </a:rPr>
-                <a:t>T</a:t>
-              </a:r>
-              <a:endParaRPr lang="en-US" dirty="0">
-                <a:solidFill>
-                  <a:srgbClr val="FF0000"/>
-                </a:solidFill>
-              </a:endParaRPr>
-            </a:p>
-          </p:txBody>
-        </p:sp>
-        <p:sp>
-          <p:nvSpPr>
-            <p:cNvPr id="40" name="TextBox 39"/>
-            <p:cNvSpPr txBox="1"/>
-            <p:nvPr/>
-          </p:nvSpPr>
-          <p:spPr>
-            <a:xfrm>
-              <a:off x="3815434" y="1472624"/>
-              <a:ext cx="451766" cy="584776"/>
-            </a:xfrm>
-            <a:prstGeom prst="rect">
-              <a:avLst/>
-            </a:prstGeom>
-            <a:noFill/>
-          </p:spPr>
-          <p:txBody>
-            <a:bodyPr wrap="none" rtlCol="0">
-              <a:spAutoFit/>
-            </a:bodyPr>
-            <a:lstStyle/>
-            <a:p>
-              <a:r>
-                <a:rPr lang="en-US" sz="3200" dirty="0" smtClean="0">
-                  <a:solidFill>
-                    <a:srgbClr val="0000FF"/>
-                  </a:solidFill>
-                </a:rPr>
-                <a:t>½</a:t>
-              </a:r>
-              <a:endParaRPr lang="en-US" sz="3200" dirty="0">
-                <a:solidFill>
-                  <a:srgbClr val="0000FF"/>
-                </a:solidFill>
-              </a:endParaRPr>
-            </a:p>
-          </p:txBody>
-        </p:sp>
-        <p:sp>
-          <p:nvSpPr>
-            <p:cNvPr id="41" name="TextBox 40"/>
-            <p:cNvSpPr txBox="1"/>
-            <p:nvPr/>
-          </p:nvSpPr>
-          <p:spPr>
-            <a:xfrm>
-              <a:off x="5029200" y="1447800"/>
-              <a:ext cx="451766" cy="584776"/>
-            </a:xfrm>
-            <a:prstGeom prst="rect">
-              <a:avLst/>
-            </a:prstGeom>
-            <a:noFill/>
-          </p:spPr>
-          <p:txBody>
-            <a:bodyPr wrap="none" rtlCol="0">
-              <a:spAutoFit/>
-            </a:bodyPr>
-            <a:lstStyle/>
-            <a:p>
-              <a:r>
-                <a:rPr lang="en-US" sz="3200" dirty="0" smtClean="0">
-                  <a:solidFill>
-                    <a:srgbClr val="0000FF"/>
-                  </a:solidFill>
-                </a:rPr>
-                <a:t>½</a:t>
-              </a:r>
-              <a:endParaRPr lang="en-US" sz="3200" dirty="0">
-                <a:solidFill>
-                  <a:srgbClr val="0000FF"/>
-                </a:solidFill>
-              </a:endParaRPr>
-            </a:p>
-          </p:txBody>
-        </p:sp>
-        <p:cxnSp>
-          <p:nvCxnSpPr>
-            <p:cNvPr id="44" name="Straight Arrow Connector 43"/>
-            <p:cNvCxnSpPr>
-              <a:stCxn id="35" idx="5"/>
-              <a:endCxn id="49" idx="1"/>
-            </p:cNvCxnSpPr>
-            <p:nvPr/>
-          </p:nvCxnSpPr>
-          <p:spPr bwMode="auto">
-            <a:xfrm>
-              <a:off x="3666845" y="2600045"/>
-              <a:ext cx="886665" cy="514910"/>
-            </a:xfrm>
-            <a:prstGeom prst="straightConnector1">
-              <a:avLst/>
-            </a:prstGeom>
-            <a:solidFill>
-              <a:schemeClr val="accent1"/>
-            </a:solidFill>
-            <a:ln w="31750" cap="flat" cmpd="sng" algn="ctr">
-              <a:solidFill>
-                <a:schemeClr val="tx1"/>
-              </a:solidFill>
-              <a:prstDash val="solid"/>
-              <a:round/>
-              <a:headEnd type="none" w="med" len="med"/>
-              <a:tailEnd type="stealth" w="lg" len="lg"/>
-            </a:ln>
-            <a:effectLst/>
-          </p:spPr>
-        </p:cxnSp>
-        <p:sp>
-          <p:nvSpPr>
-            <p:cNvPr id="49" name="Oval 35"/>
-            <p:cNvSpPr>
-              <a:spLocks noChangeArrowheads="1"/>
-            </p:cNvSpPr>
-            <p:nvPr/>
-          </p:nvSpPr>
-          <p:spPr bwMode="auto">
-            <a:xfrm>
-              <a:off x="4486555" y="3048000"/>
-              <a:ext cx="457200" cy="457200"/>
-            </a:xfrm>
-            <a:prstGeom prst="ellipse">
-              <a:avLst/>
-            </a:prstGeom>
-            <a:solidFill>
-              <a:srgbClr val="80C0FF"/>
-            </a:solidFill>
-            <a:ln w="9525">
-              <a:solidFill>
-                <a:schemeClr val="tx1"/>
-              </a:solidFill>
-              <a:round/>
-              <a:headEnd/>
-              <a:tailEnd/>
-            </a:ln>
-          </p:spPr>
-          <p:txBody>
-            <a:bodyPr wrap="none" anchor="ctr">
-              <a:prstTxWarp prst="textNoShape">
-                <a:avLst/>
-              </a:prstTxWarp>
-            </a:bodyPr>
-            <a:lstStyle/>
-            <a:p>
-              <a:pPr algn="ctr"/>
-              <a:r>
-                <a:rPr lang="en-US" sz="1800" dirty="0" smtClean="0"/>
-                <a:t>-</a:t>
-              </a:r>
-              <a:r>
-                <a:rPr lang="en-US" sz="1800" dirty="0" smtClean="0">
-                  <a:solidFill>
-                    <a:srgbClr val="008000"/>
-                  </a:solidFill>
-                </a:rPr>
-                <a:t>H</a:t>
-              </a:r>
-              <a:r>
-                <a:rPr lang="en-US" sz="1800" dirty="0" smtClean="0">
-                  <a:solidFill>
-                    <a:srgbClr val="FF0000"/>
-                  </a:solidFill>
-                </a:rPr>
-                <a:t>T</a:t>
-              </a:r>
-              <a:endParaRPr lang="en-US" sz="1800" dirty="0">
-                <a:solidFill>
-                  <a:srgbClr val="FF0000"/>
-                </a:solidFill>
-              </a:endParaRPr>
-            </a:p>
-          </p:txBody>
-        </p:sp>
-        <p:sp>
-          <p:nvSpPr>
-            <p:cNvPr id="50" name="TextBox 49"/>
-            <p:cNvSpPr txBox="1"/>
-            <p:nvPr/>
-          </p:nvSpPr>
-          <p:spPr>
-            <a:xfrm>
-              <a:off x="4025742" y="2510135"/>
-              <a:ext cx="393858" cy="461665"/>
-            </a:xfrm>
-            <a:prstGeom prst="rect">
-              <a:avLst/>
-            </a:prstGeom>
-            <a:noFill/>
-          </p:spPr>
-          <p:txBody>
-            <a:bodyPr wrap="none" rtlCol="0">
-              <a:spAutoFit/>
-            </a:bodyPr>
-            <a:lstStyle/>
-            <a:p>
-              <a:r>
-                <a:rPr lang="en-US" dirty="0" smtClean="0">
-                  <a:solidFill>
-                    <a:srgbClr val="FF0000"/>
-                  </a:solidFill>
-                </a:rPr>
-                <a:t>T</a:t>
-              </a:r>
-              <a:endParaRPr lang="en-US" dirty="0">
-                <a:solidFill>
-                  <a:srgbClr val="FF0000"/>
-                </a:solidFill>
-              </a:endParaRPr>
-            </a:p>
-          </p:txBody>
-        </p:sp>
-        <p:sp>
-          <p:nvSpPr>
-            <p:cNvPr id="58" name="TextBox 57"/>
-            <p:cNvSpPr txBox="1"/>
-            <p:nvPr/>
-          </p:nvSpPr>
-          <p:spPr>
-            <a:xfrm>
-              <a:off x="2212695" y="2256711"/>
-              <a:ext cx="421059" cy="461665"/>
-            </a:xfrm>
-            <a:prstGeom prst="rect">
-              <a:avLst/>
-            </a:prstGeom>
-            <a:noFill/>
-          </p:spPr>
-          <p:txBody>
-            <a:bodyPr wrap="none" rtlCol="0">
-              <a:spAutoFit/>
-            </a:bodyPr>
-            <a:lstStyle/>
-            <a:p>
-              <a:r>
-                <a:rPr lang="en-US" dirty="0" smtClean="0">
-                  <a:solidFill>
-                    <a:srgbClr val="008000"/>
-                  </a:solidFill>
-                </a:rPr>
-                <a:t>H</a:t>
-              </a:r>
-              <a:endParaRPr lang="en-US" dirty="0">
-                <a:solidFill>
-                  <a:srgbClr val="008000"/>
-                </a:solidFill>
-              </a:endParaRPr>
-            </a:p>
-          </p:txBody>
-        </p:sp>
-        <p:cxnSp>
-          <p:nvCxnSpPr>
-            <p:cNvPr id="61" name="Curved Connector 60"/>
-            <p:cNvCxnSpPr/>
-            <p:nvPr/>
-          </p:nvCxnSpPr>
-          <p:spPr bwMode="auto">
-            <a:xfrm rot="5400000" flipH="1">
-              <a:off x="3184805" y="2413576"/>
-              <a:ext cx="323290" cy="12700"/>
-            </a:xfrm>
-            <a:prstGeom prst="curvedConnector5">
-              <a:avLst>
-                <a:gd name="adj1" fmla="val -70711"/>
-                <a:gd name="adj2" fmla="val 5472795"/>
-                <a:gd name="adj3" fmla="val 170711"/>
-              </a:avLst>
-            </a:prstGeom>
-            <a:solidFill>
-              <a:schemeClr val="accent1"/>
-            </a:solidFill>
-            <a:ln w="31750" cap="flat" cmpd="sng" algn="ctr">
-              <a:solidFill>
-                <a:schemeClr val="tx1"/>
-              </a:solidFill>
-              <a:prstDash val="solid"/>
-              <a:round/>
-              <a:headEnd type="none" w="med" len="med"/>
-              <a:tailEnd type="stealth" w="lg" len="lg"/>
-            </a:ln>
-            <a:effectLst/>
-          </p:spPr>
-        </p:cxnSp>
-        <p:sp>
-          <p:nvSpPr>
-            <p:cNvPr id="101" name="TextBox 100"/>
-            <p:cNvSpPr txBox="1"/>
-            <p:nvPr/>
-          </p:nvSpPr>
-          <p:spPr>
-            <a:xfrm>
-              <a:off x="5867400" y="3352800"/>
-              <a:ext cx="421059" cy="461665"/>
-            </a:xfrm>
-            <a:prstGeom prst="rect">
-              <a:avLst/>
-            </a:prstGeom>
-            <a:noFill/>
-          </p:spPr>
-          <p:txBody>
-            <a:bodyPr wrap="none" rtlCol="0">
-              <a:spAutoFit/>
-            </a:bodyPr>
-            <a:lstStyle/>
-            <a:p>
-              <a:r>
-                <a:rPr lang="en-US" dirty="0" smtClean="0">
-                  <a:solidFill>
-                    <a:srgbClr val="008000"/>
-                  </a:solidFill>
-                </a:rPr>
-                <a:t>H</a:t>
-              </a:r>
-              <a:endParaRPr lang="en-US" dirty="0">
-                <a:solidFill>
-                  <a:srgbClr val="008000"/>
-                </a:solidFill>
-              </a:endParaRPr>
-            </a:p>
-          </p:txBody>
-        </p:sp>
-        <p:grpSp>
-          <p:nvGrpSpPr>
-            <p:cNvPr id="5" name="Group 4"/>
-            <p:cNvGrpSpPr/>
-            <p:nvPr/>
-          </p:nvGrpSpPr>
-          <p:grpSpPr>
-            <a:xfrm>
-              <a:off x="1600200" y="2814935"/>
-              <a:ext cx="6642258" cy="1837730"/>
-              <a:chOff x="1600200" y="2814935"/>
-              <a:chExt cx="6642258" cy="1837730"/>
-            </a:xfrm>
-          </p:grpSpPr>
-          <p:grpSp>
-            <p:nvGrpSpPr>
-              <p:cNvPr id="4" name="Group 3"/>
-              <p:cNvGrpSpPr/>
-              <p:nvPr/>
-            </p:nvGrpSpPr>
-            <p:grpSpPr>
-              <a:xfrm>
-                <a:off x="2743200" y="2814935"/>
-                <a:ext cx="5499258" cy="1837730"/>
-                <a:chOff x="2743200" y="2814935"/>
-                <a:chExt cx="5499258" cy="1837730"/>
-              </a:xfrm>
-            </p:grpSpPr>
-            <p:cxnSp>
-              <p:nvCxnSpPr>
-                <p:cNvPr id="118" name="Straight Arrow Connector 117"/>
-                <p:cNvCxnSpPr>
-                  <a:stCxn id="89" idx="3"/>
-                  <a:endCxn id="120" idx="0"/>
-                </p:cNvCxnSpPr>
-                <p:nvPr/>
-              </p:nvCxnSpPr>
-              <p:spPr bwMode="auto">
-                <a:xfrm flipH="1">
-                  <a:off x="5829300" y="3362045"/>
-                  <a:ext cx="943255" cy="773113"/>
-                </a:xfrm>
-                <a:prstGeom prst="straightConnector1">
-                  <a:avLst/>
-                </a:prstGeom>
-                <a:solidFill>
-                  <a:schemeClr val="accent1"/>
-                </a:solidFill>
-                <a:ln w="31750" cap="flat" cmpd="sng" algn="ctr">
-                  <a:solidFill>
-                    <a:schemeClr val="tx1"/>
-                  </a:solidFill>
-                  <a:prstDash val="solid"/>
-                  <a:round/>
-                  <a:headEnd type="none" w="med" len="med"/>
-                  <a:tailEnd type="stealth" w="lg" len="lg"/>
-                </a:ln>
-                <a:effectLst/>
-              </p:spPr>
-            </p:cxnSp>
-            <p:cxnSp>
-              <p:nvCxnSpPr>
-                <p:cNvPr id="43" name="Straight Arrow Connector 42"/>
-                <p:cNvCxnSpPr>
-                  <a:stCxn id="49" idx="2"/>
-                  <a:endCxn id="46" idx="0"/>
-                </p:cNvCxnSpPr>
-                <p:nvPr/>
-              </p:nvCxnSpPr>
-              <p:spPr bwMode="auto">
-                <a:xfrm flipH="1">
-                  <a:off x="3009511" y="3276600"/>
-                  <a:ext cx="1477044" cy="813376"/>
-                </a:xfrm>
-                <a:prstGeom prst="straightConnector1">
-                  <a:avLst/>
-                </a:prstGeom>
-                <a:solidFill>
-                  <a:schemeClr val="accent1"/>
-                </a:solidFill>
-                <a:ln w="31750" cap="flat" cmpd="sng" algn="ctr">
-                  <a:solidFill>
-                    <a:schemeClr val="tx1"/>
-                  </a:solidFill>
-                  <a:prstDash val="solid"/>
-                  <a:round/>
-                  <a:headEnd type="none" w="med" len="med"/>
-                  <a:tailEnd type="stealth" w="lg" len="lg"/>
-                </a:ln>
-                <a:effectLst/>
-              </p:spPr>
-            </p:cxnSp>
-            <p:cxnSp>
-              <p:nvCxnSpPr>
-                <p:cNvPr id="19" name="Curved Connector 18"/>
-                <p:cNvCxnSpPr>
-                  <a:stCxn id="89" idx="5"/>
-                  <a:endCxn id="89" idx="7"/>
-                </p:cNvCxnSpPr>
-                <p:nvPr/>
-              </p:nvCxnSpPr>
-              <p:spPr bwMode="auto">
-                <a:xfrm rot="5400000" flipH="1">
-                  <a:off x="6934200" y="3200400"/>
-                  <a:ext cx="323290" cy="12700"/>
-                </a:xfrm>
-                <a:prstGeom prst="curvedConnector5">
-                  <a:avLst>
-                    <a:gd name="adj1" fmla="val -70711"/>
-                    <a:gd name="adj2" fmla="val -5672795"/>
-                    <a:gd name="adj3" fmla="val 170711"/>
-                  </a:avLst>
-                </a:prstGeom>
-                <a:solidFill>
-                  <a:schemeClr val="accent1"/>
-                </a:solidFill>
-                <a:ln w="31750" cap="flat" cmpd="sng" algn="ctr">
-                  <a:solidFill>
-                    <a:schemeClr val="tx1"/>
-                  </a:solidFill>
-                  <a:prstDash val="solid"/>
-                  <a:round/>
-                  <a:headEnd type="none" w="med" len="med"/>
-                  <a:tailEnd type="stealth" w="lg" len="lg"/>
-                </a:ln>
-                <a:effectLst/>
-              </p:spPr>
-            </p:cxnSp>
-            <p:sp>
-              <p:nvSpPr>
-                <p:cNvPr id="120" name="Oval 35"/>
-                <p:cNvSpPr>
-                  <a:spLocks noChangeArrowheads="1"/>
-                </p:cNvSpPr>
-                <p:nvPr/>
-              </p:nvSpPr>
-              <p:spPr bwMode="auto">
-                <a:xfrm>
-                  <a:off x="5562600" y="4135158"/>
-                  <a:ext cx="533400" cy="513041"/>
-                </a:xfrm>
-                <a:prstGeom prst="ellipse">
-                  <a:avLst/>
-                </a:prstGeom>
-                <a:solidFill>
-                  <a:srgbClr val="80C0FF"/>
-                </a:solidFill>
-                <a:ln w="9525">
-                  <a:solidFill>
-                    <a:schemeClr val="tx1"/>
-                  </a:solidFill>
-                  <a:round/>
-                  <a:headEnd/>
-                  <a:tailEnd/>
-                </a:ln>
-              </p:spPr>
-              <p:txBody>
-                <a:bodyPr wrap="none" anchor="ctr">
-                  <a:prstTxWarp prst="textNoShape">
-                    <a:avLst/>
-                  </a:prstTxWarp>
-                </a:bodyPr>
-                <a:lstStyle/>
-                <a:p>
-                  <a:pPr algn="ctr"/>
-                  <a:r>
-                    <a:rPr lang="en-US" sz="1600" dirty="0" smtClean="0">
-                      <a:solidFill>
-                        <a:srgbClr val="FF0000"/>
-                      </a:solidFill>
-                    </a:rPr>
-                    <a:t>TT</a:t>
-                  </a:r>
-                  <a:r>
-                    <a:rPr lang="en-US" sz="1600" dirty="0" smtClean="0">
-                      <a:solidFill>
-                        <a:srgbClr val="008000"/>
-                      </a:solidFill>
-                    </a:rPr>
-                    <a:t>H</a:t>
-                  </a:r>
-                  <a:endParaRPr lang="en-US" sz="1600" dirty="0">
-                    <a:solidFill>
-                      <a:srgbClr val="008000"/>
-                    </a:solidFill>
-                  </a:endParaRPr>
-                </a:p>
-              </p:txBody>
-            </p:sp>
-            <p:cxnSp>
-              <p:nvCxnSpPr>
-                <p:cNvPr id="84" name="Curved Connector 83"/>
-                <p:cNvCxnSpPr/>
-                <p:nvPr/>
-              </p:nvCxnSpPr>
-              <p:spPr bwMode="auto">
-                <a:xfrm rot="5400000" flipH="1">
-                  <a:off x="5434043" y="4404005"/>
-                  <a:ext cx="323290" cy="12700"/>
-                </a:xfrm>
-                <a:prstGeom prst="curvedConnector5">
-                  <a:avLst>
-                    <a:gd name="adj1" fmla="val -70711"/>
-                    <a:gd name="adj2" fmla="val 5472795"/>
-                    <a:gd name="adj3" fmla="val 170711"/>
-                  </a:avLst>
-                </a:prstGeom>
-                <a:solidFill>
-                  <a:schemeClr val="accent1"/>
-                </a:solidFill>
-                <a:ln w="31750" cap="flat" cmpd="sng" algn="ctr">
-                  <a:solidFill>
-                    <a:schemeClr val="tx1"/>
-                  </a:solidFill>
-                  <a:prstDash val="solid"/>
-                  <a:round/>
-                  <a:headEnd type="none" w="med" len="med"/>
-                  <a:tailEnd type="stealth" w="lg" len="lg"/>
-                </a:ln>
-                <a:effectLst/>
-              </p:spPr>
-            </p:cxnSp>
-            <p:cxnSp>
-              <p:nvCxnSpPr>
-                <p:cNvPr id="94" name="Curved Connector 93"/>
-                <p:cNvCxnSpPr/>
-                <p:nvPr/>
-              </p:nvCxnSpPr>
-              <p:spPr bwMode="auto">
-                <a:xfrm rot="5400000" flipH="1">
-                  <a:off x="5864505" y="4404005"/>
-                  <a:ext cx="323290" cy="12700"/>
-                </a:xfrm>
-                <a:prstGeom prst="curvedConnector5">
-                  <a:avLst>
-                    <a:gd name="adj1" fmla="val -70711"/>
-                    <a:gd name="adj2" fmla="val -5672795"/>
-                    <a:gd name="adj3" fmla="val 170711"/>
-                  </a:avLst>
-                </a:prstGeom>
-                <a:solidFill>
-                  <a:schemeClr val="accent1"/>
-                </a:solidFill>
-                <a:ln w="31750" cap="flat" cmpd="sng" algn="ctr">
-                  <a:solidFill>
-                    <a:schemeClr val="tx1"/>
-                  </a:solidFill>
-                  <a:prstDash val="solid"/>
-                  <a:round/>
-                  <a:headEnd type="none" w="med" len="med"/>
-                  <a:tailEnd type="stealth" w="lg" len="lg"/>
-                </a:ln>
-                <a:effectLst/>
-              </p:spPr>
-            </p:cxnSp>
-            <p:sp>
-              <p:nvSpPr>
-                <p:cNvPr id="95" name="TextBox 94"/>
-                <p:cNvSpPr txBox="1"/>
-                <p:nvPr/>
-              </p:nvSpPr>
-              <p:spPr>
-                <a:xfrm>
-                  <a:off x="6781800" y="4191000"/>
-                  <a:ext cx="393858" cy="461665"/>
-                </a:xfrm>
-                <a:prstGeom prst="rect">
-                  <a:avLst/>
-                </a:prstGeom>
-                <a:noFill/>
-              </p:spPr>
-              <p:txBody>
-                <a:bodyPr wrap="none" rtlCol="0">
-                  <a:spAutoFit/>
-                </a:bodyPr>
-                <a:lstStyle/>
-                <a:p>
-                  <a:r>
-                    <a:rPr lang="en-US" dirty="0" smtClean="0">
-                      <a:solidFill>
-                        <a:srgbClr val="FF0000"/>
-                      </a:solidFill>
-                    </a:rPr>
-                    <a:t>T</a:t>
-                  </a:r>
-                  <a:endParaRPr lang="en-US" dirty="0">
-                    <a:solidFill>
-                      <a:srgbClr val="FF0000"/>
-                    </a:solidFill>
-                  </a:endParaRPr>
-                </a:p>
-              </p:txBody>
-            </p:sp>
-            <p:sp>
-              <p:nvSpPr>
-                <p:cNvPr id="96" name="TextBox 95"/>
-                <p:cNvSpPr txBox="1"/>
-                <p:nvPr/>
-              </p:nvSpPr>
-              <p:spPr>
-                <a:xfrm>
-                  <a:off x="4531941" y="4191000"/>
-                  <a:ext cx="421059" cy="461665"/>
-                </a:xfrm>
-                <a:prstGeom prst="rect">
-                  <a:avLst/>
-                </a:prstGeom>
-                <a:noFill/>
-              </p:spPr>
-              <p:txBody>
-                <a:bodyPr wrap="none" rtlCol="0">
-                  <a:spAutoFit/>
-                </a:bodyPr>
-                <a:lstStyle/>
-                <a:p>
-                  <a:r>
-                    <a:rPr lang="en-US" dirty="0" smtClean="0">
-                      <a:solidFill>
-                        <a:srgbClr val="008000"/>
-                      </a:solidFill>
-                    </a:rPr>
-                    <a:t>H</a:t>
-                  </a:r>
-                  <a:endParaRPr lang="en-US" dirty="0">
-                    <a:solidFill>
-                      <a:srgbClr val="008000"/>
-                    </a:solidFill>
-                  </a:endParaRPr>
-                </a:p>
-              </p:txBody>
-            </p:sp>
-            <p:cxnSp>
-              <p:nvCxnSpPr>
-                <p:cNvPr id="97" name="Straight Arrow Connector 96"/>
-                <p:cNvCxnSpPr>
-                  <a:stCxn id="49" idx="6"/>
-                  <a:endCxn id="89" idx="2"/>
-                </p:cNvCxnSpPr>
-                <p:nvPr/>
-              </p:nvCxnSpPr>
-              <p:spPr bwMode="auto">
-                <a:xfrm flipV="1">
-                  <a:off x="4943755" y="3200400"/>
-                  <a:ext cx="1761845" cy="76200"/>
-                </a:xfrm>
-                <a:prstGeom prst="straightConnector1">
-                  <a:avLst/>
-                </a:prstGeom>
-                <a:solidFill>
-                  <a:schemeClr val="accent1"/>
-                </a:solidFill>
-                <a:ln w="31750" cap="flat" cmpd="sng" algn="ctr">
-                  <a:solidFill>
-                    <a:schemeClr val="tx1"/>
-                  </a:solidFill>
-                  <a:prstDash val="solid"/>
-                  <a:round/>
-                  <a:headEnd type="none" w="med" len="med"/>
-                  <a:tailEnd type="stealth" w="lg" len="lg"/>
-                </a:ln>
-                <a:effectLst/>
-              </p:spPr>
-            </p:cxnSp>
-            <p:sp>
-              <p:nvSpPr>
-                <p:cNvPr id="99" name="TextBox 98"/>
-                <p:cNvSpPr txBox="1"/>
-                <p:nvPr/>
-              </p:nvSpPr>
-              <p:spPr>
-                <a:xfrm>
-                  <a:off x="5549742" y="2814935"/>
-                  <a:ext cx="393858" cy="461665"/>
-                </a:xfrm>
-                <a:prstGeom prst="rect">
-                  <a:avLst/>
-                </a:prstGeom>
-                <a:noFill/>
-              </p:spPr>
-              <p:txBody>
-                <a:bodyPr wrap="none" rtlCol="0">
-                  <a:spAutoFit/>
-                </a:bodyPr>
-                <a:lstStyle/>
-                <a:p>
-                  <a:r>
-                    <a:rPr lang="en-US" dirty="0" smtClean="0">
-                      <a:solidFill>
-                        <a:srgbClr val="FF0000"/>
-                      </a:solidFill>
-                    </a:rPr>
-                    <a:t>T</a:t>
-                  </a:r>
-                  <a:endParaRPr lang="en-US" dirty="0">
-                    <a:solidFill>
-                      <a:srgbClr val="FF0000"/>
-                    </a:solidFill>
-                  </a:endParaRPr>
-                </a:p>
-              </p:txBody>
-            </p:sp>
-            <p:sp>
-              <p:nvSpPr>
-                <p:cNvPr id="100" name="TextBox 99"/>
-                <p:cNvSpPr txBox="1"/>
-                <p:nvPr/>
-              </p:nvSpPr>
-              <p:spPr>
-                <a:xfrm>
-                  <a:off x="7848600" y="2971800"/>
-                  <a:ext cx="393858" cy="461665"/>
-                </a:xfrm>
-                <a:prstGeom prst="rect">
-                  <a:avLst/>
-                </a:prstGeom>
-                <a:noFill/>
-              </p:spPr>
-              <p:txBody>
-                <a:bodyPr wrap="none" rtlCol="0">
-                  <a:spAutoFit/>
-                </a:bodyPr>
-                <a:lstStyle/>
-                <a:p>
-                  <a:r>
-                    <a:rPr lang="en-US" dirty="0" smtClean="0">
-                      <a:solidFill>
-                        <a:srgbClr val="FF0000"/>
-                      </a:solidFill>
-                    </a:rPr>
-                    <a:t>T</a:t>
-                  </a:r>
-                  <a:endParaRPr lang="en-US" dirty="0">
-                    <a:solidFill>
-                      <a:srgbClr val="FF0000"/>
-                    </a:solidFill>
-                  </a:endParaRPr>
-                </a:p>
-              </p:txBody>
-            </p:sp>
-            <p:sp>
-              <p:nvSpPr>
-                <p:cNvPr id="46" name="Oval 35"/>
-                <p:cNvSpPr>
-                  <a:spLocks noChangeArrowheads="1"/>
-                </p:cNvSpPr>
-                <p:nvPr/>
-              </p:nvSpPr>
-              <p:spPr bwMode="auto">
-                <a:xfrm>
-                  <a:off x="2743200" y="4089976"/>
-                  <a:ext cx="532622" cy="558224"/>
-                </a:xfrm>
-                <a:prstGeom prst="ellipse">
-                  <a:avLst/>
-                </a:prstGeom>
-                <a:solidFill>
-                  <a:srgbClr val="80C0FF"/>
-                </a:solidFill>
-                <a:ln w="9525">
-                  <a:solidFill>
-                    <a:schemeClr val="tx1"/>
-                  </a:solidFill>
-                  <a:round/>
-                  <a:headEnd/>
-                  <a:tailEnd/>
-                </a:ln>
-              </p:spPr>
-              <p:txBody>
-                <a:bodyPr wrap="none" anchor="ctr">
-                  <a:prstTxWarp prst="textNoShape">
-                    <a:avLst/>
-                  </a:prstTxWarp>
-                </a:bodyPr>
-                <a:lstStyle/>
-                <a:p>
-                  <a:pPr algn="ctr"/>
-                  <a:r>
-                    <a:rPr lang="en-US" sz="1600" dirty="0" smtClean="0">
-                      <a:solidFill>
-                        <a:srgbClr val="008000"/>
-                      </a:solidFill>
-                    </a:rPr>
-                    <a:t>H</a:t>
-                  </a:r>
-                  <a:r>
-                    <a:rPr lang="en-US" sz="1600" dirty="0" smtClean="0">
-                      <a:solidFill>
-                        <a:srgbClr val="FF0000"/>
-                      </a:solidFill>
-                    </a:rPr>
-                    <a:t>T</a:t>
-                  </a:r>
-                  <a:r>
-                    <a:rPr lang="en-US" sz="1600" dirty="0" smtClean="0">
-                      <a:solidFill>
-                        <a:srgbClr val="008000"/>
-                      </a:solidFill>
-                    </a:rPr>
-                    <a:t>H</a:t>
-                  </a:r>
-                  <a:endParaRPr lang="en-US" sz="1600" dirty="0">
-                    <a:solidFill>
-                      <a:srgbClr val="008000"/>
-                    </a:solidFill>
-                  </a:endParaRPr>
-                </a:p>
-              </p:txBody>
-            </p:sp>
-            <p:cxnSp>
-              <p:nvCxnSpPr>
-                <p:cNvPr id="105" name="Curved Connector 104"/>
-                <p:cNvCxnSpPr/>
-                <p:nvPr/>
-              </p:nvCxnSpPr>
-              <p:spPr bwMode="auto">
-                <a:xfrm rot="5400000" flipH="1">
-                  <a:off x="2654702" y="4374716"/>
-                  <a:ext cx="323290" cy="12700"/>
-                </a:xfrm>
-                <a:prstGeom prst="curvedConnector5">
-                  <a:avLst>
-                    <a:gd name="adj1" fmla="val -70711"/>
-                    <a:gd name="adj2" fmla="val 5472795"/>
-                    <a:gd name="adj3" fmla="val 170711"/>
-                  </a:avLst>
-                </a:prstGeom>
-                <a:solidFill>
-                  <a:schemeClr val="accent1"/>
-                </a:solidFill>
-                <a:ln w="31750" cap="flat" cmpd="sng" algn="ctr">
-                  <a:solidFill>
-                    <a:schemeClr val="tx1"/>
-                  </a:solidFill>
-                  <a:prstDash val="solid"/>
-                  <a:round/>
-                  <a:headEnd type="none" w="med" len="med"/>
-                  <a:tailEnd type="stealth" w="lg" len="lg"/>
-                </a:ln>
-                <a:effectLst/>
-              </p:spPr>
-            </p:cxnSp>
-            <p:cxnSp>
-              <p:nvCxnSpPr>
-                <p:cNvPr id="106" name="Curved Connector 105"/>
-                <p:cNvCxnSpPr/>
-                <p:nvPr/>
-              </p:nvCxnSpPr>
-              <p:spPr bwMode="auto">
-                <a:xfrm rot="5400000" flipH="1">
-                  <a:off x="3085164" y="4374716"/>
-                  <a:ext cx="323290" cy="12700"/>
-                </a:xfrm>
-                <a:prstGeom prst="curvedConnector5">
-                  <a:avLst>
-                    <a:gd name="adj1" fmla="val -70711"/>
-                    <a:gd name="adj2" fmla="val -5672795"/>
-                    <a:gd name="adj3" fmla="val 170711"/>
-                  </a:avLst>
-                </a:prstGeom>
-                <a:solidFill>
-                  <a:schemeClr val="accent1"/>
-                </a:solidFill>
-                <a:ln w="31750" cap="flat" cmpd="sng" algn="ctr">
-                  <a:solidFill>
-                    <a:schemeClr val="tx1"/>
-                  </a:solidFill>
-                  <a:prstDash val="solid"/>
-                  <a:round/>
-                  <a:headEnd type="none" w="med" len="med"/>
-                  <a:tailEnd type="stealth" w="lg" len="lg"/>
-                </a:ln>
-                <a:effectLst/>
-              </p:spPr>
-            </p:cxnSp>
-            <p:sp>
-              <p:nvSpPr>
-                <p:cNvPr id="107" name="TextBox 106"/>
-                <p:cNvSpPr txBox="1"/>
-                <p:nvPr/>
-              </p:nvSpPr>
-              <p:spPr>
-                <a:xfrm>
-                  <a:off x="3949542" y="4114800"/>
-                  <a:ext cx="393858" cy="461665"/>
-                </a:xfrm>
-                <a:prstGeom prst="rect">
-                  <a:avLst/>
-                </a:prstGeom>
-                <a:noFill/>
-              </p:spPr>
-              <p:txBody>
-                <a:bodyPr wrap="none" rtlCol="0">
-                  <a:spAutoFit/>
-                </a:bodyPr>
-                <a:lstStyle/>
-                <a:p>
-                  <a:r>
-                    <a:rPr lang="en-US" dirty="0" smtClean="0">
-                      <a:solidFill>
-                        <a:srgbClr val="FF0000"/>
-                      </a:solidFill>
-                    </a:rPr>
-                    <a:t>T</a:t>
-                  </a:r>
-                  <a:endParaRPr lang="en-US" dirty="0">
-                    <a:solidFill>
-                      <a:srgbClr val="FF0000"/>
-                    </a:solidFill>
-                  </a:endParaRPr>
-                </a:p>
-              </p:txBody>
-            </p:sp>
-          </p:grpSp>
-          <p:sp>
-            <p:nvSpPr>
-              <p:cNvPr id="108" name="TextBox 107"/>
-              <p:cNvSpPr txBox="1"/>
-              <p:nvPr/>
-            </p:nvSpPr>
-            <p:spPr>
-              <a:xfrm>
-                <a:off x="1600200" y="4161711"/>
-                <a:ext cx="421059" cy="461665"/>
-              </a:xfrm>
-              <a:prstGeom prst="rect">
-                <a:avLst/>
-              </a:prstGeom>
-              <a:noFill/>
-            </p:spPr>
-            <p:txBody>
-              <a:bodyPr wrap="none" rtlCol="0">
-                <a:spAutoFit/>
-              </a:bodyPr>
-              <a:lstStyle/>
-              <a:p>
-                <a:r>
-                  <a:rPr lang="en-US" dirty="0" smtClean="0">
-                    <a:solidFill>
-                      <a:srgbClr val="008000"/>
-                    </a:solidFill>
-                  </a:rPr>
-                  <a:t>H</a:t>
-                </a:r>
-                <a:endParaRPr lang="en-US" dirty="0">
-                  <a:solidFill>
-                    <a:srgbClr val="008000"/>
-                  </a:solidFill>
-                </a:endParaRPr>
-              </a:p>
-            </p:txBody>
-          </p:sp>
-        </p:grpSp>
-        <p:sp>
-          <p:nvSpPr>
-            <p:cNvPr id="115" name="TextBox 114"/>
-            <p:cNvSpPr txBox="1"/>
-            <p:nvPr/>
-          </p:nvSpPr>
-          <p:spPr>
-            <a:xfrm>
-              <a:off x="3581400" y="3119735"/>
-              <a:ext cx="421059" cy="461665"/>
-            </a:xfrm>
-            <a:prstGeom prst="rect">
-              <a:avLst/>
-            </a:prstGeom>
-            <a:noFill/>
-          </p:spPr>
-          <p:txBody>
-            <a:bodyPr wrap="none" rtlCol="0">
-              <a:spAutoFit/>
-            </a:bodyPr>
-            <a:lstStyle/>
-            <a:p>
-              <a:r>
-                <a:rPr lang="en-US" dirty="0" smtClean="0">
-                  <a:solidFill>
-                    <a:srgbClr val="008000"/>
-                  </a:solidFill>
-                </a:rPr>
-                <a:t>H</a:t>
-              </a:r>
-              <a:endParaRPr lang="en-US" dirty="0">
-                <a:solidFill>
-                  <a:srgbClr val="008000"/>
-                </a:solidFill>
-              </a:endParaRPr>
-            </a:p>
-          </p:txBody>
-        </p:sp>
-        <p:grpSp>
-          <p:nvGrpSpPr>
-            <p:cNvPr id="3" name="Group 2"/>
-            <p:cNvGrpSpPr/>
-            <p:nvPr/>
-          </p:nvGrpSpPr>
-          <p:grpSpPr>
-            <a:xfrm>
-              <a:off x="3733800" y="2286000"/>
-              <a:ext cx="3429000" cy="1143000"/>
-              <a:chOff x="3733800" y="2286000"/>
-              <a:chExt cx="3429000" cy="1143000"/>
-            </a:xfrm>
-          </p:grpSpPr>
-          <p:cxnSp>
-            <p:nvCxnSpPr>
-              <p:cNvPr id="86" name="Straight Arrow Connector 85"/>
-              <p:cNvCxnSpPr>
-                <a:endCxn id="89" idx="1"/>
-              </p:cNvCxnSpPr>
-              <p:nvPr/>
-            </p:nvCxnSpPr>
-            <p:spPr bwMode="auto">
-              <a:xfrm>
-                <a:off x="5952845" y="2600045"/>
-                <a:ext cx="819710" cy="438710"/>
-              </a:xfrm>
-              <a:prstGeom prst="straightConnector1">
-                <a:avLst/>
-              </a:prstGeom>
-              <a:solidFill>
-                <a:schemeClr val="accent1"/>
-              </a:solidFill>
-              <a:ln w="31750" cap="flat" cmpd="sng" algn="ctr">
-                <a:solidFill>
-                  <a:schemeClr val="tx1"/>
-                </a:solidFill>
-                <a:prstDash val="solid"/>
-                <a:round/>
-                <a:headEnd type="none" w="med" len="med"/>
-                <a:tailEnd type="stealth" w="lg" len="lg"/>
-              </a:ln>
-              <a:effectLst/>
-            </p:spPr>
-          </p:cxnSp>
-          <p:sp>
-            <p:nvSpPr>
-              <p:cNvPr id="89" name="Oval 35"/>
-              <p:cNvSpPr>
-                <a:spLocks noChangeArrowheads="1"/>
-              </p:cNvSpPr>
-              <p:nvPr/>
-            </p:nvSpPr>
-            <p:spPr bwMode="auto">
-              <a:xfrm>
-                <a:off x="6705600" y="2971800"/>
-                <a:ext cx="457200" cy="457200"/>
-              </a:xfrm>
-              <a:prstGeom prst="ellipse">
-                <a:avLst/>
-              </a:prstGeom>
-              <a:solidFill>
-                <a:srgbClr val="80C0FF"/>
-              </a:solidFill>
-              <a:ln w="9525">
-                <a:solidFill>
-                  <a:schemeClr val="tx1"/>
-                </a:solidFill>
-                <a:round/>
-                <a:headEnd/>
-                <a:tailEnd/>
-              </a:ln>
-            </p:spPr>
-            <p:txBody>
-              <a:bodyPr wrap="none" anchor="ctr">
-                <a:prstTxWarp prst="textNoShape">
-                  <a:avLst/>
-                </a:prstTxWarp>
-              </a:bodyPr>
-              <a:lstStyle/>
-              <a:p>
-                <a:pPr algn="ctr"/>
-                <a:r>
-                  <a:rPr lang="en-US" sz="1800" dirty="0" smtClean="0"/>
-                  <a:t>-</a:t>
-                </a:r>
-                <a:r>
-                  <a:rPr lang="en-US" sz="1800" dirty="0" smtClean="0">
-                    <a:solidFill>
-                      <a:srgbClr val="FF0000"/>
-                    </a:solidFill>
-                  </a:rPr>
-                  <a:t>TT</a:t>
-                </a:r>
-                <a:endParaRPr lang="en-US" sz="1800" dirty="0">
-                  <a:solidFill>
-                    <a:srgbClr val="FF0000"/>
-                  </a:solidFill>
-                </a:endParaRPr>
-              </a:p>
-            </p:txBody>
-          </p:sp>
-          <p:sp>
-            <p:nvSpPr>
-              <p:cNvPr id="90" name="TextBox 89"/>
-              <p:cNvSpPr txBox="1"/>
-              <p:nvPr/>
-            </p:nvSpPr>
-            <p:spPr>
-              <a:xfrm>
-                <a:off x="6159342" y="2357735"/>
-                <a:ext cx="393858" cy="461665"/>
-              </a:xfrm>
-              <a:prstGeom prst="rect">
-                <a:avLst/>
-              </a:prstGeom>
-              <a:noFill/>
-            </p:spPr>
-            <p:txBody>
-              <a:bodyPr wrap="none" rtlCol="0">
-                <a:spAutoFit/>
-              </a:bodyPr>
-              <a:lstStyle/>
-              <a:p>
-                <a:r>
-                  <a:rPr lang="en-US" dirty="0" smtClean="0">
-                    <a:solidFill>
-                      <a:srgbClr val="FF0000"/>
-                    </a:solidFill>
-                  </a:rPr>
-                  <a:t>T</a:t>
-                </a:r>
-                <a:endParaRPr lang="en-US" dirty="0">
-                  <a:solidFill>
-                    <a:srgbClr val="FF0000"/>
-                  </a:solidFill>
-                </a:endParaRPr>
-              </a:p>
-            </p:txBody>
-          </p:sp>
-          <p:cxnSp>
-            <p:nvCxnSpPr>
-              <p:cNvPr id="127" name="Curved Connector 126"/>
-              <p:cNvCxnSpPr>
-                <a:stCxn id="59" idx="3"/>
-                <a:endCxn id="35" idx="6"/>
-              </p:cNvCxnSpPr>
-              <p:nvPr/>
-            </p:nvCxnSpPr>
-            <p:spPr bwMode="auto">
-              <a:xfrm rot="5400000" flipH="1">
-                <a:off x="4600855" y="1571346"/>
-                <a:ext cx="161645" cy="1895755"/>
-              </a:xfrm>
-              <a:prstGeom prst="curvedConnector4">
-                <a:avLst>
-                  <a:gd name="adj1" fmla="val -141421"/>
-                  <a:gd name="adj2" fmla="val 51766"/>
-                </a:avLst>
-              </a:prstGeom>
-              <a:solidFill>
-                <a:schemeClr val="accent1"/>
-              </a:solidFill>
-              <a:ln w="31750" cap="flat" cmpd="sng" algn="ctr">
-                <a:solidFill>
-                  <a:schemeClr val="tx1"/>
-                </a:solidFill>
-                <a:prstDash val="solid"/>
-                <a:round/>
-                <a:headEnd type="none" w="med" len="med"/>
-                <a:tailEnd type="stealth" w="lg" len="lg"/>
-              </a:ln>
-              <a:effectLst/>
-            </p:spPr>
-          </p:cxnSp>
-          <p:sp>
-            <p:nvSpPr>
-              <p:cNvPr id="128" name="TextBox 127"/>
-              <p:cNvSpPr txBox="1"/>
-              <p:nvPr/>
-            </p:nvSpPr>
-            <p:spPr>
-              <a:xfrm>
-                <a:off x="4800600" y="2286000"/>
-                <a:ext cx="421059" cy="461665"/>
-              </a:xfrm>
-              <a:prstGeom prst="rect">
-                <a:avLst/>
-              </a:prstGeom>
-              <a:noFill/>
-            </p:spPr>
-            <p:txBody>
-              <a:bodyPr wrap="none" rtlCol="0">
-                <a:spAutoFit/>
-              </a:bodyPr>
-              <a:lstStyle/>
-              <a:p>
-                <a:r>
-                  <a:rPr lang="en-US" dirty="0" smtClean="0">
-                    <a:solidFill>
-                      <a:srgbClr val="008000"/>
-                    </a:solidFill>
-                  </a:rPr>
-                  <a:t>H</a:t>
-                </a:r>
-                <a:endParaRPr lang="en-US" dirty="0">
-                  <a:solidFill>
-                    <a:srgbClr val="008000"/>
-                  </a:solidFill>
-                </a:endParaRPr>
-              </a:p>
-            </p:txBody>
-          </p:sp>
-        </p:grpSp>
-      </p:grpSp>
-      <p:sp>
-        <p:nvSpPr>
-          <p:cNvPr id="48" name="Rectangle 2"/>
-          <p:cNvSpPr>
-            <a:spLocks noGrp="1" noChangeArrowheads="1"/>
-          </p:cNvSpPr>
-          <p:nvPr>
-            <p:ph type="title"/>
-          </p:nvPr>
-        </p:nvSpPr>
-        <p:spPr>
-          <a:xfrm>
-            <a:off x="1752600" y="152400"/>
-            <a:ext cx="5715000" cy="1066800"/>
-          </a:xfrm>
-        </p:spPr>
-        <p:txBody>
-          <a:bodyPr/>
-          <a:lstStyle/>
-          <a:p>
-            <a:pPr eaLnBrk="1" hangingPunct="1"/>
-            <a:r>
-              <a:rPr lang="en-US" sz="3600" dirty="0" smtClean="0">
-                <a:solidFill>
-                  <a:srgbClr val="008000"/>
-                </a:solidFill>
-              </a:rPr>
-              <a:t>Super-node</a:t>
-            </a:r>
-            <a:endParaRPr lang="en-US" dirty="0">
-              <a:solidFill>
-                <a:srgbClr val="008000"/>
-              </a:solidFill>
-            </a:endParaRPr>
-          </a:p>
-        </p:txBody>
-      </p:sp>
-      <p:sp>
-        <p:nvSpPr>
-          <p:cNvPr id="55" name="Oval 35"/>
-          <p:cNvSpPr>
-            <a:spLocks noChangeArrowheads="1"/>
-          </p:cNvSpPr>
-          <p:nvPr/>
-        </p:nvSpPr>
-        <p:spPr bwMode="auto">
-          <a:xfrm>
-            <a:off x="4152900" y="1143000"/>
-            <a:ext cx="838200" cy="838200"/>
-          </a:xfrm>
-          <a:prstGeom prst="ellipse">
-            <a:avLst/>
-          </a:prstGeom>
-          <a:solidFill>
-            <a:srgbClr val="80C0FF"/>
-          </a:solidFill>
-          <a:ln w="9525">
-            <a:solidFill>
-              <a:schemeClr val="tx1"/>
-            </a:solidFill>
-            <a:round/>
-            <a:headEnd/>
-            <a:tailEnd/>
-          </a:ln>
-        </p:spPr>
-        <p:txBody>
-          <a:bodyPr wrap="none" anchor="ctr">
-            <a:prstTxWarp prst="textNoShape">
-              <a:avLst/>
-            </a:prstTxWarp>
-          </a:bodyPr>
-          <a:lstStyle/>
-          <a:p>
-            <a:pPr algn="ctr"/>
-            <a:r>
-              <a:rPr lang="en-US" dirty="0" smtClean="0">
-                <a:solidFill>
-                  <a:srgbClr val="008000"/>
-                </a:solidFill>
-              </a:rPr>
-              <a:t>super</a:t>
-            </a:r>
-            <a:endParaRPr lang="en-US" dirty="0">
-              <a:solidFill>
-                <a:srgbClr val="008000"/>
-              </a:solidFill>
-            </a:endParaRPr>
-          </a:p>
-        </p:txBody>
-      </p:sp>
-      <p:cxnSp>
-        <p:nvCxnSpPr>
-          <p:cNvPr id="8" name="Straight Arrow Connector 7"/>
-          <p:cNvCxnSpPr>
-            <a:stCxn id="55" idx="4"/>
-            <a:endCxn id="47" idx="0"/>
-          </p:cNvCxnSpPr>
-          <p:nvPr/>
-        </p:nvCxnSpPr>
-        <p:spPr bwMode="auto">
-          <a:xfrm flipH="1">
-            <a:off x="4559142" y="1981200"/>
-            <a:ext cx="12858" cy="762000"/>
-          </a:xfrm>
-          <a:prstGeom prst="straightConnector1">
-            <a:avLst/>
-          </a:prstGeom>
-          <a:solidFill>
-            <a:schemeClr val="accent1"/>
-          </a:solidFill>
-          <a:ln w="31750" cap="flat" cmpd="sng" algn="ctr">
-            <a:solidFill>
-              <a:srgbClr val="FF00FF"/>
-            </a:solidFill>
-            <a:prstDash val="solid"/>
-            <a:round/>
-            <a:headEnd type="stealth" w="lg" len="lg"/>
-            <a:tailEnd type="stealth" w="lg" len="lg"/>
-          </a:ln>
-          <a:effectLst/>
-        </p:spPr>
-      </p:cxnSp>
-      <p:cxnSp>
-        <p:nvCxnSpPr>
-          <p:cNvPr id="60" name="Straight Arrow Connector 59"/>
-          <p:cNvCxnSpPr>
-            <a:stCxn id="55" idx="4"/>
-            <a:endCxn id="59" idx="0"/>
-          </p:cNvCxnSpPr>
-          <p:nvPr/>
-        </p:nvCxnSpPr>
-        <p:spPr bwMode="auto">
-          <a:xfrm>
-            <a:off x="4572000" y="1981200"/>
-            <a:ext cx="1130142" cy="1524000"/>
-          </a:xfrm>
-          <a:prstGeom prst="straightConnector1">
-            <a:avLst/>
-          </a:prstGeom>
-          <a:solidFill>
-            <a:schemeClr val="accent1"/>
-          </a:solidFill>
-          <a:ln w="25400" cap="flat" cmpd="sng" algn="ctr">
-            <a:solidFill>
-              <a:srgbClr val="FF00FF"/>
-            </a:solidFill>
-            <a:prstDash val="solid"/>
-            <a:round/>
-            <a:headEnd type="stealth" w="lg" len="lg"/>
-            <a:tailEnd type="stealth" w="lg" len="lg"/>
-          </a:ln>
-          <a:effectLst/>
-        </p:spPr>
-      </p:cxnSp>
-      <p:cxnSp>
-        <p:nvCxnSpPr>
-          <p:cNvPr id="62" name="Straight Arrow Connector 61"/>
-          <p:cNvCxnSpPr>
-            <a:stCxn id="55" idx="4"/>
-            <a:endCxn id="35" idx="0"/>
-          </p:cNvCxnSpPr>
-          <p:nvPr/>
-        </p:nvCxnSpPr>
-        <p:spPr bwMode="auto">
-          <a:xfrm flipH="1">
-            <a:off x="3416142" y="1981200"/>
-            <a:ext cx="1155858" cy="1524000"/>
-          </a:xfrm>
-          <a:prstGeom prst="straightConnector1">
-            <a:avLst/>
-          </a:prstGeom>
-          <a:solidFill>
-            <a:schemeClr val="accent1"/>
-          </a:solidFill>
-          <a:ln w="25400" cap="flat" cmpd="sng" algn="ctr">
-            <a:solidFill>
-              <a:srgbClr val="FF00FF"/>
-            </a:solidFill>
-            <a:prstDash val="solid"/>
-            <a:round/>
-            <a:headEnd type="stealth" w="lg" len="lg"/>
-            <a:tailEnd type="stealth" w="lg" len="lg"/>
-          </a:ln>
-          <a:effectLst/>
-        </p:spPr>
-      </p:cxnSp>
-      <p:cxnSp>
-        <p:nvCxnSpPr>
-          <p:cNvPr id="26" name="Curved Connector 25"/>
-          <p:cNvCxnSpPr>
-            <a:stCxn id="55" idx="2"/>
-            <a:endCxn id="46" idx="0"/>
-          </p:cNvCxnSpPr>
-          <p:nvPr/>
-        </p:nvCxnSpPr>
-        <p:spPr bwMode="auto">
-          <a:xfrm rot="10800000" flipV="1">
-            <a:off x="2920454" y="1562100"/>
-            <a:ext cx="1232447" cy="3823276"/>
-          </a:xfrm>
-          <a:prstGeom prst="curvedConnector2">
-            <a:avLst/>
-          </a:prstGeom>
-          <a:solidFill>
-            <a:schemeClr val="accent1"/>
-          </a:solidFill>
-          <a:ln w="25400" cap="flat" cmpd="sng" algn="ctr">
-            <a:solidFill>
-              <a:srgbClr val="FF00FF"/>
-            </a:solidFill>
-            <a:prstDash val="solid"/>
-            <a:round/>
-            <a:headEnd type="stealth" w="lg" len="lg"/>
-            <a:tailEnd type="stealth" w="lg" len="lg"/>
-          </a:ln>
-          <a:effectLst/>
-        </p:spPr>
-      </p:cxnSp>
-      <p:cxnSp>
-        <p:nvCxnSpPr>
-          <p:cNvPr id="85" name="Curved Connector 84"/>
-          <p:cNvCxnSpPr>
-            <a:stCxn id="55" idx="6"/>
-            <a:endCxn id="89" idx="0"/>
-          </p:cNvCxnSpPr>
-          <p:nvPr/>
-        </p:nvCxnSpPr>
-        <p:spPr bwMode="auto">
-          <a:xfrm>
-            <a:off x="4991100" y="1562100"/>
-            <a:ext cx="1854042" cy="2705100"/>
-          </a:xfrm>
-          <a:prstGeom prst="curvedConnector2">
-            <a:avLst/>
-          </a:prstGeom>
-          <a:solidFill>
-            <a:schemeClr val="accent1"/>
-          </a:solidFill>
-          <a:ln w="25400" cap="flat" cmpd="sng" algn="ctr">
-            <a:solidFill>
-              <a:srgbClr val="FF00FF"/>
-            </a:solidFill>
-            <a:prstDash val="solid"/>
-            <a:round/>
-            <a:headEnd type="stealth" w="lg" len="lg"/>
-            <a:tailEnd type="stealth" w="lg" len="lg"/>
-          </a:ln>
-          <a:effectLst/>
-        </p:spPr>
-      </p:cxnSp>
-      <p:cxnSp>
-        <p:nvCxnSpPr>
-          <p:cNvPr id="91" name="Curved Connector 90"/>
-          <p:cNvCxnSpPr>
-            <a:stCxn id="55" idx="5"/>
-            <a:endCxn id="120" idx="0"/>
-          </p:cNvCxnSpPr>
-          <p:nvPr/>
-        </p:nvCxnSpPr>
-        <p:spPr bwMode="auto">
-          <a:xfrm rot="16200000" flipH="1">
-            <a:off x="3518240" y="3208556"/>
-            <a:ext cx="3572110" cy="871894"/>
-          </a:xfrm>
-          <a:prstGeom prst="curvedConnector3">
-            <a:avLst>
-              <a:gd name="adj1" fmla="val 50000"/>
-            </a:avLst>
-          </a:prstGeom>
-          <a:solidFill>
-            <a:schemeClr val="accent1"/>
-          </a:solidFill>
-          <a:ln w="25400" cap="flat" cmpd="sng" algn="ctr">
-            <a:solidFill>
-              <a:srgbClr val="FF00FF"/>
-            </a:solidFill>
-            <a:prstDash val="solid"/>
-            <a:round/>
-            <a:headEnd type="stealth" w="lg" len="lg"/>
-            <a:tailEnd type="stealth" w="lg" len="lg"/>
-          </a:ln>
-          <a:effectLst/>
-        </p:spPr>
-      </p:cxnSp>
-    </p:spTree>
-    <p:extLst>
-      <p:ext uri="{BB962C8B-B14F-4D97-AF65-F5344CB8AC3E}">
-        <p14:creationId xmlns:p14="http://schemas.microsoft.com/office/powerpoint/2010/main" val="1671742964"/>
-      </p:ext>
-    </p:extLst>
-  </p:cSld>
-  <p:clrMapOvr>
-    <a:masterClrMapping/>
-  </p:clrMapOvr>
-  <mc:AlternateContent xmlns:mc="http://schemas.openxmlformats.org/markup-compatibility/2006">
-    <mc:Choice xmlns:p14="http://schemas.microsoft.com/office/powerpoint/2010/main" Requires="p14">
-      <p:transition spd="med" p14:dur="700" advClick="0">
-        <p:fade/>
-      </p:transition>
-    </mc:Choice>
-    <mc:Fallback>
-      <p:transition xmlns:p14="http://schemas.microsoft.com/office/powerpoint/2010/main" spd="med" advClick="0">
-        <p:fade/>
-      </p:transition>
-    </mc:Fallback>
-  </mc:AlternateContent>
-  <p:timing>
-    <p:tnLst>
-      <p:par>
-        <p:cTn xmlns:p14="http://schemas.microsoft.com/office/powerpoint/2010/main" id="1" dur="indefinite" restart="never" nodeType="tmRoot">
-          <p:childTnLst>
-            <p:seq concurrent="1" nextAc="seek">
-              <p:cTn id="2" dur="indefinite" nodeType="mainSeq">
-                <p:childTnLst>
-                  <p:par>
-                    <p:cTn id="3" fill="hold">
-                      <p:stCondLst>
-                        <p:cond delay="indefinite"/>
-                      </p:stCondLst>
-                      <p:childTnLst>
-                        <p:par>
-                          <p:cTn id="4" fill="hold">
-                            <p:stCondLst>
-                              <p:cond delay="0"/>
-                            </p:stCondLst>
-                            <p:childTnLst>
-                              <p:par>
-                                <p:cTn id="5" presetID="10" presetClass="entr" presetSubtype="0" fill="hold" grpId="0" nodeType="clickEffect">
-                                  <p:stCondLst>
-                                    <p:cond delay="0"/>
-                                  </p:stCondLst>
-                                  <p:childTnLst>
-                                    <p:set>
-                                      <p:cBhvr>
-                                        <p:cTn id="6" dur="1" fill="hold">
-                                          <p:stCondLst>
-                                            <p:cond delay="0"/>
-                                          </p:stCondLst>
-                                        </p:cTn>
-                                        <p:tgtEl>
-                                          <p:spTgt spid="55"/>
-                                        </p:tgtEl>
-                                        <p:attrNameLst>
-                                          <p:attrName>style.visibility</p:attrName>
-                                        </p:attrNameLst>
-                                      </p:cBhvr>
-                                      <p:to>
-                                        <p:strVal val="visible"/>
-                                      </p:to>
-                                    </p:set>
-                                    <p:animEffect transition="in" filter="fade">
-                                      <p:cBhvr>
-                                        <p:cTn id="7" dur="500"/>
-                                        <p:tgtEl>
-                                          <p:spTgt spid="55"/>
-                                        </p:tgtEl>
-                                      </p:cBhvr>
-                                    </p:animEffect>
-                                  </p:childTnLst>
-                                </p:cTn>
-                              </p:par>
-                            </p:childTnLst>
-                          </p:cTn>
-                        </p:par>
-                      </p:childTnLst>
-                    </p:cTn>
-                  </p:par>
-                </p:childTnLst>
-              </p:cTn>
-              <p:prevCondLst>
-                <p:cond evt="onPrev" delay="0">
-                  <p:tgtEl>
-                    <p:sldTgt/>
-                  </p:tgtEl>
-                </p:cond>
-              </p:prevCondLst>
-              <p:nextCondLst>
-                <p:cond evt="onNext" delay="0">
-                  <p:tgtEl>
-                    <p:sldTgt/>
-                  </p:tgtEl>
-                </p:cond>
-              </p:nextCondLst>
-            </p:seq>
-          </p:childTnLst>
-        </p:cTn>
-      </p:par>
-    </p:tnLst>
-    <p:bldLst>
-      <p:bldP spid="55" grpId="0" animBg="1"/>
-    </p:bldLst>
-  </p:timing>
-</p:sld>
-</file>
-
-<file path=ppt/slides/slide7.xml><?xml version="1.0" encoding="utf-8"?>
+<file path=ppt/slides/slide5.xml><?xml version="1.0" encoding="utf-8"?>
 <p:sld xmlns:a="http://schemas.openxmlformats.org/drawingml/2006/main" xmlns:r="http://schemas.openxmlformats.org/officeDocument/2006/relationships" xmlns:p="http://schemas.openxmlformats.org/presentationml/2006/main">
   <p:cSld>
     <p:spTree>
@@ -10147,7 +5833,7 @@
             <a:fld id="{B826CD8C-0477-834C-B53A-FCC4FCE3844A}" type="slidenum">
               <a:rPr lang="en-US" smtClean="0"/>
               <a:pPr/>
-              <a:t>7</a:t>
+              <a:t>5</a:t>
             </a:fld>
             <a:endParaRPr lang="en-US" dirty="0"/>
           </a:p>
@@ -13291,13 +8977,13 @@
   <p:clrMapOvr>
     <a:masterClrMapping/>
   </p:clrMapOvr>
-  <mc:AlternateContent xmlns:mc="http://schemas.openxmlformats.org/markup-compatibility/2006">
-    <mc:Choice xmlns:p14="http://schemas.microsoft.com/office/powerpoint/2010/main" Requires="p14">
+  <mc:AlternateContent xmlns:mc="http://schemas.openxmlformats.org/markup-compatibility/2006" xmlns:p14="http://schemas.microsoft.com/office/powerpoint/2010/main">
+    <mc:Choice Requires="p14">
       <p:transition spd="med" p14:dur="700" advClick="0">
         <p:fade/>
       </p:transition>
     </mc:Choice>
-    <mc:Fallback>
+    <mc:Fallback xmlns="">
       <p:transition xmlns:p14="http://schemas.microsoft.com/office/powerpoint/2010/main" spd="med" advClick="0">
         <p:fade/>
       </p:transition>
@@ -13445,7 +9131,7 @@
 </p:sld>
 </file>
 
-<file path=ppt/slides/slide8.xml><?xml version="1.0" encoding="utf-8"?>
+<file path=ppt/slides/slide6.xml><?xml version="1.0" encoding="utf-8"?>
 <p:sld xmlns:a="http://schemas.openxmlformats.org/drawingml/2006/main" xmlns:r="http://schemas.openxmlformats.org/officeDocument/2006/relationships" xmlns:p="http://schemas.openxmlformats.org/presentationml/2006/main">
   <p:cSld>
     <p:spTree>
@@ -13486,7 +9172,7 @@
             <a:fld id="{42298CDA-044A-0949-8A0D-DDA7F6833251}" type="slidenum">
               <a:rPr lang="en-US" smtClean="0"/>
               <a:pPr/>
-              <a:t>8</a:t>
+              <a:t>6</a:t>
             </a:fld>
             <a:endParaRPr lang="en-US" dirty="0"/>
           </a:p>
@@ -14133,30 +9819,21 @@
                             </p:childTnLst>
                           </p:cTn>
                         </p:par>
-                      </p:childTnLst>
-                    </p:cTn>
-                  </p:par>
-                  <p:par>
-                    <p:cTn id="21" fill="hold">
-                      <p:stCondLst>
-                        <p:cond delay="indefinite"/>
-                      </p:stCondLst>
-                      <p:childTnLst>
                         <p:par>
-                          <p:cTn id="22" fill="hold">
+                          <p:cTn id="21" fill="hold">
                             <p:stCondLst>
-                              <p:cond delay="0"/>
+                              <p:cond delay="500"/>
                             </p:stCondLst>
                             <p:childTnLst>
                               <p:par>
-                                <p:cTn id="23" presetID="10" presetClass="entr" presetSubtype="0" fill="hold" grpId="0" nodeType="clickEffect">
+                                <p:cTn id="22" presetID="10" presetClass="entr" presetSubtype="0" fill="hold" grpId="0" nodeType="afterEffect">
                                   <p:stCondLst>
                                     <p:cond delay="0"/>
                                   </p:stCondLst>
                                   <p:childTnLst>
                                     <p:set>
                                       <p:cBhvr>
-                                        <p:cTn id="24" dur="1" fill="hold">
+                                        <p:cTn id="23" dur="1" fill="hold">
                                           <p:stCondLst>
                                             <p:cond delay="0"/>
                                           </p:stCondLst>
@@ -14178,7 +9855,7 @@
                                     </p:set>
                                     <p:animEffect transition="in" filter="fade">
                                       <p:cBhvr>
-                                        <p:cTn id="25" dur="500"/>
+                                        <p:cTn id="24" dur="1000"/>
                                         <p:tgtEl>
                                           <p:spTgt spid="22534">
                                             <p:txEl>
@@ -14225,7 +9902,7 @@
 </p:sld>
 </file>
 
-<file path=ppt/slides/slide9.xml><?xml version="1.0" encoding="utf-8"?>
+<file path=ppt/slides/slide7.xml><?xml version="1.0" encoding="utf-8"?>
 <p:sld xmlns:a="http://schemas.openxmlformats.org/drawingml/2006/main" xmlns:r="http://schemas.openxmlformats.org/officeDocument/2006/relationships" xmlns:p="http://schemas.openxmlformats.org/presentationml/2006/main">
   <p:cSld>
     <p:spTree>
@@ -14310,18 +9987,34 @@
               <a:buNone/>
             </a:pPr>
             <a:r>
-              <a:rPr lang="en-US" sz="4400" dirty="0" smtClean="0"/>
-              <a:t>won’t help improve </a:t>
-            </a:r>
-            <a:r>
-              <a:rPr lang="en-US" sz="4400" dirty="0" smtClean="0">
+              <a:rPr lang="en-US" sz="5400" dirty="0" smtClean="0">
+                <a:solidFill>
+                  <a:srgbClr val="FF00FF"/>
+                </a:solidFill>
+              </a:rPr>
+              <a:t>won’t </a:t>
+            </a:r>
+            <a:r>
+              <a:rPr lang="en-US" sz="5400" dirty="0" smtClean="0">
+                <a:solidFill>
+                  <a:srgbClr val="FF00FF"/>
+                </a:solidFill>
+              </a:rPr>
+              <a:t>improve</a:t>
+            </a:r>
+            <a:r>
+              <a:rPr lang="en-US" sz="5400" dirty="0" smtClean="0"/>
+              <a:t> </a:t>
+            </a:r>
+            <a:r>
+              <a:rPr lang="en-US" sz="5400" dirty="0" smtClean="0">
                 <a:solidFill>
                   <a:srgbClr val="0000FF"/>
                 </a:solidFill>
               </a:rPr>
               <a:t>PageRank</a:t>
             </a:r>
-            <a:endParaRPr lang="en-US" sz="4400" dirty="0">
+            <a:endParaRPr lang="en-US" sz="5400" dirty="0">
               <a:solidFill>
                 <a:srgbClr val="0000FF"/>
               </a:solidFill>
@@ -14356,7 +10049,7 @@
               <a:pPr>
                 <a:defRPr/>
               </a:pPr>
-              <a:t>9</a:t>
+              <a:t>7</a:t>
             </a:fld>
             <a:endParaRPr lang="en-US" dirty="0" smtClean="0"/>
           </a:p>
@@ -14745,6 +10438,1611 @@
     <p:bldLst>
       <p:bldP spid="3" grpId="0" build="p"/>
     </p:bldLst>
+  </p:timing>
+</p:sld>
+</file>
+
+<file path=ppt/slides/slide8.xml><?xml version="1.0" encoding="utf-8"?>
+<p:sld xmlns:a="http://schemas.openxmlformats.org/drawingml/2006/main" xmlns:r="http://schemas.openxmlformats.org/officeDocument/2006/relationships" xmlns:p="http://schemas.openxmlformats.org/presentationml/2006/main">
+  <p:cSld>
+    <p:spTree>
+      <p:nvGrpSpPr>
+        <p:cNvPr id="1" name=""/>
+        <p:cNvGrpSpPr/>
+        <p:nvPr/>
+      </p:nvGrpSpPr>
+      <p:grpSpPr>
+        <a:xfrm>
+          <a:off x="0" y="0"/>
+          <a:ext cx="0" cy="0"/>
+          <a:chOff x="0" y="0"/>
+          <a:chExt cx="0" cy="0"/>
+        </a:xfrm>
+      </p:grpSpPr>
+      <p:sp>
+        <p:nvSpPr>
+          <p:cNvPr id="6" name="TextBox 5"/>
+          <p:cNvSpPr txBox="1"/>
+          <p:nvPr/>
+        </p:nvSpPr>
+        <p:spPr>
+          <a:xfrm>
+            <a:off x="228600" y="990600"/>
+            <a:ext cx="8534400" cy="4967513"/>
+          </a:xfrm>
+          <a:prstGeom prst="rect">
+            <a:avLst/>
+          </a:prstGeom>
+          <a:noFill/>
+        </p:spPr>
+        <p:txBody>
+          <a:bodyPr wrap="square" rtlCol="0">
+            <a:spAutoFit/>
+          </a:bodyPr>
+          <a:lstStyle/>
+          <a:p>
+            <a:r>
+              <a:rPr lang="en-US" sz="4400" dirty="0" smtClean="0"/>
+              <a:t>ensures</a:t>
+            </a:r>
+            <a:endParaRPr lang="en-US" sz="4400" dirty="0"/>
+          </a:p>
+          <a:p>
+            <a:r>
+              <a:rPr lang="en-US" sz="4400" dirty="0" smtClean="0"/>
+              <a:t> * </a:t>
+            </a:r>
+            <a:r>
+              <a:rPr lang="en-US" sz="4400" dirty="0" smtClean="0">
+                <a:solidFill>
+                  <a:srgbClr val="008000"/>
+                </a:solidFill>
+              </a:rPr>
+              <a:t>unique</a:t>
+            </a:r>
+            <a:r>
+              <a:rPr lang="en-US" sz="4400" dirty="0" smtClean="0"/>
+              <a:t> stable distribution</a:t>
+            </a:r>
+          </a:p>
+          <a:p>
+            <a:r>
+              <a:rPr lang="en-US" sz="4400" dirty="0"/>
+              <a:t> </a:t>
+            </a:r>
+            <a:r>
+              <a:rPr lang="en-US" sz="4400" dirty="0" smtClean="0"/>
+              <a:t>* </a:t>
+            </a:r>
+            <a:r>
+              <a:rPr lang="en-US" sz="4400" dirty="0" smtClean="0">
+                <a:solidFill>
+                  <a:srgbClr val="008000"/>
+                </a:solidFill>
+              </a:rPr>
+              <a:t>every</a:t>
+            </a:r>
+            <a:r>
+              <a:rPr lang="en-US" sz="4400" dirty="0" smtClean="0"/>
+              <a:t> initial distribution</a:t>
+            </a:r>
+          </a:p>
+          <a:p>
+            <a:pPr>
+              <a:lnSpc>
+                <a:spcPct val="80000"/>
+              </a:lnSpc>
+            </a:pPr>
+            <a:r>
+              <a:rPr lang="en-US" sz="4400" dirty="0" smtClean="0"/>
+              <a:t>     </a:t>
+            </a:r>
+            <a:r>
+              <a:rPr lang="en-US" sz="4400" dirty="0" smtClean="0">
+                <a:solidFill>
+                  <a:srgbClr val="008000"/>
+                </a:solidFill>
+              </a:rPr>
+              <a:t>converges</a:t>
+            </a:r>
+            <a:r>
+              <a:rPr lang="en-US" sz="4400" dirty="0" smtClean="0"/>
+              <a:t> to</a:t>
+            </a:r>
+          </a:p>
+          <a:p>
+            <a:pPr>
+              <a:lnSpc>
+                <a:spcPct val="80000"/>
+              </a:lnSpc>
+            </a:pPr>
+            <a:endParaRPr lang="en-US" sz="4400" dirty="0"/>
+          </a:p>
+          <a:p>
+            <a:pPr>
+              <a:lnSpc>
+                <a:spcPct val="80000"/>
+              </a:lnSpc>
+            </a:pPr>
+            <a:endParaRPr lang="en-US" sz="4400" dirty="0" smtClean="0"/>
+          </a:p>
+          <a:p>
+            <a:pPr>
+              <a:lnSpc>
+                <a:spcPct val="80000"/>
+              </a:lnSpc>
+            </a:pPr>
+            <a:r>
+              <a:rPr lang="en-US" sz="4400" dirty="0"/>
+              <a:t> </a:t>
+            </a:r>
+            <a:r>
+              <a:rPr lang="en-US" sz="4400" dirty="0" smtClean="0"/>
+              <a:t>* convergence is rapid:</a:t>
+            </a:r>
+          </a:p>
+          <a:p>
+            <a:r>
+              <a:rPr lang="en-US" sz="4400" dirty="0" smtClean="0"/>
+              <a:t>  </a:t>
+            </a:r>
+            <a:r>
+              <a:rPr lang="en-US" sz="4400" dirty="0" smtClean="0">
+                <a:solidFill>
+                  <a:srgbClr val="FF00FF"/>
+                </a:solidFill>
+              </a:rPr>
+              <a:t>t</a:t>
+            </a:r>
+            <a:r>
+              <a:rPr lang="en-US" sz="4400" dirty="0" smtClean="0"/>
+              <a:t> is small so    easy </a:t>
+            </a:r>
+            <a:r>
+              <a:rPr lang="en-US" sz="4400" dirty="0"/>
+              <a:t>to compute </a:t>
+            </a:r>
+          </a:p>
+        </p:txBody>
+      </p:sp>
+      <p:sp>
+        <p:nvSpPr>
+          <p:cNvPr id="2" name="Title 1"/>
+          <p:cNvSpPr>
+            <a:spLocks noGrp="1"/>
+          </p:cNvSpPr>
+          <p:nvPr>
+            <p:ph type="title"/>
+          </p:nvPr>
+        </p:nvSpPr>
+        <p:spPr>
+          <a:xfrm>
+            <a:off x="1219200" y="152400"/>
+            <a:ext cx="7472362" cy="1143000"/>
+          </a:xfrm>
+        </p:spPr>
+        <p:txBody>
+          <a:bodyPr/>
+          <a:lstStyle/>
+          <a:p>
+            <a:r>
+              <a:rPr lang="en-US" dirty="0" smtClean="0"/>
+              <a:t>Importance of Super-node</a:t>
+            </a:r>
+            <a:endParaRPr lang="en-US" dirty="0"/>
+          </a:p>
+        </p:txBody>
+      </p:sp>
+      <p:sp>
+        <p:nvSpPr>
+          <p:cNvPr id="4" name="Slide Number Placeholder 3"/>
+          <p:cNvSpPr>
+            <a:spLocks noGrp="1"/>
+          </p:cNvSpPr>
+          <p:nvPr>
+            <p:ph type="sldNum" sz="quarter" idx="12"/>
+          </p:nvPr>
+        </p:nvSpPr>
+        <p:spPr/>
+        <p:txBody>
+          <a:bodyPr/>
+          <a:lstStyle/>
+          <a:p>
+            <a:pPr>
+              <a:defRPr/>
+            </a:pPr>
+            <a:r>
+              <a:rPr lang="en-US" dirty="0" smtClean="0"/>
+              <a:t>page-rank.</a:t>
+            </a:r>
+            <a:fld id="{E877D3CB-F960-BD47-98A7-06971C504846}" type="slidenum">
+              <a:rPr lang="en-US" smtClean="0"/>
+              <a:pPr>
+                <a:defRPr/>
+              </a:pPr>
+              <a:t>8</a:t>
+            </a:fld>
+            <a:endParaRPr lang="en-US" dirty="0" smtClean="0"/>
+          </a:p>
+          <a:p>
+            <a:pPr>
+              <a:defRPr/>
+            </a:pPr>
+            <a:endParaRPr lang="en-US" dirty="0"/>
+          </a:p>
+        </p:txBody>
+      </p:sp>
+      <p:sp>
+        <p:nvSpPr>
+          <p:cNvPr id="5" name="Date Placeholder 4"/>
+          <p:cNvSpPr>
+            <a:spLocks noGrp="1"/>
+          </p:cNvSpPr>
+          <p:nvPr>
+            <p:ph type="dt" sz="half" idx="2"/>
+          </p:nvPr>
+        </p:nvSpPr>
+        <p:spPr/>
+        <p:txBody>
+          <a:bodyPr/>
+          <a:lstStyle/>
+          <a:p>
+            <a:pPr>
+              <a:defRPr/>
+            </a:pPr>
+            <a:r>
+              <a:rPr lang="en-US" smtClean="0"/>
+              <a:t>Albert R Meyer,           December 11, 2013</a:t>
+            </a:r>
+            <a:endParaRPr lang="en-US" dirty="0"/>
+          </a:p>
+        </p:txBody>
+      </p:sp>
+      <p:grpSp>
+        <p:nvGrpSpPr>
+          <p:cNvPr id="7" name="Group 6"/>
+          <p:cNvGrpSpPr/>
+          <p:nvPr/>
+        </p:nvGrpSpPr>
+        <p:grpSpPr>
+          <a:xfrm>
+            <a:off x="7696200" y="1524000"/>
+            <a:ext cx="533400" cy="923330"/>
+            <a:chOff x="7236844" y="3657600"/>
+            <a:chExt cx="533400" cy="923330"/>
+          </a:xfrm>
+        </p:grpSpPr>
+        <p:sp>
+          <p:nvSpPr>
+            <p:cNvPr id="8" name="TextBox 7"/>
+            <p:cNvSpPr txBox="1"/>
+            <p:nvPr/>
+          </p:nvSpPr>
+          <p:spPr>
+            <a:xfrm>
+              <a:off x="7236844" y="3657600"/>
+              <a:ext cx="521785" cy="923330"/>
+            </a:xfrm>
+            <a:prstGeom prst="rect">
+              <a:avLst/>
+            </a:prstGeom>
+            <a:noFill/>
+          </p:spPr>
+          <p:txBody>
+            <a:bodyPr wrap="none" rtlCol="0">
+              <a:spAutoFit/>
+            </a:bodyPr>
+            <a:lstStyle/>
+            <a:p>
+              <a:r>
+                <a:rPr lang="en-US" sz="5400" dirty="0">
+                  <a:solidFill>
+                    <a:srgbClr val="0000FF"/>
+                  </a:solidFill>
+                </a:rPr>
+                <a:t>s</a:t>
+              </a:r>
+              <a:endParaRPr lang="en-US" sz="5400" dirty="0"/>
+            </a:p>
+          </p:txBody>
+        </p:sp>
+        <p:cxnSp>
+          <p:nvCxnSpPr>
+            <p:cNvPr id="9" name="Straight Arrow Connector 8"/>
+            <p:cNvCxnSpPr/>
+            <p:nvPr/>
+          </p:nvCxnSpPr>
+          <p:spPr bwMode="auto">
+            <a:xfrm>
+              <a:off x="7389244" y="3886200"/>
+              <a:ext cx="381000" cy="0"/>
+            </a:xfrm>
+            <a:prstGeom prst="straightConnector1">
+              <a:avLst/>
+            </a:prstGeom>
+            <a:solidFill>
+              <a:schemeClr val="accent1"/>
+            </a:solidFill>
+            <a:ln w="38100" cap="flat" cmpd="sng" algn="ctr">
+              <a:solidFill>
+                <a:srgbClr val="0000FF"/>
+              </a:solidFill>
+              <a:prstDash val="solid"/>
+              <a:round/>
+              <a:headEnd type="none" w="med" len="med"/>
+              <a:tailEnd type="arrow" w="sm" len="sm"/>
+            </a:ln>
+            <a:effectLst/>
+          </p:spPr>
+        </p:cxnSp>
+      </p:grpSp>
+      <p:grpSp>
+        <p:nvGrpSpPr>
+          <p:cNvPr id="10" name="Group 9"/>
+          <p:cNvGrpSpPr/>
+          <p:nvPr/>
+        </p:nvGrpSpPr>
+        <p:grpSpPr>
+          <a:xfrm>
+            <a:off x="7391400" y="2302133"/>
+            <a:ext cx="513782" cy="830997"/>
+            <a:chOff x="7236844" y="3657600"/>
+            <a:chExt cx="513782" cy="830997"/>
+          </a:xfrm>
+        </p:grpSpPr>
+        <p:sp>
+          <p:nvSpPr>
+            <p:cNvPr id="11" name="TextBox 10"/>
+            <p:cNvSpPr txBox="1"/>
+            <p:nvPr/>
+          </p:nvSpPr>
+          <p:spPr>
+            <a:xfrm>
+              <a:off x="7236844" y="3657600"/>
+              <a:ext cx="513782" cy="830997"/>
+            </a:xfrm>
+            <a:prstGeom prst="rect">
+              <a:avLst/>
+            </a:prstGeom>
+            <a:noFill/>
+          </p:spPr>
+          <p:txBody>
+            <a:bodyPr wrap="none" rtlCol="0">
+              <a:spAutoFit/>
+            </a:bodyPr>
+            <a:lstStyle/>
+            <a:p>
+              <a:r>
+                <a:rPr lang="en-US" sz="4800" dirty="0" smtClean="0">
+                  <a:solidFill>
+                    <a:srgbClr val="0000FF"/>
+                  </a:solidFill>
+                </a:rPr>
+                <a:t>p</a:t>
+              </a:r>
+              <a:endParaRPr lang="en-US" sz="4800" dirty="0"/>
+            </a:p>
+          </p:txBody>
+        </p:sp>
+        <p:cxnSp>
+          <p:nvCxnSpPr>
+            <p:cNvPr id="12" name="Straight Arrow Connector 11"/>
+            <p:cNvCxnSpPr/>
+            <p:nvPr/>
+          </p:nvCxnSpPr>
+          <p:spPr bwMode="auto">
+            <a:xfrm>
+              <a:off x="7313044" y="3886200"/>
+              <a:ext cx="381000" cy="0"/>
+            </a:xfrm>
+            <a:prstGeom prst="straightConnector1">
+              <a:avLst/>
+            </a:prstGeom>
+            <a:solidFill>
+              <a:schemeClr val="accent1"/>
+            </a:solidFill>
+            <a:ln w="38100" cap="flat" cmpd="sng" algn="ctr">
+              <a:solidFill>
+                <a:srgbClr val="0000FF"/>
+              </a:solidFill>
+              <a:prstDash val="solid"/>
+              <a:round/>
+              <a:headEnd type="none" w="med" len="med"/>
+              <a:tailEnd type="arrow" w="sm" len="sm"/>
+            </a:ln>
+            <a:effectLst/>
+          </p:spPr>
+        </p:cxnSp>
+      </p:grpSp>
+      <p:grpSp>
+        <p:nvGrpSpPr>
+          <p:cNvPr id="13" name="Group 12"/>
+          <p:cNvGrpSpPr/>
+          <p:nvPr/>
+        </p:nvGrpSpPr>
+        <p:grpSpPr>
+          <a:xfrm>
+            <a:off x="4572000" y="2810470"/>
+            <a:ext cx="533400" cy="923330"/>
+            <a:chOff x="7236844" y="3657600"/>
+            <a:chExt cx="533400" cy="923330"/>
+          </a:xfrm>
+        </p:grpSpPr>
+        <p:sp>
+          <p:nvSpPr>
+            <p:cNvPr id="14" name="TextBox 13"/>
+            <p:cNvSpPr txBox="1"/>
+            <p:nvPr/>
+          </p:nvSpPr>
+          <p:spPr>
+            <a:xfrm>
+              <a:off x="7236844" y="3657600"/>
+              <a:ext cx="521785" cy="923330"/>
+            </a:xfrm>
+            <a:prstGeom prst="rect">
+              <a:avLst/>
+            </a:prstGeom>
+            <a:noFill/>
+          </p:spPr>
+          <p:txBody>
+            <a:bodyPr wrap="none" rtlCol="0">
+              <a:spAutoFit/>
+            </a:bodyPr>
+            <a:lstStyle/>
+            <a:p>
+              <a:r>
+                <a:rPr lang="en-US" sz="5400" dirty="0">
+                  <a:solidFill>
+                    <a:srgbClr val="0000FF"/>
+                  </a:solidFill>
+                </a:rPr>
+                <a:t>s</a:t>
+              </a:r>
+              <a:endParaRPr lang="en-US" sz="5400" dirty="0"/>
+            </a:p>
+          </p:txBody>
+        </p:sp>
+        <p:cxnSp>
+          <p:nvCxnSpPr>
+            <p:cNvPr id="15" name="Straight Arrow Connector 14"/>
+            <p:cNvCxnSpPr/>
+            <p:nvPr/>
+          </p:nvCxnSpPr>
+          <p:spPr bwMode="auto">
+            <a:xfrm>
+              <a:off x="7389244" y="3886200"/>
+              <a:ext cx="381000" cy="0"/>
+            </a:xfrm>
+            <a:prstGeom prst="straightConnector1">
+              <a:avLst/>
+            </a:prstGeom>
+            <a:solidFill>
+              <a:schemeClr val="accent1"/>
+            </a:solidFill>
+            <a:ln w="38100" cap="flat" cmpd="sng" algn="ctr">
+              <a:solidFill>
+                <a:srgbClr val="0000FF"/>
+              </a:solidFill>
+              <a:prstDash val="solid"/>
+              <a:round/>
+              <a:headEnd type="none" w="med" len="med"/>
+              <a:tailEnd type="arrow" w="sm" len="sm"/>
+            </a:ln>
+            <a:effectLst/>
+          </p:spPr>
+        </p:cxnSp>
+      </p:grpSp>
+      <p:grpSp>
+        <p:nvGrpSpPr>
+          <p:cNvPr id="23" name="Group 22"/>
+          <p:cNvGrpSpPr/>
+          <p:nvPr/>
+        </p:nvGrpSpPr>
+        <p:grpSpPr>
+          <a:xfrm>
+            <a:off x="3303588" y="3124200"/>
+            <a:ext cx="3751262" cy="1600200"/>
+            <a:chOff x="2541588" y="3352800"/>
+            <a:chExt cx="3751262" cy="1600200"/>
+          </a:xfrm>
+        </p:grpSpPr>
+        <p:graphicFrame>
+          <p:nvGraphicFramePr>
+            <p:cNvPr id="17" name="Object 16"/>
+            <p:cNvGraphicFramePr>
+              <a:graphicFrameLocks noChangeAspect="1"/>
+            </p:cNvGraphicFramePr>
+            <p:nvPr>
+              <p:extLst>
+                <p:ext uri="{D42A27DB-BD31-4B8C-83A1-F6EECF244321}">
+                  <p14:modId xmlns:p14="http://schemas.microsoft.com/office/powerpoint/2010/main" val="175687491"/>
+                </p:ext>
+              </p:extLst>
+            </p:nvPr>
+          </p:nvGraphicFramePr>
+          <p:xfrm>
+            <a:off x="2541588" y="3352800"/>
+            <a:ext cx="3751262" cy="1600200"/>
+          </p:xfrm>
+          <a:graphic>
+            <a:graphicData uri="http://schemas.openxmlformats.org/presentationml/2006/ole">
+              <mc:AlternateContent xmlns:mc="http://schemas.openxmlformats.org/markup-compatibility/2006">
+                <mc:Choice xmlns:v="urn:schemas-microsoft-com:vml" Requires="v">
+                  <p:oleObj spid="_x0000_s1050" name="Equation" r:id="rId4" imgW="952500" imgH="406400" progId="Equation.DSMT4">
+                    <p:embed/>
+                  </p:oleObj>
+                </mc:Choice>
+                <mc:Fallback>
+                  <p:oleObj name="Equation" r:id="rId4" imgW="952500" imgH="406400" progId="Equation.DSMT4">
+                    <p:embed/>
+                    <p:pic>
+                      <p:nvPicPr>
+                        <p:cNvPr id="0" name=""/>
+                        <p:cNvPicPr/>
+                        <p:nvPr/>
+                      </p:nvPicPr>
+                      <p:blipFill>
+                        <a:blip r:embed="rId5"/>
+                        <a:stretch>
+                          <a:fillRect/>
+                        </a:stretch>
+                      </p:blipFill>
+                      <p:spPr>
+                        <a:xfrm>
+                          <a:off x="2541588" y="3352800"/>
+                          <a:ext cx="3751262" cy="1600200"/>
+                        </a:xfrm>
+                        <a:prstGeom prst="rect">
+                          <a:avLst/>
+                        </a:prstGeom>
+                      </p:spPr>
+                    </p:pic>
+                  </p:oleObj>
+                </mc:Fallback>
+              </mc:AlternateContent>
+            </a:graphicData>
+          </a:graphic>
+        </p:graphicFrame>
+        <p:cxnSp>
+          <p:nvCxnSpPr>
+            <p:cNvPr id="18" name="Straight Arrow Connector 17"/>
+            <p:cNvCxnSpPr/>
+            <p:nvPr/>
+          </p:nvCxnSpPr>
+          <p:spPr bwMode="auto">
+            <a:xfrm>
+              <a:off x="3657600" y="3962400"/>
+              <a:ext cx="381000" cy="0"/>
+            </a:xfrm>
+            <a:prstGeom prst="straightConnector1">
+              <a:avLst/>
+            </a:prstGeom>
+            <a:solidFill>
+              <a:schemeClr val="accent1"/>
+            </a:solidFill>
+            <a:ln w="38100" cap="flat" cmpd="sng" algn="ctr">
+              <a:solidFill>
+                <a:srgbClr val="0000FF"/>
+              </a:solidFill>
+              <a:prstDash val="solid"/>
+              <a:round/>
+              <a:headEnd type="none" w="med" len="med"/>
+              <a:tailEnd type="arrow" w="sm" len="sm"/>
+            </a:ln>
+            <a:effectLst/>
+          </p:spPr>
+        </p:cxnSp>
+        <p:cxnSp>
+          <p:nvCxnSpPr>
+            <p:cNvPr id="19" name="Straight Arrow Connector 18"/>
+            <p:cNvCxnSpPr/>
+            <p:nvPr/>
+          </p:nvCxnSpPr>
+          <p:spPr bwMode="auto">
+            <a:xfrm>
+              <a:off x="5867400" y="3962400"/>
+              <a:ext cx="381000" cy="0"/>
+            </a:xfrm>
+            <a:prstGeom prst="straightConnector1">
+              <a:avLst/>
+            </a:prstGeom>
+            <a:solidFill>
+              <a:schemeClr val="accent1"/>
+            </a:solidFill>
+            <a:ln w="38100" cap="flat" cmpd="sng" algn="ctr">
+              <a:solidFill>
+                <a:srgbClr val="0000FF"/>
+              </a:solidFill>
+              <a:prstDash val="solid"/>
+              <a:round/>
+              <a:headEnd type="none" w="med" len="med"/>
+              <a:tailEnd type="arrow" w="sm" len="sm"/>
+            </a:ln>
+            <a:effectLst/>
+          </p:spPr>
+        </p:cxnSp>
+      </p:grpSp>
+      <p:grpSp>
+        <p:nvGrpSpPr>
+          <p:cNvPr id="20" name="Group 19"/>
+          <p:cNvGrpSpPr/>
+          <p:nvPr/>
+        </p:nvGrpSpPr>
+        <p:grpSpPr>
+          <a:xfrm>
+            <a:off x="3733800" y="5029200"/>
+            <a:ext cx="533400" cy="923330"/>
+            <a:chOff x="7236844" y="3657600"/>
+            <a:chExt cx="533400" cy="923330"/>
+          </a:xfrm>
+        </p:grpSpPr>
+        <p:sp>
+          <p:nvSpPr>
+            <p:cNvPr id="21" name="TextBox 20"/>
+            <p:cNvSpPr txBox="1"/>
+            <p:nvPr/>
+          </p:nvSpPr>
+          <p:spPr>
+            <a:xfrm>
+              <a:off x="7236844" y="3657600"/>
+              <a:ext cx="521785" cy="923330"/>
+            </a:xfrm>
+            <a:prstGeom prst="rect">
+              <a:avLst/>
+            </a:prstGeom>
+            <a:noFill/>
+          </p:spPr>
+          <p:txBody>
+            <a:bodyPr wrap="none" rtlCol="0">
+              <a:spAutoFit/>
+            </a:bodyPr>
+            <a:lstStyle/>
+            <a:p>
+              <a:r>
+                <a:rPr lang="en-US" sz="5400" dirty="0">
+                  <a:solidFill>
+                    <a:srgbClr val="0000FF"/>
+                  </a:solidFill>
+                </a:rPr>
+                <a:t>s</a:t>
+              </a:r>
+              <a:endParaRPr lang="en-US" sz="5400" dirty="0"/>
+            </a:p>
+          </p:txBody>
+        </p:sp>
+        <p:cxnSp>
+          <p:nvCxnSpPr>
+            <p:cNvPr id="22" name="Straight Arrow Connector 21"/>
+            <p:cNvCxnSpPr/>
+            <p:nvPr/>
+          </p:nvCxnSpPr>
+          <p:spPr bwMode="auto">
+            <a:xfrm>
+              <a:off x="7389244" y="3886200"/>
+              <a:ext cx="381000" cy="0"/>
+            </a:xfrm>
+            <a:prstGeom prst="straightConnector1">
+              <a:avLst/>
+            </a:prstGeom>
+            <a:solidFill>
+              <a:schemeClr val="accent1"/>
+            </a:solidFill>
+            <a:ln w="38100" cap="flat" cmpd="sng" algn="ctr">
+              <a:solidFill>
+                <a:srgbClr val="0000FF"/>
+              </a:solidFill>
+              <a:prstDash val="solid"/>
+              <a:round/>
+              <a:headEnd type="none" w="med" len="med"/>
+              <a:tailEnd type="arrow" w="sm" len="sm"/>
+            </a:ln>
+            <a:effectLst/>
+          </p:spPr>
+        </p:cxnSp>
+      </p:grpSp>
+    </p:spTree>
+    <p:extLst>
+      <p:ext uri="{BB962C8B-B14F-4D97-AF65-F5344CB8AC3E}">
+        <p14:creationId xmlns:p14="http://schemas.microsoft.com/office/powerpoint/2010/main" val="4034444194"/>
+      </p:ext>
+    </p:extLst>
+  </p:cSld>
+  <p:clrMapOvr>
+    <a:masterClrMapping/>
+  </p:clrMapOvr>
+  <p:transition xmlns:p14="http://schemas.microsoft.com/office/powerpoint/2010/main" spd="slow" advClick="0">
+    <p:fade thruBlk="1"/>
+  </p:transition>
+  <p:timing>
+    <p:tnLst>
+      <p:par>
+        <p:cTn xmlns:p14="http://schemas.microsoft.com/office/powerpoint/2010/main" id="1" dur="indefinite" restart="never" nodeType="tmRoot">
+          <p:childTnLst>
+            <p:seq concurrent="1" nextAc="seek">
+              <p:cTn id="2" dur="indefinite" nodeType="mainSeq">
+                <p:childTnLst>
+                  <p:par>
+                    <p:cTn id="3" fill="hold">
+                      <p:stCondLst>
+                        <p:cond delay="indefinite"/>
+                      </p:stCondLst>
+                      <p:childTnLst>
+                        <p:par>
+                          <p:cTn id="4" fill="hold">
+                            <p:stCondLst>
+                              <p:cond delay="0"/>
+                            </p:stCondLst>
+                            <p:childTnLst>
+                              <p:par>
+                                <p:cTn id="5" presetID="10" presetClass="entr" presetSubtype="0" fill="hold" nodeType="clickEffect">
+                                  <p:stCondLst>
+                                    <p:cond delay="0"/>
+                                  </p:stCondLst>
+                                  <p:childTnLst>
+                                    <p:set>
+                                      <p:cBhvr>
+                                        <p:cTn id="6" dur="1" fill="hold">
+                                          <p:stCondLst>
+                                            <p:cond delay="0"/>
+                                          </p:stCondLst>
+                                        </p:cTn>
+                                        <p:tgtEl>
+                                          <p:spTgt spid="6">
+                                            <p:txEl>
+                                              <p:pRg st="0" end="0"/>
+                                            </p:txEl>
+                                          </p:spTgt>
+                                        </p:tgtEl>
+                                        <p:attrNameLst>
+                                          <p:attrName>style.visibility</p:attrName>
+                                        </p:attrNameLst>
+                                      </p:cBhvr>
+                                      <p:to>
+                                        <p:strVal val="visible"/>
+                                      </p:to>
+                                    </p:set>
+                                    <p:animEffect transition="in" filter="fade">
+                                      <p:cBhvr>
+                                        <p:cTn id="7" dur="500"/>
+                                        <p:tgtEl>
+                                          <p:spTgt spid="6">
+                                            <p:txEl>
+                                              <p:pRg st="0" end="0"/>
+                                            </p:txEl>
+                                          </p:spTgt>
+                                        </p:tgtEl>
+                                      </p:cBhvr>
+                                    </p:animEffect>
+                                  </p:childTnLst>
+                                </p:cTn>
+                              </p:par>
+                            </p:childTnLst>
+                          </p:cTn>
+                        </p:par>
+                        <p:par>
+                          <p:cTn id="8" fill="hold">
+                            <p:stCondLst>
+                              <p:cond delay="500"/>
+                            </p:stCondLst>
+                            <p:childTnLst>
+                              <p:par>
+                                <p:cTn id="9" presetID="10" presetClass="entr" presetSubtype="0" fill="hold" nodeType="afterEffect">
+                                  <p:stCondLst>
+                                    <p:cond delay="0"/>
+                                  </p:stCondLst>
+                                  <p:childTnLst>
+                                    <p:set>
+                                      <p:cBhvr>
+                                        <p:cTn id="10" dur="1" fill="hold">
+                                          <p:stCondLst>
+                                            <p:cond delay="0"/>
+                                          </p:stCondLst>
+                                        </p:cTn>
+                                        <p:tgtEl>
+                                          <p:spTgt spid="6">
+                                            <p:txEl>
+                                              <p:pRg st="1" end="1"/>
+                                            </p:txEl>
+                                          </p:spTgt>
+                                        </p:tgtEl>
+                                        <p:attrNameLst>
+                                          <p:attrName>style.visibility</p:attrName>
+                                        </p:attrNameLst>
+                                      </p:cBhvr>
+                                      <p:to>
+                                        <p:strVal val="visible"/>
+                                      </p:to>
+                                    </p:set>
+                                    <p:animEffect transition="in" filter="fade">
+                                      <p:cBhvr>
+                                        <p:cTn id="11" dur="500"/>
+                                        <p:tgtEl>
+                                          <p:spTgt spid="6">
+                                            <p:txEl>
+                                              <p:pRg st="1" end="1"/>
+                                            </p:txEl>
+                                          </p:spTgt>
+                                        </p:tgtEl>
+                                      </p:cBhvr>
+                                    </p:animEffect>
+                                  </p:childTnLst>
+                                </p:cTn>
+                              </p:par>
+                              <p:par>
+                                <p:cTn id="12" presetID="10" presetClass="entr" presetSubtype="0" fill="hold" nodeType="withEffect">
+                                  <p:stCondLst>
+                                    <p:cond delay="0"/>
+                                  </p:stCondLst>
+                                  <p:childTnLst>
+                                    <p:set>
+                                      <p:cBhvr>
+                                        <p:cTn id="13" dur="1" fill="hold">
+                                          <p:stCondLst>
+                                            <p:cond delay="0"/>
+                                          </p:stCondLst>
+                                        </p:cTn>
+                                        <p:tgtEl>
+                                          <p:spTgt spid="7"/>
+                                        </p:tgtEl>
+                                        <p:attrNameLst>
+                                          <p:attrName>style.visibility</p:attrName>
+                                        </p:attrNameLst>
+                                      </p:cBhvr>
+                                      <p:to>
+                                        <p:strVal val="visible"/>
+                                      </p:to>
+                                    </p:set>
+                                    <p:animEffect transition="in" filter="fade">
+                                      <p:cBhvr>
+                                        <p:cTn id="14" dur="1000"/>
+                                        <p:tgtEl>
+                                          <p:spTgt spid="7"/>
+                                        </p:tgtEl>
+                                      </p:cBhvr>
+                                    </p:animEffect>
+                                  </p:childTnLst>
+                                </p:cTn>
+                              </p:par>
+                            </p:childTnLst>
+                          </p:cTn>
+                        </p:par>
+                      </p:childTnLst>
+                    </p:cTn>
+                  </p:par>
+                  <p:par>
+                    <p:cTn id="15" fill="hold">
+                      <p:stCondLst>
+                        <p:cond delay="indefinite"/>
+                      </p:stCondLst>
+                      <p:childTnLst>
+                        <p:par>
+                          <p:cTn id="16" fill="hold">
+                            <p:stCondLst>
+                              <p:cond delay="0"/>
+                            </p:stCondLst>
+                            <p:childTnLst>
+                              <p:par>
+                                <p:cTn id="17" presetID="10" presetClass="entr" presetSubtype="0" fill="hold" nodeType="clickEffect">
+                                  <p:stCondLst>
+                                    <p:cond delay="0"/>
+                                  </p:stCondLst>
+                                  <p:childTnLst>
+                                    <p:set>
+                                      <p:cBhvr>
+                                        <p:cTn id="18" dur="1" fill="hold">
+                                          <p:stCondLst>
+                                            <p:cond delay="0"/>
+                                          </p:stCondLst>
+                                        </p:cTn>
+                                        <p:tgtEl>
+                                          <p:spTgt spid="6">
+                                            <p:txEl>
+                                              <p:pRg st="2" end="2"/>
+                                            </p:txEl>
+                                          </p:spTgt>
+                                        </p:tgtEl>
+                                        <p:attrNameLst>
+                                          <p:attrName>style.visibility</p:attrName>
+                                        </p:attrNameLst>
+                                      </p:cBhvr>
+                                      <p:to>
+                                        <p:strVal val="visible"/>
+                                      </p:to>
+                                    </p:set>
+                                    <p:animEffect transition="in" filter="fade">
+                                      <p:cBhvr>
+                                        <p:cTn id="19" dur="500"/>
+                                        <p:tgtEl>
+                                          <p:spTgt spid="6">
+                                            <p:txEl>
+                                              <p:pRg st="2" end="2"/>
+                                            </p:txEl>
+                                          </p:spTgt>
+                                        </p:tgtEl>
+                                      </p:cBhvr>
+                                    </p:animEffect>
+                                  </p:childTnLst>
+                                </p:cTn>
+                              </p:par>
+                              <p:par>
+                                <p:cTn id="20" presetID="10" presetClass="entr" presetSubtype="0" fill="hold" nodeType="withEffect">
+                                  <p:stCondLst>
+                                    <p:cond delay="0"/>
+                                  </p:stCondLst>
+                                  <p:childTnLst>
+                                    <p:set>
+                                      <p:cBhvr>
+                                        <p:cTn id="21" dur="1" fill="hold">
+                                          <p:stCondLst>
+                                            <p:cond delay="0"/>
+                                          </p:stCondLst>
+                                        </p:cTn>
+                                        <p:tgtEl>
+                                          <p:spTgt spid="10"/>
+                                        </p:tgtEl>
+                                        <p:attrNameLst>
+                                          <p:attrName>style.visibility</p:attrName>
+                                        </p:attrNameLst>
+                                      </p:cBhvr>
+                                      <p:to>
+                                        <p:strVal val="visible"/>
+                                      </p:to>
+                                    </p:set>
+                                    <p:animEffect transition="in" filter="fade">
+                                      <p:cBhvr>
+                                        <p:cTn id="22" dur="1000"/>
+                                        <p:tgtEl>
+                                          <p:spTgt spid="10"/>
+                                        </p:tgtEl>
+                                      </p:cBhvr>
+                                    </p:animEffect>
+                                  </p:childTnLst>
+                                </p:cTn>
+                              </p:par>
+                              <p:par>
+                                <p:cTn id="23" presetID="10" presetClass="entr" presetSubtype="0" fill="hold" nodeType="withEffect">
+                                  <p:stCondLst>
+                                    <p:cond delay="0"/>
+                                  </p:stCondLst>
+                                  <p:childTnLst>
+                                    <p:set>
+                                      <p:cBhvr>
+                                        <p:cTn id="24" dur="1" fill="hold">
+                                          <p:stCondLst>
+                                            <p:cond delay="0"/>
+                                          </p:stCondLst>
+                                        </p:cTn>
+                                        <p:tgtEl>
+                                          <p:spTgt spid="6">
+                                            <p:txEl>
+                                              <p:pRg st="3" end="3"/>
+                                            </p:txEl>
+                                          </p:spTgt>
+                                        </p:tgtEl>
+                                        <p:attrNameLst>
+                                          <p:attrName>style.visibility</p:attrName>
+                                        </p:attrNameLst>
+                                      </p:cBhvr>
+                                      <p:to>
+                                        <p:strVal val="visible"/>
+                                      </p:to>
+                                    </p:set>
+                                    <p:animEffect transition="in" filter="fade">
+                                      <p:cBhvr>
+                                        <p:cTn id="25" dur="500"/>
+                                        <p:tgtEl>
+                                          <p:spTgt spid="6">
+                                            <p:txEl>
+                                              <p:pRg st="3" end="3"/>
+                                            </p:txEl>
+                                          </p:spTgt>
+                                        </p:tgtEl>
+                                      </p:cBhvr>
+                                    </p:animEffect>
+                                  </p:childTnLst>
+                                </p:cTn>
+                              </p:par>
+                              <p:par>
+                                <p:cTn id="26" presetID="10" presetClass="entr" presetSubtype="0" fill="hold" nodeType="withEffect">
+                                  <p:stCondLst>
+                                    <p:cond delay="0"/>
+                                  </p:stCondLst>
+                                  <p:childTnLst>
+                                    <p:set>
+                                      <p:cBhvr>
+                                        <p:cTn id="27" dur="1" fill="hold">
+                                          <p:stCondLst>
+                                            <p:cond delay="0"/>
+                                          </p:stCondLst>
+                                        </p:cTn>
+                                        <p:tgtEl>
+                                          <p:spTgt spid="13"/>
+                                        </p:tgtEl>
+                                        <p:attrNameLst>
+                                          <p:attrName>style.visibility</p:attrName>
+                                        </p:attrNameLst>
+                                      </p:cBhvr>
+                                      <p:to>
+                                        <p:strVal val="visible"/>
+                                      </p:to>
+                                    </p:set>
+                                    <p:animEffect transition="in" filter="fade">
+                                      <p:cBhvr>
+                                        <p:cTn id="28" dur="500"/>
+                                        <p:tgtEl>
+                                          <p:spTgt spid="13"/>
+                                        </p:tgtEl>
+                                      </p:cBhvr>
+                                    </p:animEffect>
+                                  </p:childTnLst>
+                                </p:cTn>
+                              </p:par>
+                            </p:childTnLst>
+                          </p:cTn>
+                        </p:par>
+                      </p:childTnLst>
+                    </p:cTn>
+                  </p:par>
+                  <p:par>
+                    <p:cTn id="29" fill="hold">
+                      <p:stCondLst>
+                        <p:cond delay="indefinite"/>
+                      </p:stCondLst>
+                      <p:childTnLst>
+                        <p:par>
+                          <p:cTn id="30" fill="hold">
+                            <p:stCondLst>
+                              <p:cond delay="0"/>
+                            </p:stCondLst>
+                            <p:childTnLst>
+                              <p:par>
+                                <p:cTn id="31" presetID="22" presetClass="entr" presetSubtype="8" fill="hold" nodeType="clickEffect">
+                                  <p:stCondLst>
+                                    <p:cond delay="0"/>
+                                  </p:stCondLst>
+                                  <p:childTnLst>
+                                    <p:set>
+                                      <p:cBhvr>
+                                        <p:cTn id="32" dur="1" fill="hold">
+                                          <p:stCondLst>
+                                            <p:cond delay="0"/>
+                                          </p:stCondLst>
+                                        </p:cTn>
+                                        <p:tgtEl>
+                                          <p:spTgt spid="23"/>
+                                        </p:tgtEl>
+                                        <p:attrNameLst>
+                                          <p:attrName>style.visibility</p:attrName>
+                                        </p:attrNameLst>
+                                      </p:cBhvr>
+                                      <p:to>
+                                        <p:strVal val="visible"/>
+                                      </p:to>
+                                    </p:set>
+                                    <p:animEffect transition="in" filter="wipe(left)">
+                                      <p:cBhvr>
+                                        <p:cTn id="33" dur="1000"/>
+                                        <p:tgtEl>
+                                          <p:spTgt spid="23"/>
+                                        </p:tgtEl>
+                                      </p:cBhvr>
+                                    </p:animEffect>
+                                  </p:childTnLst>
+                                </p:cTn>
+                              </p:par>
+                            </p:childTnLst>
+                          </p:cTn>
+                        </p:par>
+                      </p:childTnLst>
+                    </p:cTn>
+                  </p:par>
+                  <p:par>
+                    <p:cTn id="34" fill="hold">
+                      <p:stCondLst>
+                        <p:cond delay="indefinite"/>
+                      </p:stCondLst>
+                      <p:childTnLst>
+                        <p:par>
+                          <p:cTn id="35" fill="hold">
+                            <p:stCondLst>
+                              <p:cond delay="0"/>
+                            </p:stCondLst>
+                            <p:childTnLst>
+                              <p:par>
+                                <p:cTn id="36" presetID="10" presetClass="entr" presetSubtype="0" fill="hold" nodeType="clickEffect">
+                                  <p:stCondLst>
+                                    <p:cond delay="0"/>
+                                  </p:stCondLst>
+                                  <p:childTnLst>
+                                    <p:set>
+                                      <p:cBhvr>
+                                        <p:cTn id="37" dur="1" fill="hold">
+                                          <p:stCondLst>
+                                            <p:cond delay="0"/>
+                                          </p:stCondLst>
+                                        </p:cTn>
+                                        <p:tgtEl>
+                                          <p:spTgt spid="6">
+                                            <p:txEl>
+                                              <p:pRg st="6" end="6"/>
+                                            </p:txEl>
+                                          </p:spTgt>
+                                        </p:tgtEl>
+                                        <p:attrNameLst>
+                                          <p:attrName>style.visibility</p:attrName>
+                                        </p:attrNameLst>
+                                      </p:cBhvr>
+                                      <p:to>
+                                        <p:strVal val="visible"/>
+                                      </p:to>
+                                    </p:set>
+                                    <p:animEffect transition="in" filter="fade">
+                                      <p:cBhvr>
+                                        <p:cTn id="38" dur="500"/>
+                                        <p:tgtEl>
+                                          <p:spTgt spid="6">
+                                            <p:txEl>
+                                              <p:pRg st="6" end="6"/>
+                                            </p:txEl>
+                                          </p:spTgt>
+                                        </p:tgtEl>
+                                      </p:cBhvr>
+                                    </p:animEffect>
+                                  </p:childTnLst>
+                                </p:cTn>
+                              </p:par>
+                            </p:childTnLst>
+                          </p:cTn>
+                        </p:par>
+                        <p:par>
+                          <p:cTn id="39" fill="hold">
+                            <p:stCondLst>
+                              <p:cond delay="500"/>
+                            </p:stCondLst>
+                            <p:childTnLst>
+                              <p:par>
+                                <p:cTn id="40" presetID="10" presetClass="entr" presetSubtype="0" fill="hold" nodeType="afterEffect">
+                                  <p:stCondLst>
+                                    <p:cond delay="0"/>
+                                  </p:stCondLst>
+                                  <p:childTnLst>
+                                    <p:set>
+                                      <p:cBhvr>
+                                        <p:cTn id="41" dur="1" fill="hold">
+                                          <p:stCondLst>
+                                            <p:cond delay="0"/>
+                                          </p:stCondLst>
+                                        </p:cTn>
+                                        <p:tgtEl>
+                                          <p:spTgt spid="6">
+                                            <p:txEl>
+                                              <p:pRg st="7" end="7"/>
+                                            </p:txEl>
+                                          </p:spTgt>
+                                        </p:tgtEl>
+                                        <p:attrNameLst>
+                                          <p:attrName>style.visibility</p:attrName>
+                                        </p:attrNameLst>
+                                      </p:cBhvr>
+                                      <p:to>
+                                        <p:strVal val="visible"/>
+                                      </p:to>
+                                    </p:set>
+                                    <p:animEffect transition="in" filter="fade">
+                                      <p:cBhvr>
+                                        <p:cTn id="42" dur="500"/>
+                                        <p:tgtEl>
+                                          <p:spTgt spid="6">
+                                            <p:txEl>
+                                              <p:pRg st="7" end="7"/>
+                                            </p:txEl>
+                                          </p:spTgt>
+                                        </p:tgtEl>
+                                      </p:cBhvr>
+                                    </p:animEffect>
+                                  </p:childTnLst>
+                                </p:cTn>
+                              </p:par>
+                              <p:par>
+                                <p:cTn id="43" presetID="10" presetClass="entr" presetSubtype="0" fill="hold" nodeType="withEffect">
+                                  <p:stCondLst>
+                                    <p:cond delay="0"/>
+                                  </p:stCondLst>
+                                  <p:childTnLst>
+                                    <p:set>
+                                      <p:cBhvr>
+                                        <p:cTn id="44" dur="1" fill="hold">
+                                          <p:stCondLst>
+                                            <p:cond delay="0"/>
+                                          </p:stCondLst>
+                                        </p:cTn>
+                                        <p:tgtEl>
+                                          <p:spTgt spid="20"/>
+                                        </p:tgtEl>
+                                        <p:attrNameLst>
+                                          <p:attrName>style.visibility</p:attrName>
+                                        </p:attrNameLst>
+                                      </p:cBhvr>
+                                      <p:to>
+                                        <p:strVal val="visible"/>
+                                      </p:to>
+                                    </p:set>
+                                    <p:animEffect transition="in" filter="fade">
+                                      <p:cBhvr>
+                                        <p:cTn id="45" dur="1000"/>
+                                        <p:tgtEl>
+                                          <p:spTgt spid="20"/>
+                                        </p:tgtEl>
+                                      </p:cBhvr>
+                                    </p:animEffect>
+                                  </p:childTnLst>
+                                </p:cTn>
+                              </p:par>
+                            </p:childTnLst>
+                          </p:cTn>
+                        </p:par>
+                      </p:childTnLst>
+                    </p:cTn>
+                  </p:par>
+                </p:childTnLst>
+              </p:cTn>
+              <p:prevCondLst>
+                <p:cond evt="onPrev" delay="0">
+                  <p:tgtEl>
+                    <p:sldTgt/>
+                  </p:tgtEl>
+                </p:cond>
+              </p:prevCondLst>
+              <p:nextCondLst>
+                <p:cond evt="onNext" delay="0">
+                  <p:tgtEl>
+                    <p:sldTgt/>
+                  </p:tgtEl>
+                </p:cond>
+              </p:nextCondLst>
+            </p:seq>
+          </p:childTnLst>
+        </p:cTn>
+      </p:par>
+    </p:tnLst>
+  </p:timing>
+</p:sld>
+</file>
+
+<file path=ppt/slides/slide9.xml><?xml version="1.0" encoding="utf-8"?>
+<p:sld xmlns:a="http://schemas.openxmlformats.org/drawingml/2006/main" xmlns:r="http://schemas.openxmlformats.org/officeDocument/2006/relationships" xmlns:p="http://schemas.openxmlformats.org/presentationml/2006/main">
+  <p:cSld>
+    <p:spTree>
+      <p:nvGrpSpPr>
+        <p:cNvPr id="1" name=""/>
+        <p:cNvGrpSpPr/>
+        <p:nvPr/>
+      </p:nvGrpSpPr>
+      <p:grpSpPr>
+        <a:xfrm>
+          <a:off x="0" y="0"/>
+          <a:ext cx="0" cy="0"/>
+          <a:chOff x="0" y="0"/>
+          <a:chExt cx="0" cy="0"/>
+        </a:xfrm>
+      </p:grpSpPr>
+      <p:sp>
+        <p:nvSpPr>
+          <p:cNvPr id="2" name="Title 1"/>
+          <p:cNvSpPr>
+            <a:spLocks noGrp="1"/>
+          </p:cNvSpPr>
+          <p:nvPr>
+            <p:ph type="title"/>
+          </p:nvPr>
+        </p:nvSpPr>
+        <p:spPr>
+          <a:xfrm>
+            <a:off x="1443038" y="301625"/>
+            <a:ext cx="6329362" cy="917575"/>
+          </a:xfrm>
+        </p:spPr>
+        <p:txBody>
+          <a:bodyPr/>
+          <a:lstStyle/>
+          <a:p>
+            <a:r>
+              <a:rPr lang="en-US" dirty="0" smtClean="0"/>
+              <a:t>Actual Google Rank</a:t>
+            </a:r>
+            <a:endParaRPr lang="en-US" dirty="0"/>
+          </a:p>
+        </p:txBody>
+      </p:sp>
+      <p:sp>
+        <p:nvSpPr>
+          <p:cNvPr id="3" name="Content Placeholder 2"/>
+          <p:cNvSpPr>
+            <a:spLocks noGrp="1"/>
+          </p:cNvSpPr>
+          <p:nvPr>
+            <p:ph idx="1"/>
+          </p:nvPr>
+        </p:nvSpPr>
+        <p:spPr>
+          <a:xfrm>
+            <a:off x="228600" y="1371600"/>
+            <a:ext cx="8763000" cy="4191000"/>
+          </a:xfrm>
+        </p:spPr>
+        <p:txBody>
+          <a:bodyPr/>
+          <a:lstStyle/>
+          <a:p>
+            <a:pPr marL="0" indent="0">
+              <a:buNone/>
+            </a:pPr>
+            <a:r>
+              <a:rPr lang="en-US" sz="4000" dirty="0" smtClean="0"/>
+              <a:t>Google rank rules are a closely held trade secret using text, location, payment, and other criteria that have evolved for 15 years.</a:t>
+            </a:r>
+          </a:p>
+          <a:p>
+            <a:pPr marL="0" indent="0">
+              <a:buNone/>
+            </a:pPr>
+            <a:r>
+              <a:rPr lang="en-US" sz="4000" dirty="0" smtClean="0"/>
+              <a:t>But </a:t>
+            </a:r>
+            <a:r>
+              <a:rPr lang="en-US" sz="4000" dirty="0" smtClean="0">
+                <a:solidFill>
+                  <a:srgbClr val="0000FF"/>
+                </a:solidFill>
+              </a:rPr>
+              <a:t>PageRank </a:t>
+            </a:r>
+            <a:r>
+              <a:rPr lang="en-US" sz="4000" dirty="0" smtClean="0"/>
+              <a:t>continues to play a </a:t>
+            </a:r>
+            <a:r>
+              <a:rPr lang="en-US" sz="4000" dirty="0" smtClean="0"/>
+              <a:t>significant </a:t>
+            </a:r>
+            <a:r>
+              <a:rPr lang="en-US" sz="4000" dirty="0" smtClean="0"/>
+              <a:t>role.</a:t>
+            </a:r>
+            <a:endParaRPr lang="en-US" sz="4000" dirty="0"/>
+          </a:p>
+        </p:txBody>
+      </p:sp>
+      <p:sp>
+        <p:nvSpPr>
+          <p:cNvPr id="4" name="Slide Number Placeholder 3"/>
+          <p:cNvSpPr>
+            <a:spLocks noGrp="1"/>
+          </p:cNvSpPr>
+          <p:nvPr>
+            <p:ph type="sldNum" sz="quarter" idx="12"/>
+          </p:nvPr>
+        </p:nvSpPr>
+        <p:spPr/>
+        <p:txBody>
+          <a:bodyPr/>
+          <a:lstStyle/>
+          <a:p>
+            <a:pPr>
+              <a:defRPr/>
+            </a:pPr>
+            <a:r>
+              <a:rPr lang="en-US" dirty="0" smtClean="0"/>
+              <a:t>page-rank.</a:t>
+            </a:r>
+            <a:fld id="{E877D3CB-F960-BD47-98A7-06971C504846}" type="slidenum">
+              <a:rPr lang="en-US" smtClean="0"/>
+              <a:pPr>
+                <a:defRPr/>
+              </a:pPr>
+              <a:t>9</a:t>
+            </a:fld>
+            <a:endParaRPr lang="en-US" dirty="0" smtClean="0"/>
+          </a:p>
+          <a:p>
+            <a:pPr>
+              <a:defRPr/>
+            </a:pPr>
+            <a:endParaRPr lang="en-US" dirty="0"/>
+          </a:p>
+        </p:txBody>
+      </p:sp>
+      <p:sp>
+        <p:nvSpPr>
+          <p:cNvPr id="5" name="Date Placeholder 4"/>
+          <p:cNvSpPr>
+            <a:spLocks noGrp="1"/>
+          </p:cNvSpPr>
+          <p:nvPr>
+            <p:ph type="dt" sz="half" idx="2"/>
+          </p:nvPr>
+        </p:nvSpPr>
+        <p:spPr/>
+        <p:txBody>
+          <a:bodyPr/>
+          <a:lstStyle/>
+          <a:p>
+            <a:pPr>
+              <a:defRPr/>
+            </a:pPr>
+            <a:r>
+              <a:rPr lang="en-US" smtClean="0"/>
+              <a:t>Albert R Meyer,           December 11, 2013</a:t>
+            </a:r>
+            <a:endParaRPr lang="en-US" dirty="0"/>
+          </a:p>
+        </p:txBody>
+      </p:sp>
+    </p:spTree>
+    <p:extLst>
+      <p:ext uri="{BB962C8B-B14F-4D97-AF65-F5344CB8AC3E}">
+        <p14:creationId xmlns:p14="http://schemas.microsoft.com/office/powerpoint/2010/main" val="2371703612"/>
+      </p:ext>
+    </p:extLst>
+  </p:cSld>
+  <p:clrMapOvr>
+    <a:masterClrMapping/>
+  </p:clrMapOvr>
+  <p:transition xmlns:p14="http://schemas.microsoft.com/office/powerpoint/2010/main" spd="slow">
+    <p:fade thruBlk="1"/>
+  </p:transition>
+  <p:timing>
+    <p:tnLst>
+      <p:par>
+        <p:cTn xmlns:p14="http://schemas.microsoft.com/office/powerpoint/2010/main" id="1" dur="indefinite" restart="never" nodeType="tmRoot">
+          <p:childTnLst>
+            <p:seq concurrent="1" nextAc="seek">
+              <p:cTn id="2" dur="indefinite" nodeType="mainSeq">
+                <p:childTnLst>
+                  <p:par>
+                    <p:cTn id="3" fill="hold">
+                      <p:stCondLst>
+                        <p:cond delay="indefinite"/>
+                      </p:stCondLst>
+                      <p:childTnLst>
+                        <p:par>
+                          <p:cTn id="4" fill="hold">
+                            <p:stCondLst>
+                              <p:cond delay="0"/>
+                            </p:stCondLst>
+                            <p:childTnLst>
+                              <p:par>
+                                <p:cTn id="5" presetID="10" presetClass="entr" presetSubtype="0" fill="hold" nodeType="clickEffect">
+                                  <p:stCondLst>
+                                    <p:cond delay="0"/>
+                                  </p:stCondLst>
+                                  <p:childTnLst>
+                                    <p:set>
+                                      <p:cBhvr>
+                                        <p:cTn id="6" dur="1" fill="hold">
+                                          <p:stCondLst>
+                                            <p:cond delay="0"/>
+                                          </p:stCondLst>
+                                        </p:cTn>
+                                        <p:tgtEl>
+                                          <p:spTgt spid="3">
+                                            <p:txEl>
+                                              <p:pRg st="0" end="0"/>
+                                            </p:txEl>
+                                          </p:spTgt>
+                                        </p:tgtEl>
+                                        <p:attrNameLst>
+                                          <p:attrName>style.visibility</p:attrName>
+                                        </p:attrNameLst>
+                                      </p:cBhvr>
+                                      <p:to>
+                                        <p:strVal val="visible"/>
+                                      </p:to>
+                                    </p:set>
+                                    <p:animEffect transition="in" filter="fade">
+                                      <p:cBhvr>
+                                        <p:cTn id="7" dur="500"/>
+                                        <p:tgtEl>
+                                          <p:spTgt spid="3">
+                                            <p:txEl>
+                                              <p:pRg st="0" end="0"/>
+                                            </p:txEl>
+                                          </p:spTgt>
+                                        </p:tgtEl>
+                                      </p:cBhvr>
+                                    </p:animEffect>
+                                  </p:childTnLst>
+                                </p:cTn>
+                              </p:par>
+                            </p:childTnLst>
+                          </p:cTn>
+                        </p:par>
+                      </p:childTnLst>
+                    </p:cTn>
+                  </p:par>
+                  <p:par>
+                    <p:cTn id="8" fill="hold">
+                      <p:stCondLst>
+                        <p:cond delay="indefinite"/>
+                      </p:stCondLst>
+                      <p:childTnLst>
+                        <p:par>
+                          <p:cTn id="9" fill="hold">
+                            <p:stCondLst>
+                              <p:cond delay="0"/>
+                            </p:stCondLst>
+                            <p:childTnLst>
+                              <p:par>
+                                <p:cTn id="10" presetID="10" presetClass="entr" presetSubtype="0" fill="hold" nodeType="clickEffect">
+                                  <p:stCondLst>
+                                    <p:cond delay="0"/>
+                                  </p:stCondLst>
+                                  <p:childTnLst>
+                                    <p:set>
+                                      <p:cBhvr>
+                                        <p:cTn id="11" dur="1" fill="hold">
+                                          <p:stCondLst>
+                                            <p:cond delay="0"/>
+                                          </p:stCondLst>
+                                        </p:cTn>
+                                        <p:tgtEl>
+                                          <p:spTgt spid="3">
+                                            <p:txEl>
+                                              <p:pRg st="1" end="1"/>
+                                            </p:txEl>
+                                          </p:spTgt>
+                                        </p:tgtEl>
+                                        <p:attrNameLst>
+                                          <p:attrName>style.visibility</p:attrName>
+                                        </p:attrNameLst>
+                                      </p:cBhvr>
+                                      <p:to>
+                                        <p:strVal val="visible"/>
+                                      </p:to>
+                                    </p:set>
+                                    <p:animEffect transition="in" filter="fade">
+                                      <p:cBhvr>
+                                        <p:cTn id="12" dur="500"/>
+                                        <p:tgtEl>
+                                          <p:spTgt spid="3">
+                                            <p:txEl>
+                                              <p:pRg st="1" end="1"/>
+                                            </p:txEl>
+                                          </p:spTgt>
+                                        </p:tgtEl>
+                                      </p:cBhvr>
+                                    </p:animEffect>
+                                  </p:childTnLst>
+                                </p:cTn>
+                              </p:par>
+                            </p:childTnLst>
+                          </p:cTn>
+                        </p:par>
+                      </p:childTnLst>
+                    </p:cTn>
+                  </p:par>
+                </p:childTnLst>
+              </p:cTn>
+              <p:prevCondLst>
+                <p:cond evt="onPrev" delay="0">
+                  <p:tgtEl>
+                    <p:sldTgt/>
+                  </p:tgtEl>
+                </p:cond>
+              </p:prevCondLst>
+              <p:nextCondLst>
+                <p:cond evt="onNext" delay="0">
+                  <p:tgtEl>
+                    <p:sldTgt/>
+                  </p:tgtEl>
+                </p:cond>
+              </p:nextCondLst>
+            </p:seq>
+          </p:childTnLst>
+        </p:cTn>
+      </p:par>
+    </p:tnLst>
   </p:timing>
 </p:sld>
 </file>
